--- a/Presentatie/Projecten 1.pptx
+++ b/Presentatie/Projecten 1.pptx
@@ -11,10 +11,10 @@
     <p:sldMasterId id="2147483688" r:id="rId7"/>
   </p:sldMasterIdLst>
   <p:notesMasterIdLst>
-    <p:notesMasterId r:id="rId30"/>
+    <p:notesMasterId r:id="rId34"/>
   </p:notesMasterIdLst>
   <p:handoutMasterIdLst>
-    <p:handoutMasterId r:id="rId31"/>
+    <p:handoutMasterId r:id="rId35"/>
   </p:handoutMasterIdLst>
   <p:sldIdLst>
     <p:sldId id="260" r:id="rId8"/>
@@ -33,12 +33,16 @@
     <p:sldId id="263" r:id="rId21"/>
     <p:sldId id="286" r:id="rId22"/>
     <p:sldId id="288" r:id="rId23"/>
-    <p:sldId id="289" r:id="rId24"/>
-    <p:sldId id="290" r:id="rId25"/>
-    <p:sldId id="287" r:id="rId26"/>
-    <p:sldId id="276" r:id="rId27"/>
-    <p:sldId id="270" r:id="rId28"/>
-    <p:sldId id="268" r:id="rId29"/>
+    <p:sldId id="291" r:id="rId24"/>
+    <p:sldId id="292" r:id="rId25"/>
+    <p:sldId id="293" r:id="rId26"/>
+    <p:sldId id="294" r:id="rId27"/>
+    <p:sldId id="289" r:id="rId28"/>
+    <p:sldId id="290" r:id="rId29"/>
+    <p:sldId id="287" r:id="rId30"/>
+    <p:sldId id="276" r:id="rId31"/>
+    <p:sldId id="270" r:id="rId32"/>
+    <p:sldId id="268" r:id="rId33"/>
   </p:sldIdLst>
   <p:sldSz cx="9144000" cy="6858000" type="screen4x3"/>
   <p:notesSz cx="6858000" cy="9144000"/>
@@ -139,7 +143,7 @@
   </p:defaultTextStyle>
   <p:extLst>
     <p:ext uri="{EFAFB233-063F-42B5-8137-9DF3F51BA10A}">
-      <p15:sldGuideLst xmlns:p15="http://schemas.microsoft.com/office/powerpoint/2012/main" xmlns="">
+      <p15:sldGuideLst xmlns:p15="http://schemas.microsoft.com/office/powerpoint/2012/main">
         <p15:guide id="1" orient="horz" pos="649">
           <p15:clr>
             <a:srgbClr val="A4A3A4"/>
@@ -4257,10 +4261,9 @@
         <a:lstStyle/>
         <a:p>
           <a:r>
-            <a:rPr lang="nl-NL" dirty="0" smtClean="0"/>
+            <a:rPr lang="nl-NL" dirty="0"/>
             <a:t>Login</a:t>
           </a:r>
-          <a:endParaRPr lang="nl-NL" dirty="0"/>
         </a:p>
       </dgm:t>
     </dgm:pt>
@@ -4294,10 +4297,9 @@
         <a:lstStyle/>
         <a:p>
           <a:r>
-            <a:rPr lang="nl-NL" dirty="0" smtClean="0"/>
+            <a:rPr lang="nl-NL" dirty="0"/>
             <a:t>Voorstellen bekijken</a:t>
           </a:r>
-          <a:endParaRPr lang="nl-NL" dirty="0"/>
         </a:p>
       </dgm:t>
     </dgm:pt>
@@ -4331,10 +4333,9 @@
         <a:lstStyle/>
         <a:p>
           <a:r>
-            <a:rPr lang="nl-NL" dirty="0" smtClean="0"/>
+            <a:rPr lang="nl-NL" dirty="0"/>
             <a:t>Nieuw voorstel</a:t>
           </a:r>
-          <a:endParaRPr lang="nl-NL" dirty="0"/>
         </a:p>
       </dgm:t>
     </dgm:pt>
@@ -4368,10 +4369,9 @@
         <a:lstStyle/>
         <a:p>
           <a:r>
-            <a:rPr lang="nl-NL" dirty="0" smtClean="0"/>
+            <a:rPr lang="nl-NL" dirty="0"/>
             <a:t>Groep maken</a:t>
           </a:r>
-          <a:endParaRPr lang="nl-NL" dirty="0"/>
         </a:p>
       </dgm:t>
     </dgm:pt>
@@ -4405,10 +4405,9 @@
         <a:lstStyle/>
         <a:p>
           <a:r>
-            <a:rPr lang="nl-NL" dirty="0" smtClean="0"/>
+            <a:rPr lang="nl-NL" dirty="0"/>
             <a:t>Reactie toevoegen</a:t>
           </a:r>
-          <a:endParaRPr lang="nl-NL" dirty="0"/>
         </a:p>
       </dgm:t>
     </dgm:pt>
@@ -4442,10 +4441,9 @@
         <a:lstStyle/>
         <a:p>
           <a:r>
-            <a:rPr lang="nl-NL" dirty="0" smtClean="0"/>
+            <a:rPr lang="nl-NL" dirty="0"/>
             <a:t>Goed- of afkeuren</a:t>
           </a:r>
-          <a:endParaRPr lang="nl-NL" dirty="0"/>
         </a:p>
       </dgm:t>
     </dgm:pt>
@@ -4483,13 +4481,6 @@
         </dgm:presLayoutVars>
       </dgm:prSet>
       <dgm:spPr/>
-      <dgm:t>
-        <a:bodyPr/>
-        <a:lstStyle/>
-        <a:p>
-          <a:endParaRPr lang="nl-NL"/>
-        </a:p>
-      </dgm:t>
     </dgm:pt>
     <dgm:pt modelId="{B8B73F80-EEBF-414A-8F74-24716596903A}" type="pres">
       <dgm:prSet presAssocID="{C444261A-926F-44E0-BBD9-CC677B1A73B9}" presName="hierRoot1" presStyleCnt="0">
@@ -4510,24 +4501,10 @@
         </dgm:presLayoutVars>
       </dgm:prSet>
       <dgm:spPr/>
-      <dgm:t>
-        <a:bodyPr/>
-        <a:lstStyle/>
-        <a:p>
-          <a:endParaRPr lang="nl-NL"/>
-        </a:p>
-      </dgm:t>
     </dgm:pt>
     <dgm:pt modelId="{0DD2ABD2-D03B-4068-978D-2D43E966B489}" type="pres">
       <dgm:prSet presAssocID="{C444261A-926F-44E0-BBD9-CC677B1A73B9}" presName="rootConnector1" presStyleLbl="node1" presStyleIdx="0" presStyleCnt="0"/>
       <dgm:spPr/>
-      <dgm:t>
-        <a:bodyPr/>
-        <a:lstStyle/>
-        <a:p>
-          <a:endParaRPr lang="nl-NL"/>
-        </a:p>
-      </dgm:t>
     </dgm:pt>
     <dgm:pt modelId="{637A39D2-EEFF-4B43-B0B0-830EEA6BAC40}" type="pres">
       <dgm:prSet presAssocID="{C444261A-926F-44E0-BBD9-CC677B1A73B9}" presName="hierChild2" presStyleCnt="0"/>
@@ -4536,13 +4513,6 @@
     <dgm:pt modelId="{C9C0A820-DF8B-4A08-A5C4-F40A93E58FA8}" type="pres">
       <dgm:prSet presAssocID="{CD8CC0F1-EC89-4149-8395-A13887666B06}" presName="Name37" presStyleLbl="parChTrans1D2" presStyleIdx="0" presStyleCnt="3"/>
       <dgm:spPr/>
-      <dgm:t>
-        <a:bodyPr/>
-        <a:lstStyle/>
-        <a:p>
-          <a:endParaRPr lang="nl-NL"/>
-        </a:p>
-      </dgm:t>
     </dgm:pt>
     <dgm:pt modelId="{582FD181-9328-4990-BEA2-49F3370E9798}" type="pres">
       <dgm:prSet presAssocID="{24B60714-2FF8-4B30-BC3A-24ACCFF73505}" presName="hierRoot2" presStyleCnt="0">
@@ -4563,24 +4533,10 @@
         </dgm:presLayoutVars>
       </dgm:prSet>
       <dgm:spPr/>
-      <dgm:t>
-        <a:bodyPr/>
-        <a:lstStyle/>
-        <a:p>
-          <a:endParaRPr lang="nl-NL"/>
-        </a:p>
-      </dgm:t>
     </dgm:pt>
     <dgm:pt modelId="{12B8324C-ECAA-4CF5-8BEF-9CC06716A4CE}" type="pres">
       <dgm:prSet presAssocID="{24B60714-2FF8-4B30-BC3A-24ACCFF73505}" presName="rootConnector" presStyleLbl="node2" presStyleIdx="0" presStyleCnt="3"/>
       <dgm:spPr/>
-      <dgm:t>
-        <a:bodyPr/>
-        <a:lstStyle/>
-        <a:p>
-          <a:endParaRPr lang="nl-NL"/>
-        </a:p>
-      </dgm:t>
     </dgm:pt>
     <dgm:pt modelId="{8D5577B6-3877-4C53-96F0-711EEBFEE3C2}" type="pres">
       <dgm:prSet presAssocID="{24B60714-2FF8-4B30-BC3A-24ACCFF73505}" presName="hierChild4" presStyleCnt="0"/>
@@ -4589,13 +4545,6 @@
     <dgm:pt modelId="{CA6D404C-0A8D-4407-8F94-C3CE79AE0DDF}" type="pres">
       <dgm:prSet presAssocID="{C678899E-A068-4DE2-86E3-F60AD62E6A77}" presName="Name37" presStyleLbl="parChTrans1D3" presStyleIdx="0" presStyleCnt="2"/>
       <dgm:spPr/>
-      <dgm:t>
-        <a:bodyPr/>
-        <a:lstStyle/>
-        <a:p>
-          <a:endParaRPr lang="nl-NL"/>
-        </a:p>
-      </dgm:t>
     </dgm:pt>
     <dgm:pt modelId="{7A4B9EA1-F790-4AA3-A3BB-2B95B0695778}" type="pres">
       <dgm:prSet presAssocID="{2264899B-16B5-49F3-A7AE-F8A3F60EAD79}" presName="hierRoot2" presStyleCnt="0">
@@ -4616,24 +4565,10 @@
         </dgm:presLayoutVars>
       </dgm:prSet>
       <dgm:spPr/>
-      <dgm:t>
-        <a:bodyPr/>
-        <a:lstStyle/>
-        <a:p>
-          <a:endParaRPr lang="nl-NL"/>
-        </a:p>
-      </dgm:t>
     </dgm:pt>
     <dgm:pt modelId="{4C8B6189-9256-4E06-A5CB-769C16FF41D9}" type="pres">
       <dgm:prSet presAssocID="{2264899B-16B5-49F3-A7AE-F8A3F60EAD79}" presName="rootConnector" presStyleLbl="node3" presStyleIdx="0" presStyleCnt="2"/>
       <dgm:spPr/>
-      <dgm:t>
-        <a:bodyPr/>
-        <a:lstStyle/>
-        <a:p>
-          <a:endParaRPr lang="nl-NL"/>
-        </a:p>
-      </dgm:t>
     </dgm:pt>
     <dgm:pt modelId="{68CB3E32-36D7-4E99-A39B-30785D2D7266}" type="pres">
       <dgm:prSet presAssocID="{2264899B-16B5-49F3-A7AE-F8A3F60EAD79}" presName="hierChild4" presStyleCnt="0"/>
@@ -4650,13 +4585,6 @@
     <dgm:pt modelId="{BC6F9506-0F44-4A4C-AB93-706432B0D796}" type="pres">
       <dgm:prSet presAssocID="{B048637A-5480-4A69-881F-44BD4C9E148D}" presName="Name37" presStyleLbl="parChTrans1D2" presStyleIdx="1" presStyleCnt="3"/>
       <dgm:spPr/>
-      <dgm:t>
-        <a:bodyPr/>
-        <a:lstStyle/>
-        <a:p>
-          <a:endParaRPr lang="nl-NL"/>
-        </a:p>
-      </dgm:t>
     </dgm:pt>
     <dgm:pt modelId="{3086EF58-BAE4-4C59-A592-6FE39A0BD36F}" type="pres">
       <dgm:prSet presAssocID="{2B1479D5-9445-45E0-92BF-7AC071306711}" presName="hierRoot2" presStyleCnt="0">
@@ -4677,24 +4605,10 @@
         </dgm:presLayoutVars>
       </dgm:prSet>
       <dgm:spPr/>
-      <dgm:t>
-        <a:bodyPr/>
-        <a:lstStyle/>
-        <a:p>
-          <a:endParaRPr lang="nl-NL"/>
-        </a:p>
-      </dgm:t>
     </dgm:pt>
     <dgm:pt modelId="{719B166B-1E5F-4888-A753-9ED0A847E65D}" type="pres">
       <dgm:prSet presAssocID="{2B1479D5-9445-45E0-92BF-7AC071306711}" presName="rootConnector" presStyleLbl="node2" presStyleIdx="1" presStyleCnt="3"/>
       <dgm:spPr/>
-      <dgm:t>
-        <a:bodyPr/>
-        <a:lstStyle/>
-        <a:p>
-          <a:endParaRPr lang="nl-NL"/>
-        </a:p>
-      </dgm:t>
     </dgm:pt>
     <dgm:pt modelId="{3EA9EBCE-5E2C-4F03-BC76-EB0FEE828C10}" type="pres">
       <dgm:prSet presAssocID="{2B1479D5-9445-45E0-92BF-7AC071306711}" presName="hierChild4" presStyleCnt="0"/>
@@ -4703,13 +4617,6 @@
     <dgm:pt modelId="{43E00F1A-E5E4-46C3-A127-70AD1CB6BE46}" type="pres">
       <dgm:prSet presAssocID="{5D07F605-10CD-48F3-8750-6300133BC8F5}" presName="Name37" presStyleLbl="parChTrans1D3" presStyleIdx="1" presStyleCnt="2"/>
       <dgm:spPr/>
-      <dgm:t>
-        <a:bodyPr/>
-        <a:lstStyle/>
-        <a:p>
-          <a:endParaRPr lang="nl-NL"/>
-        </a:p>
-      </dgm:t>
     </dgm:pt>
     <dgm:pt modelId="{A2AB9F50-2DC3-4B17-8028-958BD2E516DF}" type="pres">
       <dgm:prSet presAssocID="{B9C6796C-470D-40EE-8AA0-53ABF39DC4C0}" presName="hierRoot2" presStyleCnt="0">
@@ -4730,24 +4637,10 @@
         </dgm:presLayoutVars>
       </dgm:prSet>
       <dgm:spPr/>
-      <dgm:t>
-        <a:bodyPr/>
-        <a:lstStyle/>
-        <a:p>
-          <a:endParaRPr lang="nl-NL"/>
-        </a:p>
-      </dgm:t>
     </dgm:pt>
     <dgm:pt modelId="{770D7277-3970-4194-A718-A6533BD60F6A}" type="pres">
       <dgm:prSet presAssocID="{B9C6796C-470D-40EE-8AA0-53ABF39DC4C0}" presName="rootConnector" presStyleLbl="node3" presStyleIdx="1" presStyleCnt="2"/>
       <dgm:spPr/>
-      <dgm:t>
-        <a:bodyPr/>
-        <a:lstStyle/>
-        <a:p>
-          <a:endParaRPr lang="nl-NL"/>
-        </a:p>
-      </dgm:t>
     </dgm:pt>
     <dgm:pt modelId="{9CB1B098-50A8-4F80-BACE-8941FDD58787}" type="pres">
       <dgm:prSet presAssocID="{B9C6796C-470D-40EE-8AA0-53ABF39DC4C0}" presName="hierChild4" presStyleCnt="0"/>
@@ -4764,13 +4657,6 @@
     <dgm:pt modelId="{17AE36AC-C712-4B8B-BF0F-AC8E00BD03FE}" type="pres">
       <dgm:prSet presAssocID="{3B97E413-E4F0-4C52-8BA6-FB30BFDFD306}" presName="Name37" presStyleLbl="parChTrans1D2" presStyleIdx="2" presStyleCnt="3"/>
       <dgm:spPr/>
-      <dgm:t>
-        <a:bodyPr/>
-        <a:lstStyle/>
-        <a:p>
-          <a:endParaRPr lang="nl-NL"/>
-        </a:p>
-      </dgm:t>
     </dgm:pt>
     <dgm:pt modelId="{A4710D64-F213-4012-88C1-39EC9927625E}" type="pres">
       <dgm:prSet presAssocID="{F6A92AEA-37D3-4254-825D-0F08FB57D737}" presName="hierRoot2" presStyleCnt="0">
@@ -4791,24 +4677,10 @@
         </dgm:presLayoutVars>
       </dgm:prSet>
       <dgm:spPr/>
-      <dgm:t>
-        <a:bodyPr/>
-        <a:lstStyle/>
-        <a:p>
-          <a:endParaRPr lang="nl-NL"/>
-        </a:p>
-      </dgm:t>
     </dgm:pt>
     <dgm:pt modelId="{4BA4801C-995D-4A9D-B14E-4025984C6AE4}" type="pres">
       <dgm:prSet presAssocID="{F6A92AEA-37D3-4254-825D-0F08FB57D737}" presName="rootConnector" presStyleLbl="node2" presStyleIdx="2" presStyleCnt="3"/>
       <dgm:spPr/>
-      <dgm:t>
-        <a:bodyPr/>
-        <a:lstStyle/>
-        <a:p>
-          <a:endParaRPr lang="nl-NL"/>
-        </a:p>
-      </dgm:t>
     </dgm:pt>
     <dgm:pt modelId="{11F97658-29CB-4E8C-BDA5-1365C2826BF9}" type="pres">
       <dgm:prSet presAssocID="{F6A92AEA-37D3-4254-825D-0F08FB57D737}" presName="hierChild4" presStyleCnt="0"/>
@@ -4824,30 +4696,30 @@
     </dgm:pt>
   </dgm:ptLst>
   <dgm:cxnLst>
+    <dgm:cxn modelId="{9B9E1201-66CD-49A8-994A-193031F1DE89}" type="presOf" srcId="{C444261A-926F-44E0-BBD9-CC677B1A73B9}" destId="{FA83A61F-4DAA-4F05-8FD7-158687304BE5}" srcOrd="0" destOrd="0" presId="urn:microsoft.com/office/officeart/2005/8/layout/orgChart1"/>
+    <dgm:cxn modelId="{B3A49024-5ED0-4BDA-9A54-3DE8E58F84F9}" type="presOf" srcId="{24B60714-2FF8-4B30-BC3A-24ACCFF73505}" destId="{12B8324C-ECAA-4CF5-8BEF-9CC06716A4CE}" srcOrd="1" destOrd="0" presId="urn:microsoft.com/office/officeart/2005/8/layout/orgChart1"/>
+    <dgm:cxn modelId="{78382F5C-A6CD-44C3-9552-99CB97A23A2E}" type="presOf" srcId="{B9C6796C-470D-40EE-8AA0-53ABF39DC4C0}" destId="{8E0A11FA-9E03-4B08-A9A6-1C85670E965E}" srcOrd="0" destOrd="0" presId="urn:microsoft.com/office/officeart/2005/8/layout/orgChart1"/>
+    <dgm:cxn modelId="{F2619A5D-0502-4E83-BB06-A8D1C9782342}" srcId="{6C7229DF-A11C-46DE-B48F-813D6695DF8E}" destId="{C444261A-926F-44E0-BBD9-CC677B1A73B9}" srcOrd="0" destOrd="0" parTransId="{217F0151-4360-462E-BCF0-1502409853B6}" sibTransId="{20A4F1A9-76A5-454E-870F-33C7E210D32F}"/>
+    <dgm:cxn modelId="{4EB21361-38B2-4D8E-9AC5-C25B6BB305BE}" type="presOf" srcId="{F6A92AEA-37D3-4254-825D-0F08FB57D737}" destId="{66F44CCB-4E86-4CBF-A0D9-79E9F3EE6678}" srcOrd="0" destOrd="0" presId="urn:microsoft.com/office/officeart/2005/8/layout/orgChart1"/>
+    <dgm:cxn modelId="{6F17B561-F6BC-4B5C-B896-D5258F6D7237}" type="presOf" srcId="{2264899B-16B5-49F3-A7AE-F8A3F60EAD79}" destId="{C116C545-E68A-43F9-9C63-168EF040D110}" srcOrd="0" destOrd="0" presId="urn:microsoft.com/office/officeart/2005/8/layout/orgChart1"/>
+    <dgm:cxn modelId="{649A5E4C-73F9-41E6-AFD2-DC3D75F66C6D}" type="presOf" srcId="{CD8CC0F1-EC89-4149-8395-A13887666B06}" destId="{C9C0A820-DF8B-4A08-A5C4-F40A93E58FA8}" srcOrd="0" destOrd="0" presId="urn:microsoft.com/office/officeart/2005/8/layout/orgChart1"/>
+    <dgm:cxn modelId="{A5776E80-D51D-4775-9F01-B1E8A5029563}" type="presOf" srcId="{B9C6796C-470D-40EE-8AA0-53ABF39DC4C0}" destId="{770D7277-3970-4194-A718-A6533BD60F6A}" srcOrd="1" destOrd="0" presId="urn:microsoft.com/office/officeart/2005/8/layout/orgChart1"/>
+    <dgm:cxn modelId="{CDA02988-4E43-42CA-AC02-6D94E1C6C8BF}" type="presOf" srcId="{6C7229DF-A11C-46DE-B48F-813D6695DF8E}" destId="{C2EDFF9C-2949-4025-9495-CE5398284B83}" srcOrd="0" destOrd="0" presId="urn:microsoft.com/office/officeart/2005/8/layout/orgChart1"/>
+    <dgm:cxn modelId="{5E95C58D-1207-497F-B8FF-89B8A068AC6A}" type="presOf" srcId="{F6A92AEA-37D3-4254-825D-0F08FB57D737}" destId="{4BA4801C-995D-4A9D-B14E-4025984C6AE4}" srcOrd="1" destOrd="0" presId="urn:microsoft.com/office/officeart/2005/8/layout/orgChart1"/>
+    <dgm:cxn modelId="{2BA513A0-1591-472B-97BD-FB678C886BC9}" type="presOf" srcId="{3B97E413-E4F0-4C52-8BA6-FB30BFDFD306}" destId="{17AE36AC-C712-4B8B-BF0F-AC8E00BD03FE}" srcOrd="0" destOrd="0" presId="urn:microsoft.com/office/officeart/2005/8/layout/orgChart1"/>
+    <dgm:cxn modelId="{C69E13B4-E548-4638-8F02-897475DD2E78}" type="presOf" srcId="{B048637A-5480-4A69-881F-44BD4C9E148D}" destId="{BC6F9506-0F44-4A4C-AB93-706432B0D796}" srcOrd="0" destOrd="0" presId="urn:microsoft.com/office/officeart/2005/8/layout/orgChart1"/>
+    <dgm:cxn modelId="{A39F47B6-2299-41F4-B834-34F41D9FF300}" type="presOf" srcId="{2B1479D5-9445-45E0-92BF-7AC071306711}" destId="{36EFA041-32ED-4EC1-B10D-0A7019FCC406}" srcOrd="0" destOrd="0" presId="urn:microsoft.com/office/officeart/2005/8/layout/orgChart1"/>
+    <dgm:cxn modelId="{FE01E4B6-6C76-4F0D-86D2-0A69A1BDEA45}" type="presOf" srcId="{2B1479D5-9445-45E0-92BF-7AC071306711}" destId="{719B166B-1E5F-4888-A753-9ED0A847E65D}" srcOrd="1" destOrd="0" presId="urn:microsoft.com/office/officeart/2005/8/layout/orgChart1"/>
+    <dgm:cxn modelId="{B444C9BD-8043-4ECC-AE79-B09B521B6BC9}" type="presOf" srcId="{2264899B-16B5-49F3-A7AE-F8A3F60EAD79}" destId="{4C8B6189-9256-4E06-A5CB-769C16FF41D9}" srcOrd="1" destOrd="0" presId="urn:microsoft.com/office/officeart/2005/8/layout/orgChart1"/>
+    <dgm:cxn modelId="{B79D07C1-FDBF-4302-86C6-515B9CA411B5}" srcId="{2B1479D5-9445-45E0-92BF-7AC071306711}" destId="{B9C6796C-470D-40EE-8AA0-53ABF39DC4C0}" srcOrd="0" destOrd="0" parTransId="{5D07F605-10CD-48F3-8750-6300133BC8F5}" sibTransId="{BD0868B6-3313-422A-AF8F-C4BD2F3C354A}"/>
+    <dgm:cxn modelId="{3DBAC9C1-05A0-4D13-AB32-8D7EE93EC26A}" srcId="{24B60714-2FF8-4B30-BC3A-24ACCFF73505}" destId="{2264899B-16B5-49F3-A7AE-F8A3F60EAD79}" srcOrd="0" destOrd="0" parTransId="{C678899E-A068-4DE2-86E3-F60AD62E6A77}" sibTransId="{F2436F2A-8576-48D2-A195-10E9CDB67954}"/>
+    <dgm:cxn modelId="{8C1849C5-A86D-4816-BC32-8FEAC87959F8}" srcId="{C444261A-926F-44E0-BBD9-CC677B1A73B9}" destId="{24B60714-2FF8-4B30-BC3A-24ACCFF73505}" srcOrd="0" destOrd="0" parTransId="{CD8CC0F1-EC89-4149-8395-A13887666B06}" sibTransId="{9A84CD74-2CC0-4B16-B1F7-102143C1CB3A}"/>
     <dgm:cxn modelId="{9955A6D2-216A-490E-BF0C-D58A1574C861}" srcId="{C444261A-926F-44E0-BBD9-CC677B1A73B9}" destId="{2B1479D5-9445-45E0-92BF-7AC071306711}" srcOrd="1" destOrd="0" parTransId="{B048637A-5480-4A69-881F-44BD4C9E148D}" sibTransId="{D923AEEB-0316-4C68-B699-75EBD3A7F2AA}"/>
-    <dgm:cxn modelId="{B79D07C1-FDBF-4302-86C6-515B9CA411B5}" srcId="{2B1479D5-9445-45E0-92BF-7AC071306711}" destId="{B9C6796C-470D-40EE-8AA0-53ABF39DC4C0}" srcOrd="0" destOrd="0" parTransId="{5D07F605-10CD-48F3-8750-6300133BC8F5}" sibTransId="{BD0868B6-3313-422A-AF8F-C4BD2F3C354A}"/>
-    <dgm:cxn modelId="{4EB21361-38B2-4D8E-9AC5-C25B6BB305BE}" type="presOf" srcId="{F6A92AEA-37D3-4254-825D-0F08FB57D737}" destId="{66F44CCB-4E86-4CBF-A0D9-79E9F3EE6678}" srcOrd="0" destOrd="0" presId="urn:microsoft.com/office/officeart/2005/8/layout/orgChart1"/>
-    <dgm:cxn modelId="{3DBAC9C1-05A0-4D13-AB32-8D7EE93EC26A}" srcId="{24B60714-2FF8-4B30-BC3A-24ACCFF73505}" destId="{2264899B-16B5-49F3-A7AE-F8A3F60EAD79}" srcOrd="0" destOrd="0" parTransId="{C678899E-A068-4DE2-86E3-F60AD62E6A77}" sibTransId="{F2436F2A-8576-48D2-A195-10E9CDB67954}"/>
-    <dgm:cxn modelId="{78382F5C-A6CD-44C3-9552-99CB97A23A2E}" type="presOf" srcId="{B9C6796C-470D-40EE-8AA0-53ABF39DC4C0}" destId="{8E0A11FA-9E03-4B08-A9A6-1C85670E965E}" srcOrd="0" destOrd="0" presId="urn:microsoft.com/office/officeart/2005/8/layout/orgChart1"/>
-    <dgm:cxn modelId="{FE01E4B6-6C76-4F0D-86D2-0A69A1BDEA45}" type="presOf" srcId="{2B1479D5-9445-45E0-92BF-7AC071306711}" destId="{719B166B-1E5F-4888-A753-9ED0A847E65D}" srcOrd="1" destOrd="0" presId="urn:microsoft.com/office/officeart/2005/8/layout/orgChart1"/>
-    <dgm:cxn modelId="{649A5E4C-73F9-41E6-AFD2-DC3D75F66C6D}" type="presOf" srcId="{CD8CC0F1-EC89-4149-8395-A13887666B06}" destId="{C9C0A820-DF8B-4A08-A5C4-F40A93E58FA8}" srcOrd="0" destOrd="0" presId="urn:microsoft.com/office/officeart/2005/8/layout/orgChart1"/>
-    <dgm:cxn modelId="{9B9E1201-66CD-49A8-994A-193031F1DE89}" type="presOf" srcId="{C444261A-926F-44E0-BBD9-CC677B1A73B9}" destId="{FA83A61F-4DAA-4F05-8FD7-158687304BE5}" srcOrd="0" destOrd="0" presId="urn:microsoft.com/office/officeart/2005/8/layout/orgChart1"/>
-    <dgm:cxn modelId="{1DDBEFFA-D026-4C44-8B04-D0CECAB75322}" srcId="{C444261A-926F-44E0-BBD9-CC677B1A73B9}" destId="{F6A92AEA-37D3-4254-825D-0F08FB57D737}" srcOrd="2" destOrd="0" parTransId="{3B97E413-E4F0-4C52-8BA6-FB30BFDFD306}" sibTransId="{99EE6CB8-2A4C-4822-BA25-BB2931DA02F0}"/>
-    <dgm:cxn modelId="{A5776E80-D51D-4775-9F01-B1E8A5029563}" type="presOf" srcId="{B9C6796C-470D-40EE-8AA0-53ABF39DC4C0}" destId="{770D7277-3970-4194-A718-A6533BD60F6A}" srcOrd="1" destOrd="0" presId="urn:microsoft.com/office/officeart/2005/8/layout/orgChart1"/>
-    <dgm:cxn modelId="{B444C9BD-8043-4ECC-AE79-B09B521B6BC9}" type="presOf" srcId="{2264899B-16B5-49F3-A7AE-F8A3F60EAD79}" destId="{4C8B6189-9256-4E06-A5CB-769C16FF41D9}" srcOrd="1" destOrd="0" presId="urn:microsoft.com/office/officeart/2005/8/layout/orgChart1"/>
-    <dgm:cxn modelId="{F2619A5D-0502-4E83-BB06-A8D1C9782342}" srcId="{6C7229DF-A11C-46DE-B48F-813D6695DF8E}" destId="{C444261A-926F-44E0-BBD9-CC677B1A73B9}" srcOrd="0" destOrd="0" parTransId="{217F0151-4360-462E-BCF0-1502409853B6}" sibTransId="{20A4F1A9-76A5-454E-870F-33C7E210D32F}"/>
-    <dgm:cxn modelId="{8C1849C5-A86D-4816-BC32-8FEAC87959F8}" srcId="{C444261A-926F-44E0-BBD9-CC677B1A73B9}" destId="{24B60714-2FF8-4B30-BC3A-24ACCFF73505}" srcOrd="0" destOrd="0" parTransId="{CD8CC0F1-EC89-4149-8395-A13887666B06}" sibTransId="{9A84CD74-2CC0-4B16-B1F7-102143C1CB3A}"/>
-    <dgm:cxn modelId="{5E95C58D-1207-497F-B8FF-89B8A068AC6A}" type="presOf" srcId="{F6A92AEA-37D3-4254-825D-0F08FB57D737}" destId="{4BA4801C-995D-4A9D-B14E-4025984C6AE4}" srcOrd="1" destOrd="0" presId="urn:microsoft.com/office/officeart/2005/8/layout/orgChart1"/>
-    <dgm:cxn modelId="{8ECC85E7-DDB2-47A3-8CB2-455C4A19CCB9}" type="presOf" srcId="{C444261A-926F-44E0-BBD9-CC677B1A73B9}" destId="{0DD2ABD2-D03B-4068-978D-2D43E966B489}" srcOrd="1" destOrd="0" presId="urn:microsoft.com/office/officeart/2005/8/layout/orgChart1"/>
-    <dgm:cxn modelId="{A39F47B6-2299-41F4-B834-34F41D9FF300}" type="presOf" srcId="{2B1479D5-9445-45E0-92BF-7AC071306711}" destId="{36EFA041-32ED-4EC1-B10D-0A7019FCC406}" srcOrd="0" destOrd="0" presId="urn:microsoft.com/office/officeart/2005/8/layout/orgChart1"/>
-    <dgm:cxn modelId="{C69E13B4-E548-4638-8F02-897475DD2E78}" type="presOf" srcId="{B048637A-5480-4A69-881F-44BD4C9E148D}" destId="{BC6F9506-0F44-4A4C-AB93-706432B0D796}" srcOrd="0" destOrd="0" presId="urn:microsoft.com/office/officeart/2005/8/layout/orgChart1"/>
-    <dgm:cxn modelId="{6F17B561-F6BC-4B5C-B896-D5258F6D7237}" type="presOf" srcId="{2264899B-16B5-49F3-A7AE-F8A3F60EAD79}" destId="{C116C545-E68A-43F9-9C63-168EF040D110}" srcOrd="0" destOrd="0" presId="urn:microsoft.com/office/officeart/2005/8/layout/orgChart1"/>
-    <dgm:cxn modelId="{84D37BF1-20A4-4D4B-853E-14DA2F3127BF}" type="presOf" srcId="{C678899E-A068-4DE2-86E3-F60AD62E6A77}" destId="{CA6D404C-0A8D-4407-8F94-C3CE79AE0DDF}" srcOrd="0" destOrd="0" presId="urn:microsoft.com/office/officeart/2005/8/layout/orgChart1"/>
-    <dgm:cxn modelId="{2BA513A0-1591-472B-97BD-FB678C886BC9}" type="presOf" srcId="{3B97E413-E4F0-4C52-8BA6-FB30BFDFD306}" destId="{17AE36AC-C712-4B8B-BF0F-AC8E00BD03FE}" srcOrd="0" destOrd="0" presId="urn:microsoft.com/office/officeart/2005/8/layout/orgChart1"/>
-    <dgm:cxn modelId="{B3A49024-5ED0-4BDA-9A54-3DE8E58F84F9}" type="presOf" srcId="{24B60714-2FF8-4B30-BC3A-24ACCFF73505}" destId="{12B8324C-ECAA-4CF5-8BEF-9CC06716A4CE}" srcOrd="1" destOrd="0" presId="urn:microsoft.com/office/officeart/2005/8/layout/orgChart1"/>
     <dgm:cxn modelId="{0D0842D3-F575-4CE2-85C6-683477E604B7}" type="presOf" srcId="{5D07F605-10CD-48F3-8750-6300133BC8F5}" destId="{43E00F1A-E5E4-46C3-A127-70AD1CB6BE46}" srcOrd="0" destOrd="0" presId="urn:microsoft.com/office/officeart/2005/8/layout/orgChart1"/>
     <dgm:cxn modelId="{5DC958E1-D81C-48EA-B6FF-2EB5A6A839B5}" type="presOf" srcId="{24B60714-2FF8-4B30-BC3A-24ACCFF73505}" destId="{DA506C74-A524-41B6-8A97-08D2AC21D8A6}" srcOrd="0" destOrd="0" presId="urn:microsoft.com/office/officeart/2005/8/layout/orgChart1"/>
-    <dgm:cxn modelId="{CDA02988-4E43-42CA-AC02-6D94E1C6C8BF}" type="presOf" srcId="{6C7229DF-A11C-46DE-B48F-813D6695DF8E}" destId="{C2EDFF9C-2949-4025-9495-CE5398284B83}" srcOrd="0" destOrd="0" presId="urn:microsoft.com/office/officeart/2005/8/layout/orgChart1"/>
+    <dgm:cxn modelId="{8ECC85E7-DDB2-47A3-8CB2-455C4A19CCB9}" type="presOf" srcId="{C444261A-926F-44E0-BBD9-CC677B1A73B9}" destId="{0DD2ABD2-D03B-4068-978D-2D43E966B489}" srcOrd="1" destOrd="0" presId="urn:microsoft.com/office/officeart/2005/8/layout/orgChart1"/>
+    <dgm:cxn modelId="{84D37BF1-20A4-4D4B-853E-14DA2F3127BF}" type="presOf" srcId="{C678899E-A068-4DE2-86E3-F60AD62E6A77}" destId="{CA6D404C-0A8D-4407-8F94-C3CE79AE0DDF}" srcOrd="0" destOrd="0" presId="urn:microsoft.com/office/officeart/2005/8/layout/orgChart1"/>
+    <dgm:cxn modelId="{1DDBEFFA-D026-4C44-8B04-D0CECAB75322}" srcId="{C444261A-926F-44E0-BBD9-CC677B1A73B9}" destId="{F6A92AEA-37D3-4254-825D-0F08FB57D737}" srcOrd="2" destOrd="0" parTransId="{3B97E413-E4F0-4C52-8BA6-FB30BFDFD306}" sibTransId="{99EE6CB8-2A4C-4822-BA25-BB2931DA02F0}"/>
     <dgm:cxn modelId="{E985449D-8112-452D-BC9A-7CF7719F25D5}" type="presParOf" srcId="{C2EDFF9C-2949-4025-9495-CE5398284B83}" destId="{B8B73F80-EEBF-414A-8F74-24716596903A}" srcOrd="0" destOrd="0" presId="urn:microsoft.com/office/officeart/2005/8/layout/orgChart1"/>
     <dgm:cxn modelId="{F86897BD-86FE-48B6-B026-1035216C22FA}" type="presParOf" srcId="{B8B73F80-EEBF-414A-8F74-24716596903A}" destId="{58DE9239-8E91-44BA-B039-A2B3A1160E63}" srcOrd="0" destOrd="0" presId="urn:microsoft.com/office/officeart/2005/8/layout/orgChart1"/>
     <dgm:cxn modelId="{000F47AD-48C1-40B0-BCD6-22EC02974F85}" type="presParOf" srcId="{58DE9239-8E91-44BA-B039-A2B3A1160E63}" destId="{FA83A61F-4DAA-4F05-8FD7-158687304BE5}" srcOrd="0" destOrd="0" presId="urn:microsoft.com/office/officeart/2005/8/layout/orgChart1"/>
@@ -4922,10 +4794,9 @@
         <a:lstStyle/>
         <a:p>
           <a:r>
-            <a:rPr lang="nl-NL" dirty="0" smtClean="0"/>
+            <a:rPr lang="nl-NL" dirty="0"/>
             <a:t>Docent</a:t>
           </a:r>
-          <a:endParaRPr lang="nl-NL" dirty="0"/>
         </a:p>
       </dgm:t>
     </dgm:pt>
@@ -4959,10 +4830,9 @@
         <a:lstStyle/>
         <a:p>
           <a:r>
-            <a:rPr lang="nl-NL" dirty="0" smtClean="0"/>
+            <a:rPr lang="nl-NL" dirty="0"/>
             <a:t>Goedkeuring</a:t>
           </a:r>
-          <a:endParaRPr lang="nl-NL" dirty="0"/>
         </a:p>
       </dgm:t>
     </dgm:pt>
@@ -5000,10 +4870,9 @@
         <a:lstStyle/>
         <a:p>
           <a:r>
-            <a:rPr lang="nl-NL" dirty="0" smtClean="0"/>
+            <a:rPr lang="nl-NL" dirty="0"/>
             <a:t>Student</a:t>
           </a:r>
-          <a:endParaRPr lang="nl-NL" dirty="0"/>
         </a:p>
       </dgm:t>
     </dgm:pt>
@@ -5041,10 +4910,9 @@
         <a:lstStyle/>
         <a:p>
           <a:r>
-            <a:rPr lang="nl-NL" dirty="0" smtClean="0"/>
+            <a:rPr lang="nl-NL" dirty="0"/>
             <a:t>Voorstel indienen</a:t>
           </a:r>
-          <a:endParaRPr lang="nl-NL" dirty="0"/>
         </a:p>
       </dgm:t>
     </dgm:pt>
@@ -5078,10 +4946,9 @@
         <a:lstStyle/>
         <a:p>
           <a:r>
-            <a:rPr lang="nl-NL" dirty="0" smtClean="0"/>
+            <a:rPr lang="nl-NL" dirty="0"/>
             <a:t>Afkeuring</a:t>
           </a:r>
-          <a:endParaRPr lang="nl-NL" dirty="0"/>
         </a:p>
       </dgm:t>
     </dgm:pt>
@@ -5119,10 +4986,9 @@
         <a:lstStyle/>
         <a:p>
           <a:r>
-            <a:rPr lang="nl-NL" dirty="0" smtClean="0"/>
+            <a:rPr lang="nl-NL" dirty="0"/>
             <a:t>Belbintest</a:t>
           </a:r>
-          <a:endParaRPr lang="nl-NL" dirty="0"/>
         </a:p>
       </dgm:t>
     </dgm:pt>
@@ -5167,10 +5033,9 @@
         <a:lstStyle/>
         <a:p>
           <a:r>
-            <a:rPr lang="nl-NL" dirty="0" smtClean="0"/>
+            <a:rPr lang="nl-NL" dirty="0"/>
             <a:t>Login</a:t>
           </a:r>
-          <a:endParaRPr lang="nl-NL" dirty="0"/>
         </a:p>
       </dgm:t>
     </dgm:pt>
@@ -5208,10 +5073,9 @@
         <a:lstStyle/>
         <a:p>
           <a:r>
-            <a:rPr lang="nl-NL" dirty="0" smtClean="0"/>
+            <a:rPr lang="nl-NL" dirty="0"/>
             <a:t>Studenten toevoegen</a:t>
           </a:r>
-          <a:endParaRPr lang="nl-NL" dirty="0"/>
         </a:p>
       </dgm:t>
     </dgm:pt>
@@ -5249,10 +5113,9 @@
         <a:lstStyle/>
         <a:p>
           <a:r>
-            <a:rPr lang="nl-NL" dirty="0" smtClean="0"/>
+            <a:rPr lang="nl-NL" dirty="0"/>
             <a:t>Voorstel bewerken</a:t>
           </a:r>
-          <a:endParaRPr lang="nl-NL" dirty="0"/>
         </a:p>
       </dgm:t>
     </dgm:pt>
@@ -5289,13 +5152,6 @@
         </dgm:presLayoutVars>
       </dgm:prSet>
       <dgm:spPr/>
-      <dgm:t>
-        <a:bodyPr/>
-        <a:lstStyle/>
-        <a:p>
-          <a:endParaRPr lang="nl-NL"/>
-        </a:p>
-      </dgm:t>
     </dgm:pt>
     <dgm:pt modelId="{112F1388-F474-41ED-A536-52253DBBBE07}" type="pres">
       <dgm:prSet presAssocID="{538E2320-AE21-4F04-940D-7B3B13AB6268}" presName="root1" presStyleCnt="0"/>
@@ -5308,13 +5164,6 @@
         </dgm:presLayoutVars>
       </dgm:prSet>
       <dgm:spPr/>
-      <dgm:t>
-        <a:bodyPr/>
-        <a:lstStyle/>
-        <a:p>
-          <a:endParaRPr lang="nl-NL"/>
-        </a:p>
-      </dgm:t>
     </dgm:pt>
     <dgm:pt modelId="{C7AF056B-167A-4315-9188-5AFF6D273834}" type="pres">
       <dgm:prSet presAssocID="{538E2320-AE21-4F04-940D-7B3B13AB6268}" presName="level2hierChild" presStyleCnt="0"/>
@@ -5323,24 +5172,10 @@
     <dgm:pt modelId="{CCD514DE-F227-4D1D-84B9-B8881F3CB5DA}" type="pres">
       <dgm:prSet presAssocID="{6C57450D-30C4-42A0-96D1-6DED29BDF488}" presName="conn2-1" presStyleLbl="parChTrans1D2" presStyleIdx="0" presStyleCnt="2"/>
       <dgm:spPr/>
-      <dgm:t>
-        <a:bodyPr/>
-        <a:lstStyle/>
-        <a:p>
-          <a:endParaRPr lang="nl-NL"/>
-        </a:p>
-      </dgm:t>
     </dgm:pt>
     <dgm:pt modelId="{4695EB31-13F0-4F27-BF1B-2A654C950D85}" type="pres">
       <dgm:prSet presAssocID="{6C57450D-30C4-42A0-96D1-6DED29BDF488}" presName="connTx" presStyleLbl="parChTrans1D2" presStyleIdx="0" presStyleCnt="2"/>
       <dgm:spPr/>
-      <dgm:t>
-        <a:bodyPr/>
-        <a:lstStyle/>
-        <a:p>
-          <a:endParaRPr lang="nl-NL"/>
-        </a:p>
-      </dgm:t>
     </dgm:pt>
     <dgm:pt modelId="{52D0BF1A-7F30-43F4-A370-D2E2F710649D}" type="pres">
       <dgm:prSet presAssocID="{FAE4A02A-D21C-4E93-A1BA-747DC4A3B06E}" presName="root2" presStyleCnt="0"/>
@@ -5353,13 +5188,6 @@
         </dgm:presLayoutVars>
       </dgm:prSet>
       <dgm:spPr/>
-      <dgm:t>
-        <a:bodyPr/>
-        <a:lstStyle/>
-        <a:p>
-          <a:endParaRPr lang="nl-NL"/>
-        </a:p>
-      </dgm:t>
     </dgm:pt>
     <dgm:pt modelId="{0C8045B9-7211-4EDE-B009-B45A272C5176}" type="pres">
       <dgm:prSet presAssocID="{FAE4A02A-D21C-4E93-A1BA-747DC4A3B06E}" presName="level3hierChild" presStyleCnt="0"/>
@@ -5368,24 +5196,10 @@
     <dgm:pt modelId="{EAFD987D-4565-448A-9D3F-541AED5B1467}" type="pres">
       <dgm:prSet presAssocID="{E38B7F15-69D4-42A6-9DA1-2D46B779EDCA}" presName="conn2-1" presStyleLbl="parChTrans1D3" presStyleIdx="0" presStyleCnt="6"/>
       <dgm:spPr/>
-      <dgm:t>
-        <a:bodyPr/>
-        <a:lstStyle/>
-        <a:p>
-          <a:endParaRPr lang="nl-NL"/>
-        </a:p>
-      </dgm:t>
     </dgm:pt>
     <dgm:pt modelId="{F09EDED7-8077-46D6-A266-32C89707722A}" type="pres">
       <dgm:prSet presAssocID="{E38B7F15-69D4-42A6-9DA1-2D46B779EDCA}" presName="connTx" presStyleLbl="parChTrans1D3" presStyleIdx="0" presStyleCnt="6"/>
       <dgm:spPr/>
-      <dgm:t>
-        <a:bodyPr/>
-        <a:lstStyle/>
-        <a:p>
-          <a:endParaRPr lang="nl-NL"/>
-        </a:p>
-      </dgm:t>
     </dgm:pt>
     <dgm:pt modelId="{E94C66B9-BAFF-41E5-8187-A7087F919DD3}" type="pres">
       <dgm:prSet presAssocID="{30F43D25-C0DF-4A5C-B833-44CA803F2F0C}" presName="root2" presStyleCnt="0"/>
@@ -5398,13 +5212,6 @@
         </dgm:presLayoutVars>
       </dgm:prSet>
       <dgm:spPr/>
-      <dgm:t>
-        <a:bodyPr/>
-        <a:lstStyle/>
-        <a:p>
-          <a:endParaRPr lang="nl-NL"/>
-        </a:p>
-      </dgm:t>
     </dgm:pt>
     <dgm:pt modelId="{A8497D52-D793-46D5-A886-AF0A080455A0}" type="pres">
       <dgm:prSet presAssocID="{30F43D25-C0DF-4A5C-B833-44CA803F2F0C}" presName="level3hierChild" presStyleCnt="0"/>
@@ -5413,24 +5220,10 @@
     <dgm:pt modelId="{6324FD77-0EC7-4560-A27C-0987F63CFE11}" type="pres">
       <dgm:prSet presAssocID="{A1E0D7C9-58F0-4865-B338-3E558D1308A6}" presName="conn2-1" presStyleLbl="parChTrans1D3" presStyleIdx="1" presStyleCnt="6"/>
       <dgm:spPr/>
-      <dgm:t>
-        <a:bodyPr/>
-        <a:lstStyle/>
-        <a:p>
-          <a:endParaRPr lang="nl-NL"/>
-        </a:p>
-      </dgm:t>
     </dgm:pt>
     <dgm:pt modelId="{877E29C8-1E73-4F0B-8E40-E5CDAD8C07CB}" type="pres">
       <dgm:prSet presAssocID="{A1E0D7C9-58F0-4865-B338-3E558D1308A6}" presName="connTx" presStyleLbl="parChTrans1D3" presStyleIdx="1" presStyleCnt="6"/>
       <dgm:spPr/>
-      <dgm:t>
-        <a:bodyPr/>
-        <a:lstStyle/>
-        <a:p>
-          <a:endParaRPr lang="nl-NL"/>
-        </a:p>
-      </dgm:t>
     </dgm:pt>
     <dgm:pt modelId="{3343CDF8-47A1-44A4-A4E9-CB26F980B3C7}" type="pres">
       <dgm:prSet presAssocID="{33E4F0F8-EBE9-41B0-99C8-A69C6D96AF19}" presName="root2" presStyleCnt="0"/>
@@ -5443,13 +5236,6 @@
         </dgm:presLayoutVars>
       </dgm:prSet>
       <dgm:spPr/>
-      <dgm:t>
-        <a:bodyPr/>
-        <a:lstStyle/>
-        <a:p>
-          <a:endParaRPr lang="nl-NL"/>
-        </a:p>
-      </dgm:t>
     </dgm:pt>
     <dgm:pt modelId="{4B90380C-43D6-4DB2-99FF-18B0B45B2F91}" type="pres">
       <dgm:prSet presAssocID="{33E4F0F8-EBE9-41B0-99C8-A69C6D96AF19}" presName="level3hierChild" presStyleCnt="0"/>
@@ -5458,24 +5244,10 @@
     <dgm:pt modelId="{5A0BD4A4-A1F9-4C33-8329-99DA18C4A77F}" type="pres">
       <dgm:prSet presAssocID="{F967F01C-5307-482E-8F72-B4D3AABCF135}" presName="conn2-1" presStyleLbl="parChTrans1D2" presStyleIdx="1" presStyleCnt="2"/>
       <dgm:spPr/>
-      <dgm:t>
-        <a:bodyPr/>
-        <a:lstStyle/>
-        <a:p>
-          <a:endParaRPr lang="nl-NL"/>
-        </a:p>
-      </dgm:t>
     </dgm:pt>
     <dgm:pt modelId="{5D7149C0-D3CE-4C30-BDCC-7B3DD010F778}" type="pres">
       <dgm:prSet presAssocID="{F967F01C-5307-482E-8F72-B4D3AABCF135}" presName="connTx" presStyleLbl="parChTrans1D2" presStyleIdx="1" presStyleCnt="2"/>
       <dgm:spPr/>
-      <dgm:t>
-        <a:bodyPr/>
-        <a:lstStyle/>
-        <a:p>
-          <a:endParaRPr lang="nl-NL"/>
-        </a:p>
-      </dgm:t>
     </dgm:pt>
     <dgm:pt modelId="{00463F7B-A15D-432E-AAFB-EC40A27900DE}" type="pres">
       <dgm:prSet presAssocID="{320A57A4-C9BF-4982-BAF8-EA139F9982F4}" presName="root2" presStyleCnt="0"/>
@@ -5488,13 +5260,6 @@
         </dgm:presLayoutVars>
       </dgm:prSet>
       <dgm:spPr/>
-      <dgm:t>
-        <a:bodyPr/>
-        <a:lstStyle/>
-        <a:p>
-          <a:endParaRPr lang="nl-NL"/>
-        </a:p>
-      </dgm:t>
     </dgm:pt>
     <dgm:pt modelId="{8A397C54-A0A6-496C-A42E-A55D14360D70}" type="pres">
       <dgm:prSet presAssocID="{320A57A4-C9BF-4982-BAF8-EA139F9982F4}" presName="level3hierChild" presStyleCnt="0"/>
@@ -5503,24 +5268,10 @@
     <dgm:pt modelId="{BE1C2624-510A-401C-B9DF-B5622731BA0E}" type="pres">
       <dgm:prSet presAssocID="{5EEDE10F-6DAF-4C77-A725-6FA934B160F6}" presName="conn2-1" presStyleLbl="parChTrans1D3" presStyleIdx="2" presStyleCnt="6"/>
       <dgm:spPr/>
-      <dgm:t>
-        <a:bodyPr/>
-        <a:lstStyle/>
-        <a:p>
-          <a:endParaRPr lang="nl-NL"/>
-        </a:p>
-      </dgm:t>
     </dgm:pt>
     <dgm:pt modelId="{1463A4C8-3900-4326-9261-7D4C3D2F8631}" type="pres">
       <dgm:prSet presAssocID="{5EEDE10F-6DAF-4C77-A725-6FA934B160F6}" presName="connTx" presStyleLbl="parChTrans1D3" presStyleIdx="2" presStyleCnt="6"/>
       <dgm:spPr/>
-      <dgm:t>
-        <a:bodyPr/>
-        <a:lstStyle/>
-        <a:p>
-          <a:endParaRPr lang="nl-NL"/>
-        </a:p>
-      </dgm:t>
     </dgm:pt>
     <dgm:pt modelId="{AB42ADE6-B547-4D21-A40D-90D05AD3A74F}" type="pres">
       <dgm:prSet presAssocID="{8BF69A4F-B6BB-4A2A-A5C9-0F7D8CD3A375}" presName="root2" presStyleCnt="0"/>
@@ -5533,13 +5284,6 @@
         </dgm:presLayoutVars>
       </dgm:prSet>
       <dgm:spPr/>
-      <dgm:t>
-        <a:bodyPr/>
-        <a:lstStyle/>
-        <a:p>
-          <a:endParaRPr lang="nl-NL"/>
-        </a:p>
-      </dgm:t>
     </dgm:pt>
     <dgm:pt modelId="{F1EC3E18-4FBB-4410-A574-7319DBE96DD1}" type="pres">
       <dgm:prSet presAssocID="{8BF69A4F-B6BB-4A2A-A5C9-0F7D8CD3A375}" presName="level3hierChild" presStyleCnt="0"/>
@@ -5548,24 +5292,10 @@
     <dgm:pt modelId="{E572EEF4-3982-4649-9287-C93D82BB2A67}" type="pres">
       <dgm:prSet presAssocID="{B925AEA0-40F0-4690-9BF6-4A1E48E82E79}" presName="conn2-1" presStyleLbl="parChTrans1D3" presStyleIdx="3" presStyleCnt="6"/>
       <dgm:spPr/>
-      <dgm:t>
-        <a:bodyPr/>
-        <a:lstStyle/>
-        <a:p>
-          <a:endParaRPr lang="nl-NL"/>
-        </a:p>
-      </dgm:t>
     </dgm:pt>
     <dgm:pt modelId="{23F8D530-29C0-4915-A6BE-6E0D0479343F}" type="pres">
       <dgm:prSet presAssocID="{B925AEA0-40F0-4690-9BF6-4A1E48E82E79}" presName="connTx" presStyleLbl="parChTrans1D3" presStyleIdx="3" presStyleCnt="6"/>
       <dgm:spPr/>
-      <dgm:t>
-        <a:bodyPr/>
-        <a:lstStyle/>
-        <a:p>
-          <a:endParaRPr lang="nl-NL"/>
-        </a:p>
-      </dgm:t>
     </dgm:pt>
     <dgm:pt modelId="{001079CF-B338-4C46-BBD5-4CA019FCE66F}" type="pres">
       <dgm:prSet presAssocID="{35E02D4B-7AB3-489A-802E-A6BCE495472E}" presName="root2" presStyleCnt="0"/>
@@ -5578,13 +5308,6 @@
         </dgm:presLayoutVars>
       </dgm:prSet>
       <dgm:spPr/>
-      <dgm:t>
-        <a:bodyPr/>
-        <a:lstStyle/>
-        <a:p>
-          <a:endParaRPr lang="nl-NL"/>
-        </a:p>
-      </dgm:t>
     </dgm:pt>
     <dgm:pt modelId="{A1AACD16-9129-4AA3-B061-3230A92B3264}" type="pres">
       <dgm:prSet presAssocID="{35E02D4B-7AB3-489A-802E-A6BCE495472E}" presName="level3hierChild" presStyleCnt="0"/>
@@ -5593,24 +5316,10 @@
     <dgm:pt modelId="{5735AA61-E36A-499F-9C45-5CBA4FA40E6B}" type="pres">
       <dgm:prSet presAssocID="{CA9A90AC-C9C1-4DC3-85C3-BA6C0055617D}" presName="conn2-1" presStyleLbl="parChTrans1D3" presStyleIdx="4" presStyleCnt="6"/>
       <dgm:spPr/>
-      <dgm:t>
-        <a:bodyPr/>
-        <a:lstStyle/>
-        <a:p>
-          <a:endParaRPr lang="nl-NL"/>
-        </a:p>
-      </dgm:t>
     </dgm:pt>
     <dgm:pt modelId="{FD14EA2E-50CA-40D8-9BEA-5E9AFA0A48A2}" type="pres">
       <dgm:prSet presAssocID="{CA9A90AC-C9C1-4DC3-85C3-BA6C0055617D}" presName="connTx" presStyleLbl="parChTrans1D3" presStyleIdx="4" presStyleCnt="6"/>
       <dgm:spPr/>
-      <dgm:t>
-        <a:bodyPr/>
-        <a:lstStyle/>
-        <a:p>
-          <a:endParaRPr lang="nl-NL"/>
-        </a:p>
-      </dgm:t>
     </dgm:pt>
     <dgm:pt modelId="{2C57CAC3-70D5-4E9B-9F52-CC887A93EF62}" type="pres">
       <dgm:prSet presAssocID="{F6B4A062-33D7-44DC-A99C-9E38B6C267E0}" presName="root2" presStyleCnt="0"/>
@@ -5623,13 +5332,6 @@
         </dgm:presLayoutVars>
       </dgm:prSet>
       <dgm:spPr/>
-      <dgm:t>
-        <a:bodyPr/>
-        <a:lstStyle/>
-        <a:p>
-          <a:endParaRPr lang="nl-NL"/>
-        </a:p>
-      </dgm:t>
     </dgm:pt>
     <dgm:pt modelId="{DF31D6C6-4892-4FBE-8CD2-768182B93A2E}" type="pres">
       <dgm:prSet presAssocID="{F6B4A062-33D7-44DC-A99C-9E38B6C267E0}" presName="level3hierChild" presStyleCnt="0"/>
@@ -5638,24 +5340,10 @@
     <dgm:pt modelId="{7CB8DCC4-0E4E-4ADE-9D92-2EC5C866EBFB}" type="pres">
       <dgm:prSet presAssocID="{D610BEC7-D37F-483B-9892-F11AA1C56375}" presName="conn2-1" presStyleLbl="parChTrans1D3" presStyleIdx="5" presStyleCnt="6"/>
       <dgm:spPr/>
-      <dgm:t>
-        <a:bodyPr/>
-        <a:lstStyle/>
-        <a:p>
-          <a:endParaRPr lang="nl-NL"/>
-        </a:p>
-      </dgm:t>
     </dgm:pt>
     <dgm:pt modelId="{DC787FAA-7D99-4D60-81F9-CBE46DB0A382}" type="pres">
       <dgm:prSet presAssocID="{D610BEC7-D37F-483B-9892-F11AA1C56375}" presName="connTx" presStyleLbl="parChTrans1D3" presStyleIdx="5" presStyleCnt="6"/>
       <dgm:spPr/>
-      <dgm:t>
-        <a:bodyPr/>
-        <a:lstStyle/>
-        <a:p>
-          <a:endParaRPr lang="nl-NL"/>
-        </a:p>
-      </dgm:t>
     </dgm:pt>
     <dgm:pt modelId="{84CF6F77-3E19-4BAC-B573-8F7344EC9421}" type="pres">
       <dgm:prSet presAssocID="{8788B0F7-A35F-4042-91CE-6107ACADE71D}" presName="root2" presStyleCnt="0"/>
@@ -5668,13 +5356,6 @@
         </dgm:presLayoutVars>
       </dgm:prSet>
       <dgm:spPr/>
-      <dgm:t>
-        <a:bodyPr/>
-        <a:lstStyle/>
-        <a:p>
-          <a:endParaRPr lang="nl-NL"/>
-        </a:p>
-      </dgm:t>
     </dgm:pt>
     <dgm:pt modelId="{7288F8B9-B1DE-456F-9ED6-16F01812D675}" type="pres">
       <dgm:prSet presAssocID="{8788B0F7-A35F-4042-91CE-6107ACADE71D}" presName="level3hierChild" presStyleCnt="0"/>
@@ -5682,41 +5363,41 @@
     </dgm:pt>
   </dgm:ptLst>
   <dgm:cxnLst>
+    <dgm:cxn modelId="{2B708A02-890A-4E83-B46A-FD03C63AC88A}" type="presOf" srcId="{18F054AC-5A5B-43C3-A058-29562168C9CA}" destId="{C450F48F-02CE-4A37-AF92-1FEE157A4F45}" srcOrd="0" destOrd="0" presId="urn:microsoft.com/office/officeart/2005/8/layout/hierarchy2"/>
+    <dgm:cxn modelId="{1526730A-0E62-4B72-AC15-140BF88E5B15}" type="presOf" srcId="{5EEDE10F-6DAF-4C77-A725-6FA934B160F6}" destId="{1463A4C8-3900-4326-9261-7D4C3D2F8631}" srcOrd="1" destOrd="0" presId="urn:microsoft.com/office/officeart/2005/8/layout/hierarchy2"/>
+    <dgm:cxn modelId="{8E34240E-E9D1-4551-9D5F-49F7641BDE8D}" type="presOf" srcId="{F967F01C-5307-482E-8F72-B4D3AABCF135}" destId="{5A0BD4A4-A1F9-4C33-8329-99DA18C4A77F}" srcOrd="0" destOrd="0" presId="urn:microsoft.com/office/officeart/2005/8/layout/hierarchy2"/>
+    <dgm:cxn modelId="{C5675F1B-5C99-483C-89B3-9D5AB86B86B5}" type="presOf" srcId="{E38B7F15-69D4-42A6-9DA1-2D46B779EDCA}" destId="{F09EDED7-8077-46D6-A266-32C89707722A}" srcOrd="1" destOrd="0" presId="urn:microsoft.com/office/officeart/2005/8/layout/hierarchy2"/>
+    <dgm:cxn modelId="{BF3B0E26-079C-4DFD-B79F-65D43F526409}" type="presOf" srcId="{A1E0D7C9-58F0-4865-B338-3E558D1308A6}" destId="{6324FD77-0EC7-4560-A27C-0987F63CFE11}" srcOrd="0" destOrd="0" presId="urn:microsoft.com/office/officeart/2005/8/layout/hierarchy2"/>
+    <dgm:cxn modelId="{90AEAB3D-965D-44A2-9EDF-E2513D30A1C0}" srcId="{FAE4A02A-D21C-4E93-A1BA-747DC4A3B06E}" destId="{33E4F0F8-EBE9-41B0-99C8-A69C6D96AF19}" srcOrd="1" destOrd="0" parTransId="{A1E0D7C9-58F0-4865-B338-3E558D1308A6}" sibTransId="{2C4625F4-4A13-44EF-A68A-5180A91BAFB2}"/>
+    <dgm:cxn modelId="{775D8960-5590-434E-B6C1-413BF9CAED8F}" type="presOf" srcId="{6C57450D-30C4-42A0-96D1-6DED29BDF488}" destId="{CCD514DE-F227-4D1D-84B9-B8881F3CB5DA}" srcOrd="0" destOrd="0" presId="urn:microsoft.com/office/officeart/2005/8/layout/hierarchy2"/>
     <dgm:cxn modelId="{47E1D561-013F-4F75-925C-2A9843948FD6}" type="presOf" srcId="{30F43D25-C0DF-4A5C-B833-44CA803F2F0C}" destId="{E224133B-EE50-4100-8608-FFF318E1B533}" srcOrd="0" destOrd="0" presId="urn:microsoft.com/office/officeart/2005/8/layout/hierarchy2"/>
-    <dgm:cxn modelId="{BF3B0E26-079C-4DFD-B79F-65D43F526409}" type="presOf" srcId="{A1E0D7C9-58F0-4865-B338-3E558D1308A6}" destId="{6324FD77-0EC7-4560-A27C-0987F63CFE11}" srcOrd="0" destOrd="0" presId="urn:microsoft.com/office/officeart/2005/8/layout/hierarchy2"/>
+    <dgm:cxn modelId="{97531644-3F38-447C-8BBE-E2863935A73D}" type="presOf" srcId="{538E2320-AE21-4F04-940D-7B3B13AB6268}" destId="{A5835191-13F4-4498-9571-764336BB0D8E}" srcOrd="0" destOrd="0" presId="urn:microsoft.com/office/officeart/2005/8/layout/hierarchy2"/>
+    <dgm:cxn modelId="{494A8E46-7F5C-4A7C-86E5-7E1EEDDF335C}" srcId="{320A57A4-C9BF-4982-BAF8-EA139F9982F4}" destId="{8BF69A4F-B6BB-4A2A-A5C9-0F7D8CD3A375}" srcOrd="0" destOrd="0" parTransId="{5EEDE10F-6DAF-4C77-A725-6FA934B160F6}" sibTransId="{5442433E-20D0-49FF-B82B-B9C622758455}"/>
+    <dgm:cxn modelId="{5FE0806A-832B-4A4B-99BA-CFA2AA8A9B47}" type="presOf" srcId="{D610BEC7-D37F-483B-9892-F11AA1C56375}" destId="{7CB8DCC4-0E4E-4ADE-9D92-2EC5C866EBFB}" srcOrd="0" destOrd="0" presId="urn:microsoft.com/office/officeart/2005/8/layout/hierarchy2"/>
+    <dgm:cxn modelId="{0B0FDC4C-C398-4B8F-81DB-8B8757050AFA}" type="presOf" srcId="{F6B4A062-33D7-44DC-A99C-9E38B6C267E0}" destId="{B270A4FF-1420-4F94-989C-E4FB3B90568C}" srcOrd="0" destOrd="0" presId="urn:microsoft.com/office/officeart/2005/8/layout/hierarchy2"/>
+    <dgm:cxn modelId="{C1BA6B4D-7DF3-4620-98C0-5C1415D9BC7B}" type="presOf" srcId="{33E4F0F8-EBE9-41B0-99C8-A69C6D96AF19}" destId="{71BC05F1-EF0B-441C-BDA7-CD1320D92BC2}" srcOrd="0" destOrd="0" presId="urn:microsoft.com/office/officeart/2005/8/layout/hierarchy2"/>
+    <dgm:cxn modelId="{BB1C8B4E-9CD5-44AD-998D-4EBFDFB1F5E6}" srcId="{320A57A4-C9BF-4982-BAF8-EA139F9982F4}" destId="{F6B4A062-33D7-44DC-A99C-9E38B6C267E0}" srcOrd="2" destOrd="0" parTransId="{CA9A90AC-C9C1-4DC3-85C3-BA6C0055617D}" sibTransId="{58CF61D9-58B4-45B7-9E33-2037DFAD7F8D}"/>
+    <dgm:cxn modelId="{D7285253-3CD6-4A09-9B53-95ED257FBCCC}" type="presOf" srcId="{8BF69A4F-B6BB-4A2A-A5C9-0F7D8CD3A375}" destId="{1E8D4966-D1A9-4DDD-90E1-FB55E7032801}" srcOrd="0" destOrd="0" presId="urn:microsoft.com/office/officeart/2005/8/layout/hierarchy2"/>
+    <dgm:cxn modelId="{89B4EB8E-5025-453A-8371-ED0FCC7D183D}" srcId="{538E2320-AE21-4F04-940D-7B3B13AB6268}" destId="{FAE4A02A-D21C-4E93-A1BA-747DC4A3B06E}" srcOrd="0" destOrd="0" parTransId="{6C57450D-30C4-42A0-96D1-6DED29BDF488}" sibTransId="{E76D61A0-A7F1-4349-866A-9DA5EDA7781B}"/>
+    <dgm:cxn modelId="{88D1A895-DDAC-4E19-812E-770C20A6F3F3}" type="presOf" srcId="{5EEDE10F-6DAF-4C77-A725-6FA934B160F6}" destId="{BE1C2624-510A-401C-B9DF-B5622731BA0E}" srcOrd="0" destOrd="0" presId="urn:microsoft.com/office/officeart/2005/8/layout/hierarchy2"/>
+    <dgm:cxn modelId="{6505BCA6-E9AF-4BD0-8093-E0D088F70175}" type="presOf" srcId="{F967F01C-5307-482E-8F72-B4D3AABCF135}" destId="{5D7149C0-D3CE-4C30-BDCC-7B3DD010F778}" srcOrd="1" destOrd="0" presId="urn:microsoft.com/office/officeart/2005/8/layout/hierarchy2"/>
+    <dgm:cxn modelId="{66DED9BE-872A-44A0-852F-6748958507B1}" type="presOf" srcId="{A1E0D7C9-58F0-4865-B338-3E558D1308A6}" destId="{877E29C8-1E73-4F0B-8E40-E5CDAD8C07CB}" srcOrd="1" destOrd="0" presId="urn:microsoft.com/office/officeart/2005/8/layout/hierarchy2"/>
     <dgm:cxn modelId="{1B3063C0-5DEA-439B-8B1D-3677F0A8BCE0}" type="presOf" srcId="{35E02D4B-7AB3-489A-802E-A6BCE495472E}" destId="{30D3756D-349A-4E5C-96A3-AEE7AE77DBEE}" srcOrd="0" destOrd="0" presId="urn:microsoft.com/office/officeart/2005/8/layout/hierarchy2"/>
-    <dgm:cxn modelId="{5FE0806A-832B-4A4B-99BA-CFA2AA8A9B47}" type="presOf" srcId="{D610BEC7-D37F-483B-9892-F11AA1C56375}" destId="{7CB8DCC4-0E4E-4ADE-9D92-2EC5C866EBFB}" srcOrd="0" destOrd="0" presId="urn:microsoft.com/office/officeart/2005/8/layout/hierarchy2"/>
-    <dgm:cxn modelId="{2B708A02-890A-4E83-B46A-FD03C63AC88A}" type="presOf" srcId="{18F054AC-5A5B-43C3-A058-29562168C9CA}" destId="{C450F48F-02CE-4A37-AF92-1FEE157A4F45}" srcOrd="0" destOrd="0" presId="urn:microsoft.com/office/officeart/2005/8/layout/hierarchy2"/>
-    <dgm:cxn modelId="{6505BCA6-E9AF-4BD0-8093-E0D088F70175}" type="presOf" srcId="{F967F01C-5307-482E-8F72-B4D3AABCF135}" destId="{5D7149C0-D3CE-4C30-BDCC-7B3DD010F778}" srcOrd="1" destOrd="0" presId="urn:microsoft.com/office/officeart/2005/8/layout/hierarchy2"/>
-    <dgm:cxn modelId="{1526730A-0E62-4B72-AC15-140BF88E5B15}" type="presOf" srcId="{5EEDE10F-6DAF-4C77-A725-6FA934B160F6}" destId="{1463A4C8-3900-4326-9261-7D4C3D2F8631}" srcOrd="1" destOrd="0" presId="urn:microsoft.com/office/officeart/2005/8/layout/hierarchy2"/>
+    <dgm:cxn modelId="{0878D1C0-8485-4326-B760-7F24A7758D3C}" type="presOf" srcId="{FAE4A02A-D21C-4E93-A1BA-747DC4A3B06E}" destId="{E0DA5140-1BA9-482C-BDDA-F5ECEA01C3EE}" srcOrd="0" destOrd="0" presId="urn:microsoft.com/office/officeart/2005/8/layout/hierarchy2"/>
+    <dgm:cxn modelId="{ACED93C1-897D-4A18-8FC9-7B533986D785}" srcId="{FAE4A02A-D21C-4E93-A1BA-747DC4A3B06E}" destId="{30F43D25-C0DF-4A5C-B833-44CA803F2F0C}" srcOrd="0" destOrd="0" parTransId="{E38B7F15-69D4-42A6-9DA1-2D46B779EDCA}" sibTransId="{DCFDA8EE-E8C4-458E-B4CF-DBC3C5D5A544}"/>
     <dgm:cxn modelId="{6A4035C7-C372-4E57-9E76-5EDD358FA5E5}" type="presOf" srcId="{E38B7F15-69D4-42A6-9DA1-2D46B779EDCA}" destId="{EAFD987D-4565-448A-9D3F-541AED5B1467}" srcOrd="0" destOrd="0" presId="urn:microsoft.com/office/officeart/2005/8/layout/hierarchy2"/>
-    <dgm:cxn modelId="{494A8E46-7F5C-4A7C-86E5-7E1EEDDF335C}" srcId="{320A57A4-C9BF-4982-BAF8-EA139F9982F4}" destId="{8BF69A4F-B6BB-4A2A-A5C9-0F7D8CD3A375}" srcOrd="0" destOrd="0" parTransId="{5EEDE10F-6DAF-4C77-A725-6FA934B160F6}" sibTransId="{5442433E-20D0-49FF-B82B-B9C622758455}"/>
-    <dgm:cxn modelId="{89B4EB8E-5025-453A-8371-ED0FCC7D183D}" srcId="{538E2320-AE21-4F04-940D-7B3B13AB6268}" destId="{FAE4A02A-D21C-4E93-A1BA-747DC4A3B06E}" srcOrd="0" destOrd="0" parTransId="{6C57450D-30C4-42A0-96D1-6DED29BDF488}" sibTransId="{E76D61A0-A7F1-4349-866A-9DA5EDA7781B}"/>
+    <dgm:cxn modelId="{B2A7ECC8-B0EB-4E60-AE95-57189A87BF9D}" type="presOf" srcId="{8788B0F7-A35F-4042-91CE-6107ACADE71D}" destId="{6F6D2A9D-20A8-43F8-8CC3-2D3788DE44BF}" srcOrd="0" destOrd="0" presId="urn:microsoft.com/office/officeart/2005/8/layout/hierarchy2"/>
+    <dgm:cxn modelId="{154F8BCB-44A3-4CA2-A0AF-28DB19CD290B}" srcId="{18F054AC-5A5B-43C3-A058-29562168C9CA}" destId="{538E2320-AE21-4F04-940D-7B3B13AB6268}" srcOrd="0" destOrd="0" parTransId="{7B101E87-1AEB-45B4-B991-46EA72DDFB43}" sibTransId="{6A946AB4-1353-4FAD-BE32-8B1DB023914C}"/>
+    <dgm:cxn modelId="{9B97D5CB-A403-4A3A-B77F-5CCB76471A58}" type="presOf" srcId="{CA9A90AC-C9C1-4DC3-85C3-BA6C0055617D}" destId="{5735AA61-E36A-499F-9C45-5CBA4FA40E6B}" srcOrd="0" destOrd="0" presId="urn:microsoft.com/office/officeart/2005/8/layout/hierarchy2"/>
+    <dgm:cxn modelId="{A956D4CF-3907-43FF-9603-944204C56A9A}" srcId="{538E2320-AE21-4F04-940D-7B3B13AB6268}" destId="{320A57A4-C9BF-4982-BAF8-EA139F9982F4}" srcOrd="1" destOrd="0" parTransId="{F967F01C-5307-482E-8F72-B4D3AABCF135}" sibTransId="{7A8223B3-C603-46B5-840C-BB619C27BECA}"/>
     <dgm:cxn modelId="{07249ED5-64BE-4F5B-911E-5164836FCF6D}" type="presOf" srcId="{B925AEA0-40F0-4690-9BF6-4A1E48E82E79}" destId="{E572EEF4-3982-4649-9287-C93D82BB2A67}" srcOrd="0" destOrd="0" presId="urn:microsoft.com/office/officeart/2005/8/layout/hierarchy2"/>
+    <dgm:cxn modelId="{AFE17BDB-597B-459B-A602-F7422C56E2B4}" type="presOf" srcId="{D610BEC7-D37F-483B-9892-F11AA1C56375}" destId="{DC787FAA-7D99-4D60-81F9-CBE46DB0A382}" srcOrd="1" destOrd="0" presId="urn:microsoft.com/office/officeart/2005/8/layout/hierarchy2"/>
+    <dgm:cxn modelId="{05279AE5-3AB9-4786-BC9F-4B7F652072E5}" srcId="{320A57A4-C9BF-4982-BAF8-EA139F9982F4}" destId="{8788B0F7-A35F-4042-91CE-6107ACADE71D}" srcOrd="3" destOrd="0" parTransId="{D610BEC7-D37F-483B-9892-F11AA1C56375}" sibTransId="{551BC9D9-1428-4ABE-80FB-640A909C3395}"/>
+    <dgm:cxn modelId="{737943E8-874E-4DA4-97CC-BF773B35C3C6}" type="presOf" srcId="{6C57450D-30C4-42A0-96D1-6DED29BDF488}" destId="{4695EB31-13F0-4F27-BF1B-2A654C950D85}" srcOrd="1" destOrd="0" presId="urn:microsoft.com/office/officeart/2005/8/layout/hierarchy2"/>
+    <dgm:cxn modelId="{7C2E55EB-8B39-4A95-BE39-CAD15382C0F0}" type="presOf" srcId="{320A57A4-C9BF-4982-BAF8-EA139F9982F4}" destId="{24E8858A-B908-4A3A-A432-1981CA2531D5}" srcOrd="0" destOrd="0" presId="urn:microsoft.com/office/officeart/2005/8/layout/hierarchy2"/>
+    <dgm:cxn modelId="{6CDBF6EC-27BF-4A42-A91B-C0562C0DF1D8}" type="presOf" srcId="{CA9A90AC-C9C1-4DC3-85C3-BA6C0055617D}" destId="{FD14EA2E-50CA-40D8-9BEA-5E9AFA0A48A2}" srcOrd="1" destOrd="0" presId="urn:microsoft.com/office/officeart/2005/8/layout/hierarchy2"/>
     <dgm:cxn modelId="{C59008F3-1C55-4C48-91F7-0DF9C31CC42E}" srcId="{320A57A4-C9BF-4982-BAF8-EA139F9982F4}" destId="{35E02D4B-7AB3-489A-802E-A6BCE495472E}" srcOrd="1" destOrd="0" parTransId="{B925AEA0-40F0-4690-9BF6-4A1E48E82E79}" sibTransId="{3ED87400-20DC-4FDB-9DCF-D18D718C37EC}"/>
-    <dgm:cxn modelId="{ACED93C1-897D-4A18-8FC9-7B533986D785}" srcId="{FAE4A02A-D21C-4E93-A1BA-747DC4A3B06E}" destId="{30F43D25-C0DF-4A5C-B833-44CA803F2F0C}" srcOrd="0" destOrd="0" parTransId="{E38B7F15-69D4-42A6-9DA1-2D46B779EDCA}" sibTransId="{DCFDA8EE-E8C4-458E-B4CF-DBC3C5D5A544}"/>
     <dgm:cxn modelId="{EE0806F7-9AE1-41C3-9948-B12CA94FAB4A}" type="presOf" srcId="{B925AEA0-40F0-4690-9BF6-4A1E48E82E79}" destId="{23F8D530-29C0-4915-A6BE-6E0D0479343F}" srcOrd="1" destOrd="0" presId="urn:microsoft.com/office/officeart/2005/8/layout/hierarchy2"/>
-    <dgm:cxn modelId="{A956D4CF-3907-43FF-9603-944204C56A9A}" srcId="{538E2320-AE21-4F04-940D-7B3B13AB6268}" destId="{320A57A4-C9BF-4982-BAF8-EA139F9982F4}" srcOrd="1" destOrd="0" parTransId="{F967F01C-5307-482E-8F72-B4D3AABCF135}" sibTransId="{7A8223B3-C603-46B5-840C-BB619C27BECA}"/>
-    <dgm:cxn modelId="{0878D1C0-8485-4326-B760-7F24A7758D3C}" type="presOf" srcId="{FAE4A02A-D21C-4E93-A1BA-747DC4A3B06E}" destId="{E0DA5140-1BA9-482C-BDDA-F5ECEA01C3EE}" srcOrd="0" destOrd="0" presId="urn:microsoft.com/office/officeart/2005/8/layout/hierarchy2"/>
-    <dgm:cxn modelId="{90AEAB3D-965D-44A2-9EDF-E2513D30A1C0}" srcId="{FAE4A02A-D21C-4E93-A1BA-747DC4A3B06E}" destId="{33E4F0F8-EBE9-41B0-99C8-A69C6D96AF19}" srcOrd="1" destOrd="0" parTransId="{A1E0D7C9-58F0-4865-B338-3E558D1308A6}" sibTransId="{2C4625F4-4A13-44EF-A68A-5180A91BAFB2}"/>
-    <dgm:cxn modelId="{C1BA6B4D-7DF3-4620-98C0-5C1415D9BC7B}" type="presOf" srcId="{33E4F0F8-EBE9-41B0-99C8-A69C6D96AF19}" destId="{71BC05F1-EF0B-441C-BDA7-CD1320D92BC2}" srcOrd="0" destOrd="0" presId="urn:microsoft.com/office/officeart/2005/8/layout/hierarchy2"/>
-    <dgm:cxn modelId="{154F8BCB-44A3-4CA2-A0AF-28DB19CD290B}" srcId="{18F054AC-5A5B-43C3-A058-29562168C9CA}" destId="{538E2320-AE21-4F04-940D-7B3B13AB6268}" srcOrd="0" destOrd="0" parTransId="{7B101E87-1AEB-45B4-B991-46EA72DDFB43}" sibTransId="{6A946AB4-1353-4FAD-BE32-8B1DB023914C}"/>
-    <dgm:cxn modelId="{737943E8-874E-4DA4-97CC-BF773B35C3C6}" type="presOf" srcId="{6C57450D-30C4-42A0-96D1-6DED29BDF488}" destId="{4695EB31-13F0-4F27-BF1B-2A654C950D85}" srcOrd="1" destOrd="0" presId="urn:microsoft.com/office/officeart/2005/8/layout/hierarchy2"/>
-    <dgm:cxn modelId="{05279AE5-3AB9-4786-BC9F-4B7F652072E5}" srcId="{320A57A4-C9BF-4982-BAF8-EA139F9982F4}" destId="{8788B0F7-A35F-4042-91CE-6107ACADE71D}" srcOrd="3" destOrd="0" parTransId="{D610BEC7-D37F-483B-9892-F11AA1C56375}" sibTransId="{551BC9D9-1428-4ABE-80FB-640A909C3395}"/>
-    <dgm:cxn modelId="{C5675F1B-5C99-483C-89B3-9D5AB86B86B5}" type="presOf" srcId="{E38B7F15-69D4-42A6-9DA1-2D46B779EDCA}" destId="{F09EDED7-8077-46D6-A266-32C89707722A}" srcOrd="1" destOrd="0" presId="urn:microsoft.com/office/officeart/2005/8/layout/hierarchy2"/>
-    <dgm:cxn modelId="{6CDBF6EC-27BF-4A42-A91B-C0562C0DF1D8}" type="presOf" srcId="{CA9A90AC-C9C1-4DC3-85C3-BA6C0055617D}" destId="{FD14EA2E-50CA-40D8-9BEA-5E9AFA0A48A2}" srcOrd="1" destOrd="0" presId="urn:microsoft.com/office/officeart/2005/8/layout/hierarchy2"/>
-    <dgm:cxn modelId="{9B97D5CB-A403-4A3A-B77F-5CCB76471A58}" type="presOf" srcId="{CA9A90AC-C9C1-4DC3-85C3-BA6C0055617D}" destId="{5735AA61-E36A-499F-9C45-5CBA4FA40E6B}" srcOrd="0" destOrd="0" presId="urn:microsoft.com/office/officeart/2005/8/layout/hierarchy2"/>
-    <dgm:cxn modelId="{AFE17BDB-597B-459B-A602-F7422C56E2B4}" type="presOf" srcId="{D610BEC7-D37F-483B-9892-F11AA1C56375}" destId="{DC787FAA-7D99-4D60-81F9-CBE46DB0A382}" srcOrd="1" destOrd="0" presId="urn:microsoft.com/office/officeart/2005/8/layout/hierarchy2"/>
-    <dgm:cxn modelId="{97531644-3F38-447C-8BBE-E2863935A73D}" type="presOf" srcId="{538E2320-AE21-4F04-940D-7B3B13AB6268}" destId="{A5835191-13F4-4498-9571-764336BB0D8E}" srcOrd="0" destOrd="0" presId="urn:microsoft.com/office/officeart/2005/8/layout/hierarchy2"/>
-    <dgm:cxn modelId="{66DED9BE-872A-44A0-852F-6748958507B1}" type="presOf" srcId="{A1E0D7C9-58F0-4865-B338-3E558D1308A6}" destId="{877E29C8-1E73-4F0B-8E40-E5CDAD8C07CB}" srcOrd="1" destOrd="0" presId="urn:microsoft.com/office/officeart/2005/8/layout/hierarchy2"/>
-    <dgm:cxn modelId="{BB1C8B4E-9CD5-44AD-998D-4EBFDFB1F5E6}" srcId="{320A57A4-C9BF-4982-BAF8-EA139F9982F4}" destId="{F6B4A062-33D7-44DC-A99C-9E38B6C267E0}" srcOrd="2" destOrd="0" parTransId="{CA9A90AC-C9C1-4DC3-85C3-BA6C0055617D}" sibTransId="{58CF61D9-58B4-45B7-9E33-2037DFAD7F8D}"/>
-    <dgm:cxn modelId="{775D8960-5590-434E-B6C1-413BF9CAED8F}" type="presOf" srcId="{6C57450D-30C4-42A0-96D1-6DED29BDF488}" destId="{CCD514DE-F227-4D1D-84B9-B8881F3CB5DA}" srcOrd="0" destOrd="0" presId="urn:microsoft.com/office/officeart/2005/8/layout/hierarchy2"/>
-    <dgm:cxn modelId="{D7285253-3CD6-4A09-9B53-95ED257FBCCC}" type="presOf" srcId="{8BF69A4F-B6BB-4A2A-A5C9-0F7D8CD3A375}" destId="{1E8D4966-D1A9-4DDD-90E1-FB55E7032801}" srcOrd="0" destOrd="0" presId="urn:microsoft.com/office/officeart/2005/8/layout/hierarchy2"/>
-    <dgm:cxn modelId="{88D1A895-DDAC-4E19-812E-770C20A6F3F3}" type="presOf" srcId="{5EEDE10F-6DAF-4C77-A725-6FA934B160F6}" destId="{BE1C2624-510A-401C-B9DF-B5622731BA0E}" srcOrd="0" destOrd="0" presId="urn:microsoft.com/office/officeart/2005/8/layout/hierarchy2"/>
-    <dgm:cxn modelId="{B2A7ECC8-B0EB-4E60-AE95-57189A87BF9D}" type="presOf" srcId="{8788B0F7-A35F-4042-91CE-6107ACADE71D}" destId="{6F6D2A9D-20A8-43F8-8CC3-2D3788DE44BF}" srcOrd="0" destOrd="0" presId="urn:microsoft.com/office/officeart/2005/8/layout/hierarchy2"/>
-    <dgm:cxn modelId="{0B0FDC4C-C398-4B8F-81DB-8B8757050AFA}" type="presOf" srcId="{F6B4A062-33D7-44DC-A99C-9E38B6C267E0}" destId="{B270A4FF-1420-4F94-989C-E4FB3B90568C}" srcOrd="0" destOrd="0" presId="urn:microsoft.com/office/officeart/2005/8/layout/hierarchy2"/>
-    <dgm:cxn modelId="{7C2E55EB-8B39-4A95-BE39-CAD15382C0F0}" type="presOf" srcId="{320A57A4-C9BF-4982-BAF8-EA139F9982F4}" destId="{24E8858A-B908-4A3A-A432-1981CA2531D5}" srcOrd="0" destOrd="0" presId="urn:microsoft.com/office/officeart/2005/8/layout/hierarchy2"/>
-    <dgm:cxn modelId="{8E34240E-E9D1-4551-9D5F-49F7641BDE8D}" type="presOf" srcId="{F967F01C-5307-482E-8F72-B4D3AABCF135}" destId="{5A0BD4A4-A1F9-4C33-8329-99DA18C4A77F}" srcOrd="0" destOrd="0" presId="urn:microsoft.com/office/officeart/2005/8/layout/hierarchy2"/>
     <dgm:cxn modelId="{D0837BD7-D25E-46AC-BEF1-AB91021B0780}" type="presParOf" srcId="{C450F48F-02CE-4A37-AF92-1FEE157A4F45}" destId="{112F1388-F474-41ED-A536-52253DBBBE07}" srcOrd="0" destOrd="0" presId="urn:microsoft.com/office/officeart/2005/8/layout/hierarchy2"/>
     <dgm:cxn modelId="{AC150512-A2AE-4D4A-86B9-B0EA2ED28381}" type="presParOf" srcId="{112F1388-F474-41ED-A536-52253DBBBE07}" destId="{A5835191-13F4-4498-9571-764336BB0D8E}" srcOrd="0" destOrd="0" presId="urn:microsoft.com/office/officeart/2005/8/layout/hierarchy2"/>
     <dgm:cxn modelId="{FC1826B2-6316-449D-B3E4-0CBD2AB73024}" type="presParOf" srcId="{112F1388-F474-41ED-A536-52253DBBBE07}" destId="{C7AF056B-167A-4315-9188-5AFF6D273834}" srcOrd="1" destOrd="0" presId="urn:microsoft.com/office/officeart/2005/8/layout/hierarchy2"/>
@@ -5786,10 +5467,9 @@
         <a:lstStyle/>
         <a:p>
           <a:r>
-            <a:rPr lang="nl-NL" dirty="0" smtClean="0"/>
+            <a:rPr lang="nl-NL" dirty="0"/>
             <a:t>Interviews</a:t>
           </a:r>
-          <a:endParaRPr lang="nl-NL" dirty="0"/>
         </a:p>
       </dgm:t>
     </dgm:pt>
@@ -5823,7 +5503,7 @@
         <a:lstStyle/>
         <a:p>
           <a:r>
-            <a:rPr lang="nl-NL" dirty="0" err="1" smtClean="0"/>
+            <a:rPr lang="nl-NL" dirty="0" err="1"/>
             <a:t>Persona’s</a:t>
           </a:r>
           <a:endParaRPr lang="nl-NL" dirty="0"/>
@@ -5860,7 +5540,7 @@
         <a:lstStyle/>
         <a:p>
           <a:r>
-            <a:rPr lang="nl-NL" dirty="0" err="1" smtClean="0"/>
+            <a:rPr lang="nl-NL" dirty="0" err="1"/>
             <a:t>Wireframes</a:t>
           </a:r>
           <a:endParaRPr lang="nl-NL" dirty="0"/>
@@ -5897,10 +5577,9 @@
         <a:lstStyle/>
         <a:p>
           <a:r>
-            <a:rPr lang="nl-NL" dirty="0" smtClean="0"/>
+            <a:rPr lang="nl-NL" dirty="0"/>
             <a:t>Storyboard</a:t>
           </a:r>
-          <a:endParaRPr lang="nl-NL" dirty="0"/>
         </a:p>
       </dgm:t>
     </dgm:pt>
@@ -5959,13 +5638,6 @@
         </dgm:presLayoutVars>
       </dgm:prSet>
       <dgm:spPr/>
-      <dgm:t>
-        <a:bodyPr/>
-        <a:lstStyle/>
-        <a:p>
-          <a:endParaRPr lang="nl-NL"/>
-        </a:p>
-      </dgm:t>
     </dgm:pt>
     <dgm:pt modelId="{A7E051F9-41D4-4CFC-AD4C-813DE8F27EEE}" type="pres">
       <dgm:prSet presAssocID="{A1125EC4-F47E-44C0-853B-76A1DA02F3D0}" presName="parTxOnlySpace" presStyleCnt="0"/>
@@ -5980,13 +5652,6 @@
         </dgm:presLayoutVars>
       </dgm:prSet>
       <dgm:spPr/>
-      <dgm:t>
-        <a:bodyPr/>
-        <a:lstStyle/>
-        <a:p>
-          <a:endParaRPr lang="nl-NL"/>
-        </a:p>
-      </dgm:t>
     </dgm:pt>
     <dgm:pt modelId="{D477FA54-14E4-49DC-8BEF-33E52F75C340}" type="pres">
       <dgm:prSet presAssocID="{5F8488F3-C0BC-4F20-9D64-FCBA57EF8919}" presName="parTxOnlySpace" presStyleCnt="0"/>
@@ -6004,15 +5669,15 @@
     </dgm:pt>
   </dgm:ptLst>
   <dgm:cxnLst>
+    <dgm:cxn modelId="{D2F53B33-DCE2-4C90-B2D0-189CD7F46059}" type="presOf" srcId="{294A90AB-BC4A-4D1A-8ADE-1CDA4E5D8B2D}" destId="{9AE3582B-B3C4-49F1-8E2D-5F9305FB34AD}" srcOrd="0" destOrd="0" presId="urn:microsoft.com/office/officeart/2005/8/layout/chevron1"/>
+    <dgm:cxn modelId="{AD02C961-5A57-4E1E-B8E8-0DAC9B32956D}" srcId="{294A90AB-BC4A-4D1A-8ADE-1CDA4E5D8B2D}" destId="{C605EB11-8530-422A-A391-409E0A857DF6}" srcOrd="0" destOrd="0" parTransId="{5F72F2D4-BCE3-4AFF-8E34-3FC8E870C913}" sibTransId="{371868D9-F5BC-4471-AA10-DA0E66E04620}"/>
     <dgm:cxn modelId="{0E32D781-C522-4AF0-A6D2-033AACA9A843}" type="presOf" srcId="{CAA01474-287A-43B9-BFA5-EAC65A18C7BF}" destId="{52562C7E-1F51-4AC0-ACB0-E44AC69FBF3D}" srcOrd="0" destOrd="0" presId="urn:microsoft.com/office/officeart/2005/8/layout/chevron1"/>
+    <dgm:cxn modelId="{F96842A8-54C4-4459-AA64-444D08B74491}" srcId="{294A90AB-BC4A-4D1A-8ADE-1CDA4E5D8B2D}" destId="{F1FD1071-CD99-46D1-BF4C-9E49653CFA5D}" srcOrd="3" destOrd="0" parTransId="{27B03FD9-65D9-40D5-899F-9801B875E788}" sibTransId="{BDC24A89-E249-4A56-91C7-184DEAF581F8}"/>
+    <dgm:cxn modelId="{1EE80ABD-1ED2-4E5B-A623-B1D45883E801}" srcId="{294A90AB-BC4A-4D1A-8ADE-1CDA4E5D8B2D}" destId="{CAA01474-287A-43B9-BFA5-EAC65A18C7BF}" srcOrd="2" destOrd="0" parTransId="{399BCE93-930B-4D70-B534-E54368BC963E}" sibTransId="{5F8488F3-C0BC-4F20-9D64-FCBA57EF8919}"/>
     <dgm:cxn modelId="{6EE9C3D3-B816-4F80-81DE-C4BC5B3B7515}" type="presOf" srcId="{C605EB11-8530-422A-A391-409E0A857DF6}" destId="{18C6F3EC-6891-4B5A-906F-9444B515A8AA}" srcOrd="0" destOrd="0" presId="urn:microsoft.com/office/officeart/2005/8/layout/chevron1"/>
-    <dgm:cxn modelId="{D2F53B33-DCE2-4C90-B2D0-189CD7F46059}" type="presOf" srcId="{294A90AB-BC4A-4D1A-8ADE-1CDA4E5D8B2D}" destId="{9AE3582B-B3C4-49F1-8E2D-5F9305FB34AD}" srcOrd="0" destOrd="0" presId="urn:microsoft.com/office/officeart/2005/8/layout/chevron1"/>
-    <dgm:cxn modelId="{F96842A8-54C4-4459-AA64-444D08B74491}" srcId="{294A90AB-BC4A-4D1A-8ADE-1CDA4E5D8B2D}" destId="{F1FD1071-CD99-46D1-BF4C-9E49653CFA5D}" srcOrd="3" destOrd="0" parTransId="{27B03FD9-65D9-40D5-899F-9801B875E788}" sibTransId="{BDC24A89-E249-4A56-91C7-184DEAF581F8}"/>
-    <dgm:cxn modelId="{8C4A9BFA-C07F-4E1F-BD95-B32D1F161A57}" type="presOf" srcId="{F1FD1071-CD99-46D1-BF4C-9E49653CFA5D}" destId="{322D95FC-3B3B-40CC-91CE-2D924457CAD4}" srcOrd="0" destOrd="0" presId="urn:microsoft.com/office/officeart/2005/8/layout/chevron1"/>
     <dgm:cxn modelId="{923E89E1-47B8-48A5-B28E-2097F1C636C7}" srcId="{294A90AB-BC4A-4D1A-8ADE-1CDA4E5D8B2D}" destId="{5ED08B83-813F-4511-AB18-063164E215AA}" srcOrd="1" destOrd="0" parTransId="{53C9DABC-7E00-4367-8B26-085D374B045A}" sibTransId="{A1125EC4-F47E-44C0-853B-76A1DA02F3D0}"/>
     <dgm:cxn modelId="{FB5FEBEC-FDB9-4436-95B2-F7DEC414A0D5}" type="presOf" srcId="{5ED08B83-813F-4511-AB18-063164E215AA}" destId="{646205A7-C920-4AFD-949D-2CDFA7159275}" srcOrd="0" destOrd="0" presId="urn:microsoft.com/office/officeart/2005/8/layout/chevron1"/>
-    <dgm:cxn modelId="{AD02C961-5A57-4E1E-B8E8-0DAC9B32956D}" srcId="{294A90AB-BC4A-4D1A-8ADE-1CDA4E5D8B2D}" destId="{C605EB11-8530-422A-A391-409E0A857DF6}" srcOrd="0" destOrd="0" parTransId="{5F72F2D4-BCE3-4AFF-8E34-3FC8E870C913}" sibTransId="{371868D9-F5BC-4471-AA10-DA0E66E04620}"/>
-    <dgm:cxn modelId="{1EE80ABD-1ED2-4E5B-A623-B1D45883E801}" srcId="{294A90AB-BC4A-4D1A-8ADE-1CDA4E5D8B2D}" destId="{CAA01474-287A-43B9-BFA5-EAC65A18C7BF}" srcOrd="2" destOrd="0" parTransId="{399BCE93-930B-4D70-B534-E54368BC963E}" sibTransId="{5F8488F3-C0BC-4F20-9D64-FCBA57EF8919}"/>
+    <dgm:cxn modelId="{8C4A9BFA-C07F-4E1F-BD95-B32D1F161A57}" type="presOf" srcId="{F1FD1071-CD99-46D1-BF4C-9E49653CFA5D}" destId="{322D95FC-3B3B-40CC-91CE-2D924457CAD4}" srcOrd="0" destOrd="0" presId="urn:microsoft.com/office/officeart/2005/8/layout/chevron1"/>
     <dgm:cxn modelId="{4974CDAB-F3E3-41B1-9904-C954DD140B4D}" type="presParOf" srcId="{9AE3582B-B3C4-49F1-8E2D-5F9305FB34AD}" destId="{18C6F3EC-6891-4B5A-906F-9444B515A8AA}" srcOrd="0" destOrd="0" presId="urn:microsoft.com/office/officeart/2005/8/layout/chevron1"/>
     <dgm:cxn modelId="{E0FCD67E-F349-4BE7-80C4-6FCAF1D8EE38}" type="presParOf" srcId="{9AE3582B-B3C4-49F1-8E2D-5F9305FB34AD}" destId="{47DCCF31-CB76-4F90-AFDA-AB9DD47FBF97}" srcOrd="1" destOrd="0" presId="urn:microsoft.com/office/officeart/2005/8/layout/chevron1"/>
     <dgm:cxn modelId="{FB7900BC-569E-4CFA-8B09-F5D25925A6AD}" type="presParOf" srcId="{9AE3582B-B3C4-49F1-8E2D-5F9305FB34AD}" destId="{646205A7-C920-4AFD-949D-2CDFA7159275}" srcOrd="2" destOrd="0" presId="urn:microsoft.com/office/officeart/2005/8/layout/chevron1"/>
@@ -6053,10 +5718,9 @@
         <a:lstStyle/>
         <a:p>
           <a:r>
-            <a:rPr lang="nl-NL" dirty="0" smtClean="0"/>
+            <a:rPr lang="nl-NL" dirty="0"/>
             <a:t>Login</a:t>
           </a:r>
-          <a:endParaRPr lang="nl-NL" dirty="0"/>
         </a:p>
       </dgm:t>
     </dgm:pt>
@@ -6090,14 +5754,13 @@
         <a:lstStyle/>
         <a:p>
           <a:r>
-            <a:rPr lang="nl-NL" dirty="0" err="1" smtClean="0"/>
+            <a:rPr lang="nl-NL" dirty="0" err="1"/>
             <a:t>Odisee</a:t>
           </a:r>
           <a:r>
-            <a:rPr lang="nl-NL" dirty="0" smtClean="0"/>
+            <a:rPr lang="nl-NL" dirty="0"/>
             <a:t> mail</a:t>
           </a:r>
-          <a:endParaRPr lang="nl-NL" dirty="0"/>
         </a:p>
       </dgm:t>
     </dgm:pt>
@@ -6131,10 +5794,9 @@
         <a:lstStyle/>
         <a:p>
           <a:r>
-            <a:rPr lang="nl-NL" dirty="0" smtClean="0"/>
+            <a:rPr lang="nl-NL" dirty="0"/>
             <a:t>Externe gebruikers</a:t>
           </a:r>
-          <a:endParaRPr lang="nl-NL" dirty="0"/>
         </a:p>
       </dgm:t>
     </dgm:pt>
@@ -6168,10 +5830,9 @@
         <a:lstStyle/>
         <a:p>
           <a:r>
-            <a:rPr lang="nl-NL" dirty="0" smtClean="0"/>
+            <a:rPr lang="nl-NL" dirty="0"/>
             <a:t>Voorstel indienen</a:t>
           </a:r>
-          <a:endParaRPr lang="nl-NL" dirty="0"/>
         </a:p>
       </dgm:t>
     </dgm:pt>
@@ -6205,10 +5866,9 @@
         <a:lstStyle/>
         <a:p>
           <a:r>
-            <a:rPr lang="nl-NL" dirty="0" smtClean="0"/>
+            <a:rPr lang="nl-NL" dirty="0"/>
             <a:t>Docent selecteren</a:t>
           </a:r>
-          <a:endParaRPr lang="nl-NL" dirty="0"/>
         </a:p>
       </dgm:t>
     </dgm:pt>
@@ -6242,10 +5902,9 @@
         <a:lstStyle/>
         <a:p>
           <a:r>
-            <a:rPr lang="nl-NL" dirty="0" smtClean="0"/>
+            <a:rPr lang="nl-NL" dirty="0"/>
             <a:t>SMART-criteria</a:t>
           </a:r>
-          <a:endParaRPr lang="nl-NL" dirty="0"/>
         </a:p>
       </dgm:t>
     </dgm:pt>
@@ -6279,10 +5938,9 @@
         <a:lstStyle/>
         <a:p>
           <a:r>
-            <a:rPr lang="nl-NL" dirty="0" smtClean="0"/>
+            <a:rPr lang="nl-NL" dirty="0"/>
             <a:t>Snelheid</a:t>
           </a:r>
-          <a:endParaRPr lang="nl-NL" dirty="0"/>
         </a:p>
       </dgm:t>
     </dgm:pt>
@@ -6316,10 +5974,9 @@
         <a:lstStyle/>
         <a:p>
           <a:r>
-            <a:rPr lang="nl-NL" dirty="0" smtClean="0"/>
+            <a:rPr lang="nl-NL" dirty="0"/>
             <a:t>Mogelijkheid aanpassen</a:t>
           </a:r>
-          <a:endParaRPr lang="nl-NL" dirty="0"/>
         </a:p>
       </dgm:t>
     </dgm:pt>
@@ -6353,10 +6010,9 @@
         <a:lstStyle/>
         <a:p>
           <a:r>
-            <a:rPr lang="nl-NL" dirty="0" smtClean="0"/>
+            <a:rPr lang="nl-NL" dirty="0"/>
             <a:t>Extra deelvragen</a:t>
           </a:r>
-          <a:endParaRPr lang="nl-NL" dirty="0"/>
         </a:p>
       </dgm:t>
     </dgm:pt>
@@ -6390,10 +6046,9 @@
         <a:lstStyle/>
         <a:p>
           <a:r>
-            <a:rPr lang="nl-NL" dirty="0" smtClean="0"/>
+            <a:rPr lang="nl-NL" dirty="0"/>
             <a:t>Projecten</a:t>
           </a:r>
-          <a:endParaRPr lang="nl-NL" dirty="0"/>
         </a:p>
       </dgm:t>
     </dgm:pt>
@@ -6427,10 +6082,9 @@
         <a:lstStyle/>
         <a:p>
           <a:r>
-            <a:rPr lang="nl-NL" dirty="0" smtClean="0"/>
+            <a:rPr lang="nl-NL" dirty="0"/>
             <a:t>Filters</a:t>
           </a:r>
-          <a:endParaRPr lang="nl-NL" dirty="0"/>
         </a:p>
       </dgm:t>
     </dgm:pt>
@@ -6464,10 +6118,9 @@
         <a:lstStyle/>
         <a:p>
           <a:r>
-            <a:rPr lang="nl-NL" dirty="0" smtClean="0"/>
+            <a:rPr lang="nl-NL" dirty="0"/>
             <a:t>Goed- of afkeuren door alle docenten</a:t>
           </a:r>
-          <a:endParaRPr lang="nl-NL" dirty="0"/>
         </a:p>
       </dgm:t>
     </dgm:pt>
@@ -6501,10 +6154,9 @@
         <a:lstStyle/>
         <a:p>
           <a:r>
-            <a:rPr lang="nl-NL" dirty="0" smtClean="0"/>
+            <a:rPr lang="nl-NL" dirty="0"/>
             <a:t>Belbintest</a:t>
           </a:r>
-          <a:endParaRPr lang="nl-NL" dirty="0"/>
         </a:p>
       </dgm:t>
     </dgm:pt>
@@ -6609,13 +6261,6 @@
         </dgm:presLayoutVars>
       </dgm:prSet>
       <dgm:spPr/>
-      <dgm:t>
-        <a:bodyPr/>
-        <a:lstStyle/>
-        <a:p>
-          <a:endParaRPr lang="nl-NL"/>
-        </a:p>
-      </dgm:t>
     </dgm:pt>
     <dgm:pt modelId="{D7738F43-24D3-4EA2-B6E1-848B2120C4A0}" type="pres">
       <dgm:prSet presAssocID="{7371905B-8A98-4AD7-AAF5-759DB6CAF558}" presName="root" presStyleCnt="0"/>
@@ -6628,13 +6273,6 @@
     <dgm:pt modelId="{C90CF7AE-8D99-41B6-B484-0DF678719F3E}" type="pres">
       <dgm:prSet presAssocID="{7371905B-8A98-4AD7-AAF5-759DB6CAF558}" presName="rootText" presStyleLbl="node1" presStyleIdx="1" presStyleCnt="3"/>
       <dgm:spPr/>
-      <dgm:t>
-        <a:bodyPr/>
-        <a:lstStyle/>
-        <a:p>
-          <a:endParaRPr lang="nl-NL"/>
-        </a:p>
-      </dgm:t>
     </dgm:pt>
     <dgm:pt modelId="{78DCDD01-CB38-42BF-8834-FFBBA1F41483}" type="pres">
       <dgm:prSet presAssocID="{7371905B-8A98-4AD7-AAF5-759DB6CAF558}" presName="rootConnector" presStyleLbl="node1" presStyleIdx="1" presStyleCnt="3"/>
@@ -6667,13 +6305,6 @@
         </dgm:presLayoutVars>
       </dgm:prSet>
       <dgm:spPr/>
-      <dgm:t>
-        <a:bodyPr/>
-        <a:lstStyle/>
-        <a:p>
-          <a:endParaRPr lang="nl-NL"/>
-        </a:p>
-      </dgm:t>
     </dgm:pt>
     <dgm:pt modelId="{F5C3ECBD-1AC2-4988-A668-6668C06D7453}" type="pres">
       <dgm:prSet presAssocID="{40091848-02C5-4109-977F-9E62BB76768B}" presName="Name13" presStyleLbl="parChTrans1D2" presStyleIdx="6" presStyleCnt="10"/>
@@ -6686,13 +6317,6 @@
         </dgm:presLayoutVars>
       </dgm:prSet>
       <dgm:spPr/>
-      <dgm:t>
-        <a:bodyPr/>
-        <a:lstStyle/>
-        <a:p>
-          <a:endParaRPr lang="nl-NL"/>
-        </a:p>
-      </dgm:t>
     </dgm:pt>
     <dgm:pt modelId="{479E76C7-C008-4932-AD3A-C3BFC9FDE1DA}" type="pres">
       <dgm:prSet presAssocID="{D1D01601-FE97-4CB4-B56C-DE58E927FD07}" presName="Name13" presStyleLbl="parChTrans1D2" presStyleIdx="7" presStyleCnt="10"/>
@@ -6705,13 +6329,6 @@
         </dgm:presLayoutVars>
       </dgm:prSet>
       <dgm:spPr/>
-      <dgm:t>
-        <a:bodyPr/>
-        <a:lstStyle/>
-        <a:p>
-          <a:endParaRPr lang="nl-NL"/>
-        </a:p>
-      </dgm:t>
     </dgm:pt>
     <dgm:pt modelId="{805CCBF0-43F6-41D1-8560-5539756C1B76}" type="pres">
       <dgm:prSet presAssocID="{82530E5B-1473-4C27-9CAC-9247DFD9348C}" presName="root" presStyleCnt="0"/>
@@ -6744,13 +6361,6 @@
         </dgm:presLayoutVars>
       </dgm:prSet>
       <dgm:spPr/>
-      <dgm:t>
-        <a:bodyPr/>
-        <a:lstStyle/>
-        <a:p>
-          <a:endParaRPr lang="nl-NL"/>
-        </a:p>
-      </dgm:t>
     </dgm:pt>
     <dgm:pt modelId="{0ECBD22B-2640-40A4-8F83-AC9ED78FBEED}" type="pres">
       <dgm:prSet presAssocID="{68233672-5810-482D-994D-7A37D3876DF2}" presName="Name13" presStyleLbl="parChTrans1D2" presStyleIdx="9" presStyleCnt="10"/>
@@ -6763,56 +6373,49 @@
         </dgm:presLayoutVars>
       </dgm:prSet>
       <dgm:spPr/>
-      <dgm:t>
-        <a:bodyPr/>
-        <a:lstStyle/>
-        <a:p>
-          <a:endParaRPr lang="nl-NL"/>
-        </a:p>
-      </dgm:t>
     </dgm:pt>
   </dgm:ptLst>
   <dgm:cxnLst>
+    <dgm:cxn modelId="{B57A5B00-E789-4F10-9D9D-A6B0FC107707}" type="presOf" srcId="{68233672-5810-482D-994D-7A37D3876DF2}" destId="{0ECBD22B-2640-40A4-8F83-AC9ED78FBEED}" srcOrd="0" destOrd="0" presId="urn:microsoft.com/office/officeart/2005/8/layout/hierarchy3"/>
+    <dgm:cxn modelId="{B887AD01-3920-4DDD-BD44-F897DBB5C47D}" srcId="{82530E5B-1473-4C27-9CAC-9247DFD9348C}" destId="{5DE3C1FF-66AC-44E6-9AD5-313C18B3535A}" srcOrd="1" destOrd="0" parTransId="{68233672-5810-482D-994D-7A37D3876DF2}" sibTransId="{DCD2D485-57CE-418D-BB40-18E15F850238}"/>
+    <dgm:cxn modelId="{DC056611-6F97-4CE3-A852-B66BB5BEFF58}" type="presOf" srcId="{2B689F00-3691-4212-A1C2-0F9289DDD90A}" destId="{D2671829-376F-457A-8B53-01B766058C07}" srcOrd="0" destOrd="0" presId="urn:microsoft.com/office/officeart/2005/8/layout/hierarchy3"/>
+    <dgm:cxn modelId="{35B6441A-4F32-4002-9750-4769BD8FFECF}" type="presOf" srcId="{D2E48B4D-EB0D-4D1E-8465-7782D63A1F76}" destId="{A271FD0B-7586-4E9D-94CB-EED1414999B0}" srcOrd="0" destOrd="0" presId="urn:microsoft.com/office/officeart/2005/8/layout/hierarchy3"/>
+    <dgm:cxn modelId="{3D82D91A-CDF6-438A-A745-4D38D1E72A10}" srcId="{AA9DA600-163B-4E27-9BFA-3677BA4EBB76}" destId="{7371905B-8A98-4AD7-AAF5-759DB6CAF558}" srcOrd="1" destOrd="0" parTransId="{45DF58C4-865B-45C9-8358-B2FD92113EDF}" sibTransId="{BEDA2C17-F691-445C-9C2F-1541C124480A}"/>
+    <dgm:cxn modelId="{D6AF401C-D2C0-4A21-9615-8AB55AF44DCC}" srcId="{7371905B-8A98-4AD7-AAF5-759DB6CAF558}" destId="{2B689F00-3691-4212-A1C2-0F9289DDD90A}" srcOrd="1" destOrd="0" parTransId="{400688AF-0065-4B56-ADB5-8A292EAD3D2C}" sibTransId="{F3E88D65-D2CC-4DCC-820B-92E283E270D3}"/>
+    <dgm:cxn modelId="{EFEF8022-B967-49FB-90DB-94F447AA1C40}" type="presOf" srcId="{17446ABD-EBD5-43FC-8C33-13D78189E9CC}" destId="{41FA45D8-C13D-4855-A142-B12CC68A4209}" srcOrd="0" destOrd="0" presId="urn:microsoft.com/office/officeart/2005/8/layout/hierarchy3"/>
+    <dgm:cxn modelId="{E92CC525-C435-46D7-B696-4D7958585CA3}" type="presOf" srcId="{929096D1-703B-46B3-9D72-1625C83381BD}" destId="{A703B622-7346-4AFD-8C47-80630482F2B5}" srcOrd="0" destOrd="0" presId="urn:microsoft.com/office/officeart/2005/8/layout/hierarchy3"/>
+    <dgm:cxn modelId="{9B035332-FC2A-4D26-B9FC-E90F61CEAA08}" srcId="{AA9DA600-163B-4E27-9BFA-3677BA4EBB76}" destId="{A272E038-F81D-456F-B725-5EA1D7D97F4B}" srcOrd="0" destOrd="0" parTransId="{7B819326-C2CC-47A3-922A-B6A80C27CE89}" sibTransId="{1E5CA682-9B9A-4DBE-BDBD-B97013BCC9AD}"/>
+    <dgm:cxn modelId="{17C63A35-8220-4DD0-96BC-966884676DE9}" type="presOf" srcId="{674B67DB-12CD-4E14-8A73-0CF6958CC437}" destId="{306C4121-7EA0-4C1E-A74D-67F938494881}" srcOrd="0" destOrd="0" presId="urn:microsoft.com/office/officeart/2005/8/layout/hierarchy3"/>
+    <dgm:cxn modelId="{29077438-F7D2-49C4-A5B9-A7A0DF86889A}" type="presOf" srcId="{F5612D83-C114-4A9D-939B-326880CB25AE}" destId="{F8A938A1-4897-43E0-93CF-9DBB0D7BCE7D}" srcOrd="0" destOrd="0" presId="urn:microsoft.com/office/officeart/2005/8/layout/hierarchy3"/>
+    <dgm:cxn modelId="{9FDC3D3C-BE78-4178-B189-BE4B78D07757}" type="presOf" srcId="{400688AF-0065-4B56-ADB5-8A292EAD3D2C}" destId="{051461D8-DEA2-4822-8AA8-B3FD9E544239}" srcOrd="0" destOrd="0" presId="urn:microsoft.com/office/officeart/2005/8/layout/hierarchy3"/>
+    <dgm:cxn modelId="{D2844140-0A1A-42EB-B4EC-E1736892C3A7}" srcId="{7371905B-8A98-4AD7-AAF5-759DB6CAF558}" destId="{1DAA3140-AA49-4E8B-A99A-801F8C9544F6}" srcOrd="0" destOrd="0" parTransId="{F559A490-D66B-4043-BBD1-BE7314848E06}" sibTransId="{776CF85B-BBF2-44E2-822E-CE1A7D639215}"/>
+    <dgm:cxn modelId="{2FB4005C-484D-4385-B0AC-DC59A54B6B67}" srcId="{A272E038-F81D-456F-B725-5EA1D7D97F4B}" destId="{E71F38F2-CEB7-4F90-ABD6-BC0254A3B5FB}" srcOrd="0" destOrd="0" parTransId="{17446ABD-EBD5-43FC-8C33-13D78189E9CC}" sibTransId="{F84AE2C7-1136-4D18-BA31-2A9334BF7321}"/>
+    <dgm:cxn modelId="{15C37C5E-26D8-4C69-B1CD-F8775B2A95BE}" srcId="{A272E038-F81D-456F-B725-5EA1D7D97F4B}" destId="{0726A641-05A7-4409-A6DB-3E9BD164C3E8}" srcOrd="3" destOrd="0" parTransId="{929096D1-703B-46B3-9D72-1625C83381BD}" sibTransId="{CAEBE9B2-6CE3-492A-8084-4CC4772253DA}"/>
+    <dgm:cxn modelId="{2596C961-3AA8-435D-BBC9-51FC0AD52CA0}" type="presOf" srcId="{E4A8392B-4FAE-4E58-83AE-B32A649B40BC}" destId="{6A5C3872-D1CE-4C8E-99B2-E74885DE06DC}" srcOrd="0" destOrd="0" presId="urn:microsoft.com/office/officeart/2005/8/layout/hierarchy3"/>
+    <dgm:cxn modelId="{DEE37C64-2E70-4A44-BA67-CF67FAE10415}" type="presOf" srcId="{84CDDDAE-F093-495E-88F5-8D9FCD4274F9}" destId="{6B623CBE-247A-4619-9571-ACE807797465}" srcOrd="0" destOrd="0" presId="urn:microsoft.com/office/officeart/2005/8/layout/hierarchy3"/>
+    <dgm:cxn modelId="{42C33145-198F-4C7B-AFD3-DE31C2E1F1D8}" type="presOf" srcId="{5DE3C1FF-66AC-44E6-9AD5-313C18B3535A}" destId="{CE2054CC-8F28-4529-A440-FCA091AD51A4}" srcOrd="0" destOrd="0" presId="urn:microsoft.com/office/officeart/2005/8/layout/hierarchy3"/>
+    <dgm:cxn modelId="{AEBE3747-824E-47A7-AD9C-1F605D8AC6F2}" srcId="{82530E5B-1473-4C27-9CAC-9247DFD9348C}" destId="{D2E48B4D-EB0D-4D1E-8465-7782D63A1F76}" srcOrd="0" destOrd="0" parTransId="{674B67DB-12CD-4E14-8A73-0CF6958CC437}" sibTransId="{854D6BA9-A504-454C-9710-3CDAB8E0F2A8}"/>
+    <dgm:cxn modelId="{18A7B86A-A690-4C34-8670-A04F38D29D84}" type="presOf" srcId="{B408C655-9B4B-468A-9871-75C08D6E2F97}" destId="{6926F0A0-6DEB-4F93-841B-CEC931731949}" srcOrd="0" destOrd="0" presId="urn:microsoft.com/office/officeart/2005/8/layout/hierarchy3"/>
+    <dgm:cxn modelId="{1629CB4F-21A0-49D0-88FD-3B1FA75FDA26}" type="presOf" srcId="{F559A490-D66B-4043-BBD1-BE7314848E06}" destId="{6A40391A-2173-4277-8781-F43F82DF2EEB}" srcOrd="0" destOrd="0" presId="urn:microsoft.com/office/officeart/2005/8/layout/hierarchy3"/>
+    <dgm:cxn modelId="{CA222151-2A5E-4EEE-9D33-CCA3ADC3AF95}" type="presOf" srcId="{7371905B-8A98-4AD7-AAF5-759DB6CAF558}" destId="{78DCDD01-CB38-42BF-8834-FFBBA1F41483}" srcOrd="1" destOrd="0" presId="urn:microsoft.com/office/officeart/2005/8/layout/hierarchy3"/>
+    <dgm:cxn modelId="{D9197A71-6CE9-4EDE-BFA6-F9307805293C}" srcId="{AA9DA600-163B-4E27-9BFA-3677BA4EBB76}" destId="{82530E5B-1473-4C27-9CAC-9247DFD9348C}" srcOrd="2" destOrd="0" parTransId="{195BCE82-4585-4C98-A865-B83EB5E77B1F}" sibTransId="{D33C5696-8804-42D0-B2DB-4CDF2F303A08}"/>
+    <dgm:cxn modelId="{3DF5437E-5539-4179-8FBC-0FBF38F8A48D}" type="presOf" srcId="{0726A641-05A7-4409-A6DB-3E9BD164C3E8}" destId="{65DDAE57-BCD3-43F5-B6AF-8420BC5F72C4}" srcOrd="0" destOrd="0" presId="urn:microsoft.com/office/officeart/2005/8/layout/hierarchy3"/>
     <dgm:cxn modelId="{04CCBC99-965E-4E14-83CB-FBB259A9FB3D}" type="presOf" srcId="{40091848-02C5-4109-977F-9E62BB76768B}" destId="{F5C3ECBD-1AC2-4988-A668-6668C06D7453}" srcOrd="0" destOrd="0" presId="urn:microsoft.com/office/officeart/2005/8/layout/hierarchy3"/>
-    <dgm:cxn modelId="{DC056611-6F97-4CE3-A852-B66BB5BEFF58}" type="presOf" srcId="{2B689F00-3691-4212-A1C2-0F9289DDD90A}" destId="{D2671829-376F-457A-8B53-01B766058C07}" srcOrd="0" destOrd="0" presId="urn:microsoft.com/office/officeart/2005/8/layout/hierarchy3"/>
     <dgm:cxn modelId="{0934499D-C0A5-48F8-89BD-93CDECD8F082}" type="presOf" srcId="{82530E5B-1473-4C27-9CAC-9247DFD9348C}" destId="{EBBA9B61-2A2D-421C-9246-D2ABF7750973}" srcOrd="0" destOrd="0" presId="urn:microsoft.com/office/officeart/2005/8/layout/hierarchy3"/>
-    <dgm:cxn modelId="{AEBE3747-824E-47A7-AD9C-1F605D8AC6F2}" srcId="{82530E5B-1473-4C27-9CAC-9247DFD9348C}" destId="{D2E48B4D-EB0D-4D1E-8465-7782D63A1F76}" srcOrd="0" destOrd="0" parTransId="{674B67DB-12CD-4E14-8A73-0CF6958CC437}" sibTransId="{854D6BA9-A504-454C-9710-3CDAB8E0F2A8}"/>
-    <dgm:cxn modelId="{35B6441A-4F32-4002-9750-4769BD8FFECF}" type="presOf" srcId="{D2E48B4D-EB0D-4D1E-8465-7782D63A1F76}" destId="{A271FD0B-7586-4E9D-94CB-EED1414999B0}" srcOrd="0" destOrd="0" presId="urn:microsoft.com/office/officeart/2005/8/layout/hierarchy3"/>
-    <dgm:cxn modelId="{B887AD01-3920-4DDD-BD44-F897DBB5C47D}" srcId="{82530E5B-1473-4C27-9CAC-9247DFD9348C}" destId="{5DE3C1FF-66AC-44E6-9AD5-313C18B3535A}" srcOrd="1" destOrd="0" parTransId="{68233672-5810-482D-994D-7A37D3876DF2}" sibTransId="{DCD2D485-57CE-418D-BB40-18E15F850238}"/>
-    <dgm:cxn modelId="{ACDC4DF9-1758-4BAD-8B0F-CA114726BA2A}" type="presOf" srcId="{A272E038-F81D-456F-B725-5EA1D7D97F4B}" destId="{321E826C-97EE-417F-A364-493E7066E713}" srcOrd="1" destOrd="0" presId="urn:microsoft.com/office/officeart/2005/8/layout/hierarchy3"/>
-    <dgm:cxn modelId="{DEE37C64-2E70-4A44-BA67-CF67FAE10415}" type="presOf" srcId="{84CDDDAE-F093-495E-88F5-8D9FCD4274F9}" destId="{6B623CBE-247A-4619-9571-ACE807797465}" srcOrd="0" destOrd="0" presId="urn:microsoft.com/office/officeart/2005/8/layout/hierarchy3"/>
-    <dgm:cxn modelId="{18A7B86A-A690-4C34-8670-A04F38D29D84}" type="presOf" srcId="{B408C655-9B4B-468A-9871-75C08D6E2F97}" destId="{6926F0A0-6DEB-4F93-841B-CEC931731949}" srcOrd="0" destOrd="0" presId="urn:microsoft.com/office/officeart/2005/8/layout/hierarchy3"/>
-    <dgm:cxn modelId="{9B035332-FC2A-4D26-B9FC-E90F61CEAA08}" srcId="{AA9DA600-163B-4E27-9BFA-3677BA4EBB76}" destId="{A272E038-F81D-456F-B725-5EA1D7D97F4B}" srcOrd="0" destOrd="0" parTransId="{7B819326-C2CC-47A3-922A-B6A80C27CE89}" sibTransId="{1E5CA682-9B9A-4DBE-BDBD-B97013BCC9AD}"/>
-    <dgm:cxn modelId="{0F4454DF-9F45-4E51-AD35-5A483E4E7151}" srcId="{A272E038-F81D-456F-B725-5EA1D7D97F4B}" destId="{E4A8392B-4FAE-4E58-83AE-B32A649B40BC}" srcOrd="1" destOrd="0" parTransId="{84CDDDAE-F093-495E-88F5-8D9FCD4274F9}" sibTransId="{994F2FDF-07CF-46F7-8990-94BC2C40603E}"/>
-    <dgm:cxn modelId="{C085B4DC-8B1A-438F-A4C5-0ECB9015907B}" type="presOf" srcId="{1DAA3140-AA49-4E8B-A99A-801F8C9544F6}" destId="{D77D6840-49AA-4AA1-AFE6-842C925CB0F3}" srcOrd="0" destOrd="0" presId="urn:microsoft.com/office/officeart/2005/8/layout/hierarchy3"/>
-    <dgm:cxn modelId="{CA222151-2A5E-4EEE-9D33-CCA3ADC3AF95}" type="presOf" srcId="{7371905B-8A98-4AD7-AAF5-759DB6CAF558}" destId="{78DCDD01-CB38-42BF-8834-FFBBA1F41483}" srcOrd="1" destOrd="0" presId="urn:microsoft.com/office/officeart/2005/8/layout/hierarchy3"/>
-    <dgm:cxn modelId="{14B9A3EB-AA5D-4EC7-8790-7C61D0453E4A}" type="presOf" srcId="{AA9DA600-163B-4E27-9BFA-3677BA4EBB76}" destId="{3A114AEE-810D-4063-B3DB-85527F2D32EF}" srcOrd="0" destOrd="0" presId="urn:microsoft.com/office/officeart/2005/8/layout/hierarchy3"/>
-    <dgm:cxn modelId="{29077438-F7D2-49C4-A5B9-A7A0DF86889A}" type="presOf" srcId="{F5612D83-C114-4A9D-939B-326880CB25AE}" destId="{F8A938A1-4897-43E0-93CF-9DBB0D7BCE7D}" srcOrd="0" destOrd="0" presId="urn:microsoft.com/office/officeart/2005/8/layout/hierarchy3"/>
-    <dgm:cxn modelId="{D9197A71-6CE9-4EDE-BFA6-F9307805293C}" srcId="{AA9DA600-163B-4E27-9BFA-3677BA4EBB76}" destId="{82530E5B-1473-4C27-9CAC-9247DFD9348C}" srcOrd="2" destOrd="0" parTransId="{195BCE82-4585-4C98-A865-B83EB5E77B1F}" sibTransId="{D33C5696-8804-42D0-B2DB-4CDF2F303A08}"/>
-    <dgm:cxn modelId="{7A441ACD-6370-436A-A2EB-3C908168578E}" type="presOf" srcId="{D60CB286-D564-4907-A51B-1F5740903C86}" destId="{CD12E003-9086-4F39-AB57-2B30CDD7B882}" srcOrd="0" destOrd="0" presId="urn:microsoft.com/office/officeart/2005/8/layout/hierarchy3"/>
+    <dgm:cxn modelId="{4F75A59E-1901-473A-AEE0-AAE24262398E}" type="presOf" srcId="{3FD7921E-FC86-477B-8A86-2CFD2CABF6BB}" destId="{D01C9959-435C-42D8-B83C-14E66E8C460C}" srcOrd="0" destOrd="0" presId="urn:microsoft.com/office/officeart/2005/8/layout/hierarchy3"/>
+    <dgm:cxn modelId="{2750B5A7-0162-4B78-8C84-602C636A9585}" srcId="{A272E038-F81D-456F-B725-5EA1D7D97F4B}" destId="{F5612D83-C114-4A9D-939B-326880CB25AE}" srcOrd="2" destOrd="0" parTransId="{3FD7921E-FC86-477B-8A86-2CFD2CABF6BB}" sibTransId="{EB8D2912-7C5B-4E58-838A-CAA77214EE78}"/>
     <dgm:cxn modelId="{254439B9-0320-4D30-9875-23E3E7E0F9D7}" srcId="{7371905B-8A98-4AD7-AAF5-759DB6CAF558}" destId="{D60CB286-D564-4907-A51B-1F5740903C86}" srcOrd="2" destOrd="0" parTransId="{40091848-02C5-4109-977F-9E62BB76768B}" sibTransId="{FE0C7DA3-2D5E-4412-9203-62ABEE9AC3BD}"/>
     <dgm:cxn modelId="{7A7109BE-8680-43B2-8596-B6682A529E68}" type="presOf" srcId="{D1D01601-FE97-4CB4-B56C-DE58E927FD07}" destId="{479E76C7-C008-4932-AD3A-C3BFC9FDE1DA}" srcOrd="0" destOrd="0" presId="urn:microsoft.com/office/officeart/2005/8/layout/hierarchy3"/>
-    <dgm:cxn modelId="{1629CB4F-21A0-49D0-88FD-3B1FA75FDA26}" type="presOf" srcId="{F559A490-D66B-4043-BBD1-BE7314848E06}" destId="{6A40391A-2173-4277-8781-F43F82DF2EEB}" srcOrd="0" destOrd="0" presId="urn:microsoft.com/office/officeart/2005/8/layout/hierarchy3"/>
-    <dgm:cxn modelId="{D6AF401C-D2C0-4A21-9615-8AB55AF44DCC}" srcId="{7371905B-8A98-4AD7-AAF5-759DB6CAF558}" destId="{2B689F00-3691-4212-A1C2-0F9289DDD90A}" srcOrd="1" destOrd="0" parTransId="{400688AF-0065-4B56-ADB5-8A292EAD3D2C}" sibTransId="{F3E88D65-D2CC-4DCC-820B-92E283E270D3}"/>
-    <dgm:cxn modelId="{B57A5B00-E789-4F10-9D9D-A6B0FC107707}" type="presOf" srcId="{68233672-5810-482D-994D-7A37D3876DF2}" destId="{0ECBD22B-2640-40A4-8F83-AC9ED78FBEED}" srcOrd="0" destOrd="0" presId="urn:microsoft.com/office/officeart/2005/8/layout/hierarchy3"/>
-    <dgm:cxn modelId="{2750B5A7-0162-4B78-8C84-602C636A9585}" srcId="{A272E038-F81D-456F-B725-5EA1D7D97F4B}" destId="{F5612D83-C114-4A9D-939B-326880CB25AE}" srcOrd="2" destOrd="0" parTransId="{3FD7921E-FC86-477B-8A86-2CFD2CABF6BB}" sibTransId="{EB8D2912-7C5B-4E58-838A-CAA77214EE78}"/>
+    <dgm:cxn modelId="{874C8BC8-C6DD-42C2-8FCA-E5608D1B99DC}" type="presOf" srcId="{7371905B-8A98-4AD7-AAF5-759DB6CAF558}" destId="{C90CF7AE-8D99-41B6-B484-0DF678719F3E}" srcOrd="0" destOrd="0" presId="urn:microsoft.com/office/officeart/2005/8/layout/hierarchy3"/>
+    <dgm:cxn modelId="{7A441ACD-6370-436A-A2EB-3C908168578E}" type="presOf" srcId="{D60CB286-D564-4907-A51B-1F5740903C86}" destId="{CD12E003-9086-4F39-AB57-2B30CDD7B882}" srcOrd="0" destOrd="0" presId="urn:microsoft.com/office/officeart/2005/8/layout/hierarchy3"/>
+    <dgm:cxn modelId="{C085B4DC-8B1A-438F-A4C5-0ECB9015907B}" type="presOf" srcId="{1DAA3140-AA49-4E8B-A99A-801F8C9544F6}" destId="{D77D6840-49AA-4AA1-AFE6-842C925CB0F3}" srcOrd="0" destOrd="0" presId="urn:microsoft.com/office/officeart/2005/8/layout/hierarchy3"/>
+    <dgm:cxn modelId="{B1AC27DE-2D02-44F0-99FD-E4BFB92640F2}" type="presOf" srcId="{A272E038-F81D-456F-B725-5EA1D7D97F4B}" destId="{9D5C4111-0088-4D9B-92BD-B2D690B3CA2C}" srcOrd="0" destOrd="0" presId="urn:microsoft.com/office/officeart/2005/8/layout/hierarchy3"/>
+    <dgm:cxn modelId="{0F4454DF-9F45-4E51-AD35-5A483E4E7151}" srcId="{A272E038-F81D-456F-B725-5EA1D7D97F4B}" destId="{E4A8392B-4FAE-4E58-83AE-B32A649B40BC}" srcOrd="1" destOrd="0" parTransId="{84CDDDAE-F093-495E-88F5-8D9FCD4274F9}" sibTransId="{994F2FDF-07CF-46F7-8990-94BC2C40603E}"/>
+    <dgm:cxn modelId="{41CF5AE1-8CC8-4A50-9390-0CA84B4C4ACD}" type="presOf" srcId="{82530E5B-1473-4C27-9CAC-9247DFD9348C}" destId="{F957BA45-1FA7-4BF1-8CBC-CF77860972A2}" srcOrd="1" destOrd="0" presId="urn:microsoft.com/office/officeart/2005/8/layout/hierarchy3"/>
     <dgm:cxn modelId="{C8F290E8-FDB7-47D3-B5C1-332F9F8BBBFA}" srcId="{7371905B-8A98-4AD7-AAF5-759DB6CAF558}" destId="{B408C655-9B4B-468A-9871-75C08D6E2F97}" srcOrd="3" destOrd="0" parTransId="{D1D01601-FE97-4CB4-B56C-DE58E927FD07}" sibTransId="{418381D1-5F1B-4447-B11E-6E694FFF4731}"/>
-    <dgm:cxn modelId="{4F75A59E-1901-473A-AEE0-AAE24262398E}" type="presOf" srcId="{3FD7921E-FC86-477B-8A86-2CFD2CABF6BB}" destId="{D01C9959-435C-42D8-B83C-14E66E8C460C}" srcOrd="0" destOrd="0" presId="urn:microsoft.com/office/officeart/2005/8/layout/hierarchy3"/>
-    <dgm:cxn modelId="{D2844140-0A1A-42EB-B4EC-E1736892C3A7}" srcId="{7371905B-8A98-4AD7-AAF5-759DB6CAF558}" destId="{1DAA3140-AA49-4E8B-A99A-801F8C9544F6}" srcOrd="0" destOrd="0" parTransId="{F559A490-D66B-4043-BBD1-BE7314848E06}" sibTransId="{776CF85B-BBF2-44E2-822E-CE1A7D639215}"/>
-    <dgm:cxn modelId="{3DF5437E-5539-4179-8FBC-0FBF38F8A48D}" type="presOf" srcId="{0726A641-05A7-4409-A6DB-3E9BD164C3E8}" destId="{65DDAE57-BCD3-43F5-B6AF-8420BC5F72C4}" srcOrd="0" destOrd="0" presId="urn:microsoft.com/office/officeart/2005/8/layout/hierarchy3"/>
-    <dgm:cxn modelId="{2FB4005C-484D-4385-B0AC-DC59A54B6B67}" srcId="{A272E038-F81D-456F-B725-5EA1D7D97F4B}" destId="{E71F38F2-CEB7-4F90-ABD6-BC0254A3B5FB}" srcOrd="0" destOrd="0" parTransId="{17446ABD-EBD5-43FC-8C33-13D78189E9CC}" sibTransId="{F84AE2C7-1136-4D18-BA31-2A9334BF7321}"/>
-    <dgm:cxn modelId="{3D82D91A-CDF6-438A-A745-4D38D1E72A10}" srcId="{AA9DA600-163B-4E27-9BFA-3677BA4EBB76}" destId="{7371905B-8A98-4AD7-AAF5-759DB6CAF558}" srcOrd="1" destOrd="0" parTransId="{45DF58C4-865B-45C9-8358-B2FD92113EDF}" sibTransId="{BEDA2C17-F691-445C-9C2F-1541C124480A}"/>
+    <dgm:cxn modelId="{14B9A3EB-AA5D-4EC7-8790-7C61D0453E4A}" type="presOf" srcId="{AA9DA600-163B-4E27-9BFA-3677BA4EBB76}" destId="{3A114AEE-810D-4063-B3DB-85527F2D32EF}" srcOrd="0" destOrd="0" presId="urn:microsoft.com/office/officeart/2005/8/layout/hierarchy3"/>
     <dgm:cxn modelId="{A3A03FEC-533A-4BEA-971C-EB3AA7CE3419}" type="presOf" srcId="{E71F38F2-CEB7-4F90-ABD6-BC0254A3B5FB}" destId="{84B779FB-A7E6-4FFB-B6E1-94B97E9DDBEE}" srcOrd="0" destOrd="0" presId="urn:microsoft.com/office/officeart/2005/8/layout/hierarchy3"/>
-    <dgm:cxn modelId="{B1AC27DE-2D02-44F0-99FD-E4BFB92640F2}" type="presOf" srcId="{A272E038-F81D-456F-B725-5EA1D7D97F4B}" destId="{9D5C4111-0088-4D9B-92BD-B2D690B3CA2C}" srcOrd="0" destOrd="0" presId="urn:microsoft.com/office/officeart/2005/8/layout/hierarchy3"/>
-    <dgm:cxn modelId="{41CF5AE1-8CC8-4A50-9390-0CA84B4C4ACD}" type="presOf" srcId="{82530E5B-1473-4C27-9CAC-9247DFD9348C}" destId="{F957BA45-1FA7-4BF1-8CBC-CF77860972A2}" srcOrd="1" destOrd="0" presId="urn:microsoft.com/office/officeart/2005/8/layout/hierarchy3"/>
-    <dgm:cxn modelId="{42C33145-198F-4C7B-AFD3-DE31C2E1F1D8}" type="presOf" srcId="{5DE3C1FF-66AC-44E6-9AD5-313C18B3535A}" destId="{CE2054CC-8F28-4529-A440-FCA091AD51A4}" srcOrd="0" destOrd="0" presId="urn:microsoft.com/office/officeart/2005/8/layout/hierarchy3"/>
-    <dgm:cxn modelId="{9FDC3D3C-BE78-4178-B189-BE4B78D07757}" type="presOf" srcId="{400688AF-0065-4B56-ADB5-8A292EAD3D2C}" destId="{051461D8-DEA2-4822-8AA8-B3FD9E544239}" srcOrd="0" destOrd="0" presId="urn:microsoft.com/office/officeart/2005/8/layout/hierarchy3"/>
-    <dgm:cxn modelId="{E92CC525-C435-46D7-B696-4D7958585CA3}" type="presOf" srcId="{929096D1-703B-46B3-9D72-1625C83381BD}" destId="{A703B622-7346-4AFD-8C47-80630482F2B5}" srcOrd="0" destOrd="0" presId="urn:microsoft.com/office/officeart/2005/8/layout/hierarchy3"/>
-    <dgm:cxn modelId="{874C8BC8-C6DD-42C2-8FCA-E5608D1B99DC}" type="presOf" srcId="{7371905B-8A98-4AD7-AAF5-759DB6CAF558}" destId="{C90CF7AE-8D99-41B6-B484-0DF678719F3E}" srcOrd="0" destOrd="0" presId="urn:microsoft.com/office/officeart/2005/8/layout/hierarchy3"/>
-    <dgm:cxn modelId="{2596C961-3AA8-435D-BBC9-51FC0AD52CA0}" type="presOf" srcId="{E4A8392B-4FAE-4E58-83AE-B32A649B40BC}" destId="{6A5C3872-D1CE-4C8E-99B2-E74885DE06DC}" srcOrd="0" destOrd="0" presId="urn:microsoft.com/office/officeart/2005/8/layout/hierarchy3"/>
-    <dgm:cxn modelId="{17C63A35-8220-4DD0-96BC-966884676DE9}" type="presOf" srcId="{674B67DB-12CD-4E14-8A73-0CF6958CC437}" destId="{306C4121-7EA0-4C1E-A74D-67F938494881}" srcOrd="0" destOrd="0" presId="urn:microsoft.com/office/officeart/2005/8/layout/hierarchy3"/>
-    <dgm:cxn modelId="{15C37C5E-26D8-4C69-B1CD-F8775B2A95BE}" srcId="{A272E038-F81D-456F-B725-5EA1D7D97F4B}" destId="{0726A641-05A7-4409-A6DB-3E9BD164C3E8}" srcOrd="3" destOrd="0" parTransId="{929096D1-703B-46B3-9D72-1625C83381BD}" sibTransId="{CAEBE9B2-6CE3-492A-8084-4CC4772253DA}"/>
-    <dgm:cxn modelId="{EFEF8022-B967-49FB-90DB-94F447AA1C40}" type="presOf" srcId="{17446ABD-EBD5-43FC-8C33-13D78189E9CC}" destId="{41FA45D8-C13D-4855-A142-B12CC68A4209}" srcOrd="0" destOrd="0" presId="urn:microsoft.com/office/officeart/2005/8/layout/hierarchy3"/>
+    <dgm:cxn modelId="{ACDC4DF9-1758-4BAD-8B0F-CA114726BA2A}" type="presOf" srcId="{A272E038-F81D-456F-B725-5EA1D7D97F4B}" destId="{321E826C-97EE-417F-A364-493E7066E713}" srcOrd="1" destOrd="0" presId="urn:microsoft.com/office/officeart/2005/8/layout/hierarchy3"/>
     <dgm:cxn modelId="{0D407833-7ED9-486B-BCBA-AB2279124BAB}" type="presParOf" srcId="{3A114AEE-810D-4063-B3DB-85527F2D32EF}" destId="{B2BB61E6-04E8-476E-BE74-D93C4394B4D4}" srcOrd="0" destOrd="0" presId="urn:microsoft.com/office/officeart/2005/8/layout/hierarchy3"/>
     <dgm:cxn modelId="{45449CF0-93AC-422C-854A-5147B1D245F8}" type="presParOf" srcId="{B2BB61E6-04E8-476E-BE74-D93C4394B4D4}" destId="{84F8AA00-D972-4B50-8D31-946FFB22F07B}" srcOrd="0" destOrd="0" presId="urn:microsoft.com/office/officeart/2005/8/layout/hierarchy3"/>
     <dgm:cxn modelId="{4EACCB2F-FE5E-4044-B0B1-13F5B48305B3}" type="presParOf" srcId="{84F8AA00-D972-4B50-8D31-946FFB22F07B}" destId="{9D5C4111-0088-4D9B-92BD-B2D690B3CA2C}" srcOrd="0" destOrd="0" presId="urn:microsoft.com/office/officeart/2005/8/layout/hierarchy3"/>
@@ -6874,7 +6477,7 @@
         <a:lstStyle/>
         <a:p>
           <a:r>
-            <a:rPr lang="nl-NL" dirty="0" err="1" smtClean="0"/>
+            <a:rPr lang="nl-NL" dirty="0" err="1"/>
             <a:t>Mysql</a:t>
           </a:r>
           <a:endParaRPr lang="nl-NL" dirty="0"/>
@@ -6911,10 +6514,9 @@
         <a:lstStyle/>
         <a:p>
           <a:r>
-            <a:rPr lang="nl-NL" dirty="0" smtClean="0"/>
+            <a:rPr lang="nl-NL" dirty="0"/>
             <a:t>SQL Server</a:t>
           </a:r>
-          <a:endParaRPr lang="nl-NL" dirty="0"/>
         </a:p>
       </dgm:t>
     </dgm:pt>
@@ -6948,7 +6550,7 @@
         <a:lstStyle/>
         <a:p>
           <a:r>
-            <a:rPr lang="nl-NL" dirty="0" err="1" smtClean="0"/>
+            <a:rPr lang="nl-NL" dirty="0" err="1"/>
             <a:t>SQLite</a:t>
           </a:r>
           <a:endParaRPr lang="nl-NL" dirty="0"/>
@@ -6985,7 +6587,7 @@
         <a:lstStyle/>
         <a:p>
           <a:r>
-            <a:rPr lang="nl-NL" dirty="0" err="1" smtClean="0"/>
+            <a:rPr lang="nl-NL" dirty="0" err="1"/>
             <a:t>PostgreSQL</a:t>
           </a:r>
           <a:endParaRPr lang="nl-NL" dirty="0"/>
@@ -7080,13 +6682,6 @@
         </dgm:presLayoutVars>
       </dgm:prSet>
       <dgm:spPr/>
-      <dgm:t>
-        <a:bodyPr/>
-        <a:lstStyle/>
-        <a:p>
-          <a:endParaRPr lang="nl-NL"/>
-        </a:p>
-      </dgm:t>
     </dgm:pt>
     <dgm:pt modelId="{A4298DE4-63E3-47E5-B715-11A2C9C7C65E}" type="pres">
       <dgm:prSet presAssocID="{2FA3A12B-B86A-4F0C-9382-7BB0E6913D25}" presName="invisiNode" presStyleLbl="node1" presStyleIdx="1" presStyleCnt="4"/>
@@ -7147,13 +6742,6 @@
           </a:stretch>
         </a:blipFill>
       </dgm:spPr>
-      <dgm:t>
-        <a:bodyPr/>
-        <a:lstStyle/>
-        <a:p>
-          <a:endParaRPr lang="nl-NL"/>
-        </a:p>
-      </dgm:t>
     </dgm:pt>
     <dgm:pt modelId="{A9249496-F033-402C-9FB0-7468BC613020}" type="pres">
       <dgm:prSet presAssocID="{4716A647-CDF1-44DD-B24F-6BDE3C219CCA}" presName="sibTrans" presStyleLbl="sibTrans2D1" presStyleIdx="0" presStyleCnt="0"/>
@@ -7170,13 +6758,6 @@
         </dgm:presLayoutVars>
       </dgm:prSet>
       <dgm:spPr/>
-      <dgm:t>
-        <a:bodyPr/>
-        <a:lstStyle/>
-        <a:p>
-          <a:endParaRPr lang="nl-NL"/>
-        </a:p>
-      </dgm:t>
     </dgm:pt>
     <dgm:pt modelId="{17F6CDFD-A07A-4496-9D87-199EC37122EA}" type="pres">
       <dgm:prSet presAssocID="{CE57493B-D4FD-49F2-8029-1CBA4842CBB1}" presName="invisiNode" presStyleLbl="node1" presStyleIdx="3" presStyleCnt="4"/>
@@ -7202,18 +6783,18 @@
     </dgm:pt>
   </dgm:ptLst>
   <dgm:cxnLst>
+    <dgm:cxn modelId="{2A632A61-0AC3-4C40-8DB5-39B1C8157E51}" type="presOf" srcId="{3ABDE331-C3D7-4E66-882C-4F6934874C7E}" destId="{89D2A5FF-231F-4B99-84A5-22FEEC0CB36C}" srcOrd="0" destOrd="0" presId="urn:microsoft.com/office/officeart/2005/8/layout/pList2"/>
+    <dgm:cxn modelId="{D82A2647-0685-400C-B04D-88F47C261DB0}" srcId="{FB9641DC-4384-486F-A346-2189CC26238E}" destId="{CE57493B-D4FD-49F2-8029-1CBA4842CBB1}" srcOrd="3" destOrd="0" parTransId="{41E53DFF-255A-4CC5-AAF2-AC36F58A7C15}" sibTransId="{2D11CA02-467C-48BD-84AA-A6C13D517271}"/>
     <dgm:cxn modelId="{180A8448-9F50-41D0-9260-F0A3F783FE50}" type="presOf" srcId="{2FA3A12B-B86A-4F0C-9382-7BB0E6913D25}" destId="{950F0BB9-7388-4C63-9F41-D6624090F74D}" srcOrd="0" destOrd="0" presId="urn:microsoft.com/office/officeart/2005/8/layout/pList2"/>
-    <dgm:cxn modelId="{EC444DE0-3E50-45BC-830E-96FFE2D2281B}" type="presOf" srcId="{CE57493B-D4FD-49F2-8029-1CBA4842CBB1}" destId="{8EEC83BD-0C4F-445F-87B2-46509DBDB24F}" srcOrd="0" destOrd="0" presId="urn:microsoft.com/office/officeart/2005/8/layout/pList2"/>
-    <dgm:cxn modelId="{EE95A5DF-8BB8-4323-BC2C-865D0BBFFFA1}" srcId="{FB9641DC-4384-486F-A346-2189CC26238E}" destId="{3ABDE331-C3D7-4E66-882C-4F6934874C7E}" srcOrd="2" destOrd="0" parTransId="{B4F35A56-8FEF-40B5-9942-3695CDD4CB00}" sibTransId="{4716A647-CDF1-44DD-B24F-6BDE3C219CCA}"/>
     <dgm:cxn modelId="{10AF3E4A-2B40-4A13-BA04-573D1C5F41EC}" type="presOf" srcId="{92FC9A74-E3E3-4172-8763-0919DF3D648D}" destId="{37906200-7752-4CE7-BE34-2F33FA5C3BA6}" srcOrd="0" destOrd="0" presId="urn:microsoft.com/office/officeart/2005/8/layout/pList2"/>
-    <dgm:cxn modelId="{D12597CA-7519-4ABF-A378-DCFE2BD6D1CB}" type="presOf" srcId="{736AC0BB-13AA-42F8-A7B8-B7D01A6DB3A5}" destId="{0BDC3A32-100E-40BD-A9F8-E9D904592109}" srcOrd="0" destOrd="0" presId="urn:microsoft.com/office/officeart/2005/8/layout/pList2"/>
-    <dgm:cxn modelId="{D82A2647-0685-400C-B04D-88F47C261DB0}" srcId="{FB9641DC-4384-486F-A346-2189CC26238E}" destId="{CE57493B-D4FD-49F2-8029-1CBA4842CBB1}" srcOrd="3" destOrd="0" parTransId="{41E53DFF-255A-4CC5-AAF2-AC36F58A7C15}" sibTransId="{2D11CA02-467C-48BD-84AA-A6C13D517271}"/>
-    <dgm:cxn modelId="{26D18BA1-7D82-4B0D-BC8F-C5DE1A72F632}" type="presOf" srcId="{FB9641DC-4384-486F-A346-2189CC26238E}" destId="{C92C65F5-EA8B-45BF-B1CA-89D8BCD44526}" srcOrd="0" destOrd="0" presId="urn:microsoft.com/office/officeart/2005/8/layout/pList2"/>
-    <dgm:cxn modelId="{2A632A61-0AC3-4C40-8DB5-39B1C8157E51}" type="presOf" srcId="{3ABDE331-C3D7-4E66-882C-4F6934874C7E}" destId="{89D2A5FF-231F-4B99-84A5-22FEEC0CB36C}" srcOrd="0" destOrd="0" presId="urn:microsoft.com/office/officeart/2005/8/layout/pList2"/>
-    <dgm:cxn modelId="{1EE84BE0-1973-4DA9-BC9B-030B8B3D9941}" srcId="{FB9641DC-4384-486F-A346-2189CC26238E}" destId="{2FA3A12B-B86A-4F0C-9382-7BB0E6913D25}" srcOrd="1" destOrd="0" parTransId="{4D2F466F-FE78-40C4-9D1B-B4BE4B81B7AF}" sibTransId="{92FC9A74-E3E3-4172-8763-0919DF3D648D}"/>
+    <dgm:cxn modelId="{41890D79-0372-4F51-9E68-407A62B569BF}" srcId="{FB9641DC-4384-486F-A346-2189CC26238E}" destId="{736AC0BB-13AA-42F8-A7B8-B7D01A6DB3A5}" srcOrd="0" destOrd="0" parTransId="{3C0A71D0-3F4F-4F14-9D4B-52F7459A8388}" sibTransId="{106CAAF1-12B6-4AA7-AE5C-CF83091246A2}"/>
     <dgm:cxn modelId="{DEDEBA84-1097-4336-AB09-7540C9138A11}" type="presOf" srcId="{4716A647-CDF1-44DD-B24F-6BDE3C219CCA}" destId="{A9249496-F033-402C-9FB0-7468BC613020}" srcOrd="0" destOrd="0" presId="urn:microsoft.com/office/officeart/2005/8/layout/pList2"/>
     <dgm:cxn modelId="{1C41A298-8459-4373-ABE2-FDB401A4A707}" type="presOf" srcId="{106CAAF1-12B6-4AA7-AE5C-CF83091246A2}" destId="{E42AAF07-0D26-415A-B138-E3484D577E09}" srcOrd="0" destOrd="0" presId="urn:microsoft.com/office/officeart/2005/8/layout/pList2"/>
-    <dgm:cxn modelId="{41890D79-0372-4F51-9E68-407A62B569BF}" srcId="{FB9641DC-4384-486F-A346-2189CC26238E}" destId="{736AC0BB-13AA-42F8-A7B8-B7D01A6DB3A5}" srcOrd="0" destOrd="0" parTransId="{3C0A71D0-3F4F-4F14-9D4B-52F7459A8388}" sibTransId="{106CAAF1-12B6-4AA7-AE5C-CF83091246A2}"/>
+    <dgm:cxn modelId="{26D18BA1-7D82-4B0D-BC8F-C5DE1A72F632}" type="presOf" srcId="{FB9641DC-4384-486F-A346-2189CC26238E}" destId="{C92C65F5-EA8B-45BF-B1CA-89D8BCD44526}" srcOrd="0" destOrd="0" presId="urn:microsoft.com/office/officeart/2005/8/layout/pList2"/>
+    <dgm:cxn modelId="{D12597CA-7519-4ABF-A378-DCFE2BD6D1CB}" type="presOf" srcId="{736AC0BB-13AA-42F8-A7B8-B7D01A6DB3A5}" destId="{0BDC3A32-100E-40BD-A9F8-E9D904592109}" srcOrd="0" destOrd="0" presId="urn:microsoft.com/office/officeart/2005/8/layout/pList2"/>
+    <dgm:cxn modelId="{EE95A5DF-8BB8-4323-BC2C-865D0BBFFFA1}" srcId="{FB9641DC-4384-486F-A346-2189CC26238E}" destId="{3ABDE331-C3D7-4E66-882C-4F6934874C7E}" srcOrd="2" destOrd="0" parTransId="{B4F35A56-8FEF-40B5-9942-3695CDD4CB00}" sibTransId="{4716A647-CDF1-44DD-B24F-6BDE3C219CCA}"/>
+    <dgm:cxn modelId="{1EE84BE0-1973-4DA9-BC9B-030B8B3D9941}" srcId="{FB9641DC-4384-486F-A346-2189CC26238E}" destId="{2FA3A12B-B86A-4F0C-9382-7BB0E6913D25}" srcOrd="1" destOrd="0" parTransId="{4D2F466F-FE78-40C4-9D1B-B4BE4B81B7AF}" sibTransId="{92FC9A74-E3E3-4172-8763-0919DF3D648D}"/>
+    <dgm:cxn modelId="{EC444DE0-3E50-45BC-830E-96FFE2D2281B}" type="presOf" srcId="{CE57493B-D4FD-49F2-8029-1CBA4842CBB1}" destId="{8EEC83BD-0C4F-445F-87B2-46509DBDB24F}" srcOrd="0" destOrd="0" presId="urn:microsoft.com/office/officeart/2005/8/layout/pList2"/>
     <dgm:cxn modelId="{A0BA5BCC-2F9F-4A1C-9B6A-286A39FE4E94}" type="presParOf" srcId="{C92C65F5-EA8B-45BF-B1CA-89D8BCD44526}" destId="{7B3A6FDD-2E09-42B4-8ADD-C0E0B06E263F}" srcOrd="0" destOrd="0" presId="urn:microsoft.com/office/officeart/2005/8/layout/pList2"/>
     <dgm:cxn modelId="{25DFB23A-CAC9-454D-BB18-F0EAD67CE427}" type="presParOf" srcId="{C92C65F5-EA8B-45BF-B1CA-89D8BCD44526}" destId="{248509CE-D4B7-4C3B-916D-0E5DB3383F11}" srcOrd="1" destOrd="0" presId="urn:microsoft.com/office/officeart/2005/8/layout/pList2"/>
     <dgm:cxn modelId="{FCDBFCAA-D1D7-43BD-907D-E4699CF5F60D}" type="presParOf" srcId="{248509CE-D4B7-4C3B-916D-0E5DB3383F11}" destId="{526EF347-8143-4D3C-91E0-7BFF430D5B76}" srcOrd="0" destOrd="0" presId="urn:microsoft.com/office/officeart/2005/8/layout/pList2"/>
@@ -7596,7 +7177,7 @@
         </a:bodyPr>
         <a:lstStyle/>
         <a:p>
-          <a:pPr lvl="0" algn="ctr" defTabSz="1644650">
+          <a:pPr marL="0" lvl="0" indent="0" algn="ctr" defTabSz="1644650">
             <a:lnSpc>
               <a:spcPct val="90000"/>
             </a:lnSpc>
@@ -7606,12 +7187,12 @@
             <a:spcAft>
               <a:spcPct val="35000"/>
             </a:spcAft>
+            <a:buNone/>
           </a:pPr>
           <a:r>
-            <a:rPr lang="nl-NL" sz="3700" kern="1200" dirty="0" smtClean="0"/>
+            <a:rPr lang="nl-NL" sz="3700" kern="1200" dirty="0"/>
             <a:t>Login</a:t>
           </a:r>
-          <a:endParaRPr lang="nl-NL" sz="3700" kern="1200" dirty="0"/>
         </a:p>
       </dsp:txBody>
       <dsp:txXfrm>
@@ -7673,7 +7254,7 @@
         </a:bodyPr>
         <a:lstStyle/>
         <a:p>
-          <a:pPr lvl="0" algn="ctr" defTabSz="1644650">
+          <a:pPr marL="0" lvl="0" indent="0" algn="ctr" defTabSz="1644650">
             <a:lnSpc>
               <a:spcPct val="90000"/>
             </a:lnSpc>
@@ -7683,12 +7264,12 @@
             <a:spcAft>
               <a:spcPct val="35000"/>
             </a:spcAft>
+            <a:buNone/>
           </a:pPr>
           <a:r>
-            <a:rPr lang="nl-NL" sz="3700" kern="1200" dirty="0" smtClean="0"/>
+            <a:rPr lang="nl-NL" sz="3700" kern="1200" dirty="0"/>
             <a:t>Voorstellen bekijken</a:t>
           </a:r>
-          <a:endParaRPr lang="nl-NL" sz="3700" kern="1200" dirty="0"/>
         </a:p>
       </dsp:txBody>
       <dsp:txXfrm>
@@ -7750,7 +7331,7 @@
         </a:bodyPr>
         <a:lstStyle/>
         <a:p>
-          <a:pPr lvl="0" algn="ctr" defTabSz="1644650">
+          <a:pPr marL="0" lvl="0" indent="0" algn="ctr" defTabSz="1644650">
             <a:lnSpc>
               <a:spcPct val="90000"/>
             </a:lnSpc>
@@ -7760,12 +7341,12 @@
             <a:spcAft>
               <a:spcPct val="35000"/>
             </a:spcAft>
+            <a:buNone/>
           </a:pPr>
           <a:r>
-            <a:rPr lang="nl-NL" sz="3700" kern="1200" dirty="0" smtClean="0"/>
+            <a:rPr lang="nl-NL" sz="3700" kern="1200" dirty="0"/>
             <a:t>Reactie toevoegen</a:t>
           </a:r>
-          <a:endParaRPr lang="nl-NL" sz="3700" kern="1200" dirty="0"/>
         </a:p>
       </dsp:txBody>
       <dsp:txXfrm>
@@ -7827,7 +7408,7 @@
         </a:bodyPr>
         <a:lstStyle/>
         <a:p>
-          <a:pPr lvl="0" algn="ctr" defTabSz="1644650">
+          <a:pPr marL="0" lvl="0" indent="0" algn="ctr" defTabSz="1644650">
             <a:lnSpc>
               <a:spcPct val="90000"/>
             </a:lnSpc>
@@ -7837,12 +7418,12 @@
             <a:spcAft>
               <a:spcPct val="35000"/>
             </a:spcAft>
+            <a:buNone/>
           </a:pPr>
           <a:r>
-            <a:rPr lang="nl-NL" sz="3700" kern="1200" dirty="0" smtClean="0"/>
+            <a:rPr lang="nl-NL" sz="3700" kern="1200" dirty="0"/>
             <a:t>Nieuw voorstel</a:t>
           </a:r>
-          <a:endParaRPr lang="nl-NL" sz="3700" kern="1200" dirty="0"/>
         </a:p>
       </dsp:txBody>
       <dsp:txXfrm>
@@ -7904,7 +7485,7 @@
         </a:bodyPr>
         <a:lstStyle/>
         <a:p>
-          <a:pPr lvl="0" algn="ctr" defTabSz="1644650">
+          <a:pPr marL="0" lvl="0" indent="0" algn="ctr" defTabSz="1644650">
             <a:lnSpc>
               <a:spcPct val="90000"/>
             </a:lnSpc>
@@ -7914,12 +7495,12 @@
             <a:spcAft>
               <a:spcPct val="35000"/>
             </a:spcAft>
+            <a:buNone/>
           </a:pPr>
           <a:r>
-            <a:rPr lang="nl-NL" sz="3700" kern="1200" dirty="0" smtClean="0"/>
+            <a:rPr lang="nl-NL" sz="3700" kern="1200" dirty="0"/>
             <a:t>Goed- of afkeuren</a:t>
           </a:r>
-          <a:endParaRPr lang="nl-NL" sz="3700" kern="1200" dirty="0"/>
         </a:p>
       </dsp:txBody>
       <dsp:txXfrm>
@@ -7981,7 +7562,7 @@
         </a:bodyPr>
         <a:lstStyle/>
         <a:p>
-          <a:pPr lvl="0" algn="ctr" defTabSz="1644650">
+          <a:pPr marL="0" lvl="0" indent="0" algn="ctr" defTabSz="1644650">
             <a:lnSpc>
               <a:spcPct val="90000"/>
             </a:lnSpc>
@@ -7991,12 +7572,12 @@
             <a:spcAft>
               <a:spcPct val="35000"/>
             </a:spcAft>
+            <a:buNone/>
           </a:pPr>
           <a:r>
-            <a:rPr lang="nl-NL" sz="3700" kern="1200" dirty="0" smtClean="0"/>
+            <a:rPr lang="nl-NL" sz="3700" kern="1200" dirty="0"/>
             <a:t>Groep maken</a:t>
           </a:r>
-          <a:endParaRPr lang="nl-NL" sz="3700" kern="1200" dirty="0"/>
         </a:p>
       </dsp:txBody>
       <dsp:txXfrm>
@@ -8064,7 +7645,7 @@
         </a:bodyPr>
         <a:lstStyle/>
         <a:p>
-          <a:pPr lvl="0" algn="ctr" defTabSz="800100">
+          <a:pPr marL="0" lvl="0" indent="0" algn="ctr" defTabSz="800100">
             <a:lnSpc>
               <a:spcPct val="90000"/>
             </a:lnSpc>
@@ -8074,12 +7655,12 @@
             <a:spcAft>
               <a:spcPct val="35000"/>
             </a:spcAft>
+            <a:buNone/>
           </a:pPr>
           <a:r>
-            <a:rPr lang="nl-NL" sz="1800" kern="1200" dirty="0" smtClean="0"/>
+            <a:rPr lang="nl-NL" sz="1800" kern="1200" dirty="0"/>
             <a:t>Login</a:t>
           </a:r>
-          <a:endParaRPr lang="nl-NL" sz="1800" kern="1200" dirty="0"/>
         </a:p>
       </dsp:txBody>
       <dsp:txXfrm>
@@ -8147,7 +7728,7 @@
         </a:bodyPr>
         <a:lstStyle/>
         <a:p>
-          <a:pPr lvl="0" algn="ctr" defTabSz="222250">
+          <a:pPr marL="0" lvl="0" indent="0" algn="ctr" defTabSz="222250">
             <a:lnSpc>
               <a:spcPct val="90000"/>
             </a:lnSpc>
@@ -8157,6 +7738,7 @@
             <a:spcAft>
               <a:spcPct val="35000"/>
             </a:spcAft>
+            <a:buNone/>
           </a:pPr>
           <a:endParaRPr lang="nl-NL" sz="500" kern="1200"/>
         </a:p>
@@ -8222,7 +7804,7 @@
         </a:bodyPr>
         <a:lstStyle/>
         <a:p>
-          <a:pPr lvl="0" algn="ctr" defTabSz="800100">
+          <a:pPr marL="0" lvl="0" indent="0" algn="ctr" defTabSz="800100">
             <a:lnSpc>
               <a:spcPct val="90000"/>
             </a:lnSpc>
@@ -8232,12 +7814,12 @@
             <a:spcAft>
               <a:spcPct val="35000"/>
             </a:spcAft>
+            <a:buNone/>
           </a:pPr>
           <a:r>
-            <a:rPr lang="nl-NL" sz="1800" kern="1200" dirty="0" smtClean="0"/>
+            <a:rPr lang="nl-NL" sz="1800" kern="1200" dirty="0"/>
             <a:t>Docent</a:t>
           </a:r>
-          <a:endParaRPr lang="nl-NL" sz="1800" kern="1200" dirty="0"/>
         </a:p>
       </dsp:txBody>
       <dsp:txXfrm>
@@ -8305,7 +7887,7 @@
         </a:bodyPr>
         <a:lstStyle/>
         <a:p>
-          <a:pPr lvl="0" algn="ctr" defTabSz="222250">
+          <a:pPr marL="0" lvl="0" indent="0" algn="ctr" defTabSz="222250">
             <a:lnSpc>
               <a:spcPct val="90000"/>
             </a:lnSpc>
@@ -8315,6 +7897,7 @@
             <a:spcAft>
               <a:spcPct val="35000"/>
             </a:spcAft>
+            <a:buNone/>
           </a:pPr>
           <a:endParaRPr lang="nl-NL" sz="500" kern="1200"/>
         </a:p>
@@ -8380,7 +7963,7 @@
         </a:bodyPr>
         <a:lstStyle/>
         <a:p>
-          <a:pPr lvl="0" algn="ctr" defTabSz="800100">
+          <a:pPr marL="0" lvl="0" indent="0" algn="ctr" defTabSz="800100">
             <a:lnSpc>
               <a:spcPct val="90000"/>
             </a:lnSpc>
@@ -8390,12 +7973,12 @@
             <a:spcAft>
               <a:spcPct val="35000"/>
             </a:spcAft>
+            <a:buNone/>
           </a:pPr>
           <a:r>
-            <a:rPr lang="nl-NL" sz="1800" kern="1200" dirty="0" smtClean="0"/>
+            <a:rPr lang="nl-NL" sz="1800" kern="1200" dirty="0"/>
             <a:t>Goedkeuring</a:t>
           </a:r>
-          <a:endParaRPr lang="nl-NL" sz="1800" kern="1200" dirty="0"/>
         </a:p>
       </dsp:txBody>
       <dsp:txXfrm>
@@ -8463,7 +8046,7 @@
         </a:bodyPr>
         <a:lstStyle/>
         <a:p>
-          <a:pPr lvl="0" algn="ctr" defTabSz="222250">
+          <a:pPr marL="0" lvl="0" indent="0" algn="ctr" defTabSz="222250">
             <a:lnSpc>
               <a:spcPct val="90000"/>
             </a:lnSpc>
@@ -8473,6 +8056,7 @@
             <a:spcAft>
               <a:spcPct val="35000"/>
             </a:spcAft>
+            <a:buNone/>
           </a:pPr>
           <a:endParaRPr lang="nl-NL" sz="500" kern="1200"/>
         </a:p>
@@ -8538,7 +8122,7 @@
         </a:bodyPr>
         <a:lstStyle/>
         <a:p>
-          <a:pPr lvl="0" algn="ctr" defTabSz="800100">
+          <a:pPr marL="0" lvl="0" indent="0" algn="ctr" defTabSz="800100">
             <a:lnSpc>
               <a:spcPct val="90000"/>
             </a:lnSpc>
@@ -8548,12 +8132,12 @@
             <a:spcAft>
               <a:spcPct val="35000"/>
             </a:spcAft>
+            <a:buNone/>
           </a:pPr>
           <a:r>
-            <a:rPr lang="nl-NL" sz="1800" kern="1200" dirty="0" smtClean="0"/>
+            <a:rPr lang="nl-NL" sz="1800" kern="1200" dirty="0"/>
             <a:t>Afkeuring</a:t>
           </a:r>
-          <a:endParaRPr lang="nl-NL" sz="1800" kern="1200" dirty="0"/>
         </a:p>
       </dsp:txBody>
       <dsp:txXfrm>
@@ -8621,7 +8205,7 @@
         </a:bodyPr>
         <a:lstStyle/>
         <a:p>
-          <a:pPr lvl="0" algn="ctr" defTabSz="222250">
+          <a:pPr marL="0" lvl="0" indent="0" algn="ctr" defTabSz="222250">
             <a:lnSpc>
               <a:spcPct val="90000"/>
             </a:lnSpc>
@@ -8631,6 +8215,7 @@
             <a:spcAft>
               <a:spcPct val="35000"/>
             </a:spcAft>
+            <a:buNone/>
           </a:pPr>
           <a:endParaRPr lang="nl-NL" sz="500" kern="1200"/>
         </a:p>
@@ -8691,7 +8276,7 @@
         </a:bodyPr>
         <a:lstStyle/>
         <a:p>
-          <a:pPr lvl="0" algn="ctr" defTabSz="800100">
+          <a:pPr marL="0" lvl="0" indent="0" algn="ctr" defTabSz="800100">
             <a:lnSpc>
               <a:spcPct val="90000"/>
             </a:lnSpc>
@@ -8701,12 +8286,12 @@
             <a:spcAft>
               <a:spcPct val="35000"/>
             </a:spcAft>
+            <a:buNone/>
           </a:pPr>
           <a:r>
-            <a:rPr lang="nl-NL" sz="1800" kern="1200" dirty="0" smtClean="0"/>
+            <a:rPr lang="nl-NL" sz="1800" kern="1200" dirty="0"/>
             <a:t>Student</a:t>
           </a:r>
-          <a:endParaRPr lang="nl-NL" sz="1800" kern="1200" dirty="0"/>
         </a:p>
       </dsp:txBody>
       <dsp:txXfrm>
@@ -8774,7 +8359,7 @@
         </a:bodyPr>
         <a:lstStyle/>
         <a:p>
-          <a:pPr lvl="0" algn="ctr" defTabSz="222250">
+          <a:pPr marL="0" lvl="0" indent="0" algn="ctr" defTabSz="222250">
             <a:lnSpc>
               <a:spcPct val="90000"/>
             </a:lnSpc>
@@ -8784,6 +8369,7 @@
             <a:spcAft>
               <a:spcPct val="35000"/>
             </a:spcAft>
+            <a:buNone/>
           </a:pPr>
           <a:endParaRPr lang="nl-NL" sz="500" kern="1200"/>
         </a:p>
@@ -8844,7 +8430,7 @@
         </a:bodyPr>
         <a:lstStyle/>
         <a:p>
-          <a:pPr lvl="0" algn="ctr" defTabSz="800100">
+          <a:pPr marL="0" lvl="0" indent="0" algn="ctr" defTabSz="800100">
             <a:lnSpc>
               <a:spcPct val="90000"/>
             </a:lnSpc>
@@ -8854,12 +8440,12 @@
             <a:spcAft>
               <a:spcPct val="35000"/>
             </a:spcAft>
+            <a:buNone/>
           </a:pPr>
           <a:r>
-            <a:rPr lang="nl-NL" sz="1800" kern="1200" dirty="0" smtClean="0"/>
+            <a:rPr lang="nl-NL" sz="1800" kern="1200" dirty="0"/>
             <a:t>Voorstel indienen</a:t>
           </a:r>
-          <a:endParaRPr lang="nl-NL" sz="1800" kern="1200" dirty="0"/>
         </a:p>
       </dsp:txBody>
       <dsp:txXfrm>
@@ -8927,7 +8513,7 @@
         </a:bodyPr>
         <a:lstStyle/>
         <a:p>
-          <a:pPr lvl="0" algn="ctr" defTabSz="222250">
+          <a:pPr marL="0" lvl="0" indent="0" algn="ctr" defTabSz="222250">
             <a:lnSpc>
               <a:spcPct val="90000"/>
             </a:lnSpc>
@@ -8937,6 +8523,7 @@
             <a:spcAft>
               <a:spcPct val="35000"/>
             </a:spcAft>
+            <a:buNone/>
           </a:pPr>
           <a:endParaRPr lang="nl-NL" sz="500" kern="1200"/>
         </a:p>
@@ -8997,7 +8584,7 @@
         </a:bodyPr>
         <a:lstStyle/>
         <a:p>
-          <a:pPr lvl="0" algn="ctr" defTabSz="800100">
+          <a:pPr marL="0" lvl="0" indent="0" algn="ctr" defTabSz="800100">
             <a:lnSpc>
               <a:spcPct val="90000"/>
             </a:lnSpc>
@@ -9007,12 +8594,12 @@
             <a:spcAft>
               <a:spcPct val="35000"/>
             </a:spcAft>
+            <a:buNone/>
           </a:pPr>
           <a:r>
-            <a:rPr lang="nl-NL" sz="1800" kern="1200" dirty="0" smtClean="0"/>
+            <a:rPr lang="nl-NL" sz="1800" kern="1200" dirty="0"/>
             <a:t>Belbintest</a:t>
           </a:r>
-          <a:endParaRPr lang="nl-NL" sz="1800" kern="1200" dirty="0"/>
         </a:p>
       </dsp:txBody>
       <dsp:txXfrm>
@@ -9080,7 +8667,7 @@
         </a:bodyPr>
         <a:lstStyle/>
         <a:p>
-          <a:pPr lvl="0" algn="ctr" defTabSz="222250">
+          <a:pPr marL="0" lvl="0" indent="0" algn="ctr" defTabSz="222250">
             <a:lnSpc>
               <a:spcPct val="90000"/>
             </a:lnSpc>
@@ -9090,6 +8677,7 @@
             <a:spcAft>
               <a:spcPct val="35000"/>
             </a:spcAft>
+            <a:buNone/>
           </a:pPr>
           <a:endParaRPr lang="nl-NL" sz="500" kern="1200"/>
         </a:p>
@@ -9150,7 +8738,7 @@
         </a:bodyPr>
         <a:lstStyle/>
         <a:p>
-          <a:pPr lvl="0" algn="ctr" defTabSz="800100">
+          <a:pPr marL="0" lvl="0" indent="0" algn="ctr" defTabSz="800100">
             <a:lnSpc>
               <a:spcPct val="90000"/>
             </a:lnSpc>
@@ -9160,12 +8748,12 @@
             <a:spcAft>
               <a:spcPct val="35000"/>
             </a:spcAft>
+            <a:buNone/>
           </a:pPr>
           <a:r>
-            <a:rPr lang="nl-NL" sz="1800" kern="1200" dirty="0" smtClean="0"/>
+            <a:rPr lang="nl-NL" sz="1800" kern="1200" dirty="0"/>
             <a:t>Studenten toevoegen</a:t>
           </a:r>
-          <a:endParaRPr lang="nl-NL" sz="1800" kern="1200" dirty="0"/>
         </a:p>
       </dsp:txBody>
       <dsp:txXfrm>
@@ -9233,7 +8821,7 @@
         </a:bodyPr>
         <a:lstStyle/>
         <a:p>
-          <a:pPr lvl="0" algn="ctr" defTabSz="222250">
+          <a:pPr marL="0" lvl="0" indent="0" algn="ctr" defTabSz="222250">
             <a:lnSpc>
               <a:spcPct val="90000"/>
             </a:lnSpc>
@@ -9243,6 +8831,7 @@
             <a:spcAft>
               <a:spcPct val="35000"/>
             </a:spcAft>
+            <a:buNone/>
           </a:pPr>
           <a:endParaRPr lang="nl-NL" sz="500" kern="1200"/>
         </a:p>
@@ -9303,7 +8892,7 @@
         </a:bodyPr>
         <a:lstStyle/>
         <a:p>
-          <a:pPr lvl="0" algn="ctr" defTabSz="800100">
+          <a:pPr marL="0" lvl="0" indent="0" algn="ctr" defTabSz="800100">
             <a:lnSpc>
               <a:spcPct val="90000"/>
             </a:lnSpc>
@@ -9313,12 +8902,12 @@
             <a:spcAft>
               <a:spcPct val="35000"/>
             </a:spcAft>
+            <a:buNone/>
           </a:pPr>
           <a:r>
-            <a:rPr lang="nl-NL" sz="1800" kern="1200" dirty="0" smtClean="0"/>
+            <a:rPr lang="nl-NL" sz="1800" kern="1200" dirty="0"/>
             <a:t>Voorstel bewerken</a:t>
           </a:r>
-          <a:endParaRPr lang="nl-NL" sz="1800" kern="1200" dirty="0"/>
         </a:p>
       </dsp:txBody>
       <dsp:txXfrm>
@@ -9392,7 +8981,7 @@
         </a:bodyPr>
         <a:lstStyle/>
         <a:p>
-          <a:pPr lvl="0" algn="ctr" defTabSz="666750">
+          <a:pPr marL="0" lvl="0" indent="0" algn="ctr" defTabSz="666750">
             <a:lnSpc>
               <a:spcPct val="90000"/>
             </a:lnSpc>
@@ -9402,12 +8991,12 @@
             <a:spcAft>
               <a:spcPct val="35000"/>
             </a:spcAft>
+            <a:buNone/>
           </a:pPr>
           <a:r>
-            <a:rPr lang="nl-NL" sz="1500" kern="1200" dirty="0" smtClean="0"/>
+            <a:rPr lang="nl-NL" sz="1500" kern="1200" dirty="0"/>
             <a:t>Interviews</a:t>
           </a:r>
-          <a:endParaRPr lang="nl-NL" sz="1500" kern="1200" dirty="0"/>
         </a:p>
       </dsp:txBody>
       <dsp:txXfrm>
@@ -9469,7 +9058,7 @@
         </a:bodyPr>
         <a:lstStyle/>
         <a:p>
-          <a:pPr lvl="0" algn="ctr" defTabSz="666750">
+          <a:pPr marL="0" lvl="0" indent="0" algn="ctr" defTabSz="666750">
             <a:lnSpc>
               <a:spcPct val="90000"/>
             </a:lnSpc>
@@ -9479,9 +9068,10 @@
             <a:spcAft>
               <a:spcPct val="35000"/>
             </a:spcAft>
+            <a:buNone/>
           </a:pPr>
           <a:r>
-            <a:rPr lang="nl-NL" sz="1500" kern="1200" dirty="0" err="1" smtClean="0"/>
+            <a:rPr lang="nl-NL" sz="1500" kern="1200" dirty="0" err="1"/>
             <a:t>Persona’s</a:t>
           </a:r>
           <a:endParaRPr lang="nl-NL" sz="1500" kern="1200" dirty="0"/>
@@ -9546,7 +9136,7 @@
         </a:bodyPr>
         <a:lstStyle/>
         <a:p>
-          <a:pPr lvl="0" algn="ctr" defTabSz="666750">
+          <a:pPr marL="0" lvl="0" indent="0" algn="ctr" defTabSz="666750">
             <a:lnSpc>
               <a:spcPct val="90000"/>
             </a:lnSpc>
@@ -9556,9 +9146,10 @@
             <a:spcAft>
               <a:spcPct val="35000"/>
             </a:spcAft>
+            <a:buNone/>
           </a:pPr>
           <a:r>
-            <a:rPr lang="nl-NL" sz="1500" kern="1200" dirty="0" err="1" smtClean="0"/>
+            <a:rPr lang="nl-NL" sz="1500" kern="1200" dirty="0" err="1"/>
             <a:t>Wireframes</a:t>
           </a:r>
           <a:endParaRPr lang="nl-NL" sz="1500" kern="1200" dirty="0"/>
@@ -9623,7 +9214,7 @@
         </a:bodyPr>
         <a:lstStyle/>
         <a:p>
-          <a:pPr lvl="0" algn="ctr" defTabSz="666750">
+          <a:pPr marL="0" lvl="0" indent="0" algn="ctr" defTabSz="666750">
             <a:lnSpc>
               <a:spcPct val="90000"/>
             </a:lnSpc>
@@ -9633,12 +9224,12 @@
             <a:spcAft>
               <a:spcPct val="35000"/>
             </a:spcAft>
+            <a:buNone/>
           </a:pPr>
           <a:r>
-            <a:rPr lang="nl-NL" sz="1500" kern="1200" dirty="0" smtClean="0"/>
+            <a:rPr lang="nl-NL" sz="1500" kern="1200" dirty="0"/>
             <a:t>Storyboard</a:t>
           </a:r>
-          <a:endParaRPr lang="nl-NL" sz="1500" kern="1200" dirty="0"/>
         </a:p>
       </dsp:txBody>
       <dsp:txXfrm>
@@ -9714,7 +9305,7 @@
         </a:bodyPr>
         <a:lstStyle/>
         <a:p>
-          <a:pPr lvl="0" algn="ctr" defTabSz="1022350">
+          <a:pPr marL="0" lvl="0" indent="0" algn="ctr" defTabSz="1022350">
             <a:lnSpc>
               <a:spcPct val="90000"/>
             </a:lnSpc>
@@ -9724,12 +9315,12 @@
             <a:spcAft>
               <a:spcPct val="35000"/>
             </a:spcAft>
+            <a:buNone/>
           </a:pPr>
           <a:r>
-            <a:rPr lang="nl-NL" sz="2300" kern="1200" dirty="0" smtClean="0"/>
+            <a:rPr lang="nl-NL" sz="2300" kern="1200" dirty="0"/>
             <a:t>Login</a:t>
           </a:r>
-          <a:endParaRPr lang="nl-NL" sz="2300" kern="1200" dirty="0"/>
         </a:p>
       </dsp:txBody>
       <dsp:txXfrm>
@@ -9850,7 +9441,7 @@
         </a:bodyPr>
         <a:lstStyle/>
         <a:p>
-          <a:pPr lvl="0" algn="ctr" defTabSz="666750">
+          <a:pPr marL="0" lvl="0" indent="0" algn="ctr" defTabSz="666750">
             <a:lnSpc>
               <a:spcPct val="90000"/>
             </a:lnSpc>
@@ -9860,16 +9451,16 @@
             <a:spcAft>
               <a:spcPct val="35000"/>
             </a:spcAft>
+            <a:buNone/>
           </a:pPr>
           <a:r>
-            <a:rPr lang="nl-NL" sz="1500" kern="1200" dirty="0" err="1" smtClean="0"/>
+            <a:rPr lang="nl-NL" sz="1500" kern="1200" dirty="0" err="1"/>
             <a:t>Odisee</a:t>
           </a:r>
           <a:r>
-            <a:rPr lang="nl-NL" sz="1500" kern="1200" dirty="0" smtClean="0"/>
+            <a:rPr lang="nl-NL" sz="1500" kern="1200" dirty="0"/>
             <a:t> mail</a:t>
           </a:r>
-          <a:endParaRPr lang="nl-NL" sz="1500" kern="1200" dirty="0"/>
         </a:p>
       </dsp:txBody>
       <dsp:txXfrm>
@@ -9990,7 +9581,7 @@
         </a:bodyPr>
         <a:lstStyle/>
         <a:p>
-          <a:pPr lvl="0" algn="ctr" defTabSz="666750">
+          <a:pPr marL="0" lvl="0" indent="0" algn="ctr" defTabSz="666750">
             <a:lnSpc>
               <a:spcPct val="90000"/>
             </a:lnSpc>
@@ -10000,12 +9591,12 @@
             <a:spcAft>
               <a:spcPct val="35000"/>
             </a:spcAft>
+            <a:buNone/>
           </a:pPr>
           <a:r>
-            <a:rPr lang="nl-NL" sz="1500" kern="1200" dirty="0" smtClean="0"/>
+            <a:rPr lang="nl-NL" sz="1500" kern="1200" dirty="0"/>
             <a:t>Externe gebruikers</a:t>
           </a:r>
-          <a:endParaRPr lang="nl-NL" sz="1500" kern="1200" dirty="0"/>
         </a:p>
       </dsp:txBody>
       <dsp:txXfrm>
@@ -10126,7 +9717,7 @@
         </a:bodyPr>
         <a:lstStyle/>
         <a:p>
-          <a:pPr lvl="0" algn="ctr" defTabSz="666750">
+          <a:pPr marL="0" lvl="0" indent="0" algn="ctr" defTabSz="666750">
             <a:lnSpc>
               <a:spcPct val="90000"/>
             </a:lnSpc>
@@ -10136,12 +9727,12 @@
             <a:spcAft>
               <a:spcPct val="35000"/>
             </a:spcAft>
+            <a:buNone/>
           </a:pPr>
           <a:r>
-            <a:rPr lang="nl-NL" sz="1500" kern="1200" dirty="0" smtClean="0"/>
+            <a:rPr lang="nl-NL" sz="1500" kern="1200" dirty="0"/>
             <a:t>Snelheid</a:t>
           </a:r>
-          <a:endParaRPr lang="nl-NL" sz="1500" kern="1200" dirty="0"/>
         </a:p>
       </dsp:txBody>
       <dsp:txXfrm>
@@ -10262,7 +9853,7 @@
         </a:bodyPr>
         <a:lstStyle/>
         <a:p>
-          <a:pPr lvl="0" algn="ctr" defTabSz="666750">
+          <a:pPr marL="0" lvl="0" indent="0" algn="ctr" defTabSz="666750">
             <a:lnSpc>
               <a:spcPct val="90000"/>
             </a:lnSpc>
@@ -10272,12 +9863,12 @@
             <a:spcAft>
               <a:spcPct val="35000"/>
             </a:spcAft>
+            <a:buNone/>
           </a:pPr>
           <a:r>
-            <a:rPr lang="nl-NL" sz="1500" kern="1200" dirty="0" smtClean="0"/>
+            <a:rPr lang="nl-NL" sz="1500" kern="1200" dirty="0"/>
             <a:t>Belbintest</a:t>
           </a:r>
-          <a:endParaRPr lang="nl-NL" sz="1500" kern="1200" dirty="0"/>
         </a:p>
       </dsp:txBody>
       <dsp:txXfrm>
@@ -10341,7 +9932,7 @@
         </a:bodyPr>
         <a:lstStyle/>
         <a:p>
-          <a:pPr lvl="0" algn="ctr" defTabSz="1022350">
+          <a:pPr marL="0" lvl="0" indent="0" algn="ctr" defTabSz="1022350">
             <a:lnSpc>
               <a:spcPct val="90000"/>
             </a:lnSpc>
@@ -10351,12 +9942,12 @@
             <a:spcAft>
               <a:spcPct val="35000"/>
             </a:spcAft>
+            <a:buNone/>
           </a:pPr>
           <a:r>
-            <a:rPr lang="nl-NL" sz="2300" kern="1200" dirty="0" smtClean="0"/>
+            <a:rPr lang="nl-NL" sz="2300" kern="1200" dirty="0"/>
             <a:t>Voorstel indienen</a:t>
           </a:r>
-          <a:endParaRPr lang="nl-NL" sz="2300" kern="1200" dirty="0"/>
         </a:p>
       </dsp:txBody>
       <dsp:txXfrm>
@@ -10477,7 +10068,7 @@
         </a:bodyPr>
         <a:lstStyle/>
         <a:p>
-          <a:pPr lvl="0" algn="ctr" defTabSz="666750">
+          <a:pPr marL="0" lvl="0" indent="0" algn="ctr" defTabSz="666750">
             <a:lnSpc>
               <a:spcPct val="90000"/>
             </a:lnSpc>
@@ -10487,12 +10078,12 @@
             <a:spcAft>
               <a:spcPct val="35000"/>
             </a:spcAft>
+            <a:buNone/>
           </a:pPr>
           <a:r>
-            <a:rPr lang="nl-NL" sz="1500" kern="1200" dirty="0" smtClean="0"/>
+            <a:rPr lang="nl-NL" sz="1500" kern="1200" dirty="0"/>
             <a:t>Docent selecteren</a:t>
           </a:r>
-          <a:endParaRPr lang="nl-NL" sz="1500" kern="1200" dirty="0"/>
         </a:p>
       </dsp:txBody>
       <dsp:txXfrm>
@@ -10613,7 +10204,7 @@
         </a:bodyPr>
         <a:lstStyle/>
         <a:p>
-          <a:pPr lvl="0" algn="ctr" defTabSz="666750">
+          <a:pPr marL="0" lvl="0" indent="0" algn="ctr" defTabSz="666750">
             <a:lnSpc>
               <a:spcPct val="90000"/>
             </a:lnSpc>
@@ -10623,12 +10214,12 @@
             <a:spcAft>
               <a:spcPct val="35000"/>
             </a:spcAft>
+            <a:buNone/>
           </a:pPr>
           <a:r>
-            <a:rPr lang="nl-NL" sz="1500" kern="1200" dirty="0" smtClean="0"/>
+            <a:rPr lang="nl-NL" sz="1500" kern="1200" dirty="0"/>
             <a:t>SMART-criteria</a:t>
           </a:r>
-          <a:endParaRPr lang="nl-NL" sz="1500" kern="1200" dirty="0"/>
         </a:p>
       </dsp:txBody>
       <dsp:txXfrm>
@@ -10749,7 +10340,7 @@
         </a:bodyPr>
         <a:lstStyle/>
         <a:p>
-          <a:pPr lvl="0" algn="ctr" defTabSz="666750">
+          <a:pPr marL="0" lvl="0" indent="0" algn="ctr" defTabSz="666750">
             <a:lnSpc>
               <a:spcPct val="90000"/>
             </a:lnSpc>
@@ -10759,12 +10350,12 @@
             <a:spcAft>
               <a:spcPct val="35000"/>
             </a:spcAft>
+            <a:buNone/>
           </a:pPr>
           <a:r>
-            <a:rPr lang="nl-NL" sz="1500" kern="1200" dirty="0" smtClean="0"/>
+            <a:rPr lang="nl-NL" sz="1500" kern="1200" dirty="0"/>
             <a:t>Mogelijkheid aanpassen</a:t>
           </a:r>
-          <a:endParaRPr lang="nl-NL" sz="1500" kern="1200" dirty="0"/>
         </a:p>
       </dsp:txBody>
       <dsp:txXfrm>
@@ -10885,7 +10476,7 @@
         </a:bodyPr>
         <a:lstStyle/>
         <a:p>
-          <a:pPr lvl="0" algn="ctr" defTabSz="666750">
+          <a:pPr marL="0" lvl="0" indent="0" algn="ctr" defTabSz="666750">
             <a:lnSpc>
               <a:spcPct val="90000"/>
             </a:lnSpc>
@@ -10895,12 +10486,12 @@
             <a:spcAft>
               <a:spcPct val="35000"/>
             </a:spcAft>
+            <a:buNone/>
           </a:pPr>
           <a:r>
-            <a:rPr lang="nl-NL" sz="1500" kern="1200" dirty="0" smtClean="0"/>
+            <a:rPr lang="nl-NL" sz="1500" kern="1200" dirty="0"/>
             <a:t>Extra deelvragen</a:t>
           </a:r>
-          <a:endParaRPr lang="nl-NL" sz="1500" kern="1200" dirty="0"/>
         </a:p>
       </dsp:txBody>
       <dsp:txXfrm>
@@ -10964,7 +10555,7 @@
         </a:bodyPr>
         <a:lstStyle/>
         <a:p>
-          <a:pPr lvl="0" algn="ctr" defTabSz="1022350">
+          <a:pPr marL="0" lvl="0" indent="0" algn="ctr" defTabSz="1022350">
             <a:lnSpc>
               <a:spcPct val="90000"/>
             </a:lnSpc>
@@ -10974,12 +10565,12 @@
             <a:spcAft>
               <a:spcPct val="35000"/>
             </a:spcAft>
+            <a:buNone/>
           </a:pPr>
           <a:r>
-            <a:rPr lang="nl-NL" sz="2300" kern="1200" dirty="0" smtClean="0"/>
+            <a:rPr lang="nl-NL" sz="2300" kern="1200" dirty="0"/>
             <a:t>Projecten</a:t>
           </a:r>
-          <a:endParaRPr lang="nl-NL" sz="2300" kern="1200" dirty="0"/>
         </a:p>
       </dsp:txBody>
       <dsp:txXfrm>
@@ -11100,7 +10691,7 @@
         </a:bodyPr>
         <a:lstStyle/>
         <a:p>
-          <a:pPr lvl="0" algn="ctr" defTabSz="666750">
+          <a:pPr marL="0" lvl="0" indent="0" algn="ctr" defTabSz="666750">
             <a:lnSpc>
               <a:spcPct val="90000"/>
             </a:lnSpc>
@@ -11110,12 +10701,12 @@
             <a:spcAft>
               <a:spcPct val="35000"/>
             </a:spcAft>
+            <a:buNone/>
           </a:pPr>
           <a:r>
-            <a:rPr lang="nl-NL" sz="1500" kern="1200" dirty="0" smtClean="0"/>
+            <a:rPr lang="nl-NL" sz="1500" kern="1200" dirty="0"/>
             <a:t>Filters</a:t>
           </a:r>
-          <a:endParaRPr lang="nl-NL" sz="1500" kern="1200" dirty="0"/>
         </a:p>
       </dsp:txBody>
       <dsp:txXfrm>
@@ -11236,7 +10827,7 @@
         </a:bodyPr>
         <a:lstStyle/>
         <a:p>
-          <a:pPr lvl="0" algn="ctr" defTabSz="666750">
+          <a:pPr marL="0" lvl="0" indent="0" algn="ctr" defTabSz="666750">
             <a:lnSpc>
               <a:spcPct val="90000"/>
             </a:lnSpc>
@@ -11246,12 +10837,12 @@
             <a:spcAft>
               <a:spcPct val="35000"/>
             </a:spcAft>
+            <a:buNone/>
           </a:pPr>
           <a:r>
-            <a:rPr lang="nl-NL" sz="1500" kern="1200" dirty="0" smtClean="0"/>
+            <a:rPr lang="nl-NL" sz="1500" kern="1200" dirty="0"/>
             <a:t>Goed- of afkeuren door alle docenten</a:t>
           </a:r>
-          <a:endParaRPr lang="nl-NL" sz="1500" kern="1200" dirty="0"/>
         </a:p>
       </dsp:txBody>
       <dsp:txXfrm>
@@ -11435,7 +11026,7 @@
         </a:bodyPr>
         <a:lstStyle/>
         <a:p>
-          <a:pPr lvl="0" algn="ctr" defTabSz="889000">
+          <a:pPr marL="0" lvl="0" indent="0" algn="ctr" defTabSz="889000">
             <a:lnSpc>
               <a:spcPct val="90000"/>
             </a:lnSpc>
@@ -11445,9 +11036,10 @@
             <a:spcAft>
               <a:spcPct val="35000"/>
             </a:spcAft>
+            <a:buNone/>
           </a:pPr>
           <a:r>
-            <a:rPr lang="nl-NL" sz="2000" kern="1200" dirty="0" err="1" smtClean="0"/>
+            <a:rPr lang="nl-NL" sz="2000" kern="1200" dirty="0" err="1"/>
             <a:t>Mysql</a:t>
           </a:r>
           <a:endParaRPr lang="nl-NL" sz="2000" kern="1200" dirty="0"/>
@@ -11569,7 +11161,7 @@
         </a:bodyPr>
         <a:lstStyle/>
         <a:p>
-          <a:pPr lvl="0" algn="ctr" defTabSz="889000">
+          <a:pPr marL="0" lvl="0" indent="0" algn="ctr" defTabSz="889000">
             <a:lnSpc>
               <a:spcPct val="90000"/>
             </a:lnSpc>
@@ -11579,12 +11171,12 @@
             <a:spcAft>
               <a:spcPct val="35000"/>
             </a:spcAft>
+            <a:buNone/>
           </a:pPr>
           <a:r>
-            <a:rPr lang="nl-NL" sz="2000" kern="1200" dirty="0" smtClean="0"/>
+            <a:rPr lang="nl-NL" sz="2000" kern="1200" dirty="0"/>
             <a:t>SQL Server</a:t>
           </a:r>
-          <a:endParaRPr lang="nl-NL" sz="2000" kern="1200" dirty="0"/>
         </a:p>
       </dsp:txBody>
       <dsp:txXfrm rot="10800000">
@@ -11703,7 +11295,7 @@
         </a:bodyPr>
         <a:lstStyle/>
         <a:p>
-          <a:pPr lvl="0" algn="ctr" defTabSz="889000">
+          <a:pPr marL="0" lvl="0" indent="0" algn="ctr" defTabSz="889000">
             <a:lnSpc>
               <a:spcPct val="90000"/>
             </a:lnSpc>
@@ -11713,9 +11305,10 @@
             <a:spcAft>
               <a:spcPct val="35000"/>
             </a:spcAft>
+            <a:buNone/>
           </a:pPr>
           <a:r>
-            <a:rPr lang="nl-NL" sz="2000" kern="1200" dirty="0" err="1" smtClean="0"/>
+            <a:rPr lang="nl-NL" sz="2000" kern="1200" dirty="0" err="1"/>
             <a:t>SQLite</a:t>
           </a:r>
           <a:endParaRPr lang="nl-NL" sz="2000" kern="1200" dirty="0"/>
@@ -11837,7 +11430,7 @@
         </a:bodyPr>
         <a:lstStyle/>
         <a:p>
-          <a:pPr lvl="0" algn="ctr" defTabSz="889000">
+          <a:pPr marL="0" lvl="0" indent="0" algn="ctr" defTabSz="889000">
             <a:lnSpc>
               <a:spcPct val="90000"/>
             </a:lnSpc>
@@ -11847,9 +11440,10 @@
             <a:spcAft>
               <a:spcPct val="35000"/>
             </a:spcAft>
+            <a:buNone/>
           </a:pPr>
           <a:r>
-            <a:rPr lang="nl-NL" sz="2000" kern="1200" dirty="0" err="1" smtClean="0"/>
+            <a:rPr lang="nl-NL" sz="2000" kern="1200" dirty="0" err="1"/>
             <a:t>PostgreSQL</a:t>
           </a:r>
           <a:endParaRPr lang="nl-NL" sz="2000" kern="1200" dirty="0"/>
@@ -19345,7 +18939,7 @@
           </a:lstStyle>
           <a:p>
             <a:fld id="{2518152A-4670-DD4C-AAFC-C17F734418B3}" type="datetimeFigureOut">
-              <a:t>11-6-2019</a:t>
+              <a:t>18/06/2019</a:t>
             </a:fld>
             <a:endParaRPr lang="en-US"/>
           </a:p>
@@ -19509,7 +19103,7 @@
           </a:lstStyle>
           <a:p>
             <a:fld id="{7AC900B5-6857-DB44-9846-7C78C09874F3}" type="datetimeFigureOut">
-              <a:t>11-6-2019</a:t>
+              <a:t>18/06/2019</a:t>
             </a:fld>
             <a:endParaRPr lang="en-US"/>
           </a:p>
@@ -19906,15 +19500,15 @@
           <a:lstStyle/>
           <a:p>
             <a:r>
-              <a:rPr lang="nl-NL" dirty="0" smtClean="0"/>
+              <a:rPr lang="nl-NL" dirty="0"/>
               <a:t>De </a:t>
             </a:r>
             <a:r>
-              <a:rPr lang="nl-NL" dirty="0" err="1" smtClean="0"/>
+              <a:rPr lang="nl-NL" dirty="0" err="1"/>
               <a:t>belangerijkste</a:t>
             </a:r>
             <a:r>
-              <a:rPr lang="nl-NL" baseline="0" dirty="0" smtClean="0"/>
+              <a:rPr lang="nl-NL" baseline="0" dirty="0"/>
               <a:t> punten uit de interviews</a:t>
             </a:r>
             <a:endParaRPr lang="nl-NL" dirty="0"/>
@@ -19948,6 +19542,198 @@
     <p:extLst>
       <p:ext uri="{BB962C8B-B14F-4D97-AF65-F5344CB8AC3E}">
         <p14:creationId xmlns:p14="http://schemas.microsoft.com/office/powerpoint/2010/main" val="1513745579"/>
+      </p:ext>
+    </p:extLst>
+  </p:cSld>
+  <p:clrMapOvr>
+    <a:masterClrMapping/>
+  </p:clrMapOvr>
+</p:notes>
+</file>
+
+<file path=ppt/notesSlides/notesSlide3.xml><?xml version="1.0" encoding="utf-8"?>
+<p:notes xmlns:a="http://schemas.openxmlformats.org/drawingml/2006/main" xmlns:r="http://schemas.openxmlformats.org/officeDocument/2006/relationships" xmlns:p="http://schemas.openxmlformats.org/presentationml/2006/main">
+  <p:cSld>
+    <p:spTree>
+      <p:nvGrpSpPr>
+        <p:cNvPr id="1" name=""/>
+        <p:cNvGrpSpPr/>
+        <p:nvPr/>
+      </p:nvGrpSpPr>
+      <p:grpSpPr>
+        <a:xfrm>
+          <a:off x="0" y="0"/>
+          <a:ext cx="0" cy="0"/>
+          <a:chOff x="0" y="0"/>
+          <a:chExt cx="0" cy="0"/>
+        </a:xfrm>
+      </p:grpSpPr>
+      <p:sp>
+        <p:nvSpPr>
+          <p:cNvPr id="2" name="Tijdelijke aanduiding voor dia-afbeelding 1"/>
+          <p:cNvSpPr>
+            <a:spLocks noGrp="1" noRot="1" noChangeAspect="1"/>
+          </p:cNvSpPr>
+          <p:nvPr>
+            <p:ph type="sldImg"/>
+          </p:nvPr>
+        </p:nvSpPr>
+        <p:spPr/>
+      </p:sp>
+      <p:sp>
+        <p:nvSpPr>
+          <p:cNvPr id="3" name="Tijdelijke aanduiding voor notities 2"/>
+          <p:cNvSpPr>
+            <a:spLocks noGrp="1"/>
+          </p:cNvSpPr>
+          <p:nvPr>
+            <p:ph type="body" idx="1"/>
+          </p:nvPr>
+        </p:nvSpPr>
+        <p:spPr/>
+        <p:txBody>
+          <a:bodyPr/>
+          <a:lstStyle/>
+          <a:p>
+            <a:r>
+              <a:rPr lang="nl-BE" b="0" dirty="0"/>
+              <a:t>. De basis van de applicatie zijn de controllers. In de controllers worden alle functies van de applicatie afgehandeld zoals bijvoorbeeld het toevoegen, bewerken en inzien van klanten. Elke actie die uitgevoerd kan worden, krijgt zijn eigen functie binnen een controller. Als er bijvoorbeeld een pagina wordt geopend, dan wordt een betreffende controller functie aangesproken. In deze controller wordt de data dan opgehaald, verwerkt en vervolgens getoond in de view aan de gebruiker.</a:t>
+            </a:r>
+            <a:endParaRPr lang="nl-BE" dirty="0"/>
+          </a:p>
+        </p:txBody>
+      </p:sp>
+      <p:sp>
+        <p:nvSpPr>
+          <p:cNvPr id="4" name="Tijdelijke aanduiding voor dianummer 3"/>
+          <p:cNvSpPr>
+            <a:spLocks noGrp="1"/>
+          </p:cNvSpPr>
+          <p:nvPr>
+            <p:ph type="sldNum" sz="quarter" idx="5"/>
+          </p:nvPr>
+        </p:nvSpPr>
+        <p:spPr/>
+        <p:txBody>
+          <a:bodyPr/>
+          <a:lstStyle/>
+          <a:p>
+            <a:fld id="{DABB8F35-2A73-D34D-93FE-F1753C8EDAEC}" type="slidenum">
+              <a:rPr lang="nl-BE" smtClean="0"/>
+              <a:t>18</a:t>
+            </a:fld>
+            <a:endParaRPr lang="nl-BE"/>
+          </a:p>
+        </p:txBody>
+      </p:sp>
+    </p:spTree>
+    <p:extLst>
+      <p:ext uri="{BB962C8B-B14F-4D97-AF65-F5344CB8AC3E}">
+        <p14:creationId xmlns:p14="http://schemas.microsoft.com/office/powerpoint/2010/main" val="3174001312"/>
+      </p:ext>
+    </p:extLst>
+  </p:cSld>
+  <p:clrMapOvr>
+    <a:masterClrMapping/>
+  </p:clrMapOvr>
+</p:notes>
+</file>
+
+<file path=ppt/notesSlides/notesSlide4.xml><?xml version="1.0" encoding="utf-8"?>
+<p:notes xmlns:a="http://schemas.openxmlformats.org/drawingml/2006/main" xmlns:r="http://schemas.openxmlformats.org/officeDocument/2006/relationships" xmlns:p="http://schemas.openxmlformats.org/presentationml/2006/main">
+  <p:cSld>
+    <p:spTree>
+      <p:nvGrpSpPr>
+        <p:cNvPr id="1" name=""/>
+        <p:cNvGrpSpPr/>
+        <p:nvPr/>
+      </p:nvGrpSpPr>
+      <p:grpSpPr>
+        <a:xfrm>
+          <a:off x="0" y="0"/>
+          <a:ext cx="0" cy="0"/>
+          <a:chOff x="0" y="0"/>
+          <a:chExt cx="0" cy="0"/>
+        </a:xfrm>
+      </p:grpSpPr>
+      <p:sp>
+        <p:nvSpPr>
+          <p:cNvPr id="2" name="Tijdelijke aanduiding voor dia-afbeelding 1"/>
+          <p:cNvSpPr>
+            <a:spLocks noGrp="1" noRot="1" noChangeAspect="1"/>
+          </p:cNvSpPr>
+          <p:nvPr>
+            <p:ph type="sldImg"/>
+          </p:nvPr>
+        </p:nvSpPr>
+        <p:spPr/>
+      </p:sp>
+      <p:sp>
+        <p:nvSpPr>
+          <p:cNvPr id="3" name="Tijdelijke aanduiding voor notities 2"/>
+          <p:cNvSpPr>
+            <a:spLocks noGrp="1"/>
+          </p:cNvSpPr>
+          <p:nvPr>
+            <p:ph type="body" idx="1"/>
+          </p:nvPr>
+        </p:nvSpPr>
+        <p:spPr/>
+        <p:txBody>
+          <a:bodyPr/>
+          <a:lstStyle/>
+          <a:p>
+            <a:r>
+              <a:rPr lang="nl-BE" b="0" dirty="0"/>
+              <a:t>De </a:t>
+            </a:r>
+            <a:r>
+              <a:rPr lang="nl-BE" b="0" dirty="0" err="1"/>
+              <a:t>Models</a:t>
+            </a:r>
+            <a:r>
+              <a:rPr lang="nl-BE" b="0" dirty="0"/>
+              <a:t> uit de MVC structuur zijn verbonden aan database tabellen. In </a:t>
+            </a:r>
+            <a:r>
+              <a:rPr lang="nl-BE" b="0" dirty="0" err="1"/>
+              <a:t>Laravel</a:t>
+            </a:r>
+            <a:r>
+              <a:rPr lang="nl-BE" b="0" dirty="0"/>
+              <a:t> kan je door middel van het aanroepen van de Model klasse een query uitvoeren. </a:t>
+            </a:r>
+            <a:endParaRPr lang="nl-BE" dirty="0"/>
+          </a:p>
+        </p:txBody>
+      </p:sp>
+      <p:sp>
+        <p:nvSpPr>
+          <p:cNvPr id="4" name="Tijdelijke aanduiding voor dianummer 3"/>
+          <p:cNvSpPr>
+            <a:spLocks noGrp="1"/>
+          </p:cNvSpPr>
+          <p:nvPr>
+            <p:ph type="sldNum" sz="quarter" idx="5"/>
+          </p:nvPr>
+        </p:nvSpPr>
+        <p:spPr/>
+        <p:txBody>
+          <a:bodyPr/>
+          <a:lstStyle/>
+          <a:p>
+            <a:fld id="{DABB8F35-2A73-D34D-93FE-F1753C8EDAEC}" type="slidenum">
+              <a:rPr lang="nl-BE" smtClean="0"/>
+              <a:t>19</a:t>
+            </a:fld>
+            <a:endParaRPr lang="nl-BE"/>
+          </a:p>
+        </p:txBody>
+      </p:sp>
+    </p:spTree>
+    <p:extLst>
+      <p:ext uri="{BB962C8B-B14F-4D97-AF65-F5344CB8AC3E}">
+        <p14:creationId xmlns:p14="http://schemas.microsoft.com/office/powerpoint/2010/main" val="4038869589"/>
       </p:ext>
     </p:extLst>
   </p:cSld>
@@ -20134,7 +19920,7 @@
           </a:lstStyle>
           <a:p>
             <a:r>
-              <a:rPr lang="nl-NL" noProof="0" smtClean="0"/>
+              <a:rPr lang="nl-NL" noProof="0"/>
               <a:t>Klik om de ondertitelstijl van het model te bewerken</a:t>
             </a:r>
             <a:endParaRPr lang="nl-BE" noProof="0"/>
@@ -20438,7 +20224,7 @@
           <a:lstStyle/>
           <a:p>
             <a:fld id="{5F17BE6E-A6F8-3442-9DA5-5593485BE98C}" type="datetime1">
-              <a:t>11-6-2019</a:t>
+              <a:t>18/06/2019</a:t>
             </a:fld>
             <a:endParaRPr lang="en-US"/>
           </a:p>
@@ -20939,7 +20725,7 @@
           <a:lstStyle/>
           <a:p>
             <a:fld id="{36086CE3-90FF-5744-87D8-5D36EE4D91CC}" type="datetime1">
-              <a:t>11-6-2019</a:t>
+              <a:t>18/06/2019</a:t>
             </a:fld>
             <a:endParaRPr lang="en-US"/>
           </a:p>
@@ -21228,7 +21014,7 @@
           <a:lstStyle/>
           <a:p>
             <a:fld id="{E5FDB7F4-B6ED-1748-9D00-406FDAEF6503}" type="datetime1">
-              <a:t>11-6-2019</a:t>
+              <a:t>18/06/2019</a:t>
             </a:fld>
             <a:endParaRPr lang="en-US"/>
           </a:p>
@@ -21324,7 +21110,7 @@
           <a:lstStyle/>
           <a:p>
             <a:fld id="{B721E619-EBD6-CB45-B312-466BFC0B87E3}" type="datetime1">
-              <a:t>11-6-2019</a:t>
+              <a:t>18/06/2019</a:t>
             </a:fld>
             <a:endParaRPr lang="en-US"/>
           </a:p>
@@ -21578,7 +21364,7 @@
           <a:lstStyle/>
           <a:p>
             <a:fld id="{138FFCED-4308-CA4D-ACC4-3948E9F11CDF}" type="datetime1">
-              <a:t>11-6-2019</a:t>
+              <a:t>18/06/2019</a:t>
             </a:fld>
             <a:endParaRPr lang="en-US"/>
           </a:p>
@@ -22079,7 +21865,7 @@
           <a:lstStyle/>
           <a:p>
             <a:fld id="{36086CE3-90FF-5744-87D8-5D36EE4D91CC}" type="datetime1">
-              <a:t>11-6-2019</a:t>
+              <a:t>18/06/2019</a:t>
             </a:fld>
             <a:endParaRPr lang="en-US"/>
           </a:p>
@@ -22368,7 +22154,7 @@
           <a:lstStyle/>
           <a:p>
             <a:fld id="{E5FDB7F4-B6ED-1748-9D00-406FDAEF6503}" type="datetime1">
-              <a:t>11-6-2019</a:t>
+              <a:t>18/06/2019</a:t>
             </a:fld>
             <a:endParaRPr lang="en-US"/>
           </a:p>
@@ -22464,7 +22250,7 @@
           <a:lstStyle/>
           <a:p>
             <a:fld id="{B721E619-EBD6-CB45-B312-466BFC0B87E3}" type="datetime1">
-              <a:t>11-6-2019</a:t>
+              <a:t>18/06/2019</a:t>
             </a:fld>
             <a:endParaRPr lang="en-US"/>
           </a:p>
@@ -22560,7 +22346,7 @@
           <a:lstStyle/>
           <a:p>
             <a:r>
-              <a:rPr lang="nl-NL" smtClean="0"/>
+              <a:rPr lang="nl-NL"/>
               <a:t>Klik om de stijl te bewerken</a:t>
             </a:r>
             <a:endParaRPr lang="en-US"/>
@@ -22584,35 +22370,35 @@
           <a:p>
             <a:pPr lvl="0"/>
             <a:r>
-              <a:rPr lang="nl-NL" smtClean="0"/>
+              <a:rPr lang="nl-NL"/>
               <a:t>Klik om de modelstijlen te bewerken</a:t>
             </a:r>
           </a:p>
           <a:p>
             <a:pPr lvl="1"/>
             <a:r>
-              <a:rPr lang="nl-NL" smtClean="0"/>
+              <a:rPr lang="nl-NL"/>
               <a:t>Tweede niveau</a:t>
             </a:r>
           </a:p>
           <a:p>
             <a:pPr lvl="2"/>
             <a:r>
-              <a:rPr lang="nl-NL" smtClean="0"/>
+              <a:rPr lang="nl-NL"/>
               <a:t>Derde niveau</a:t>
             </a:r>
           </a:p>
           <a:p>
             <a:pPr lvl="3"/>
             <a:r>
-              <a:rPr lang="nl-NL" smtClean="0"/>
+              <a:rPr lang="nl-NL"/>
               <a:t>Vierde niveau</a:t>
             </a:r>
           </a:p>
           <a:p>
             <a:pPr lvl="4"/>
             <a:r>
-              <a:rPr lang="nl-NL" smtClean="0"/>
+              <a:rPr lang="nl-NL"/>
               <a:t>Vijfde niveau</a:t>
             </a:r>
             <a:endParaRPr lang="en-US"/>
@@ -22635,7 +22421,7 @@
           <a:lstStyle/>
           <a:p>
             <a:fld id="{D956C2C8-AF4A-3F4C-B9B4-50FA0AC2319A}" type="datetime1">
-              <a:t>11-6-2019</a:t>
+              <a:t>18/06/2019</a:t>
             </a:fld>
             <a:endParaRPr lang="en-US"/>
           </a:p>
@@ -22889,7 +22675,7 @@
           <a:lstStyle/>
           <a:p>
             <a:fld id="{138FFCED-4308-CA4D-ACC4-3948E9F11CDF}" type="datetime1">
-              <a:t>11-6-2019</a:t>
+              <a:t>18/06/2019</a:t>
             </a:fld>
             <a:endParaRPr lang="en-US"/>
           </a:p>
@@ -23390,7 +23176,7 @@
           <a:lstStyle/>
           <a:p>
             <a:fld id="{E056D7AB-E25E-FB4B-969B-4A4EA7ABA0AD}" type="datetime1">
-              <a:t>11-6-2019</a:t>
+              <a:t>18/06/2019</a:t>
             </a:fld>
             <a:endParaRPr lang="en-US"/>
           </a:p>
@@ -23679,7 +23465,7 @@
           <a:lstStyle/>
           <a:p>
             <a:fld id="{347F30DE-79EA-A349-BE9F-7981F0F2DC46}" type="datetime1">
-              <a:t>11-6-2019</a:t>
+              <a:t>18/06/2019</a:t>
             </a:fld>
             <a:endParaRPr lang="en-US"/>
           </a:p>
@@ -23775,7 +23561,7 @@
           <a:lstStyle/>
           <a:p>
             <a:fld id="{8FC05770-7E08-F248-BA09-A0038AB0618E}" type="datetime1">
-              <a:t>11-6-2019</a:t>
+              <a:t>18/06/2019</a:t>
             </a:fld>
             <a:endParaRPr lang="en-US"/>
           </a:p>
@@ -24029,7 +23815,7 @@
           <a:lstStyle/>
           <a:p>
             <a:fld id="{0149C62E-9B80-144E-9FFF-A108B648E2E0}" type="datetime1">
-              <a:t>11-6-2019</a:t>
+              <a:t>18/06/2019</a:t>
             </a:fld>
             <a:endParaRPr lang="en-US"/>
           </a:p>
@@ -24530,7 +24316,7 @@
           <a:lstStyle/>
           <a:p>
             <a:fld id="{5F856C8F-3F9B-6D44-8056-EDB07DB254DC}" type="datetime1">
-              <a:t>11-6-2019</a:t>
+              <a:t>18/06/2019</a:t>
             </a:fld>
             <a:endParaRPr lang="en-US"/>
           </a:p>
@@ -24819,7 +24605,7 @@
           <a:lstStyle/>
           <a:p>
             <a:fld id="{1CE7233C-6A1A-B347-86E1-38E7A4477365}" type="datetime1">
-              <a:t>11-6-2019</a:t>
+              <a:t>18/06/2019</a:t>
             </a:fld>
             <a:endParaRPr lang="en-US"/>
           </a:p>
@@ -24915,7 +24701,7 @@
           <a:lstStyle/>
           <a:p>
             <a:fld id="{3655A780-40C0-BD41-9FCF-DB3CB79764AE}" type="datetime1">
-              <a:t>11-6-2019</a:t>
+              <a:t>18/06/2019</a:t>
             </a:fld>
             <a:endParaRPr lang="en-US"/>
           </a:p>
@@ -25011,7 +24797,7 @@
           <a:lstStyle/>
           <a:p>
             <a:r>
-              <a:rPr lang="nl-NL" smtClean="0"/>
+              <a:rPr lang="nl-NL"/>
               <a:t>Klik om de stijl te bewerken</a:t>
             </a:r>
             <a:endParaRPr lang="en-US"/>
@@ -25068,35 +24854,35 @@
           <a:p>
             <a:pPr lvl="0"/>
             <a:r>
-              <a:rPr lang="nl-NL" smtClean="0"/>
+              <a:rPr lang="nl-NL"/>
               <a:t>Klik om de modelstijlen te bewerken</a:t>
             </a:r>
           </a:p>
           <a:p>
             <a:pPr lvl="1"/>
             <a:r>
-              <a:rPr lang="nl-NL" smtClean="0"/>
+              <a:rPr lang="nl-NL"/>
               <a:t>Tweede niveau</a:t>
             </a:r>
           </a:p>
           <a:p>
             <a:pPr lvl="2"/>
             <a:r>
-              <a:rPr lang="nl-NL" smtClean="0"/>
+              <a:rPr lang="nl-NL"/>
               <a:t>Derde niveau</a:t>
             </a:r>
           </a:p>
           <a:p>
             <a:pPr lvl="3"/>
             <a:r>
-              <a:rPr lang="nl-NL" smtClean="0"/>
+              <a:rPr lang="nl-NL"/>
               <a:t>Vierde niveau</a:t>
             </a:r>
           </a:p>
           <a:p>
             <a:pPr lvl="4"/>
             <a:r>
-              <a:rPr lang="nl-NL" smtClean="0"/>
+              <a:rPr lang="nl-NL"/>
               <a:t>Vijfde niveau</a:t>
             </a:r>
             <a:endParaRPr lang="en-US"/>
@@ -25153,35 +24939,35 @@
           <a:p>
             <a:pPr lvl="0"/>
             <a:r>
-              <a:rPr lang="nl-NL" smtClean="0"/>
+              <a:rPr lang="nl-NL"/>
               <a:t>Klik om de modelstijlen te bewerken</a:t>
             </a:r>
           </a:p>
           <a:p>
             <a:pPr lvl="1"/>
             <a:r>
-              <a:rPr lang="nl-NL" smtClean="0"/>
+              <a:rPr lang="nl-NL"/>
               <a:t>Tweede niveau</a:t>
             </a:r>
           </a:p>
           <a:p>
             <a:pPr lvl="2"/>
             <a:r>
-              <a:rPr lang="nl-NL" smtClean="0"/>
+              <a:rPr lang="nl-NL"/>
               <a:t>Derde niveau</a:t>
             </a:r>
           </a:p>
           <a:p>
             <a:pPr lvl="3"/>
             <a:r>
-              <a:rPr lang="nl-NL" smtClean="0"/>
+              <a:rPr lang="nl-NL"/>
               <a:t>Vierde niveau</a:t>
             </a:r>
           </a:p>
           <a:p>
             <a:pPr lvl="4"/>
             <a:r>
-              <a:rPr lang="nl-NL" smtClean="0"/>
+              <a:rPr lang="nl-NL"/>
               <a:t>Vijfde niveau</a:t>
             </a:r>
             <a:endParaRPr lang="en-US"/>
@@ -25204,7 +24990,7 @@
           <a:lstStyle/>
           <a:p>
             <a:fld id="{8B63FB6B-9458-BD43-9DB9-A2949799A662}" type="datetime1">
-              <a:t>11-6-2019</a:t>
+              <a:t>18/06/2019</a:t>
             </a:fld>
             <a:endParaRPr lang="en-US"/>
           </a:p>
@@ -25458,7 +25244,7 @@
           <a:lstStyle/>
           <a:p>
             <a:fld id="{A316EF45-E80A-A14C-9D81-938871F147C8}" type="datetime1">
-              <a:t>11-6-2019</a:t>
+              <a:t>18/06/2019</a:t>
             </a:fld>
             <a:endParaRPr lang="en-US"/>
           </a:p>
@@ -25959,7 +25745,7 @@
           <a:lstStyle/>
           <a:p>
             <a:fld id="{0C0CCFA7-D12C-7141-8399-7EC2FD74B1F4}" type="datetime1">
-              <a:t>11-6-2019</a:t>
+              <a:t>18/06/2019</a:t>
             </a:fld>
             <a:endParaRPr lang="en-US"/>
           </a:p>
@@ -26248,7 +26034,7 @@
           <a:lstStyle/>
           <a:p>
             <a:fld id="{5D13D340-8AB4-384E-BF13-A0690AD7A543}" type="datetime1">
-              <a:t>11-6-2019</a:t>
+              <a:t>18/06/2019</a:t>
             </a:fld>
             <a:endParaRPr lang="en-US"/>
           </a:p>
@@ -26344,7 +26130,7 @@
           <a:lstStyle/>
           <a:p>
             <a:fld id="{41A3B24D-7E8B-9541-B8F1-940F0036A509}" type="datetime1">
-              <a:t>11-6-2019</a:t>
+              <a:t>18/06/2019</a:t>
             </a:fld>
             <a:endParaRPr lang="en-US"/>
           </a:p>
@@ -26598,7 +26384,7 @@
           <a:lstStyle/>
           <a:p>
             <a:fld id="{3F0D68B8-9D46-6848-AE7E-75CFB53DB47C}" type="datetime1">
-              <a:t>11-6-2019</a:t>
+              <a:t>18/06/2019</a:t>
             </a:fld>
             <a:endParaRPr lang="en-US"/>
           </a:p>
@@ -26699,7 +26485,7 @@
           <a:lstStyle/>
           <a:p>
             <a:fld id="{0FD44C4C-371A-1D4F-A9B8-07683E1252E8}" type="datetime1">
-              <a:t>11-6-2019</a:t>
+              <a:t>18/06/2019</a:t>
             </a:fld>
             <a:endParaRPr lang="en-US"/>
           </a:p>
@@ -26804,7 +26590,7 @@
           </a:lstStyle>
           <a:p>
             <a:r>
-              <a:rPr lang="nl-NL" smtClean="0"/>
+              <a:rPr lang="nl-NL"/>
               <a:t>Klik om de stijl te bewerken</a:t>
             </a:r>
             <a:endParaRPr lang="en-US"/>
@@ -26869,7 +26655,7 @@
           </a:lstStyle>
           <a:p>
             <a:r>
-              <a:rPr lang="nl-NL" smtClean="0"/>
+              <a:rPr lang="nl-NL"/>
               <a:t>Klik op het pictogram als u een afbeelding wilt toevoegen</a:t>
             </a:r>
             <a:endParaRPr lang="en-US"/>
@@ -26935,7 +26721,7 @@
           <a:p>
             <a:pPr lvl="0"/>
             <a:r>
-              <a:rPr lang="nl-NL" smtClean="0"/>
+              <a:rPr lang="nl-NL"/>
               <a:t>Klik om de modelstijlen te bewerken</a:t>
             </a:r>
           </a:p>
@@ -26957,7 +26743,7 @@
           <a:lstStyle/>
           <a:p>
             <a:fld id="{63E7AB38-62BC-774C-97AE-1BF242D8582C}" type="datetime1">
-              <a:t>11-6-2019</a:t>
+              <a:t>18/06/2019</a:t>
             </a:fld>
             <a:endParaRPr lang="en-US"/>
           </a:p>
@@ -27458,7 +27244,7 @@
           <a:lstStyle/>
           <a:p>
             <a:fld id="{8CCD183A-059B-2542-813C-5A08B6D37968}" type="datetime1">
-              <a:t>11-6-2019</a:t>
+              <a:t>18/06/2019</a:t>
             </a:fld>
             <a:endParaRPr lang="en-US"/>
           </a:p>
@@ -27747,7 +27533,7 @@
           <a:lstStyle/>
           <a:p>
             <a:fld id="{A18FAD7D-2159-674C-BC18-A050D77CC070}" type="datetime1">
-              <a:t>11-6-2019</a:t>
+              <a:t>18/06/2019</a:t>
             </a:fld>
             <a:endParaRPr lang="en-US"/>
           </a:p>
@@ -27843,7 +27629,7 @@
           <a:lstStyle/>
           <a:p>
             <a:fld id="{7F3EC34E-563E-3E4F-9CB6-35608B9F10E8}" type="datetime1">
-              <a:t>11-6-2019</a:t>
+              <a:t>18/06/2019</a:t>
             </a:fld>
             <a:endParaRPr lang="en-US"/>
           </a:p>
@@ -28000,7 +27786,7 @@
           <a:lstStyle/>
           <a:p>
             <a:r>
-              <a:rPr lang="nl-BE" smtClean="0"/>
+              <a:rPr lang="nl-BE"/>
               <a:t>Titelstijl van model bewerken</a:t>
             </a:r>
             <a:endParaRPr lang="en-US"/>
@@ -28034,35 +27820,35 @@
           <a:p>
             <a:pPr lvl="0"/>
             <a:r>
-              <a:rPr lang="nl-BE" smtClean="0"/>
+              <a:rPr lang="nl-BE"/>
               <a:t>Klik om de tekststijl van het model te bewerken</a:t>
             </a:r>
           </a:p>
           <a:p>
             <a:pPr lvl="1"/>
             <a:r>
-              <a:rPr lang="nl-BE" smtClean="0"/>
+              <a:rPr lang="nl-BE"/>
               <a:t>Tweede niveau</a:t>
             </a:r>
           </a:p>
           <a:p>
             <a:pPr lvl="2"/>
             <a:r>
-              <a:rPr lang="nl-BE" smtClean="0"/>
+              <a:rPr lang="nl-BE"/>
               <a:t>Derde niveau</a:t>
             </a:r>
           </a:p>
           <a:p>
             <a:pPr lvl="3"/>
             <a:r>
-              <a:rPr lang="nl-BE" smtClean="0"/>
+              <a:rPr lang="nl-BE"/>
               <a:t>Vierde niveau</a:t>
             </a:r>
           </a:p>
           <a:p>
             <a:pPr lvl="4"/>
             <a:r>
-              <a:rPr lang="nl-BE" smtClean="0"/>
+              <a:rPr lang="nl-BE"/>
               <a:t>Vijfde niveau</a:t>
             </a:r>
             <a:endParaRPr lang="en-US"/>
@@ -28103,7 +27889,7 @@
           </a:lstStyle>
           <a:p>
             <a:fld id="{6608C39C-6A92-104F-A944-21D39204BEAF}" type="datetime1">
-              <a:t>11-6-2019</a:t>
+              <a:t>18/06/2019</a:t>
             </a:fld>
             <a:endParaRPr lang="en-US"/>
           </a:p>
@@ -28660,7 +28446,7 @@
           </a:lstStyle>
           <a:p>
             <a:fld id="{2D86298A-010A-FA4C-979A-202A0C3B0B89}" type="datetime1">
-              <a:t>11-6-2019</a:t>
+              <a:t>18/06/2019</a:t>
             </a:fld>
             <a:endParaRPr lang="en-US"/>
           </a:p>
@@ -29220,7 +29006,7 @@
           </a:lstStyle>
           <a:p>
             <a:fld id="{3DC040B7-7FDC-EC48-B37F-6E02E1E9CC0E}" type="datetime1">
-              <a:t>11-6-2019</a:t>
+              <a:t>18/06/2019</a:t>
             </a:fld>
             <a:endParaRPr lang="en-US"/>
           </a:p>
@@ -29778,7 +29564,7 @@
           </a:lstStyle>
           <a:p>
             <a:fld id="{3DC040B7-7FDC-EC48-B37F-6E02E1E9CC0E}" type="datetime1">
-              <a:t>11-6-2019</a:t>
+              <a:t>18/06/2019</a:t>
             </a:fld>
             <a:endParaRPr lang="en-US"/>
           </a:p>
@@ -30336,7 +30122,7 @@
           </a:lstStyle>
           <a:p>
             <a:fld id="{226A858B-F2A2-4C42-A574-D382CE7CB5B0}" type="datetime1">
-              <a:t>11-6-2019</a:t>
+              <a:t>18/06/2019</a:t>
             </a:fld>
             <a:endParaRPr lang="en-US"/>
           </a:p>
@@ -30894,7 +30680,7 @@
           </a:lstStyle>
           <a:p>
             <a:fld id="{D3F1546C-12A3-C249-BA16-098223ED8408}" type="datetime1">
-              <a:t>11-6-2019</a:t>
+              <a:t>18/06/2019</a:t>
             </a:fld>
             <a:endParaRPr lang="en-US"/>
           </a:p>
@@ -31452,7 +31238,7 @@
           </a:lstStyle>
           <a:p>
             <a:fld id="{AB632AFF-2AE8-5941-B538-F40ED924DEA8}" type="datetime1">
-              <a:t>11-6-2019</a:t>
+              <a:t>18/06/2019</a:t>
             </a:fld>
             <a:endParaRPr lang="en-US"/>
           </a:p>
@@ -31850,14 +31636,13 @@
           <a:lstStyle/>
           <a:p>
             <a:r>
-              <a:rPr lang="en-US" dirty="0" err="1" smtClean="0"/>
+              <a:rPr lang="en-US" dirty="0" err="1"/>
               <a:t>Projecten</a:t>
             </a:r>
             <a:r>
-              <a:rPr lang="en-US" dirty="0" smtClean="0"/>
+              <a:rPr lang="en-US" dirty="0"/>
               <a:t> 1</a:t>
             </a:r>
-            <a:endParaRPr lang="en-US" dirty="0"/>
           </a:p>
         </p:txBody>
       </p:sp>
@@ -31877,45 +31662,44 @@
           <a:lstStyle/>
           <a:p>
             <a:r>
-              <a:rPr lang="en-US" dirty="0" err="1" smtClean="0"/>
+              <a:rPr lang="en-US" dirty="0" err="1"/>
               <a:t>Projectenwebsite</a:t>
             </a:r>
-            <a:endParaRPr lang="en-US" dirty="0" smtClean="0"/>
+            <a:endParaRPr lang="en-US" dirty="0"/>
           </a:p>
           <a:p>
             <a:r>
-              <a:rPr lang="en-US" sz="1400" dirty="0" err="1" smtClean="0"/>
+              <a:rPr lang="en-US" sz="1400" dirty="0" err="1"/>
               <a:t>Arijn</a:t>
             </a:r>
             <a:r>
-              <a:rPr lang="en-US" sz="1400" dirty="0" smtClean="0"/>
+              <a:rPr lang="en-US" sz="1400" dirty="0"/>
               <a:t> </a:t>
             </a:r>
             <a:r>
-              <a:rPr lang="en-US" sz="1400" dirty="0" err="1" smtClean="0"/>
+              <a:rPr lang="en-US" sz="1400" dirty="0" err="1"/>
               <a:t>Borzo</a:t>
             </a:r>
             <a:r>
-              <a:rPr lang="en-US" sz="1400" dirty="0" smtClean="0"/>
+              <a:rPr lang="en-US" sz="1400" dirty="0"/>
               <a:t>, Arno </a:t>
             </a:r>
             <a:r>
-              <a:rPr lang="en-US" sz="1400" dirty="0" err="1" smtClean="0"/>
+              <a:rPr lang="en-US" sz="1400" dirty="0" err="1"/>
               <a:t>Stas</a:t>
             </a:r>
             <a:r>
-              <a:rPr lang="en-US" sz="1400" dirty="0" smtClean="0"/>
+              <a:rPr lang="en-US" sz="1400" dirty="0"/>
               <a:t>, Andreas </a:t>
             </a:r>
             <a:r>
-              <a:rPr lang="en-US" sz="1400" dirty="0" err="1" smtClean="0"/>
+              <a:rPr lang="en-US" sz="1400" dirty="0" err="1"/>
               <a:t>Lauwers</a:t>
             </a:r>
             <a:r>
-              <a:rPr lang="en-US" sz="1400" dirty="0" smtClean="0"/>
+              <a:rPr lang="en-US" sz="1400" dirty="0"/>
               <a:t>, Lukas Petit</a:t>
             </a:r>
-            <a:endParaRPr lang="en-US" sz="1400" dirty="0"/>
           </a:p>
         </p:txBody>
       </p:sp>
@@ -31932,13 +31716,6 @@
   <p:transition spd="slow">
     <p:cover/>
   </p:transition>
-  <p:timing>
-    <p:tnLst>
-      <p:par>
-        <p:cTn id="1" dur="indefinite" restart="never" nodeType="tmRoot"/>
-      </p:par>
-    </p:tnLst>
-  </p:timing>
 </p:sld>
 </file>
 
@@ -31980,11 +31757,11 @@
           <a:lstStyle/>
           <a:p>
             <a:r>
-              <a:rPr lang="en-US" dirty="0" smtClean="0"/>
+              <a:rPr lang="en-US" dirty="0"/>
               <a:t>3. </a:t>
             </a:r>
             <a:r>
-              <a:rPr lang="en-US" dirty="0" err="1" smtClean="0"/>
+              <a:rPr lang="en-US" dirty="0" err="1"/>
               <a:t>Userexperience</a:t>
             </a:r>
             <a:endParaRPr lang="en-US" dirty="0"/>
@@ -32012,10 +31789,9 @@
           <a:lstStyle/>
           <a:p>
             <a:r>
-              <a:rPr lang="en-US" dirty="0" smtClean="0"/>
+              <a:rPr lang="en-US" dirty="0"/>
               <a:t> </a:t>
             </a:r>
-            <a:endParaRPr lang="en-US" dirty="0"/>
           </a:p>
         </p:txBody>
       </p:sp>
@@ -32035,7 +31811,7 @@
           <a:lstStyle/>
           <a:p>
             <a:fld id="{DB4E9D77-C996-DF40-82BF-4D0EB0C0014F}" type="datetime1">
-              <a:t>11-6-2019</a:t>
+              <a:t>18/06/2019</a:t>
             </a:fld>
             <a:endParaRPr lang="en-US"/>
           </a:p>
@@ -32288,13 +32064,6 @@
   <p:transition spd="slow">
     <p:cover/>
   </p:transition>
-  <p:timing>
-    <p:tnLst>
-      <p:par>
-        <p:cTn id="1" dur="indefinite" restart="never" nodeType="tmRoot"/>
-      </p:par>
-    </p:tnLst>
-  </p:timing>
 </p:sld>
 </file>
 
@@ -32332,7 +32101,7 @@
           <a:p>
             <a:fld id="{36086CE3-90FF-5744-87D8-5D36EE4D91CC}" type="datetime1">
               <a:rPr lang="nl-NL" smtClean="0"/>
-              <a:t>11-6-2019</a:t>
+              <a:t>18-6-2019</a:t>
             </a:fld>
             <a:endParaRPr lang="nl-NL"/>
           </a:p>
@@ -32354,10 +32123,9 @@
           <a:lstStyle/>
           <a:p>
             <a:r>
-              <a:rPr lang="en-US" smtClean="0"/>
+              <a:rPr lang="en-US"/>
               <a:t>Titel van footer</a:t>
             </a:r>
-            <a:endParaRPr lang="en-US"/>
           </a:p>
         </p:txBody>
       </p:sp>
@@ -32402,11 +32170,11 @@
           <a:lstStyle/>
           <a:p>
             <a:r>
-              <a:rPr lang="en-US" dirty="0" smtClean="0"/>
+              <a:rPr lang="en-US" dirty="0"/>
               <a:t>3.1 Interviews</a:t>
             </a:r>
             <a:br>
-              <a:rPr lang="en-US" dirty="0" smtClean="0"/>
+              <a:rPr lang="en-US" dirty="0"/>
             </a:br>
             <a:endParaRPr lang="en-US" dirty="0"/>
           </a:p>
@@ -32485,12 +32253,8 @@
           <a:lstStyle/>
           <a:p>
             <a:r>
-              <a:rPr lang="en-US" dirty="0" smtClean="0"/>
+              <a:rPr lang="en-US" dirty="0"/>
               <a:t>3.2 Persona</a:t>
-            </a:r>
-            <a:r>
-              <a:rPr lang="en-US" dirty="0"/>
-              <a:t/>
             </a:r>
             <a:br>
               <a:rPr lang="en-US" dirty="0"/>
@@ -32516,7 +32280,7 @@
           <a:p>
             <a:fld id="{36086CE3-90FF-5744-87D8-5D36EE4D91CC}" type="datetime1">
               <a:rPr lang="nl-NL" smtClean="0"/>
-              <a:t>11-6-2019</a:t>
+              <a:t>18-6-2019</a:t>
             </a:fld>
             <a:endParaRPr lang="nl-NL"/>
           </a:p>
@@ -32538,14 +32302,13 @@
           <a:lstStyle/>
           <a:p>
             <a:r>
-              <a:rPr lang="en-US" dirty="0" err="1" smtClean="0"/>
+              <a:rPr lang="en-US" dirty="0" err="1"/>
               <a:t>Titel</a:t>
             </a:r>
             <a:r>
-              <a:rPr lang="en-US" dirty="0" smtClean="0"/>
+              <a:rPr lang="en-US" dirty="0"/>
               <a:t> van footer</a:t>
             </a:r>
-            <a:endParaRPr lang="en-US" dirty="0"/>
           </a:p>
         </p:txBody>
       </p:sp>
@@ -32677,12 +32440,8 @@
           <a:lstStyle/>
           <a:p>
             <a:r>
-              <a:rPr lang="en-US" dirty="0" smtClean="0"/>
+              <a:rPr lang="en-US" dirty="0"/>
               <a:t>3.3 Storyboard</a:t>
-            </a:r>
-            <a:r>
-              <a:rPr lang="en-US" dirty="0"/>
-              <a:t/>
             </a:r>
             <a:br>
               <a:rPr lang="en-US" dirty="0"/>
@@ -32737,7 +32496,7 @@
           <a:p>
             <a:fld id="{36086CE3-90FF-5744-87D8-5D36EE4D91CC}" type="datetime1">
               <a:rPr lang="nl-NL" smtClean="0"/>
-              <a:t>11-6-2019</a:t>
+              <a:t>18-6-2019</a:t>
             </a:fld>
             <a:endParaRPr lang="nl-NL"/>
           </a:p>
@@ -32759,10 +32518,9 @@
           <a:lstStyle/>
           <a:p>
             <a:r>
-              <a:rPr lang="en-US" smtClean="0"/>
+              <a:rPr lang="en-US"/>
               <a:t>Titel van footer</a:t>
             </a:r>
-            <a:endParaRPr lang="en-US"/>
           </a:p>
         </p:txBody>
       </p:sp>
@@ -32863,10 +32621,9 @@
           <a:lstStyle/>
           <a:p>
             <a:r>
-              <a:rPr lang="en-US" dirty="0" smtClean="0"/>
+              <a:rPr lang="en-US" dirty="0"/>
               <a:t>3.4 Wireframes</a:t>
             </a:r>
-            <a:endParaRPr lang="en-US" dirty="0"/>
           </a:p>
         </p:txBody>
       </p:sp>
@@ -32886,7 +32643,7 @@
           <a:lstStyle/>
           <a:p>
             <a:fld id="{DB4E9D77-C996-DF40-82BF-4D0EB0C0014F}" type="datetime1">
-              <a:t>11-6-2019</a:t>
+              <a:t>18/06/2019</a:t>
             </a:fld>
             <a:endParaRPr lang="en-US"/>
           </a:p>
@@ -33020,10 +32777,9 @@
           <a:lstStyle/>
           <a:p>
             <a:r>
-              <a:rPr lang="nl-NL" sz="1100" b="1" dirty="0" smtClean="0"/>
+              <a:rPr lang="nl-NL" sz="1100" b="1" dirty="0"/>
               <a:t>Fig. bijschrift</a:t>
             </a:r>
-            <a:endParaRPr lang="nl-NL" sz="1100" b="1" dirty="0"/>
           </a:p>
         </p:txBody>
       </p:sp>
@@ -33068,13 +32824,6 @@
   <p:transition spd="slow">
     <p:cover/>
   </p:transition>
-  <p:timing>
-    <p:tnLst>
-      <p:par>
-        <p:cTn id="1" dur="indefinite" restart="never" nodeType="tmRoot"/>
-      </p:par>
-    </p:tnLst>
-  </p:timing>
 </p:sld>
 </file>
 
@@ -33117,13 +32866,8 @@
           <a:p>
             <a:r>
               <a:rPr lang="en-US" dirty="0"/>
-              <a:t>4</a:t>
+              <a:t>4. Backend</a:t>
             </a:r>
-            <a:r>
-              <a:rPr lang="en-US" dirty="0" smtClean="0"/>
-              <a:t>. Backend</a:t>
-            </a:r>
-            <a:endParaRPr lang="en-US" dirty="0"/>
           </a:p>
         </p:txBody>
       </p:sp>
@@ -33148,10 +32892,9 @@
           <a:lstStyle/>
           <a:p>
             <a:r>
-              <a:rPr lang="en-US" dirty="0" smtClean="0"/>
+              <a:rPr lang="en-US" dirty="0"/>
               <a:t> </a:t>
             </a:r>
-            <a:endParaRPr lang="en-US" dirty="0"/>
           </a:p>
         </p:txBody>
       </p:sp>
@@ -33171,7 +32914,7 @@
           <a:lstStyle/>
           <a:p>
             <a:fld id="{DB4E9D77-C996-DF40-82BF-4D0EB0C0014F}" type="datetime1">
-              <a:t>11-6-2019</a:t>
+              <a:t>18/06/2019</a:t>
             </a:fld>
             <a:endParaRPr lang="en-US"/>
           </a:p>
@@ -33402,13 +33145,6 @@
   <p:transition spd="slow">
     <p:cover/>
   </p:transition>
-  <p:timing>
-    <p:tnLst>
-      <p:par>
-        <p:cTn id="1" dur="indefinite" restart="never" nodeType="tmRoot"/>
-      </p:par>
-    </p:tnLst>
-  </p:timing>
 </p:sld>
 </file>
 
@@ -33445,46 +33181,17 @@
           <a:lstStyle/>
           <a:p>
             <a:r>
-              <a:rPr lang="nl-NL" dirty="0" smtClean="0"/>
+              <a:rPr lang="nl-NL" dirty="0"/>
               <a:t>4.1 </a:t>
             </a:r>
             <a:r>
-              <a:rPr lang="nl-NL" dirty="0" err="1" smtClean="0"/>
+              <a:rPr lang="nl-NL" dirty="0" err="1"/>
               <a:t>Laravel</a:t>
             </a:r>
             <a:endParaRPr lang="nl-NL" dirty="0"/>
           </a:p>
         </p:txBody>
       </p:sp>
-      <p:pic>
-        <p:nvPicPr>
-          <p:cNvPr id="7" name="Tijdelijke aanduiding voor inhoud 6"/>
-          <p:cNvPicPr>
-            <a:picLocks noGrp="1" noChangeAspect="1"/>
-          </p:cNvPicPr>
-          <p:nvPr>
-            <p:ph idx="1"/>
-          </p:nvPr>
-        </p:nvPicPr>
-        <p:blipFill>
-          <a:blip r:embed="rId2">
-            <a:extLst>
-              <a:ext uri="{28A0092B-C50C-407E-A947-70E740481C1C}">
-                <a14:useLocalDpi xmlns:a14="http://schemas.microsoft.com/office/drawing/2010/main" val="0"/>
-              </a:ext>
-            </a:extLst>
-          </a:blip>
-          <a:stretch>
-            <a:fillRect/>
-          </a:stretch>
-        </p:blipFill>
-        <p:spPr>
-          <a:xfrm>
-            <a:off x="5838745" y="4107355"/>
-            <a:ext cx="2657555" cy="1835927"/>
-          </a:xfrm>
-        </p:spPr>
-      </p:pic>
       <p:sp>
         <p:nvSpPr>
           <p:cNvPr id="4" name="Tijdelijke aanduiding voor datum 3"/>
@@ -33502,7 +33209,7 @@
           <a:p>
             <a:fld id="{36086CE3-90FF-5744-87D8-5D36EE4D91CC}" type="datetime1">
               <a:rPr lang="nl-NL" smtClean="0"/>
-              <a:t>11-6-2019</a:t>
+              <a:t>18-6-2019</a:t>
             </a:fld>
             <a:endParaRPr lang="nl-NL"/>
           </a:p>
@@ -33524,10 +33231,9 @@
           <a:lstStyle/>
           <a:p>
             <a:r>
-              <a:rPr lang="en-US" smtClean="0"/>
+              <a:rPr lang="en-US"/>
               <a:t>Titel van footer</a:t>
             </a:r>
-            <a:endParaRPr lang="en-US"/>
           </a:p>
         </p:txBody>
       </p:sp>
@@ -33554,40 +33260,53 @@
           </a:p>
         </p:txBody>
       </p:sp>
-      <p:sp>
-        <p:nvSpPr>
-          <p:cNvPr id="8" name="Tekstvak 7"/>
-          <p:cNvSpPr txBox="1"/>
+      <p:pic>
+        <p:nvPicPr>
+          <p:cNvPr id="10" name="Picture 4" descr="Afbeeldingsresultaat voor laravel png">
+            <a:extLst>
+              <a:ext uri="{FF2B5EF4-FFF2-40B4-BE49-F238E27FC236}">
+                <a16:creationId xmlns:a16="http://schemas.microsoft.com/office/drawing/2014/main" id="{B19A2165-D4AE-4736-9FB3-7371B8F95C1B}"/>
+              </a:ext>
+            </a:extLst>
+          </p:cNvPr>
+          <p:cNvPicPr>
+            <a:picLocks noChangeAspect="1" noChangeArrowheads="1"/>
+          </p:cNvPicPr>
           <p:nvPr/>
-        </p:nvSpPr>
-        <p:spPr>
+        </p:nvPicPr>
+        <p:blipFill>
+          <a:blip r:embed="rId2">
+            <a:extLst>
+              <a:ext uri="{28A0092B-C50C-407E-A947-70E740481C1C}">
+                <a14:useLocalDpi xmlns:a14="http://schemas.microsoft.com/office/drawing/2010/main" val="0"/>
+              </a:ext>
+            </a:extLst>
+          </a:blip>
+          <a:srcRect/>
+          <a:stretch>
+            <a:fillRect/>
+          </a:stretch>
+        </p:blipFill>
+        <p:spPr bwMode="auto">
           <a:xfrm>
-            <a:off x="769620" y="1592580"/>
-            <a:ext cx="6789420" cy="369332"/>
+            <a:off x="1021080" y="3693160"/>
+            <a:ext cx="5334000" cy="2000250"/>
           </a:xfrm>
           <a:prstGeom prst="rect">
             <a:avLst/>
           </a:prstGeom>
           <a:noFill/>
+          <a:extLst>
+            <a:ext uri="{909E8E84-426E-40DD-AFC4-6F175D3DCCD1}">
+              <a14:hiddenFill xmlns:a14="http://schemas.microsoft.com/office/drawing/2010/main">
+                <a:solidFill>
+                  <a:srgbClr val="FFFFFF"/>
+                </a:solidFill>
+              </a14:hiddenFill>
+            </a:ext>
+          </a:extLst>
         </p:spPr>
-        <p:txBody>
-          <a:bodyPr wrap="square" rtlCol="0">
-            <a:spAutoFit/>
-          </a:bodyPr>
-          <a:lstStyle/>
-          <a:p>
-            <a:r>
-              <a:rPr lang="nl-NL" dirty="0" smtClean="0"/>
-              <a:t>Uitleg keuze </a:t>
-            </a:r>
-            <a:r>
-              <a:rPr lang="nl-NL" dirty="0" err="1" smtClean="0"/>
-              <a:t>framework</a:t>
-            </a:r>
-            <a:endParaRPr lang="nl-NL" dirty="0"/>
-          </a:p>
-        </p:txBody>
-      </p:sp>
+      </p:pic>
     </p:spTree>
     <p:extLst>
       <p:ext uri="{BB962C8B-B14F-4D97-AF65-F5344CB8AC3E}">
@@ -33620,6 +33339,1367 @@
       </p:grpSpPr>
       <p:sp>
         <p:nvSpPr>
+          <p:cNvPr id="2" name="Titel 1">
+            <a:extLst>
+              <a:ext uri="{FF2B5EF4-FFF2-40B4-BE49-F238E27FC236}">
+                <a16:creationId xmlns:a16="http://schemas.microsoft.com/office/drawing/2014/main" id="{95F08245-5FF3-41B5-B208-0516EF9EDB4D}"/>
+              </a:ext>
+            </a:extLst>
+          </p:cNvPr>
+          <p:cNvSpPr>
+            <a:spLocks noGrp="1"/>
+          </p:cNvSpPr>
+          <p:nvPr>
+            <p:ph type="title"/>
+          </p:nvPr>
+        </p:nvSpPr>
+        <p:spPr/>
+        <p:txBody>
+          <a:bodyPr/>
+          <a:lstStyle/>
+          <a:p>
+            <a:r>
+              <a:rPr lang="nl-BE" b="0" dirty="0"/>
+              <a:t>Wat is </a:t>
+            </a:r>
+            <a:r>
+              <a:rPr lang="nl-BE" b="0" dirty="0" err="1"/>
+              <a:t>Laravel</a:t>
+            </a:r>
+            <a:endParaRPr lang="nl-BE" b="0" dirty="0"/>
+          </a:p>
+        </p:txBody>
+      </p:sp>
+      <p:sp>
+        <p:nvSpPr>
+          <p:cNvPr id="3" name="Tijdelijke aanduiding voor inhoud 2">
+            <a:extLst>
+              <a:ext uri="{FF2B5EF4-FFF2-40B4-BE49-F238E27FC236}">
+                <a16:creationId xmlns:a16="http://schemas.microsoft.com/office/drawing/2014/main" id="{8D1AB9A6-7C39-4D41-A494-BC1D1797CDD1}"/>
+              </a:ext>
+            </a:extLst>
+          </p:cNvPr>
+          <p:cNvSpPr>
+            <a:spLocks noGrp="1"/>
+          </p:cNvSpPr>
+          <p:nvPr>
+            <p:ph idx="1"/>
+          </p:nvPr>
+        </p:nvSpPr>
+        <p:spPr/>
+        <p:txBody>
+          <a:bodyPr>
+            <a:normAutofit/>
+          </a:bodyPr>
+          <a:lstStyle/>
+          <a:p>
+            <a:pPr marL="457200" indent="-457200">
+              <a:buFont typeface="Arial" panose="020B0604020202020204" pitchFamily="34" charset="0"/>
+              <a:buChar char="•"/>
+            </a:pPr>
+            <a:r>
+              <a:rPr lang="nl-BE" b="0" dirty="0"/>
+              <a:t>open source </a:t>
+            </a:r>
+            <a:r>
+              <a:rPr lang="nl-BE" b="0" dirty="0" err="1"/>
+              <a:t>framework</a:t>
+            </a:r>
+            <a:endParaRPr lang="nl-BE" b="0" dirty="0"/>
+          </a:p>
+          <a:p>
+            <a:pPr marL="457200" indent="-457200">
+              <a:buFont typeface="Arial" panose="020B0604020202020204" pitchFamily="34" charset="0"/>
+              <a:buChar char="•"/>
+            </a:pPr>
+            <a:r>
+              <a:rPr lang="nl-BE" b="0" dirty="0"/>
+              <a:t>MVC structuur</a:t>
+            </a:r>
+          </a:p>
+          <a:p>
+            <a:pPr marL="457200" indent="-457200">
+              <a:buFont typeface="Arial" panose="020B0604020202020204" pitchFamily="34" charset="0"/>
+              <a:buChar char="•"/>
+            </a:pPr>
+            <a:r>
+              <a:rPr lang="nl-BE" b="0" dirty="0"/>
+              <a:t>Framework rond PHP</a:t>
+            </a:r>
+            <a:br>
+              <a:rPr lang="nl-BE" b="0" dirty="0"/>
+            </a:br>
+            <a:endParaRPr lang="nl-BE" dirty="0"/>
+          </a:p>
+        </p:txBody>
+      </p:sp>
+      <p:sp>
+        <p:nvSpPr>
+          <p:cNvPr id="4" name="Tijdelijke aanduiding voor datum 3">
+            <a:extLst>
+              <a:ext uri="{FF2B5EF4-FFF2-40B4-BE49-F238E27FC236}">
+                <a16:creationId xmlns:a16="http://schemas.microsoft.com/office/drawing/2014/main" id="{5406147F-57C7-41B2-84D6-967A2496A2E8}"/>
+              </a:ext>
+            </a:extLst>
+          </p:cNvPr>
+          <p:cNvSpPr>
+            <a:spLocks noGrp="1"/>
+          </p:cNvSpPr>
+          <p:nvPr>
+            <p:ph type="dt" sz="half" idx="10"/>
+          </p:nvPr>
+        </p:nvSpPr>
+        <p:spPr/>
+        <p:txBody>
+          <a:bodyPr/>
+          <a:lstStyle/>
+          <a:p>
+            <a:fld id="{36086CE3-90FF-5744-87D8-5D36EE4D91CC}" type="datetime1">
+              <a:rPr lang="nl-BE" smtClean="0"/>
+              <a:t>18/06/2019</a:t>
+            </a:fld>
+            <a:endParaRPr lang="en-US"/>
+          </a:p>
+        </p:txBody>
+      </p:sp>
+      <p:sp>
+        <p:nvSpPr>
+          <p:cNvPr id="5" name="Tijdelijke aanduiding voor voettekst 4">
+            <a:extLst>
+              <a:ext uri="{FF2B5EF4-FFF2-40B4-BE49-F238E27FC236}">
+                <a16:creationId xmlns:a16="http://schemas.microsoft.com/office/drawing/2014/main" id="{DC9D167B-F8C4-4137-987E-19361E326DAD}"/>
+              </a:ext>
+            </a:extLst>
+          </p:cNvPr>
+          <p:cNvSpPr>
+            <a:spLocks noGrp="1"/>
+          </p:cNvSpPr>
+          <p:nvPr>
+            <p:ph type="ftr" sz="quarter" idx="11"/>
+          </p:nvPr>
+        </p:nvSpPr>
+        <p:spPr/>
+        <p:txBody>
+          <a:bodyPr/>
+          <a:lstStyle/>
+          <a:p>
+            <a:r>
+              <a:rPr lang="en-US"/>
+              <a:t>Titel van footer</a:t>
+            </a:r>
+          </a:p>
+        </p:txBody>
+      </p:sp>
+      <p:sp>
+        <p:nvSpPr>
+          <p:cNvPr id="6" name="Tijdelijke aanduiding voor dianummer 5">
+            <a:extLst>
+              <a:ext uri="{FF2B5EF4-FFF2-40B4-BE49-F238E27FC236}">
+                <a16:creationId xmlns:a16="http://schemas.microsoft.com/office/drawing/2014/main" id="{BE6BDC19-8FD4-4E12-8E8B-5B9EC78003DD}"/>
+              </a:ext>
+            </a:extLst>
+          </p:cNvPr>
+          <p:cNvSpPr>
+            <a:spLocks noGrp="1"/>
+          </p:cNvSpPr>
+          <p:nvPr>
+            <p:ph type="sldNum" sz="quarter" idx="12"/>
+          </p:nvPr>
+        </p:nvSpPr>
+        <p:spPr/>
+        <p:txBody>
+          <a:bodyPr/>
+          <a:lstStyle/>
+          <a:p>
+            <a:fld id="{FCA3638F-6D52-644A-9831-93255061F043}" type="slidenum">
+              <a:rPr lang="nl-BE" smtClean="0"/>
+              <a:t>17</a:t>
+            </a:fld>
+            <a:endParaRPr lang="nl-BE"/>
+          </a:p>
+        </p:txBody>
+      </p:sp>
+      <p:pic>
+        <p:nvPicPr>
+          <p:cNvPr id="2052" name="Picture 4" descr="Afbeeldingsresultaat voor laravel png">
+            <a:extLst>
+              <a:ext uri="{FF2B5EF4-FFF2-40B4-BE49-F238E27FC236}">
+                <a16:creationId xmlns:a16="http://schemas.microsoft.com/office/drawing/2014/main" id="{EA0F2ADC-55F8-4958-944A-18288C3F19AD}"/>
+              </a:ext>
+            </a:extLst>
+          </p:cNvPr>
+          <p:cNvPicPr>
+            <a:picLocks noChangeAspect="1" noChangeArrowheads="1"/>
+          </p:cNvPicPr>
+          <p:nvPr/>
+        </p:nvPicPr>
+        <p:blipFill>
+          <a:blip r:embed="rId2">
+            <a:extLst>
+              <a:ext uri="{28A0092B-C50C-407E-A947-70E740481C1C}">
+                <a14:useLocalDpi xmlns:a14="http://schemas.microsoft.com/office/drawing/2010/main" val="0"/>
+              </a:ext>
+            </a:extLst>
+          </a:blip>
+          <a:srcRect/>
+          <a:stretch>
+            <a:fillRect/>
+          </a:stretch>
+        </p:blipFill>
+        <p:spPr bwMode="auto">
+          <a:xfrm>
+            <a:off x="1021080" y="3693160"/>
+            <a:ext cx="5334000" cy="2000250"/>
+          </a:xfrm>
+          <a:prstGeom prst="rect">
+            <a:avLst/>
+          </a:prstGeom>
+          <a:noFill/>
+          <a:extLst>
+            <a:ext uri="{909E8E84-426E-40DD-AFC4-6F175D3DCCD1}">
+              <a14:hiddenFill xmlns:a14="http://schemas.microsoft.com/office/drawing/2010/main">
+                <a:solidFill>
+                  <a:srgbClr val="FFFFFF"/>
+                </a:solidFill>
+              </a14:hiddenFill>
+            </a:ext>
+          </a:extLst>
+        </p:spPr>
+      </p:pic>
+    </p:spTree>
+    <p:extLst>
+      <p:ext uri="{BB962C8B-B14F-4D97-AF65-F5344CB8AC3E}">
+        <p14:creationId xmlns:p14="http://schemas.microsoft.com/office/powerpoint/2010/main" val="2446981455"/>
+      </p:ext>
+    </p:extLst>
+  </p:cSld>
+  <p:clrMapOvr>
+    <a:masterClrMapping/>
+  </p:clrMapOvr>
+</p:sld>
+</file>
+
+<file path=ppt/slides/slide18.xml><?xml version="1.0" encoding="utf-8"?>
+<p:sld xmlns:a="http://schemas.openxmlformats.org/drawingml/2006/main" xmlns:r="http://schemas.openxmlformats.org/officeDocument/2006/relationships" xmlns:p="http://schemas.openxmlformats.org/presentationml/2006/main">
+  <p:cSld>
+    <p:spTree>
+      <p:nvGrpSpPr>
+        <p:cNvPr id="1" name=""/>
+        <p:cNvGrpSpPr/>
+        <p:nvPr/>
+      </p:nvGrpSpPr>
+      <p:grpSpPr>
+        <a:xfrm>
+          <a:off x="0" y="0"/>
+          <a:ext cx="0" cy="0"/>
+          <a:chOff x="0" y="0"/>
+          <a:chExt cx="0" cy="0"/>
+        </a:xfrm>
+      </p:grpSpPr>
+      <p:sp>
+        <p:nvSpPr>
+          <p:cNvPr id="2" name="Titel 1">
+            <a:extLst>
+              <a:ext uri="{FF2B5EF4-FFF2-40B4-BE49-F238E27FC236}">
+                <a16:creationId xmlns:a16="http://schemas.microsoft.com/office/drawing/2014/main" id="{3E17FA0D-EF4F-48D3-98B5-0009E86093D7}"/>
+              </a:ext>
+            </a:extLst>
+          </p:cNvPr>
+          <p:cNvSpPr>
+            <a:spLocks noGrp="1"/>
+          </p:cNvSpPr>
+          <p:nvPr>
+            <p:ph type="title"/>
+          </p:nvPr>
+        </p:nvSpPr>
+        <p:spPr/>
+        <p:txBody>
+          <a:bodyPr>
+            <a:normAutofit/>
+          </a:bodyPr>
+          <a:lstStyle/>
+          <a:p>
+            <a:r>
+              <a:rPr lang="nl-BE" b="0" dirty="0"/>
+              <a:t>Model, View en Controller</a:t>
+            </a:r>
+            <a:endParaRPr lang="nl-BE" dirty="0"/>
+          </a:p>
+        </p:txBody>
+      </p:sp>
+      <p:sp>
+        <p:nvSpPr>
+          <p:cNvPr id="3" name="Tijdelijke aanduiding voor inhoud 2">
+            <a:extLst>
+              <a:ext uri="{FF2B5EF4-FFF2-40B4-BE49-F238E27FC236}">
+                <a16:creationId xmlns:a16="http://schemas.microsoft.com/office/drawing/2014/main" id="{DA682513-334F-4FCE-BF1B-D5FA09942731}"/>
+              </a:ext>
+            </a:extLst>
+          </p:cNvPr>
+          <p:cNvSpPr>
+            <a:spLocks noGrp="1"/>
+          </p:cNvSpPr>
+          <p:nvPr>
+            <p:ph idx="1"/>
+          </p:nvPr>
+        </p:nvSpPr>
+        <p:spPr/>
+        <p:txBody>
+          <a:bodyPr>
+            <a:normAutofit/>
+          </a:bodyPr>
+          <a:lstStyle/>
+          <a:p>
+            <a:pPr marL="457200" indent="-457200">
+              <a:buFont typeface="Arial" panose="020B0604020202020204" pitchFamily="34" charset="0"/>
+              <a:buChar char="•"/>
+            </a:pPr>
+            <a:r>
+              <a:rPr lang="nl-BE" b="0" dirty="0"/>
+              <a:t>de data (het model) </a:t>
+            </a:r>
+          </a:p>
+          <a:p>
+            <a:pPr marL="457200" indent="-457200">
+              <a:buFont typeface="Arial" panose="020B0604020202020204" pitchFamily="34" charset="0"/>
+              <a:buChar char="•"/>
+            </a:pPr>
+            <a:r>
+              <a:rPr lang="nl-BE" b="0" dirty="0"/>
+              <a:t>logica (de controller)</a:t>
+            </a:r>
+          </a:p>
+          <a:p>
+            <a:pPr marL="457200" indent="-457200">
+              <a:buFont typeface="Arial" panose="020B0604020202020204" pitchFamily="34" charset="0"/>
+              <a:buChar char="•"/>
+            </a:pPr>
+            <a:r>
+              <a:rPr lang="nl-BE" b="0" dirty="0"/>
+              <a:t>views (voorkant)</a:t>
+            </a:r>
+            <a:endParaRPr lang="nl-BE" dirty="0"/>
+          </a:p>
+        </p:txBody>
+      </p:sp>
+      <p:sp>
+        <p:nvSpPr>
+          <p:cNvPr id="4" name="Tijdelijke aanduiding voor datum 3">
+            <a:extLst>
+              <a:ext uri="{FF2B5EF4-FFF2-40B4-BE49-F238E27FC236}">
+                <a16:creationId xmlns:a16="http://schemas.microsoft.com/office/drawing/2014/main" id="{E80C11FF-F86E-4289-A539-DDC3A3AEFDC3}"/>
+              </a:ext>
+            </a:extLst>
+          </p:cNvPr>
+          <p:cNvSpPr>
+            <a:spLocks noGrp="1"/>
+          </p:cNvSpPr>
+          <p:nvPr>
+            <p:ph type="dt" sz="half" idx="10"/>
+          </p:nvPr>
+        </p:nvSpPr>
+        <p:spPr/>
+        <p:txBody>
+          <a:bodyPr/>
+          <a:lstStyle/>
+          <a:p>
+            <a:fld id="{36086CE3-90FF-5744-87D8-5D36EE4D91CC}" type="datetime1">
+              <a:rPr lang="nl-BE" smtClean="0"/>
+              <a:t>18/06/2019</a:t>
+            </a:fld>
+            <a:endParaRPr lang="en-US"/>
+          </a:p>
+        </p:txBody>
+      </p:sp>
+      <p:sp>
+        <p:nvSpPr>
+          <p:cNvPr id="5" name="Tijdelijke aanduiding voor voettekst 4">
+            <a:extLst>
+              <a:ext uri="{FF2B5EF4-FFF2-40B4-BE49-F238E27FC236}">
+                <a16:creationId xmlns:a16="http://schemas.microsoft.com/office/drawing/2014/main" id="{374DD3FE-F242-4F14-8D28-A72154149655}"/>
+              </a:ext>
+            </a:extLst>
+          </p:cNvPr>
+          <p:cNvSpPr>
+            <a:spLocks noGrp="1"/>
+          </p:cNvSpPr>
+          <p:nvPr>
+            <p:ph type="ftr" sz="quarter" idx="11"/>
+          </p:nvPr>
+        </p:nvSpPr>
+        <p:spPr/>
+        <p:txBody>
+          <a:bodyPr/>
+          <a:lstStyle/>
+          <a:p>
+            <a:r>
+              <a:rPr lang="en-US"/>
+              <a:t>Titel van footer</a:t>
+            </a:r>
+          </a:p>
+        </p:txBody>
+      </p:sp>
+      <p:sp>
+        <p:nvSpPr>
+          <p:cNvPr id="6" name="Tijdelijke aanduiding voor dianummer 5">
+            <a:extLst>
+              <a:ext uri="{FF2B5EF4-FFF2-40B4-BE49-F238E27FC236}">
+                <a16:creationId xmlns:a16="http://schemas.microsoft.com/office/drawing/2014/main" id="{E440A423-84A8-46A0-9FF6-629B90E658F2}"/>
+              </a:ext>
+            </a:extLst>
+          </p:cNvPr>
+          <p:cNvSpPr>
+            <a:spLocks noGrp="1"/>
+          </p:cNvSpPr>
+          <p:nvPr>
+            <p:ph type="sldNum" sz="quarter" idx="12"/>
+          </p:nvPr>
+        </p:nvSpPr>
+        <p:spPr/>
+        <p:txBody>
+          <a:bodyPr/>
+          <a:lstStyle/>
+          <a:p>
+            <a:fld id="{FCA3638F-6D52-644A-9831-93255061F043}" type="slidenum">
+              <a:rPr lang="nl-BE" smtClean="0"/>
+              <a:t>18</a:t>
+            </a:fld>
+            <a:endParaRPr lang="nl-BE"/>
+          </a:p>
+        </p:txBody>
+      </p:sp>
+      <p:pic>
+        <p:nvPicPr>
+          <p:cNvPr id="1026" name="Picture 2" descr="Afbeeldingsresultaat voor mvc">
+            <a:extLst>
+              <a:ext uri="{FF2B5EF4-FFF2-40B4-BE49-F238E27FC236}">
+                <a16:creationId xmlns:a16="http://schemas.microsoft.com/office/drawing/2014/main" id="{28E8966E-8328-4000-BE83-59F9A1AA609C}"/>
+              </a:ext>
+            </a:extLst>
+          </p:cNvPr>
+          <p:cNvPicPr>
+            <a:picLocks noChangeAspect="1" noChangeArrowheads="1"/>
+          </p:cNvPicPr>
+          <p:nvPr/>
+        </p:nvPicPr>
+        <p:blipFill>
+          <a:blip r:embed="rId3">
+            <a:extLst>
+              <a:ext uri="{28A0092B-C50C-407E-A947-70E740481C1C}">
+                <a14:useLocalDpi xmlns:a14="http://schemas.microsoft.com/office/drawing/2010/main" val="0"/>
+              </a:ext>
+            </a:extLst>
+          </a:blip>
+          <a:srcRect/>
+          <a:stretch>
+            <a:fillRect/>
+          </a:stretch>
+        </p:blipFill>
+        <p:spPr bwMode="auto">
+          <a:xfrm>
+            <a:off x="4028988" y="2147549"/>
+            <a:ext cx="4457064" cy="3901646"/>
+          </a:xfrm>
+          <a:prstGeom prst="rect">
+            <a:avLst/>
+          </a:prstGeom>
+          <a:noFill/>
+          <a:extLst>
+            <a:ext uri="{909E8E84-426E-40DD-AFC4-6F175D3DCCD1}">
+              <a14:hiddenFill xmlns:a14="http://schemas.microsoft.com/office/drawing/2010/main">
+                <a:solidFill>
+                  <a:srgbClr val="FFFFFF"/>
+                </a:solidFill>
+              </a14:hiddenFill>
+            </a:ext>
+          </a:extLst>
+        </p:spPr>
+      </p:pic>
+    </p:spTree>
+    <p:extLst>
+      <p:ext uri="{BB962C8B-B14F-4D97-AF65-F5344CB8AC3E}">
+        <p14:creationId xmlns:p14="http://schemas.microsoft.com/office/powerpoint/2010/main" val="2551454749"/>
+      </p:ext>
+    </p:extLst>
+  </p:cSld>
+  <p:clrMapOvr>
+    <a:masterClrMapping/>
+  </p:clrMapOvr>
+</p:sld>
+</file>
+
+<file path=ppt/slides/slide19.xml><?xml version="1.0" encoding="utf-8"?>
+<p:sld xmlns:a="http://schemas.openxmlformats.org/drawingml/2006/main" xmlns:r="http://schemas.openxmlformats.org/officeDocument/2006/relationships" xmlns:p="http://schemas.openxmlformats.org/presentationml/2006/main">
+  <p:cSld>
+    <p:spTree>
+      <p:nvGrpSpPr>
+        <p:cNvPr id="1" name=""/>
+        <p:cNvGrpSpPr/>
+        <p:nvPr/>
+      </p:nvGrpSpPr>
+      <p:grpSpPr>
+        <a:xfrm>
+          <a:off x="0" y="0"/>
+          <a:ext cx="0" cy="0"/>
+          <a:chOff x="0" y="0"/>
+          <a:chExt cx="0" cy="0"/>
+        </a:xfrm>
+      </p:grpSpPr>
+      <p:sp>
+        <p:nvSpPr>
+          <p:cNvPr id="2" name="Titel 1">
+            <a:extLst>
+              <a:ext uri="{FF2B5EF4-FFF2-40B4-BE49-F238E27FC236}">
+                <a16:creationId xmlns:a16="http://schemas.microsoft.com/office/drawing/2014/main" id="{37F664BE-7F2C-43FA-A2B6-B2D4ED417DB7}"/>
+              </a:ext>
+            </a:extLst>
+          </p:cNvPr>
+          <p:cNvSpPr>
+            <a:spLocks noGrp="1"/>
+          </p:cNvSpPr>
+          <p:nvPr>
+            <p:ph type="title"/>
+          </p:nvPr>
+        </p:nvSpPr>
+        <p:spPr/>
+        <p:txBody>
+          <a:bodyPr>
+            <a:normAutofit/>
+          </a:bodyPr>
+          <a:lstStyle/>
+          <a:p>
+            <a:r>
+              <a:rPr lang="nl-BE" b="0" dirty="0"/>
+              <a:t>Object </a:t>
+            </a:r>
+            <a:r>
+              <a:rPr lang="nl-BE" b="0" dirty="0" err="1"/>
+              <a:t>Relational</a:t>
+            </a:r>
+            <a:r>
+              <a:rPr lang="nl-BE" b="0" dirty="0"/>
+              <a:t> </a:t>
+            </a:r>
+            <a:r>
+              <a:rPr lang="nl-BE" b="0" dirty="0" err="1"/>
+              <a:t>Mapping</a:t>
+            </a:r>
+            <a:endParaRPr lang="nl-BE" dirty="0"/>
+          </a:p>
+        </p:txBody>
+      </p:sp>
+      <p:sp>
+        <p:nvSpPr>
+          <p:cNvPr id="3" name="Tijdelijke aanduiding voor inhoud 2">
+            <a:extLst>
+              <a:ext uri="{FF2B5EF4-FFF2-40B4-BE49-F238E27FC236}">
+                <a16:creationId xmlns:a16="http://schemas.microsoft.com/office/drawing/2014/main" id="{187CD28D-FC19-4E25-BEB7-CC4DEF7B176C}"/>
+              </a:ext>
+            </a:extLst>
+          </p:cNvPr>
+          <p:cNvSpPr>
+            <a:spLocks noGrp="1"/>
+          </p:cNvSpPr>
+          <p:nvPr>
+            <p:ph idx="1"/>
+          </p:nvPr>
+        </p:nvSpPr>
+        <p:spPr/>
+        <p:txBody>
+          <a:bodyPr/>
+          <a:lstStyle/>
+          <a:p>
+            <a:pPr marL="457200" indent="-457200">
+              <a:buFont typeface="Arial" panose="020B0604020202020204" pitchFamily="34" charset="0"/>
+              <a:buChar char="•"/>
+            </a:pPr>
+            <a:r>
+              <a:rPr lang="nl-BE" b="0" dirty="0"/>
+              <a:t>data makkelijker uitgelezen uit database</a:t>
+            </a:r>
+          </a:p>
+          <a:p>
+            <a:pPr marL="457200" indent="-457200">
+              <a:buFont typeface="Arial" panose="020B0604020202020204" pitchFamily="34" charset="0"/>
+              <a:buChar char="•"/>
+            </a:pPr>
+            <a:r>
+              <a:rPr lang="nl-BE" b="0" dirty="0" err="1"/>
+              <a:t>models</a:t>
+            </a:r>
+            <a:r>
+              <a:rPr lang="nl-BE" b="0" dirty="0"/>
+              <a:t> uit de MVC structuur verbonden aan </a:t>
+            </a:r>
+            <a:r>
+              <a:rPr lang="nl-BE" b="0" dirty="0" err="1"/>
+              <a:t>db</a:t>
+            </a:r>
+            <a:endParaRPr lang="nl-BE" b="0" dirty="0"/>
+          </a:p>
+          <a:p>
+            <a:pPr marL="457200" indent="-457200">
+              <a:buFont typeface="Arial" panose="020B0604020202020204" pitchFamily="34" charset="0"/>
+              <a:buChar char="•"/>
+            </a:pPr>
+            <a:endParaRPr lang="nl-BE" dirty="0"/>
+          </a:p>
+        </p:txBody>
+      </p:sp>
+      <p:sp>
+        <p:nvSpPr>
+          <p:cNvPr id="4" name="Tijdelijke aanduiding voor datum 3">
+            <a:extLst>
+              <a:ext uri="{FF2B5EF4-FFF2-40B4-BE49-F238E27FC236}">
+                <a16:creationId xmlns:a16="http://schemas.microsoft.com/office/drawing/2014/main" id="{A858DD18-50CF-47E8-B534-9ACE8F11AC45}"/>
+              </a:ext>
+            </a:extLst>
+          </p:cNvPr>
+          <p:cNvSpPr>
+            <a:spLocks noGrp="1"/>
+          </p:cNvSpPr>
+          <p:nvPr>
+            <p:ph type="dt" sz="half" idx="10"/>
+          </p:nvPr>
+        </p:nvSpPr>
+        <p:spPr/>
+        <p:txBody>
+          <a:bodyPr/>
+          <a:lstStyle/>
+          <a:p>
+            <a:fld id="{36086CE3-90FF-5744-87D8-5D36EE4D91CC}" type="datetime1">
+              <a:rPr lang="nl-BE" smtClean="0"/>
+              <a:t>18/06/2019</a:t>
+            </a:fld>
+            <a:endParaRPr lang="en-US"/>
+          </a:p>
+        </p:txBody>
+      </p:sp>
+      <p:sp>
+        <p:nvSpPr>
+          <p:cNvPr id="5" name="Tijdelijke aanduiding voor voettekst 4">
+            <a:extLst>
+              <a:ext uri="{FF2B5EF4-FFF2-40B4-BE49-F238E27FC236}">
+                <a16:creationId xmlns:a16="http://schemas.microsoft.com/office/drawing/2014/main" id="{D4838015-9DE4-4054-93B3-F42AB809C51F}"/>
+              </a:ext>
+            </a:extLst>
+          </p:cNvPr>
+          <p:cNvSpPr>
+            <a:spLocks noGrp="1"/>
+          </p:cNvSpPr>
+          <p:nvPr>
+            <p:ph type="ftr" sz="quarter" idx="11"/>
+          </p:nvPr>
+        </p:nvSpPr>
+        <p:spPr/>
+        <p:txBody>
+          <a:bodyPr/>
+          <a:lstStyle/>
+          <a:p>
+            <a:r>
+              <a:rPr lang="en-US"/>
+              <a:t>Titel van footer</a:t>
+            </a:r>
+          </a:p>
+        </p:txBody>
+      </p:sp>
+      <p:sp>
+        <p:nvSpPr>
+          <p:cNvPr id="6" name="Tijdelijke aanduiding voor dianummer 5">
+            <a:extLst>
+              <a:ext uri="{FF2B5EF4-FFF2-40B4-BE49-F238E27FC236}">
+                <a16:creationId xmlns:a16="http://schemas.microsoft.com/office/drawing/2014/main" id="{639443E6-D792-4991-B3ED-39A95EA37EAC}"/>
+              </a:ext>
+            </a:extLst>
+          </p:cNvPr>
+          <p:cNvSpPr>
+            <a:spLocks noGrp="1"/>
+          </p:cNvSpPr>
+          <p:nvPr>
+            <p:ph type="sldNum" sz="quarter" idx="12"/>
+          </p:nvPr>
+        </p:nvSpPr>
+        <p:spPr/>
+        <p:txBody>
+          <a:bodyPr/>
+          <a:lstStyle/>
+          <a:p>
+            <a:fld id="{FCA3638F-6D52-644A-9831-93255061F043}" type="slidenum">
+              <a:rPr lang="nl-BE" smtClean="0"/>
+              <a:t>19</a:t>
+            </a:fld>
+            <a:endParaRPr lang="nl-BE"/>
+          </a:p>
+        </p:txBody>
+      </p:sp>
+      <p:pic>
+        <p:nvPicPr>
+          <p:cNvPr id="7" name="Afbeelding 6">
+            <a:extLst>
+              <a:ext uri="{FF2B5EF4-FFF2-40B4-BE49-F238E27FC236}">
+                <a16:creationId xmlns:a16="http://schemas.microsoft.com/office/drawing/2014/main" id="{1BEB8F1E-AB91-4EE1-843C-63E5AE64A68D}"/>
+              </a:ext>
+            </a:extLst>
+          </p:cNvPr>
+          <p:cNvPicPr>
+            <a:picLocks noChangeAspect="1"/>
+          </p:cNvPicPr>
+          <p:nvPr/>
+        </p:nvPicPr>
+        <p:blipFill>
+          <a:blip r:embed="rId3"/>
+          <a:stretch>
+            <a:fillRect/>
+          </a:stretch>
+        </p:blipFill>
+        <p:spPr>
+          <a:xfrm>
+            <a:off x="681946" y="3357944"/>
+            <a:ext cx="7780108" cy="1796383"/>
+          </a:xfrm>
+          <a:prstGeom prst="rect">
+            <a:avLst/>
+          </a:prstGeom>
+        </p:spPr>
+      </p:pic>
+      <p:sp>
+        <p:nvSpPr>
+          <p:cNvPr id="8" name="Ovaal 7">
+            <a:extLst>
+              <a:ext uri="{FF2B5EF4-FFF2-40B4-BE49-F238E27FC236}">
+                <a16:creationId xmlns:a16="http://schemas.microsoft.com/office/drawing/2014/main" id="{C4AD257B-88D7-4B15-A7BB-8142235E469A}"/>
+              </a:ext>
+            </a:extLst>
+          </p:cNvPr>
+          <p:cNvSpPr/>
+          <p:nvPr/>
+        </p:nvSpPr>
+        <p:spPr>
+          <a:xfrm>
+            <a:off x="7284720" y="3931920"/>
+            <a:ext cx="874640" cy="294640"/>
+          </a:xfrm>
+          <a:prstGeom prst="ellipse">
+            <a:avLst/>
+          </a:prstGeom>
+          <a:noFill/>
+          <a:ln w="38100">
+            <a:solidFill>
+              <a:srgbClr val="00B050"/>
+            </a:solidFill>
+          </a:ln>
+        </p:spPr>
+        <p:style>
+          <a:lnRef idx="1">
+            <a:schemeClr val="accent1"/>
+          </a:lnRef>
+          <a:fillRef idx="3">
+            <a:schemeClr val="accent1"/>
+          </a:fillRef>
+          <a:effectRef idx="2">
+            <a:schemeClr val="accent1"/>
+          </a:effectRef>
+          <a:fontRef idx="minor">
+            <a:schemeClr val="lt1"/>
+          </a:fontRef>
+        </p:style>
+        <p:txBody>
+          <a:bodyPr rtlCol="0" anchor="ctr"/>
+          <a:lstStyle/>
+          <a:p>
+            <a:pPr algn="ctr"/>
+            <a:endParaRPr lang="nl-BE"/>
+          </a:p>
+        </p:txBody>
+      </p:sp>
+    </p:spTree>
+    <p:extLst>
+      <p:ext uri="{BB962C8B-B14F-4D97-AF65-F5344CB8AC3E}">
+        <p14:creationId xmlns:p14="http://schemas.microsoft.com/office/powerpoint/2010/main" val="2534038251"/>
+      </p:ext>
+    </p:extLst>
+  </p:cSld>
+  <p:clrMapOvr>
+    <a:masterClrMapping/>
+  </p:clrMapOvr>
+</p:sld>
+</file>
+
+<file path=ppt/slides/slide2.xml><?xml version="1.0" encoding="utf-8"?>
+<p:sld xmlns:a="http://schemas.openxmlformats.org/drawingml/2006/main" xmlns:r="http://schemas.openxmlformats.org/officeDocument/2006/relationships" xmlns:p="http://schemas.openxmlformats.org/presentationml/2006/main">
+  <p:cSld>
+    <p:spTree>
+      <p:nvGrpSpPr>
+        <p:cNvPr id="1" name=""/>
+        <p:cNvGrpSpPr/>
+        <p:nvPr/>
+      </p:nvGrpSpPr>
+      <p:grpSpPr>
+        <a:xfrm>
+          <a:off x="0" y="0"/>
+          <a:ext cx="0" cy="0"/>
+          <a:chOff x="0" y="0"/>
+          <a:chExt cx="0" cy="0"/>
+        </a:xfrm>
+      </p:grpSpPr>
+      <p:sp>
+        <p:nvSpPr>
+          <p:cNvPr id="4" name="Title 3"/>
+          <p:cNvSpPr>
+            <a:spLocks noGrp="1"/>
+          </p:cNvSpPr>
+          <p:nvPr>
+            <p:ph type="title"/>
+          </p:nvPr>
+        </p:nvSpPr>
+        <p:spPr/>
+        <p:txBody>
+          <a:bodyPr/>
+          <a:lstStyle/>
+          <a:p>
+            <a:r>
+              <a:rPr lang="en-US" dirty="0" err="1"/>
+              <a:t>Inhoud</a:t>
+            </a:r>
+            <a:endParaRPr lang="en-US" dirty="0"/>
+          </a:p>
+        </p:txBody>
+      </p:sp>
+      <p:sp>
+        <p:nvSpPr>
+          <p:cNvPr id="5" name="Content Placeholder 4"/>
+          <p:cNvSpPr>
+            <a:spLocks noGrp="1"/>
+          </p:cNvSpPr>
+          <p:nvPr>
+            <p:ph idx="1"/>
+          </p:nvPr>
+        </p:nvSpPr>
+        <p:spPr>
+          <a:xfrm>
+            <a:off x="657948" y="1021080"/>
+            <a:ext cx="8135532" cy="5074919"/>
+          </a:xfrm>
+        </p:spPr>
+        <p:txBody>
+          <a:bodyPr>
+            <a:normAutofit fontScale="47500" lnSpcReduction="20000"/>
+          </a:bodyPr>
+          <a:lstStyle/>
+          <a:p>
+            <a:r>
+              <a:rPr lang="en-US" dirty="0"/>
+              <a:t>1. </a:t>
+            </a:r>
+            <a:r>
+              <a:rPr lang="en-US" dirty="0" err="1"/>
+              <a:t>Introductie</a:t>
+            </a:r>
+            <a:endParaRPr lang="en-US" dirty="0"/>
+          </a:p>
+          <a:p>
+            <a:r>
+              <a:rPr lang="en-US" dirty="0"/>
+              <a:t>2. </a:t>
+            </a:r>
+            <a:r>
+              <a:rPr lang="en-US" dirty="0" err="1"/>
+              <a:t>Applicatie</a:t>
+            </a:r>
+            <a:r>
+              <a:rPr lang="en-US" dirty="0"/>
+              <a:t> </a:t>
+            </a:r>
+            <a:r>
+              <a:rPr lang="en-US" dirty="0" err="1"/>
+              <a:t>structuur</a:t>
+            </a:r>
+            <a:endParaRPr lang="en-US" dirty="0"/>
+          </a:p>
+          <a:p>
+            <a:r>
+              <a:rPr lang="en-US" dirty="0"/>
+              <a:t>	2.1 </a:t>
+            </a:r>
+            <a:r>
+              <a:rPr lang="en-US" dirty="0" err="1"/>
+              <a:t>Huidige</a:t>
+            </a:r>
+            <a:r>
+              <a:rPr lang="en-US" dirty="0"/>
+              <a:t> </a:t>
+            </a:r>
+            <a:r>
+              <a:rPr lang="en-US" dirty="0" err="1"/>
+              <a:t>versie</a:t>
+            </a:r>
+            <a:endParaRPr lang="en-US" dirty="0"/>
+          </a:p>
+          <a:p>
+            <a:r>
+              <a:rPr lang="en-US" dirty="0"/>
+              <a:t>	2.2 </a:t>
+            </a:r>
+            <a:r>
+              <a:rPr lang="en-US" dirty="0" err="1"/>
+              <a:t>Nieuwe</a:t>
+            </a:r>
+            <a:r>
+              <a:rPr lang="en-US" dirty="0"/>
+              <a:t> </a:t>
+            </a:r>
+            <a:r>
+              <a:rPr lang="en-US" dirty="0" err="1"/>
+              <a:t>versie</a:t>
+            </a:r>
+            <a:endParaRPr lang="en-US" dirty="0"/>
+          </a:p>
+          <a:p>
+            <a:r>
+              <a:rPr lang="en-US" dirty="0"/>
+              <a:t>3. </a:t>
+            </a:r>
+            <a:r>
+              <a:rPr lang="en-US" dirty="0" err="1"/>
+              <a:t>Userexperience</a:t>
+            </a:r>
+            <a:endParaRPr lang="en-US" dirty="0"/>
+          </a:p>
+          <a:p>
+            <a:r>
+              <a:rPr lang="en-US" dirty="0"/>
+              <a:t>	</a:t>
+            </a:r>
+            <a:r>
+              <a:rPr lang="nl-NL" dirty="0"/>
+              <a:t>3.1.Interviews</a:t>
+            </a:r>
+          </a:p>
+          <a:p>
+            <a:r>
+              <a:rPr lang="nl-NL" dirty="0"/>
+              <a:t>	3.2 </a:t>
+            </a:r>
+            <a:r>
+              <a:rPr lang="nl-NL" dirty="0" err="1"/>
+              <a:t>Persona’s</a:t>
+            </a:r>
+            <a:endParaRPr lang="nl-NL" dirty="0"/>
+          </a:p>
+          <a:p>
+            <a:r>
+              <a:rPr lang="nl-NL" dirty="0"/>
+              <a:t>	3.3 Storyboard</a:t>
+            </a:r>
+          </a:p>
+          <a:p>
+            <a:r>
+              <a:rPr lang="nl-NL" dirty="0"/>
+              <a:t>	3.4 </a:t>
+            </a:r>
+            <a:r>
+              <a:rPr lang="nl-NL" dirty="0" err="1"/>
+              <a:t>Wireframes</a:t>
+            </a:r>
+            <a:endParaRPr lang="en-US" dirty="0"/>
+          </a:p>
+          <a:p>
+            <a:r>
+              <a:rPr lang="en-US" dirty="0"/>
+              <a:t>4. Backend</a:t>
+            </a:r>
+          </a:p>
+          <a:p>
+            <a:r>
+              <a:rPr lang="en-US" dirty="0"/>
+              <a:t>	4.1 </a:t>
+            </a:r>
+            <a:r>
+              <a:rPr lang="en-US" dirty="0" err="1"/>
+              <a:t>Laravel</a:t>
+            </a:r>
+            <a:endParaRPr lang="en-US" dirty="0"/>
+          </a:p>
+          <a:p>
+            <a:r>
+              <a:rPr lang="en-US" dirty="0"/>
+              <a:t>	4.2 </a:t>
+            </a:r>
+            <a:r>
+              <a:rPr lang="en-US" dirty="0" err="1"/>
+              <a:t>Databanktype</a:t>
+            </a:r>
+            <a:endParaRPr lang="en-US" dirty="0"/>
+          </a:p>
+          <a:p>
+            <a:r>
+              <a:rPr lang="en-US" dirty="0"/>
+              <a:t>	4.3 </a:t>
+            </a:r>
+            <a:r>
+              <a:rPr lang="en-US" dirty="0" err="1"/>
+              <a:t>Databankmodel</a:t>
+            </a:r>
+            <a:endParaRPr lang="en-US" dirty="0"/>
+          </a:p>
+          <a:p>
+            <a:r>
+              <a:rPr lang="en-US" dirty="0"/>
+              <a:t>5. Frontend</a:t>
+            </a:r>
+          </a:p>
+          <a:p>
+            <a:r>
+              <a:rPr lang="en-US" dirty="0"/>
+              <a:t>	5.1 </a:t>
+            </a:r>
+            <a:r>
+              <a:rPr lang="en-US" dirty="0" err="1"/>
+              <a:t>blablalbalb</a:t>
+            </a:r>
+            <a:endParaRPr lang="en-US" dirty="0"/>
+          </a:p>
+          <a:p>
+            <a:r>
+              <a:rPr lang="en-US" dirty="0"/>
+              <a:t>4. Demo</a:t>
+            </a:r>
+          </a:p>
+          <a:p>
+            <a:r>
+              <a:rPr lang="en-US" dirty="0"/>
+              <a:t>5. </a:t>
+            </a:r>
+            <a:r>
+              <a:rPr lang="en-US" dirty="0" err="1"/>
+              <a:t>Kritische</a:t>
+            </a:r>
+            <a:r>
+              <a:rPr lang="en-US" dirty="0"/>
+              <a:t> </a:t>
+            </a:r>
+            <a:r>
+              <a:rPr lang="en-US" dirty="0" err="1"/>
+              <a:t>reflectie</a:t>
+            </a:r>
+            <a:endParaRPr lang="en-US" dirty="0"/>
+          </a:p>
+        </p:txBody>
+      </p:sp>
+      <p:sp>
+        <p:nvSpPr>
+          <p:cNvPr id="6" name="Date Placeholder 5"/>
+          <p:cNvSpPr>
+            <a:spLocks noGrp="1"/>
+          </p:cNvSpPr>
+          <p:nvPr>
+            <p:ph type="dt" sz="half" idx="10"/>
+          </p:nvPr>
+        </p:nvSpPr>
+        <p:spPr/>
+        <p:txBody>
+          <a:bodyPr/>
+          <a:lstStyle/>
+          <a:p>
+            <a:fld id="{DB4E9D77-C996-DF40-82BF-4D0EB0C0014F}" type="datetime1">
+              <a:t>18/06/2019</a:t>
+            </a:fld>
+            <a:endParaRPr lang="en-US" dirty="0"/>
+          </a:p>
+        </p:txBody>
+      </p:sp>
+      <p:sp>
+        <p:nvSpPr>
+          <p:cNvPr id="7" name="Footer Placeholder 6"/>
+          <p:cNvSpPr>
+            <a:spLocks noGrp="1"/>
+          </p:cNvSpPr>
+          <p:nvPr>
+            <p:ph type="ftr" sz="quarter" idx="11"/>
+          </p:nvPr>
+        </p:nvSpPr>
+        <p:spPr/>
+        <p:txBody>
+          <a:bodyPr/>
+          <a:lstStyle/>
+          <a:p>
+            <a:r>
+              <a:rPr lang="en-US" dirty="0" err="1"/>
+              <a:t>Projectenwebsite</a:t>
+            </a:r>
+            <a:endParaRPr lang="en-US" dirty="0"/>
+          </a:p>
+        </p:txBody>
+      </p:sp>
+      <p:sp>
+        <p:nvSpPr>
+          <p:cNvPr id="8" name="Slide Number Placeholder 7"/>
+          <p:cNvSpPr>
+            <a:spLocks noGrp="1"/>
+          </p:cNvSpPr>
+          <p:nvPr>
+            <p:ph type="sldNum" sz="quarter" idx="12"/>
+          </p:nvPr>
+        </p:nvSpPr>
+        <p:spPr/>
+        <p:txBody>
+          <a:bodyPr/>
+          <a:lstStyle/>
+          <a:p>
+            <a:fld id="{FCA3638F-6D52-644A-9831-93255061F043}" type="slidenum">
+              <a:rPr lang="en-US"/>
+              <a:t>2</a:t>
+            </a:fld>
+            <a:endParaRPr lang="en-US"/>
+          </a:p>
+        </p:txBody>
+      </p:sp>
+    </p:spTree>
+    <p:extLst>
+      <p:ext uri="{BB962C8B-B14F-4D97-AF65-F5344CB8AC3E}">
+        <p14:creationId xmlns:p14="http://schemas.microsoft.com/office/powerpoint/2010/main" val="3608323368"/>
+      </p:ext>
+    </p:extLst>
+  </p:cSld>
+  <p:clrMapOvr>
+    <a:masterClrMapping/>
+  </p:clrMapOvr>
+  <p:transition spd="slow">
+    <p:cover/>
+  </p:transition>
+</p:sld>
+</file>
+
+<file path=ppt/slides/slide20.xml><?xml version="1.0" encoding="utf-8"?>
+<p:sld xmlns:a="http://schemas.openxmlformats.org/drawingml/2006/main" xmlns:r="http://schemas.openxmlformats.org/officeDocument/2006/relationships" xmlns:p="http://schemas.openxmlformats.org/presentationml/2006/main">
+  <p:cSld>
+    <p:spTree>
+      <p:nvGrpSpPr>
+        <p:cNvPr id="1" name=""/>
+        <p:cNvGrpSpPr/>
+        <p:nvPr/>
+      </p:nvGrpSpPr>
+      <p:grpSpPr>
+        <a:xfrm>
+          <a:off x="0" y="0"/>
+          <a:ext cx="0" cy="0"/>
+          <a:chOff x="0" y="0"/>
+          <a:chExt cx="0" cy="0"/>
+        </a:xfrm>
+      </p:grpSpPr>
+      <p:sp>
+        <p:nvSpPr>
+          <p:cNvPr id="2" name="Titel 1">
+            <a:extLst>
+              <a:ext uri="{FF2B5EF4-FFF2-40B4-BE49-F238E27FC236}">
+                <a16:creationId xmlns:a16="http://schemas.microsoft.com/office/drawing/2014/main" id="{8DA9CB4F-7B99-42EF-921D-8AD590BA748C}"/>
+              </a:ext>
+            </a:extLst>
+          </p:cNvPr>
+          <p:cNvSpPr>
+            <a:spLocks noGrp="1"/>
+          </p:cNvSpPr>
+          <p:nvPr>
+            <p:ph type="title"/>
+          </p:nvPr>
+        </p:nvSpPr>
+        <p:spPr/>
+        <p:txBody>
+          <a:bodyPr/>
+          <a:lstStyle/>
+          <a:p>
+            <a:r>
+              <a:rPr lang="nl-BE" b="0" dirty="0"/>
+              <a:t>Voordelen </a:t>
+            </a:r>
+            <a:r>
+              <a:rPr lang="nl-BE" b="0" dirty="0" err="1"/>
+              <a:t>Laravel</a:t>
+            </a:r>
+            <a:endParaRPr lang="nl-BE" b="0" dirty="0"/>
+          </a:p>
+        </p:txBody>
+      </p:sp>
+      <p:sp>
+        <p:nvSpPr>
+          <p:cNvPr id="3" name="Tijdelijke aanduiding voor inhoud 2">
+            <a:extLst>
+              <a:ext uri="{FF2B5EF4-FFF2-40B4-BE49-F238E27FC236}">
+                <a16:creationId xmlns:a16="http://schemas.microsoft.com/office/drawing/2014/main" id="{ABD6616E-12BB-4FB4-A3C9-10ECB2F0781F}"/>
+              </a:ext>
+            </a:extLst>
+          </p:cNvPr>
+          <p:cNvSpPr>
+            <a:spLocks noGrp="1"/>
+          </p:cNvSpPr>
+          <p:nvPr>
+            <p:ph idx="1"/>
+          </p:nvPr>
+        </p:nvSpPr>
+        <p:spPr/>
+        <p:txBody>
+          <a:bodyPr/>
+          <a:lstStyle/>
+          <a:p>
+            <a:pPr marL="457200" indent="-457200">
+              <a:buFont typeface="Arial" panose="020B0604020202020204" pitchFamily="34" charset="0"/>
+              <a:buChar char="•"/>
+            </a:pPr>
+            <a:r>
+              <a:rPr lang="nl-BE" b="0" dirty="0"/>
+              <a:t>open source</a:t>
+            </a:r>
+          </a:p>
+          <a:p>
+            <a:pPr marL="457200" indent="-457200">
+              <a:buFont typeface="Arial" panose="020B0604020202020204" pitchFamily="34" charset="0"/>
+              <a:buChar char="•"/>
+            </a:pPr>
+            <a:r>
+              <a:rPr lang="nl-BE" b="0" dirty="0"/>
+              <a:t>simpele en goed leesbare code</a:t>
+            </a:r>
+          </a:p>
+          <a:p>
+            <a:pPr marL="457200" indent="-457200">
+              <a:buFont typeface="Arial" panose="020B0604020202020204" pitchFamily="34" charset="0"/>
+              <a:buChar char="•"/>
+            </a:pPr>
+            <a:r>
+              <a:rPr lang="nl-BE" b="0" dirty="0"/>
+              <a:t>ingebouwde functie</a:t>
+            </a:r>
+          </a:p>
+          <a:p>
+            <a:pPr marL="457200" indent="-457200">
+              <a:buFont typeface="Arial" panose="020B0604020202020204" pitchFamily="34" charset="0"/>
+              <a:buChar char="•"/>
+            </a:pPr>
+            <a:r>
+              <a:rPr lang="nl-BE" b="0" dirty="0"/>
+              <a:t>gedetailleerde documentatie</a:t>
+            </a:r>
+          </a:p>
+        </p:txBody>
+      </p:sp>
+      <p:sp>
+        <p:nvSpPr>
+          <p:cNvPr id="4" name="Tijdelijke aanduiding voor datum 3">
+            <a:extLst>
+              <a:ext uri="{FF2B5EF4-FFF2-40B4-BE49-F238E27FC236}">
+                <a16:creationId xmlns:a16="http://schemas.microsoft.com/office/drawing/2014/main" id="{0DBF245B-71B4-4427-909F-8ACCAD468A7E}"/>
+              </a:ext>
+            </a:extLst>
+          </p:cNvPr>
+          <p:cNvSpPr>
+            <a:spLocks noGrp="1"/>
+          </p:cNvSpPr>
+          <p:nvPr>
+            <p:ph type="dt" sz="half" idx="10"/>
+          </p:nvPr>
+        </p:nvSpPr>
+        <p:spPr/>
+        <p:txBody>
+          <a:bodyPr/>
+          <a:lstStyle/>
+          <a:p>
+            <a:fld id="{36086CE3-90FF-5744-87D8-5D36EE4D91CC}" type="datetime1">
+              <a:rPr lang="nl-BE" smtClean="0"/>
+              <a:t>18/06/2019</a:t>
+            </a:fld>
+            <a:endParaRPr lang="en-US"/>
+          </a:p>
+        </p:txBody>
+      </p:sp>
+      <p:sp>
+        <p:nvSpPr>
+          <p:cNvPr id="5" name="Tijdelijke aanduiding voor voettekst 4">
+            <a:extLst>
+              <a:ext uri="{FF2B5EF4-FFF2-40B4-BE49-F238E27FC236}">
+                <a16:creationId xmlns:a16="http://schemas.microsoft.com/office/drawing/2014/main" id="{7536DBF2-4D37-473B-BAAC-B08D331CF7BA}"/>
+              </a:ext>
+            </a:extLst>
+          </p:cNvPr>
+          <p:cNvSpPr>
+            <a:spLocks noGrp="1"/>
+          </p:cNvSpPr>
+          <p:nvPr>
+            <p:ph type="ftr" sz="quarter" idx="11"/>
+          </p:nvPr>
+        </p:nvSpPr>
+        <p:spPr/>
+        <p:txBody>
+          <a:bodyPr/>
+          <a:lstStyle/>
+          <a:p>
+            <a:r>
+              <a:rPr lang="en-US"/>
+              <a:t>Titel van footer</a:t>
+            </a:r>
+          </a:p>
+        </p:txBody>
+      </p:sp>
+      <p:sp>
+        <p:nvSpPr>
+          <p:cNvPr id="6" name="Tijdelijke aanduiding voor dianummer 5">
+            <a:extLst>
+              <a:ext uri="{FF2B5EF4-FFF2-40B4-BE49-F238E27FC236}">
+                <a16:creationId xmlns:a16="http://schemas.microsoft.com/office/drawing/2014/main" id="{F3718890-01E5-4DE8-BD5E-C529C4FF09AF}"/>
+              </a:ext>
+            </a:extLst>
+          </p:cNvPr>
+          <p:cNvSpPr>
+            <a:spLocks noGrp="1"/>
+          </p:cNvSpPr>
+          <p:nvPr>
+            <p:ph type="sldNum" sz="quarter" idx="12"/>
+          </p:nvPr>
+        </p:nvSpPr>
+        <p:spPr/>
+        <p:txBody>
+          <a:bodyPr/>
+          <a:lstStyle/>
+          <a:p>
+            <a:fld id="{FCA3638F-6D52-644A-9831-93255061F043}" type="slidenum">
+              <a:rPr lang="nl-BE" smtClean="0"/>
+              <a:t>20</a:t>
+            </a:fld>
+            <a:endParaRPr lang="nl-BE"/>
+          </a:p>
+        </p:txBody>
+      </p:sp>
+    </p:spTree>
+    <p:extLst>
+      <p:ext uri="{BB962C8B-B14F-4D97-AF65-F5344CB8AC3E}">
+        <p14:creationId xmlns:p14="http://schemas.microsoft.com/office/powerpoint/2010/main" val="3600540847"/>
+      </p:ext>
+    </p:extLst>
+  </p:cSld>
+  <p:clrMapOvr>
+    <a:masterClrMapping/>
+  </p:clrMapOvr>
+</p:sld>
+</file>
+
+<file path=ppt/slides/slide21.xml><?xml version="1.0" encoding="utf-8"?>
+<p:sld xmlns:a="http://schemas.openxmlformats.org/drawingml/2006/main" xmlns:r="http://schemas.openxmlformats.org/officeDocument/2006/relationships" xmlns:p="http://schemas.openxmlformats.org/presentationml/2006/main">
+  <p:cSld>
+    <p:spTree>
+      <p:nvGrpSpPr>
+        <p:cNvPr id="1" name=""/>
+        <p:cNvGrpSpPr/>
+        <p:nvPr/>
+      </p:nvGrpSpPr>
+      <p:grpSpPr>
+        <a:xfrm>
+          <a:off x="0" y="0"/>
+          <a:ext cx="0" cy="0"/>
+          <a:chOff x="0" y="0"/>
+          <a:chExt cx="0" cy="0"/>
+        </a:xfrm>
+      </p:grpSpPr>
+      <p:sp>
+        <p:nvSpPr>
           <p:cNvPr id="2" name="Titel 1"/>
           <p:cNvSpPr>
             <a:spLocks noGrp="1"/>
@@ -33634,10 +34714,9 @@
           <a:lstStyle/>
           <a:p>
             <a:r>
-              <a:rPr lang="nl-NL" dirty="0" smtClean="0"/>
+              <a:rPr lang="nl-NL" dirty="0"/>
               <a:t>4.2 Databanktype</a:t>
             </a:r>
-            <a:endParaRPr lang="nl-NL" dirty="0"/>
           </a:p>
         </p:txBody>
       </p:sp>
@@ -33658,7 +34737,7 @@
           <a:p>
             <a:fld id="{36086CE3-90FF-5744-87D8-5D36EE4D91CC}" type="datetime1">
               <a:rPr lang="nl-NL" smtClean="0"/>
-              <a:t>11-6-2019</a:t>
+              <a:t>18-6-2019</a:t>
             </a:fld>
             <a:endParaRPr lang="nl-NL"/>
           </a:p>
@@ -33680,10 +34759,9 @@
           <a:lstStyle/>
           <a:p>
             <a:r>
-              <a:rPr lang="en-US" smtClean="0"/>
+              <a:rPr lang="en-US"/>
               <a:t>Titel van footer</a:t>
             </a:r>
-            <a:endParaRPr lang="en-US"/>
           </a:p>
         </p:txBody>
       </p:sp>
@@ -33704,7 +34782,7 @@
           <a:p>
             <a:fld id="{FCA3638F-6D52-644A-9831-93255061F043}" type="slidenum">
               <a:rPr lang="nl-NL" smtClean="0"/>
-              <a:t>17</a:t>
+              <a:t>21</a:t>
             </a:fld>
             <a:endParaRPr lang="nl-NL"/>
           </a:p>
@@ -33745,7 +34823,7 @@
 </p:sld>
 </file>
 
-<file path=ppt/slides/slide18.xml><?xml version="1.0" encoding="utf-8"?>
+<file path=ppt/slides/slide22.xml><?xml version="1.0" encoding="utf-8"?>
 <p:sld xmlns:a="http://schemas.openxmlformats.org/drawingml/2006/main" xmlns:r="http://schemas.openxmlformats.org/officeDocument/2006/relationships" xmlns:p="http://schemas.openxmlformats.org/presentationml/2006/main">
   <p:cSld>
     <p:spTree>
@@ -33778,10 +34856,9 @@
           <a:lstStyle/>
           <a:p>
             <a:r>
-              <a:rPr lang="nl-NL" dirty="0" smtClean="0"/>
+              <a:rPr lang="nl-NL" dirty="0"/>
               <a:t>4.3 Databankmodel</a:t>
             </a:r>
-            <a:endParaRPr lang="nl-NL" dirty="0"/>
           </a:p>
         </p:txBody>
       </p:sp>
@@ -33802,7 +34879,7 @@
           <a:p>
             <a:fld id="{36086CE3-90FF-5744-87D8-5D36EE4D91CC}" type="datetime1">
               <a:rPr lang="nl-NL" smtClean="0"/>
-              <a:t>11-6-2019</a:t>
+              <a:t>18-6-2019</a:t>
             </a:fld>
             <a:endParaRPr lang="nl-NL"/>
           </a:p>
@@ -33824,10 +34901,9 @@
           <a:lstStyle/>
           <a:p>
             <a:r>
-              <a:rPr lang="en-US" smtClean="0"/>
+              <a:rPr lang="en-US"/>
               <a:t>Titel van footer</a:t>
             </a:r>
-            <a:endParaRPr lang="en-US"/>
           </a:p>
         </p:txBody>
       </p:sp>
@@ -33848,7 +34924,7 @@
           <a:p>
             <a:fld id="{FCA3638F-6D52-644A-9831-93255061F043}" type="slidenum">
               <a:rPr lang="nl-NL" smtClean="0"/>
-              <a:t>18</a:t>
+              <a:t>22</a:t>
             </a:fld>
             <a:endParaRPr lang="nl-NL"/>
           </a:p>
@@ -33905,7 +34981,6 @@
               <a:rPr lang="nl-NL" sz="1050" b="1" dirty="0"/>
               <a:t>Fig. bijschrift</a:t>
             </a:r>
-            <a:endParaRPr lang="nl-NL" sz="1050" b="1" dirty="0"/>
           </a:p>
         </p:txBody>
       </p:sp>
@@ -33922,7 +34997,7 @@
 </p:sld>
 </file>
 
-<file path=ppt/slides/slide19.xml><?xml version="1.0" encoding="utf-8"?>
+<file path=ppt/slides/slide23.xml><?xml version="1.0" encoding="utf-8"?>
 <p:sld xmlns:a="http://schemas.openxmlformats.org/drawingml/2006/main" xmlns:r="http://schemas.openxmlformats.org/officeDocument/2006/relationships" xmlns:p="http://schemas.openxmlformats.org/presentationml/2006/main">
   <p:cSld>
     <p:spTree>
@@ -33961,13 +35036,8 @@
           <a:p>
             <a:r>
               <a:rPr lang="en-US" dirty="0"/>
-              <a:t>5</a:t>
+              <a:t>5. Frontend</a:t>
             </a:r>
-            <a:r>
-              <a:rPr lang="en-US" dirty="0" smtClean="0"/>
-              <a:t>. Frontend</a:t>
-            </a:r>
-            <a:endParaRPr lang="en-US" dirty="0"/>
           </a:p>
         </p:txBody>
       </p:sp>
@@ -33992,10 +35062,9 @@
           <a:lstStyle/>
           <a:p>
             <a:r>
-              <a:rPr lang="en-US" dirty="0" smtClean="0"/>
+              <a:rPr lang="en-US" dirty="0"/>
               <a:t> </a:t>
             </a:r>
-            <a:endParaRPr lang="en-US" dirty="0"/>
           </a:p>
         </p:txBody>
       </p:sp>
@@ -34015,7 +35084,7 @@
           <a:lstStyle/>
           <a:p>
             <a:fld id="{DB4E9D77-C996-DF40-82BF-4D0EB0C0014F}" type="datetime1">
-              <a:t>11-6-2019</a:t>
+              <a:t>18/06/2019</a:t>
             </a:fld>
             <a:endParaRPr lang="en-US"/>
           </a:p>
@@ -34061,7 +35130,7 @@
           <a:p>
             <a:fld id="{FCA3638F-6D52-644A-9831-93255061F043}" type="slidenum">
               <a:rPr lang="en-US"/>
-              <a:t>19</a:t>
+              <a:t>23</a:t>
             </a:fld>
             <a:endParaRPr lang="en-US"/>
           </a:p>
@@ -34246,410 +35315,10 @@
   <p:transition spd="slow">
     <p:cover/>
   </p:transition>
-  <p:timing>
-    <p:tnLst>
-      <p:par>
-        <p:cTn id="1" dur="indefinite" restart="never" nodeType="tmRoot"/>
-      </p:par>
-    </p:tnLst>
-  </p:timing>
 </p:sld>
 </file>
 
-<file path=ppt/slides/slide2.xml><?xml version="1.0" encoding="utf-8"?>
-<p:sld xmlns:a="http://schemas.openxmlformats.org/drawingml/2006/main" xmlns:r="http://schemas.openxmlformats.org/officeDocument/2006/relationships" xmlns:p="http://schemas.openxmlformats.org/presentationml/2006/main">
-  <p:cSld>
-    <p:spTree>
-      <p:nvGrpSpPr>
-        <p:cNvPr id="1" name=""/>
-        <p:cNvGrpSpPr/>
-        <p:nvPr/>
-      </p:nvGrpSpPr>
-      <p:grpSpPr>
-        <a:xfrm>
-          <a:off x="0" y="0"/>
-          <a:ext cx="0" cy="0"/>
-          <a:chOff x="0" y="0"/>
-          <a:chExt cx="0" cy="0"/>
-        </a:xfrm>
-      </p:grpSpPr>
-      <p:sp>
-        <p:nvSpPr>
-          <p:cNvPr id="4" name="Title 3"/>
-          <p:cNvSpPr>
-            <a:spLocks noGrp="1"/>
-          </p:cNvSpPr>
-          <p:nvPr>
-            <p:ph type="title"/>
-          </p:nvPr>
-        </p:nvSpPr>
-        <p:spPr/>
-        <p:txBody>
-          <a:bodyPr/>
-          <a:lstStyle/>
-          <a:p>
-            <a:r>
-              <a:rPr lang="en-US" dirty="0" err="1" smtClean="0"/>
-              <a:t>Inhoud</a:t>
-            </a:r>
-            <a:endParaRPr lang="en-US" dirty="0"/>
-          </a:p>
-        </p:txBody>
-      </p:sp>
-      <p:sp>
-        <p:nvSpPr>
-          <p:cNvPr id="5" name="Content Placeholder 4"/>
-          <p:cNvSpPr>
-            <a:spLocks noGrp="1"/>
-          </p:cNvSpPr>
-          <p:nvPr>
-            <p:ph idx="1"/>
-          </p:nvPr>
-        </p:nvSpPr>
-        <p:spPr>
-          <a:xfrm>
-            <a:off x="657948" y="1021080"/>
-            <a:ext cx="8135532" cy="5074919"/>
-          </a:xfrm>
-        </p:spPr>
-        <p:txBody>
-          <a:bodyPr>
-            <a:normAutofit fontScale="47500" lnSpcReduction="20000"/>
-          </a:bodyPr>
-          <a:lstStyle/>
-          <a:p>
-            <a:r>
-              <a:rPr lang="en-US" dirty="0" smtClean="0"/>
-              <a:t>1. </a:t>
-            </a:r>
-            <a:r>
-              <a:rPr lang="en-US" dirty="0" err="1" smtClean="0"/>
-              <a:t>Introductie</a:t>
-            </a:r>
-            <a:endParaRPr lang="en-US" dirty="0" smtClean="0"/>
-          </a:p>
-          <a:p>
-            <a:r>
-              <a:rPr lang="en-US" dirty="0" smtClean="0"/>
-              <a:t>2. </a:t>
-            </a:r>
-            <a:r>
-              <a:rPr lang="en-US" dirty="0" err="1" smtClean="0"/>
-              <a:t>Applicatie</a:t>
-            </a:r>
-            <a:r>
-              <a:rPr lang="en-US" dirty="0" smtClean="0"/>
-              <a:t> </a:t>
-            </a:r>
-            <a:r>
-              <a:rPr lang="en-US" dirty="0" err="1" smtClean="0"/>
-              <a:t>structuur</a:t>
-            </a:r>
-            <a:endParaRPr lang="en-US" dirty="0" smtClean="0"/>
-          </a:p>
-          <a:p>
-            <a:r>
-              <a:rPr lang="en-US" dirty="0"/>
-              <a:t>	</a:t>
-            </a:r>
-            <a:r>
-              <a:rPr lang="en-US" dirty="0" smtClean="0"/>
-              <a:t>2.1 </a:t>
-            </a:r>
-            <a:r>
-              <a:rPr lang="en-US" dirty="0" err="1"/>
-              <a:t>H</a:t>
-            </a:r>
-            <a:r>
-              <a:rPr lang="en-US" dirty="0" err="1" smtClean="0"/>
-              <a:t>uidige</a:t>
-            </a:r>
-            <a:r>
-              <a:rPr lang="en-US" dirty="0" smtClean="0"/>
-              <a:t> </a:t>
-            </a:r>
-            <a:r>
-              <a:rPr lang="en-US" dirty="0" err="1" smtClean="0"/>
-              <a:t>versie</a:t>
-            </a:r>
-            <a:endParaRPr lang="en-US" dirty="0" smtClean="0"/>
-          </a:p>
-          <a:p>
-            <a:r>
-              <a:rPr lang="en-US" dirty="0"/>
-              <a:t>	</a:t>
-            </a:r>
-            <a:r>
-              <a:rPr lang="en-US" dirty="0" smtClean="0"/>
-              <a:t>2.2 </a:t>
-            </a:r>
-            <a:r>
-              <a:rPr lang="en-US" dirty="0" err="1" smtClean="0"/>
-              <a:t>Nieuwe</a:t>
-            </a:r>
-            <a:r>
-              <a:rPr lang="en-US" dirty="0" smtClean="0"/>
-              <a:t> </a:t>
-            </a:r>
-            <a:r>
-              <a:rPr lang="en-US" dirty="0" err="1" smtClean="0"/>
-              <a:t>versie</a:t>
-            </a:r>
-            <a:endParaRPr lang="en-US" dirty="0" smtClean="0"/>
-          </a:p>
-          <a:p>
-            <a:r>
-              <a:rPr lang="en-US" dirty="0" smtClean="0"/>
-              <a:t>3. </a:t>
-            </a:r>
-            <a:r>
-              <a:rPr lang="en-US" dirty="0" err="1" smtClean="0"/>
-              <a:t>Userexperience</a:t>
-            </a:r>
-            <a:endParaRPr lang="en-US" dirty="0" smtClean="0"/>
-          </a:p>
-          <a:p>
-            <a:r>
-              <a:rPr lang="en-US" dirty="0"/>
-              <a:t>	</a:t>
-            </a:r>
-            <a:r>
-              <a:rPr lang="nl-NL" dirty="0" smtClean="0"/>
-              <a:t>3.1.Interviews</a:t>
-            </a:r>
-          </a:p>
-          <a:p>
-            <a:r>
-              <a:rPr lang="nl-NL" dirty="0" smtClean="0"/>
-              <a:t>	3.2 </a:t>
-            </a:r>
-            <a:r>
-              <a:rPr lang="nl-NL" dirty="0" err="1" smtClean="0"/>
-              <a:t>Persona’s</a:t>
-            </a:r>
-            <a:endParaRPr lang="nl-NL" dirty="0" smtClean="0"/>
-          </a:p>
-          <a:p>
-            <a:r>
-              <a:rPr lang="nl-NL" dirty="0" smtClean="0"/>
-              <a:t>	3.3 </a:t>
-            </a:r>
-            <a:r>
-              <a:rPr lang="nl-NL" dirty="0"/>
-              <a:t>Storyboard</a:t>
-            </a:r>
-            <a:endParaRPr lang="nl-NL" dirty="0" smtClean="0"/>
-          </a:p>
-          <a:p>
-            <a:r>
-              <a:rPr lang="nl-NL" dirty="0"/>
-              <a:t>	</a:t>
-            </a:r>
-            <a:r>
-              <a:rPr lang="nl-NL" dirty="0" smtClean="0"/>
-              <a:t>3.4 </a:t>
-            </a:r>
-            <a:r>
-              <a:rPr lang="nl-NL" dirty="0" err="1" smtClean="0"/>
-              <a:t>Wireframes</a:t>
-            </a:r>
-            <a:endParaRPr lang="en-US" dirty="0" smtClean="0"/>
-          </a:p>
-          <a:p>
-            <a:r>
-              <a:rPr lang="en-US" dirty="0" smtClean="0"/>
-              <a:t>4. </a:t>
-            </a:r>
-            <a:r>
-              <a:rPr lang="en-US" dirty="0" smtClean="0"/>
-              <a:t>Backend</a:t>
-            </a:r>
-          </a:p>
-          <a:p>
-            <a:r>
-              <a:rPr lang="en-US" dirty="0"/>
-              <a:t>	</a:t>
-            </a:r>
-            <a:r>
-              <a:rPr lang="en-US" dirty="0" smtClean="0"/>
-              <a:t>4.1 </a:t>
-            </a:r>
-            <a:r>
-              <a:rPr lang="en-US" dirty="0" err="1" smtClean="0"/>
-              <a:t>Laravel</a:t>
-            </a:r>
-            <a:endParaRPr lang="en-US" dirty="0" smtClean="0"/>
-          </a:p>
-          <a:p>
-            <a:r>
-              <a:rPr lang="en-US" dirty="0"/>
-              <a:t>	</a:t>
-            </a:r>
-            <a:r>
-              <a:rPr lang="en-US" dirty="0" smtClean="0"/>
-              <a:t>4.2 </a:t>
-            </a:r>
-            <a:r>
-              <a:rPr lang="en-US" dirty="0" err="1" smtClean="0"/>
-              <a:t>Databanktype</a:t>
-            </a:r>
-            <a:endParaRPr lang="en-US" dirty="0" smtClean="0"/>
-          </a:p>
-          <a:p>
-            <a:r>
-              <a:rPr lang="en-US" dirty="0"/>
-              <a:t>	</a:t>
-            </a:r>
-            <a:r>
-              <a:rPr lang="en-US" dirty="0" smtClean="0"/>
-              <a:t>4.3 </a:t>
-            </a:r>
-            <a:r>
-              <a:rPr lang="en-US" dirty="0" err="1" smtClean="0"/>
-              <a:t>Databankmodel</a:t>
-            </a:r>
-            <a:endParaRPr lang="en-US" dirty="0" smtClean="0"/>
-          </a:p>
-          <a:p>
-            <a:r>
-              <a:rPr lang="en-US" dirty="0" smtClean="0"/>
-              <a:t>5. Frontend</a:t>
-            </a:r>
-          </a:p>
-          <a:p>
-            <a:r>
-              <a:rPr lang="en-US" dirty="0"/>
-              <a:t>	</a:t>
-            </a:r>
-            <a:r>
-              <a:rPr lang="en-US" dirty="0" smtClean="0"/>
-              <a:t>5.1 </a:t>
-            </a:r>
-            <a:r>
-              <a:rPr lang="en-US" dirty="0" err="1" smtClean="0"/>
-              <a:t>blablalbalb</a:t>
-            </a:r>
-            <a:endParaRPr lang="en-US" dirty="0" smtClean="0"/>
-          </a:p>
-          <a:p>
-            <a:r>
-              <a:rPr lang="en-US" dirty="0" smtClean="0"/>
-              <a:t>4. Demo</a:t>
-            </a:r>
-          </a:p>
-          <a:p>
-            <a:r>
-              <a:rPr lang="en-US" dirty="0" smtClean="0"/>
-              <a:t>5. </a:t>
-            </a:r>
-            <a:r>
-              <a:rPr lang="en-US" dirty="0" err="1" smtClean="0"/>
-              <a:t>Kritische</a:t>
-            </a:r>
-            <a:r>
-              <a:rPr lang="en-US" dirty="0" smtClean="0"/>
-              <a:t> </a:t>
-            </a:r>
-            <a:r>
-              <a:rPr lang="en-US" dirty="0" err="1" smtClean="0"/>
-              <a:t>reflectie</a:t>
-            </a:r>
-            <a:endParaRPr lang="en-US" dirty="0" smtClean="0"/>
-          </a:p>
-        </p:txBody>
-      </p:sp>
-      <p:sp>
-        <p:nvSpPr>
-          <p:cNvPr id="6" name="Date Placeholder 5"/>
-          <p:cNvSpPr>
-            <a:spLocks noGrp="1"/>
-          </p:cNvSpPr>
-          <p:nvPr>
-            <p:ph type="dt" sz="half" idx="10"/>
-          </p:nvPr>
-        </p:nvSpPr>
-        <p:spPr/>
-        <p:txBody>
-          <a:bodyPr/>
-          <a:lstStyle/>
-          <a:p>
-            <a:fld id="{DB4E9D77-C996-DF40-82BF-4D0EB0C0014F}" type="datetime1">
-              <a:t>11-6-2019</a:t>
-            </a:fld>
-            <a:endParaRPr lang="en-US" dirty="0"/>
-          </a:p>
-        </p:txBody>
-      </p:sp>
-      <p:sp>
-        <p:nvSpPr>
-          <p:cNvPr id="7" name="Footer Placeholder 6"/>
-          <p:cNvSpPr>
-            <a:spLocks noGrp="1"/>
-          </p:cNvSpPr>
-          <p:nvPr>
-            <p:ph type="ftr" sz="quarter" idx="11"/>
-          </p:nvPr>
-        </p:nvSpPr>
-        <p:spPr/>
-        <p:txBody>
-          <a:bodyPr/>
-          <a:lstStyle/>
-          <a:p>
-            <a:r>
-              <a:rPr lang="en-US" dirty="0" err="1" smtClean="0"/>
-              <a:t>Projectenwebsite</a:t>
-            </a:r>
-            <a:endParaRPr lang="en-US" dirty="0"/>
-          </a:p>
-        </p:txBody>
-      </p:sp>
-      <p:sp>
-        <p:nvSpPr>
-          <p:cNvPr id="8" name="Slide Number Placeholder 7"/>
-          <p:cNvSpPr>
-            <a:spLocks noGrp="1"/>
-          </p:cNvSpPr>
-          <p:nvPr>
-            <p:ph type="sldNum" sz="quarter" idx="12"/>
-          </p:nvPr>
-        </p:nvSpPr>
-        <p:spPr/>
-        <p:txBody>
-          <a:bodyPr/>
-          <a:lstStyle/>
-          <a:p>
-            <a:fld id="{FCA3638F-6D52-644A-9831-93255061F043}" type="slidenum">
-              <a:rPr lang="en-US"/>
-              <a:t>2</a:t>
-            </a:fld>
-            <a:endParaRPr lang="en-US"/>
-          </a:p>
-        </p:txBody>
-      </p:sp>
-    </p:spTree>
-    <p:extLst>
-      <p:ext uri="{BB962C8B-B14F-4D97-AF65-F5344CB8AC3E}">
-        <p14:creationId xmlns:p14="http://schemas.microsoft.com/office/powerpoint/2010/main" val="3608323368"/>
-      </p:ext>
-    </p:extLst>
-  </p:cSld>
-  <p:clrMapOvr>
-    <a:masterClrMapping/>
-  </p:clrMapOvr>
-  <p:transition spd="slow">
-    <p:cover/>
-  </p:transition>
-  <p:timing>
-    <p:tnLst>
-      <p:par>
-        <p:cTn id="1" dur="indefinite" restart="never" nodeType="tmRoot"/>
-      </p:par>
-    </p:tnLst>
-  </p:timing>
-</p:sld>
-</file>
-
-<file path=ppt/slides/slide20.xml><?xml version="1.0" encoding="utf-8"?>
+<file path=ppt/slides/slide24.xml><?xml version="1.0" encoding="utf-8"?>
 <p:sld xmlns:a="http://schemas.openxmlformats.org/drawingml/2006/main" xmlns:r="http://schemas.openxmlformats.org/officeDocument/2006/relationships" xmlns:p="http://schemas.openxmlformats.org/presentationml/2006/main">
   <p:cSld>
     <p:spTree>
@@ -34687,10 +35356,9 @@
           <a:lstStyle/>
           <a:p>
             <a:r>
-              <a:rPr lang="en-US" dirty="0" smtClean="0"/>
+              <a:rPr lang="en-US" dirty="0"/>
               <a:t>4.Demo</a:t>
             </a:r>
-            <a:endParaRPr lang="en-US" dirty="0"/>
           </a:p>
         </p:txBody>
       </p:sp>
@@ -34715,10 +35383,9 @@
           <a:lstStyle/>
           <a:p>
             <a:r>
-              <a:rPr lang="en-US" dirty="0" smtClean="0"/>
+              <a:rPr lang="en-US" dirty="0"/>
               <a:t> </a:t>
             </a:r>
-            <a:endParaRPr lang="en-US" dirty="0"/>
           </a:p>
         </p:txBody>
       </p:sp>
@@ -34738,7 +35405,7 @@
           <a:lstStyle/>
           <a:p>
             <a:fld id="{DB4E9D77-C996-DF40-82BF-4D0EB0C0014F}" type="datetime1">
-              <a:t>11-6-2019</a:t>
+              <a:t>18/06/2019</a:t>
             </a:fld>
             <a:endParaRPr lang="en-US"/>
           </a:p>
@@ -34784,7 +35451,7 @@
           <a:p>
             <a:fld id="{FCA3638F-6D52-644A-9831-93255061F043}" type="slidenum">
               <a:rPr lang="en-US"/>
-              <a:t>20</a:t>
+              <a:t>24</a:t>
             </a:fld>
             <a:endParaRPr lang="en-US"/>
           </a:p>
@@ -34969,17 +35636,10 @@
   <p:transition spd="slow">
     <p:cover/>
   </p:transition>
-  <p:timing>
-    <p:tnLst>
-      <p:par>
-        <p:cTn id="1" dur="indefinite" restart="never" nodeType="tmRoot"/>
-      </p:par>
-    </p:tnLst>
-  </p:timing>
 </p:sld>
 </file>
 
-<file path=ppt/slides/slide21.xml><?xml version="1.0" encoding="utf-8"?>
+<file path=ppt/slides/slide25.xml><?xml version="1.0" encoding="utf-8"?>
 <p:sld xmlns:a="http://schemas.openxmlformats.org/drawingml/2006/main" xmlns:r="http://schemas.openxmlformats.org/officeDocument/2006/relationships" xmlns:p="http://schemas.openxmlformats.org/presentationml/2006/main">
   <p:cSld>
     <p:spTree>
@@ -35031,7 +35691,7 @@
               <a:t> </a:t>
             </a:r>
             <a:r>
-              <a:rPr lang="en-US" dirty="0" err="1" smtClean="0"/>
+              <a:rPr lang="en-US" dirty="0" err="1"/>
               <a:t>reflectie</a:t>
             </a:r>
             <a:endParaRPr lang="en-US" dirty="0"/>
@@ -35065,10 +35725,10 @@
               <a:buChar char="-"/>
             </a:pPr>
             <a:r>
-              <a:rPr lang="en-US" sz="1800" b="0" dirty="0" err="1" smtClean="0"/>
+              <a:rPr lang="en-US" sz="1800" b="0" dirty="0" err="1"/>
               <a:t>Groepssfeer</a:t>
             </a:r>
-            <a:endParaRPr lang="en-US" sz="1800" b="0" dirty="0" smtClean="0"/>
+            <a:endParaRPr lang="en-US" sz="1800" b="0" dirty="0"/>
           </a:p>
           <a:p>
             <a:pPr marL="285750" indent="-285750">
@@ -35076,10 +35736,10 @@
               <a:buChar char="-"/>
             </a:pPr>
             <a:r>
-              <a:rPr lang="en-US" sz="1800" b="0" dirty="0" err="1" smtClean="0"/>
+              <a:rPr lang="en-US" sz="1800" b="0" dirty="0" err="1"/>
               <a:t>Samenwerking</a:t>
             </a:r>
-            <a:endParaRPr lang="en-US" sz="1800" b="0" dirty="0" smtClean="0"/>
+            <a:endParaRPr lang="en-US" sz="1800" b="0" dirty="0"/>
           </a:p>
           <a:p>
             <a:endParaRPr lang="en-US" dirty="0"/>
@@ -35102,7 +35762,7 @@
           <a:lstStyle/>
           <a:p>
             <a:fld id="{DB4E9D77-C996-DF40-82BF-4D0EB0C0014F}" type="datetime1">
-              <a:t>11-6-2019</a:t>
+              <a:t>18/06/2019</a:t>
             </a:fld>
             <a:endParaRPr lang="en-US"/>
           </a:p>
@@ -35148,7 +35808,7 @@
           <a:p>
             <a:fld id="{FCA3638F-6D52-644A-9831-93255061F043}" type="slidenum">
               <a:rPr lang="en-US"/>
-              <a:t>21</a:t>
+              <a:t>25</a:t>
             </a:fld>
             <a:endParaRPr lang="en-US"/>
           </a:p>
@@ -35317,7 +35977,7 @@
           </a:lstStyle>
           <a:p>
             <a:r>
-              <a:rPr lang="en-US" sz="1800" b="0" dirty="0" smtClean="0"/>
+              <a:rPr lang="en-US" sz="1800" b="0" dirty="0"/>
               <a:t>- idk </a:t>
             </a:r>
             <a:endParaRPr lang="en-US" dirty="0"/>
@@ -35347,10 +36007,9 @@
           <a:lstStyle/>
           <a:p>
             <a:r>
-              <a:rPr lang="nl-NL" sz="7200" dirty="0" smtClean="0"/>
+              <a:rPr lang="nl-NL" sz="7200" dirty="0"/>
               <a:t>+</a:t>
             </a:r>
-            <a:endParaRPr lang="nl-NL" sz="7200" dirty="0"/>
           </a:p>
         </p:txBody>
       </p:sp>
@@ -35396,17 +36055,10 @@
   <p:transition spd="slow">
     <p:cover/>
   </p:transition>
-  <p:timing>
-    <p:tnLst>
-      <p:par>
-        <p:cTn id="1" dur="indefinite" restart="never" nodeType="tmRoot"/>
-      </p:par>
-    </p:tnLst>
-  </p:timing>
 </p:sld>
 </file>
 
-<file path=ppt/slides/slide22.xml><?xml version="1.0" encoding="utf-8"?>
+<file path=ppt/slides/slide26.xml><?xml version="1.0" encoding="utf-8"?>
 <p:sld xmlns:a="http://schemas.openxmlformats.org/drawingml/2006/main" xmlns:r="http://schemas.openxmlformats.org/officeDocument/2006/relationships" xmlns:p="http://schemas.openxmlformats.org/presentationml/2006/main">
   <p:cSld>
     <p:spTree>
@@ -35439,7 +36091,7 @@
           <a:lstStyle/>
           <a:p>
             <a:r>
-              <a:rPr lang="en-US" dirty="0" err="1" smtClean="0"/>
+              <a:rPr lang="en-US" dirty="0" err="1"/>
               <a:t>Bronnen</a:t>
             </a:r>
             <a:endParaRPr lang="en-US" dirty="0"/>
@@ -35486,7 +36138,7 @@
           <a:lstStyle/>
           <a:p>
             <a:fld id="{DB4E9D77-C996-DF40-82BF-4D0EB0C0014F}" type="datetime1">
-              <a:t>11-6-2019</a:t>
+              <a:t>18/06/2019</a:t>
             </a:fld>
             <a:endParaRPr lang="en-US"/>
           </a:p>
@@ -35532,7 +36184,7 @@
           <a:p>
             <a:fld id="{FCA3638F-6D52-644A-9831-93255061F043}" type="slidenum">
               <a:rPr lang="en-US"/>
-              <a:t>22</a:t>
+              <a:t>26</a:t>
             </a:fld>
             <a:endParaRPr lang="en-US"/>
           </a:p>
@@ -35551,13 +36203,6 @@
   <p:transition spd="slow">
     <p:cover/>
   </p:transition>
-  <p:timing>
-    <p:tnLst>
-      <p:par>
-        <p:cTn id="1" dur="indefinite" restart="never" nodeType="tmRoot"/>
-      </p:par>
-    </p:tnLst>
-  </p:timing>
 </p:sld>
 </file>
 
@@ -35599,10 +36244,9 @@
           <a:lstStyle/>
           <a:p>
             <a:r>
-              <a:rPr lang="en-US" dirty="0" smtClean="0"/>
+              <a:rPr lang="en-US" dirty="0"/>
               <a:t>1.Introductie</a:t>
             </a:r>
-            <a:endParaRPr lang="en-US" dirty="0"/>
           </a:p>
         </p:txBody>
       </p:sp>
@@ -35627,10 +36271,9 @@
           <a:lstStyle/>
           <a:p>
             <a:r>
-              <a:rPr lang="en-US" dirty="0" smtClean="0"/>
+              <a:rPr lang="en-US" dirty="0"/>
               <a:t> </a:t>
             </a:r>
-            <a:endParaRPr lang="en-US" dirty="0"/>
           </a:p>
         </p:txBody>
       </p:sp>
@@ -35650,7 +36293,7 @@
           <a:lstStyle/>
           <a:p>
             <a:fld id="{DB4E9D77-C996-DF40-82BF-4D0EB0C0014F}" type="datetime1">
-              <a:t>11-6-2019</a:t>
+              <a:t>18/06/2019</a:t>
             </a:fld>
             <a:endParaRPr lang="en-US"/>
           </a:p>
@@ -35881,13 +36524,6 @@
   <p:transition spd="slow">
     <p:cover/>
   </p:transition>
-  <p:timing>
-    <p:tnLst>
-      <p:par>
-        <p:cTn id="1" dur="indefinite" restart="never" nodeType="tmRoot"/>
-      </p:par>
-    </p:tnLst>
-  </p:timing>
 </p:sld>
 </file>
 
@@ -35976,7 +36612,7 @@
           <a:p>
             <a:fld id="{36086CE3-90FF-5744-87D8-5D36EE4D91CC}" type="datetime1">
               <a:rPr lang="nl-NL" smtClean="0"/>
-              <a:t>11-6-2019</a:t>
+              <a:t>18-6-2019</a:t>
             </a:fld>
             <a:endParaRPr lang="en-US"/>
           </a:p>
@@ -35998,10 +36634,9 @@
           <a:lstStyle/>
           <a:p>
             <a:r>
-              <a:rPr lang="en-US" smtClean="0"/>
+              <a:rPr lang="en-US"/>
               <a:t>Titel van footer</a:t>
             </a:r>
-            <a:endParaRPr lang="en-US"/>
           </a:p>
         </p:txBody>
       </p:sp>
@@ -36081,10 +36716,9 @@
           <a:lstStyle/>
           <a:p>
             <a:r>
-              <a:rPr lang="nl-NL" sz="1050" b="1" dirty="0" smtClean="0"/>
+              <a:rPr lang="nl-NL" sz="1050" b="1" dirty="0"/>
               <a:t>Fig. 1: Overzichtspagina</a:t>
             </a:r>
-            <a:endParaRPr lang="nl-NL" sz="1050" b="1" dirty="0"/>
           </a:p>
         </p:txBody>
       </p:sp>
@@ -36111,13 +36745,8 @@
           <a:p>
             <a:r>
               <a:rPr lang="nl-NL" sz="1100" b="1" dirty="0"/>
-              <a:t>Fig. </a:t>
+              <a:t>Fig. 2: Groep maken.</a:t>
             </a:r>
-            <a:r>
-              <a:rPr lang="nl-NL" sz="1100" b="1" dirty="0" smtClean="0"/>
-              <a:t>2: Groep maken.</a:t>
-            </a:r>
-            <a:endParaRPr lang="nl-NL" sz="1100" b="1" dirty="0"/>
           </a:p>
         </p:txBody>
       </p:sp>
@@ -36131,13 +36760,6 @@
   <p:clrMapOvr>
     <a:masterClrMapping/>
   </p:clrMapOvr>
-  <p:timing>
-    <p:tnLst>
-      <p:par>
-        <p:cTn id="1" dur="indefinite" restart="never" nodeType="tmRoot"/>
-      </p:par>
-    </p:tnLst>
-  </p:timing>
 </p:sld>
 </file>
 
@@ -36226,7 +36848,7 @@
           <a:p>
             <a:fld id="{36086CE3-90FF-5744-87D8-5D36EE4D91CC}" type="datetime1">
               <a:rPr lang="nl-NL" smtClean="0"/>
-              <a:t>11-6-2019</a:t>
+              <a:t>18-6-2019</a:t>
             </a:fld>
             <a:endParaRPr lang="en-US"/>
           </a:p>
@@ -36248,10 +36870,9 @@
           <a:lstStyle/>
           <a:p>
             <a:r>
-              <a:rPr lang="en-US" smtClean="0"/>
+              <a:rPr lang="en-US"/>
               <a:t>Titel van footer</a:t>
             </a:r>
-            <a:endParaRPr lang="en-US"/>
           </a:p>
         </p:txBody>
       </p:sp>
@@ -36318,13 +36939,6 @@
   <p:clrMapOvr>
     <a:masterClrMapping/>
   </p:clrMapOvr>
-  <p:timing>
-    <p:tnLst>
-      <p:par>
-        <p:cTn id="1" dur="indefinite" restart="never" nodeType="tmRoot"/>
-      </p:par>
-    </p:tnLst>
-  </p:timing>
 </p:sld>
 </file>
 
@@ -36394,10 +37008,9 @@
           <a:lstStyle/>
           <a:p>
             <a:r>
-              <a:rPr lang="en-US" dirty="0" smtClean="0"/>
+              <a:rPr lang="en-US" dirty="0"/>
               <a:t> </a:t>
             </a:r>
-            <a:endParaRPr lang="en-US" dirty="0"/>
           </a:p>
         </p:txBody>
       </p:sp>
@@ -36417,7 +37030,7 @@
           <a:lstStyle/>
           <a:p>
             <a:fld id="{DB4E9D77-C996-DF40-82BF-4D0EB0C0014F}" type="datetime1">
-              <a:t>11-6-2019</a:t>
+              <a:t>18/06/2019</a:t>
             </a:fld>
             <a:endParaRPr lang="en-US"/>
           </a:p>
@@ -36648,13 +37261,6 @@
   <p:transition spd="slow">
     <p:cover/>
   </p:transition>
-  <p:timing>
-    <p:tnLst>
-      <p:par>
-        <p:cTn id="1" dur="indefinite" restart="never" nodeType="tmRoot"/>
-      </p:par>
-    </p:tnLst>
-  </p:timing>
 </p:sld>
 </file>
 
@@ -36691,10 +37297,9 @@
           <a:lstStyle/>
           <a:p>
             <a:r>
-              <a:rPr lang="nl-NL" dirty="0" smtClean="0"/>
+              <a:rPr lang="nl-NL" dirty="0"/>
               <a:t>2.1 Huidige versie</a:t>
             </a:r>
-            <a:endParaRPr lang="nl-NL" dirty="0"/>
           </a:p>
         </p:txBody>
       </p:sp>
@@ -36715,7 +37320,7 @@
           <a:p>
             <a:fld id="{E5FDB7F4-B6ED-1748-9D00-406FDAEF6503}" type="datetime1">
               <a:rPr lang="nl-NL" smtClean="0"/>
-              <a:t>11-6-2019</a:t>
+              <a:t>18-6-2019</a:t>
             </a:fld>
             <a:endParaRPr lang="en-US"/>
           </a:p>
@@ -36802,13 +37407,6 @@
   <p:transition spd="slow">
     <p:cover/>
   </p:transition>
-  <p:timing>
-    <p:tnLst>
-      <p:par>
-        <p:cTn id="1" dur="indefinite" restart="never" nodeType="tmRoot"/>
-      </p:par>
-    </p:tnLst>
-  </p:timing>
 </p:sld>
 </file>
 
@@ -36845,10 +37443,9 @@
           <a:lstStyle/>
           <a:p>
             <a:r>
-              <a:rPr lang="nl-NL" dirty="0" smtClean="0"/>
+              <a:rPr lang="nl-NL" dirty="0"/>
               <a:t>2.2 Nieuwe versie </a:t>
             </a:r>
-            <a:endParaRPr lang="nl-NL" dirty="0"/>
           </a:p>
         </p:txBody>
       </p:sp>
@@ -36927,7 +37524,7 @@
           <a:p>
             <a:fld id="{E5FDB7F4-B6ED-1748-9D00-406FDAEF6503}" type="datetime1">
               <a:rPr lang="nl-NL" smtClean="0"/>
-              <a:t>11-6-2019</a:t>
+              <a:t>18-6-2019</a:t>
             </a:fld>
             <a:endParaRPr lang="nl-NL"/>
           </a:p>
@@ -36949,10 +37546,9 @@
           <a:lstStyle/>
           <a:p>
             <a:r>
-              <a:rPr lang="en-US" smtClean="0"/>
+              <a:rPr lang="en-US"/>
               <a:t>Titel van footer</a:t>
             </a:r>
-            <a:endParaRPr lang="en-US"/>
           </a:p>
         </p:txBody>
       </p:sp>
@@ -37045,13 +37641,6 @@
   <p:clrMapOvr>
     <a:masterClrMapping/>
   </p:clrMapOvr>
-  <p:timing>
-    <p:tnLst>
-      <p:par>
-        <p:cTn id="1" dur="indefinite" restart="never" nodeType="tmRoot"/>
-      </p:par>
-    </p:tnLst>
-  </p:timing>
 </p:sld>
 </file>
 
@@ -37088,10 +37677,9 @@
           <a:lstStyle/>
           <a:p>
             <a:r>
-              <a:rPr lang="nl-NL" dirty="0" smtClean="0"/>
+              <a:rPr lang="nl-NL" dirty="0"/>
               <a:t>2.Applicatie structuur </a:t>
             </a:r>
-            <a:endParaRPr lang="nl-NL" dirty="0"/>
           </a:p>
         </p:txBody>
       </p:sp>
@@ -37112,7 +37700,7 @@
           <a:p>
             <a:fld id="{36086CE3-90FF-5744-87D8-5D36EE4D91CC}" type="datetime1">
               <a:rPr lang="nl-NL" smtClean="0"/>
-              <a:t>11-6-2019</a:t>
+              <a:t>18-6-2019</a:t>
             </a:fld>
             <a:endParaRPr lang="en-US"/>
           </a:p>
@@ -37326,28 +37914,28 @@
             </a:lvl9pPr>
           </a:lstStyle>
           <a:p>
-            <a:endParaRPr lang="nl-NL" dirty="0" smtClean="0"/>
+            <a:endParaRPr lang="nl-NL" dirty="0"/>
           </a:p>
           <a:p>
             <a:pPr marL="457200" indent="-457200">
               <a:buFontTx/>
               <a:buChar char="-"/>
             </a:pPr>
-            <a:endParaRPr lang="nl-NL" dirty="0" smtClean="0"/>
+            <a:endParaRPr lang="nl-NL" dirty="0"/>
           </a:p>
           <a:p>
             <a:pPr marL="457200" indent="-457200">
               <a:buFontTx/>
               <a:buChar char="-"/>
             </a:pPr>
-            <a:endParaRPr lang="nl-NL" dirty="0" smtClean="0"/>
+            <a:endParaRPr lang="nl-NL" dirty="0"/>
           </a:p>
           <a:p>
             <a:pPr marL="457200" indent="-457200">
               <a:buFontTx/>
               <a:buChar char="-"/>
             </a:pPr>
-            <a:endParaRPr lang="nl-NL" dirty="0" smtClean="0"/>
+            <a:endParaRPr lang="nl-NL" dirty="0"/>
           </a:p>
           <a:p>
             <a:pPr marL="457200" indent="-457200">
@@ -37393,13 +37981,6 @@
   <p:transition spd="slow">
     <p:cover/>
   </p:transition>
-  <p:timing>
-    <p:tnLst>
-      <p:par>
-        <p:cTn id="1" dur="indefinite" restart="never" nodeType="tmRoot"/>
-      </p:par>
-    </p:tnLst>
-  </p:timing>
 </p:sld>
 </file>
 

--- a/Presentatie/Projecten 1.pptx
+++ b/Presentatie/Projecten 1.pptx
@@ -11,10 +11,10 @@
     <p:sldMasterId id="2147483688" r:id="rId7"/>
   </p:sldMasterIdLst>
   <p:notesMasterIdLst>
-    <p:notesMasterId r:id="rId30"/>
+    <p:notesMasterId r:id="rId31"/>
   </p:notesMasterIdLst>
   <p:handoutMasterIdLst>
-    <p:handoutMasterId r:id="rId31"/>
+    <p:handoutMasterId r:id="rId32"/>
   </p:handoutMasterIdLst>
   <p:sldIdLst>
     <p:sldId id="260" r:id="rId8"/>
@@ -36,9 +36,10 @@
     <p:sldId id="289" r:id="rId24"/>
     <p:sldId id="290" r:id="rId25"/>
     <p:sldId id="287" r:id="rId26"/>
-    <p:sldId id="276" r:id="rId27"/>
-    <p:sldId id="270" r:id="rId28"/>
-    <p:sldId id="268" r:id="rId29"/>
+    <p:sldId id="291" r:id="rId27"/>
+    <p:sldId id="276" r:id="rId28"/>
+    <p:sldId id="270" r:id="rId29"/>
+    <p:sldId id="268" r:id="rId30"/>
   </p:sldIdLst>
   <p:sldSz cx="9144000" cy="6858000" type="screen4x3"/>
   <p:notesSz cx="6858000" cy="9144000"/>
@@ -139,7 +140,7 @@
   </p:defaultTextStyle>
   <p:extLst>
     <p:ext uri="{EFAFB233-063F-42B5-8137-9DF3F51BA10A}">
-      <p15:sldGuideLst xmlns:p15="http://schemas.microsoft.com/office/powerpoint/2012/main" xmlns="">
+      <p15:sldGuideLst xmlns:p15="http://schemas.microsoft.com/office/powerpoint/2012/main">
         <p15:guide id="1" orient="horz" pos="649">
           <p15:clr>
             <a:srgbClr val="A4A3A4"/>
@@ -4257,10 +4258,9 @@
         <a:lstStyle/>
         <a:p>
           <a:r>
-            <a:rPr lang="nl-NL" dirty="0" smtClean="0"/>
+            <a:rPr lang="nl-NL" dirty="0"/>
             <a:t>Login</a:t>
           </a:r>
-          <a:endParaRPr lang="nl-NL" dirty="0"/>
         </a:p>
       </dgm:t>
     </dgm:pt>
@@ -4294,10 +4294,9 @@
         <a:lstStyle/>
         <a:p>
           <a:r>
-            <a:rPr lang="nl-NL" dirty="0" smtClean="0"/>
+            <a:rPr lang="nl-NL" dirty="0"/>
             <a:t>Voorstellen bekijken</a:t>
           </a:r>
-          <a:endParaRPr lang="nl-NL" dirty="0"/>
         </a:p>
       </dgm:t>
     </dgm:pt>
@@ -4331,10 +4330,9 @@
         <a:lstStyle/>
         <a:p>
           <a:r>
-            <a:rPr lang="nl-NL" dirty="0" smtClean="0"/>
+            <a:rPr lang="nl-NL" dirty="0"/>
             <a:t>Nieuw voorstel</a:t>
           </a:r>
-          <a:endParaRPr lang="nl-NL" dirty="0"/>
         </a:p>
       </dgm:t>
     </dgm:pt>
@@ -4368,10 +4366,9 @@
         <a:lstStyle/>
         <a:p>
           <a:r>
-            <a:rPr lang="nl-NL" dirty="0" smtClean="0"/>
+            <a:rPr lang="nl-NL" dirty="0"/>
             <a:t>Groep maken</a:t>
           </a:r>
-          <a:endParaRPr lang="nl-NL" dirty="0"/>
         </a:p>
       </dgm:t>
     </dgm:pt>
@@ -4405,10 +4402,9 @@
         <a:lstStyle/>
         <a:p>
           <a:r>
-            <a:rPr lang="nl-NL" dirty="0" smtClean="0"/>
+            <a:rPr lang="nl-NL" dirty="0"/>
             <a:t>Reactie toevoegen</a:t>
           </a:r>
-          <a:endParaRPr lang="nl-NL" dirty="0"/>
         </a:p>
       </dgm:t>
     </dgm:pt>
@@ -4442,10 +4438,9 @@
         <a:lstStyle/>
         <a:p>
           <a:r>
-            <a:rPr lang="nl-NL" dirty="0" smtClean="0"/>
+            <a:rPr lang="nl-NL" dirty="0"/>
             <a:t>Goed- of afkeuren</a:t>
           </a:r>
-          <a:endParaRPr lang="nl-NL" dirty="0"/>
         </a:p>
       </dgm:t>
     </dgm:pt>
@@ -4483,13 +4478,6 @@
         </dgm:presLayoutVars>
       </dgm:prSet>
       <dgm:spPr/>
-      <dgm:t>
-        <a:bodyPr/>
-        <a:lstStyle/>
-        <a:p>
-          <a:endParaRPr lang="nl-NL"/>
-        </a:p>
-      </dgm:t>
     </dgm:pt>
     <dgm:pt modelId="{B8B73F80-EEBF-414A-8F74-24716596903A}" type="pres">
       <dgm:prSet presAssocID="{C444261A-926F-44E0-BBD9-CC677B1A73B9}" presName="hierRoot1" presStyleCnt="0">
@@ -4510,24 +4498,10 @@
         </dgm:presLayoutVars>
       </dgm:prSet>
       <dgm:spPr/>
-      <dgm:t>
-        <a:bodyPr/>
-        <a:lstStyle/>
-        <a:p>
-          <a:endParaRPr lang="nl-NL"/>
-        </a:p>
-      </dgm:t>
     </dgm:pt>
     <dgm:pt modelId="{0DD2ABD2-D03B-4068-978D-2D43E966B489}" type="pres">
       <dgm:prSet presAssocID="{C444261A-926F-44E0-BBD9-CC677B1A73B9}" presName="rootConnector1" presStyleLbl="node1" presStyleIdx="0" presStyleCnt="0"/>
       <dgm:spPr/>
-      <dgm:t>
-        <a:bodyPr/>
-        <a:lstStyle/>
-        <a:p>
-          <a:endParaRPr lang="nl-NL"/>
-        </a:p>
-      </dgm:t>
     </dgm:pt>
     <dgm:pt modelId="{637A39D2-EEFF-4B43-B0B0-830EEA6BAC40}" type="pres">
       <dgm:prSet presAssocID="{C444261A-926F-44E0-BBD9-CC677B1A73B9}" presName="hierChild2" presStyleCnt="0"/>
@@ -4536,13 +4510,6 @@
     <dgm:pt modelId="{C9C0A820-DF8B-4A08-A5C4-F40A93E58FA8}" type="pres">
       <dgm:prSet presAssocID="{CD8CC0F1-EC89-4149-8395-A13887666B06}" presName="Name37" presStyleLbl="parChTrans1D2" presStyleIdx="0" presStyleCnt="3"/>
       <dgm:spPr/>
-      <dgm:t>
-        <a:bodyPr/>
-        <a:lstStyle/>
-        <a:p>
-          <a:endParaRPr lang="nl-NL"/>
-        </a:p>
-      </dgm:t>
     </dgm:pt>
     <dgm:pt modelId="{582FD181-9328-4990-BEA2-49F3370E9798}" type="pres">
       <dgm:prSet presAssocID="{24B60714-2FF8-4B30-BC3A-24ACCFF73505}" presName="hierRoot2" presStyleCnt="0">
@@ -4563,24 +4530,10 @@
         </dgm:presLayoutVars>
       </dgm:prSet>
       <dgm:spPr/>
-      <dgm:t>
-        <a:bodyPr/>
-        <a:lstStyle/>
-        <a:p>
-          <a:endParaRPr lang="nl-NL"/>
-        </a:p>
-      </dgm:t>
     </dgm:pt>
     <dgm:pt modelId="{12B8324C-ECAA-4CF5-8BEF-9CC06716A4CE}" type="pres">
       <dgm:prSet presAssocID="{24B60714-2FF8-4B30-BC3A-24ACCFF73505}" presName="rootConnector" presStyleLbl="node2" presStyleIdx="0" presStyleCnt="3"/>
       <dgm:spPr/>
-      <dgm:t>
-        <a:bodyPr/>
-        <a:lstStyle/>
-        <a:p>
-          <a:endParaRPr lang="nl-NL"/>
-        </a:p>
-      </dgm:t>
     </dgm:pt>
     <dgm:pt modelId="{8D5577B6-3877-4C53-96F0-711EEBFEE3C2}" type="pres">
       <dgm:prSet presAssocID="{24B60714-2FF8-4B30-BC3A-24ACCFF73505}" presName="hierChild4" presStyleCnt="0"/>
@@ -4589,13 +4542,6 @@
     <dgm:pt modelId="{CA6D404C-0A8D-4407-8F94-C3CE79AE0DDF}" type="pres">
       <dgm:prSet presAssocID="{C678899E-A068-4DE2-86E3-F60AD62E6A77}" presName="Name37" presStyleLbl="parChTrans1D3" presStyleIdx="0" presStyleCnt="2"/>
       <dgm:spPr/>
-      <dgm:t>
-        <a:bodyPr/>
-        <a:lstStyle/>
-        <a:p>
-          <a:endParaRPr lang="nl-NL"/>
-        </a:p>
-      </dgm:t>
     </dgm:pt>
     <dgm:pt modelId="{7A4B9EA1-F790-4AA3-A3BB-2B95B0695778}" type="pres">
       <dgm:prSet presAssocID="{2264899B-16B5-49F3-A7AE-F8A3F60EAD79}" presName="hierRoot2" presStyleCnt="0">
@@ -4616,24 +4562,10 @@
         </dgm:presLayoutVars>
       </dgm:prSet>
       <dgm:spPr/>
-      <dgm:t>
-        <a:bodyPr/>
-        <a:lstStyle/>
-        <a:p>
-          <a:endParaRPr lang="nl-NL"/>
-        </a:p>
-      </dgm:t>
     </dgm:pt>
     <dgm:pt modelId="{4C8B6189-9256-4E06-A5CB-769C16FF41D9}" type="pres">
       <dgm:prSet presAssocID="{2264899B-16B5-49F3-A7AE-F8A3F60EAD79}" presName="rootConnector" presStyleLbl="node3" presStyleIdx="0" presStyleCnt="2"/>
       <dgm:spPr/>
-      <dgm:t>
-        <a:bodyPr/>
-        <a:lstStyle/>
-        <a:p>
-          <a:endParaRPr lang="nl-NL"/>
-        </a:p>
-      </dgm:t>
     </dgm:pt>
     <dgm:pt modelId="{68CB3E32-36D7-4E99-A39B-30785D2D7266}" type="pres">
       <dgm:prSet presAssocID="{2264899B-16B5-49F3-A7AE-F8A3F60EAD79}" presName="hierChild4" presStyleCnt="0"/>
@@ -4650,13 +4582,6 @@
     <dgm:pt modelId="{BC6F9506-0F44-4A4C-AB93-706432B0D796}" type="pres">
       <dgm:prSet presAssocID="{B048637A-5480-4A69-881F-44BD4C9E148D}" presName="Name37" presStyleLbl="parChTrans1D2" presStyleIdx="1" presStyleCnt="3"/>
       <dgm:spPr/>
-      <dgm:t>
-        <a:bodyPr/>
-        <a:lstStyle/>
-        <a:p>
-          <a:endParaRPr lang="nl-NL"/>
-        </a:p>
-      </dgm:t>
     </dgm:pt>
     <dgm:pt modelId="{3086EF58-BAE4-4C59-A592-6FE39A0BD36F}" type="pres">
       <dgm:prSet presAssocID="{2B1479D5-9445-45E0-92BF-7AC071306711}" presName="hierRoot2" presStyleCnt="0">
@@ -4677,24 +4602,10 @@
         </dgm:presLayoutVars>
       </dgm:prSet>
       <dgm:spPr/>
-      <dgm:t>
-        <a:bodyPr/>
-        <a:lstStyle/>
-        <a:p>
-          <a:endParaRPr lang="nl-NL"/>
-        </a:p>
-      </dgm:t>
     </dgm:pt>
     <dgm:pt modelId="{719B166B-1E5F-4888-A753-9ED0A847E65D}" type="pres">
       <dgm:prSet presAssocID="{2B1479D5-9445-45E0-92BF-7AC071306711}" presName="rootConnector" presStyleLbl="node2" presStyleIdx="1" presStyleCnt="3"/>
       <dgm:spPr/>
-      <dgm:t>
-        <a:bodyPr/>
-        <a:lstStyle/>
-        <a:p>
-          <a:endParaRPr lang="nl-NL"/>
-        </a:p>
-      </dgm:t>
     </dgm:pt>
     <dgm:pt modelId="{3EA9EBCE-5E2C-4F03-BC76-EB0FEE828C10}" type="pres">
       <dgm:prSet presAssocID="{2B1479D5-9445-45E0-92BF-7AC071306711}" presName="hierChild4" presStyleCnt="0"/>
@@ -4703,13 +4614,6 @@
     <dgm:pt modelId="{43E00F1A-E5E4-46C3-A127-70AD1CB6BE46}" type="pres">
       <dgm:prSet presAssocID="{5D07F605-10CD-48F3-8750-6300133BC8F5}" presName="Name37" presStyleLbl="parChTrans1D3" presStyleIdx="1" presStyleCnt="2"/>
       <dgm:spPr/>
-      <dgm:t>
-        <a:bodyPr/>
-        <a:lstStyle/>
-        <a:p>
-          <a:endParaRPr lang="nl-NL"/>
-        </a:p>
-      </dgm:t>
     </dgm:pt>
     <dgm:pt modelId="{A2AB9F50-2DC3-4B17-8028-958BD2E516DF}" type="pres">
       <dgm:prSet presAssocID="{B9C6796C-470D-40EE-8AA0-53ABF39DC4C0}" presName="hierRoot2" presStyleCnt="0">
@@ -4730,24 +4634,10 @@
         </dgm:presLayoutVars>
       </dgm:prSet>
       <dgm:spPr/>
-      <dgm:t>
-        <a:bodyPr/>
-        <a:lstStyle/>
-        <a:p>
-          <a:endParaRPr lang="nl-NL"/>
-        </a:p>
-      </dgm:t>
     </dgm:pt>
     <dgm:pt modelId="{770D7277-3970-4194-A718-A6533BD60F6A}" type="pres">
       <dgm:prSet presAssocID="{B9C6796C-470D-40EE-8AA0-53ABF39DC4C0}" presName="rootConnector" presStyleLbl="node3" presStyleIdx="1" presStyleCnt="2"/>
       <dgm:spPr/>
-      <dgm:t>
-        <a:bodyPr/>
-        <a:lstStyle/>
-        <a:p>
-          <a:endParaRPr lang="nl-NL"/>
-        </a:p>
-      </dgm:t>
     </dgm:pt>
     <dgm:pt modelId="{9CB1B098-50A8-4F80-BACE-8941FDD58787}" type="pres">
       <dgm:prSet presAssocID="{B9C6796C-470D-40EE-8AA0-53ABF39DC4C0}" presName="hierChild4" presStyleCnt="0"/>
@@ -4764,13 +4654,6 @@
     <dgm:pt modelId="{17AE36AC-C712-4B8B-BF0F-AC8E00BD03FE}" type="pres">
       <dgm:prSet presAssocID="{3B97E413-E4F0-4C52-8BA6-FB30BFDFD306}" presName="Name37" presStyleLbl="parChTrans1D2" presStyleIdx="2" presStyleCnt="3"/>
       <dgm:spPr/>
-      <dgm:t>
-        <a:bodyPr/>
-        <a:lstStyle/>
-        <a:p>
-          <a:endParaRPr lang="nl-NL"/>
-        </a:p>
-      </dgm:t>
     </dgm:pt>
     <dgm:pt modelId="{A4710D64-F213-4012-88C1-39EC9927625E}" type="pres">
       <dgm:prSet presAssocID="{F6A92AEA-37D3-4254-825D-0F08FB57D737}" presName="hierRoot2" presStyleCnt="0">
@@ -4791,24 +4674,10 @@
         </dgm:presLayoutVars>
       </dgm:prSet>
       <dgm:spPr/>
-      <dgm:t>
-        <a:bodyPr/>
-        <a:lstStyle/>
-        <a:p>
-          <a:endParaRPr lang="nl-NL"/>
-        </a:p>
-      </dgm:t>
     </dgm:pt>
     <dgm:pt modelId="{4BA4801C-995D-4A9D-B14E-4025984C6AE4}" type="pres">
       <dgm:prSet presAssocID="{F6A92AEA-37D3-4254-825D-0F08FB57D737}" presName="rootConnector" presStyleLbl="node2" presStyleIdx="2" presStyleCnt="3"/>
       <dgm:spPr/>
-      <dgm:t>
-        <a:bodyPr/>
-        <a:lstStyle/>
-        <a:p>
-          <a:endParaRPr lang="nl-NL"/>
-        </a:p>
-      </dgm:t>
     </dgm:pt>
     <dgm:pt modelId="{11F97658-29CB-4E8C-BDA5-1365C2826BF9}" type="pres">
       <dgm:prSet presAssocID="{F6A92AEA-37D3-4254-825D-0F08FB57D737}" presName="hierChild4" presStyleCnt="0"/>
@@ -4824,30 +4693,30 @@
     </dgm:pt>
   </dgm:ptLst>
   <dgm:cxnLst>
+    <dgm:cxn modelId="{9B9E1201-66CD-49A8-994A-193031F1DE89}" type="presOf" srcId="{C444261A-926F-44E0-BBD9-CC677B1A73B9}" destId="{FA83A61F-4DAA-4F05-8FD7-158687304BE5}" srcOrd="0" destOrd="0" presId="urn:microsoft.com/office/officeart/2005/8/layout/orgChart1"/>
+    <dgm:cxn modelId="{B3A49024-5ED0-4BDA-9A54-3DE8E58F84F9}" type="presOf" srcId="{24B60714-2FF8-4B30-BC3A-24ACCFF73505}" destId="{12B8324C-ECAA-4CF5-8BEF-9CC06716A4CE}" srcOrd="1" destOrd="0" presId="urn:microsoft.com/office/officeart/2005/8/layout/orgChart1"/>
+    <dgm:cxn modelId="{78382F5C-A6CD-44C3-9552-99CB97A23A2E}" type="presOf" srcId="{B9C6796C-470D-40EE-8AA0-53ABF39DC4C0}" destId="{8E0A11FA-9E03-4B08-A9A6-1C85670E965E}" srcOrd="0" destOrd="0" presId="urn:microsoft.com/office/officeart/2005/8/layout/orgChart1"/>
+    <dgm:cxn modelId="{F2619A5D-0502-4E83-BB06-A8D1C9782342}" srcId="{6C7229DF-A11C-46DE-B48F-813D6695DF8E}" destId="{C444261A-926F-44E0-BBD9-CC677B1A73B9}" srcOrd="0" destOrd="0" parTransId="{217F0151-4360-462E-BCF0-1502409853B6}" sibTransId="{20A4F1A9-76A5-454E-870F-33C7E210D32F}"/>
+    <dgm:cxn modelId="{4EB21361-38B2-4D8E-9AC5-C25B6BB305BE}" type="presOf" srcId="{F6A92AEA-37D3-4254-825D-0F08FB57D737}" destId="{66F44CCB-4E86-4CBF-A0D9-79E9F3EE6678}" srcOrd="0" destOrd="0" presId="urn:microsoft.com/office/officeart/2005/8/layout/orgChart1"/>
+    <dgm:cxn modelId="{6F17B561-F6BC-4B5C-B896-D5258F6D7237}" type="presOf" srcId="{2264899B-16B5-49F3-A7AE-F8A3F60EAD79}" destId="{C116C545-E68A-43F9-9C63-168EF040D110}" srcOrd="0" destOrd="0" presId="urn:microsoft.com/office/officeart/2005/8/layout/orgChart1"/>
+    <dgm:cxn modelId="{649A5E4C-73F9-41E6-AFD2-DC3D75F66C6D}" type="presOf" srcId="{CD8CC0F1-EC89-4149-8395-A13887666B06}" destId="{C9C0A820-DF8B-4A08-A5C4-F40A93E58FA8}" srcOrd="0" destOrd="0" presId="urn:microsoft.com/office/officeart/2005/8/layout/orgChart1"/>
+    <dgm:cxn modelId="{A5776E80-D51D-4775-9F01-B1E8A5029563}" type="presOf" srcId="{B9C6796C-470D-40EE-8AA0-53ABF39DC4C0}" destId="{770D7277-3970-4194-A718-A6533BD60F6A}" srcOrd="1" destOrd="0" presId="urn:microsoft.com/office/officeart/2005/8/layout/orgChart1"/>
+    <dgm:cxn modelId="{CDA02988-4E43-42CA-AC02-6D94E1C6C8BF}" type="presOf" srcId="{6C7229DF-A11C-46DE-B48F-813D6695DF8E}" destId="{C2EDFF9C-2949-4025-9495-CE5398284B83}" srcOrd="0" destOrd="0" presId="urn:microsoft.com/office/officeart/2005/8/layout/orgChart1"/>
+    <dgm:cxn modelId="{5E95C58D-1207-497F-B8FF-89B8A068AC6A}" type="presOf" srcId="{F6A92AEA-37D3-4254-825D-0F08FB57D737}" destId="{4BA4801C-995D-4A9D-B14E-4025984C6AE4}" srcOrd="1" destOrd="0" presId="urn:microsoft.com/office/officeart/2005/8/layout/orgChart1"/>
+    <dgm:cxn modelId="{2BA513A0-1591-472B-97BD-FB678C886BC9}" type="presOf" srcId="{3B97E413-E4F0-4C52-8BA6-FB30BFDFD306}" destId="{17AE36AC-C712-4B8B-BF0F-AC8E00BD03FE}" srcOrd="0" destOrd="0" presId="urn:microsoft.com/office/officeart/2005/8/layout/orgChart1"/>
+    <dgm:cxn modelId="{C69E13B4-E548-4638-8F02-897475DD2E78}" type="presOf" srcId="{B048637A-5480-4A69-881F-44BD4C9E148D}" destId="{BC6F9506-0F44-4A4C-AB93-706432B0D796}" srcOrd="0" destOrd="0" presId="urn:microsoft.com/office/officeart/2005/8/layout/orgChart1"/>
+    <dgm:cxn modelId="{A39F47B6-2299-41F4-B834-34F41D9FF300}" type="presOf" srcId="{2B1479D5-9445-45E0-92BF-7AC071306711}" destId="{36EFA041-32ED-4EC1-B10D-0A7019FCC406}" srcOrd="0" destOrd="0" presId="urn:microsoft.com/office/officeart/2005/8/layout/orgChart1"/>
+    <dgm:cxn modelId="{FE01E4B6-6C76-4F0D-86D2-0A69A1BDEA45}" type="presOf" srcId="{2B1479D5-9445-45E0-92BF-7AC071306711}" destId="{719B166B-1E5F-4888-A753-9ED0A847E65D}" srcOrd="1" destOrd="0" presId="urn:microsoft.com/office/officeart/2005/8/layout/orgChart1"/>
+    <dgm:cxn modelId="{B444C9BD-8043-4ECC-AE79-B09B521B6BC9}" type="presOf" srcId="{2264899B-16B5-49F3-A7AE-F8A3F60EAD79}" destId="{4C8B6189-9256-4E06-A5CB-769C16FF41D9}" srcOrd="1" destOrd="0" presId="urn:microsoft.com/office/officeart/2005/8/layout/orgChart1"/>
+    <dgm:cxn modelId="{B79D07C1-FDBF-4302-86C6-515B9CA411B5}" srcId="{2B1479D5-9445-45E0-92BF-7AC071306711}" destId="{B9C6796C-470D-40EE-8AA0-53ABF39DC4C0}" srcOrd="0" destOrd="0" parTransId="{5D07F605-10CD-48F3-8750-6300133BC8F5}" sibTransId="{BD0868B6-3313-422A-AF8F-C4BD2F3C354A}"/>
+    <dgm:cxn modelId="{3DBAC9C1-05A0-4D13-AB32-8D7EE93EC26A}" srcId="{24B60714-2FF8-4B30-BC3A-24ACCFF73505}" destId="{2264899B-16B5-49F3-A7AE-F8A3F60EAD79}" srcOrd="0" destOrd="0" parTransId="{C678899E-A068-4DE2-86E3-F60AD62E6A77}" sibTransId="{F2436F2A-8576-48D2-A195-10E9CDB67954}"/>
+    <dgm:cxn modelId="{8C1849C5-A86D-4816-BC32-8FEAC87959F8}" srcId="{C444261A-926F-44E0-BBD9-CC677B1A73B9}" destId="{24B60714-2FF8-4B30-BC3A-24ACCFF73505}" srcOrd="0" destOrd="0" parTransId="{CD8CC0F1-EC89-4149-8395-A13887666B06}" sibTransId="{9A84CD74-2CC0-4B16-B1F7-102143C1CB3A}"/>
     <dgm:cxn modelId="{9955A6D2-216A-490E-BF0C-D58A1574C861}" srcId="{C444261A-926F-44E0-BBD9-CC677B1A73B9}" destId="{2B1479D5-9445-45E0-92BF-7AC071306711}" srcOrd="1" destOrd="0" parTransId="{B048637A-5480-4A69-881F-44BD4C9E148D}" sibTransId="{D923AEEB-0316-4C68-B699-75EBD3A7F2AA}"/>
-    <dgm:cxn modelId="{B79D07C1-FDBF-4302-86C6-515B9CA411B5}" srcId="{2B1479D5-9445-45E0-92BF-7AC071306711}" destId="{B9C6796C-470D-40EE-8AA0-53ABF39DC4C0}" srcOrd="0" destOrd="0" parTransId="{5D07F605-10CD-48F3-8750-6300133BC8F5}" sibTransId="{BD0868B6-3313-422A-AF8F-C4BD2F3C354A}"/>
-    <dgm:cxn modelId="{4EB21361-38B2-4D8E-9AC5-C25B6BB305BE}" type="presOf" srcId="{F6A92AEA-37D3-4254-825D-0F08FB57D737}" destId="{66F44CCB-4E86-4CBF-A0D9-79E9F3EE6678}" srcOrd="0" destOrd="0" presId="urn:microsoft.com/office/officeart/2005/8/layout/orgChart1"/>
-    <dgm:cxn modelId="{3DBAC9C1-05A0-4D13-AB32-8D7EE93EC26A}" srcId="{24B60714-2FF8-4B30-BC3A-24ACCFF73505}" destId="{2264899B-16B5-49F3-A7AE-F8A3F60EAD79}" srcOrd="0" destOrd="0" parTransId="{C678899E-A068-4DE2-86E3-F60AD62E6A77}" sibTransId="{F2436F2A-8576-48D2-A195-10E9CDB67954}"/>
-    <dgm:cxn modelId="{78382F5C-A6CD-44C3-9552-99CB97A23A2E}" type="presOf" srcId="{B9C6796C-470D-40EE-8AA0-53ABF39DC4C0}" destId="{8E0A11FA-9E03-4B08-A9A6-1C85670E965E}" srcOrd="0" destOrd="0" presId="urn:microsoft.com/office/officeart/2005/8/layout/orgChart1"/>
-    <dgm:cxn modelId="{FE01E4B6-6C76-4F0D-86D2-0A69A1BDEA45}" type="presOf" srcId="{2B1479D5-9445-45E0-92BF-7AC071306711}" destId="{719B166B-1E5F-4888-A753-9ED0A847E65D}" srcOrd="1" destOrd="0" presId="urn:microsoft.com/office/officeart/2005/8/layout/orgChart1"/>
-    <dgm:cxn modelId="{649A5E4C-73F9-41E6-AFD2-DC3D75F66C6D}" type="presOf" srcId="{CD8CC0F1-EC89-4149-8395-A13887666B06}" destId="{C9C0A820-DF8B-4A08-A5C4-F40A93E58FA8}" srcOrd="0" destOrd="0" presId="urn:microsoft.com/office/officeart/2005/8/layout/orgChart1"/>
-    <dgm:cxn modelId="{9B9E1201-66CD-49A8-994A-193031F1DE89}" type="presOf" srcId="{C444261A-926F-44E0-BBD9-CC677B1A73B9}" destId="{FA83A61F-4DAA-4F05-8FD7-158687304BE5}" srcOrd="0" destOrd="0" presId="urn:microsoft.com/office/officeart/2005/8/layout/orgChart1"/>
-    <dgm:cxn modelId="{1DDBEFFA-D026-4C44-8B04-D0CECAB75322}" srcId="{C444261A-926F-44E0-BBD9-CC677B1A73B9}" destId="{F6A92AEA-37D3-4254-825D-0F08FB57D737}" srcOrd="2" destOrd="0" parTransId="{3B97E413-E4F0-4C52-8BA6-FB30BFDFD306}" sibTransId="{99EE6CB8-2A4C-4822-BA25-BB2931DA02F0}"/>
-    <dgm:cxn modelId="{A5776E80-D51D-4775-9F01-B1E8A5029563}" type="presOf" srcId="{B9C6796C-470D-40EE-8AA0-53ABF39DC4C0}" destId="{770D7277-3970-4194-A718-A6533BD60F6A}" srcOrd="1" destOrd="0" presId="urn:microsoft.com/office/officeart/2005/8/layout/orgChart1"/>
-    <dgm:cxn modelId="{B444C9BD-8043-4ECC-AE79-B09B521B6BC9}" type="presOf" srcId="{2264899B-16B5-49F3-A7AE-F8A3F60EAD79}" destId="{4C8B6189-9256-4E06-A5CB-769C16FF41D9}" srcOrd="1" destOrd="0" presId="urn:microsoft.com/office/officeart/2005/8/layout/orgChart1"/>
-    <dgm:cxn modelId="{F2619A5D-0502-4E83-BB06-A8D1C9782342}" srcId="{6C7229DF-A11C-46DE-B48F-813D6695DF8E}" destId="{C444261A-926F-44E0-BBD9-CC677B1A73B9}" srcOrd="0" destOrd="0" parTransId="{217F0151-4360-462E-BCF0-1502409853B6}" sibTransId="{20A4F1A9-76A5-454E-870F-33C7E210D32F}"/>
-    <dgm:cxn modelId="{8C1849C5-A86D-4816-BC32-8FEAC87959F8}" srcId="{C444261A-926F-44E0-BBD9-CC677B1A73B9}" destId="{24B60714-2FF8-4B30-BC3A-24ACCFF73505}" srcOrd="0" destOrd="0" parTransId="{CD8CC0F1-EC89-4149-8395-A13887666B06}" sibTransId="{9A84CD74-2CC0-4B16-B1F7-102143C1CB3A}"/>
-    <dgm:cxn modelId="{5E95C58D-1207-497F-B8FF-89B8A068AC6A}" type="presOf" srcId="{F6A92AEA-37D3-4254-825D-0F08FB57D737}" destId="{4BA4801C-995D-4A9D-B14E-4025984C6AE4}" srcOrd="1" destOrd="0" presId="urn:microsoft.com/office/officeart/2005/8/layout/orgChart1"/>
-    <dgm:cxn modelId="{8ECC85E7-DDB2-47A3-8CB2-455C4A19CCB9}" type="presOf" srcId="{C444261A-926F-44E0-BBD9-CC677B1A73B9}" destId="{0DD2ABD2-D03B-4068-978D-2D43E966B489}" srcOrd="1" destOrd="0" presId="urn:microsoft.com/office/officeart/2005/8/layout/orgChart1"/>
-    <dgm:cxn modelId="{A39F47B6-2299-41F4-B834-34F41D9FF300}" type="presOf" srcId="{2B1479D5-9445-45E0-92BF-7AC071306711}" destId="{36EFA041-32ED-4EC1-B10D-0A7019FCC406}" srcOrd="0" destOrd="0" presId="urn:microsoft.com/office/officeart/2005/8/layout/orgChart1"/>
-    <dgm:cxn modelId="{C69E13B4-E548-4638-8F02-897475DD2E78}" type="presOf" srcId="{B048637A-5480-4A69-881F-44BD4C9E148D}" destId="{BC6F9506-0F44-4A4C-AB93-706432B0D796}" srcOrd="0" destOrd="0" presId="urn:microsoft.com/office/officeart/2005/8/layout/orgChart1"/>
-    <dgm:cxn modelId="{6F17B561-F6BC-4B5C-B896-D5258F6D7237}" type="presOf" srcId="{2264899B-16B5-49F3-A7AE-F8A3F60EAD79}" destId="{C116C545-E68A-43F9-9C63-168EF040D110}" srcOrd="0" destOrd="0" presId="urn:microsoft.com/office/officeart/2005/8/layout/orgChart1"/>
-    <dgm:cxn modelId="{84D37BF1-20A4-4D4B-853E-14DA2F3127BF}" type="presOf" srcId="{C678899E-A068-4DE2-86E3-F60AD62E6A77}" destId="{CA6D404C-0A8D-4407-8F94-C3CE79AE0DDF}" srcOrd="0" destOrd="0" presId="urn:microsoft.com/office/officeart/2005/8/layout/orgChart1"/>
-    <dgm:cxn modelId="{2BA513A0-1591-472B-97BD-FB678C886BC9}" type="presOf" srcId="{3B97E413-E4F0-4C52-8BA6-FB30BFDFD306}" destId="{17AE36AC-C712-4B8B-BF0F-AC8E00BD03FE}" srcOrd="0" destOrd="0" presId="urn:microsoft.com/office/officeart/2005/8/layout/orgChart1"/>
-    <dgm:cxn modelId="{B3A49024-5ED0-4BDA-9A54-3DE8E58F84F9}" type="presOf" srcId="{24B60714-2FF8-4B30-BC3A-24ACCFF73505}" destId="{12B8324C-ECAA-4CF5-8BEF-9CC06716A4CE}" srcOrd="1" destOrd="0" presId="urn:microsoft.com/office/officeart/2005/8/layout/orgChart1"/>
     <dgm:cxn modelId="{0D0842D3-F575-4CE2-85C6-683477E604B7}" type="presOf" srcId="{5D07F605-10CD-48F3-8750-6300133BC8F5}" destId="{43E00F1A-E5E4-46C3-A127-70AD1CB6BE46}" srcOrd="0" destOrd="0" presId="urn:microsoft.com/office/officeart/2005/8/layout/orgChart1"/>
     <dgm:cxn modelId="{5DC958E1-D81C-48EA-B6FF-2EB5A6A839B5}" type="presOf" srcId="{24B60714-2FF8-4B30-BC3A-24ACCFF73505}" destId="{DA506C74-A524-41B6-8A97-08D2AC21D8A6}" srcOrd="0" destOrd="0" presId="urn:microsoft.com/office/officeart/2005/8/layout/orgChart1"/>
-    <dgm:cxn modelId="{CDA02988-4E43-42CA-AC02-6D94E1C6C8BF}" type="presOf" srcId="{6C7229DF-A11C-46DE-B48F-813D6695DF8E}" destId="{C2EDFF9C-2949-4025-9495-CE5398284B83}" srcOrd="0" destOrd="0" presId="urn:microsoft.com/office/officeart/2005/8/layout/orgChart1"/>
+    <dgm:cxn modelId="{8ECC85E7-DDB2-47A3-8CB2-455C4A19CCB9}" type="presOf" srcId="{C444261A-926F-44E0-BBD9-CC677B1A73B9}" destId="{0DD2ABD2-D03B-4068-978D-2D43E966B489}" srcOrd="1" destOrd="0" presId="urn:microsoft.com/office/officeart/2005/8/layout/orgChart1"/>
+    <dgm:cxn modelId="{84D37BF1-20A4-4D4B-853E-14DA2F3127BF}" type="presOf" srcId="{C678899E-A068-4DE2-86E3-F60AD62E6A77}" destId="{CA6D404C-0A8D-4407-8F94-C3CE79AE0DDF}" srcOrd="0" destOrd="0" presId="urn:microsoft.com/office/officeart/2005/8/layout/orgChart1"/>
+    <dgm:cxn modelId="{1DDBEFFA-D026-4C44-8B04-D0CECAB75322}" srcId="{C444261A-926F-44E0-BBD9-CC677B1A73B9}" destId="{F6A92AEA-37D3-4254-825D-0F08FB57D737}" srcOrd="2" destOrd="0" parTransId="{3B97E413-E4F0-4C52-8BA6-FB30BFDFD306}" sibTransId="{99EE6CB8-2A4C-4822-BA25-BB2931DA02F0}"/>
     <dgm:cxn modelId="{E985449D-8112-452D-BC9A-7CF7719F25D5}" type="presParOf" srcId="{C2EDFF9C-2949-4025-9495-CE5398284B83}" destId="{B8B73F80-EEBF-414A-8F74-24716596903A}" srcOrd="0" destOrd="0" presId="urn:microsoft.com/office/officeart/2005/8/layout/orgChart1"/>
     <dgm:cxn modelId="{F86897BD-86FE-48B6-B026-1035216C22FA}" type="presParOf" srcId="{B8B73F80-EEBF-414A-8F74-24716596903A}" destId="{58DE9239-8E91-44BA-B039-A2B3A1160E63}" srcOrd="0" destOrd="0" presId="urn:microsoft.com/office/officeart/2005/8/layout/orgChart1"/>
     <dgm:cxn modelId="{000F47AD-48C1-40B0-BCD6-22EC02974F85}" type="presParOf" srcId="{58DE9239-8E91-44BA-B039-A2B3A1160E63}" destId="{FA83A61F-4DAA-4F05-8FD7-158687304BE5}" srcOrd="0" destOrd="0" presId="urn:microsoft.com/office/officeart/2005/8/layout/orgChart1"/>
@@ -4922,10 +4791,9 @@
         <a:lstStyle/>
         <a:p>
           <a:r>
-            <a:rPr lang="nl-NL" dirty="0" smtClean="0"/>
+            <a:rPr lang="nl-NL" dirty="0"/>
             <a:t>Docent</a:t>
           </a:r>
-          <a:endParaRPr lang="nl-NL" dirty="0"/>
         </a:p>
       </dgm:t>
     </dgm:pt>
@@ -4959,10 +4827,9 @@
         <a:lstStyle/>
         <a:p>
           <a:r>
-            <a:rPr lang="nl-NL" dirty="0" smtClean="0"/>
+            <a:rPr lang="nl-NL" dirty="0"/>
             <a:t>Goedkeuring</a:t>
           </a:r>
-          <a:endParaRPr lang="nl-NL" dirty="0"/>
         </a:p>
       </dgm:t>
     </dgm:pt>
@@ -5000,10 +4867,9 @@
         <a:lstStyle/>
         <a:p>
           <a:r>
-            <a:rPr lang="nl-NL" dirty="0" smtClean="0"/>
+            <a:rPr lang="nl-NL" dirty="0"/>
             <a:t>Student</a:t>
           </a:r>
-          <a:endParaRPr lang="nl-NL" dirty="0"/>
         </a:p>
       </dgm:t>
     </dgm:pt>
@@ -5041,10 +4907,9 @@
         <a:lstStyle/>
         <a:p>
           <a:r>
-            <a:rPr lang="nl-NL" dirty="0" smtClean="0"/>
+            <a:rPr lang="nl-NL" dirty="0"/>
             <a:t>Voorstel indienen</a:t>
           </a:r>
-          <a:endParaRPr lang="nl-NL" dirty="0"/>
         </a:p>
       </dgm:t>
     </dgm:pt>
@@ -5078,10 +4943,9 @@
         <a:lstStyle/>
         <a:p>
           <a:r>
-            <a:rPr lang="nl-NL" dirty="0" smtClean="0"/>
+            <a:rPr lang="nl-NL" dirty="0"/>
             <a:t>Afkeuring</a:t>
           </a:r>
-          <a:endParaRPr lang="nl-NL" dirty="0"/>
         </a:p>
       </dgm:t>
     </dgm:pt>
@@ -5119,10 +4983,9 @@
         <a:lstStyle/>
         <a:p>
           <a:r>
-            <a:rPr lang="nl-NL" dirty="0" smtClean="0"/>
+            <a:rPr lang="nl-NL" dirty="0"/>
             <a:t>Belbintest</a:t>
           </a:r>
-          <a:endParaRPr lang="nl-NL" dirty="0"/>
         </a:p>
       </dgm:t>
     </dgm:pt>
@@ -5167,10 +5030,9 @@
         <a:lstStyle/>
         <a:p>
           <a:r>
-            <a:rPr lang="nl-NL" dirty="0" smtClean="0"/>
+            <a:rPr lang="nl-NL" dirty="0"/>
             <a:t>Login</a:t>
           </a:r>
-          <a:endParaRPr lang="nl-NL" dirty="0"/>
         </a:p>
       </dgm:t>
     </dgm:pt>
@@ -5208,10 +5070,9 @@
         <a:lstStyle/>
         <a:p>
           <a:r>
-            <a:rPr lang="nl-NL" dirty="0" smtClean="0"/>
+            <a:rPr lang="nl-NL" dirty="0"/>
             <a:t>Studenten toevoegen</a:t>
           </a:r>
-          <a:endParaRPr lang="nl-NL" dirty="0"/>
         </a:p>
       </dgm:t>
     </dgm:pt>
@@ -5249,10 +5110,9 @@
         <a:lstStyle/>
         <a:p>
           <a:r>
-            <a:rPr lang="nl-NL" dirty="0" smtClean="0"/>
+            <a:rPr lang="nl-NL" dirty="0"/>
             <a:t>Voorstel bewerken</a:t>
           </a:r>
-          <a:endParaRPr lang="nl-NL" dirty="0"/>
         </a:p>
       </dgm:t>
     </dgm:pt>
@@ -5289,13 +5149,6 @@
         </dgm:presLayoutVars>
       </dgm:prSet>
       <dgm:spPr/>
-      <dgm:t>
-        <a:bodyPr/>
-        <a:lstStyle/>
-        <a:p>
-          <a:endParaRPr lang="nl-NL"/>
-        </a:p>
-      </dgm:t>
     </dgm:pt>
     <dgm:pt modelId="{112F1388-F474-41ED-A536-52253DBBBE07}" type="pres">
       <dgm:prSet presAssocID="{538E2320-AE21-4F04-940D-7B3B13AB6268}" presName="root1" presStyleCnt="0"/>
@@ -5308,13 +5161,6 @@
         </dgm:presLayoutVars>
       </dgm:prSet>
       <dgm:spPr/>
-      <dgm:t>
-        <a:bodyPr/>
-        <a:lstStyle/>
-        <a:p>
-          <a:endParaRPr lang="nl-NL"/>
-        </a:p>
-      </dgm:t>
     </dgm:pt>
     <dgm:pt modelId="{C7AF056B-167A-4315-9188-5AFF6D273834}" type="pres">
       <dgm:prSet presAssocID="{538E2320-AE21-4F04-940D-7B3B13AB6268}" presName="level2hierChild" presStyleCnt="0"/>
@@ -5323,24 +5169,10 @@
     <dgm:pt modelId="{CCD514DE-F227-4D1D-84B9-B8881F3CB5DA}" type="pres">
       <dgm:prSet presAssocID="{6C57450D-30C4-42A0-96D1-6DED29BDF488}" presName="conn2-1" presStyleLbl="parChTrans1D2" presStyleIdx="0" presStyleCnt="2"/>
       <dgm:spPr/>
-      <dgm:t>
-        <a:bodyPr/>
-        <a:lstStyle/>
-        <a:p>
-          <a:endParaRPr lang="nl-NL"/>
-        </a:p>
-      </dgm:t>
     </dgm:pt>
     <dgm:pt modelId="{4695EB31-13F0-4F27-BF1B-2A654C950D85}" type="pres">
       <dgm:prSet presAssocID="{6C57450D-30C4-42A0-96D1-6DED29BDF488}" presName="connTx" presStyleLbl="parChTrans1D2" presStyleIdx="0" presStyleCnt="2"/>
       <dgm:spPr/>
-      <dgm:t>
-        <a:bodyPr/>
-        <a:lstStyle/>
-        <a:p>
-          <a:endParaRPr lang="nl-NL"/>
-        </a:p>
-      </dgm:t>
     </dgm:pt>
     <dgm:pt modelId="{52D0BF1A-7F30-43F4-A370-D2E2F710649D}" type="pres">
       <dgm:prSet presAssocID="{FAE4A02A-D21C-4E93-A1BA-747DC4A3B06E}" presName="root2" presStyleCnt="0"/>
@@ -5353,13 +5185,6 @@
         </dgm:presLayoutVars>
       </dgm:prSet>
       <dgm:spPr/>
-      <dgm:t>
-        <a:bodyPr/>
-        <a:lstStyle/>
-        <a:p>
-          <a:endParaRPr lang="nl-NL"/>
-        </a:p>
-      </dgm:t>
     </dgm:pt>
     <dgm:pt modelId="{0C8045B9-7211-4EDE-B009-B45A272C5176}" type="pres">
       <dgm:prSet presAssocID="{FAE4A02A-D21C-4E93-A1BA-747DC4A3B06E}" presName="level3hierChild" presStyleCnt="0"/>
@@ -5368,24 +5193,10 @@
     <dgm:pt modelId="{EAFD987D-4565-448A-9D3F-541AED5B1467}" type="pres">
       <dgm:prSet presAssocID="{E38B7F15-69D4-42A6-9DA1-2D46B779EDCA}" presName="conn2-1" presStyleLbl="parChTrans1D3" presStyleIdx="0" presStyleCnt="6"/>
       <dgm:spPr/>
-      <dgm:t>
-        <a:bodyPr/>
-        <a:lstStyle/>
-        <a:p>
-          <a:endParaRPr lang="nl-NL"/>
-        </a:p>
-      </dgm:t>
     </dgm:pt>
     <dgm:pt modelId="{F09EDED7-8077-46D6-A266-32C89707722A}" type="pres">
       <dgm:prSet presAssocID="{E38B7F15-69D4-42A6-9DA1-2D46B779EDCA}" presName="connTx" presStyleLbl="parChTrans1D3" presStyleIdx="0" presStyleCnt="6"/>
       <dgm:spPr/>
-      <dgm:t>
-        <a:bodyPr/>
-        <a:lstStyle/>
-        <a:p>
-          <a:endParaRPr lang="nl-NL"/>
-        </a:p>
-      </dgm:t>
     </dgm:pt>
     <dgm:pt modelId="{E94C66B9-BAFF-41E5-8187-A7087F919DD3}" type="pres">
       <dgm:prSet presAssocID="{30F43D25-C0DF-4A5C-B833-44CA803F2F0C}" presName="root2" presStyleCnt="0"/>
@@ -5398,13 +5209,6 @@
         </dgm:presLayoutVars>
       </dgm:prSet>
       <dgm:spPr/>
-      <dgm:t>
-        <a:bodyPr/>
-        <a:lstStyle/>
-        <a:p>
-          <a:endParaRPr lang="nl-NL"/>
-        </a:p>
-      </dgm:t>
     </dgm:pt>
     <dgm:pt modelId="{A8497D52-D793-46D5-A886-AF0A080455A0}" type="pres">
       <dgm:prSet presAssocID="{30F43D25-C0DF-4A5C-B833-44CA803F2F0C}" presName="level3hierChild" presStyleCnt="0"/>
@@ -5413,24 +5217,10 @@
     <dgm:pt modelId="{6324FD77-0EC7-4560-A27C-0987F63CFE11}" type="pres">
       <dgm:prSet presAssocID="{A1E0D7C9-58F0-4865-B338-3E558D1308A6}" presName="conn2-1" presStyleLbl="parChTrans1D3" presStyleIdx="1" presStyleCnt="6"/>
       <dgm:spPr/>
-      <dgm:t>
-        <a:bodyPr/>
-        <a:lstStyle/>
-        <a:p>
-          <a:endParaRPr lang="nl-NL"/>
-        </a:p>
-      </dgm:t>
     </dgm:pt>
     <dgm:pt modelId="{877E29C8-1E73-4F0B-8E40-E5CDAD8C07CB}" type="pres">
       <dgm:prSet presAssocID="{A1E0D7C9-58F0-4865-B338-3E558D1308A6}" presName="connTx" presStyleLbl="parChTrans1D3" presStyleIdx="1" presStyleCnt="6"/>
       <dgm:spPr/>
-      <dgm:t>
-        <a:bodyPr/>
-        <a:lstStyle/>
-        <a:p>
-          <a:endParaRPr lang="nl-NL"/>
-        </a:p>
-      </dgm:t>
     </dgm:pt>
     <dgm:pt modelId="{3343CDF8-47A1-44A4-A4E9-CB26F980B3C7}" type="pres">
       <dgm:prSet presAssocID="{33E4F0F8-EBE9-41B0-99C8-A69C6D96AF19}" presName="root2" presStyleCnt="0"/>
@@ -5443,13 +5233,6 @@
         </dgm:presLayoutVars>
       </dgm:prSet>
       <dgm:spPr/>
-      <dgm:t>
-        <a:bodyPr/>
-        <a:lstStyle/>
-        <a:p>
-          <a:endParaRPr lang="nl-NL"/>
-        </a:p>
-      </dgm:t>
     </dgm:pt>
     <dgm:pt modelId="{4B90380C-43D6-4DB2-99FF-18B0B45B2F91}" type="pres">
       <dgm:prSet presAssocID="{33E4F0F8-EBE9-41B0-99C8-A69C6D96AF19}" presName="level3hierChild" presStyleCnt="0"/>
@@ -5458,24 +5241,10 @@
     <dgm:pt modelId="{5A0BD4A4-A1F9-4C33-8329-99DA18C4A77F}" type="pres">
       <dgm:prSet presAssocID="{F967F01C-5307-482E-8F72-B4D3AABCF135}" presName="conn2-1" presStyleLbl="parChTrans1D2" presStyleIdx="1" presStyleCnt="2"/>
       <dgm:spPr/>
-      <dgm:t>
-        <a:bodyPr/>
-        <a:lstStyle/>
-        <a:p>
-          <a:endParaRPr lang="nl-NL"/>
-        </a:p>
-      </dgm:t>
     </dgm:pt>
     <dgm:pt modelId="{5D7149C0-D3CE-4C30-BDCC-7B3DD010F778}" type="pres">
       <dgm:prSet presAssocID="{F967F01C-5307-482E-8F72-B4D3AABCF135}" presName="connTx" presStyleLbl="parChTrans1D2" presStyleIdx="1" presStyleCnt="2"/>
       <dgm:spPr/>
-      <dgm:t>
-        <a:bodyPr/>
-        <a:lstStyle/>
-        <a:p>
-          <a:endParaRPr lang="nl-NL"/>
-        </a:p>
-      </dgm:t>
     </dgm:pt>
     <dgm:pt modelId="{00463F7B-A15D-432E-AAFB-EC40A27900DE}" type="pres">
       <dgm:prSet presAssocID="{320A57A4-C9BF-4982-BAF8-EA139F9982F4}" presName="root2" presStyleCnt="0"/>
@@ -5488,13 +5257,6 @@
         </dgm:presLayoutVars>
       </dgm:prSet>
       <dgm:spPr/>
-      <dgm:t>
-        <a:bodyPr/>
-        <a:lstStyle/>
-        <a:p>
-          <a:endParaRPr lang="nl-NL"/>
-        </a:p>
-      </dgm:t>
     </dgm:pt>
     <dgm:pt modelId="{8A397C54-A0A6-496C-A42E-A55D14360D70}" type="pres">
       <dgm:prSet presAssocID="{320A57A4-C9BF-4982-BAF8-EA139F9982F4}" presName="level3hierChild" presStyleCnt="0"/>
@@ -5503,24 +5265,10 @@
     <dgm:pt modelId="{BE1C2624-510A-401C-B9DF-B5622731BA0E}" type="pres">
       <dgm:prSet presAssocID="{5EEDE10F-6DAF-4C77-A725-6FA934B160F6}" presName="conn2-1" presStyleLbl="parChTrans1D3" presStyleIdx="2" presStyleCnt="6"/>
       <dgm:spPr/>
-      <dgm:t>
-        <a:bodyPr/>
-        <a:lstStyle/>
-        <a:p>
-          <a:endParaRPr lang="nl-NL"/>
-        </a:p>
-      </dgm:t>
     </dgm:pt>
     <dgm:pt modelId="{1463A4C8-3900-4326-9261-7D4C3D2F8631}" type="pres">
       <dgm:prSet presAssocID="{5EEDE10F-6DAF-4C77-A725-6FA934B160F6}" presName="connTx" presStyleLbl="parChTrans1D3" presStyleIdx="2" presStyleCnt="6"/>
       <dgm:spPr/>
-      <dgm:t>
-        <a:bodyPr/>
-        <a:lstStyle/>
-        <a:p>
-          <a:endParaRPr lang="nl-NL"/>
-        </a:p>
-      </dgm:t>
     </dgm:pt>
     <dgm:pt modelId="{AB42ADE6-B547-4D21-A40D-90D05AD3A74F}" type="pres">
       <dgm:prSet presAssocID="{8BF69A4F-B6BB-4A2A-A5C9-0F7D8CD3A375}" presName="root2" presStyleCnt="0"/>
@@ -5533,13 +5281,6 @@
         </dgm:presLayoutVars>
       </dgm:prSet>
       <dgm:spPr/>
-      <dgm:t>
-        <a:bodyPr/>
-        <a:lstStyle/>
-        <a:p>
-          <a:endParaRPr lang="nl-NL"/>
-        </a:p>
-      </dgm:t>
     </dgm:pt>
     <dgm:pt modelId="{F1EC3E18-4FBB-4410-A574-7319DBE96DD1}" type="pres">
       <dgm:prSet presAssocID="{8BF69A4F-B6BB-4A2A-A5C9-0F7D8CD3A375}" presName="level3hierChild" presStyleCnt="0"/>
@@ -5548,24 +5289,10 @@
     <dgm:pt modelId="{E572EEF4-3982-4649-9287-C93D82BB2A67}" type="pres">
       <dgm:prSet presAssocID="{B925AEA0-40F0-4690-9BF6-4A1E48E82E79}" presName="conn2-1" presStyleLbl="parChTrans1D3" presStyleIdx="3" presStyleCnt="6"/>
       <dgm:spPr/>
-      <dgm:t>
-        <a:bodyPr/>
-        <a:lstStyle/>
-        <a:p>
-          <a:endParaRPr lang="nl-NL"/>
-        </a:p>
-      </dgm:t>
     </dgm:pt>
     <dgm:pt modelId="{23F8D530-29C0-4915-A6BE-6E0D0479343F}" type="pres">
       <dgm:prSet presAssocID="{B925AEA0-40F0-4690-9BF6-4A1E48E82E79}" presName="connTx" presStyleLbl="parChTrans1D3" presStyleIdx="3" presStyleCnt="6"/>
       <dgm:spPr/>
-      <dgm:t>
-        <a:bodyPr/>
-        <a:lstStyle/>
-        <a:p>
-          <a:endParaRPr lang="nl-NL"/>
-        </a:p>
-      </dgm:t>
     </dgm:pt>
     <dgm:pt modelId="{001079CF-B338-4C46-BBD5-4CA019FCE66F}" type="pres">
       <dgm:prSet presAssocID="{35E02D4B-7AB3-489A-802E-A6BCE495472E}" presName="root2" presStyleCnt="0"/>
@@ -5578,13 +5305,6 @@
         </dgm:presLayoutVars>
       </dgm:prSet>
       <dgm:spPr/>
-      <dgm:t>
-        <a:bodyPr/>
-        <a:lstStyle/>
-        <a:p>
-          <a:endParaRPr lang="nl-NL"/>
-        </a:p>
-      </dgm:t>
     </dgm:pt>
     <dgm:pt modelId="{A1AACD16-9129-4AA3-B061-3230A92B3264}" type="pres">
       <dgm:prSet presAssocID="{35E02D4B-7AB3-489A-802E-A6BCE495472E}" presName="level3hierChild" presStyleCnt="0"/>
@@ -5593,24 +5313,10 @@
     <dgm:pt modelId="{5735AA61-E36A-499F-9C45-5CBA4FA40E6B}" type="pres">
       <dgm:prSet presAssocID="{CA9A90AC-C9C1-4DC3-85C3-BA6C0055617D}" presName="conn2-1" presStyleLbl="parChTrans1D3" presStyleIdx="4" presStyleCnt="6"/>
       <dgm:spPr/>
-      <dgm:t>
-        <a:bodyPr/>
-        <a:lstStyle/>
-        <a:p>
-          <a:endParaRPr lang="nl-NL"/>
-        </a:p>
-      </dgm:t>
     </dgm:pt>
     <dgm:pt modelId="{FD14EA2E-50CA-40D8-9BEA-5E9AFA0A48A2}" type="pres">
       <dgm:prSet presAssocID="{CA9A90AC-C9C1-4DC3-85C3-BA6C0055617D}" presName="connTx" presStyleLbl="parChTrans1D3" presStyleIdx="4" presStyleCnt="6"/>
       <dgm:spPr/>
-      <dgm:t>
-        <a:bodyPr/>
-        <a:lstStyle/>
-        <a:p>
-          <a:endParaRPr lang="nl-NL"/>
-        </a:p>
-      </dgm:t>
     </dgm:pt>
     <dgm:pt modelId="{2C57CAC3-70D5-4E9B-9F52-CC887A93EF62}" type="pres">
       <dgm:prSet presAssocID="{F6B4A062-33D7-44DC-A99C-9E38B6C267E0}" presName="root2" presStyleCnt="0"/>
@@ -5623,13 +5329,6 @@
         </dgm:presLayoutVars>
       </dgm:prSet>
       <dgm:spPr/>
-      <dgm:t>
-        <a:bodyPr/>
-        <a:lstStyle/>
-        <a:p>
-          <a:endParaRPr lang="nl-NL"/>
-        </a:p>
-      </dgm:t>
     </dgm:pt>
     <dgm:pt modelId="{DF31D6C6-4892-4FBE-8CD2-768182B93A2E}" type="pres">
       <dgm:prSet presAssocID="{F6B4A062-33D7-44DC-A99C-9E38B6C267E0}" presName="level3hierChild" presStyleCnt="0"/>
@@ -5638,24 +5337,10 @@
     <dgm:pt modelId="{7CB8DCC4-0E4E-4ADE-9D92-2EC5C866EBFB}" type="pres">
       <dgm:prSet presAssocID="{D610BEC7-D37F-483B-9892-F11AA1C56375}" presName="conn2-1" presStyleLbl="parChTrans1D3" presStyleIdx="5" presStyleCnt="6"/>
       <dgm:spPr/>
-      <dgm:t>
-        <a:bodyPr/>
-        <a:lstStyle/>
-        <a:p>
-          <a:endParaRPr lang="nl-NL"/>
-        </a:p>
-      </dgm:t>
     </dgm:pt>
     <dgm:pt modelId="{DC787FAA-7D99-4D60-81F9-CBE46DB0A382}" type="pres">
       <dgm:prSet presAssocID="{D610BEC7-D37F-483B-9892-F11AA1C56375}" presName="connTx" presStyleLbl="parChTrans1D3" presStyleIdx="5" presStyleCnt="6"/>
       <dgm:spPr/>
-      <dgm:t>
-        <a:bodyPr/>
-        <a:lstStyle/>
-        <a:p>
-          <a:endParaRPr lang="nl-NL"/>
-        </a:p>
-      </dgm:t>
     </dgm:pt>
     <dgm:pt modelId="{84CF6F77-3E19-4BAC-B573-8F7344EC9421}" type="pres">
       <dgm:prSet presAssocID="{8788B0F7-A35F-4042-91CE-6107ACADE71D}" presName="root2" presStyleCnt="0"/>
@@ -5668,13 +5353,6 @@
         </dgm:presLayoutVars>
       </dgm:prSet>
       <dgm:spPr/>
-      <dgm:t>
-        <a:bodyPr/>
-        <a:lstStyle/>
-        <a:p>
-          <a:endParaRPr lang="nl-NL"/>
-        </a:p>
-      </dgm:t>
     </dgm:pt>
     <dgm:pt modelId="{7288F8B9-B1DE-456F-9ED6-16F01812D675}" type="pres">
       <dgm:prSet presAssocID="{8788B0F7-A35F-4042-91CE-6107ACADE71D}" presName="level3hierChild" presStyleCnt="0"/>
@@ -5682,41 +5360,41 @@
     </dgm:pt>
   </dgm:ptLst>
   <dgm:cxnLst>
+    <dgm:cxn modelId="{2B708A02-890A-4E83-B46A-FD03C63AC88A}" type="presOf" srcId="{18F054AC-5A5B-43C3-A058-29562168C9CA}" destId="{C450F48F-02CE-4A37-AF92-1FEE157A4F45}" srcOrd="0" destOrd="0" presId="urn:microsoft.com/office/officeart/2005/8/layout/hierarchy2"/>
+    <dgm:cxn modelId="{1526730A-0E62-4B72-AC15-140BF88E5B15}" type="presOf" srcId="{5EEDE10F-6DAF-4C77-A725-6FA934B160F6}" destId="{1463A4C8-3900-4326-9261-7D4C3D2F8631}" srcOrd="1" destOrd="0" presId="urn:microsoft.com/office/officeart/2005/8/layout/hierarchy2"/>
+    <dgm:cxn modelId="{8E34240E-E9D1-4551-9D5F-49F7641BDE8D}" type="presOf" srcId="{F967F01C-5307-482E-8F72-B4D3AABCF135}" destId="{5A0BD4A4-A1F9-4C33-8329-99DA18C4A77F}" srcOrd="0" destOrd="0" presId="urn:microsoft.com/office/officeart/2005/8/layout/hierarchy2"/>
+    <dgm:cxn modelId="{C5675F1B-5C99-483C-89B3-9D5AB86B86B5}" type="presOf" srcId="{E38B7F15-69D4-42A6-9DA1-2D46B779EDCA}" destId="{F09EDED7-8077-46D6-A266-32C89707722A}" srcOrd="1" destOrd="0" presId="urn:microsoft.com/office/officeart/2005/8/layout/hierarchy2"/>
+    <dgm:cxn modelId="{BF3B0E26-079C-4DFD-B79F-65D43F526409}" type="presOf" srcId="{A1E0D7C9-58F0-4865-B338-3E558D1308A6}" destId="{6324FD77-0EC7-4560-A27C-0987F63CFE11}" srcOrd="0" destOrd="0" presId="urn:microsoft.com/office/officeart/2005/8/layout/hierarchy2"/>
+    <dgm:cxn modelId="{90AEAB3D-965D-44A2-9EDF-E2513D30A1C0}" srcId="{FAE4A02A-D21C-4E93-A1BA-747DC4A3B06E}" destId="{33E4F0F8-EBE9-41B0-99C8-A69C6D96AF19}" srcOrd="1" destOrd="0" parTransId="{A1E0D7C9-58F0-4865-B338-3E558D1308A6}" sibTransId="{2C4625F4-4A13-44EF-A68A-5180A91BAFB2}"/>
+    <dgm:cxn modelId="{775D8960-5590-434E-B6C1-413BF9CAED8F}" type="presOf" srcId="{6C57450D-30C4-42A0-96D1-6DED29BDF488}" destId="{CCD514DE-F227-4D1D-84B9-B8881F3CB5DA}" srcOrd="0" destOrd="0" presId="urn:microsoft.com/office/officeart/2005/8/layout/hierarchy2"/>
     <dgm:cxn modelId="{47E1D561-013F-4F75-925C-2A9843948FD6}" type="presOf" srcId="{30F43D25-C0DF-4A5C-B833-44CA803F2F0C}" destId="{E224133B-EE50-4100-8608-FFF318E1B533}" srcOrd="0" destOrd="0" presId="urn:microsoft.com/office/officeart/2005/8/layout/hierarchy2"/>
-    <dgm:cxn modelId="{BF3B0E26-079C-4DFD-B79F-65D43F526409}" type="presOf" srcId="{A1E0D7C9-58F0-4865-B338-3E558D1308A6}" destId="{6324FD77-0EC7-4560-A27C-0987F63CFE11}" srcOrd="0" destOrd="0" presId="urn:microsoft.com/office/officeart/2005/8/layout/hierarchy2"/>
+    <dgm:cxn modelId="{97531644-3F38-447C-8BBE-E2863935A73D}" type="presOf" srcId="{538E2320-AE21-4F04-940D-7B3B13AB6268}" destId="{A5835191-13F4-4498-9571-764336BB0D8E}" srcOrd="0" destOrd="0" presId="urn:microsoft.com/office/officeart/2005/8/layout/hierarchy2"/>
+    <dgm:cxn modelId="{494A8E46-7F5C-4A7C-86E5-7E1EEDDF335C}" srcId="{320A57A4-C9BF-4982-BAF8-EA139F9982F4}" destId="{8BF69A4F-B6BB-4A2A-A5C9-0F7D8CD3A375}" srcOrd="0" destOrd="0" parTransId="{5EEDE10F-6DAF-4C77-A725-6FA934B160F6}" sibTransId="{5442433E-20D0-49FF-B82B-B9C622758455}"/>
+    <dgm:cxn modelId="{5FE0806A-832B-4A4B-99BA-CFA2AA8A9B47}" type="presOf" srcId="{D610BEC7-D37F-483B-9892-F11AA1C56375}" destId="{7CB8DCC4-0E4E-4ADE-9D92-2EC5C866EBFB}" srcOrd="0" destOrd="0" presId="urn:microsoft.com/office/officeart/2005/8/layout/hierarchy2"/>
+    <dgm:cxn modelId="{0B0FDC4C-C398-4B8F-81DB-8B8757050AFA}" type="presOf" srcId="{F6B4A062-33D7-44DC-A99C-9E38B6C267E0}" destId="{B270A4FF-1420-4F94-989C-E4FB3B90568C}" srcOrd="0" destOrd="0" presId="urn:microsoft.com/office/officeart/2005/8/layout/hierarchy2"/>
+    <dgm:cxn modelId="{C1BA6B4D-7DF3-4620-98C0-5C1415D9BC7B}" type="presOf" srcId="{33E4F0F8-EBE9-41B0-99C8-A69C6D96AF19}" destId="{71BC05F1-EF0B-441C-BDA7-CD1320D92BC2}" srcOrd="0" destOrd="0" presId="urn:microsoft.com/office/officeart/2005/8/layout/hierarchy2"/>
+    <dgm:cxn modelId="{BB1C8B4E-9CD5-44AD-998D-4EBFDFB1F5E6}" srcId="{320A57A4-C9BF-4982-BAF8-EA139F9982F4}" destId="{F6B4A062-33D7-44DC-A99C-9E38B6C267E0}" srcOrd="2" destOrd="0" parTransId="{CA9A90AC-C9C1-4DC3-85C3-BA6C0055617D}" sibTransId="{58CF61D9-58B4-45B7-9E33-2037DFAD7F8D}"/>
+    <dgm:cxn modelId="{D7285253-3CD6-4A09-9B53-95ED257FBCCC}" type="presOf" srcId="{8BF69A4F-B6BB-4A2A-A5C9-0F7D8CD3A375}" destId="{1E8D4966-D1A9-4DDD-90E1-FB55E7032801}" srcOrd="0" destOrd="0" presId="urn:microsoft.com/office/officeart/2005/8/layout/hierarchy2"/>
+    <dgm:cxn modelId="{89B4EB8E-5025-453A-8371-ED0FCC7D183D}" srcId="{538E2320-AE21-4F04-940D-7B3B13AB6268}" destId="{FAE4A02A-D21C-4E93-A1BA-747DC4A3B06E}" srcOrd="0" destOrd="0" parTransId="{6C57450D-30C4-42A0-96D1-6DED29BDF488}" sibTransId="{E76D61A0-A7F1-4349-866A-9DA5EDA7781B}"/>
+    <dgm:cxn modelId="{88D1A895-DDAC-4E19-812E-770C20A6F3F3}" type="presOf" srcId="{5EEDE10F-6DAF-4C77-A725-6FA934B160F6}" destId="{BE1C2624-510A-401C-B9DF-B5622731BA0E}" srcOrd="0" destOrd="0" presId="urn:microsoft.com/office/officeart/2005/8/layout/hierarchy2"/>
+    <dgm:cxn modelId="{6505BCA6-E9AF-4BD0-8093-E0D088F70175}" type="presOf" srcId="{F967F01C-5307-482E-8F72-B4D3AABCF135}" destId="{5D7149C0-D3CE-4C30-BDCC-7B3DD010F778}" srcOrd="1" destOrd="0" presId="urn:microsoft.com/office/officeart/2005/8/layout/hierarchy2"/>
+    <dgm:cxn modelId="{66DED9BE-872A-44A0-852F-6748958507B1}" type="presOf" srcId="{A1E0D7C9-58F0-4865-B338-3E558D1308A6}" destId="{877E29C8-1E73-4F0B-8E40-E5CDAD8C07CB}" srcOrd="1" destOrd="0" presId="urn:microsoft.com/office/officeart/2005/8/layout/hierarchy2"/>
     <dgm:cxn modelId="{1B3063C0-5DEA-439B-8B1D-3677F0A8BCE0}" type="presOf" srcId="{35E02D4B-7AB3-489A-802E-A6BCE495472E}" destId="{30D3756D-349A-4E5C-96A3-AEE7AE77DBEE}" srcOrd="0" destOrd="0" presId="urn:microsoft.com/office/officeart/2005/8/layout/hierarchy2"/>
-    <dgm:cxn modelId="{5FE0806A-832B-4A4B-99BA-CFA2AA8A9B47}" type="presOf" srcId="{D610BEC7-D37F-483B-9892-F11AA1C56375}" destId="{7CB8DCC4-0E4E-4ADE-9D92-2EC5C866EBFB}" srcOrd="0" destOrd="0" presId="urn:microsoft.com/office/officeart/2005/8/layout/hierarchy2"/>
-    <dgm:cxn modelId="{2B708A02-890A-4E83-B46A-FD03C63AC88A}" type="presOf" srcId="{18F054AC-5A5B-43C3-A058-29562168C9CA}" destId="{C450F48F-02CE-4A37-AF92-1FEE157A4F45}" srcOrd="0" destOrd="0" presId="urn:microsoft.com/office/officeart/2005/8/layout/hierarchy2"/>
-    <dgm:cxn modelId="{6505BCA6-E9AF-4BD0-8093-E0D088F70175}" type="presOf" srcId="{F967F01C-5307-482E-8F72-B4D3AABCF135}" destId="{5D7149C0-D3CE-4C30-BDCC-7B3DD010F778}" srcOrd="1" destOrd="0" presId="urn:microsoft.com/office/officeart/2005/8/layout/hierarchy2"/>
-    <dgm:cxn modelId="{1526730A-0E62-4B72-AC15-140BF88E5B15}" type="presOf" srcId="{5EEDE10F-6DAF-4C77-A725-6FA934B160F6}" destId="{1463A4C8-3900-4326-9261-7D4C3D2F8631}" srcOrd="1" destOrd="0" presId="urn:microsoft.com/office/officeart/2005/8/layout/hierarchy2"/>
+    <dgm:cxn modelId="{0878D1C0-8485-4326-B760-7F24A7758D3C}" type="presOf" srcId="{FAE4A02A-D21C-4E93-A1BA-747DC4A3B06E}" destId="{E0DA5140-1BA9-482C-BDDA-F5ECEA01C3EE}" srcOrd="0" destOrd="0" presId="urn:microsoft.com/office/officeart/2005/8/layout/hierarchy2"/>
+    <dgm:cxn modelId="{ACED93C1-897D-4A18-8FC9-7B533986D785}" srcId="{FAE4A02A-D21C-4E93-A1BA-747DC4A3B06E}" destId="{30F43D25-C0DF-4A5C-B833-44CA803F2F0C}" srcOrd="0" destOrd="0" parTransId="{E38B7F15-69D4-42A6-9DA1-2D46B779EDCA}" sibTransId="{DCFDA8EE-E8C4-458E-B4CF-DBC3C5D5A544}"/>
     <dgm:cxn modelId="{6A4035C7-C372-4E57-9E76-5EDD358FA5E5}" type="presOf" srcId="{E38B7F15-69D4-42A6-9DA1-2D46B779EDCA}" destId="{EAFD987D-4565-448A-9D3F-541AED5B1467}" srcOrd="0" destOrd="0" presId="urn:microsoft.com/office/officeart/2005/8/layout/hierarchy2"/>
-    <dgm:cxn modelId="{494A8E46-7F5C-4A7C-86E5-7E1EEDDF335C}" srcId="{320A57A4-C9BF-4982-BAF8-EA139F9982F4}" destId="{8BF69A4F-B6BB-4A2A-A5C9-0F7D8CD3A375}" srcOrd="0" destOrd="0" parTransId="{5EEDE10F-6DAF-4C77-A725-6FA934B160F6}" sibTransId="{5442433E-20D0-49FF-B82B-B9C622758455}"/>
-    <dgm:cxn modelId="{89B4EB8E-5025-453A-8371-ED0FCC7D183D}" srcId="{538E2320-AE21-4F04-940D-7B3B13AB6268}" destId="{FAE4A02A-D21C-4E93-A1BA-747DC4A3B06E}" srcOrd="0" destOrd="0" parTransId="{6C57450D-30C4-42A0-96D1-6DED29BDF488}" sibTransId="{E76D61A0-A7F1-4349-866A-9DA5EDA7781B}"/>
+    <dgm:cxn modelId="{B2A7ECC8-B0EB-4E60-AE95-57189A87BF9D}" type="presOf" srcId="{8788B0F7-A35F-4042-91CE-6107ACADE71D}" destId="{6F6D2A9D-20A8-43F8-8CC3-2D3788DE44BF}" srcOrd="0" destOrd="0" presId="urn:microsoft.com/office/officeart/2005/8/layout/hierarchy2"/>
+    <dgm:cxn modelId="{154F8BCB-44A3-4CA2-A0AF-28DB19CD290B}" srcId="{18F054AC-5A5B-43C3-A058-29562168C9CA}" destId="{538E2320-AE21-4F04-940D-7B3B13AB6268}" srcOrd="0" destOrd="0" parTransId="{7B101E87-1AEB-45B4-B991-46EA72DDFB43}" sibTransId="{6A946AB4-1353-4FAD-BE32-8B1DB023914C}"/>
+    <dgm:cxn modelId="{9B97D5CB-A403-4A3A-B77F-5CCB76471A58}" type="presOf" srcId="{CA9A90AC-C9C1-4DC3-85C3-BA6C0055617D}" destId="{5735AA61-E36A-499F-9C45-5CBA4FA40E6B}" srcOrd="0" destOrd="0" presId="urn:microsoft.com/office/officeart/2005/8/layout/hierarchy2"/>
+    <dgm:cxn modelId="{A956D4CF-3907-43FF-9603-944204C56A9A}" srcId="{538E2320-AE21-4F04-940D-7B3B13AB6268}" destId="{320A57A4-C9BF-4982-BAF8-EA139F9982F4}" srcOrd="1" destOrd="0" parTransId="{F967F01C-5307-482E-8F72-B4D3AABCF135}" sibTransId="{7A8223B3-C603-46B5-840C-BB619C27BECA}"/>
     <dgm:cxn modelId="{07249ED5-64BE-4F5B-911E-5164836FCF6D}" type="presOf" srcId="{B925AEA0-40F0-4690-9BF6-4A1E48E82E79}" destId="{E572EEF4-3982-4649-9287-C93D82BB2A67}" srcOrd="0" destOrd="0" presId="urn:microsoft.com/office/officeart/2005/8/layout/hierarchy2"/>
+    <dgm:cxn modelId="{AFE17BDB-597B-459B-A602-F7422C56E2B4}" type="presOf" srcId="{D610BEC7-D37F-483B-9892-F11AA1C56375}" destId="{DC787FAA-7D99-4D60-81F9-CBE46DB0A382}" srcOrd="1" destOrd="0" presId="urn:microsoft.com/office/officeart/2005/8/layout/hierarchy2"/>
+    <dgm:cxn modelId="{05279AE5-3AB9-4786-BC9F-4B7F652072E5}" srcId="{320A57A4-C9BF-4982-BAF8-EA139F9982F4}" destId="{8788B0F7-A35F-4042-91CE-6107ACADE71D}" srcOrd="3" destOrd="0" parTransId="{D610BEC7-D37F-483B-9892-F11AA1C56375}" sibTransId="{551BC9D9-1428-4ABE-80FB-640A909C3395}"/>
+    <dgm:cxn modelId="{737943E8-874E-4DA4-97CC-BF773B35C3C6}" type="presOf" srcId="{6C57450D-30C4-42A0-96D1-6DED29BDF488}" destId="{4695EB31-13F0-4F27-BF1B-2A654C950D85}" srcOrd="1" destOrd="0" presId="urn:microsoft.com/office/officeart/2005/8/layout/hierarchy2"/>
+    <dgm:cxn modelId="{7C2E55EB-8B39-4A95-BE39-CAD15382C0F0}" type="presOf" srcId="{320A57A4-C9BF-4982-BAF8-EA139F9982F4}" destId="{24E8858A-B908-4A3A-A432-1981CA2531D5}" srcOrd="0" destOrd="0" presId="urn:microsoft.com/office/officeart/2005/8/layout/hierarchy2"/>
+    <dgm:cxn modelId="{6CDBF6EC-27BF-4A42-A91B-C0562C0DF1D8}" type="presOf" srcId="{CA9A90AC-C9C1-4DC3-85C3-BA6C0055617D}" destId="{FD14EA2E-50CA-40D8-9BEA-5E9AFA0A48A2}" srcOrd="1" destOrd="0" presId="urn:microsoft.com/office/officeart/2005/8/layout/hierarchy2"/>
     <dgm:cxn modelId="{C59008F3-1C55-4C48-91F7-0DF9C31CC42E}" srcId="{320A57A4-C9BF-4982-BAF8-EA139F9982F4}" destId="{35E02D4B-7AB3-489A-802E-A6BCE495472E}" srcOrd="1" destOrd="0" parTransId="{B925AEA0-40F0-4690-9BF6-4A1E48E82E79}" sibTransId="{3ED87400-20DC-4FDB-9DCF-D18D718C37EC}"/>
-    <dgm:cxn modelId="{ACED93C1-897D-4A18-8FC9-7B533986D785}" srcId="{FAE4A02A-D21C-4E93-A1BA-747DC4A3B06E}" destId="{30F43D25-C0DF-4A5C-B833-44CA803F2F0C}" srcOrd="0" destOrd="0" parTransId="{E38B7F15-69D4-42A6-9DA1-2D46B779EDCA}" sibTransId="{DCFDA8EE-E8C4-458E-B4CF-DBC3C5D5A544}"/>
     <dgm:cxn modelId="{EE0806F7-9AE1-41C3-9948-B12CA94FAB4A}" type="presOf" srcId="{B925AEA0-40F0-4690-9BF6-4A1E48E82E79}" destId="{23F8D530-29C0-4915-A6BE-6E0D0479343F}" srcOrd="1" destOrd="0" presId="urn:microsoft.com/office/officeart/2005/8/layout/hierarchy2"/>
-    <dgm:cxn modelId="{A956D4CF-3907-43FF-9603-944204C56A9A}" srcId="{538E2320-AE21-4F04-940D-7B3B13AB6268}" destId="{320A57A4-C9BF-4982-BAF8-EA139F9982F4}" srcOrd="1" destOrd="0" parTransId="{F967F01C-5307-482E-8F72-B4D3AABCF135}" sibTransId="{7A8223B3-C603-46B5-840C-BB619C27BECA}"/>
-    <dgm:cxn modelId="{0878D1C0-8485-4326-B760-7F24A7758D3C}" type="presOf" srcId="{FAE4A02A-D21C-4E93-A1BA-747DC4A3B06E}" destId="{E0DA5140-1BA9-482C-BDDA-F5ECEA01C3EE}" srcOrd="0" destOrd="0" presId="urn:microsoft.com/office/officeart/2005/8/layout/hierarchy2"/>
-    <dgm:cxn modelId="{90AEAB3D-965D-44A2-9EDF-E2513D30A1C0}" srcId="{FAE4A02A-D21C-4E93-A1BA-747DC4A3B06E}" destId="{33E4F0F8-EBE9-41B0-99C8-A69C6D96AF19}" srcOrd="1" destOrd="0" parTransId="{A1E0D7C9-58F0-4865-B338-3E558D1308A6}" sibTransId="{2C4625F4-4A13-44EF-A68A-5180A91BAFB2}"/>
-    <dgm:cxn modelId="{C1BA6B4D-7DF3-4620-98C0-5C1415D9BC7B}" type="presOf" srcId="{33E4F0F8-EBE9-41B0-99C8-A69C6D96AF19}" destId="{71BC05F1-EF0B-441C-BDA7-CD1320D92BC2}" srcOrd="0" destOrd="0" presId="urn:microsoft.com/office/officeart/2005/8/layout/hierarchy2"/>
-    <dgm:cxn modelId="{154F8BCB-44A3-4CA2-A0AF-28DB19CD290B}" srcId="{18F054AC-5A5B-43C3-A058-29562168C9CA}" destId="{538E2320-AE21-4F04-940D-7B3B13AB6268}" srcOrd="0" destOrd="0" parTransId="{7B101E87-1AEB-45B4-B991-46EA72DDFB43}" sibTransId="{6A946AB4-1353-4FAD-BE32-8B1DB023914C}"/>
-    <dgm:cxn modelId="{737943E8-874E-4DA4-97CC-BF773B35C3C6}" type="presOf" srcId="{6C57450D-30C4-42A0-96D1-6DED29BDF488}" destId="{4695EB31-13F0-4F27-BF1B-2A654C950D85}" srcOrd="1" destOrd="0" presId="urn:microsoft.com/office/officeart/2005/8/layout/hierarchy2"/>
-    <dgm:cxn modelId="{05279AE5-3AB9-4786-BC9F-4B7F652072E5}" srcId="{320A57A4-C9BF-4982-BAF8-EA139F9982F4}" destId="{8788B0F7-A35F-4042-91CE-6107ACADE71D}" srcOrd="3" destOrd="0" parTransId="{D610BEC7-D37F-483B-9892-F11AA1C56375}" sibTransId="{551BC9D9-1428-4ABE-80FB-640A909C3395}"/>
-    <dgm:cxn modelId="{C5675F1B-5C99-483C-89B3-9D5AB86B86B5}" type="presOf" srcId="{E38B7F15-69D4-42A6-9DA1-2D46B779EDCA}" destId="{F09EDED7-8077-46D6-A266-32C89707722A}" srcOrd="1" destOrd="0" presId="urn:microsoft.com/office/officeart/2005/8/layout/hierarchy2"/>
-    <dgm:cxn modelId="{6CDBF6EC-27BF-4A42-A91B-C0562C0DF1D8}" type="presOf" srcId="{CA9A90AC-C9C1-4DC3-85C3-BA6C0055617D}" destId="{FD14EA2E-50CA-40D8-9BEA-5E9AFA0A48A2}" srcOrd="1" destOrd="0" presId="urn:microsoft.com/office/officeart/2005/8/layout/hierarchy2"/>
-    <dgm:cxn modelId="{9B97D5CB-A403-4A3A-B77F-5CCB76471A58}" type="presOf" srcId="{CA9A90AC-C9C1-4DC3-85C3-BA6C0055617D}" destId="{5735AA61-E36A-499F-9C45-5CBA4FA40E6B}" srcOrd="0" destOrd="0" presId="urn:microsoft.com/office/officeart/2005/8/layout/hierarchy2"/>
-    <dgm:cxn modelId="{AFE17BDB-597B-459B-A602-F7422C56E2B4}" type="presOf" srcId="{D610BEC7-D37F-483B-9892-F11AA1C56375}" destId="{DC787FAA-7D99-4D60-81F9-CBE46DB0A382}" srcOrd="1" destOrd="0" presId="urn:microsoft.com/office/officeart/2005/8/layout/hierarchy2"/>
-    <dgm:cxn modelId="{97531644-3F38-447C-8BBE-E2863935A73D}" type="presOf" srcId="{538E2320-AE21-4F04-940D-7B3B13AB6268}" destId="{A5835191-13F4-4498-9571-764336BB0D8E}" srcOrd="0" destOrd="0" presId="urn:microsoft.com/office/officeart/2005/8/layout/hierarchy2"/>
-    <dgm:cxn modelId="{66DED9BE-872A-44A0-852F-6748958507B1}" type="presOf" srcId="{A1E0D7C9-58F0-4865-B338-3E558D1308A6}" destId="{877E29C8-1E73-4F0B-8E40-E5CDAD8C07CB}" srcOrd="1" destOrd="0" presId="urn:microsoft.com/office/officeart/2005/8/layout/hierarchy2"/>
-    <dgm:cxn modelId="{BB1C8B4E-9CD5-44AD-998D-4EBFDFB1F5E6}" srcId="{320A57A4-C9BF-4982-BAF8-EA139F9982F4}" destId="{F6B4A062-33D7-44DC-A99C-9E38B6C267E0}" srcOrd="2" destOrd="0" parTransId="{CA9A90AC-C9C1-4DC3-85C3-BA6C0055617D}" sibTransId="{58CF61D9-58B4-45B7-9E33-2037DFAD7F8D}"/>
-    <dgm:cxn modelId="{775D8960-5590-434E-B6C1-413BF9CAED8F}" type="presOf" srcId="{6C57450D-30C4-42A0-96D1-6DED29BDF488}" destId="{CCD514DE-F227-4D1D-84B9-B8881F3CB5DA}" srcOrd="0" destOrd="0" presId="urn:microsoft.com/office/officeart/2005/8/layout/hierarchy2"/>
-    <dgm:cxn modelId="{D7285253-3CD6-4A09-9B53-95ED257FBCCC}" type="presOf" srcId="{8BF69A4F-B6BB-4A2A-A5C9-0F7D8CD3A375}" destId="{1E8D4966-D1A9-4DDD-90E1-FB55E7032801}" srcOrd="0" destOrd="0" presId="urn:microsoft.com/office/officeart/2005/8/layout/hierarchy2"/>
-    <dgm:cxn modelId="{88D1A895-DDAC-4E19-812E-770C20A6F3F3}" type="presOf" srcId="{5EEDE10F-6DAF-4C77-A725-6FA934B160F6}" destId="{BE1C2624-510A-401C-B9DF-B5622731BA0E}" srcOrd="0" destOrd="0" presId="urn:microsoft.com/office/officeart/2005/8/layout/hierarchy2"/>
-    <dgm:cxn modelId="{B2A7ECC8-B0EB-4E60-AE95-57189A87BF9D}" type="presOf" srcId="{8788B0F7-A35F-4042-91CE-6107ACADE71D}" destId="{6F6D2A9D-20A8-43F8-8CC3-2D3788DE44BF}" srcOrd="0" destOrd="0" presId="urn:microsoft.com/office/officeart/2005/8/layout/hierarchy2"/>
-    <dgm:cxn modelId="{0B0FDC4C-C398-4B8F-81DB-8B8757050AFA}" type="presOf" srcId="{F6B4A062-33D7-44DC-A99C-9E38B6C267E0}" destId="{B270A4FF-1420-4F94-989C-E4FB3B90568C}" srcOrd="0" destOrd="0" presId="urn:microsoft.com/office/officeart/2005/8/layout/hierarchy2"/>
-    <dgm:cxn modelId="{7C2E55EB-8B39-4A95-BE39-CAD15382C0F0}" type="presOf" srcId="{320A57A4-C9BF-4982-BAF8-EA139F9982F4}" destId="{24E8858A-B908-4A3A-A432-1981CA2531D5}" srcOrd="0" destOrd="0" presId="urn:microsoft.com/office/officeart/2005/8/layout/hierarchy2"/>
-    <dgm:cxn modelId="{8E34240E-E9D1-4551-9D5F-49F7641BDE8D}" type="presOf" srcId="{F967F01C-5307-482E-8F72-B4D3AABCF135}" destId="{5A0BD4A4-A1F9-4C33-8329-99DA18C4A77F}" srcOrd="0" destOrd="0" presId="urn:microsoft.com/office/officeart/2005/8/layout/hierarchy2"/>
     <dgm:cxn modelId="{D0837BD7-D25E-46AC-BEF1-AB91021B0780}" type="presParOf" srcId="{C450F48F-02CE-4A37-AF92-1FEE157A4F45}" destId="{112F1388-F474-41ED-A536-52253DBBBE07}" srcOrd="0" destOrd="0" presId="urn:microsoft.com/office/officeart/2005/8/layout/hierarchy2"/>
     <dgm:cxn modelId="{AC150512-A2AE-4D4A-86B9-B0EA2ED28381}" type="presParOf" srcId="{112F1388-F474-41ED-A536-52253DBBBE07}" destId="{A5835191-13F4-4498-9571-764336BB0D8E}" srcOrd="0" destOrd="0" presId="urn:microsoft.com/office/officeart/2005/8/layout/hierarchy2"/>
     <dgm:cxn modelId="{FC1826B2-6316-449D-B3E4-0CBD2AB73024}" type="presParOf" srcId="{112F1388-F474-41ED-A536-52253DBBBE07}" destId="{C7AF056B-167A-4315-9188-5AFF6D273834}" srcOrd="1" destOrd="0" presId="urn:microsoft.com/office/officeart/2005/8/layout/hierarchy2"/>
@@ -5786,10 +5464,9 @@
         <a:lstStyle/>
         <a:p>
           <a:r>
-            <a:rPr lang="nl-NL" dirty="0" smtClean="0"/>
+            <a:rPr lang="nl-NL" dirty="0"/>
             <a:t>Interviews</a:t>
           </a:r>
-          <a:endParaRPr lang="nl-NL" dirty="0"/>
         </a:p>
       </dgm:t>
     </dgm:pt>
@@ -5823,7 +5500,7 @@
         <a:lstStyle/>
         <a:p>
           <a:r>
-            <a:rPr lang="nl-NL" dirty="0" err="1" smtClean="0"/>
+            <a:rPr lang="nl-NL" dirty="0" err="1"/>
             <a:t>Persona’s</a:t>
           </a:r>
           <a:endParaRPr lang="nl-NL" dirty="0"/>
@@ -5860,7 +5537,7 @@
         <a:lstStyle/>
         <a:p>
           <a:r>
-            <a:rPr lang="nl-NL" dirty="0" err="1" smtClean="0"/>
+            <a:rPr lang="nl-NL" dirty="0" err="1"/>
             <a:t>Wireframes</a:t>
           </a:r>
           <a:endParaRPr lang="nl-NL" dirty="0"/>
@@ -5897,10 +5574,9 @@
         <a:lstStyle/>
         <a:p>
           <a:r>
-            <a:rPr lang="nl-NL" dirty="0" smtClean="0"/>
+            <a:rPr lang="nl-NL" dirty="0"/>
             <a:t>Storyboard</a:t>
           </a:r>
-          <a:endParaRPr lang="nl-NL" dirty="0"/>
         </a:p>
       </dgm:t>
     </dgm:pt>
@@ -5959,13 +5635,6 @@
         </dgm:presLayoutVars>
       </dgm:prSet>
       <dgm:spPr/>
-      <dgm:t>
-        <a:bodyPr/>
-        <a:lstStyle/>
-        <a:p>
-          <a:endParaRPr lang="nl-NL"/>
-        </a:p>
-      </dgm:t>
     </dgm:pt>
     <dgm:pt modelId="{A7E051F9-41D4-4CFC-AD4C-813DE8F27EEE}" type="pres">
       <dgm:prSet presAssocID="{A1125EC4-F47E-44C0-853B-76A1DA02F3D0}" presName="parTxOnlySpace" presStyleCnt="0"/>
@@ -5980,13 +5649,6 @@
         </dgm:presLayoutVars>
       </dgm:prSet>
       <dgm:spPr/>
-      <dgm:t>
-        <a:bodyPr/>
-        <a:lstStyle/>
-        <a:p>
-          <a:endParaRPr lang="nl-NL"/>
-        </a:p>
-      </dgm:t>
     </dgm:pt>
     <dgm:pt modelId="{D477FA54-14E4-49DC-8BEF-33E52F75C340}" type="pres">
       <dgm:prSet presAssocID="{5F8488F3-C0BC-4F20-9D64-FCBA57EF8919}" presName="parTxOnlySpace" presStyleCnt="0"/>
@@ -6004,15 +5666,15 @@
     </dgm:pt>
   </dgm:ptLst>
   <dgm:cxnLst>
+    <dgm:cxn modelId="{D2F53B33-DCE2-4C90-B2D0-189CD7F46059}" type="presOf" srcId="{294A90AB-BC4A-4D1A-8ADE-1CDA4E5D8B2D}" destId="{9AE3582B-B3C4-49F1-8E2D-5F9305FB34AD}" srcOrd="0" destOrd="0" presId="urn:microsoft.com/office/officeart/2005/8/layout/chevron1"/>
+    <dgm:cxn modelId="{AD02C961-5A57-4E1E-B8E8-0DAC9B32956D}" srcId="{294A90AB-BC4A-4D1A-8ADE-1CDA4E5D8B2D}" destId="{C605EB11-8530-422A-A391-409E0A857DF6}" srcOrd="0" destOrd="0" parTransId="{5F72F2D4-BCE3-4AFF-8E34-3FC8E870C913}" sibTransId="{371868D9-F5BC-4471-AA10-DA0E66E04620}"/>
     <dgm:cxn modelId="{0E32D781-C522-4AF0-A6D2-033AACA9A843}" type="presOf" srcId="{CAA01474-287A-43B9-BFA5-EAC65A18C7BF}" destId="{52562C7E-1F51-4AC0-ACB0-E44AC69FBF3D}" srcOrd="0" destOrd="0" presId="urn:microsoft.com/office/officeart/2005/8/layout/chevron1"/>
+    <dgm:cxn modelId="{F96842A8-54C4-4459-AA64-444D08B74491}" srcId="{294A90AB-BC4A-4D1A-8ADE-1CDA4E5D8B2D}" destId="{F1FD1071-CD99-46D1-BF4C-9E49653CFA5D}" srcOrd="3" destOrd="0" parTransId="{27B03FD9-65D9-40D5-899F-9801B875E788}" sibTransId="{BDC24A89-E249-4A56-91C7-184DEAF581F8}"/>
+    <dgm:cxn modelId="{1EE80ABD-1ED2-4E5B-A623-B1D45883E801}" srcId="{294A90AB-BC4A-4D1A-8ADE-1CDA4E5D8B2D}" destId="{CAA01474-287A-43B9-BFA5-EAC65A18C7BF}" srcOrd="2" destOrd="0" parTransId="{399BCE93-930B-4D70-B534-E54368BC963E}" sibTransId="{5F8488F3-C0BC-4F20-9D64-FCBA57EF8919}"/>
     <dgm:cxn modelId="{6EE9C3D3-B816-4F80-81DE-C4BC5B3B7515}" type="presOf" srcId="{C605EB11-8530-422A-A391-409E0A857DF6}" destId="{18C6F3EC-6891-4B5A-906F-9444B515A8AA}" srcOrd="0" destOrd="0" presId="urn:microsoft.com/office/officeart/2005/8/layout/chevron1"/>
-    <dgm:cxn modelId="{D2F53B33-DCE2-4C90-B2D0-189CD7F46059}" type="presOf" srcId="{294A90AB-BC4A-4D1A-8ADE-1CDA4E5D8B2D}" destId="{9AE3582B-B3C4-49F1-8E2D-5F9305FB34AD}" srcOrd="0" destOrd="0" presId="urn:microsoft.com/office/officeart/2005/8/layout/chevron1"/>
-    <dgm:cxn modelId="{F96842A8-54C4-4459-AA64-444D08B74491}" srcId="{294A90AB-BC4A-4D1A-8ADE-1CDA4E5D8B2D}" destId="{F1FD1071-CD99-46D1-BF4C-9E49653CFA5D}" srcOrd="3" destOrd="0" parTransId="{27B03FD9-65D9-40D5-899F-9801B875E788}" sibTransId="{BDC24A89-E249-4A56-91C7-184DEAF581F8}"/>
-    <dgm:cxn modelId="{8C4A9BFA-C07F-4E1F-BD95-B32D1F161A57}" type="presOf" srcId="{F1FD1071-CD99-46D1-BF4C-9E49653CFA5D}" destId="{322D95FC-3B3B-40CC-91CE-2D924457CAD4}" srcOrd="0" destOrd="0" presId="urn:microsoft.com/office/officeart/2005/8/layout/chevron1"/>
     <dgm:cxn modelId="{923E89E1-47B8-48A5-B28E-2097F1C636C7}" srcId="{294A90AB-BC4A-4D1A-8ADE-1CDA4E5D8B2D}" destId="{5ED08B83-813F-4511-AB18-063164E215AA}" srcOrd="1" destOrd="0" parTransId="{53C9DABC-7E00-4367-8B26-085D374B045A}" sibTransId="{A1125EC4-F47E-44C0-853B-76A1DA02F3D0}"/>
     <dgm:cxn modelId="{FB5FEBEC-FDB9-4436-95B2-F7DEC414A0D5}" type="presOf" srcId="{5ED08B83-813F-4511-AB18-063164E215AA}" destId="{646205A7-C920-4AFD-949D-2CDFA7159275}" srcOrd="0" destOrd="0" presId="urn:microsoft.com/office/officeart/2005/8/layout/chevron1"/>
-    <dgm:cxn modelId="{AD02C961-5A57-4E1E-B8E8-0DAC9B32956D}" srcId="{294A90AB-BC4A-4D1A-8ADE-1CDA4E5D8B2D}" destId="{C605EB11-8530-422A-A391-409E0A857DF6}" srcOrd="0" destOrd="0" parTransId="{5F72F2D4-BCE3-4AFF-8E34-3FC8E870C913}" sibTransId="{371868D9-F5BC-4471-AA10-DA0E66E04620}"/>
-    <dgm:cxn modelId="{1EE80ABD-1ED2-4E5B-A623-B1D45883E801}" srcId="{294A90AB-BC4A-4D1A-8ADE-1CDA4E5D8B2D}" destId="{CAA01474-287A-43B9-BFA5-EAC65A18C7BF}" srcOrd="2" destOrd="0" parTransId="{399BCE93-930B-4D70-B534-E54368BC963E}" sibTransId="{5F8488F3-C0BC-4F20-9D64-FCBA57EF8919}"/>
+    <dgm:cxn modelId="{8C4A9BFA-C07F-4E1F-BD95-B32D1F161A57}" type="presOf" srcId="{F1FD1071-CD99-46D1-BF4C-9E49653CFA5D}" destId="{322D95FC-3B3B-40CC-91CE-2D924457CAD4}" srcOrd="0" destOrd="0" presId="urn:microsoft.com/office/officeart/2005/8/layout/chevron1"/>
     <dgm:cxn modelId="{4974CDAB-F3E3-41B1-9904-C954DD140B4D}" type="presParOf" srcId="{9AE3582B-B3C4-49F1-8E2D-5F9305FB34AD}" destId="{18C6F3EC-6891-4B5A-906F-9444B515A8AA}" srcOrd="0" destOrd="0" presId="urn:microsoft.com/office/officeart/2005/8/layout/chevron1"/>
     <dgm:cxn modelId="{E0FCD67E-F349-4BE7-80C4-6FCAF1D8EE38}" type="presParOf" srcId="{9AE3582B-B3C4-49F1-8E2D-5F9305FB34AD}" destId="{47DCCF31-CB76-4F90-AFDA-AB9DD47FBF97}" srcOrd="1" destOrd="0" presId="urn:microsoft.com/office/officeart/2005/8/layout/chevron1"/>
     <dgm:cxn modelId="{FB7900BC-569E-4CFA-8B09-F5D25925A6AD}" type="presParOf" srcId="{9AE3582B-B3C4-49F1-8E2D-5F9305FB34AD}" destId="{646205A7-C920-4AFD-949D-2CDFA7159275}" srcOrd="2" destOrd="0" presId="urn:microsoft.com/office/officeart/2005/8/layout/chevron1"/>
@@ -6053,10 +5715,9 @@
         <a:lstStyle/>
         <a:p>
           <a:r>
-            <a:rPr lang="nl-NL" dirty="0" smtClean="0"/>
+            <a:rPr lang="nl-NL" dirty="0"/>
             <a:t>Login</a:t>
           </a:r>
-          <a:endParaRPr lang="nl-NL" dirty="0"/>
         </a:p>
       </dgm:t>
     </dgm:pt>
@@ -6090,14 +5751,13 @@
         <a:lstStyle/>
         <a:p>
           <a:r>
-            <a:rPr lang="nl-NL" dirty="0" err="1" smtClean="0"/>
+            <a:rPr lang="nl-NL" dirty="0" err="1"/>
             <a:t>Odisee</a:t>
           </a:r>
           <a:r>
-            <a:rPr lang="nl-NL" dirty="0" smtClean="0"/>
+            <a:rPr lang="nl-NL" dirty="0"/>
             <a:t> mail</a:t>
           </a:r>
-          <a:endParaRPr lang="nl-NL" dirty="0"/>
         </a:p>
       </dgm:t>
     </dgm:pt>
@@ -6131,10 +5791,9 @@
         <a:lstStyle/>
         <a:p>
           <a:r>
-            <a:rPr lang="nl-NL" dirty="0" smtClean="0"/>
+            <a:rPr lang="nl-NL" dirty="0"/>
             <a:t>Externe gebruikers</a:t>
           </a:r>
-          <a:endParaRPr lang="nl-NL" dirty="0"/>
         </a:p>
       </dgm:t>
     </dgm:pt>
@@ -6168,10 +5827,9 @@
         <a:lstStyle/>
         <a:p>
           <a:r>
-            <a:rPr lang="nl-NL" dirty="0" smtClean="0"/>
+            <a:rPr lang="nl-NL" dirty="0"/>
             <a:t>Voorstel indienen</a:t>
           </a:r>
-          <a:endParaRPr lang="nl-NL" dirty="0"/>
         </a:p>
       </dgm:t>
     </dgm:pt>
@@ -6205,10 +5863,9 @@
         <a:lstStyle/>
         <a:p>
           <a:r>
-            <a:rPr lang="nl-NL" dirty="0" smtClean="0"/>
+            <a:rPr lang="nl-NL" dirty="0"/>
             <a:t>Docent selecteren</a:t>
           </a:r>
-          <a:endParaRPr lang="nl-NL" dirty="0"/>
         </a:p>
       </dgm:t>
     </dgm:pt>
@@ -6242,10 +5899,9 @@
         <a:lstStyle/>
         <a:p>
           <a:r>
-            <a:rPr lang="nl-NL" dirty="0" smtClean="0"/>
+            <a:rPr lang="nl-NL" dirty="0"/>
             <a:t>SMART-criteria</a:t>
           </a:r>
-          <a:endParaRPr lang="nl-NL" dirty="0"/>
         </a:p>
       </dgm:t>
     </dgm:pt>
@@ -6279,10 +5935,9 @@
         <a:lstStyle/>
         <a:p>
           <a:r>
-            <a:rPr lang="nl-NL" dirty="0" smtClean="0"/>
+            <a:rPr lang="nl-NL" dirty="0"/>
             <a:t>Snelheid</a:t>
           </a:r>
-          <a:endParaRPr lang="nl-NL" dirty="0"/>
         </a:p>
       </dgm:t>
     </dgm:pt>
@@ -6316,10 +5971,9 @@
         <a:lstStyle/>
         <a:p>
           <a:r>
-            <a:rPr lang="nl-NL" dirty="0" smtClean="0"/>
+            <a:rPr lang="nl-NL" dirty="0"/>
             <a:t>Mogelijkheid aanpassen</a:t>
           </a:r>
-          <a:endParaRPr lang="nl-NL" dirty="0"/>
         </a:p>
       </dgm:t>
     </dgm:pt>
@@ -6353,10 +6007,9 @@
         <a:lstStyle/>
         <a:p>
           <a:r>
-            <a:rPr lang="nl-NL" dirty="0" smtClean="0"/>
+            <a:rPr lang="nl-NL" dirty="0"/>
             <a:t>Extra deelvragen</a:t>
           </a:r>
-          <a:endParaRPr lang="nl-NL" dirty="0"/>
         </a:p>
       </dgm:t>
     </dgm:pt>
@@ -6390,10 +6043,9 @@
         <a:lstStyle/>
         <a:p>
           <a:r>
-            <a:rPr lang="nl-NL" dirty="0" smtClean="0"/>
+            <a:rPr lang="nl-NL" dirty="0"/>
             <a:t>Projecten</a:t>
           </a:r>
-          <a:endParaRPr lang="nl-NL" dirty="0"/>
         </a:p>
       </dgm:t>
     </dgm:pt>
@@ -6427,10 +6079,9 @@
         <a:lstStyle/>
         <a:p>
           <a:r>
-            <a:rPr lang="nl-NL" dirty="0" smtClean="0"/>
+            <a:rPr lang="nl-NL" dirty="0"/>
             <a:t>Filters</a:t>
           </a:r>
-          <a:endParaRPr lang="nl-NL" dirty="0"/>
         </a:p>
       </dgm:t>
     </dgm:pt>
@@ -6464,10 +6115,9 @@
         <a:lstStyle/>
         <a:p>
           <a:r>
-            <a:rPr lang="nl-NL" dirty="0" smtClean="0"/>
+            <a:rPr lang="nl-NL" dirty="0"/>
             <a:t>Goed- of afkeuren door alle docenten</a:t>
           </a:r>
-          <a:endParaRPr lang="nl-NL" dirty="0"/>
         </a:p>
       </dgm:t>
     </dgm:pt>
@@ -6501,10 +6151,9 @@
         <a:lstStyle/>
         <a:p>
           <a:r>
-            <a:rPr lang="nl-NL" dirty="0" smtClean="0"/>
+            <a:rPr lang="nl-NL" dirty="0"/>
             <a:t>Belbintest</a:t>
           </a:r>
-          <a:endParaRPr lang="nl-NL" dirty="0"/>
         </a:p>
       </dgm:t>
     </dgm:pt>
@@ -6609,13 +6258,6 @@
         </dgm:presLayoutVars>
       </dgm:prSet>
       <dgm:spPr/>
-      <dgm:t>
-        <a:bodyPr/>
-        <a:lstStyle/>
-        <a:p>
-          <a:endParaRPr lang="nl-NL"/>
-        </a:p>
-      </dgm:t>
     </dgm:pt>
     <dgm:pt modelId="{D7738F43-24D3-4EA2-B6E1-848B2120C4A0}" type="pres">
       <dgm:prSet presAssocID="{7371905B-8A98-4AD7-AAF5-759DB6CAF558}" presName="root" presStyleCnt="0"/>
@@ -6628,13 +6270,6 @@
     <dgm:pt modelId="{C90CF7AE-8D99-41B6-B484-0DF678719F3E}" type="pres">
       <dgm:prSet presAssocID="{7371905B-8A98-4AD7-AAF5-759DB6CAF558}" presName="rootText" presStyleLbl="node1" presStyleIdx="1" presStyleCnt="3"/>
       <dgm:spPr/>
-      <dgm:t>
-        <a:bodyPr/>
-        <a:lstStyle/>
-        <a:p>
-          <a:endParaRPr lang="nl-NL"/>
-        </a:p>
-      </dgm:t>
     </dgm:pt>
     <dgm:pt modelId="{78DCDD01-CB38-42BF-8834-FFBBA1F41483}" type="pres">
       <dgm:prSet presAssocID="{7371905B-8A98-4AD7-AAF5-759DB6CAF558}" presName="rootConnector" presStyleLbl="node1" presStyleIdx="1" presStyleCnt="3"/>
@@ -6667,13 +6302,6 @@
         </dgm:presLayoutVars>
       </dgm:prSet>
       <dgm:spPr/>
-      <dgm:t>
-        <a:bodyPr/>
-        <a:lstStyle/>
-        <a:p>
-          <a:endParaRPr lang="nl-NL"/>
-        </a:p>
-      </dgm:t>
     </dgm:pt>
     <dgm:pt modelId="{F5C3ECBD-1AC2-4988-A668-6668C06D7453}" type="pres">
       <dgm:prSet presAssocID="{40091848-02C5-4109-977F-9E62BB76768B}" presName="Name13" presStyleLbl="parChTrans1D2" presStyleIdx="6" presStyleCnt="10"/>
@@ -6686,13 +6314,6 @@
         </dgm:presLayoutVars>
       </dgm:prSet>
       <dgm:spPr/>
-      <dgm:t>
-        <a:bodyPr/>
-        <a:lstStyle/>
-        <a:p>
-          <a:endParaRPr lang="nl-NL"/>
-        </a:p>
-      </dgm:t>
     </dgm:pt>
     <dgm:pt modelId="{479E76C7-C008-4932-AD3A-C3BFC9FDE1DA}" type="pres">
       <dgm:prSet presAssocID="{D1D01601-FE97-4CB4-B56C-DE58E927FD07}" presName="Name13" presStyleLbl="parChTrans1D2" presStyleIdx="7" presStyleCnt="10"/>
@@ -6705,13 +6326,6 @@
         </dgm:presLayoutVars>
       </dgm:prSet>
       <dgm:spPr/>
-      <dgm:t>
-        <a:bodyPr/>
-        <a:lstStyle/>
-        <a:p>
-          <a:endParaRPr lang="nl-NL"/>
-        </a:p>
-      </dgm:t>
     </dgm:pt>
     <dgm:pt modelId="{805CCBF0-43F6-41D1-8560-5539756C1B76}" type="pres">
       <dgm:prSet presAssocID="{82530E5B-1473-4C27-9CAC-9247DFD9348C}" presName="root" presStyleCnt="0"/>
@@ -6744,13 +6358,6 @@
         </dgm:presLayoutVars>
       </dgm:prSet>
       <dgm:spPr/>
-      <dgm:t>
-        <a:bodyPr/>
-        <a:lstStyle/>
-        <a:p>
-          <a:endParaRPr lang="nl-NL"/>
-        </a:p>
-      </dgm:t>
     </dgm:pt>
     <dgm:pt modelId="{0ECBD22B-2640-40A4-8F83-AC9ED78FBEED}" type="pres">
       <dgm:prSet presAssocID="{68233672-5810-482D-994D-7A37D3876DF2}" presName="Name13" presStyleLbl="parChTrans1D2" presStyleIdx="9" presStyleCnt="10"/>
@@ -6763,56 +6370,49 @@
         </dgm:presLayoutVars>
       </dgm:prSet>
       <dgm:spPr/>
-      <dgm:t>
-        <a:bodyPr/>
-        <a:lstStyle/>
-        <a:p>
-          <a:endParaRPr lang="nl-NL"/>
-        </a:p>
-      </dgm:t>
     </dgm:pt>
   </dgm:ptLst>
   <dgm:cxnLst>
+    <dgm:cxn modelId="{B57A5B00-E789-4F10-9D9D-A6B0FC107707}" type="presOf" srcId="{68233672-5810-482D-994D-7A37D3876DF2}" destId="{0ECBD22B-2640-40A4-8F83-AC9ED78FBEED}" srcOrd="0" destOrd="0" presId="urn:microsoft.com/office/officeart/2005/8/layout/hierarchy3"/>
+    <dgm:cxn modelId="{B887AD01-3920-4DDD-BD44-F897DBB5C47D}" srcId="{82530E5B-1473-4C27-9CAC-9247DFD9348C}" destId="{5DE3C1FF-66AC-44E6-9AD5-313C18B3535A}" srcOrd="1" destOrd="0" parTransId="{68233672-5810-482D-994D-7A37D3876DF2}" sibTransId="{DCD2D485-57CE-418D-BB40-18E15F850238}"/>
+    <dgm:cxn modelId="{DC056611-6F97-4CE3-A852-B66BB5BEFF58}" type="presOf" srcId="{2B689F00-3691-4212-A1C2-0F9289DDD90A}" destId="{D2671829-376F-457A-8B53-01B766058C07}" srcOrd="0" destOrd="0" presId="urn:microsoft.com/office/officeart/2005/8/layout/hierarchy3"/>
+    <dgm:cxn modelId="{35B6441A-4F32-4002-9750-4769BD8FFECF}" type="presOf" srcId="{D2E48B4D-EB0D-4D1E-8465-7782D63A1F76}" destId="{A271FD0B-7586-4E9D-94CB-EED1414999B0}" srcOrd="0" destOrd="0" presId="urn:microsoft.com/office/officeart/2005/8/layout/hierarchy3"/>
+    <dgm:cxn modelId="{3D82D91A-CDF6-438A-A745-4D38D1E72A10}" srcId="{AA9DA600-163B-4E27-9BFA-3677BA4EBB76}" destId="{7371905B-8A98-4AD7-AAF5-759DB6CAF558}" srcOrd="1" destOrd="0" parTransId="{45DF58C4-865B-45C9-8358-B2FD92113EDF}" sibTransId="{BEDA2C17-F691-445C-9C2F-1541C124480A}"/>
+    <dgm:cxn modelId="{D6AF401C-D2C0-4A21-9615-8AB55AF44DCC}" srcId="{7371905B-8A98-4AD7-AAF5-759DB6CAF558}" destId="{2B689F00-3691-4212-A1C2-0F9289DDD90A}" srcOrd="1" destOrd="0" parTransId="{400688AF-0065-4B56-ADB5-8A292EAD3D2C}" sibTransId="{F3E88D65-D2CC-4DCC-820B-92E283E270D3}"/>
+    <dgm:cxn modelId="{EFEF8022-B967-49FB-90DB-94F447AA1C40}" type="presOf" srcId="{17446ABD-EBD5-43FC-8C33-13D78189E9CC}" destId="{41FA45D8-C13D-4855-A142-B12CC68A4209}" srcOrd="0" destOrd="0" presId="urn:microsoft.com/office/officeart/2005/8/layout/hierarchy3"/>
+    <dgm:cxn modelId="{E92CC525-C435-46D7-B696-4D7958585CA3}" type="presOf" srcId="{929096D1-703B-46B3-9D72-1625C83381BD}" destId="{A703B622-7346-4AFD-8C47-80630482F2B5}" srcOrd="0" destOrd="0" presId="urn:microsoft.com/office/officeart/2005/8/layout/hierarchy3"/>
+    <dgm:cxn modelId="{9B035332-FC2A-4D26-B9FC-E90F61CEAA08}" srcId="{AA9DA600-163B-4E27-9BFA-3677BA4EBB76}" destId="{A272E038-F81D-456F-B725-5EA1D7D97F4B}" srcOrd="0" destOrd="0" parTransId="{7B819326-C2CC-47A3-922A-B6A80C27CE89}" sibTransId="{1E5CA682-9B9A-4DBE-BDBD-B97013BCC9AD}"/>
+    <dgm:cxn modelId="{17C63A35-8220-4DD0-96BC-966884676DE9}" type="presOf" srcId="{674B67DB-12CD-4E14-8A73-0CF6958CC437}" destId="{306C4121-7EA0-4C1E-A74D-67F938494881}" srcOrd="0" destOrd="0" presId="urn:microsoft.com/office/officeart/2005/8/layout/hierarchy3"/>
+    <dgm:cxn modelId="{29077438-F7D2-49C4-A5B9-A7A0DF86889A}" type="presOf" srcId="{F5612D83-C114-4A9D-939B-326880CB25AE}" destId="{F8A938A1-4897-43E0-93CF-9DBB0D7BCE7D}" srcOrd="0" destOrd="0" presId="urn:microsoft.com/office/officeart/2005/8/layout/hierarchy3"/>
+    <dgm:cxn modelId="{9FDC3D3C-BE78-4178-B189-BE4B78D07757}" type="presOf" srcId="{400688AF-0065-4B56-ADB5-8A292EAD3D2C}" destId="{051461D8-DEA2-4822-8AA8-B3FD9E544239}" srcOrd="0" destOrd="0" presId="urn:microsoft.com/office/officeart/2005/8/layout/hierarchy3"/>
+    <dgm:cxn modelId="{D2844140-0A1A-42EB-B4EC-E1736892C3A7}" srcId="{7371905B-8A98-4AD7-AAF5-759DB6CAF558}" destId="{1DAA3140-AA49-4E8B-A99A-801F8C9544F6}" srcOrd="0" destOrd="0" parTransId="{F559A490-D66B-4043-BBD1-BE7314848E06}" sibTransId="{776CF85B-BBF2-44E2-822E-CE1A7D639215}"/>
+    <dgm:cxn modelId="{2FB4005C-484D-4385-B0AC-DC59A54B6B67}" srcId="{A272E038-F81D-456F-B725-5EA1D7D97F4B}" destId="{E71F38F2-CEB7-4F90-ABD6-BC0254A3B5FB}" srcOrd="0" destOrd="0" parTransId="{17446ABD-EBD5-43FC-8C33-13D78189E9CC}" sibTransId="{F84AE2C7-1136-4D18-BA31-2A9334BF7321}"/>
+    <dgm:cxn modelId="{15C37C5E-26D8-4C69-B1CD-F8775B2A95BE}" srcId="{A272E038-F81D-456F-B725-5EA1D7D97F4B}" destId="{0726A641-05A7-4409-A6DB-3E9BD164C3E8}" srcOrd="3" destOrd="0" parTransId="{929096D1-703B-46B3-9D72-1625C83381BD}" sibTransId="{CAEBE9B2-6CE3-492A-8084-4CC4772253DA}"/>
+    <dgm:cxn modelId="{2596C961-3AA8-435D-BBC9-51FC0AD52CA0}" type="presOf" srcId="{E4A8392B-4FAE-4E58-83AE-B32A649B40BC}" destId="{6A5C3872-D1CE-4C8E-99B2-E74885DE06DC}" srcOrd="0" destOrd="0" presId="urn:microsoft.com/office/officeart/2005/8/layout/hierarchy3"/>
+    <dgm:cxn modelId="{DEE37C64-2E70-4A44-BA67-CF67FAE10415}" type="presOf" srcId="{84CDDDAE-F093-495E-88F5-8D9FCD4274F9}" destId="{6B623CBE-247A-4619-9571-ACE807797465}" srcOrd="0" destOrd="0" presId="urn:microsoft.com/office/officeart/2005/8/layout/hierarchy3"/>
+    <dgm:cxn modelId="{42C33145-198F-4C7B-AFD3-DE31C2E1F1D8}" type="presOf" srcId="{5DE3C1FF-66AC-44E6-9AD5-313C18B3535A}" destId="{CE2054CC-8F28-4529-A440-FCA091AD51A4}" srcOrd="0" destOrd="0" presId="urn:microsoft.com/office/officeart/2005/8/layout/hierarchy3"/>
+    <dgm:cxn modelId="{AEBE3747-824E-47A7-AD9C-1F605D8AC6F2}" srcId="{82530E5B-1473-4C27-9CAC-9247DFD9348C}" destId="{D2E48B4D-EB0D-4D1E-8465-7782D63A1F76}" srcOrd="0" destOrd="0" parTransId="{674B67DB-12CD-4E14-8A73-0CF6958CC437}" sibTransId="{854D6BA9-A504-454C-9710-3CDAB8E0F2A8}"/>
+    <dgm:cxn modelId="{18A7B86A-A690-4C34-8670-A04F38D29D84}" type="presOf" srcId="{B408C655-9B4B-468A-9871-75C08D6E2F97}" destId="{6926F0A0-6DEB-4F93-841B-CEC931731949}" srcOrd="0" destOrd="0" presId="urn:microsoft.com/office/officeart/2005/8/layout/hierarchy3"/>
+    <dgm:cxn modelId="{1629CB4F-21A0-49D0-88FD-3B1FA75FDA26}" type="presOf" srcId="{F559A490-D66B-4043-BBD1-BE7314848E06}" destId="{6A40391A-2173-4277-8781-F43F82DF2EEB}" srcOrd="0" destOrd="0" presId="urn:microsoft.com/office/officeart/2005/8/layout/hierarchy3"/>
+    <dgm:cxn modelId="{CA222151-2A5E-4EEE-9D33-CCA3ADC3AF95}" type="presOf" srcId="{7371905B-8A98-4AD7-AAF5-759DB6CAF558}" destId="{78DCDD01-CB38-42BF-8834-FFBBA1F41483}" srcOrd="1" destOrd="0" presId="urn:microsoft.com/office/officeart/2005/8/layout/hierarchy3"/>
+    <dgm:cxn modelId="{D9197A71-6CE9-4EDE-BFA6-F9307805293C}" srcId="{AA9DA600-163B-4E27-9BFA-3677BA4EBB76}" destId="{82530E5B-1473-4C27-9CAC-9247DFD9348C}" srcOrd="2" destOrd="0" parTransId="{195BCE82-4585-4C98-A865-B83EB5E77B1F}" sibTransId="{D33C5696-8804-42D0-B2DB-4CDF2F303A08}"/>
+    <dgm:cxn modelId="{3DF5437E-5539-4179-8FBC-0FBF38F8A48D}" type="presOf" srcId="{0726A641-05A7-4409-A6DB-3E9BD164C3E8}" destId="{65DDAE57-BCD3-43F5-B6AF-8420BC5F72C4}" srcOrd="0" destOrd="0" presId="urn:microsoft.com/office/officeart/2005/8/layout/hierarchy3"/>
     <dgm:cxn modelId="{04CCBC99-965E-4E14-83CB-FBB259A9FB3D}" type="presOf" srcId="{40091848-02C5-4109-977F-9E62BB76768B}" destId="{F5C3ECBD-1AC2-4988-A668-6668C06D7453}" srcOrd="0" destOrd="0" presId="urn:microsoft.com/office/officeart/2005/8/layout/hierarchy3"/>
-    <dgm:cxn modelId="{DC056611-6F97-4CE3-A852-B66BB5BEFF58}" type="presOf" srcId="{2B689F00-3691-4212-A1C2-0F9289DDD90A}" destId="{D2671829-376F-457A-8B53-01B766058C07}" srcOrd="0" destOrd="0" presId="urn:microsoft.com/office/officeart/2005/8/layout/hierarchy3"/>
     <dgm:cxn modelId="{0934499D-C0A5-48F8-89BD-93CDECD8F082}" type="presOf" srcId="{82530E5B-1473-4C27-9CAC-9247DFD9348C}" destId="{EBBA9B61-2A2D-421C-9246-D2ABF7750973}" srcOrd="0" destOrd="0" presId="urn:microsoft.com/office/officeart/2005/8/layout/hierarchy3"/>
-    <dgm:cxn modelId="{AEBE3747-824E-47A7-AD9C-1F605D8AC6F2}" srcId="{82530E5B-1473-4C27-9CAC-9247DFD9348C}" destId="{D2E48B4D-EB0D-4D1E-8465-7782D63A1F76}" srcOrd="0" destOrd="0" parTransId="{674B67DB-12CD-4E14-8A73-0CF6958CC437}" sibTransId="{854D6BA9-A504-454C-9710-3CDAB8E0F2A8}"/>
-    <dgm:cxn modelId="{35B6441A-4F32-4002-9750-4769BD8FFECF}" type="presOf" srcId="{D2E48B4D-EB0D-4D1E-8465-7782D63A1F76}" destId="{A271FD0B-7586-4E9D-94CB-EED1414999B0}" srcOrd="0" destOrd="0" presId="urn:microsoft.com/office/officeart/2005/8/layout/hierarchy3"/>
-    <dgm:cxn modelId="{B887AD01-3920-4DDD-BD44-F897DBB5C47D}" srcId="{82530E5B-1473-4C27-9CAC-9247DFD9348C}" destId="{5DE3C1FF-66AC-44E6-9AD5-313C18B3535A}" srcOrd="1" destOrd="0" parTransId="{68233672-5810-482D-994D-7A37D3876DF2}" sibTransId="{DCD2D485-57CE-418D-BB40-18E15F850238}"/>
-    <dgm:cxn modelId="{ACDC4DF9-1758-4BAD-8B0F-CA114726BA2A}" type="presOf" srcId="{A272E038-F81D-456F-B725-5EA1D7D97F4B}" destId="{321E826C-97EE-417F-A364-493E7066E713}" srcOrd="1" destOrd="0" presId="urn:microsoft.com/office/officeart/2005/8/layout/hierarchy3"/>
-    <dgm:cxn modelId="{DEE37C64-2E70-4A44-BA67-CF67FAE10415}" type="presOf" srcId="{84CDDDAE-F093-495E-88F5-8D9FCD4274F9}" destId="{6B623CBE-247A-4619-9571-ACE807797465}" srcOrd="0" destOrd="0" presId="urn:microsoft.com/office/officeart/2005/8/layout/hierarchy3"/>
-    <dgm:cxn modelId="{18A7B86A-A690-4C34-8670-A04F38D29D84}" type="presOf" srcId="{B408C655-9B4B-468A-9871-75C08D6E2F97}" destId="{6926F0A0-6DEB-4F93-841B-CEC931731949}" srcOrd="0" destOrd="0" presId="urn:microsoft.com/office/officeart/2005/8/layout/hierarchy3"/>
-    <dgm:cxn modelId="{9B035332-FC2A-4D26-B9FC-E90F61CEAA08}" srcId="{AA9DA600-163B-4E27-9BFA-3677BA4EBB76}" destId="{A272E038-F81D-456F-B725-5EA1D7D97F4B}" srcOrd="0" destOrd="0" parTransId="{7B819326-C2CC-47A3-922A-B6A80C27CE89}" sibTransId="{1E5CA682-9B9A-4DBE-BDBD-B97013BCC9AD}"/>
-    <dgm:cxn modelId="{0F4454DF-9F45-4E51-AD35-5A483E4E7151}" srcId="{A272E038-F81D-456F-B725-5EA1D7D97F4B}" destId="{E4A8392B-4FAE-4E58-83AE-B32A649B40BC}" srcOrd="1" destOrd="0" parTransId="{84CDDDAE-F093-495E-88F5-8D9FCD4274F9}" sibTransId="{994F2FDF-07CF-46F7-8990-94BC2C40603E}"/>
-    <dgm:cxn modelId="{C085B4DC-8B1A-438F-A4C5-0ECB9015907B}" type="presOf" srcId="{1DAA3140-AA49-4E8B-A99A-801F8C9544F6}" destId="{D77D6840-49AA-4AA1-AFE6-842C925CB0F3}" srcOrd="0" destOrd="0" presId="urn:microsoft.com/office/officeart/2005/8/layout/hierarchy3"/>
-    <dgm:cxn modelId="{CA222151-2A5E-4EEE-9D33-CCA3ADC3AF95}" type="presOf" srcId="{7371905B-8A98-4AD7-AAF5-759DB6CAF558}" destId="{78DCDD01-CB38-42BF-8834-FFBBA1F41483}" srcOrd="1" destOrd="0" presId="urn:microsoft.com/office/officeart/2005/8/layout/hierarchy3"/>
-    <dgm:cxn modelId="{14B9A3EB-AA5D-4EC7-8790-7C61D0453E4A}" type="presOf" srcId="{AA9DA600-163B-4E27-9BFA-3677BA4EBB76}" destId="{3A114AEE-810D-4063-B3DB-85527F2D32EF}" srcOrd="0" destOrd="0" presId="urn:microsoft.com/office/officeart/2005/8/layout/hierarchy3"/>
-    <dgm:cxn modelId="{29077438-F7D2-49C4-A5B9-A7A0DF86889A}" type="presOf" srcId="{F5612D83-C114-4A9D-939B-326880CB25AE}" destId="{F8A938A1-4897-43E0-93CF-9DBB0D7BCE7D}" srcOrd="0" destOrd="0" presId="urn:microsoft.com/office/officeart/2005/8/layout/hierarchy3"/>
-    <dgm:cxn modelId="{D9197A71-6CE9-4EDE-BFA6-F9307805293C}" srcId="{AA9DA600-163B-4E27-9BFA-3677BA4EBB76}" destId="{82530E5B-1473-4C27-9CAC-9247DFD9348C}" srcOrd="2" destOrd="0" parTransId="{195BCE82-4585-4C98-A865-B83EB5E77B1F}" sibTransId="{D33C5696-8804-42D0-B2DB-4CDF2F303A08}"/>
-    <dgm:cxn modelId="{7A441ACD-6370-436A-A2EB-3C908168578E}" type="presOf" srcId="{D60CB286-D564-4907-A51B-1F5740903C86}" destId="{CD12E003-9086-4F39-AB57-2B30CDD7B882}" srcOrd="0" destOrd="0" presId="urn:microsoft.com/office/officeart/2005/8/layout/hierarchy3"/>
+    <dgm:cxn modelId="{4F75A59E-1901-473A-AEE0-AAE24262398E}" type="presOf" srcId="{3FD7921E-FC86-477B-8A86-2CFD2CABF6BB}" destId="{D01C9959-435C-42D8-B83C-14E66E8C460C}" srcOrd="0" destOrd="0" presId="urn:microsoft.com/office/officeart/2005/8/layout/hierarchy3"/>
+    <dgm:cxn modelId="{2750B5A7-0162-4B78-8C84-602C636A9585}" srcId="{A272E038-F81D-456F-B725-5EA1D7D97F4B}" destId="{F5612D83-C114-4A9D-939B-326880CB25AE}" srcOrd="2" destOrd="0" parTransId="{3FD7921E-FC86-477B-8A86-2CFD2CABF6BB}" sibTransId="{EB8D2912-7C5B-4E58-838A-CAA77214EE78}"/>
     <dgm:cxn modelId="{254439B9-0320-4D30-9875-23E3E7E0F9D7}" srcId="{7371905B-8A98-4AD7-AAF5-759DB6CAF558}" destId="{D60CB286-D564-4907-A51B-1F5740903C86}" srcOrd="2" destOrd="0" parTransId="{40091848-02C5-4109-977F-9E62BB76768B}" sibTransId="{FE0C7DA3-2D5E-4412-9203-62ABEE9AC3BD}"/>
     <dgm:cxn modelId="{7A7109BE-8680-43B2-8596-B6682A529E68}" type="presOf" srcId="{D1D01601-FE97-4CB4-B56C-DE58E927FD07}" destId="{479E76C7-C008-4932-AD3A-C3BFC9FDE1DA}" srcOrd="0" destOrd="0" presId="urn:microsoft.com/office/officeart/2005/8/layout/hierarchy3"/>
-    <dgm:cxn modelId="{1629CB4F-21A0-49D0-88FD-3B1FA75FDA26}" type="presOf" srcId="{F559A490-D66B-4043-BBD1-BE7314848E06}" destId="{6A40391A-2173-4277-8781-F43F82DF2EEB}" srcOrd="0" destOrd="0" presId="urn:microsoft.com/office/officeart/2005/8/layout/hierarchy3"/>
-    <dgm:cxn modelId="{D6AF401C-D2C0-4A21-9615-8AB55AF44DCC}" srcId="{7371905B-8A98-4AD7-AAF5-759DB6CAF558}" destId="{2B689F00-3691-4212-A1C2-0F9289DDD90A}" srcOrd="1" destOrd="0" parTransId="{400688AF-0065-4B56-ADB5-8A292EAD3D2C}" sibTransId="{F3E88D65-D2CC-4DCC-820B-92E283E270D3}"/>
-    <dgm:cxn modelId="{B57A5B00-E789-4F10-9D9D-A6B0FC107707}" type="presOf" srcId="{68233672-5810-482D-994D-7A37D3876DF2}" destId="{0ECBD22B-2640-40A4-8F83-AC9ED78FBEED}" srcOrd="0" destOrd="0" presId="urn:microsoft.com/office/officeart/2005/8/layout/hierarchy3"/>
-    <dgm:cxn modelId="{2750B5A7-0162-4B78-8C84-602C636A9585}" srcId="{A272E038-F81D-456F-B725-5EA1D7D97F4B}" destId="{F5612D83-C114-4A9D-939B-326880CB25AE}" srcOrd="2" destOrd="0" parTransId="{3FD7921E-FC86-477B-8A86-2CFD2CABF6BB}" sibTransId="{EB8D2912-7C5B-4E58-838A-CAA77214EE78}"/>
+    <dgm:cxn modelId="{874C8BC8-C6DD-42C2-8FCA-E5608D1B99DC}" type="presOf" srcId="{7371905B-8A98-4AD7-AAF5-759DB6CAF558}" destId="{C90CF7AE-8D99-41B6-B484-0DF678719F3E}" srcOrd="0" destOrd="0" presId="urn:microsoft.com/office/officeart/2005/8/layout/hierarchy3"/>
+    <dgm:cxn modelId="{7A441ACD-6370-436A-A2EB-3C908168578E}" type="presOf" srcId="{D60CB286-D564-4907-A51B-1F5740903C86}" destId="{CD12E003-9086-4F39-AB57-2B30CDD7B882}" srcOrd="0" destOrd="0" presId="urn:microsoft.com/office/officeart/2005/8/layout/hierarchy3"/>
+    <dgm:cxn modelId="{C085B4DC-8B1A-438F-A4C5-0ECB9015907B}" type="presOf" srcId="{1DAA3140-AA49-4E8B-A99A-801F8C9544F6}" destId="{D77D6840-49AA-4AA1-AFE6-842C925CB0F3}" srcOrd="0" destOrd="0" presId="urn:microsoft.com/office/officeart/2005/8/layout/hierarchy3"/>
+    <dgm:cxn modelId="{B1AC27DE-2D02-44F0-99FD-E4BFB92640F2}" type="presOf" srcId="{A272E038-F81D-456F-B725-5EA1D7D97F4B}" destId="{9D5C4111-0088-4D9B-92BD-B2D690B3CA2C}" srcOrd="0" destOrd="0" presId="urn:microsoft.com/office/officeart/2005/8/layout/hierarchy3"/>
+    <dgm:cxn modelId="{0F4454DF-9F45-4E51-AD35-5A483E4E7151}" srcId="{A272E038-F81D-456F-B725-5EA1D7D97F4B}" destId="{E4A8392B-4FAE-4E58-83AE-B32A649B40BC}" srcOrd="1" destOrd="0" parTransId="{84CDDDAE-F093-495E-88F5-8D9FCD4274F9}" sibTransId="{994F2FDF-07CF-46F7-8990-94BC2C40603E}"/>
+    <dgm:cxn modelId="{41CF5AE1-8CC8-4A50-9390-0CA84B4C4ACD}" type="presOf" srcId="{82530E5B-1473-4C27-9CAC-9247DFD9348C}" destId="{F957BA45-1FA7-4BF1-8CBC-CF77860972A2}" srcOrd="1" destOrd="0" presId="urn:microsoft.com/office/officeart/2005/8/layout/hierarchy3"/>
     <dgm:cxn modelId="{C8F290E8-FDB7-47D3-B5C1-332F9F8BBBFA}" srcId="{7371905B-8A98-4AD7-AAF5-759DB6CAF558}" destId="{B408C655-9B4B-468A-9871-75C08D6E2F97}" srcOrd="3" destOrd="0" parTransId="{D1D01601-FE97-4CB4-B56C-DE58E927FD07}" sibTransId="{418381D1-5F1B-4447-B11E-6E694FFF4731}"/>
-    <dgm:cxn modelId="{4F75A59E-1901-473A-AEE0-AAE24262398E}" type="presOf" srcId="{3FD7921E-FC86-477B-8A86-2CFD2CABF6BB}" destId="{D01C9959-435C-42D8-B83C-14E66E8C460C}" srcOrd="0" destOrd="0" presId="urn:microsoft.com/office/officeart/2005/8/layout/hierarchy3"/>
-    <dgm:cxn modelId="{D2844140-0A1A-42EB-B4EC-E1736892C3A7}" srcId="{7371905B-8A98-4AD7-AAF5-759DB6CAF558}" destId="{1DAA3140-AA49-4E8B-A99A-801F8C9544F6}" srcOrd="0" destOrd="0" parTransId="{F559A490-D66B-4043-BBD1-BE7314848E06}" sibTransId="{776CF85B-BBF2-44E2-822E-CE1A7D639215}"/>
-    <dgm:cxn modelId="{3DF5437E-5539-4179-8FBC-0FBF38F8A48D}" type="presOf" srcId="{0726A641-05A7-4409-A6DB-3E9BD164C3E8}" destId="{65DDAE57-BCD3-43F5-B6AF-8420BC5F72C4}" srcOrd="0" destOrd="0" presId="urn:microsoft.com/office/officeart/2005/8/layout/hierarchy3"/>
-    <dgm:cxn modelId="{2FB4005C-484D-4385-B0AC-DC59A54B6B67}" srcId="{A272E038-F81D-456F-B725-5EA1D7D97F4B}" destId="{E71F38F2-CEB7-4F90-ABD6-BC0254A3B5FB}" srcOrd="0" destOrd="0" parTransId="{17446ABD-EBD5-43FC-8C33-13D78189E9CC}" sibTransId="{F84AE2C7-1136-4D18-BA31-2A9334BF7321}"/>
-    <dgm:cxn modelId="{3D82D91A-CDF6-438A-A745-4D38D1E72A10}" srcId="{AA9DA600-163B-4E27-9BFA-3677BA4EBB76}" destId="{7371905B-8A98-4AD7-AAF5-759DB6CAF558}" srcOrd="1" destOrd="0" parTransId="{45DF58C4-865B-45C9-8358-B2FD92113EDF}" sibTransId="{BEDA2C17-F691-445C-9C2F-1541C124480A}"/>
+    <dgm:cxn modelId="{14B9A3EB-AA5D-4EC7-8790-7C61D0453E4A}" type="presOf" srcId="{AA9DA600-163B-4E27-9BFA-3677BA4EBB76}" destId="{3A114AEE-810D-4063-B3DB-85527F2D32EF}" srcOrd="0" destOrd="0" presId="urn:microsoft.com/office/officeart/2005/8/layout/hierarchy3"/>
     <dgm:cxn modelId="{A3A03FEC-533A-4BEA-971C-EB3AA7CE3419}" type="presOf" srcId="{E71F38F2-CEB7-4F90-ABD6-BC0254A3B5FB}" destId="{84B779FB-A7E6-4FFB-B6E1-94B97E9DDBEE}" srcOrd="0" destOrd="0" presId="urn:microsoft.com/office/officeart/2005/8/layout/hierarchy3"/>
-    <dgm:cxn modelId="{B1AC27DE-2D02-44F0-99FD-E4BFB92640F2}" type="presOf" srcId="{A272E038-F81D-456F-B725-5EA1D7D97F4B}" destId="{9D5C4111-0088-4D9B-92BD-B2D690B3CA2C}" srcOrd="0" destOrd="0" presId="urn:microsoft.com/office/officeart/2005/8/layout/hierarchy3"/>
-    <dgm:cxn modelId="{41CF5AE1-8CC8-4A50-9390-0CA84B4C4ACD}" type="presOf" srcId="{82530E5B-1473-4C27-9CAC-9247DFD9348C}" destId="{F957BA45-1FA7-4BF1-8CBC-CF77860972A2}" srcOrd="1" destOrd="0" presId="urn:microsoft.com/office/officeart/2005/8/layout/hierarchy3"/>
-    <dgm:cxn modelId="{42C33145-198F-4C7B-AFD3-DE31C2E1F1D8}" type="presOf" srcId="{5DE3C1FF-66AC-44E6-9AD5-313C18B3535A}" destId="{CE2054CC-8F28-4529-A440-FCA091AD51A4}" srcOrd="0" destOrd="0" presId="urn:microsoft.com/office/officeart/2005/8/layout/hierarchy3"/>
-    <dgm:cxn modelId="{9FDC3D3C-BE78-4178-B189-BE4B78D07757}" type="presOf" srcId="{400688AF-0065-4B56-ADB5-8A292EAD3D2C}" destId="{051461D8-DEA2-4822-8AA8-B3FD9E544239}" srcOrd="0" destOrd="0" presId="urn:microsoft.com/office/officeart/2005/8/layout/hierarchy3"/>
-    <dgm:cxn modelId="{E92CC525-C435-46D7-B696-4D7958585CA3}" type="presOf" srcId="{929096D1-703B-46B3-9D72-1625C83381BD}" destId="{A703B622-7346-4AFD-8C47-80630482F2B5}" srcOrd="0" destOrd="0" presId="urn:microsoft.com/office/officeart/2005/8/layout/hierarchy3"/>
-    <dgm:cxn modelId="{874C8BC8-C6DD-42C2-8FCA-E5608D1B99DC}" type="presOf" srcId="{7371905B-8A98-4AD7-AAF5-759DB6CAF558}" destId="{C90CF7AE-8D99-41B6-B484-0DF678719F3E}" srcOrd="0" destOrd="0" presId="urn:microsoft.com/office/officeart/2005/8/layout/hierarchy3"/>
-    <dgm:cxn modelId="{2596C961-3AA8-435D-BBC9-51FC0AD52CA0}" type="presOf" srcId="{E4A8392B-4FAE-4E58-83AE-B32A649B40BC}" destId="{6A5C3872-D1CE-4C8E-99B2-E74885DE06DC}" srcOrd="0" destOrd="0" presId="urn:microsoft.com/office/officeart/2005/8/layout/hierarchy3"/>
-    <dgm:cxn modelId="{17C63A35-8220-4DD0-96BC-966884676DE9}" type="presOf" srcId="{674B67DB-12CD-4E14-8A73-0CF6958CC437}" destId="{306C4121-7EA0-4C1E-A74D-67F938494881}" srcOrd="0" destOrd="0" presId="urn:microsoft.com/office/officeart/2005/8/layout/hierarchy3"/>
-    <dgm:cxn modelId="{15C37C5E-26D8-4C69-B1CD-F8775B2A95BE}" srcId="{A272E038-F81D-456F-B725-5EA1D7D97F4B}" destId="{0726A641-05A7-4409-A6DB-3E9BD164C3E8}" srcOrd="3" destOrd="0" parTransId="{929096D1-703B-46B3-9D72-1625C83381BD}" sibTransId="{CAEBE9B2-6CE3-492A-8084-4CC4772253DA}"/>
-    <dgm:cxn modelId="{EFEF8022-B967-49FB-90DB-94F447AA1C40}" type="presOf" srcId="{17446ABD-EBD5-43FC-8C33-13D78189E9CC}" destId="{41FA45D8-C13D-4855-A142-B12CC68A4209}" srcOrd="0" destOrd="0" presId="urn:microsoft.com/office/officeart/2005/8/layout/hierarchy3"/>
+    <dgm:cxn modelId="{ACDC4DF9-1758-4BAD-8B0F-CA114726BA2A}" type="presOf" srcId="{A272E038-F81D-456F-B725-5EA1D7D97F4B}" destId="{321E826C-97EE-417F-A364-493E7066E713}" srcOrd="1" destOrd="0" presId="urn:microsoft.com/office/officeart/2005/8/layout/hierarchy3"/>
     <dgm:cxn modelId="{0D407833-7ED9-486B-BCBA-AB2279124BAB}" type="presParOf" srcId="{3A114AEE-810D-4063-B3DB-85527F2D32EF}" destId="{B2BB61E6-04E8-476E-BE74-D93C4394B4D4}" srcOrd="0" destOrd="0" presId="urn:microsoft.com/office/officeart/2005/8/layout/hierarchy3"/>
     <dgm:cxn modelId="{45449CF0-93AC-422C-854A-5147B1D245F8}" type="presParOf" srcId="{B2BB61E6-04E8-476E-BE74-D93C4394B4D4}" destId="{84F8AA00-D972-4B50-8D31-946FFB22F07B}" srcOrd="0" destOrd="0" presId="urn:microsoft.com/office/officeart/2005/8/layout/hierarchy3"/>
     <dgm:cxn modelId="{4EACCB2F-FE5E-4044-B0B1-13F5B48305B3}" type="presParOf" srcId="{84F8AA00-D972-4B50-8D31-946FFB22F07B}" destId="{9D5C4111-0088-4D9B-92BD-B2D690B3CA2C}" srcOrd="0" destOrd="0" presId="urn:microsoft.com/office/officeart/2005/8/layout/hierarchy3"/>
@@ -6874,7 +6474,7 @@
         <a:lstStyle/>
         <a:p>
           <a:r>
-            <a:rPr lang="nl-NL" dirty="0" err="1" smtClean="0"/>
+            <a:rPr lang="nl-NL" dirty="0" err="1"/>
             <a:t>Mysql</a:t>
           </a:r>
           <a:endParaRPr lang="nl-NL" dirty="0"/>
@@ -6911,10 +6511,9 @@
         <a:lstStyle/>
         <a:p>
           <a:r>
-            <a:rPr lang="nl-NL" dirty="0" smtClean="0"/>
+            <a:rPr lang="nl-NL" dirty="0"/>
             <a:t>SQL Server</a:t>
           </a:r>
-          <a:endParaRPr lang="nl-NL" dirty="0"/>
         </a:p>
       </dgm:t>
     </dgm:pt>
@@ -6948,7 +6547,7 @@
         <a:lstStyle/>
         <a:p>
           <a:r>
-            <a:rPr lang="nl-NL" dirty="0" err="1" smtClean="0"/>
+            <a:rPr lang="nl-NL" dirty="0" err="1"/>
             <a:t>SQLite</a:t>
           </a:r>
           <a:endParaRPr lang="nl-NL" dirty="0"/>
@@ -6985,7 +6584,7 @@
         <a:lstStyle/>
         <a:p>
           <a:r>
-            <a:rPr lang="nl-NL" dirty="0" err="1" smtClean="0"/>
+            <a:rPr lang="nl-NL" dirty="0" err="1"/>
             <a:t>PostgreSQL</a:t>
           </a:r>
           <a:endParaRPr lang="nl-NL" dirty="0"/>
@@ -7080,13 +6679,6 @@
         </dgm:presLayoutVars>
       </dgm:prSet>
       <dgm:spPr/>
-      <dgm:t>
-        <a:bodyPr/>
-        <a:lstStyle/>
-        <a:p>
-          <a:endParaRPr lang="nl-NL"/>
-        </a:p>
-      </dgm:t>
     </dgm:pt>
     <dgm:pt modelId="{A4298DE4-63E3-47E5-B715-11A2C9C7C65E}" type="pres">
       <dgm:prSet presAssocID="{2FA3A12B-B86A-4F0C-9382-7BB0E6913D25}" presName="invisiNode" presStyleLbl="node1" presStyleIdx="1" presStyleCnt="4"/>
@@ -7147,13 +6739,6 @@
           </a:stretch>
         </a:blipFill>
       </dgm:spPr>
-      <dgm:t>
-        <a:bodyPr/>
-        <a:lstStyle/>
-        <a:p>
-          <a:endParaRPr lang="nl-NL"/>
-        </a:p>
-      </dgm:t>
     </dgm:pt>
     <dgm:pt modelId="{A9249496-F033-402C-9FB0-7468BC613020}" type="pres">
       <dgm:prSet presAssocID="{4716A647-CDF1-44DD-B24F-6BDE3C219CCA}" presName="sibTrans" presStyleLbl="sibTrans2D1" presStyleIdx="0" presStyleCnt="0"/>
@@ -7170,13 +6755,6 @@
         </dgm:presLayoutVars>
       </dgm:prSet>
       <dgm:spPr/>
-      <dgm:t>
-        <a:bodyPr/>
-        <a:lstStyle/>
-        <a:p>
-          <a:endParaRPr lang="nl-NL"/>
-        </a:p>
-      </dgm:t>
     </dgm:pt>
     <dgm:pt modelId="{17F6CDFD-A07A-4496-9D87-199EC37122EA}" type="pres">
       <dgm:prSet presAssocID="{CE57493B-D4FD-49F2-8029-1CBA4842CBB1}" presName="invisiNode" presStyleLbl="node1" presStyleIdx="3" presStyleCnt="4"/>
@@ -7202,18 +6780,18 @@
     </dgm:pt>
   </dgm:ptLst>
   <dgm:cxnLst>
+    <dgm:cxn modelId="{2A632A61-0AC3-4C40-8DB5-39B1C8157E51}" type="presOf" srcId="{3ABDE331-C3D7-4E66-882C-4F6934874C7E}" destId="{89D2A5FF-231F-4B99-84A5-22FEEC0CB36C}" srcOrd="0" destOrd="0" presId="urn:microsoft.com/office/officeart/2005/8/layout/pList2"/>
+    <dgm:cxn modelId="{D82A2647-0685-400C-B04D-88F47C261DB0}" srcId="{FB9641DC-4384-486F-A346-2189CC26238E}" destId="{CE57493B-D4FD-49F2-8029-1CBA4842CBB1}" srcOrd="3" destOrd="0" parTransId="{41E53DFF-255A-4CC5-AAF2-AC36F58A7C15}" sibTransId="{2D11CA02-467C-48BD-84AA-A6C13D517271}"/>
     <dgm:cxn modelId="{180A8448-9F50-41D0-9260-F0A3F783FE50}" type="presOf" srcId="{2FA3A12B-B86A-4F0C-9382-7BB0E6913D25}" destId="{950F0BB9-7388-4C63-9F41-D6624090F74D}" srcOrd="0" destOrd="0" presId="urn:microsoft.com/office/officeart/2005/8/layout/pList2"/>
-    <dgm:cxn modelId="{EC444DE0-3E50-45BC-830E-96FFE2D2281B}" type="presOf" srcId="{CE57493B-D4FD-49F2-8029-1CBA4842CBB1}" destId="{8EEC83BD-0C4F-445F-87B2-46509DBDB24F}" srcOrd="0" destOrd="0" presId="urn:microsoft.com/office/officeart/2005/8/layout/pList2"/>
-    <dgm:cxn modelId="{EE95A5DF-8BB8-4323-BC2C-865D0BBFFFA1}" srcId="{FB9641DC-4384-486F-A346-2189CC26238E}" destId="{3ABDE331-C3D7-4E66-882C-4F6934874C7E}" srcOrd="2" destOrd="0" parTransId="{B4F35A56-8FEF-40B5-9942-3695CDD4CB00}" sibTransId="{4716A647-CDF1-44DD-B24F-6BDE3C219CCA}"/>
     <dgm:cxn modelId="{10AF3E4A-2B40-4A13-BA04-573D1C5F41EC}" type="presOf" srcId="{92FC9A74-E3E3-4172-8763-0919DF3D648D}" destId="{37906200-7752-4CE7-BE34-2F33FA5C3BA6}" srcOrd="0" destOrd="0" presId="urn:microsoft.com/office/officeart/2005/8/layout/pList2"/>
-    <dgm:cxn modelId="{D12597CA-7519-4ABF-A378-DCFE2BD6D1CB}" type="presOf" srcId="{736AC0BB-13AA-42F8-A7B8-B7D01A6DB3A5}" destId="{0BDC3A32-100E-40BD-A9F8-E9D904592109}" srcOrd="0" destOrd="0" presId="urn:microsoft.com/office/officeart/2005/8/layout/pList2"/>
-    <dgm:cxn modelId="{D82A2647-0685-400C-B04D-88F47C261DB0}" srcId="{FB9641DC-4384-486F-A346-2189CC26238E}" destId="{CE57493B-D4FD-49F2-8029-1CBA4842CBB1}" srcOrd="3" destOrd="0" parTransId="{41E53DFF-255A-4CC5-AAF2-AC36F58A7C15}" sibTransId="{2D11CA02-467C-48BD-84AA-A6C13D517271}"/>
-    <dgm:cxn modelId="{26D18BA1-7D82-4B0D-BC8F-C5DE1A72F632}" type="presOf" srcId="{FB9641DC-4384-486F-A346-2189CC26238E}" destId="{C92C65F5-EA8B-45BF-B1CA-89D8BCD44526}" srcOrd="0" destOrd="0" presId="urn:microsoft.com/office/officeart/2005/8/layout/pList2"/>
-    <dgm:cxn modelId="{2A632A61-0AC3-4C40-8DB5-39B1C8157E51}" type="presOf" srcId="{3ABDE331-C3D7-4E66-882C-4F6934874C7E}" destId="{89D2A5FF-231F-4B99-84A5-22FEEC0CB36C}" srcOrd="0" destOrd="0" presId="urn:microsoft.com/office/officeart/2005/8/layout/pList2"/>
-    <dgm:cxn modelId="{1EE84BE0-1973-4DA9-BC9B-030B8B3D9941}" srcId="{FB9641DC-4384-486F-A346-2189CC26238E}" destId="{2FA3A12B-B86A-4F0C-9382-7BB0E6913D25}" srcOrd="1" destOrd="0" parTransId="{4D2F466F-FE78-40C4-9D1B-B4BE4B81B7AF}" sibTransId="{92FC9A74-E3E3-4172-8763-0919DF3D648D}"/>
+    <dgm:cxn modelId="{41890D79-0372-4F51-9E68-407A62B569BF}" srcId="{FB9641DC-4384-486F-A346-2189CC26238E}" destId="{736AC0BB-13AA-42F8-A7B8-B7D01A6DB3A5}" srcOrd="0" destOrd="0" parTransId="{3C0A71D0-3F4F-4F14-9D4B-52F7459A8388}" sibTransId="{106CAAF1-12B6-4AA7-AE5C-CF83091246A2}"/>
     <dgm:cxn modelId="{DEDEBA84-1097-4336-AB09-7540C9138A11}" type="presOf" srcId="{4716A647-CDF1-44DD-B24F-6BDE3C219CCA}" destId="{A9249496-F033-402C-9FB0-7468BC613020}" srcOrd="0" destOrd="0" presId="urn:microsoft.com/office/officeart/2005/8/layout/pList2"/>
     <dgm:cxn modelId="{1C41A298-8459-4373-ABE2-FDB401A4A707}" type="presOf" srcId="{106CAAF1-12B6-4AA7-AE5C-CF83091246A2}" destId="{E42AAF07-0D26-415A-B138-E3484D577E09}" srcOrd="0" destOrd="0" presId="urn:microsoft.com/office/officeart/2005/8/layout/pList2"/>
-    <dgm:cxn modelId="{41890D79-0372-4F51-9E68-407A62B569BF}" srcId="{FB9641DC-4384-486F-A346-2189CC26238E}" destId="{736AC0BB-13AA-42F8-A7B8-B7D01A6DB3A5}" srcOrd="0" destOrd="0" parTransId="{3C0A71D0-3F4F-4F14-9D4B-52F7459A8388}" sibTransId="{106CAAF1-12B6-4AA7-AE5C-CF83091246A2}"/>
+    <dgm:cxn modelId="{26D18BA1-7D82-4B0D-BC8F-C5DE1A72F632}" type="presOf" srcId="{FB9641DC-4384-486F-A346-2189CC26238E}" destId="{C92C65F5-EA8B-45BF-B1CA-89D8BCD44526}" srcOrd="0" destOrd="0" presId="urn:microsoft.com/office/officeart/2005/8/layout/pList2"/>
+    <dgm:cxn modelId="{D12597CA-7519-4ABF-A378-DCFE2BD6D1CB}" type="presOf" srcId="{736AC0BB-13AA-42F8-A7B8-B7D01A6DB3A5}" destId="{0BDC3A32-100E-40BD-A9F8-E9D904592109}" srcOrd="0" destOrd="0" presId="urn:microsoft.com/office/officeart/2005/8/layout/pList2"/>
+    <dgm:cxn modelId="{EE95A5DF-8BB8-4323-BC2C-865D0BBFFFA1}" srcId="{FB9641DC-4384-486F-A346-2189CC26238E}" destId="{3ABDE331-C3D7-4E66-882C-4F6934874C7E}" srcOrd="2" destOrd="0" parTransId="{B4F35A56-8FEF-40B5-9942-3695CDD4CB00}" sibTransId="{4716A647-CDF1-44DD-B24F-6BDE3C219CCA}"/>
+    <dgm:cxn modelId="{1EE84BE0-1973-4DA9-BC9B-030B8B3D9941}" srcId="{FB9641DC-4384-486F-A346-2189CC26238E}" destId="{2FA3A12B-B86A-4F0C-9382-7BB0E6913D25}" srcOrd="1" destOrd="0" parTransId="{4D2F466F-FE78-40C4-9D1B-B4BE4B81B7AF}" sibTransId="{92FC9A74-E3E3-4172-8763-0919DF3D648D}"/>
+    <dgm:cxn modelId="{EC444DE0-3E50-45BC-830E-96FFE2D2281B}" type="presOf" srcId="{CE57493B-D4FD-49F2-8029-1CBA4842CBB1}" destId="{8EEC83BD-0C4F-445F-87B2-46509DBDB24F}" srcOrd="0" destOrd="0" presId="urn:microsoft.com/office/officeart/2005/8/layout/pList2"/>
     <dgm:cxn modelId="{A0BA5BCC-2F9F-4A1C-9B6A-286A39FE4E94}" type="presParOf" srcId="{C92C65F5-EA8B-45BF-B1CA-89D8BCD44526}" destId="{7B3A6FDD-2E09-42B4-8ADD-C0E0B06E263F}" srcOrd="0" destOrd="0" presId="urn:microsoft.com/office/officeart/2005/8/layout/pList2"/>
     <dgm:cxn modelId="{25DFB23A-CAC9-454D-BB18-F0EAD67CE427}" type="presParOf" srcId="{C92C65F5-EA8B-45BF-B1CA-89D8BCD44526}" destId="{248509CE-D4B7-4C3B-916D-0E5DB3383F11}" srcOrd="1" destOrd="0" presId="urn:microsoft.com/office/officeart/2005/8/layout/pList2"/>
     <dgm:cxn modelId="{FCDBFCAA-D1D7-43BD-907D-E4699CF5F60D}" type="presParOf" srcId="{248509CE-D4B7-4C3B-916D-0E5DB3383F11}" destId="{526EF347-8143-4D3C-91E0-7BFF430D5B76}" srcOrd="0" destOrd="0" presId="urn:microsoft.com/office/officeart/2005/8/layout/pList2"/>
@@ -7596,7 +7174,7 @@
         </a:bodyPr>
         <a:lstStyle/>
         <a:p>
-          <a:pPr lvl="0" algn="ctr" defTabSz="1644650">
+          <a:pPr marL="0" lvl="0" indent="0" algn="ctr" defTabSz="1644650">
             <a:lnSpc>
               <a:spcPct val="90000"/>
             </a:lnSpc>
@@ -7606,12 +7184,12 @@
             <a:spcAft>
               <a:spcPct val="35000"/>
             </a:spcAft>
+            <a:buNone/>
           </a:pPr>
           <a:r>
-            <a:rPr lang="nl-NL" sz="3700" kern="1200" dirty="0" smtClean="0"/>
+            <a:rPr lang="nl-NL" sz="3700" kern="1200" dirty="0"/>
             <a:t>Login</a:t>
           </a:r>
-          <a:endParaRPr lang="nl-NL" sz="3700" kern="1200" dirty="0"/>
         </a:p>
       </dsp:txBody>
       <dsp:txXfrm>
@@ -7673,7 +7251,7 @@
         </a:bodyPr>
         <a:lstStyle/>
         <a:p>
-          <a:pPr lvl="0" algn="ctr" defTabSz="1644650">
+          <a:pPr marL="0" lvl="0" indent="0" algn="ctr" defTabSz="1644650">
             <a:lnSpc>
               <a:spcPct val="90000"/>
             </a:lnSpc>
@@ -7683,12 +7261,12 @@
             <a:spcAft>
               <a:spcPct val="35000"/>
             </a:spcAft>
+            <a:buNone/>
           </a:pPr>
           <a:r>
-            <a:rPr lang="nl-NL" sz="3700" kern="1200" dirty="0" smtClean="0"/>
+            <a:rPr lang="nl-NL" sz="3700" kern="1200" dirty="0"/>
             <a:t>Voorstellen bekijken</a:t>
           </a:r>
-          <a:endParaRPr lang="nl-NL" sz="3700" kern="1200" dirty="0"/>
         </a:p>
       </dsp:txBody>
       <dsp:txXfrm>
@@ -7750,7 +7328,7 @@
         </a:bodyPr>
         <a:lstStyle/>
         <a:p>
-          <a:pPr lvl="0" algn="ctr" defTabSz="1644650">
+          <a:pPr marL="0" lvl="0" indent="0" algn="ctr" defTabSz="1644650">
             <a:lnSpc>
               <a:spcPct val="90000"/>
             </a:lnSpc>
@@ -7760,12 +7338,12 @@
             <a:spcAft>
               <a:spcPct val="35000"/>
             </a:spcAft>
+            <a:buNone/>
           </a:pPr>
           <a:r>
-            <a:rPr lang="nl-NL" sz="3700" kern="1200" dirty="0" smtClean="0"/>
+            <a:rPr lang="nl-NL" sz="3700" kern="1200" dirty="0"/>
             <a:t>Reactie toevoegen</a:t>
           </a:r>
-          <a:endParaRPr lang="nl-NL" sz="3700" kern="1200" dirty="0"/>
         </a:p>
       </dsp:txBody>
       <dsp:txXfrm>
@@ -7827,7 +7405,7 @@
         </a:bodyPr>
         <a:lstStyle/>
         <a:p>
-          <a:pPr lvl="0" algn="ctr" defTabSz="1644650">
+          <a:pPr marL="0" lvl="0" indent="0" algn="ctr" defTabSz="1644650">
             <a:lnSpc>
               <a:spcPct val="90000"/>
             </a:lnSpc>
@@ -7837,12 +7415,12 @@
             <a:spcAft>
               <a:spcPct val="35000"/>
             </a:spcAft>
+            <a:buNone/>
           </a:pPr>
           <a:r>
-            <a:rPr lang="nl-NL" sz="3700" kern="1200" dirty="0" smtClean="0"/>
+            <a:rPr lang="nl-NL" sz="3700" kern="1200" dirty="0"/>
             <a:t>Nieuw voorstel</a:t>
           </a:r>
-          <a:endParaRPr lang="nl-NL" sz="3700" kern="1200" dirty="0"/>
         </a:p>
       </dsp:txBody>
       <dsp:txXfrm>
@@ -7904,7 +7482,7 @@
         </a:bodyPr>
         <a:lstStyle/>
         <a:p>
-          <a:pPr lvl="0" algn="ctr" defTabSz="1644650">
+          <a:pPr marL="0" lvl="0" indent="0" algn="ctr" defTabSz="1644650">
             <a:lnSpc>
               <a:spcPct val="90000"/>
             </a:lnSpc>
@@ -7914,12 +7492,12 @@
             <a:spcAft>
               <a:spcPct val="35000"/>
             </a:spcAft>
+            <a:buNone/>
           </a:pPr>
           <a:r>
-            <a:rPr lang="nl-NL" sz="3700" kern="1200" dirty="0" smtClean="0"/>
+            <a:rPr lang="nl-NL" sz="3700" kern="1200" dirty="0"/>
             <a:t>Goed- of afkeuren</a:t>
           </a:r>
-          <a:endParaRPr lang="nl-NL" sz="3700" kern="1200" dirty="0"/>
         </a:p>
       </dsp:txBody>
       <dsp:txXfrm>
@@ -7981,7 +7559,7 @@
         </a:bodyPr>
         <a:lstStyle/>
         <a:p>
-          <a:pPr lvl="0" algn="ctr" defTabSz="1644650">
+          <a:pPr marL="0" lvl="0" indent="0" algn="ctr" defTabSz="1644650">
             <a:lnSpc>
               <a:spcPct val="90000"/>
             </a:lnSpc>
@@ -7991,12 +7569,12 @@
             <a:spcAft>
               <a:spcPct val="35000"/>
             </a:spcAft>
+            <a:buNone/>
           </a:pPr>
           <a:r>
-            <a:rPr lang="nl-NL" sz="3700" kern="1200" dirty="0" smtClean="0"/>
+            <a:rPr lang="nl-NL" sz="3700" kern="1200" dirty="0"/>
             <a:t>Groep maken</a:t>
           </a:r>
-          <a:endParaRPr lang="nl-NL" sz="3700" kern="1200" dirty="0"/>
         </a:p>
       </dsp:txBody>
       <dsp:txXfrm>
@@ -8064,7 +7642,7 @@
         </a:bodyPr>
         <a:lstStyle/>
         <a:p>
-          <a:pPr lvl="0" algn="ctr" defTabSz="800100">
+          <a:pPr marL="0" lvl="0" indent="0" algn="ctr" defTabSz="800100">
             <a:lnSpc>
               <a:spcPct val="90000"/>
             </a:lnSpc>
@@ -8074,12 +7652,12 @@
             <a:spcAft>
               <a:spcPct val="35000"/>
             </a:spcAft>
+            <a:buNone/>
           </a:pPr>
           <a:r>
-            <a:rPr lang="nl-NL" sz="1800" kern="1200" dirty="0" smtClean="0"/>
+            <a:rPr lang="nl-NL" sz="1800" kern="1200" dirty="0"/>
             <a:t>Login</a:t>
           </a:r>
-          <a:endParaRPr lang="nl-NL" sz="1800" kern="1200" dirty="0"/>
         </a:p>
       </dsp:txBody>
       <dsp:txXfrm>
@@ -8147,7 +7725,7 @@
         </a:bodyPr>
         <a:lstStyle/>
         <a:p>
-          <a:pPr lvl="0" algn="ctr" defTabSz="222250">
+          <a:pPr marL="0" lvl="0" indent="0" algn="ctr" defTabSz="222250">
             <a:lnSpc>
               <a:spcPct val="90000"/>
             </a:lnSpc>
@@ -8157,6 +7735,7 @@
             <a:spcAft>
               <a:spcPct val="35000"/>
             </a:spcAft>
+            <a:buNone/>
           </a:pPr>
           <a:endParaRPr lang="nl-NL" sz="500" kern="1200"/>
         </a:p>
@@ -8222,7 +7801,7 @@
         </a:bodyPr>
         <a:lstStyle/>
         <a:p>
-          <a:pPr lvl="0" algn="ctr" defTabSz="800100">
+          <a:pPr marL="0" lvl="0" indent="0" algn="ctr" defTabSz="800100">
             <a:lnSpc>
               <a:spcPct val="90000"/>
             </a:lnSpc>
@@ -8232,12 +7811,12 @@
             <a:spcAft>
               <a:spcPct val="35000"/>
             </a:spcAft>
+            <a:buNone/>
           </a:pPr>
           <a:r>
-            <a:rPr lang="nl-NL" sz="1800" kern="1200" dirty="0" smtClean="0"/>
+            <a:rPr lang="nl-NL" sz="1800" kern="1200" dirty="0"/>
             <a:t>Docent</a:t>
           </a:r>
-          <a:endParaRPr lang="nl-NL" sz="1800" kern="1200" dirty="0"/>
         </a:p>
       </dsp:txBody>
       <dsp:txXfrm>
@@ -8305,7 +7884,7 @@
         </a:bodyPr>
         <a:lstStyle/>
         <a:p>
-          <a:pPr lvl="0" algn="ctr" defTabSz="222250">
+          <a:pPr marL="0" lvl="0" indent="0" algn="ctr" defTabSz="222250">
             <a:lnSpc>
               <a:spcPct val="90000"/>
             </a:lnSpc>
@@ -8315,6 +7894,7 @@
             <a:spcAft>
               <a:spcPct val="35000"/>
             </a:spcAft>
+            <a:buNone/>
           </a:pPr>
           <a:endParaRPr lang="nl-NL" sz="500" kern="1200"/>
         </a:p>
@@ -8380,7 +7960,7 @@
         </a:bodyPr>
         <a:lstStyle/>
         <a:p>
-          <a:pPr lvl="0" algn="ctr" defTabSz="800100">
+          <a:pPr marL="0" lvl="0" indent="0" algn="ctr" defTabSz="800100">
             <a:lnSpc>
               <a:spcPct val="90000"/>
             </a:lnSpc>
@@ -8390,12 +7970,12 @@
             <a:spcAft>
               <a:spcPct val="35000"/>
             </a:spcAft>
+            <a:buNone/>
           </a:pPr>
           <a:r>
-            <a:rPr lang="nl-NL" sz="1800" kern="1200" dirty="0" smtClean="0"/>
+            <a:rPr lang="nl-NL" sz="1800" kern="1200" dirty="0"/>
             <a:t>Goedkeuring</a:t>
           </a:r>
-          <a:endParaRPr lang="nl-NL" sz="1800" kern="1200" dirty="0"/>
         </a:p>
       </dsp:txBody>
       <dsp:txXfrm>
@@ -8463,7 +8043,7 @@
         </a:bodyPr>
         <a:lstStyle/>
         <a:p>
-          <a:pPr lvl="0" algn="ctr" defTabSz="222250">
+          <a:pPr marL="0" lvl="0" indent="0" algn="ctr" defTabSz="222250">
             <a:lnSpc>
               <a:spcPct val="90000"/>
             </a:lnSpc>
@@ -8473,6 +8053,7 @@
             <a:spcAft>
               <a:spcPct val="35000"/>
             </a:spcAft>
+            <a:buNone/>
           </a:pPr>
           <a:endParaRPr lang="nl-NL" sz="500" kern="1200"/>
         </a:p>
@@ -8538,7 +8119,7 @@
         </a:bodyPr>
         <a:lstStyle/>
         <a:p>
-          <a:pPr lvl="0" algn="ctr" defTabSz="800100">
+          <a:pPr marL="0" lvl="0" indent="0" algn="ctr" defTabSz="800100">
             <a:lnSpc>
               <a:spcPct val="90000"/>
             </a:lnSpc>
@@ -8548,12 +8129,12 @@
             <a:spcAft>
               <a:spcPct val="35000"/>
             </a:spcAft>
+            <a:buNone/>
           </a:pPr>
           <a:r>
-            <a:rPr lang="nl-NL" sz="1800" kern="1200" dirty="0" smtClean="0"/>
+            <a:rPr lang="nl-NL" sz="1800" kern="1200" dirty="0"/>
             <a:t>Afkeuring</a:t>
           </a:r>
-          <a:endParaRPr lang="nl-NL" sz="1800" kern="1200" dirty="0"/>
         </a:p>
       </dsp:txBody>
       <dsp:txXfrm>
@@ -8621,7 +8202,7 @@
         </a:bodyPr>
         <a:lstStyle/>
         <a:p>
-          <a:pPr lvl="0" algn="ctr" defTabSz="222250">
+          <a:pPr marL="0" lvl="0" indent="0" algn="ctr" defTabSz="222250">
             <a:lnSpc>
               <a:spcPct val="90000"/>
             </a:lnSpc>
@@ -8631,6 +8212,7 @@
             <a:spcAft>
               <a:spcPct val="35000"/>
             </a:spcAft>
+            <a:buNone/>
           </a:pPr>
           <a:endParaRPr lang="nl-NL" sz="500" kern="1200"/>
         </a:p>
@@ -8691,7 +8273,7 @@
         </a:bodyPr>
         <a:lstStyle/>
         <a:p>
-          <a:pPr lvl="0" algn="ctr" defTabSz="800100">
+          <a:pPr marL="0" lvl="0" indent="0" algn="ctr" defTabSz="800100">
             <a:lnSpc>
               <a:spcPct val="90000"/>
             </a:lnSpc>
@@ -8701,12 +8283,12 @@
             <a:spcAft>
               <a:spcPct val="35000"/>
             </a:spcAft>
+            <a:buNone/>
           </a:pPr>
           <a:r>
-            <a:rPr lang="nl-NL" sz="1800" kern="1200" dirty="0" smtClean="0"/>
+            <a:rPr lang="nl-NL" sz="1800" kern="1200" dirty="0"/>
             <a:t>Student</a:t>
           </a:r>
-          <a:endParaRPr lang="nl-NL" sz="1800" kern="1200" dirty="0"/>
         </a:p>
       </dsp:txBody>
       <dsp:txXfrm>
@@ -8774,7 +8356,7 @@
         </a:bodyPr>
         <a:lstStyle/>
         <a:p>
-          <a:pPr lvl="0" algn="ctr" defTabSz="222250">
+          <a:pPr marL="0" lvl="0" indent="0" algn="ctr" defTabSz="222250">
             <a:lnSpc>
               <a:spcPct val="90000"/>
             </a:lnSpc>
@@ -8784,6 +8366,7 @@
             <a:spcAft>
               <a:spcPct val="35000"/>
             </a:spcAft>
+            <a:buNone/>
           </a:pPr>
           <a:endParaRPr lang="nl-NL" sz="500" kern="1200"/>
         </a:p>
@@ -8844,7 +8427,7 @@
         </a:bodyPr>
         <a:lstStyle/>
         <a:p>
-          <a:pPr lvl="0" algn="ctr" defTabSz="800100">
+          <a:pPr marL="0" lvl="0" indent="0" algn="ctr" defTabSz="800100">
             <a:lnSpc>
               <a:spcPct val="90000"/>
             </a:lnSpc>
@@ -8854,12 +8437,12 @@
             <a:spcAft>
               <a:spcPct val="35000"/>
             </a:spcAft>
+            <a:buNone/>
           </a:pPr>
           <a:r>
-            <a:rPr lang="nl-NL" sz="1800" kern="1200" dirty="0" smtClean="0"/>
+            <a:rPr lang="nl-NL" sz="1800" kern="1200" dirty="0"/>
             <a:t>Voorstel indienen</a:t>
           </a:r>
-          <a:endParaRPr lang="nl-NL" sz="1800" kern="1200" dirty="0"/>
         </a:p>
       </dsp:txBody>
       <dsp:txXfrm>
@@ -8927,7 +8510,7 @@
         </a:bodyPr>
         <a:lstStyle/>
         <a:p>
-          <a:pPr lvl="0" algn="ctr" defTabSz="222250">
+          <a:pPr marL="0" lvl="0" indent="0" algn="ctr" defTabSz="222250">
             <a:lnSpc>
               <a:spcPct val="90000"/>
             </a:lnSpc>
@@ -8937,6 +8520,7 @@
             <a:spcAft>
               <a:spcPct val="35000"/>
             </a:spcAft>
+            <a:buNone/>
           </a:pPr>
           <a:endParaRPr lang="nl-NL" sz="500" kern="1200"/>
         </a:p>
@@ -8997,7 +8581,7 @@
         </a:bodyPr>
         <a:lstStyle/>
         <a:p>
-          <a:pPr lvl="0" algn="ctr" defTabSz="800100">
+          <a:pPr marL="0" lvl="0" indent="0" algn="ctr" defTabSz="800100">
             <a:lnSpc>
               <a:spcPct val="90000"/>
             </a:lnSpc>
@@ -9007,12 +8591,12 @@
             <a:spcAft>
               <a:spcPct val="35000"/>
             </a:spcAft>
+            <a:buNone/>
           </a:pPr>
           <a:r>
-            <a:rPr lang="nl-NL" sz="1800" kern="1200" dirty="0" smtClean="0"/>
+            <a:rPr lang="nl-NL" sz="1800" kern="1200" dirty="0"/>
             <a:t>Belbintest</a:t>
           </a:r>
-          <a:endParaRPr lang="nl-NL" sz="1800" kern="1200" dirty="0"/>
         </a:p>
       </dsp:txBody>
       <dsp:txXfrm>
@@ -9080,7 +8664,7 @@
         </a:bodyPr>
         <a:lstStyle/>
         <a:p>
-          <a:pPr lvl="0" algn="ctr" defTabSz="222250">
+          <a:pPr marL="0" lvl="0" indent="0" algn="ctr" defTabSz="222250">
             <a:lnSpc>
               <a:spcPct val="90000"/>
             </a:lnSpc>
@@ -9090,6 +8674,7 @@
             <a:spcAft>
               <a:spcPct val="35000"/>
             </a:spcAft>
+            <a:buNone/>
           </a:pPr>
           <a:endParaRPr lang="nl-NL" sz="500" kern="1200"/>
         </a:p>
@@ -9150,7 +8735,7 @@
         </a:bodyPr>
         <a:lstStyle/>
         <a:p>
-          <a:pPr lvl="0" algn="ctr" defTabSz="800100">
+          <a:pPr marL="0" lvl="0" indent="0" algn="ctr" defTabSz="800100">
             <a:lnSpc>
               <a:spcPct val="90000"/>
             </a:lnSpc>
@@ -9160,12 +8745,12 @@
             <a:spcAft>
               <a:spcPct val="35000"/>
             </a:spcAft>
+            <a:buNone/>
           </a:pPr>
           <a:r>
-            <a:rPr lang="nl-NL" sz="1800" kern="1200" dirty="0" smtClean="0"/>
+            <a:rPr lang="nl-NL" sz="1800" kern="1200" dirty="0"/>
             <a:t>Studenten toevoegen</a:t>
           </a:r>
-          <a:endParaRPr lang="nl-NL" sz="1800" kern="1200" dirty="0"/>
         </a:p>
       </dsp:txBody>
       <dsp:txXfrm>
@@ -9233,7 +8818,7 @@
         </a:bodyPr>
         <a:lstStyle/>
         <a:p>
-          <a:pPr lvl="0" algn="ctr" defTabSz="222250">
+          <a:pPr marL="0" lvl="0" indent="0" algn="ctr" defTabSz="222250">
             <a:lnSpc>
               <a:spcPct val="90000"/>
             </a:lnSpc>
@@ -9243,6 +8828,7 @@
             <a:spcAft>
               <a:spcPct val="35000"/>
             </a:spcAft>
+            <a:buNone/>
           </a:pPr>
           <a:endParaRPr lang="nl-NL" sz="500" kern="1200"/>
         </a:p>
@@ -9303,7 +8889,7 @@
         </a:bodyPr>
         <a:lstStyle/>
         <a:p>
-          <a:pPr lvl="0" algn="ctr" defTabSz="800100">
+          <a:pPr marL="0" lvl="0" indent="0" algn="ctr" defTabSz="800100">
             <a:lnSpc>
               <a:spcPct val="90000"/>
             </a:lnSpc>
@@ -9313,12 +8899,12 @@
             <a:spcAft>
               <a:spcPct val="35000"/>
             </a:spcAft>
+            <a:buNone/>
           </a:pPr>
           <a:r>
-            <a:rPr lang="nl-NL" sz="1800" kern="1200" dirty="0" smtClean="0"/>
+            <a:rPr lang="nl-NL" sz="1800" kern="1200" dirty="0"/>
             <a:t>Voorstel bewerken</a:t>
           </a:r>
-          <a:endParaRPr lang="nl-NL" sz="1800" kern="1200" dirty="0"/>
         </a:p>
       </dsp:txBody>
       <dsp:txXfrm>
@@ -9392,7 +8978,7 @@
         </a:bodyPr>
         <a:lstStyle/>
         <a:p>
-          <a:pPr lvl="0" algn="ctr" defTabSz="666750">
+          <a:pPr marL="0" lvl="0" indent="0" algn="ctr" defTabSz="666750">
             <a:lnSpc>
               <a:spcPct val="90000"/>
             </a:lnSpc>
@@ -9402,12 +8988,12 @@
             <a:spcAft>
               <a:spcPct val="35000"/>
             </a:spcAft>
+            <a:buNone/>
           </a:pPr>
           <a:r>
-            <a:rPr lang="nl-NL" sz="1500" kern="1200" dirty="0" smtClean="0"/>
+            <a:rPr lang="nl-NL" sz="1500" kern="1200" dirty="0"/>
             <a:t>Interviews</a:t>
           </a:r>
-          <a:endParaRPr lang="nl-NL" sz="1500" kern="1200" dirty="0"/>
         </a:p>
       </dsp:txBody>
       <dsp:txXfrm>
@@ -9469,7 +9055,7 @@
         </a:bodyPr>
         <a:lstStyle/>
         <a:p>
-          <a:pPr lvl="0" algn="ctr" defTabSz="666750">
+          <a:pPr marL="0" lvl="0" indent="0" algn="ctr" defTabSz="666750">
             <a:lnSpc>
               <a:spcPct val="90000"/>
             </a:lnSpc>
@@ -9479,9 +9065,10 @@
             <a:spcAft>
               <a:spcPct val="35000"/>
             </a:spcAft>
+            <a:buNone/>
           </a:pPr>
           <a:r>
-            <a:rPr lang="nl-NL" sz="1500" kern="1200" dirty="0" err="1" smtClean="0"/>
+            <a:rPr lang="nl-NL" sz="1500" kern="1200" dirty="0" err="1"/>
             <a:t>Persona’s</a:t>
           </a:r>
           <a:endParaRPr lang="nl-NL" sz="1500" kern="1200" dirty="0"/>
@@ -9546,7 +9133,7 @@
         </a:bodyPr>
         <a:lstStyle/>
         <a:p>
-          <a:pPr lvl="0" algn="ctr" defTabSz="666750">
+          <a:pPr marL="0" lvl="0" indent="0" algn="ctr" defTabSz="666750">
             <a:lnSpc>
               <a:spcPct val="90000"/>
             </a:lnSpc>
@@ -9556,9 +9143,10 @@
             <a:spcAft>
               <a:spcPct val="35000"/>
             </a:spcAft>
+            <a:buNone/>
           </a:pPr>
           <a:r>
-            <a:rPr lang="nl-NL" sz="1500" kern="1200" dirty="0" err="1" smtClean="0"/>
+            <a:rPr lang="nl-NL" sz="1500" kern="1200" dirty="0" err="1"/>
             <a:t>Wireframes</a:t>
           </a:r>
           <a:endParaRPr lang="nl-NL" sz="1500" kern="1200" dirty="0"/>
@@ -9623,7 +9211,7 @@
         </a:bodyPr>
         <a:lstStyle/>
         <a:p>
-          <a:pPr lvl="0" algn="ctr" defTabSz="666750">
+          <a:pPr marL="0" lvl="0" indent="0" algn="ctr" defTabSz="666750">
             <a:lnSpc>
               <a:spcPct val="90000"/>
             </a:lnSpc>
@@ -9633,12 +9221,12 @@
             <a:spcAft>
               <a:spcPct val="35000"/>
             </a:spcAft>
+            <a:buNone/>
           </a:pPr>
           <a:r>
-            <a:rPr lang="nl-NL" sz="1500" kern="1200" dirty="0" smtClean="0"/>
+            <a:rPr lang="nl-NL" sz="1500" kern="1200" dirty="0"/>
             <a:t>Storyboard</a:t>
           </a:r>
-          <a:endParaRPr lang="nl-NL" sz="1500" kern="1200" dirty="0"/>
         </a:p>
       </dsp:txBody>
       <dsp:txXfrm>
@@ -9714,7 +9302,7 @@
         </a:bodyPr>
         <a:lstStyle/>
         <a:p>
-          <a:pPr lvl="0" algn="ctr" defTabSz="1022350">
+          <a:pPr marL="0" lvl="0" indent="0" algn="ctr" defTabSz="1022350">
             <a:lnSpc>
               <a:spcPct val="90000"/>
             </a:lnSpc>
@@ -9724,12 +9312,12 @@
             <a:spcAft>
               <a:spcPct val="35000"/>
             </a:spcAft>
+            <a:buNone/>
           </a:pPr>
           <a:r>
-            <a:rPr lang="nl-NL" sz="2300" kern="1200" dirty="0" smtClean="0"/>
+            <a:rPr lang="nl-NL" sz="2300" kern="1200" dirty="0"/>
             <a:t>Login</a:t>
           </a:r>
-          <a:endParaRPr lang="nl-NL" sz="2300" kern="1200" dirty="0"/>
         </a:p>
       </dsp:txBody>
       <dsp:txXfrm>
@@ -9850,7 +9438,7 @@
         </a:bodyPr>
         <a:lstStyle/>
         <a:p>
-          <a:pPr lvl="0" algn="ctr" defTabSz="666750">
+          <a:pPr marL="0" lvl="0" indent="0" algn="ctr" defTabSz="666750">
             <a:lnSpc>
               <a:spcPct val="90000"/>
             </a:lnSpc>
@@ -9860,16 +9448,16 @@
             <a:spcAft>
               <a:spcPct val="35000"/>
             </a:spcAft>
+            <a:buNone/>
           </a:pPr>
           <a:r>
-            <a:rPr lang="nl-NL" sz="1500" kern="1200" dirty="0" err="1" smtClean="0"/>
+            <a:rPr lang="nl-NL" sz="1500" kern="1200" dirty="0" err="1"/>
             <a:t>Odisee</a:t>
           </a:r>
           <a:r>
-            <a:rPr lang="nl-NL" sz="1500" kern="1200" dirty="0" smtClean="0"/>
+            <a:rPr lang="nl-NL" sz="1500" kern="1200" dirty="0"/>
             <a:t> mail</a:t>
           </a:r>
-          <a:endParaRPr lang="nl-NL" sz="1500" kern="1200" dirty="0"/>
         </a:p>
       </dsp:txBody>
       <dsp:txXfrm>
@@ -9990,7 +9578,7 @@
         </a:bodyPr>
         <a:lstStyle/>
         <a:p>
-          <a:pPr lvl="0" algn="ctr" defTabSz="666750">
+          <a:pPr marL="0" lvl="0" indent="0" algn="ctr" defTabSz="666750">
             <a:lnSpc>
               <a:spcPct val="90000"/>
             </a:lnSpc>
@@ -10000,12 +9588,12 @@
             <a:spcAft>
               <a:spcPct val="35000"/>
             </a:spcAft>
+            <a:buNone/>
           </a:pPr>
           <a:r>
-            <a:rPr lang="nl-NL" sz="1500" kern="1200" dirty="0" smtClean="0"/>
+            <a:rPr lang="nl-NL" sz="1500" kern="1200" dirty="0"/>
             <a:t>Externe gebruikers</a:t>
           </a:r>
-          <a:endParaRPr lang="nl-NL" sz="1500" kern="1200" dirty="0"/>
         </a:p>
       </dsp:txBody>
       <dsp:txXfrm>
@@ -10126,7 +9714,7 @@
         </a:bodyPr>
         <a:lstStyle/>
         <a:p>
-          <a:pPr lvl="0" algn="ctr" defTabSz="666750">
+          <a:pPr marL="0" lvl="0" indent="0" algn="ctr" defTabSz="666750">
             <a:lnSpc>
               <a:spcPct val="90000"/>
             </a:lnSpc>
@@ -10136,12 +9724,12 @@
             <a:spcAft>
               <a:spcPct val="35000"/>
             </a:spcAft>
+            <a:buNone/>
           </a:pPr>
           <a:r>
-            <a:rPr lang="nl-NL" sz="1500" kern="1200" dirty="0" smtClean="0"/>
+            <a:rPr lang="nl-NL" sz="1500" kern="1200" dirty="0"/>
             <a:t>Snelheid</a:t>
           </a:r>
-          <a:endParaRPr lang="nl-NL" sz="1500" kern="1200" dirty="0"/>
         </a:p>
       </dsp:txBody>
       <dsp:txXfrm>
@@ -10262,7 +9850,7 @@
         </a:bodyPr>
         <a:lstStyle/>
         <a:p>
-          <a:pPr lvl="0" algn="ctr" defTabSz="666750">
+          <a:pPr marL="0" lvl="0" indent="0" algn="ctr" defTabSz="666750">
             <a:lnSpc>
               <a:spcPct val="90000"/>
             </a:lnSpc>
@@ -10272,12 +9860,12 @@
             <a:spcAft>
               <a:spcPct val="35000"/>
             </a:spcAft>
+            <a:buNone/>
           </a:pPr>
           <a:r>
-            <a:rPr lang="nl-NL" sz="1500" kern="1200" dirty="0" smtClean="0"/>
+            <a:rPr lang="nl-NL" sz="1500" kern="1200" dirty="0"/>
             <a:t>Belbintest</a:t>
           </a:r>
-          <a:endParaRPr lang="nl-NL" sz="1500" kern="1200" dirty="0"/>
         </a:p>
       </dsp:txBody>
       <dsp:txXfrm>
@@ -10341,7 +9929,7 @@
         </a:bodyPr>
         <a:lstStyle/>
         <a:p>
-          <a:pPr lvl="0" algn="ctr" defTabSz="1022350">
+          <a:pPr marL="0" lvl="0" indent="0" algn="ctr" defTabSz="1022350">
             <a:lnSpc>
               <a:spcPct val="90000"/>
             </a:lnSpc>
@@ -10351,12 +9939,12 @@
             <a:spcAft>
               <a:spcPct val="35000"/>
             </a:spcAft>
+            <a:buNone/>
           </a:pPr>
           <a:r>
-            <a:rPr lang="nl-NL" sz="2300" kern="1200" dirty="0" smtClean="0"/>
+            <a:rPr lang="nl-NL" sz="2300" kern="1200" dirty="0"/>
             <a:t>Voorstel indienen</a:t>
           </a:r>
-          <a:endParaRPr lang="nl-NL" sz="2300" kern="1200" dirty="0"/>
         </a:p>
       </dsp:txBody>
       <dsp:txXfrm>
@@ -10477,7 +10065,7 @@
         </a:bodyPr>
         <a:lstStyle/>
         <a:p>
-          <a:pPr lvl="0" algn="ctr" defTabSz="666750">
+          <a:pPr marL="0" lvl="0" indent="0" algn="ctr" defTabSz="666750">
             <a:lnSpc>
               <a:spcPct val="90000"/>
             </a:lnSpc>
@@ -10487,12 +10075,12 @@
             <a:spcAft>
               <a:spcPct val="35000"/>
             </a:spcAft>
+            <a:buNone/>
           </a:pPr>
           <a:r>
-            <a:rPr lang="nl-NL" sz="1500" kern="1200" dirty="0" smtClean="0"/>
+            <a:rPr lang="nl-NL" sz="1500" kern="1200" dirty="0"/>
             <a:t>Docent selecteren</a:t>
           </a:r>
-          <a:endParaRPr lang="nl-NL" sz="1500" kern="1200" dirty="0"/>
         </a:p>
       </dsp:txBody>
       <dsp:txXfrm>
@@ -10613,7 +10201,7 @@
         </a:bodyPr>
         <a:lstStyle/>
         <a:p>
-          <a:pPr lvl="0" algn="ctr" defTabSz="666750">
+          <a:pPr marL="0" lvl="0" indent="0" algn="ctr" defTabSz="666750">
             <a:lnSpc>
               <a:spcPct val="90000"/>
             </a:lnSpc>
@@ -10623,12 +10211,12 @@
             <a:spcAft>
               <a:spcPct val="35000"/>
             </a:spcAft>
+            <a:buNone/>
           </a:pPr>
           <a:r>
-            <a:rPr lang="nl-NL" sz="1500" kern="1200" dirty="0" smtClean="0"/>
+            <a:rPr lang="nl-NL" sz="1500" kern="1200" dirty="0"/>
             <a:t>SMART-criteria</a:t>
           </a:r>
-          <a:endParaRPr lang="nl-NL" sz="1500" kern="1200" dirty="0"/>
         </a:p>
       </dsp:txBody>
       <dsp:txXfrm>
@@ -10749,7 +10337,7 @@
         </a:bodyPr>
         <a:lstStyle/>
         <a:p>
-          <a:pPr lvl="0" algn="ctr" defTabSz="666750">
+          <a:pPr marL="0" lvl="0" indent="0" algn="ctr" defTabSz="666750">
             <a:lnSpc>
               <a:spcPct val="90000"/>
             </a:lnSpc>
@@ -10759,12 +10347,12 @@
             <a:spcAft>
               <a:spcPct val="35000"/>
             </a:spcAft>
+            <a:buNone/>
           </a:pPr>
           <a:r>
-            <a:rPr lang="nl-NL" sz="1500" kern="1200" dirty="0" smtClean="0"/>
+            <a:rPr lang="nl-NL" sz="1500" kern="1200" dirty="0"/>
             <a:t>Mogelijkheid aanpassen</a:t>
           </a:r>
-          <a:endParaRPr lang="nl-NL" sz="1500" kern="1200" dirty="0"/>
         </a:p>
       </dsp:txBody>
       <dsp:txXfrm>
@@ -10885,7 +10473,7 @@
         </a:bodyPr>
         <a:lstStyle/>
         <a:p>
-          <a:pPr lvl="0" algn="ctr" defTabSz="666750">
+          <a:pPr marL="0" lvl="0" indent="0" algn="ctr" defTabSz="666750">
             <a:lnSpc>
               <a:spcPct val="90000"/>
             </a:lnSpc>
@@ -10895,12 +10483,12 @@
             <a:spcAft>
               <a:spcPct val="35000"/>
             </a:spcAft>
+            <a:buNone/>
           </a:pPr>
           <a:r>
-            <a:rPr lang="nl-NL" sz="1500" kern="1200" dirty="0" smtClean="0"/>
+            <a:rPr lang="nl-NL" sz="1500" kern="1200" dirty="0"/>
             <a:t>Extra deelvragen</a:t>
           </a:r>
-          <a:endParaRPr lang="nl-NL" sz="1500" kern="1200" dirty="0"/>
         </a:p>
       </dsp:txBody>
       <dsp:txXfrm>
@@ -10964,7 +10552,7 @@
         </a:bodyPr>
         <a:lstStyle/>
         <a:p>
-          <a:pPr lvl="0" algn="ctr" defTabSz="1022350">
+          <a:pPr marL="0" lvl="0" indent="0" algn="ctr" defTabSz="1022350">
             <a:lnSpc>
               <a:spcPct val="90000"/>
             </a:lnSpc>
@@ -10974,12 +10562,12 @@
             <a:spcAft>
               <a:spcPct val="35000"/>
             </a:spcAft>
+            <a:buNone/>
           </a:pPr>
           <a:r>
-            <a:rPr lang="nl-NL" sz="2300" kern="1200" dirty="0" smtClean="0"/>
+            <a:rPr lang="nl-NL" sz="2300" kern="1200" dirty="0"/>
             <a:t>Projecten</a:t>
           </a:r>
-          <a:endParaRPr lang="nl-NL" sz="2300" kern="1200" dirty="0"/>
         </a:p>
       </dsp:txBody>
       <dsp:txXfrm>
@@ -11100,7 +10688,7 @@
         </a:bodyPr>
         <a:lstStyle/>
         <a:p>
-          <a:pPr lvl="0" algn="ctr" defTabSz="666750">
+          <a:pPr marL="0" lvl="0" indent="0" algn="ctr" defTabSz="666750">
             <a:lnSpc>
               <a:spcPct val="90000"/>
             </a:lnSpc>
@@ -11110,12 +10698,12 @@
             <a:spcAft>
               <a:spcPct val="35000"/>
             </a:spcAft>
+            <a:buNone/>
           </a:pPr>
           <a:r>
-            <a:rPr lang="nl-NL" sz="1500" kern="1200" dirty="0" smtClean="0"/>
+            <a:rPr lang="nl-NL" sz="1500" kern="1200" dirty="0"/>
             <a:t>Filters</a:t>
           </a:r>
-          <a:endParaRPr lang="nl-NL" sz="1500" kern="1200" dirty="0"/>
         </a:p>
       </dsp:txBody>
       <dsp:txXfrm>
@@ -11236,7 +10824,7 @@
         </a:bodyPr>
         <a:lstStyle/>
         <a:p>
-          <a:pPr lvl="0" algn="ctr" defTabSz="666750">
+          <a:pPr marL="0" lvl="0" indent="0" algn="ctr" defTabSz="666750">
             <a:lnSpc>
               <a:spcPct val="90000"/>
             </a:lnSpc>
@@ -11246,12 +10834,12 @@
             <a:spcAft>
               <a:spcPct val="35000"/>
             </a:spcAft>
+            <a:buNone/>
           </a:pPr>
           <a:r>
-            <a:rPr lang="nl-NL" sz="1500" kern="1200" dirty="0" smtClean="0"/>
+            <a:rPr lang="nl-NL" sz="1500" kern="1200" dirty="0"/>
             <a:t>Goed- of afkeuren door alle docenten</a:t>
           </a:r>
-          <a:endParaRPr lang="nl-NL" sz="1500" kern="1200" dirty="0"/>
         </a:p>
       </dsp:txBody>
       <dsp:txXfrm>
@@ -11435,7 +11023,7 @@
         </a:bodyPr>
         <a:lstStyle/>
         <a:p>
-          <a:pPr lvl="0" algn="ctr" defTabSz="889000">
+          <a:pPr marL="0" lvl="0" indent="0" algn="ctr" defTabSz="889000">
             <a:lnSpc>
               <a:spcPct val="90000"/>
             </a:lnSpc>
@@ -11445,9 +11033,10 @@
             <a:spcAft>
               <a:spcPct val="35000"/>
             </a:spcAft>
+            <a:buNone/>
           </a:pPr>
           <a:r>
-            <a:rPr lang="nl-NL" sz="2000" kern="1200" dirty="0" err="1" smtClean="0"/>
+            <a:rPr lang="nl-NL" sz="2000" kern="1200" dirty="0" err="1"/>
             <a:t>Mysql</a:t>
           </a:r>
           <a:endParaRPr lang="nl-NL" sz="2000" kern="1200" dirty="0"/>
@@ -11569,7 +11158,7 @@
         </a:bodyPr>
         <a:lstStyle/>
         <a:p>
-          <a:pPr lvl="0" algn="ctr" defTabSz="889000">
+          <a:pPr marL="0" lvl="0" indent="0" algn="ctr" defTabSz="889000">
             <a:lnSpc>
               <a:spcPct val="90000"/>
             </a:lnSpc>
@@ -11579,12 +11168,12 @@
             <a:spcAft>
               <a:spcPct val="35000"/>
             </a:spcAft>
+            <a:buNone/>
           </a:pPr>
           <a:r>
-            <a:rPr lang="nl-NL" sz="2000" kern="1200" dirty="0" smtClean="0"/>
+            <a:rPr lang="nl-NL" sz="2000" kern="1200" dirty="0"/>
             <a:t>SQL Server</a:t>
           </a:r>
-          <a:endParaRPr lang="nl-NL" sz="2000" kern="1200" dirty="0"/>
         </a:p>
       </dsp:txBody>
       <dsp:txXfrm rot="10800000">
@@ -11703,7 +11292,7 @@
         </a:bodyPr>
         <a:lstStyle/>
         <a:p>
-          <a:pPr lvl="0" algn="ctr" defTabSz="889000">
+          <a:pPr marL="0" lvl="0" indent="0" algn="ctr" defTabSz="889000">
             <a:lnSpc>
               <a:spcPct val="90000"/>
             </a:lnSpc>
@@ -11713,9 +11302,10 @@
             <a:spcAft>
               <a:spcPct val="35000"/>
             </a:spcAft>
+            <a:buNone/>
           </a:pPr>
           <a:r>
-            <a:rPr lang="nl-NL" sz="2000" kern="1200" dirty="0" err="1" smtClean="0"/>
+            <a:rPr lang="nl-NL" sz="2000" kern="1200" dirty="0" err="1"/>
             <a:t>SQLite</a:t>
           </a:r>
           <a:endParaRPr lang="nl-NL" sz="2000" kern="1200" dirty="0"/>
@@ -11837,7 +11427,7 @@
         </a:bodyPr>
         <a:lstStyle/>
         <a:p>
-          <a:pPr lvl="0" algn="ctr" defTabSz="889000">
+          <a:pPr marL="0" lvl="0" indent="0" algn="ctr" defTabSz="889000">
             <a:lnSpc>
               <a:spcPct val="90000"/>
             </a:lnSpc>
@@ -11847,9 +11437,10 @@
             <a:spcAft>
               <a:spcPct val="35000"/>
             </a:spcAft>
+            <a:buNone/>
           </a:pPr>
           <a:r>
-            <a:rPr lang="nl-NL" sz="2000" kern="1200" dirty="0" err="1" smtClean="0"/>
+            <a:rPr lang="nl-NL" sz="2000" kern="1200" dirty="0" err="1"/>
             <a:t>PostgreSQL</a:t>
           </a:r>
           <a:endParaRPr lang="nl-NL" sz="2000" kern="1200" dirty="0"/>
@@ -19345,7 +18936,7 @@
           </a:lstStyle>
           <a:p>
             <a:fld id="{2518152A-4670-DD4C-AAFC-C17F734418B3}" type="datetimeFigureOut">
-              <a:t>11-6-2019</a:t>
+              <a:t>19-6-2019</a:t>
             </a:fld>
             <a:endParaRPr lang="en-US"/>
           </a:p>
@@ -19509,7 +19100,7 @@
           </a:lstStyle>
           <a:p>
             <a:fld id="{7AC900B5-6857-DB44-9846-7C78C09874F3}" type="datetimeFigureOut">
-              <a:t>11-6-2019</a:t>
+              <a:t>19-6-2019</a:t>
             </a:fld>
             <a:endParaRPr lang="en-US"/>
           </a:p>
@@ -19906,15 +19497,15 @@
           <a:lstStyle/>
           <a:p>
             <a:r>
-              <a:rPr lang="nl-NL" dirty="0" smtClean="0"/>
+              <a:rPr lang="nl-NL" dirty="0"/>
               <a:t>De </a:t>
             </a:r>
             <a:r>
-              <a:rPr lang="nl-NL" dirty="0" err="1" smtClean="0"/>
+              <a:rPr lang="nl-NL" dirty="0" err="1"/>
               <a:t>belangerijkste</a:t>
             </a:r>
             <a:r>
-              <a:rPr lang="nl-NL" baseline="0" dirty="0" smtClean="0"/>
+              <a:rPr lang="nl-NL" baseline="0" dirty="0"/>
               <a:t> punten uit de interviews</a:t>
             </a:r>
             <a:endParaRPr lang="nl-NL" dirty="0"/>
@@ -20134,7 +19725,7 @@
           </a:lstStyle>
           <a:p>
             <a:r>
-              <a:rPr lang="nl-NL" noProof="0" smtClean="0"/>
+              <a:rPr lang="nl-NL" noProof="0"/>
               <a:t>Klik om de ondertitelstijl van het model te bewerken</a:t>
             </a:r>
             <a:endParaRPr lang="nl-BE" noProof="0"/>
@@ -20438,7 +20029,7 @@
           <a:lstStyle/>
           <a:p>
             <a:fld id="{5F17BE6E-A6F8-3442-9DA5-5593485BE98C}" type="datetime1">
-              <a:t>11-6-2019</a:t>
+              <a:t>19-6-2019</a:t>
             </a:fld>
             <a:endParaRPr lang="en-US"/>
           </a:p>
@@ -20939,7 +20530,7 @@
           <a:lstStyle/>
           <a:p>
             <a:fld id="{36086CE3-90FF-5744-87D8-5D36EE4D91CC}" type="datetime1">
-              <a:t>11-6-2019</a:t>
+              <a:t>19-6-2019</a:t>
             </a:fld>
             <a:endParaRPr lang="en-US"/>
           </a:p>
@@ -21228,7 +20819,7 @@
           <a:lstStyle/>
           <a:p>
             <a:fld id="{E5FDB7F4-B6ED-1748-9D00-406FDAEF6503}" type="datetime1">
-              <a:t>11-6-2019</a:t>
+              <a:t>19-6-2019</a:t>
             </a:fld>
             <a:endParaRPr lang="en-US"/>
           </a:p>
@@ -21324,7 +20915,7 @@
           <a:lstStyle/>
           <a:p>
             <a:fld id="{B721E619-EBD6-CB45-B312-466BFC0B87E3}" type="datetime1">
-              <a:t>11-6-2019</a:t>
+              <a:t>19-6-2019</a:t>
             </a:fld>
             <a:endParaRPr lang="en-US"/>
           </a:p>
@@ -21578,7 +21169,7 @@
           <a:lstStyle/>
           <a:p>
             <a:fld id="{138FFCED-4308-CA4D-ACC4-3948E9F11CDF}" type="datetime1">
-              <a:t>11-6-2019</a:t>
+              <a:t>19-6-2019</a:t>
             </a:fld>
             <a:endParaRPr lang="en-US"/>
           </a:p>
@@ -22079,7 +21670,7 @@
           <a:lstStyle/>
           <a:p>
             <a:fld id="{36086CE3-90FF-5744-87D8-5D36EE4D91CC}" type="datetime1">
-              <a:t>11-6-2019</a:t>
+              <a:t>19-6-2019</a:t>
             </a:fld>
             <a:endParaRPr lang="en-US"/>
           </a:p>
@@ -22368,7 +21959,7 @@
           <a:lstStyle/>
           <a:p>
             <a:fld id="{E5FDB7F4-B6ED-1748-9D00-406FDAEF6503}" type="datetime1">
-              <a:t>11-6-2019</a:t>
+              <a:t>19-6-2019</a:t>
             </a:fld>
             <a:endParaRPr lang="en-US"/>
           </a:p>
@@ -22464,7 +22055,7 @@
           <a:lstStyle/>
           <a:p>
             <a:fld id="{B721E619-EBD6-CB45-B312-466BFC0B87E3}" type="datetime1">
-              <a:t>11-6-2019</a:t>
+              <a:t>19-6-2019</a:t>
             </a:fld>
             <a:endParaRPr lang="en-US"/>
           </a:p>
@@ -22560,7 +22151,7 @@
           <a:lstStyle/>
           <a:p>
             <a:r>
-              <a:rPr lang="nl-NL" smtClean="0"/>
+              <a:rPr lang="nl-NL"/>
               <a:t>Klik om de stijl te bewerken</a:t>
             </a:r>
             <a:endParaRPr lang="en-US"/>
@@ -22584,35 +22175,35 @@
           <a:p>
             <a:pPr lvl="0"/>
             <a:r>
-              <a:rPr lang="nl-NL" smtClean="0"/>
+              <a:rPr lang="nl-NL"/>
               <a:t>Klik om de modelstijlen te bewerken</a:t>
             </a:r>
           </a:p>
           <a:p>
             <a:pPr lvl="1"/>
             <a:r>
-              <a:rPr lang="nl-NL" smtClean="0"/>
+              <a:rPr lang="nl-NL"/>
               <a:t>Tweede niveau</a:t>
             </a:r>
           </a:p>
           <a:p>
             <a:pPr lvl="2"/>
             <a:r>
-              <a:rPr lang="nl-NL" smtClean="0"/>
+              <a:rPr lang="nl-NL"/>
               <a:t>Derde niveau</a:t>
             </a:r>
           </a:p>
           <a:p>
             <a:pPr lvl="3"/>
             <a:r>
-              <a:rPr lang="nl-NL" smtClean="0"/>
+              <a:rPr lang="nl-NL"/>
               <a:t>Vierde niveau</a:t>
             </a:r>
           </a:p>
           <a:p>
             <a:pPr lvl="4"/>
             <a:r>
-              <a:rPr lang="nl-NL" smtClean="0"/>
+              <a:rPr lang="nl-NL"/>
               <a:t>Vijfde niveau</a:t>
             </a:r>
             <a:endParaRPr lang="en-US"/>
@@ -22635,7 +22226,7 @@
           <a:lstStyle/>
           <a:p>
             <a:fld id="{D956C2C8-AF4A-3F4C-B9B4-50FA0AC2319A}" type="datetime1">
-              <a:t>11-6-2019</a:t>
+              <a:t>19-6-2019</a:t>
             </a:fld>
             <a:endParaRPr lang="en-US"/>
           </a:p>
@@ -22889,7 +22480,7 @@
           <a:lstStyle/>
           <a:p>
             <a:fld id="{138FFCED-4308-CA4D-ACC4-3948E9F11CDF}" type="datetime1">
-              <a:t>11-6-2019</a:t>
+              <a:t>19-6-2019</a:t>
             </a:fld>
             <a:endParaRPr lang="en-US"/>
           </a:p>
@@ -23390,7 +22981,7 @@
           <a:lstStyle/>
           <a:p>
             <a:fld id="{E056D7AB-E25E-FB4B-969B-4A4EA7ABA0AD}" type="datetime1">
-              <a:t>11-6-2019</a:t>
+              <a:t>19-6-2019</a:t>
             </a:fld>
             <a:endParaRPr lang="en-US"/>
           </a:p>
@@ -23679,7 +23270,7 @@
           <a:lstStyle/>
           <a:p>
             <a:fld id="{347F30DE-79EA-A349-BE9F-7981F0F2DC46}" type="datetime1">
-              <a:t>11-6-2019</a:t>
+              <a:t>19-6-2019</a:t>
             </a:fld>
             <a:endParaRPr lang="en-US"/>
           </a:p>
@@ -23775,7 +23366,7 @@
           <a:lstStyle/>
           <a:p>
             <a:fld id="{8FC05770-7E08-F248-BA09-A0038AB0618E}" type="datetime1">
-              <a:t>11-6-2019</a:t>
+              <a:t>19-6-2019</a:t>
             </a:fld>
             <a:endParaRPr lang="en-US"/>
           </a:p>
@@ -24029,7 +23620,7 @@
           <a:lstStyle/>
           <a:p>
             <a:fld id="{0149C62E-9B80-144E-9FFF-A108B648E2E0}" type="datetime1">
-              <a:t>11-6-2019</a:t>
+              <a:t>19-6-2019</a:t>
             </a:fld>
             <a:endParaRPr lang="en-US"/>
           </a:p>
@@ -24530,7 +24121,7 @@
           <a:lstStyle/>
           <a:p>
             <a:fld id="{5F856C8F-3F9B-6D44-8056-EDB07DB254DC}" type="datetime1">
-              <a:t>11-6-2019</a:t>
+              <a:t>19-6-2019</a:t>
             </a:fld>
             <a:endParaRPr lang="en-US"/>
           </a:p>
@@ -24819,7 +24410,7 @@
           <a:lstStyle/>
           <a:p>
             <a:fld id="{1CE7233C-6A1A-B347-86E1-38E7A4477365}" type="datetime1">
-              <a:t>11-6-2019</a:t>
+              <a:t>19-6-2019</a:t>
             </a:fld>
             <a:endParaRPr lang="en-US"/>
           </a:p>
@@ -24915,7 +24506,7 @@
           <a:lstStyle/>
           <a:p>
             <a:fld id="{3655A780-40C0-BD41-9FCF-DB3CB79764AE}" type="datetime1">
-              <a:t>11-6-2019</a:t>
+              <a:t>19-6-2019</a:t>
             </a:fld>
             <a:endParaRPr lang="en-US"/>
           </a:p>
@@ -25011,7 +24602,7 @@
           <a:lstStyle/>
           <a:p>
             <a:r>
-              <a:rPr lang="nl-NL" smtClean="0"/>
+              <a:rPr lang="nl-NL"/>
               <a:t>Klik om de stijl te bewerken</a:t>
             </a:r>
             <a:endParaRPr lang="en-US"/>
@@ -25068,35 +24659,35 @@
           <a:p>
             <a:pPr lvl="0"/>
             <a:r>
-              <a:rPr lang="nl-NL" smtClean="0"/>
+              <a:rPr lang="nl-NL"/>
               <a:t>Klik om de modelstijlen te bewerken</a:t>
             </a:r>
           </a:p>
           <a:p>
             <a:pPr lvl="1"/>
             <a:r>
-              <a:rPr lang="nl-NL" smtClean="0"/>
+              <a:rPr lang="nl-NL"/>
               <a:t>Tweede niveau</a:t>
             </a:r>
           </a:p>
           <a:p>
             <a:pPr lvl="2"/>
             <a:r>
-              <a:rPr lang="nl-NL" smtClean="0"/>
+              <a:rPr lang="nl-NL"/>
               <a:t>Derde niveau</a:t>
             </a:r>
           </a:p>
           <a:p>
             <a:pPr lvl="3"/>
             <a:r>
-              <a:rPr lang="nl-NL" smtClean="0"/>
+              <a:rPr lang="nl-NL"/>
               <a:t>Vierde niveau</a:t>
             </a:r>
           </a:p>
           <a:p>
             <a:pPr lvl="4"/>
             <a:r>
-              <a:rPr lang="nl-NL" smtClean="0"/>
+              <a:rPr lang="nl-NL"/>
               <a:t>Vijfde niveau</a:t>
             </a:r>
             <a:endParaRPr lang="en-US"/>
@@ -25153,35 +24744,35 @@
           <a:p>
             <a:pPr lvl="0"/>
             <a:r>
-              <a:rPr lang="nl-NL" smtClean="0"/>
+              <a:rPr lang="nl-NL"/>
               <a:t>Klik om de modelstijlen te bewerken</a:t>
             </a:r>
           </a:p>
           <a:p>
             <a:pPr lvl="1"/>
             <a:r>
-              <a:rPr lang="nl-NL" smtClean="0"/>
+              <a:rPr lang="nl-NL"/>
               <a:t>Tweede niveau</a:t>
             </a:r>
           </a:p>
           <a:p>
             <a:pPr lvl="2"/>
             <a:r>
-              <a:rPr lang="nl-NL" smtClean="0"/>
+              <a:rPr lang="nl-NL"/>
               <a:t>Derde niveau</a:t>
             </a:r>
           </a:p>
           <a:p>
             <a:pPr lvl="3"/>
             <a:r>
-              <a:rPr lang="nl-NL" smtClean="0"/>
+              <a:rPr lang="nl-NL"/>
               <a:t>Vierde niveau</a:t>
             </a:r>
           </a:p>
           <a:p>
             <a:pPr lvl="4"/>
             <a:r>
-              <a:rPr lang="nl-NL" smtClean="0"/>
+              <a:rPr lang="nl-NL"/>
               <a:t>Vijfde niveau</a:t>
             </a:r>
             <a:endParaRPr lang="en-US"/>
@@ -25204,7 +24795,7 @@
           <a:lstStyle/>
           <a:p>
             <a:fld id="{8B63FB6B-9458-BD43-9DB9-A2949799A662}" type="datetime1">
-              <a:t>11-6-2019</a:t>
+              <a:t>19-6-2019</a:t>
             </a:fld>
             <a:endParaRPr lang="en-US"/>
           </a:p>
@@ -25458,7 +25049,7 @@
           <a:lstStyle/>
           <a:p>
             <a:fld id="{A316EF45-E80A-A14C-9D81-938871F147C8}" type="datetime1">
-              <a:t>11-6-2019</a:t>
+              <a:t>19-6-2019</a:t>
             </a:fld>
             <a:endParaRPr lang="en-US"/>
           </a:p>
@@ -25959,7 +25550,7 @@
           <a:lstStyle/>
           <a:p>
             <a:fld id="{0C0CCFA7-D12C-7141-8399-7EC2FD74B1F4}" type="datetime1">
-              <a:t>11-6-2019</a:t>
+              <a:t>19-6-2019</a:t>
             </a:fld>
             <a:endParaRPr lang="en-US"/>
           </a:p>
@@ -26248,7 +25839,7 @@
           <a:lstStyle/>
           <a:p>
             <a:fld id="{5D13D340-8AB4-384E-BF13-A0690AD7A543}" type="datetime1">
-              <a:t>11-6-2019</a:t>
+              <a:t>19-6-2019</a:t>
             </a:fld>
             <a:endParaRPr lang="en-US"/>
           </a:p>
@@ -26344,7 +25935,7 @@
           <a:lstStyle/>
           <a:p>
             <a:fld id="{41A3B24D-7E8B-9541-B8F1-940F0036A509}" type="datetime1">
-              <a:t>11-6-2019</a:t>
+              <a:t>19-6-2019</a:t>
             </a:fld>
             <a:endParaRPr lang="en-US"/>
           </a:p>
@@ -26598,7 +26189,7 @@
           <a:lstStyle/>
           <a:p>
             <a:fld id="{3F0D68B8-9D46-6848-AE7E-75CFB53DB47C}" type="datetime1">
-              <a:t>11-6-2019</a:t>
+              <a:t>19-6-2019</a:t>
             </a:fld>
             <a:endParaRPr lang="en-US"/>
           </a:p>
@@ -26699,7 +26290,7 @@
           <a:lstStyle/>
           <a:p>
             <a:fld id="{0FD44C4C-371A-1D4F-A9B8-07683E1252E8}" type="datetime1">
-              <a:t>11-6-2019</a:t>
+              <a:t>19-6-2019</a:t>
             </a:fld>
             <a:endParaRPr lang="en-US"/>
           </a:p>
@@ -26804,7 +26395,7 @@
           </a:lstStyle>
           <a:p>
             <a:r>
-              <a:rPr lang="nl-NL" smtClean="0"/>
+              <a:rPr lang="nl-NL"/>
               <a:t>Klik om de stijl te bewerken</a:t>
             </a:r>
             <a:endParaRPr lang="en-US"/>
@@ -26869,7 +26460,7 @@
           </a:lstStyle>
           <a:p>
             <a:r>
-              <a:rPr lang="nl-NL" smtClean="0"/>
+              <a:rPr lang="nl-NL"/>
               <a:t>Klik op het pictogram als u een afbeelding wilt toevoegen</a:t>
             </a:r>
             <a:endParaRPr lang="en-US"/>
@@ -26935,7 +26526,7 @@
           <a:p>
             <a:pPr lvl="0"/>
             <a:r>
-              <a:rPr lang="nl-NL" smtClean="0"/>
+              <a:rPr lang="nl-NL"/>
               <a:t>Klik om de modelstijlen te bewerken</a:t>
             </a:r>
           </a:p>
@@ -26957,7 +26548,7 @@
           <a:lstStyle/>
           <a:p>
             <a:fld id="{63E7AB38-62BC-774C-97AE-1BF242D8582C}" type="datetime1">
-              <a:t>11-6-2019</a:t>
+              <a:t>19-6-2019</a:t>
             </a:fld>
             <a:endParaRPr lang="en-US"/>
           </a:p>
@@ -27458,7 +27049,7 @@
           <a:lstStyle/>
           <a:p>
             <a:fld id="{8CCD183A-059B-2542-813C-5A08B6D37968}" type="datetime1">
-              <a:t>11-6-2019</a:t>
+              <a:t>19-6-2019</a:t>
             </a:fld>
             <a:endParaRPr lang="en-US"/>
           </a:p>
@@ -27747,7 +27338,7 @@
           <a:lstStyle/>
           <a:p>
             <a:fld id="{A18FAD7D-2159-674C-BC18-A050D77CC070}" type="datetime1">
-              <a:t>11-6-2019</a:t>
+              <a:t>19-6-2019</a:t>
             </a:fld>
             <a:endParaRPr lang="en-US"/>
           </a:p>
@@ -27843,7 +27434,7 @@
           <a:lstStyle/>
           <a:p>
             <a:fld id="{7F3EC34E-563E-3E4F-9CB6-35608B9F10E8}" type="datetime1">
-              <a:t>11-6-2019</a:t>
+              <a:t>19-6-2019</a:t>
             </a:fld>
             <a:endParaRPr lang="en-US"/>
           </a:p>
@@ -28000,7 +27591,7 @@
           <a:lstStyle/>
           <a:p>
             <a:r>
-              <a:rPr lang="nl-BE" smtClean="0"/>
+              <a:rPr lang="nl-BE"/>
               <a:t>Titelstijl van model bewerken</a:t>
             </a:r>
             <a:endParaRPr lang="en-US"/>
@@ -28034,35 +27625,35 @@
           <a:p>
             <a:pPr lvl="0"/>
             <a:r>
-              <a:rPr lang="nl-BE" smtClean="0"/>
+              <a:rPr lang="nl-BE"/>
               <a:t>Klik om de tekststijl van het model te bewerken</a:t>
             </a:r>
           </a:p>
           <a:p>
             <a:pPr lvl="1"/>
             <a:r>
-              <a:rPr lang="nl-BE" smtClean="0"/>
+              <a:rPr lang="nl-BE"/>
               <a:t>Tweede niveau</a:t>
             </a:r>
           </a:p>
           <a:p>
             <a:pPr lvl="2"/>
             <a:r>
-              <a:rPr lang="nl-BE" smtClean="0"/>
+              <a:rPr lang="nl-BE"/>
               <a:t>Derde niveau</a:t>
             </a:r>
           </a:p>
           <a:p>
             <a:pPr lvl="3"/>
             <a:r>
-              <a:rPr lang="nl-BE" smtClean="0"/>
+              <a:rPr lang="nl-BE"/>
               <a:t>Vierde niveau</a:t>
             </a:r>
           </a:p>
           <a:p>
             <a:pPr lvl="4"/>
             <a:r>
-              <a:rPr lang="nl-BE" smtClean="0"/>
+              <a:rPr lang="nl-BE"/>
               <a:t>Vijfde niveau</a:t>
             </a:r>
             <a:endParaRPr lang="en-US"/>
@@ -28103,7 +27694,7 @@
           </a:lstStyle>
           <a:p>
             <a:fld id="{6608C39C-6A92-104F-A944-21D39204BEAF}" type="datetime1">
-              <a:t>11-6-2019</a:t>
+              <a:t>19-6-2019</a:t>
             </a:fld>
             <a:endParaRPr lang="en-US"/>
           </a:p>
@@ -28660,7 +28251,7 @@
           </a:lstStyle>
           <a:p>
             <a:fld id="{2D86298A-010A-FA4C-979A-202A0C3B0B89}" type="datetime1">
-              <a:t>11-6-2019</a:t>
+              <a:t>19-6-2019</a:t>
             </a:fld>
             <a:endParaRPr lang="en-US"/>
           </a:p>
@@ -29220,7 +28811,7 @@
           </a:lstStyle>
           <a:p>
             <a:fld id="{3DC040B7-7FDC-EC48-B37F-6E02E1E9CC0E}" type="datetime1">
-              <a:t>11-6-2019</a:t>
+              <a:t>19-6-2019</a:t>
             </a:fld>
             <a:endParaRPr lang="en-US"/>
           </a:p>
@@ -29778,7 +29369,7 @@
           </a:lstStyle>
           <a:p>
             <a:fld id="{3DC040B7-7FDC-EC48-B37F-6E02E1E9CC0E}" type="datetime1">
-              <a:t>11-6-2019</a:t>
+              <a:t>19-6-2019</a:t>
             </a:fld>
             <a:endParaRPr lang="en-US"/>
           </a:p>
@@ -30336,7 +29927,7 @@
           </a:lstStyle>
           <a:p>
             <a:fld id="{226A858B-F2A2-4C42-A574-D382CE7CB5B0}" type="datetime1">
-              <a:t>11-6-2019</a:t>
+              <a:t>19-6-2019</a:t>
             </a:fld>
             <a:endParaRPr lang="en-US"/>
           </a:p>
@@ -30894,7 +30485,7 @@
           </a:lstStyle>
           <a:p>
             <a:fld id="{D3F1546C-12A3-C249-BA16-098223ED8408}" type="datetime1">
-              <a:t>11-6-2019</a:t>
+              <a:t>19-6-2019</a:t>
             </a:fld>
             <a:endParaRPr lang="en-US"/>
           </a:p>
@@ -31452,7 +31043,7 @@
           </a:lstStyle>
           <a:p>
             <a:fld id="{AB632AFF-2AE8-5941-B538-F40ED924DEA8}" type="datetime1">
-              <a:t>11-6-2019</a:t>
+              <a:t>19-6-2019</a:t>
             </a:fld>
             <a:endParaRPr lang="en-US"/>
           </a:p>
@@ -31850,14 +31441,13 @@
           <a:lstStyle/>
           <a:p>
             <a:r>
-              <a:rPr lang="en-US" dirty="0" err="1" smtClean="0"/>
+              <a:rPr lang="en-US" dirty="0" err="1"/>
               <a:t>Projecten</a:t>
             </a:r>
             <a:r>
-              <a:rPr lang="en-US" dirty="0" smtClean="0"/>
+              <a:rPr lang="en-US" dirty="0"/>
               <a:t> 1</a:t>
             </a:r>
-            <a:endParaRPr lang="en-US" dirty="0"/>
           </a:p>
         </p:txBody>
       </p:sp>
@@ -31877,45 +31467,44 @@
           <a:lstStyle/>
           <a:p>
             <a:r>
-              <a:rPr lang="en-US" dirty="0" err="1" smtClean="0"/>
+              <a:rPr lang="en-US" dirty="0" err="1"/>
               <a:t>Projectenwebsite</a:t>
             </a:r>
-            <a:endParaRPr lang="en-US" dirty="0" smtClean="0"/>
+            <a:endParaRPr lang="en-US" dirty="0"/>
           </a:p>
           <a:p>
             <a:r>
-              <a:rPr lang="en-US" sz="1400" dirty="0" err="1" smtClean="0"/>
+              <a:rPr lang="en-US" sz="1400" dirty="0" err="1"/>
               <a:t>Arijn</a:t>
             </a:r>
             <a:r>
-              <a:rPr lang="en-US" sz="1400" dirty="0" smtClean="0"/>
+              <a:rPr lang="en-US" sz="1400" dirty="0"/>
               <a:t> </a:t>
             </a:r>
             <a:r>
-              <a:rPr lang="en-US" sz="1400" dirty="0" err="1" smtClean="0"/>
+              <a:rPr lang="en-US" sz="1400" dirty="0" err="1"/>
               <a:t>Borzo</a:t>
             </a:r>
             <a:r>
-              <a:rPr lang="en-US" sz="1400" dirty="0" smtClean="0"/>
+              <a:rPr lang="en-US" sz="1400" dirty="0"/>
               <a:t>, Arno </a:t>
             </a:r>
             <a:r>
-              <a:rPr lang="en-US" sz="1400" dirty="0" err="1" smtClean="0"/>
+              <a:rPr lang="en-US" sz="1400" dirty="0" err="1"/>
               <a:t>Stas</a:t>
             </a:r>
             <a:r>
-              <a:rPr lang="en-US" sz="1400" dirty="0" smtClean="0"/>
+              <a:rPr lang="en-US" sz="1400" dirty="0"/>
               <a:t>, Andreas </a:t>
             </a:r>
             <a:r>
-              <a:rPr lang="en-US" sz="1400" dirty="0" err="1" smtClean="0"/>
+              <a:rPr lang="en-US" sz="1400" dirty="0" err="1"/>
               <a:t>Lauwers</a:t>
             </a:r>
             <a:r>
-              <a:rPr lang="en-US" sz="1400" dirty="0" smtClean="0"/>
+              <a:rPr lang="en-US" sz="1400" dirty="0"/>
               <a:t>, Lukas Petit</a:t>
             </a:r>
-            <a:endParaRPr lang="en-US" sz="1400" dirty="0"/>
           </a:p>
         </p:txBody>
       </p:sp>
@@ -31932,13 +31521,6 @@
   <p:transition spd="slow">
     <p:cover/>
   </p:transition>
-  <p:timing>
-    <p:tnLst>
-      <p:par>
-        <p:cTn id="1" dur="indefinite" restart="never" nodeType="tmRoot"/>
-      </p:par>
-    </p:tnLst>
-  </p:timing>
 </p:sld>
 </file>
 
@@ -31980,11 +31562,11 @@
           <a:lstStyle/>
           <a:p>
             <a:r>
-              <a:rPr lang="en-US" dirty="0" smtClean="0"/>
+              <a:rPr lang="en-US" dirty="0"/>
               <a:t>3. </a:t>
             </a:r>
             <a:r>
-              <a:rPr lang="en-US" dirty="0" err="1" smtClean="0"/>
+              <a:rPr lang="en-US" dirty="0" err="1"/>
               <a:t>Userexperience</a:t>
             </a:r>
             <a:endParaRPr lang="en-US" dirty="0"/>
@@ -32012,10 +31594,9 @@
           <a:lstStyle/>
           <a:p>
             <a:r>
-              <a:rPr lang="en-US" dirty="0" smtClean="0"/>
+              <a:rPr lang="en-US" dirty="0"/>
               <a:t> </a:t>
             </a:r>
-            <a:endParaRPr lang="en-US" dirty="0"/>
           </a:p>
         </p:txBody>
       </p:sp>
@@ -32035,7 +31616,7 @@
           <a:lstStyle/>
           <a:p>
             <a:fld id="{DB4E9D77-C996-DF40-82BF-4D0EB0C0014F}" type="datetime1">
-              <a:t>11-6-2019</a:t>
+              <a:t>19-6-2019</a:t>
             </a:fld>
             <a:endParaRPr lang="en-US"/>
           </a:p>
@@ -32288,13 +31869,6 @@
   <p:transition spd="slow">
     <p:cover/>
   </p:transition>
-  <p:timing>
-    <p:tnLst>
-      <p:par>
-        <p:cTn id="1" dur="indefinite" restart="never" nodeType="tmRoot"/>
-      </p:par>
-    </p:tnLst>
-  </p:timing>
 </p:sld>
 </file>
 
@@ -32332,7 +31906,7 @@
           <a:p>
             <a:fld id="{36086CE3-90FF-5744-87D8-5D36EE4D91CC}" type="datetime1">
               <a:rPr lang="nl-NL" smtClean="0"/>
-              <a:t>11-6-2019</a:t>
+              <a:t>19-6-2019</a:t>
             </a:fld>
             <a:endParaRPr lang="nl-NL"/>
           </a:p>
@@ -32354,10 +31928,9 @@
           <a:lstStyle/>
           <a:p>
             <a:r>
-              <a:rPr lang="en-US" smtClean="0"/>
+              <a:rPr lang="en-US"/>
               <a:t>Titel van footer</a:t>
             </a:r>
-            <a:endParaRPr lang="en-US"/>
           </a:p>
         </p:txBody>
       </p:sp>
@@ -32402,11 +31975,11 @@
           <a:lstStyle/>
           <a:p>
             <a:r>
-              <a:rPr lang="en-US" dirty="0" smtClean="0"/>
+              <a:rPr lang="en-US" dirty="0"/>
               <a:t>3.1 Interviews</a:t>
             </a:r>
             <a:br>
-              <a:rPr lang="en-US" dirty="0" smtClean="0"/>
+              <a:rPr lang="en-US" dirty="0"/>
             </a:br>
             <a:endParaRPr lang="en-US" dirty="0"/>
           </a:p>
@@ -32485,12 +32058,8 @@
           <a:lstStyle/>
           <a:p>
             <a:r>
-              <a:rPr lang="en-US" dirty="0" smtClean="0"/>
+              <a:rPr lang="en-US" dirty="0"/>
               <a:t>3.2 Persona</a:t>
-            </a:r>
-            <a:r>
-              <a:rPr lang="en-US" dirty="0"/>
-              <a:t/>
             </a:r>
             <a:br>
               <a:rPr lang="en-US" dirty="0"/>
@@ -32516,7 +32085,7 @@
           <a:p>
             <a:fld id="{36086CE3-90FF-5744-87D8-5D36EE4D91CC}" type="datetime1">
               <a:rPr lang="nl-NL" smtClean="0"/>
-              <a:t>11-6-2019</a:t>
+              <a:t>19-6-2019</a:t>
             </a:fld>
             <a:endParaRPr lang="nl-NL"/>
           </a:p>
@@ -32538,14 +32107,13 @@
           <a:lstStyle/>
           <a:p>
             <a:r>
-              <a:rPr lang="en-US" dirty="0" err="1" smtClean="0"/>
+              <a:rPr lang="en-US" dirty="0" err="1"/>
               <a:t>Titel</a:t>
             </a:r>
             <a:r>
-              <a:rPr lang="en-US" dirty="0" smtClean="0"/>
+              <a:rPr lang="en-US" dirty="0"/>
               <a:t> van footer</a:t>
             </a:r>
-            <a:endParaRPr lang="en-US" dirty="0"/>
           </a:p>
         </p:txBody>
       </p:sp>
@@ -32677,12 +32245,8 @@
           <a:lstStyle/>
           <a:p>
             <a:r>
-              <a:rPr lang="en-US" dirty="0" smtClean="0"/>
+              <a:rPr lang="en-US" dirty="0"/>
               <a:t>3.3 Storyboard</a:t>
-            </a:r>
-            <a:r>
-              <a:rPr lang="en-US" dirty="0"/>
-              <a:t/>
             </a:r>
             <a:br>
               <a:rPr lang="en-US" dirty="0"/>
@@ -32737,7 +32301,7 @@
           <a:p>
             <a:fld id="{36086CE3-90FF-5744-87D8-5D36EE4D91CC}" type="datetime1">
               <a:rPr lang="nl-NL" smtClean="0"/>
-              <a:t>11-6-2019</a:t>
+              <a:t>19-6-2019</a:t>
             </a:fld>
             <a:endParaRPr lang="nl-NL"/>
           </a:p>
@@ -32759,10 +32323,9 @@
           <a:lstStyle/>
           <a:p>
             <a:r>
-              <a:rPr lang="en-US" smtClean="0"/>
+              <a:rPr lang="en-US"/>
               <a:t>Titel van footer</a:t>
             </a:r>
-            <a:endParaRPr lang="en-US"/>
           </a:p>
         </p:txBody>
       </p:sp>
@@ -32863,10 +32426,9 @@
           <a:lstStyle/>
           <a:p>
             <a:r>
-              <a:rPr lang="en-US" dirty="0" smtClean="0"/>
+              <a:rPr lang="en-US" dirty="0"/>
               <a:t>3.4 Wireframes</a:t>
             </a:r>
-            <a:endParaRPr lang="en-US" dirty="0"/>
           </a:p>
         </p:txBody>
       </p:sp>
@@ -32886,7 +32448,7 @@
           <a:lstStyle/>
           <a:p>
             <a:fld id="{DB4E9D77-C996-DF40-82BF-4D0EB0C0014F}" type="datetime1">
-              <a:t>11-6-2019</a:t>
+              <a:t>19-6-2019</a:t>
             </a:fld>
             <a:endParaRPr lang="en-US"/>
           </a:p>
@@ -33020,10 +32582,9 @@
           <a:lstStyle/>
           <a:p>
             <a:r>
-              <a:rPr lang="nl-NL" sz="1100" b="1" dirty="0" smtClean="0"/>
+              <a:rPr lang="nl-NL" sz="1100" b="1" dirty="0"/>
               <a:t>Fig. bijschrift</a:t>
             </a:r>
-            <a:endParaRPr lang="nl-NL" sz="1100" b="1" dirty="0"/>
           </a:p>
         </p:txBody>
       </p:sp>
@@ -33068,13 +32629,6 @@
   <p:transition spd="slow">
     <p:cover/>
   </p:transition>
-  <p:timing>
-    <p:tnLst>
-      <p:par>
-        <p:cTn id="1" dur="indefinite" restart="never" nodeType="tmRoot"/>
-      </p:par>
-    </p:tnLst>
-  </p:timing>
 </p:sld>
 </file>
 
@@ -33117,13 +32671,8 @@
           <a:p>
             <a:r>
               <a:rPr lang="en-US" dirty="0"/>
-              <a:t>4</a:t>
+              <a:t>4. Backend</a:t>
             </a:r>
-            <a:r>
-              <a:rPr lang="en-US" dirty="0" smtClean="0"/>
-              <a:t>. Backend</a:t>
-            </a:r>
-            <a:endParaRPr lang="en-US" dirty="0"/>
           </a:p>
         </p:txBody>
       </p:sp>
@@ -33148,10 +32697,9 @@
           <a:lstStyle/>
           <a:p>
             <a:r>
-              <a:rPr lang="en-US" dirty="0" smtClean="0"/>
+              <a:rPr lang="en-US" dirty="0"/>
               <a:t> </a:t>
             </a:r>
-            <a:endParaRPr lang="en-US" dirty="0"/>
           </a:p>
         </p:txBody>
       </p:sp>
@@ -33171,7 +32719,7 @@
           <a:lstStyle/>
           <a:p>
             <a:fld id="{DB4E9D77-C996-DF40-82BF-4D0EB0C0014F}" type="datetime1">
-              <a:t>11-6-2019</a:t>
+              <a:t>19-6-2019</a:t>
             </a:fld>
             <a:endParaRPr lang="en-US"/>
           </a:p>
@@ -33402,13 +32950,6 @@
   <p:transition spd="slow">
     <p:cover/>
   </p:transition>
-  <p:timing>
-    <p:tnLst>
-      <p:par>
-        <p:cTn id="1" dur="indefinite" restart="never" nodeType="tmRoot"/>
-      </p:par>
-    </p:tnLst>
-  </p:timing>
 </p:sld>
 </file>
 
@@ -33445,11 +32986,11 @@
           <a:lstStyle/>
           <a:p>
             <a:r>
-              <a:rPr lang="nl-NL" dirty="0" smtClean="0"/>
+              <a:rPr lang="nl-NL" dirty="0"/>
               <a:t>4.1 </a:t>
             </a:r>
             <a:r>
-              <a:rPr lang="nl-NL" dirty="0" err="1" smtClean="0"/>
+              <a:rPr lang="nl-NL" dirty="0" err="1"/>
               <a:t>Laravel</a:t>
             </a:r>
             <a:endParaRPr lang="nl-NL" dirty="0"/>
@@ -33502,7 +33043,7 @@
           <a:p>
             <a:fld id="{36086CE3-90FF-5744-87D8-5D36EE4D91CC}" type="datetime1">
               <a:rPr lang="nl-NL" smtClean="0"/>
-              <a:t>11-6-2019</a:t>
+              <a:t>19-6-2019</a:t>
             </a:fld>
             <a:endParaRPr lang="nl-NL"/>
           </a:p>
@@ -33524,10 +33065,9 @@
           <a:lstStyle/>
           <a:p>
             <a:r>
-              <a:rPr lang="en-US" smtClean="0"/>
+              <a:rPr lang="en-US"/>
               <a:t>Titel van footer</a:t>
             </a:r>
-            <a:endParaRPr lang="en-US"/>
           </a:p>
         </p:txBody>
       </p:sp>
@@ -33577,11 +33117,11 @@
           <a:lstStyle/>
           <a:p>
             <a:r>
-              <a:rPr lang="nl-NL" dirty="0" smtClean="0"/>
+              <a:rPr lang="nl-NL" dirty="0"/>
               <a:t>Uitleg keuze </a:t>
             </a:r>
             <a:r>
-              <a:rPr lang="nl-NL" dirty="0" err="1" smtClean="0"/>
+              <a:rPr lang="nl-NL" dirty="0" err="1"/>
               <a:t>framework</a:t>
             </a:r>
             <a:endParaRPr lang="nl-NL" dirty="0"/>
@@ -33634,10 +33174,9 @@
           <a:lstStyle/>
           <a:p>
             <a:r>
-              <a:rPr lang="nl-NL" dirty="0" smtClean="0"/>
+              <a:rPr lang="nl-NL" dirty="0"/>
               <a:t>4.2 Databanktype</a:t>
             </a:r>
-            <a:endParaRPr lang="nl-NL" dirty="0"/>
           </a:p>
         </p:txBody>
       </p:sp>
@@ -33658,7 +33197,7 @@
           <a:p>
             <a:fld id="{36086CE3-90FF-5744-87D8-5D36EE4D91CC}" type="datetime1">
               <a:rPr lang="nl-NL" smtClean="0"/>
-              <a:t>11-6-2019</a:t>
+              <a:t>19-6-2019</a:t>
             </a:fld>
             <a:endParaRPr lang="nl-NL"/>
           </a:p>
@@ -33680,10 +33219,9 @@
           <a:lstStyle/>
           <a:p>
             <a:r>
-              <a:rPr lang="en-US" smtClean="0"/>
+              <a:rPr lang="en-US"/>
               <a:t>Titel van footer</a:t>
             </a:r>
-            <a:endParaRPr lang="en-US"/>
           </a:p>
         </p:txBody>
       </p:sp>
@@ -33778,10 +33316,9 @@
           <a:lstStyle/>
           <a:p>
             <a:r>
-              <a:rPr lang="nl-NL" dirty="0" smtClean="0"/>
+              <a:rPr lang="nl-NL" dirty="0"/>
               <a:t>4.3 Databankmodel</a:t>
             </a:r>
-            <a:endParaRPr lang="nl-NL" dirty="0"/>
           </a:p>
         </p:txBody>
       </p:sp>
@@ -33802,7 +33339,7 @@
           <a:p>
             <a:fld id="{36086CE3-90FF-5744-87D8-5D36EE4D91CC}" type="datetime1">
               <a:rPr lang="nl-NL" smtClean="0"/>
-              <a:t>11-6-2019</a:t>
+              <a:t>19-6-2019</a:t>
             </a:fld>
             <a:endParaRPr lang="nl-NL"/>
           </a:p>
@@ -33824,10 +33361,9 @@
           <a:lstStyle/>
           <a:p>
             <a:r>
-              <a:rPr lang="en-US" smtClean="0"/>
+              <a:rPr lang="en-US"/>
               <a:t>Titel van footer</a:t>
             </a:r>
-            <a:endParaRPr lang="en-US"/>
           </a:p>
         </p:txBody>
       </p:sp>
@@ -33905,7 +33441,6 @@
               <a:rPr lang="nl-NL" sz="1050" b="1" dirty="0"/>
               <a:t>Fig. bijschrift</a:t>
             </a:r>
-            <a:endParaRPr lang="nl-NL" sz="1050" b="1" dirty="0"/>
           </a:p>
         </p:txBody>
       </p:sp>
@@ -33961,13 +33496,8 @@
           <a:p>
             <a:r>
               <a:rPr lang="en-US" dirty="0"/>
-              <a:t>5</a:t>
+              <a:t>5. Frontend</a:t>
             </a:r>
-            <a:r>
-              <a:rPr lang="en-US" dirty="0" smtClean="0"/>
-              <a:t>. Frontend</a:t>
-            </a:r>
-            <a:endParaRPr lang="en-US" dirty="0"/>
           </a:p>
         </p:txBody>
       </p:sp>
@@ -33992,10 +33522,9 @@
           <a:lstStyle/>
           <a:p>
             <a:r>
-              <a:rPr lang="en-US" dirty="0" smtClean="0"/>
+              <a:rPr lang="en-US" dirty="0"/>
               <a:t> </a:t>
             </a:r>
-            <a:endParaRPr lang="en-US" dirty="0"/>
           </a:p>
         </p:txBody>
       </p:sp>
@@ -34015,7 +33544,8 @@
           <a:lstStyle/>
           <a:p>
             <a:fld id="{DB4E9D77-C996-DF40-82BF-4D0EB0C0014F}" type="datetime1">
-              <a:t>11-6-2019</a:t>
+              <a:rPr lang="nl-NL"/>
+              <a:t>19-6-2019</a:t>
             </a:fld>
             <a:endParaRPr lang="en-US"/>
           </a:p>
@@ -34246,13 +33776,6 @@
   <p:transition spd="slow">
     <p:cover/>
   </p:transition>
-  <p:timing>
-    <p:tnLst>
-      <p:par>
-        <p:cTn id="1" dur="indefinite" restart="never" nodeType="tmRoot"/>
-      </p:par>
-    </p:tnLst>
-  </p:timing>
 </p:sld>
 </file>
 
@@ -34289,7 +33812,7 @@
           <a:lstStyle/>
           <a:p>
             <a:r>
-              <a:rPr lang="en-US" dirty="0" err="1" smtClean="0"/>
+              <a:rPr lang="en-US" dirty="0" err="1"/>
               <a:t>Inhoud</a:t>
             </a:r>
             <a:endParaRPr lang="en-US" dirty="0"/>
@@ -34319,33 +33842,82 @@
           <a:lstStyle/>
           <a:p>
             <a:r>
-              <a:rPr lang="en-US" dirty="0" smtClean="0"/>
+              <a:rPr lang="en-US" dirty="0"/>
               <a:t>1. </a:t>
             </a:r>
             <a:r>
-              <a:rPr lang="en-US" dirty="0" err="1" smtClean="0"/>
+              <a:rPr lang="en-US" dirty="0" err="1"/>
               <a:t>Introductie</a:t>
             </a:r>
-            <a:endParaRPr lang="en-US" dirty="0" smtClean="0"/>
+            <a:endParaRPr lang="en-US" dirty="0"/>
           </a:p>
           <a:p>
             <a:r>
-              <a:rPr lang="en-US" dirty="0" smtClean="0"/>
+              <a:rPr lang="en-US" dirty="0"/>
               <a:t>2. </a:t>
             </a:r>
             <a:r>
-              <a:rPr lang="en-US" dirty="0" err="1" smtClean="0"/>
+              <a:rPr lang="en-US" dirty="0" err="1"/>
               <a:t>Applicatie</a:t>
             </a:r>
             <a:r>
-              <a:rPr lang="en-US" dirty="0" smtClean="0"/>
+              <a:rPr lang="en-US" dirty="0"/>
               <a:t> </a:t>
             </a:r>
             <a:r>
-              <a:rPr lang="en-US" dirty="0" err="1" smtClean="0"/>
+              <a:rPr lang="en-US" dirty="0" err="1"/>
               <a:t>structuur</a:t>
             </a:r>
-            <a:endParaRPr lang="en-US" dirty="0" smtClean="0"/>
+            <a:endParaRPr lang="en-US" dirty="0"/>
+          </a:p>
+          <a:p>
+            <a:r>
+              <a:rPr lang="en-US" dirty="0"/>
+              <a:t>	2.1 </a:t>
+            </a:r>
+            <a:r>
+              <a:rPr lang="en-US" dirty="0" err="1"/>
+              <a:t>Huidige</a:t>
+            </a:r>
+            <a:r>
+              <a:rPr lang="en-US" dirty="0"/>
+              <a:t> </a:t>
+            </a:r>
+            <a:r>
+              <a:rPr lang="en-US" dirty="0" err="1"/>
+              <a:t>versie</a:t>
+            </a:r>
+            <a:endParaRPr lang="en-US" dirty="0"/>
+          </a:p>
+          <a:p>
+            <a:r>
+              <a:rPr lang="en-US" dirty="0"/>
+              <a:t>	2.2 </a:t>
+            </a:r>
+            <a:r>
+              <a:rPr lang="en-US" dirty="0" err="1"/>
+              <a:t>Nieuwe</a:t>
+            </a:r>
+            <a:r>
+              <a:rPr lang="en-US" dirty="0"/>
+              <a:t> </a:t>
+            </a:r>
+            <a:r>
+              <a:rPr lang="en-US" dirty="0" err="1"/>
+              <a:t>versie</a:t>
+            </a:r>
+            <a:endParaRPr lang="en-US" dirty="0"/>
+          </a:p>
+          <a:p>
+            <a:r>
+              <a:rPr lang="en-US" dirty="0"/>
+              <a:t>3. </a:t>
+            </a:r>
+            <a:r>
+              <a:rPr lang="en-US" dirty="0" err="1"/>
+              <a:t>Userexperience</a:t>
+            </a:r>
+            <a:endParaRPr lang="en-US" dirty="0"/>
           </a:p>
           <a:p>
             <a:r>
@@ -34353,208 +33925,118 @@
               <a:t>	</a:t>
             </a:r>
             <a:r>
-              <a:rPr lang="en-US" dirty="0" smtClean="0"/>
-              <a:t>2.1 </a:t>
+              <a:rPr lang="nl-NL" dirty="0"/>
+              <a:t>3.1.Interviews</a:t>
+            </a:r>
+          </a:p>
+          <a:p>
+            <a:r>
+              <a:rPr lang="nl-NL" dirty="0"/>
+              <a:t>	3.2 </a:t>
+            </a:r>
+            <a:r>
+              <a:rPr lang="nl-NL" dirty="0" err="1"/>
+              <a:t>Persona’s</a:t>
+            </a:r>
+            <a:endParaRPr lang="nl-NL" dirty="0"/>
+          </a:p>
+          <a:p>
+            <a:r>
+              <a:rPr lang="nl-NL" dirty="0"/>
+              <a:t>	3.3 Storyboard</a:t>
+            </a:r>
+          </a:p>
+          <a:p>
+            <a:r>
+              <a:rPr lang="nl-NL" dirty="0"/>
+              <a:t>	3.4 </a:t>
+            </a:r>
+            <a:r>
+              <a:rPr lang="nl-NL" dirty="0" err="1"/>
+              <a:t>Wireframes</a:t>
+            </a:r>
+            <a:endParaRPr lang="en-US" dirty="0"/>
+          </a:p>
+          <a:p>
+            <a:r>
+              <a:rPr lang="en-US" dirty="0"/>
+              <a:t>4. Backend</a:t>
+            </a:r>
+          </a:p>
+          <a:p>
+            <a:r>
+              <a:rPr lang="en-US" dirty="0"/>
+              <a:t>	4.1 </a:t>
             </a:r>
             <a:r>
               <a:rPr lang="en-US" dirty="0" err="1"/>
-              <a:t>H</a:t>
+              <a:t>Laravel</a:t>
+            </a:r>
+            <a:endParaRPr lang="en-US" dirty="0"/>
+          </a:p>
+          <a:p>
+            <a:r>
+              <a:rPr lang="en-US" dirty="0"/>
+              <a:t>	4.2 </a:t>
             </a:r>
             <a:r>
-              <a:rPr lang="en-US" dirty="0" err="1" smtClean="0"/>
-              <a:t>uidige</a:t>
+              <a:rPr lang="en-US" dirty="0" err="1"/>
+              <a:t>Databanktype</a:t>
+            </a:r>
+            <a:endParaRPr lang="en-US" dirty="0"/>
+          </a:p>
+          <a:p>
+            <a:r>
+              <a:rPr lang="en-US" dirty="0"/>
+              <a:t>	4.3 </a:t>
             </a:r>
             <a:r>
-              <a:rPr lang="en-US" dirty="0" smtClean="0"/>
+              <a:rPr lang="en-US" dirty="0" err="1"/>
+              <a:t>Databankmodel</a:t>
+            </a:r>
+            <a:endParaRPr lang="en-US" dirty="0"/>
+          </a:p>
+          <a:p>
+            <a:r>
+              <a:rPr lang="en-US" dirty="0"/>
+              <a:t>5. Frontend</a:t>
+            </a:r>
+          </a:p>
+          <a:p>
+            <a:r>
+              <a:rPr lang="en-US" dirty="0"/>
+              <a:t>	5.1 </a:t>
+            </a:r>
+            <a:r>
+              <a:rPr lang="en-US" dirty="0" err="1"/>
+              <a:t>blablalbalb</a:t>
+            </a:r>
+            <a:endParaRPr lang="en-US" dirty="0"/>
+          </a:p>
+          <a:p>
+            <a:r>
+              <a:rPr lang="en-US" dirty="0"/>
+              <a:t>4. Demo</a:t>
+            </a:r>
+          </a:p>
+          <a:p>
+            <a:r>
+              <a:rPr lang="en-US" dirty="0"/>
+              <a:t>5. </a:t>
+            </a:r>
+            <a:r>
+              <a:rPr lang="en-US" dirty="0" err="1"/>
+              <a:t>Kritische</a:t>
+            </a:r>
+            <a:r>
+              <a:rPr lang="en-US" dirty="0"/>
               <a:t> </a:t>
             </a:r>
             <a:r>
-              <a:rPr lang="en-US" dirty="0" err="1" smtClean="0"/>
-              <a:t>versie</a:t>
-            </a:r>
-            <a:endParaRPr lang="en-US" dirty="0" smtClean="0"/>
-          </a:p>
-          <a:p>
-            <a:r>
-              <a:rPr lang="en-US" dirty="0"/>
-              <a:t>	</a:t>
-            </a:r>
-            <a:r>
-              <a:rPr lang="en-US" dirty="0" smtClean="0"/>
-              <a:t>2.2 </a:t>
-            </a:r>
-            <a:r>
-              <a:rPr lang="en-US" dirty="0" err="1" smtClean="0"/>
-              <a:t>Nieuwe</a:t>
-            </a:r>
-            <a:r>
-              <a:rPr lang="en-US" dirty="0" smtClean="0"/>
-              <a:t> </a:t>
-            </a:r>
-            <a:r>
-              <a:rPr lang="en-US" dirty="0" err="1" smtClean="0"/>
-              <a:t>versie</a:t>
-            </a:r>
-            <a:endParaRPr lang="en-US" dirty="0" smtClean="0"/>
-          </a:p>
-          <a:p>
-            <a:r>
-              <a:rPr lang="en-US" dirty="0" smtClean="0"/>
-              <a:t>3. </a:t>
-            </a:r>
-            <a:r>
-              <a:rPr lang="en-US" dirty="0" err="1" smtClean="0"/>
-              <a:t>Userexperience</a:t>
-            </a:r>
-            <a:endParaRPr lang="en-US" dirty="0" smtClean="0"/>
-          </a:p>
-          <a:p>
-            <a:r>
-              <a:rPr lang="en-US" dirty="0"/>
-              <a:t>	</a:t>
-            </a:r>
-            <a:r>
-              <a:rPr lang="nl-NL" dirty="0" smtClean="0"/>
-              <a:t>3.1.Interviews</a:t>
-            </a:r>
-          </a:p>
-          <a:p>
-            <a:r>
-              <a:rPr lang="nl-NL" dirty="0" smtClean="0"/>
-              <a:t>	3.2 </a:t>
-            </a:r>
-            <a:r>
-              <a:rPr lang="nl-NL" dirty="0" err="1" smtClean="0"/>
-              <a:t>Persona’s</a:t>
-            </a:r>
-            <a:endParaRPr lang="nl-NL" dirty="0" smtClean="0"/>
-          </a:p>
-          <a:p>
-            <a:r>
-              <a:rPr lang="nl-NL" dirty="0" smtClean="0"/>
-              <a:t>	3.3 </a:t>
-            </a:r>
-            <a:r>
-              <a:rPr lang="nl-NL" dirty="0"/>
-              <a:t>Storyboard</a:t>
-            </a:r>
-            <a:endParaRPr lang="nl-NL" dirty="0" smtClean="0"/>
-          </a:p>
-          <a:p>
-            <a:r>
-              <a:rPr lang="nl-NL" dirty="0"/>
-              <a:t>	</a:t>
-            </a:r>
-            <a:r>
-              <a:rPr lang="nl-NL" dirty="0" smtClean="0"/>
-              <a:t>3.4 </a:t>
-            </a:r>
-            <a:r>
-              <a:rPr lang="nl-NL" dirty="0" err="1" smtClean="0"/>
-              <a:t>Wireframes</a:t>
-            </a:r>
-            <a:endParaRPr lang="en-US" dirty="0" smtClean="0"/>
-          </a:p>
-          <a:p>
-            <a:r>
-              <a:rPr lang="en-US" dirty="0" smtClean="0"/>
-              <a:t>4. </a:t>
-            </a:r>
-            <a:r>
-              <a:rPr lang="en-US" dirty="0" smtClean="0"/>
-              <a:t>Backend</a:t>
-            </a:r>
-          </a:p>
-          <a:p>
-            <a:r>
-              <a:rPr lang="en-US" dirty="0"/>
-              <a:t>	</a:t>
-            </a:r>
-            <a:r>
-              <a:rPr lang="en-US" dirty="0" smtClean="0"/>
-              <a:t>4.1 </a:t>
-            </a:r>
-            <a:r>
-              <a:rPr lang="en-US" dirty="0" err="1" smtClean="0"/>
-              <a:t>Laravel</a:t>
-            </a:r>
-            <a:endParaRPr lang="en-US" dirty="0" smtClean="0"/>
-          </a:p>
-          <a:p>
-            <a:r>
-              <a:rPr lang="en-US" dirty="0"/>
-              <a:t>	</a:t>
-            </a:r>
-            <a:r>
-              <a:rPr lang="en-US" dirty="0" smtClean="0"/>
-              <a:t>4.2 </a:t>
-            </a:r>
-            <a:r>
-              <a:rPr lang="en-US" dirty="0" err="1" smtClean="0"/>
-              <a:t>Databanktype</a:t>
-            </a:r>
-            <a:endParaRPr lang="en-US" dirty="0" smtClean="0"/>
-          </a:p>
-          <a:p>
-            <a:r>
-              <a:rPr lang="en-US" dirty="0"/>
-              <a:t>	</a:t>
-            </a:r>
-            <a:r>
-              <a:rPr lang="en-US" dirty="0" smtClean="0"/>
-              <a:t>4.3 </a:t>
-            </a:r>
-            <a:r>
-              <a:rPr lang="en-US" dirty="0" err="1" smtClean="0"/>
-              <a:t>Databankmodel</a:t>
-            </a:r>
-            <a:endParaRPr lang="en-US" dirty="0" smtClean="0"/>
-          </a:p>
-          <a:p>
-            <a:r>
-              <a:rPr lang="en-US" dirty="0" smtClean="0"/>
-              <a:t>5. Frontend</a:t>
-            </a:r>
-          </a:p>
-          <a:p>
-            <a:r>
-              <a:rPr lang="en-US" dirty="0"/>
-              <a:t>	</a:t>
-            </a:r>
-            <a:r>
-              <a:rPr lang="en-US" dirty="0" smtClean="0"/>
-              <a:t>5.1 </a:t>
-            </a:r>
-            <a:r>
-              <a:rPr lang="en-US" dirty="0" err="1" smtClean="0"/>
-              <a:t>blablalbalb</a:t>
-            </a:r>
-            <a:endParaRPr lang="en-US" dirty="0" smtClean="0"/>
-          </a:p>
-          <a:p>
-            <a:r>
-              <a:rPr lang="en-US" dirty="0" smtClean="0"/>
-              <a:t>4. Demo</a:t>
-            </a:r>
-          </a:p>
-          <a:p>
-            <a:r>
-              <a:rPr lang="en-US" dirty="0" smtClean="0"/>
-              <a:t>5. </a:t>
-            </a:r>
-            <a:r>
-              <a:rPr lang="en-US" dirty="0" err="1" smtClean="0"/>
-              <a:t>Kritische</a:t>
-            </a:r>
-            <a:r>
-              <a:rPr lang="en-US" dirty="0" smtClean="0"/>
-              <a:t> </a:t>
-            </a:r>
-            <a:r>
-              <a:rPr lang="en-US" dirty="0" err="1" smtClean="0"/>
+              <a:rPr lang="en-US" dirty="0" err="1"/>
               <a:t>reflectie</a:t>
             </a:r>
-            <a:endParaRPr lang="en-US" dirty="0" smtClean="0"/>
+            <a:endParaRPr lang="en-US" dirty="0"/>
           </a:p>
         </p:txBody>
       </p:sp>
@@ -34574,7 +34056,7 @@
           <a:lstStyle/>
           <a:p>
             <a:fld id="{DB4E9D77-C996-DF40-82BF-4D0EB0C0014F}" type="datetime1">
-              <a:t>11-6-2019</a:t>
+              <a:t>19-6-2019</a:t>
             </a:fld>
             <a:endParaRPr lang="en-US" dirty="0"/>
           </a:p>
@@ -34596,7 +34078,7 @@
           <a:lstStyle/>
           <a:p>
             <a:r>
-              <a:rPr lang="en-US" dirty="0" err="1" smtClean="0"/>
+              <a:rPr lang="en-US" dirty="0" err="1"/>
               <a:t>Projectenwebsite</a:t>
             </a:r>
             <a:endParaRPr lang="en-US" dirty="0"/>
@@ -34639,17 +34121,185 @@
   <p:transition spd="slow">
     <p:cover/>
   </p:transition>
-  <p:timing>
-    <p:tnLst>
-      <p:par>
-        <p:cTn id="1" dur="indefinite" restart="never" nodeType="tmRoot"/>
-      </p:par>
-    </p:tnLst>
-  </p:timing>
 </p:sld>
 </file>
 
 <file path=ppt/slides/slide20.xml><?xml version="1.0" encoding="utf-8"?>
+<p:sld xmlns:a="http://schemas.openxmlformats.org/drawingml/2006/main" xmlns:r="http://schemas.openxmlformats.org/officeDocument/2006/relationships" xmlns:p="http://schemas.openxmlformats.org/presentationml/2006/main">
+  <p:cSld>
+    <p:spTree>
+      <p:nvGrpSpPr>
+        <p:cNvPr id="1" name=""/>
+        <p:cNvGrpSpPr/>
+        <p:nvPr/>
+      </p:nvGrpSpPr>
+      <p:grpSpPr>
+        <a:xfrm>
+          <a:off x="0" y="0"/>
+          <a:ext cx="0" cy="0"/>
+          <a:chOff x="0" y="0"/>
+          <a:chExt cx="0" cy="0"/>
+        </a:xfrm>
+      </p:grpSpPr>
+      <p:sp>
+        <p:nvSpPr>
+          <p:cNvPr id="2" name="Titel 1">
+            <a:extLst>
+              <a:ext uri="{FF2B5EF4-FFF2-40B4-BE49-F238E27FC236}">
+                <a16:creationId xmlns:a16="http://schemas.microsoft.com/office/drawing/2014/main" id="{894EC5AC-7979-424A-9DE8-02868A165D43}"/>
+              </a:ext>
+            </a:extLst>
+          </p:cNvPr>
+          <p:cNvSpPr>
+            <a:spLocks noGrp="1"/>
+          </p:cNvSpPr>
+          <p:nvPr>
+            <p:ph type="title"/>
+          </p:nvPr>
+        </p:nvSpPr>
+        <p:spPr/>
+        <p:txBody>
+          <a:bodyPr/>
+          <a:lstStyle/>
+          <a:p>
+            <a:pPr algn="ctr"/>
+            <a:r>
+              <a:rPr lang="nl-BE" dirty="0" err="1"/>
+              <a:t>BootstrapVue</a:t>
+            </a:r>
+            <a:endParaRPr lang="nl-NL" dirty="0"/>
+          </a:p>
+        </p:txBody>
+      </p:sp>
+      <p:pic>
+        <p:nvPicPr>
+          <p:cNvPr id="8" name="Tijdelijke aanduiding voor inhoud 7" descr="Afbeelding met tekst&#10;&#10;Automatisch gegenereerde beschrijving">
+            <a:extLst>
+              <a:ext uri="{FF2B5EF4-FFF2-40B4-BE49-F238E27FC236}">
+                <a16:creationId xmlns:a16="http://schemas.microsoft.com/office/drawing/2014/main" id="{8F34D366-364E-453C-90D1-902C7F989DB0}"/>
+              </a:ext>
+            </a:extLst>
+          </p:cNvPr>
+          <p:cNvPicPr>
+            <a:picLocks noGrp="1" noChangeAspect="1"/>
+          </p:cNvPicPr>
+          <p:nvPr>
+            <p:ph idx="1"/>
+          </p:nvPr>
+        </p:nvPicPr>
+        <p:blipFill>
+          <a:blip r:embed="rId2"/>
+          <a:stretch>
+            <a:fillRect/>
+          </a:stretch>
+        </p:blipFill>
+        <p:spPr>
+          <a:xfrm>
+            <a:off x="3254477" y="2497284"/>
+            <a:ext cx="2835793" cy="3000840"/>
+          </a:xfrm>
+        </p:spPr>
+      </p:pic>
+      <p:sp>
+        <p:nvSpPr>
+          <p:cNvPr id="4" name="Tijdelijke aanduiding voor datum 3">
+            <a:extLst>
+              <a:ext uri="{FF2B5EF4-FFF2-40B4-BE49-F238E27FC236}">
+                <a16:creationId xmlns:a16="http://schemas.microsoft.com/office/drawing/2014/main" id="{5262D076-CF70-443B-9D23-266F9AC0DD00}"/>
+              </a:ext>
+            </a:extLst>
+          </p:cNvPr>
+          <p:cNvSpPr>
+            <a:spLocks noGrp="1"/>
+          </p:cNvSpPr>
+          <p:nvPr>
+            <p:ph type="dt" sz="half" idx="10"/>
+          </p:nvPr>
+        </p:nvSpPr>
+        <p:spPr/>
+        <p:txBody>
+          <a:bodyPr/>
+          <a:lstStyle/>
+          <a:p>
+            <a:fld id="{36086CE3-90FF-5744-87D8-5D36EE4D91CC}" type="datetime1">
+              <a:rPr lang="nl-NL" smtClean="0"/>
+              <a:t>19-6-2019</a:t>
+            </a:fld>
+            <a:endParaRPr lang="en-US"/>
+          </a:p>
+        </p:txBody>
+      </p:sp>
+      <p:sp>
+        <p:nvSpPr>
+          <p:cNvPr id="5" name="Tijdelijke aanduiding voor voettekst 4">
+            <a:extLst>
+              <a:ext uri="{FF2B5EF4-FFF2-40B4-BE49-F238E27FC236}">
+                <a16:creationId xmlns:a16="http://schemas.microsoft.com/office/drawing/2014/main" id="{DBC1E722-F4C3-44B2-A677-5A1F0F124C1D}"/>
+              </a:ext>
+            </a:extLst>
+          </p:cNvPr>
+          <p:cNvSpPr>
+            <a:spLocks noGrp="1"/>
+          </p:cNvSpPr>
+          <p:nvPr>
+            <p:ph type="ftr" sz="quarter" idx="11"/>
+          </p:nvPr>
+        </p:nvSpPr>
+        <p:spPr/>
+        <p:txBody>
+          <a:bodyPr/>
+          <a:lstStyle/>
+          <a:p>
+            <a:r>
+              <a:rPr lang="en-US"/>
+              <a:t>Titel van footer</a:t>
+            </a:r>
+          </a:p>
+        </p:txBody>
+      </p:sp>
+      <p:sp>
+        <p:nvSpPr>
+          <p:cNvPr id="6" name="Tijdelijke aanduiding voor dianummer 5">
+            <a:extLst>
+              <a:ext uri="{FF2B5EF4-FFF2-40B4-BE49-F238E27FC236}">
+                <a16:creationId xmlns:a16="http://schemas.microsoft.com/office/drawing/2014/main" id="{9CAEAC33-DD89-4817-9D1C-31B8E767E81C}"/>
+              </a:ext>
+            </a:extLst>
+          </p:cNvPr>
+          <p:cNvSpPr>
+            <a:spLocks noGrp="1"/>
+          </p:cNvSpPr>
+          <p:nvPr>
+            <p:ph type="sldNum" sz="quarter" idx="12"/>
+          </p:nvPr>
+        </p:nvSpPr>
+        <p:spPr/>
+        <p:txBody>
+          <a:bodyPr/>
+          <a:lstStyle/>
+          <a:p>
+            <a:fld id="{FCA3638F-6D52-644A-9831-93255061F043}" type="slidenum">
+              <a:rPr lang="nl-NL" smtClean="0"/>
+              <a:t>20</a:t>
+            </a:fld>
+            <a:endParaRPr lang="nl-NL"/>
+          </a:p>
+        </p:txBody>
+      </p:sp>
+    </p:spTree>
+    <p:extLst>
+      <p:ext uri="{BB962C8B-B14F-4D97-AF65-F5344CB8AC3E}">
+        <p14:creationId xmlns:p14="http://schemas.microsoft.com/office/powerpoint/2010/main" val="2825810771"/>
+      </p:ext>
+    </p:extLst>
+  </p:cSld>
+  <p:clrMapOvr>
+    <a:masterClrMapping/>
+  </p:clrMapOvr>
+</p:sld>
+</file>
+
+<file path=ppt/slides/slide21.xml><?xml version="1.0" encoding="utf-8"?>
 <p:sld xmlns:a="http://schemas.openxmlformats.org/drawingml/2006/main" xmlns:r="http://schemas.openxmlformats.org/officeDocument/2006/relationships" xmlns:p="http://schemas.openxmlformats.org/presentationml/2006/main">
   <p:cSld>
     <p:spTree>
@@ -34687,10 +34337,9 @@
           <a:lstStyle/>
           <a:p>
             <a:r>
-              <a:rPr lang="en-US" dirty="0" smtClean="0"/>
+              <a:rPr lang="en-US" dirty="0"/>
               <a:t>4.Demo</a:t>
             </a:r>
-            <a:endParaRPr lang="en-US" dirty="0"/>
           </a:p>
         </p:txBody>
       </p:sp>
@@ -34715,10 +34364,9 @@
           <a:lstStyle/>
           <a:p>
             <a:r>
-              <a:rPr lang="en-US" dirty="0" smtClean="0"/>
+              <a:rPr lang="en-US" dirty="0"/>
               <a:t> </a:t>
             </a:r>
-            <a:endParaRPr lang="en-US" dirty="0"/>
           </a:p>
         </p:txBody>
       </p:sp>
@@ -34738,7 +34386,8 @@
           <a:lstStyle/>
           <a:p>
             <a:fld id="{DB4E9D77-C996-DF40-82BF-4D0EB0C0014F}" type="datetime1">
-              <a:t>11-6-2019</a:t>
+              <a:rPr lang="nl-NL"/>
+              <a:t>19-6-2019</a:t>
             </a:fld>
             <a:endParaRPr lang="en-US"/>
           </a:p>
@@ -34784,7 +34433,7 @@
           <a:p>
             <a:fld id="{FCA3638F-6D52-644A-9831-93255061F043}" type="slidenum">
               <a:rPr lang="en-US"/>
-              <a:t>20</a:t>
+              <a:t>21</a:t>
             </a:fld>
             <a:endParaRPr lang="en-US"/>
           </a:p>
@@ -34969,17 +34618,10 @@
   <p:transition spd="slow">
     <p:cover/>
   </p:transition>
-  <p:timing>
-    <p:tnLst>
-      <p:par>
-        <p:cTn id="1" dur="indefinite" restart="never" nodeType="tmRoot"/>
-      </p:par>
-    </p:tnLst>
-  </p:timing>
 </p:sld>
 </file>
 
-<file path=ppt/slides/slide21.xml><?xml version="1.0" encoding="utf-8"?>
+<file path=ppt/slides/slide22.xml><?xml version="1.0" encoding="utf-8"?>
 <p:sld xmlns:a="http://schemas.openxmlformats.org/drawingml/2006/main" xmlns:r="http://schemas.openxmlformats.org/officeDocument/2006/relationships" xmlns:p="http://schemas.openxmlformats.org/presentationml/2006/main">
   <p:cSld>
     <p:spTree>
@@ -35031,7 +34673,7 @@
               <a:t> </a:t>
             </a:r>
             <a:r>
-              <a:rPr lang="en-US" dirty="0" err="1" smtClean="0"/>
+              <a:rPr lang="en-US" dirty="0" err="1"/>
               <a:t>reflectie</a:t>
             </a:r>
             <a:endParaRPr lang="en-US" dirty="0"/>
@@ -35065,10 +34707,10 @@
               <a:buChar char="-"/>
             </a:pPr>
             <a:r>
-              <a:rPr lang="en-US" sz="1800" b="0" dirty="0" err="1" smtClean="0"/>
+              <a:rPr lang="en-US" sz="1800" b="0" dirty="0" err="1"/>
               <a:t>Groepssfeer</a:t>
             </a:r>
-            <a:endParaRPr lang="en-US" sz="1800" b="0" dirty="0" smtClean="0"/>
+            <a:endParaRPr lang="en-US" sz="1800" b="0" dirty="0"/>
           </a:p>
           <a:p>
             <a:pPr marL="285750" indent="-285750">
@@ -35076,10 +34718,10 @@
               <a:buChar char="-"/>
             </a:pPr>
             <a:r>
-              <a:rPr lang="en-US" sz="1800" b="0" dirty="0" err="1" smtClean="0"/>
+              <a:rPr lang="en-US" sz="1800" b="0" dirty="0" err="1"/>
               <a:t>Samenwerking</a:t>
             </a:r>
-            <a:endParaRPr lang="en-US" sz="1800" b="0" dirty="0" smtClean="0"/>
+            <a:endParaRPr lang="en-US" sz="1800" b="0" dirty="0"/>
           </a:p>
           <a:p>
             <a:endParaRPr lang="en-US" dirty="0"/>
@@ -35102,7 +34744,7 @@
           <a:lstStyle/>
           <a:p>
             <a:fld id="{DB4E9D77-C996-DF40-82BF-4D0EB0C0014F}" type="datetime1">
-              <a:t>11-6-2019</a:t>
+              <a:t>19-6-2019</a:t>
             </a:fld>
             <a:endParaRPr lang="en-US"/>
           </a:p>
@@ -35148,7 +34790,7 @@
           <a:p>
             <a:fld id="{FCA3638F-6D52-644A-9831-93255061F043}" type="slidenum">
               <a:rPr lang="en-US"/>
-              <a:t>21</a:t>
+              <a:t>22</a:t>
             </a:fld>
             <a:endParaRPr lang="en-US"/>
           </a:p>
@@ -35317,7 +34959,7 @@
           </a:lstStyle>
           <a:p>
             <a:r>
-              <a:rPr lang="en-US" sz="1800" b="0" dirty="0" smtClean="0"/>
+              <a:rPr lang="en-US" sz="1800" b="0" dirty="0"/>
               <a:t>- idk </a:t>
             </a:r>
             <a:endParaRPr lang="en-US" dirty="0"/>
@@ -35347,10 +34989,9 @@
           <a:lstStyle/>
           <a:p>
             <a:r>
-              <a:rPr lang="nl-NL" sz="7200" dirty="0" smtClean="0"/>
+              <a:rPr lang="nl-NL" sz="7200" dirty="0"/>
               <a:t>+</a:t>
             </a:r>
-            <a:endParaRPr lang="nl-NL" sz="7200" dirty="0"/>
           </a:p>
         </p:txBody>
       </p:sp>
@@ -35396,17 +35037,10 @@
   <p:transition spd="slow">
     <p:cover/>
   </p:transition>
-  <p:timing>
-    <p:tnLst>
-      <p:par>
-        <p:cTn id="1" dur="indefinite" restart="never" nodeType="tmRoot"/>
-      </p:par>
-    </p:tnLst>
-  </p:timing>
 </p:sld>
 </file>
 
-<file path=ppt/slides/slide22.xml><?xml version="1.0" encoding="utf-8"?>
+<file path=ppt/slides/slide23.xml><?xml version="1.0" encoding="utf-8"?>
 <p:sld xmlns:a="http://schemas.openxmlformats.org/drawingml/2006/main" xmlns:r="http://schemas.openxmlformats.org/officeDocument/2006/relationships" xmlns:p="http://schemas.openxmlformats.org/presentationml/2006/main">
   <p:cSld>
     <p:spTree>
@@ -35439,7 +35073,7 @@
           <a:lstStyle/>
           <a:p>
             <a:r>
-              <a:rPr lang="en-US" dirty="0" err="1" smtClean="0"/>
+              <a:rPr lang="en-US" dirty="0" err="1"/>
               <a:t>Bronnen</a:t>
             </a:r>
             <a:endParaRPr lang="en-US" dirty="0"/>
@@ -35486,7 +35120,8 @@
           <a:lstStyle/>
           <a:p>
             <a:fld id="{DB4E9D77-C996-DF40-82BF-4D0EB0C0014F}" type="datetime1">
-              <a:t>11-6-2019</a:t>
+              <a:rPr lang="nl-NL"/>
+              <a:t>19-6-2019</a:t>
             </a:fld>
             <a:endParaRPr lang="en-US"/>
           </a:p>
@@ -35532,7 +35167,7 @@
           <a:p>
             <a:fld id="{FCA3638F-6D52-644A-9831-93255061F043}" type="slidenum">
               <a:rPr lang="en-US"/>
-              <a:t>22</a:t>
+              <a:t>23</a:t>
             </a:fld>
             <a:endParaRPr lang="en-US"/>
           </a:p>
@@ -35551,13 +35186,6 @@
   <p:transition spd="slow">
     <p:cover/>
   </p:transition>
-  <p:timing>
-    <p:tnLst>
-      <p:par>
-        <p:cTn id="1" dur="indefinite" restart="never" nodeType="tmRoot"/>
-      </p:par>
-    </p:tnLst>
-  </p:timing>
 </p:sld>
 </file>
 
@@ -35599,10 +35227,9 @@
           <a:lstStyle/>
           <a:p>
             <a:r>
-              <a:rPr lang="en-US" dirty="0" smtClean="0"/>
+              <a:rPr lang="en-US" dirty="0"/>
               <a:t>1.Introductie</a:t>
             </a:r>
-            <a:endParaRPr lang="en-US" dirty="0"/>
           </a:p>
         </p:txBody>
       </p:sp>
@@ -35627,10 +35254,9 @@
           <a:lstStyle/>
           <a:p>
             <a:r>
-              <a:rPr lang="en-US" dirty="0" smtClean="0"/>
+              <a:rPr lang="en-US" dirty="0"/>
               <a:t> </a:t>
             </a:r>
-            <a:endParaRPr lang="en-US" dirty="0"/>
           </a:p>
         </p:txBody>
       </p:sp>
@@ -35650,7 +35276,7 @@
           <a:lstStyle/>
           <a:p>
             <a:fld id="{DB4E9D77-C996-DF40-82BF-4D0EB0C0014F}" type="datetime1">
-              <a:t>11-6-2019</a:t>
+              <a:t>19-6-2019</a:t>
             </a:fld>
             <a:endParaRPr lang="en-US"/>
           </a:p>
@@ -35881,13 +35507,6 @@
   <p:transition spd="slow">
     <p:cover/>
   </p:transition>
-  <p:timing>
-    <p:tnLst>
-      <p:par>
-        <p:cTn id="1" dur="indefinite" restart="never" nodeType="tmRoot"/>
-      </p:par>
-    </p:tnLst>
-  </p:timing>
 </p:sld>
 </file>
 
@@ -35976,7 +35595,7 @@
           <a:p>
             <a:fld id="{36086CE3-90FF-5744-87D8-5D36EE4D91CC}" type="datetime1">
               <a:rPr lang="nl-NL" smtClean="0"/>
-              <a:t>11-6-2019</a:t>
+              <a:t>19-6-2019</a:t>
             </a:fld>
             <a:endParaRPr lang="en-US"/>
           </a:p>
@@ -35998,10 +35617,9 @@
           <a:lstStyle/>
           <a:p>
             <a:r>
-              <a:rPr lang="en-US" smtClean="0"/>
+              <a:rPr lang="en-US"/>
               <a:t>Titel van footer</a:t>
             </a:r>
-            <a:endParaRPr lang="en-US"/>
           </a:p>
         </p:txBody>
       </p:sp>
@@ -36081,10 +35699,9 @@
           <a:lstStyle/>
           <a:p>
             <a:r>
-              <a:rPr lang="nl-NL" sz="1050" b="1" dirty="0" smtClean="0"/>
+              <a:rPr lang="nl-NL" sz="1050" b="1" dirty="0"/>
               <a:t>Fig. 1: Overzichtspagina</a:t>
             </a:r>
-            <a:endParaRPr lang="nl-NL" sz="1050" b="1" dirty="0"/>
           </a:p>
         </p:txBody>
       </p:sp>
@@ -36111,13 +35728,8 @@
           <a:p>
             <a:r>
               <a:rPr lang="nl-NL" sz="1100" b="1" dirty="0"/>
-              <a:t>Fig. </a:t>
+              <a:t>Fig. 2: Groep maken.</a:t>
             </a:r>
-            <a:r>
-              <a:rPr lang="nl-NL" sz="1100" b="1" dirty="0" smtClean="0"/>
-              <a:t>2: Groep maken.</a:t>
-            </a:r>
-            <a:endParaRPr lang="nl-NL" sz="1100" b="1" dirty="0"/>
           </a:p>
         </p:txBody>
       </p:sp>
@@ -36131,13 +35743,6 @@
   <p:clrMapOvr>
     <a:masterClrMapping/>
   </p:clrMapOvr>
-  <p:timing>
-    <p:tnLst>
-      <p:par>
-        <p:cTn id="1" dur="indefinite" restart="never" nodeType="tmRoot"/>
-      </p:par>
-    </p:tnLst>
-  </p:timing>
 </p:sld>
 </file>
 
@@ -36226,7 +35831,7 @@
           <a:p>
             <a:fld id="{36086CE3-90FF-5744-87D8-5D36EE4D91CC}" type="datetime1">
               <a:rPr lang="nl-NL" smtClean="0"/>
-              <a:t>11-6-2019</a:t>
+              <a:t>19-6-2019</a:t>
             </a:fld>
             <a:endParaRPr lang="en-US"/>
           </a:p>
@@ -36248,10 +35853,9 @@
           <a:lstStyle/>
           <a:p>
             <a:r>
-              <a:rPr lang="en-US" smtClean="0"/>
+              <a:rPr lang="en-US"/>
               <a:t>Titel van footer</a:t>
             </a:r>
-            <a:endParaRPr lang="en-US"/>
           </a:p>
         </p:txBody>
       </p:sp>
@@ -36318,13 +35922,6 @@
   <p:clrMapOvr>
     <a:masterClrMapping/>
   </p:clrMapOvr>
-  <p:timing>
-    <p:tnLst>
-      <p:par>
-        <p:cTn id="1" dur="indefinite" restart="never" nodeType="tmRoot"/>
-      </p:par>
-    </p:tnLst>
-  </p:timing>
 </p:sld>
 </file>
 
@@ -36394,10 +35991,9 @@
           <a:lstStyle/>
           <a:p>
             <a:r>
-              <a:rPr lang="en-US" dirty="0" smtClean="0"/>
+              <a:rPr lang="en-US" dirty="0"/>
               <a:t> </a:t>
             </a:r>
-            <a:endParaRPr lang="en-US" dirty="0"/>
           </a:p>
         </p:txBody>
       </p:sp>
@@ -36417,7 +36013,7 @@
           <a:lstStyle/>
           <a:p>
             <a:fld id="{DB4E9D77-C996-DF40-82BF-4D0EB0C0014F}" type="datetime1">
-              <a:t>11-6-2019</a:t>
+              <a:t>19-6-2019</a:t>
             </a:fld>
             <a:endParaRPr lang="en-US"/>
           </a:p>
@@ -36648,13 +36244,6 @@
   <p:transition spd="slow">
     <p:cover/>
   </p:transition>
-  <p:timing>
-    <p:tnLst>
-      <p:par>
-        <p:cTn id="1" dur="indefinite" restart="never" nodeType="tmRoot"/>
-      </p:par>
-    </p:tnLst>
-  </p:timing>
 </p:sld>
 </file>
 
@@ -36691,10 +36280,9 @@
           <a:lstStyle/>
           <a:p>
             <a:r>
-              <a:rPr lang="nl-NL" dirty="0" smtClean="0"/>
+              <a:rPr lang="nl-NL" dirty="0"/>
               <a:t>2.1 Huidige versie</a:t>
             </a:r>
-            <a:endParaRPr lang="nl-NL" dirty="0"/>
           </a:p>
         </p:txBody>
       </p:sp>
@@ -36715,7 +36303,7 @@
           <a:p>
             <a:fld id="{E5FDB7F4-B6ED-1748-9D00-406FDAEF6503}" type="datetime1">
               <a:rPr lang="nl-NL" smtClean="0"/>
-              <a:t>11-6-2019</a:t>
+              <a:t>19-6-2019</a:t>
             </a:fld>
             <a:endParaRPr lang="en-US"/>
           </a:p>
@@ -36802,13 +36390,6 @@
   <p:transition spd="slow">
     <p:cover/>
   </p:transition>
-  <p:timing>
-    <p:tnLst>
-      <p:par>
-        <p:cTn id="1" dur="indefinite" restart="never" nodeType="tmRoot"/>
-      </p:par>
-    </p:tnLst>
-  </p:timing>
 </p:sld>
 </file>
 
@@ -36845,10 +36426,9 @@
           <a:lstStyle/>
           <a:p>
             <a:r>
-              <a:rPr lang="nl-NL" dirty="0" smtClean="0"/>
+              <a:rPr lang="nl-NL" dirty="0"/>
               <a:t>2.2 Nieuwe versie </a:t>
             </a:r>
-            <a:endParaRPr lang="nl-NL" dirty="0"/>
           </a:p>
         </p:txBody>
       </p:sp>
@@ -36927,7 +36507,7 @@
           <a:p>
             <a:fld id="{E5FDB7F4-B6ED-1748-9D00-406FDAEF6503}" type="datetime1">
               <a:rPr lang="nl-NL" smtClean="0"/>
-              <a:t>11-6-2019</a:t>
+              <a:t>19-6-2019</a:t>
             </a:fld>
             <a:endParaRPr lang="nl-NL"/>
           </a:p>
@@ -36949,10 +36529,9 @@
           <a:lstStyle/>
           <a:p>
             <a:r>
-              <a:rPr lang="en-US" smtClean="0"/>
+              <a:rPr lang="en-US"/>
               <a:t>Titel van footer</a:t>
             </a:r>
-            <a:endParaRPr lang="en-US"/>
           </a:p>
         </p:txBody>
       </p:sp>
@@ -37045,13 +36624,6 @@
   <p:clrMapOvr>
     <a:masterClrMapping/>
   </p:clrMapOvr>
-  <p:timing>
-    <p:tnLst>
-      <p:par>
-        <p:cTn id="1" dur="indefinite" restart="never" nodeType="tmRoot"/>
-      </p:par>
-    </p:tnLst>
-  </p:timing>
 </p:sld>
 </file>
 
@@ -37088,10 +36660,9 @@
           <a:lstStyle/>
           <a:p>
             <a:r>
-              <a:rPr lang="nl-NL" dirty="0" smtClean="0"/>
+              <a:rPr lang="nl-NL" dirty="0"/>
               <a:t>2.Applicatie structuur </a:t>
             </a:r>
-            <a:endParaRPr lang="nl-NL" dirty="0"/>
           </a:p>
         </p:txBody>
       </p:sp>
@@ -37112,7 +36683,7 @@
           <a:p>
             <a:fld id="{36086CE3-90FF-5744-87D8-5D36EE4D91CC}" type="datetime1">
               <a:rPr lang="nl-NL" smtClean="0"/>
-              <a:t>11-6-2019</a:t>
+              <a:t>19-6-2019</a:t>
             </a:fld>
             <a:endParaRPr lang="en-US"/>
           </a:p>
@@ -37326,28 +36897,28 @@
             </a:lvl9pPr>
           </a:lstStyle>
           <a:p>
-            <a:endParaRPr lang="nl-NL" dirty="0" smtClean="0"/>
+            <a:endParaRPr lang="nl-NL" dirty="0"/>
           </a:p>
           <a:p>
             <a:pPr marL="457200" indent="-457200">
               <a:buFontTx/>
               <a:buChar char="-"/>
             </a:pPr>
-            <a:endParaRPr lang="nl-NL" dirty="0" smtClean="0"/>
+            <a:endParaRPr lang="nl-NL" dirty="0"/>
           </a:p>
           <a:p>
             <a:pPr marL="457200" indent="-457200">
               <a:buFontTx/>
               <a:buChar char="-"/>
             </a:pPr>
-            <a:endParaRPr lang="nl-NL" dirty="0" smtClean="0"/>
+            <a:endParaRPr lang="nl-NL" dirty="0"/>
           </a:p>
           <a:p>
             <a:pPr marL="457200" indent="-457200">
               <a:buFontTx/>
               <a:buChar char="-"/>
             </a:pPr>
-            <a:endParaRPr lang="nl-NL" dirty="0" smtClean="0"/>
+            <a:endParaRPr lang="nl-NL" dirty="0"/>
           </a:p>
           <a:p>
             <a:pPr marL="457200" indent="-457200">
@@ -37393,13 +36964,6 @@
   <p:transition spd="slow">
     <p:cover/>
   </p:transition>
-  <p:timing>
-    <p:tnLst>
-      <p:par>
-        <p:cTn id="1" dur="indefinite" restart="never" nodeType="tmRoot"/>
-      </p:par>
-    </p:tnLst>
-  </p:timing>
 </p:sld>
 </file>
 

--- a/Presentatie/Projecten 1.pptx
+++ b/Presentatie/Projecten 1.pptx
@@ -28518,7 +28518,7 @@
         </p:nvSpPr>
         <p:spPr>
           <a:xfrm>
-            <a:off x="0" y="2206625"/>
+            <a:off x="439516" y="2206625"/>
             <a:ext cx="7772400" cy="1470025"/>
           </a:xfrm>
         </p:spPr>
@@ -28547,7 +28547,12 @@
             <p:ph type="subTitle" idx="1"/>
           </p:nvPr>
         </p:nvSpPr>
-        <p:spPr/>
+        <p:spPr>
+          <a:xfrm>
+            <a:off x="671681" y="4872251"/>
+            <a:ext cx="7308070" cy="1717865"/>
+          </a:xfrm>
+        </p:spPr>
         <p:txBody>
           <a:bodyPr/>
           <a:lstStyle/>
@@ -28559,6 +28564,20 @@
             <a:endParaRPr lang="en-US" dirty="0"/>
           </a:p>
           <a:p>
+            <a:pPr>
+              <a:spcBef>
+                <a:spcPts val="0"/>
+              </a:spcBef>
+            </a:pPr>
+            <a:r>
+              <a:rPr lang="en-US" sz="2000" dirty="0">
+                <a:latin typeface="Calibri" panose="020F0502020204030204" pitchFamily="34" charset="0"/>
+                <a:cs typeface="Calibri" panose="020F0502020204030204" pitchFamily="34" charset="0"/>
+              </a:rPr>
+              <a:t>EOICT14</a:t>
+            </a:r>
+          </a:p>
+          <a:p>
             <a:r>
               <a:rPr lang="en-US" sz="1400" dirty="0" err="1"/>
               <a:t>Arijn</a:t>
@@ -28575,6 +28594,17 @@
               <a:rPr lang="en-US" sz="1400" dirty="0"/>
               <a:t>, Andreas Lauwers, Lukas Petit, Arno Stas</a:t>
             </a:r>
+          </a:p>
+          <a:p>
+            <a:r>
+              <a:rPr lang="en-US" sz="1400" dirty="0"/>
+              <a:t>Mentor: P. Van </a:t>
+            </a:r>
+            <a:r>
+              <a:rPr lang="en-US" sz="1400" dirty="0" err="1"/>
+              <a:t>Peteghem</a:t>
+            </a:r>
+            <a:endParaRPr lang="en-US" sz="1400" dirty="0"/>
           </a:p>
         </p:txBody>
       </p:sp>

--- a/Presentatie/Projecten 1.pptx
+++ b/Presentatie/Projecten 1.pptx
@@ -11,10 +11,10 @@
     <p:sldMasterId id="2147483688" r:id="rId7"/>
   </p:sldMasterIdLst>
   <p:notesMasterIdLst>
-    <p:notesMasterId r:id="rId36"/>
+    <p:notesMasterId r:id="rId38"/>
   </p:notesMasterIdLst>
   <p:handoutMasterIdLst>
-    <p:handoutMasterId r:id="rId37"/>
+    <p:handoutMasterId r:id="rId39"/>
   </p:handoutMasterIdLst>
   <p:sldIdLst>
     <p:sldId id="260" r:id="rId8"/>
@@ -42,9 +42,11 @@
     <p:sldId id="295" r:id="rId30"/>
     <p:sldId id="297" r:id="rId31"/>
     <p:sldId id="287" r:id="rId32"/>
-    <p:sldId id="276" r:id="rId33"/>
-    <p:sldId id="270" r:id="rId34"/>
-    <p:sldId id="268" r:id="rId35"/>
+    <p:sldId id="298" r:id="rId33"/>
+    <p:sldId id="299" r:id="rId34"/>
+    <p:sldId id="276" r:id="rId35"/>
+    <p:sldId id="270" r:id="rId36"/>
+    <p:sldId id="268" r:id="rId37"/>
   </p:sldIdLst>
   <p:sldSz cx="9144000" cy="6858000" type="screen4x3"/>
   <p:notesSz cx="6858000" cy="9144000"/>
@@ -15830,7 +15832,7 @@
           </a:lstStyle>
           <a:p>
             <a:fld id="{2518152A-4670-DD4C-AAFC-C17F734418B3}" type="datetimeFigureOut">
-              <a:t>19/06/2019</a:t>
+              <a:t>19-6-2019</a:t>
             </a:fld>
             <a:endParaRPr lang="en-US"/>
           </a:p>
@@ -15994,7 +15996,7 @@
           </a:lstStyle>
           <a:p>
             <a:fld id="{7AC900B5-6857-DB44-9846-7C78C09874F3}" type="datetimeFigureOut">
-              <a:t>19/06/2019</a:t>
+              <a:t>19-6-2019</a:t>
             </a:fld>
             <a:endParaRPr lang="en-US"/>
           </a:p>
@@ -17115,7 +17117,7 @@
           <a:lstStyle/>
           <a:p>
             <a:fld id="{5F17BE6E-A6F8-3442-9DA5-5593485BE98C}" type="datetime1">
-              <a:t>19/06/2019</a:t>
+              <a:t>19-6-2019</a:t>
             </a:fld>
             <a:endParaRPr lang="en-US"/>
           </a:p>
@@ -17616,7 +17618,7 @@
           <a:lstStyle/>
           <a:p>
             <a:fld id="{36086CE3-90FF-5744-87D8-5D36EE4D91CC}" type="datetime1">
-              <a:t>19/06/2019</a:t>
+              <a:t>19-6-2019</a:t>
             </a:fld>
             <a:endParaRPr lang="en-US"/>
           </a:p>
@@ -17905,7 +17907,7 @@
           <a:lstStyle/>
           <a:p>
             <a:fld id="{E5FDB7F4-B6ED-1748-9D00-406FDAEF6503}" type="datetime1">
-              <a:t>19/06/2019</a:t>
+              <a:t>19-6-2019</a:t>
             </a:fld>
             <a:endParaRPr lang="en-US"/>
           </a:p>
@@ -18001,7 +18003,7 @@
           <a:lstStyle/>
           <a:p>
             <a:fld id="{B721E619-EBD6-CB45-B312-466BFC0B87E3}" type="datetime1">
-              <a:t>19/06/2019</a:t>
+              <a:t>19-6-2019</a:t>
             </a:fld>
             <a:endParaRPr lang="en-US"/>
           </a:p>
@@ -18255,7 +18257,7 @@
           <a:lstStyle/>
           <a:p>
             <a:fld id="{138FFCED-4308-CA4D-ACC4-3948E9F11CDF}" type="datetime1">
-              <a:t>19/06/2019</a:t>
+              <a:t>19-6-2019</a:t>
             </a:fld>
             <a:endParaRPr lang="en-US"/>
           </a:p>
@@ -18756,7 +18758,7 @@
           <a:lstStyle/>
           <a:p>
             <a:fld id="{36086CE3-90FF-5744-87D8-5D36EE4D91CC}" type="datetime1">
-              <a:t>19/06/2019</a:t>
+              <a:t>19-6-2019</a:t>
             </a:fld>
             <a:endParaRPr lang="en-US"/>
           </a:p>
@@ -19045,7 +19047,7 @@
           <a:lstStyle/>
           <a:p>
             <a:fld id="{E5FDB7F4-B6ED-1748-9D00-406FDAEF6503}" type="datetime1">
-              <a:t>19/06/2019</a:t>
+              <a:t>19-6-2019</a:t>
             </a:fld>
             <a:endParaRPr lang="en-US"/>
           </a:p>
@@ -19141,7 +19143,7 @@
           <a:lstStyle/>
           <a:p>
             <a:fld id="{B721E619-EBD6-CB45-B312-466BFC0B87E3}" type="datetime1">
-              <a:t>19/06/2019</a:t>
+              <a:t>19-6-2019</a:t>
             </a:fld>
             <a:endParaRPr lang="en-US"/>
           </a:p>
@@ -19312,7 +19314,7 @@
           <a:lstStyle/>
           <a:p>
             <a:fld id="{D956C2C8-AF4A-3F4C-B9B4-50FA0AC2319A}" type="datetime1">
-              <a:t>19/06/2019</a:t>
+              <a:t>19-6-2019</a:t>
             </a:fld>
             <a:endParaRPr lang="en-US"/>
           </a:p>
@@ -19566,7 +19568,7 @@
           <a:lstStyle/>
           <a:p>
             <a:fld id="{138FFCED-4308-CA4D-ACC4-3948E9F11CDF}" type="datetime1">
-              <a:t>19/06/2019</a:t>
+              <a:t>19-6-2019</a:t>
             </a:fld>
             <a:endParaRPr lang="en-US"/>
           </a:p>
@@ -20067,7 +20069,7 @@
           <a:lstStyle/>
           <a:p>
             <a:fld id="{E056D7AB-E25E-FB4B-969B-4A4EA7ABA0AD}" type="datetime1">
-              <a:t>19/06/2019</a:t>
+              <a:t>19-6-2019</a:t>
             </a:fld>
             <a:endParaRPr lang="en-US"/>
           </a:p>
@@ -20356,7 +20358,7 @@
           <a:lstStyle/>
           <a:p>
             <a:fld id="{347F30DE-79EA-A349-BE9F-7981F0F2DC46}" type="datetime1">
-              <a:t>19/06/2019</a:t>
+              <a:t>19-6-2019</a:t>
             </a:fld>
             <a:endParaRPr lang="en-US"/>
           </a:p>
@@ -20452,7 +20454,7 @@
           <a:lstStyle/>
           <a:p>
             <a:fld id="{8FC05770-7E08-F248-BA09-A0038AB0618E}" type="datetime1">
-              <a:t>19/06/2019</a:t>
+              <a:t>19-6-2019</a:t>
             </a:fld>
             <a:endParaRPr lang="en-US"/>
           </a:p>
@@ -20706,7 +20708,7 @@
           <a:lstStyle/>
           <a:p>
             <a:fld id="{0149C62E-9B80-144E-9FFF-A108B648E2E0}" type="datetime1">
-              <a:t>19/06/2019</a:t>
+              <a:t>19-6-2019</a:t>
             </a:fld>
             <a:endParaRPr lang="en-US"/>
           </a:p>
@@ -21207,7 +21209,7 @@
           <a:lstStyle/>
           <a:p>
             <a:fld id="{5F856C8F-3F9B-6D44-8056-EDB07DB254DC}" type="datetime1">
-              <a:t>19/06/2019</a:t>
+              <a:t>19-6-2019</a:t>
             </a:fld>
             <a:endParaRPr lang="en-US"/>
           </a:p>
@@ -21496,7 +21498,7 @@
           <a:lstStyle/>
           <a:p>
             <a:fld id="{1CE7233C-6A1A-B347-86E1-38E7A4477365}" type="datetime1">
-              <a:t>19/06/2019</a:t>
+              <a:t>19-6-2019</a:t>
             </a:fld>
             <a:endParaRPr lang="en-US"/>
           </a:p>
@@ -21592,7 +21594,7 @@
           <a:lstStyle/>
           <a:p>
             <a:fld id="{3655A780-40C0-BD41-9FCF-DB3CB79764AE}" type="datetime1">
-              <a:t>19/06/2019</a:t>
+              <a:t>19-6-2019</a:t>
             </a:fld>
             <a:endParaRPr lang="en-US"/>
           </a:p>
@@ -21881,7 +21883,7 @@
           <a:lstStyle/>
           <a:p>
             <a:fld id="{8B63FB6B-9458-BD43-9DB9-A2949799A662}" type="datetime1">
-              <a:t>19/06/2019</a:t>
+              <a:t>19-6-2019</a:t>
             </a:fld>
             <a:endParaRPr lang="en-US"/>
           </a:p>
@@ -22135,7 +22137,7 @@
           <a:lstStyle/>
           <a:p>
             <a:fld id="{A316EF45-E80A-A14C-9D81-938871F147C8}" type="datetime1">
-              <a:t>19/06/2019</a:t>
+              <a:t>19-6-2019</a:t>
             </a:fld>
             <a:endParaRPr lang="en-US"/>
           </a:p>
@@ -22636,7 +22638,7 @@
           <a:lstStyle/>
           <a:p>
             <a:fld id="{0C0CCFA7-D12C-7141-8399-7EC2FD74B1F4}" type="datetime1">
-              <a:t>19/06/2019</a:t>
+              <a:t>19-6-2019</a:t>
             </a:fld>
             <a:endParaRPr lang="en-US"/>
           </a:p>
@@ -22925,7 +22927,7 @@
           <a:lstStyle/>
           <a:p>
             <a:fld id="{5D13D340-8AB4-384E-BF13-A0690AD7A543}" type="datetime1">
-              <a:t>19/06/2019</a:t>
+              <a:t>19-6-2019</a:t>
             </a:fld>
             <a:endParaRPr lang="en-US"/>
           </a:p>
@@ -23021,7 +23023,7 @@
           <a:lstStyle/>
           <a:p>
             <a:fld id="{41A3B24D-7E8B-9541-B8F1-940F0036A509}" type="datetime1">
-              <a:t>19/06/2019</a:t>
+              <a:t>19-6-2019</a:t>
             </a:fld>
             <a:endParaRPr lang="en-US"/>
           </a:p>
@@ -23275,7 +23277,7 @@
           <a:lstStyle/>
           <a:p>
             <a:fld id="{3F0D68B8-9D46-6848-AE7E-75CFB53DB47C}" type="datetime1">
-              <a:t>19/06/2019</a:t>
+              <a:t>19-6-2019</a:t>
             </a:fld>
             <a:endParaRPr lang="en-US"/>
           </a:p>
@@ -23376,7 +23378,7 @@
           <a:lstStyle/>
           <a:p>
             <a:fld id="{0FD44C4C-371A-1D4F-A9B8-07683E1252E8}" type="datetime1">
-              <a:t>19/06/2019</a:t>
+              <a:t>19-6-2019</a:t>
             </a:fld>
             <a:endParaRPr lang="en-US"/>
           </a:p>
@@ -23634,7 +23636,7 @@
           <a:lstStyle/>
           <a:p>
             <a:fld id="{63E7AB38-62BC-774C-97AE-1BF242D8582C}" type="datetime1">
-              <a:t>19/06/2019</a:t>
+              <a:t>19-6-2019</a:t>
             </a:fld>
             <a:endParaRPr lang="en-US"/>
           </a:p>
@@ -24135,7 +24137,7 @@
           <a:lstStyle/>
           <a:p>
             <a:fld id="{8CCD183A-059B-2542-813C-5A08B6D37968}" type="datetime1">
-              <a:t>19/06/2019</a:t>
+              <a:t>19-6-2019</a:t>
             </a:fld>
             <a:endParaRPr lang="en-US"/>
           </a:p>
@@ -24424,7 +24426,7 @@
           <a:lstStyle/>
           <a:p>
             <a:fld id="{A18FAD7D-2159-674C-BC18-A050D77CC070}" type="datetime1">
-              <a:t>19/06/2019</a:t>
+              <a:t>19-6-2019</a:t>
             </a:fld>
             <a:endParaRPr lang="en-US"/>
           </a:p>
@@ -24520,7 +24522,7 @@
           <a:lstStyle/>
           <a:p>
             <a:fld id="{7F3EC34E-563E-3E4F-9CB6-35608B9F10E8}" type="datetime1">
-              <a:t>19/06/2019</a:t>
+              <a:t>19-6-2019</a:t>
             </a:fld>
             <a:endParaRPr lang="en-US"/>
           </a:p>
@@ -24780,7 +24782,7 @@
           </a:lstStyle>
           <a:p>
             <a:fld id="{6608C39C-6A92-104F-A944-21D39204BEAF}" type="datetime1">
-              <a:t>19/06/2019</a:t>
+              <a:t>19-6-2019</a:t>
             </a:fld>
             <a:endParaRPr lang="en-US"/>
           </a:p>
@@ -25337,7 +25339,7 @@
           </a:lstStyle>
           <a:p>
             <a:fld id="{2D86298A-010A-FA4C-979A-202A0C3B0B89}" type="datetime1">
-              <a:t>19/06/2019</a:t>
+              <a:t>19-6-2019</a:t>
             </a:fld>
             <a:endParaRPr lang="en-US"/>
           </a:p>
@@ -25897,7 +25899,7 @@
           </a:lstStyle>
           <a:p>
             <a:fld id="{3DC040B7-7FDC-EC48-B37F-6E02E1E9CC0E}" type="datetime1">
-              <a:t>19/06/2019</a:t>
+              <a:t>19-6-2019</a:t>
             </a:fld>
             <a:endParaRPr lang="en-US"/>
           </a:p>
@@ -26455,7 +26457,7 @@
           </a:lstStyle>
           <a:p>
             <a:fld id="{3DC040B7-7FDC-EC48-B37F-6E02E1E9CC0E}" type="datetime1">
-              <a:t>19/06/2019</a:t>
+              <a:t>19-6-2019</a:t>
             </a:fld>
             <a:endParaRPr lang="en-US"/>
           </a:p>
@@ -27013,7 +27015,7 @@
           </a:lstStyle>
           <a:p>
             <a:fld id="{226A858B-F2A2-4C42-A574-D382CE7CB5B0}" type="datetime1">
-              <a:t>19/06/2019</a:t>
+              <a:t>19-6-2019</a:t>
             </a:fld>
             <a:endParaRPr lang="en-US"/>
           </a:p>
@@ -27571,7 +27573,7 @@
           </a:lstStyle>
           <a:p>
             <a:fld id="{D3F1546C-12A3-C249-BA16-098223ED8408}" type="datetime1">
-              <a:t>19/06/2019</a:t>
+              <a:t>19-6-2019</a:t>
             </a:fld>
             <a:endParaRPr lang="en-US"/>
           </a:p>
@@ -28129,7 +28131,7 @@
           </a:lstStyle>
           <a:p>
             <a:fld id="{AB632AFF-2AE8-5941-B538-F40ED924DEA8}" type="datetime1">
-              <a:t>19/06/2019</a:t>
+              <a:t>19-6-2019</a:t>
             </a:fld>
             <a:endParaRPr lang="en-US"/>
           </a:p>
@@ -28716,7 +28718,7 @@
           <a:lstStyle/>
           <a:p>
             <a:fld id="{DB4E9D77-C996-DF40-82BF-4D0EB0C0014F}" type="datetime1">
-              <a:t>19/06/2019</a:t>
+              <a:t>19-6-2019</a:t>
             </a:fld>
             <a:endParaRPr lang="en-US"/>
           </a:p>
@@ -29007,7 +29009,7 @@
             <a:fld id="{DB4E9D77-C996-DF40-82BF-4D0EB0C0014F}" type="datetime1">
               <a:rPr lang="en-BE"/>
               <a:pPr/>
-              <a:t>19/06/2019</a:t>
+              <a:t>06/19/2019</a:t>
             </a:fld>
             <a:endParaRPr lang="nl-NL" dirty="0"/>
           </a:p>
@@ -29188,7 +29190,7 @@
             <a:fld id="{DB4E9D77-C996-DF40-82BF-4D0EB0C0014F}" type="datetime1">
               <a:rPr lang="en-BE"/>
               <a:pPr/>
-              <a:t>19/06/2019</a:t>
+              <a:t>06/19/2019</a:t>
             </a:fld>
             <a:endParaRPr lang="nl-NL" dirty="0"/>
           </a:p>
@@ -29402,7 +29404,7 @@
             <a:fld id="{DB4E9D77-C996-DF40-82BF-4D0EB0C0014F}" type="datetime1">
               <a:rPr lang="en-BE"/>
               <a:pPr/>
-              <a:t>19/06/2019</a:t>
+              <a:t>06/19/2019</a:t>
             </a:fld>
             <a:endParaRPr lang="nl-NL" dirty="0"/>
           </a:p>
@@ -29550,7 +29552,7 @@
           <a:lstStyle/>
           <a:p>
             <a:fld id="{DB4E9D77-C996-DF40-82BF-4D0EB0C0014F}" type="datetime1">
-              <a:t>19/06/2019</a:t>
+              <a:t>19-6-2019</a:t>
             </a:fld>
             <a:endParaRPr lang="en-US"/>
           </a:p>
@@ -29821,7 +29823,7 @@
           <a:lstStyle/>
           <a:p>
             <a:fld id="{DB4E9D77-C996-DF40-82BF-4D0EB0C0014F}" type="datetime1">
-              <a:t>19/06/2019</a:t>
+              <a:t>19-6-2019</a:t>
             </a:fld>
             <a:endParaRPr lang="en-US"/>
           </a:p>
@@ -30117,7 +30119,7 @@
             <a:fld id="{DB4E9D77-C996-DF40-82BF-4D0EB0C0014F}" type="datetime1">
               <a:rPr lang="en-BE"/>
               <a:pPr/>
-              <a:t>19/06/2019</a:t>
+              <a:t>06/19/2019</a:t>
             </a:fld>
             <a:endParaRPr lang="nl-NL" dirty="0"/>
           </a:p>
@@ -31314,7 +31316,7 @@
           <a:lstStyle/>
           <a:p>
             <a:fld id="{DB4E9D77-C996-DF40-82BF-4D0EB0C0014F}" type="datetime1">
-              <a:t>19/06/2019</a:t>
+              <a:t>19-6-2019</a:t>
             </a:fld>
             <a:endParaRPr lang="en-US" dirty="0"/>
           </a:p>
@@ -31781,7 +31783,7 @@
           <a:p>
             <a:fld id="{36086CE3-90FF-5744-87D8-5D36EE4D91CC}" type="datetime1">
               <a:rPr lang="en-BE" smtClean="0"/>
-              <a:t>19/06/2019</a:t>
+              <a:t>06/19/2019</a:t>
             </a:fld>
             <a:endParaRPr lang="en-US"/>
           </a:p>
@@ -31945,7 +31947,7 @@
             <a:fld id="{36086CE3-90FF-5744-87D8-5D36EE4D91CC}" type="datetime1">
               <a:rPr lang="en-BE"/>
               <a:pPr/>
-              <a:t>19/06/2019</a:t>
+              <a:t>06/19/2019</a:t>
             </a:fld>
             <a:endParaRPr lang="nl-NL" dirty="0"/>
           </a:p>
@@ -32457,7 +32459,7 @@
           <a:p>
             <a:fld id="{36086CE3-90FF-5744-87D8-5D36EE4D91CC}" type="datetime1">
               <a:rPr lang="en-BE" smtClean="0"/>
-              <a:t>19/06/2019</a:t>
+              <a:t>06/19/2019</a:t>
             </a:fld>
             <a:endParaRPr lang="en-US"/>
           </a:p>
@@ -32853,7 +32855,7 @@
           <a:p>
             <a:fld id="{36086CE3-90FF-5744-87D8-5D36EE4D91CC}" type="datetime1">
               <a:rPr lang="en-BE" smtClean="0"/>
-              <a:t>19/06/2019</a:t>
+              <a:t>06/19/2019</a:t>
             </a:fld>
             <a:endParaRPr lang="en-US"/>
           </a:p>
@@ -33047,7 +33049,8 @@
           <a:lstStyle/>
           <a:p>
             <a:fld id="{DB4E9D77-C996-DF40-82BF-4D0EB0C0014F}" type="datetime1">
-              <a:t>19/06/2019</a:t>
+              <a:rPr lang="nl-NL"/>
+              <a:t>19-6-2019</a:t>
             </a:fld>
             <a:endParaRPr lang="en-US"/>
           </a:p>
@@ -33300,6 +33303,358 @@
       </p:grpSpPr>
       <p:sp>
         <p:nvSpPr>
+          <p:cNvPr id="2" name="Titel 1">
+            <a:extLst>
+              <a:ext uri="{FF2B5EF4-FFF2-40B4-BE49-F238E27FC236}">
+                <a16:creationId xmlns:a16="http://schemas.microsoft.com/office/drawing/2014/main" id="{708A4B46-AF8E-496D-919E-08159839DB5A}"/>
+              </a:ext>
+            </a:extLst>
+          </p:cNvPr>
+          <p:cNvSpPr>
+            <a:spLocks noGrp="1"/>
+          </p:cNvSpPr>
+          <p:nvPr>
+            <p:ph type="title"/>
+          </p:nvPr>
+        </p:nvSpPr>
+        <p:spPr/>
+        <p:txBody>
+          <a:bodyPr/>
+          <a:lstStyle/>
+          <a:p>
+            <a:pPr algn="ctr"/>
+            <a:r>
+              <a:rPr lang="nl-BE" dirty="0" err="1"/>
+              <a:t>BootstrapVue</a:t>
+            </a:r>
+            <a:endParaRPr lang="nl-NL" dirty="0"/>
+          </a:p>
+        </p:txBody>
+      </p:sp>
+      <p:pic>
+        <p:nvPicPr>
+          <p:cNvPr id="8" name="Tijdelijke aanduiding voor inhoud 7" descr="Afbeelding met tekst&#10;&#10;Automatisch gegenereerde beschrijving">
+            <a:extLst>
+              <a:ext uri="{FF2B5EF4-FFF2-40B4-BE49-F238E27FC236}">
+                <a16:creationId xmlns:a16="http://schemas.microsoft.com/office/drawing/2014/main" id="{B6C79514-27AD-4AAD-9443-6BE86CD4D059}"/>
+              </a:ext>
+            </a:extLst>
+          </p:cNvPr>
+          <p:cNvPicPr>
+            <a:picLocks noGrp="1" noChangeAspect="1"/>
+          </p:cNvPicPr>
+          <p:nvPr>
+            <p:ph idx="1"/>
+          </p:nvPr>
+        </p:nvPicPr>
+        <p:blipFill>
+          <a:blip r:embed="rId2"/>
+          <a:stretch>
+            <a:fillRect/>
+          </a:stretch>
+        </p:blipFill>
+        <p:spPr>
+          <a:xfrm>
+            <a:off x="2875956" y="1934711"/>
+            <a:ext cx="3592835" cy="3801942"/>
+          </a:xfrm>
+        </p:spPr>
+      </p:pic>
+      <p:sp>
+        <p:nvSpPr>
+          <p:cNvPr id="4" name="Tijdelijke aanduiding voor datum 3">
+            <a:extLst>
+              <a:ext uri="{FF2B5EF4-FFF2-40B4-BE49-F238E27FC236}">
+                <a16:creationId xmlns:a16="http://schemas.microsoft.com/office/drawing/2014/main" id="{3119DBD2-003A-4BEB-BBF8-5B71A56355A9}"/>
+              </a:ext>
+            </a:extLst>
+          </p:cNvPr>
+          <p:cNvSpPr>
+            <a:spLocks noGrp="1"/>
+          </p:cNvSpPr>
+          <p:nvPr>
+            <p:ph type="dt" sz="half" idx="10"/>
+          </p:nvPr>
+        </p:nvSpPr>
+        <p:spPr/>
+        <p:txBody>
+          <a:bodyPr/>
+          <a:lstStyle/>
+          <a:p>
+            <a:fld id="{36086CE3-90FF-5744-87D8-5D36EE4D91CC}" type="datetime1">
+              <a:rPr lang="nl-NL" smtClean="0"/>
+              <a:t>19-6-2019</a:t>
+            </a:fld>
+            <a:endParaRPr lang="en-US"/>
+          </a:p>
+        </p:txBody>
+      </p:sp>
+      <p:sp>
+        <p:nvSpPr>
+          <p:cNvPr id="5" name="Tijdelijke aanduiding voor voettekst 4">
+            <a:extLst>
+              <a:ext uri="{FF2B5EF4-FFF2-40B4-BE49-F238E27FC236}">
+                <a16:creationId xmlns:a16="http://schemas.microsoft.com/office/drawing/2014/main" id="{5A61ABE5-658B-4B52-9006-DF00CD6B67D1}"/>
+              </a:ext>
+            </a:extLst>
+          </p:cNvPr>
+          <p:cNvSpPr>
+            <a:spLocks noGrp="1"/>
+          </p:cNvSpPr>
+          <p:nvPr>
+            <p:ph type="ftr" sz="quarter" idx="11"/>
+          </p:nvPr>
+        </p:nvSpPr>
+        <p:spPr/>
+        <p:txBody>
+          <a:bodyPr/>
+          <a:lstStyle/>
+          <a:p>
+            <a:r>
+              <a:rPr lang="en-US" dirty="0" err="1"/>
+              <a:t>Projectenwebsite</a:t>
+            </a:r>
+            <a:endParaRPr lang="en-US" dirty="0"/>
+          </a:p>
+        </p:txBody>
+      </p:sp>
+      <p:sp>
+        <p:nvSpPr>
+          <p:cNvPr id="6" name="Tijdelijke aanduiding voor dianummer 5">
+            <a:extLst>
+              <a:ext uri="{FF2B5EF4-FFF2-40B4-BE49-F238E27FC236}">
+                <a16:creationId xmlns:a16="http://schemas.microsoft.com/office/drawing/2014/main" id="{9862FE33-A8B4-44CE-B669-EA116B5396CC}"/>
+              </a:ext>
+            </a:extLst>
+          </p:cNvPr>
+          <p:cNvSpPr>
+            <a:spLocks noGrp="1"/>
+          </p:cNvSpPr>
+          <p:nvPr>
+            <p:ph type="sldNum" sz="quarter" idx="12"/>
+          </p:nvPr>
+        </p:nvSpPr>
+        <p:spPr/>
+        <p:txBody>
+          <a:bodyPr/>
+          <a:lstStyle/>
+          <a:p>
+            <a:fld id="{FCA3638F-6D52-644A-9831-93255061F043}" type="slidenum">
+              <a:rPr lang="nl-NL" smtClean="0"/>
+              <a:t>26</a:t>
+            </a:fld>
+            <a:endParaRPr lang="nl-NL"/>
+          </a:p>
+        </p:txBody>
+      </p:sp>
+    </p:spTree>
+    <p:extLst>
+      <p:ext uri="{BB962C8B-B14F-4D97-AF65-F5344CB8AC3E}">
+        <p14:creationId xmlns:p14="http://schemas.microsoft.com/office/powerpoint/2010/main" val="500044303"/>
+      </p:ext>
+    </p:extLst>
+  </p:cSld>
+  <p:clrMapOvr>
+    <a:masterClrMapping/>
+  </p:clrMapOvr>
+</p:sld>
+</file>
+
+<file path=ppt/slides/slide27.xml><?xml version="1.0" encoding="utf-8"?>
+<p:sld xmlns:a="http://schemas.openxmlformats.org/drawingml/2006/main" xmlns:r="http://schemas.openxmlformats.org/officeDocument/2006/relationships" xmlns:p="http://schemas.openxmlformats.org/presentationml/2006/main">
+  <p:cSld>
+    <p:spTree>
+      <p:nvGrpSpPr>
+        <p:cNvPr id="1" name=""/>
+        <p:cNvGrpSpPr/>
+        <p:nvPr/>
+      </p:nvGrpSpPr>
+      <p:grpSpPr>
+        <a:xfrm>
+          <a:off x="0" y="0"/>
+          <a:ext cx="0" cy="0"/>
+          <a:chOff x="0" y="0"/>
+          <a:chExt cx="0" cy="0"/>
+        </a:xfrm>
+      </p:grpSpPr>
+      <p:sp>
+        <p:nvSpPr>
+          <p:cNvPr id="2" name="Titel 1">
+            <a:extLst>
+              <a:ext uri="{FF2B5EF4-FFF2-40B4-BE49-F238E27FC236}">
+                <a16:creationId xmlns:a16="http://schemas.microsoft.com/office/drawing/2014/main" id="{7DA03342-3172-42C9-A3F7-A25DD2976F6A}"/>
+              </a:ext>
+            </a:extLst>
+          </p:cNvPr>
+          <p:cNvSpPr>
+            <a:spLocks noGrp="1"/>
+          </p:cNvSpPr>
+          <p:nvPr>
+            <p:ph type="title"/>
+          </p:nvPr>
+        </p:nvSpPr>
+        <p:spPr/>
+        <p:txBody>
+          <a:bodyPr/>
+          <a:lstStyle/>
+          <a:p>
+            <a:pPr algn="ctr"/>
+            <a:r>
+              <a:rPr lang="nl-BE" dirty="0"/>
+              <a:t>Belbinrollen</a:t>
+            </a:r>
+            <a:endParaRPr lang="nl-NL" dirty="0"/>
+          </a:p>
+        </p:txBody>
+      </p:sp>
+      <p:pic>
+        <p:nvPicPr>
+          <p:cNvPr id="10" name="Tijdelijke aanduiding voor inhoud 9" descr="Afbeelding met elektronica&#10;&#10;Automatisch gegenereerde beschrijving">
+            <a:extLst>
+              <a:ext uri="{FF2B5EF4-FFF2-40B4-BE49-F238E27FC236}">
+                <a16:creationId xmlns:a16="http://schemas.microsoft.com/office/drawing/2014/main" id="{9E66D18A-3E51-456F-B016-573CB7D619EE}"/>
+              </a:ext>
+            </a:extLst>
+          </p:cNvPr>
+          <p:cNvPicPr>
+            <a:picLocks noGrp="1" noChangeAspect="1"/>
+          </p:cNvPicPr>
+          <p:nvPr>
+            <p:ph idx="1"/>
+          </p:nvPr>
+        </p:nvPicPr>
+        <p:blipFill>
+          <a:blip r:embed="rId2"/>
+          <a:stretch>
+            <a:fillRect/>
+          </a:stretch>
+        </p:blipFill>
+        <p:spPr>
+          <a:xfrm>
+            <a:off x="2247925" y="1524000"/>
+            <a:ext cx="4848175" cy="4525963"/>
+          </a:xfrm>
+        </p:spPr>
+      </p:pic>
+      <p:sp>
+        <p:nvSpPr>
+          <p:cNvPr id="4" name="Tijdelijke aanduiding voor datum 3">
+            <a:extLst>
+              <a:ext uri="{FF2B5EF4-FFF2-40B4-BE49-F238E27FC236}">
+                <a16:creationId xmlns:a16="http://schemas.microsoft.com/office/drawing/2014/main" id="{5E65B0E0-05FC-4A24-97BF-FCF17598B996}"/>
+              </a:ext>
+            </a:extLst>
+          </p:cNvPr>
+          <p:cNvSpPr>
+            <a:spLocks noGrp="1"/>
+          </p:cNvSpPr>
+          <p:nvPr>
+            <p:ph type="dt" sz="half" idx="10"/>
+          </p:nvPr>
+        </p:nvSpPr>
+        <p:spPr/>
+        <p:txBody>
+          <a:bodyPr/>
+          <a:lstStyle/>
+          <a:p>
+            <a:fld id="{36086CE3-90FF-5744-87D8-5D36EE4D91CC}" type="datetime1">
+              <a:rPr lang="nl-NL" smtClean="0"/>
+              <a:t>19-6-2019</a:t>
+            </a:fld>
+            <a:endParaRPr lang="en-US"/>
+          </a:p>
+        </p:txBody>
+      </p:sp>
+      <p:sp>
+        <p:nvSpPr>
+          <p:cNvPr id="5" name="Tijdelijke aanduiding voor voettekst 4">
+            <a:extLst>
+              <a:ext uri="{FF2B5EF4-FFF2-40B4-BE49-F238E27FC236}">
+                <a16:creationId xmlns:a16="http://schemas.microsoft.com/office/drawing/2014/main" id="{4F8381D8-CC35-4741-8F7E-4CBF7E162284}"/>
+              </a:ext>
+            </a:extLst>
+          </p:cNvPr>
+          <p:cNvSpPr>
+            <a:spLocks noGrp="1"/>
+          </p:cNvSpPr>
+          <p:nvPr>
+            <p:ph type="ftr" sz="quarter" idx="11"/>
+          </p:nvPr>
+        </p:nvSpPr>
+        <p:spPr/>
+        <p:txBody>
+          <a:bodyPr/>
+          <a:lstStyle/>
+          <a:p>
+            <a:r>
+              <a:rPr lang="en-US" dirty="0" err="1"/>
+              <a:t>Projectenwebsite</a:t>
+            </a:r>
+            <a:endParaRPr lang="en-US" dirty="0"/>
+          </a:p>
+        </p:txBody>
+      </p:sp>
+      <p:sp>
+        <p:nvSpPr>
+          <p:cNvPr id="6" name="Tijdelijke aanduiding voor dianummer 5">
+            <a:extLst>
+              <a:ext uri="{FF2B5EF4-FFF2-40B4-BE49-F238E27FC236}">
+                <a16:creationId xmlns:a16="http://schemas.microsoft.com/office/drawing/2014/main" id="{8B1C71BF-0662-44A6-9D3C-2096D8FAB97D}"/>
+              </a:ext>
+            </a:extLst>
+          </p:cNvPr>
+          <p:cNvSpPr>
+            <a:spLocks noGrp="1"/>
+          </p:cNvSpPr>
+          <p:nvPr>
+            <p:ph type="sldNum" sz="quarter" idx="12"/>
+          </p:nvPr>
+        </p:nvSpPr>
+        <p:spPr/>
+        <p:txBody>
+          <a:bodyPr/>
+          <a:lstStyle/>
+          <a:p>
+            <a:fld id="{FCA3638F-6D52-644A-9831-93255061F043}" type="slidenum">
+              <a:rPr lang="nl-NL" smtClean="0"/>
+              <a:t>27</a:t>
+            </a:fld>
+            <a:endParaRPr lang="nl-NL"/>
+          </a:p>
+        </p:txBody>
+      </p:sp>
+    </p:spTree>
+    <p:extLst>
+      <p:ext uri="{BB962C8B-B14F-4D97-AF65-F5344CB8AC3E}">
+        <p14:creationId xmlns:p14="http://schemas.microsoft.com/office/powerpoint/2010/main" val="4220179279"/>
+      </p:ext>
+    </p:extLst>
+  </p:cSld>
+  <p:clrMapOvr>
+    <a:masterClrMapping/>
+  </p:clrMapOvr>
+</p:sld>
+</file>
+
+<file path=ppt/slides/slide28.xml><?xml version="1.0" encoding="utf-8"?>
+<p:sld xmlns:a="http://schemas.openxmlformats.org/drawingml/2006/main" xmlns:r="http://schemas.openxmlformats.org/officeDocument/2006/relationships" xmlns:p="http://schemas.openxmlformats.org/presentationml/2006/main">
+  <p:cSld>
+    <p:spTree>
+      <p:nvGrpSpPr>
+        <p:cNvPr id="1" name=""/>
+        <p:cNvGrpSpPr/>
+        <p:nvPr/>
+      </p:nvGrpSpPr>
+      <p:grpSpPr>
+        <a:xfrm>
+          <a:off x="0" y="0"/>
+          <a:ext cx="0" cy="0"/>
+          <a:chOff x="0" y="0"/>
+          <a:chExt cx="0" cy="0"/>
+        </a:xfrm>
+      </p:grpSpPr>
+      <p:sp>
+        <p:nvSpPr>
           <p:cNvPr id="4" name="Title 3"/>
           <p:cNvSpPr>
             <a:spLocks noGrp="1"/>
@@ -33368,7 +33723,8 @@
           <a:lstStyle/>
           <a:p>
             <a:fld id="{DB4E9D77-C996-DF40-82BF-4D0EB0C0014F}" type="datetime1">
-              <a:t>19/06/2019</a:t>
+              <a:rPr lang="nl-NL"/>
+              <a:t>19-6-2019</a:t>
             </a:fld>
             <a:endParaRPr lang="en-US"/>
           </a:p>
@@ -33414,7 +33770,7 @@
           <a:p>
             <a:fld id="{FCA3638F-6D52-644A-9831-93255061F043}" type="slidenum">
               <a:rPr lang="en-US"/>
-              <a:t>26</a:t>
+              <a:t>28</a:t>
             </a:fld>
             <a:endParaRPr lang="en-US"/>
           </a:p>
@@ -33602,7 +33958,7 @@
 </p:sld>
 </file>
 
-<file path=ppt/slides/slide27.xml><?xml version="1.0" encoding="utf-8"?>
+<file path=ppt/slides/slide29.xml><?xml version="1.0" encoding="utf-8"?>
 <p:sld xmlns:a="http://schemas.openxmlformats.org/drawingml/2006/main" xmlns:r="http://schemas.openxmlformats.org/officeDocument/2006/relationships" xmlns:p="http://schemas.openxmlformats.org/presentationml/2006/main">
   <p:cSld>
     <p:spTree>
@@ -33725,7 +34081,7 @@
           <a:lstStyle/>
           <a:p>
             <a:fld id="{DB4E9D77-C996-DF40-82BF-4D0EB0C0014F}" type="datetime1">
-              <a:t>19/06/2019</a:t>
+              <a:t>19-6-2019</a:t>
             </a:fld>
             <a:endParaRPr lang="en-US"/>
           </a:p>
@@ -33771,7 +34127,7 @@
           <a:p>
             <a:fld id="{FCA3638F-6D52-644A-9831-93255061F043}" type="slidenum">
               <a:rPr lang="en-US"/>
-              <a:t>27</a:t>
+              <a:t>29</a:t>
             </a:fld>
             <a:endParaRPr lang="en-US"/>
           </a:p>
@@ -34029,154 +34385,6 @@
 </p:sld>
 </file>
 
-<file path=ppt/slides/slide28.xml><?xml version="1.0" encoding="utf-8"?>
-<p:sld xmlns:a="http://schemas.openxmlformats.org/drawingml/2006/main" xmlns:r="http://schemas.openxmlformats.org/officeDocument/2006/relationships" xmlns:p="http://schemas.openxmlformats.org/presentationml/2006/main">
-  <p:cSld>
-    <p:spTree>
-      <p:nvGrpSpPr>
-        <p:cNvPr id="1" name=""/>
-        <p:cNvGrpSpPr/>
-        <p:nvPr/>
-      </p:nvGrpSpPr>
-      <p:grpSpPr>
-        <a:xfrm>
-          <a:off x="0" y="0"/>
-          <a:ext cx="0" cy="0"/>
-          <a:chOff x="0" y="0"/>
-          <a:chExt cx="0" cy="0"/>
-        </a:xfrm>
-      </p:grpSpPr>
-      <p:sp>
-        <p:nvSpPr>
-          <p:cNvPr id="4" name="Title 3"/>
-          <p:cNvSpPr>
-            <a:spLocks noGrp="1"/>
-          </p:cNvSpPr>
-          <p:nvPr>
-            <p:ph type="title"/>
-          </p:nvPr>
-        </p:nvSpPr>
-        <p:spPr/>
-        <p:txBody>
-          <a:bodyPr/>
-          <a:lstStyle/>
-          <a:p>
-            <a:r>
-              <a:rPr lang="en-US" dirty="0" err="1"/>
-              <a:t>Bronnen</a:t>
-            </a:r>
-            <a:endParaRPr lang="en-US" dirty="0"/>
-          </a:p>
-        </p:txBody>
-      </p:sp>
-      <p:sp>
-        <p:nvSpPr>
-          <p:cNvPr id="5" name="Content Placeholder 4"/>
-          <p:cNvSpPr>
-            <a:spLocks noGrp="1"/>
-          </p:cNvSpPr>
-          <p:nvPr>
-            <p:ph idx="1"/>
-          </p:nvPr>
-        </p:nvSpPr>
-        <p:spPr/>
-        <p:txBody>
-          <a:bodyPr>
-            <a:normAutofit/>
-          </a:bodyPr>
-          <a:lstStyle/>
-          <a:p>
-            <a:endParaRPr lang="en-US" dirty="0"/>
-          </a:p>
-          <a:p>
-            <a:endParaRPr lang="en-US" dirty="0"/>
-          </a:p>
-        </p:txBody>
-      </p:sp>
-      <p:sp>
-        <p:nvSpPr>
-          <p:cNvPr id="6" name="Date Placeholder 5"/>
-          <p:cNvSpPr>
-            <a:spLocks noGrp="1"/>
-          </p:cNvSpPr>
-          <p:nvPr>
-            <p:ph type="dt" sz="half" idx="10"/>
-          </p:nvPr>
-        </p:nvSpPr>
-        <p:spPr/>
-        <p:txBody>
-          <a:bodyPr/>
-          <a:lstStyle/>
-          <a:p>
-            <a:fld id="{DB4E9D77-C996-DF40-82BF-4D0EB0C0014F}" type="datetime1">
-              <a:t>19/06/2019</a:t>
-            </a:fld>
-            <a:endParaRPr lang="en-US"/>
-          </a:p>
-        </p:txBody>
-      </p:sp>
-      <p:sp>
-        <p:nvSpPr>
-          <p:cNvPr id="7" name="Footer Placeholder 6"/>
-          <p:cNvSpPr>
-            <a:spLocks noGrp="1"/>
-          </p:cNvSpPr>
-          <p:nvPr>
-            <p:ph type="ftr" sz="quarter" idx="11"/>
-          </p:nvPr>
-        </p:nvSpPr>
-        <p:spPr/>
-        <p:txBody>
-          <a:bodyPr/>
-          <a:lstStyle/>
-          <a:p>
-            <a:r>
-              <a:rPr lang="en-US" dirty="0" err="1"/>
-              <a:t>Projectenwebsite</a:t>
-            </a:r>
-            <a:endParaRPr lang="en-US" dirty="0"/>
-          </a:p>
-        </p:txBody>
-      </p:sp>
-      <p:sp>
-        <p:nvSpPr>
-          <p:cNvPr id="8" name="Slide Number Placeholder 7"/>
-          <p:cNvSpPr>
-            <a:spLocks noGrp="1"/>
-          </p:cNvSpPr>
-          <p:nvPr>
-            <p:ph type="sldNum" sz="quarter" idx="12"/>
-          </p:nvPr>
-        </p:nvSpPr>
-        <p:spPr/>
-        <p:txBody>
-          <a:bodyPr/>
-          <a:lstStyle/>
-          <a:p>
-            <a:fld id="{FCA3638F-6D52-644A-9831-93255061F043}" type="slidenum">
-              <a:rPr lang="en-US"/>
-              <a:t>28</a:t>
-            </a:fld>
-            <a:endParaRPr lang="en-US"/>
-          </a:p>
-        </p:txBody>
-      </p:sp>
-    </p:spTree>
-    <p:extLst>
-      <p:ext uri="{BB962C8B-B14F-4D97-AF65-F5344CB8AC3E}">
-        <p14:creationId xmlns:p14="http://schemas.microsoft.com/office/powerpoint/2010/main" val="1640823418"/>
-      </p:ext>
-    </p:extLst>
-  </p:cSld>
-  <p:clrMapOvr>
-    <a:masterClrMapping/>
-  </p:clrMapOvr>
-  <p:transition spd="slow">
-    <p:cover/>
-  </p:transition>
-</p:sld>
-</file>
-
 <file path=ppt/slides/slide3.xml><?xml version="1.0" encoding="utf-8"?>
 <p:sld xmlns:a="http://schemas.openxmlformats.org/drawingml/2006/main" xmlns:r="http://schemas.openxmlformats.org/officeDocument/2006/relationships" xmlns:p="http://schemas.openxmlformats.org/presentationml/2006/main">
   <p:cSld>
@@ -34264,7 +34472,7 @@
           <a:lstStyle/>
           <a:p>
             <a:fld id="{DB4E9D77-C996-DF40-82BF-4D0EB0C0014F}" type="datetime1">
-              <a:t>19/06/2019</a:t>
+              <a:t>19-6-2019</a:t>
             </a:fld>
             <a:endParaRPr lang="en-US" dirty="0"/>
           </a:p>
@@ -34498,6 +34706,154 @@
 </p:sld>
 </file>
 
+<file path=ppt/slides/slide30.xml><?xml version="1.0" encoding="utf-8"?>
+<p:sld xmlns:a="http://schemas.openxmlformats.org/drawingml/2006/main" xmlns:r="http://schemas.openxmlformats.org/officeDocument/2006/relationships" xmlns:p="http://schemas.openxmlformats.org/presentationml/2006/main">
+  <p:cSld>
+    <p:spTree>
+      <p:nvGrpSpPr>
+        <p:cNvPr id="1" name=""/>
+        <p:cNvGrpSpPr/>
+        <p:nvPr/>
+      </p:nvGrpSpPr>
+      <p:grpSpPr>
+        <a:xfrm>
+          <a:off x="0" y="0"/>
+          <a:ext cx="0" cy="0"/>
+          <a:chOff x="0" y="0"/>
+          <a:chExt cx="0" cy="0"/>
+        </a:xfrm>
+      </p:grpSpPr>
+      <p:sp>
+        <p:nvSpPr>
+          <p:cNvPr id="4" name="Title 3"/>
+          <p:cNvSpPr>
+            <a:spLocks noGrp="1"/>
+          </p:cNvSpPr>
+          <p:nvPr>
+            <p:ph type="title"/>
+          </p:nvPr>
+        </p:nvSpPr>
+        <p:spPr/>
+        <p:txBody>
+          <a:bodyPr/>
+          <a:lstStyle/>
+          <a:p>
+            <a:r>
+              <a:rPr lang="en-US" dirty="0" err="1"/>
+              <a:t>Bronnen</a:t>
+            </a:r>
+            <a:endParaRPr lang="en-US" dirty="0"/>
+          </a:p>
+        </p:txBody>
+      </p:sp>
+      <p:sp>
+        <p:nvSpPr>
+          <p:cNvPr id="5" name="Content Placeholder 4"/>
+          <p:cNvSpPr>
+            <a:spLocks noGrp="1"/>
+          </p:cNvSpPr>
+          <p:nvPr>
+            <p:ph idx="1"/>
+          </p:nvPr>
+        </p:nvSpPr>
+        <p:spPr/>
+        <p:txBody>
+          <a:bodyPr>
+            <a:normAutofit/>
+          </a:bodyPr>
+          <a:lstStyle/>
+          <a:p>
+            <a:endParaRPr lang="en-US" dirty="0"/>
+          </a:p>
+          <a:p>
+            <a:endParaRPr lang="en-US" dirty="0"/>
+          </a:p>
+        </p:txBody>
+      </p:sp>
+      <p:sp>
+        <p:nvSpPr>
+          <p:cNvPr id="6" name="Date Placeholder 5"/>
+          <p:cNvSpPr>
+            <a:spLocks noGrp="1"/>
+          </p:cNvSpPr>
+          <p:nvPr>
+            <p:ph type="dt" sz="half" idx="10"/>
+          </p:nvPr>
+        </p:nvSpPr>
+        <p:spPr/>
+        <p:txBody>
+          <a:bodyPr/>
+          <a:lstStyle/>
+          <a:p>
+            <a:fld id="{DB4E9D77-C996-DF40-82BF-4D0EB0C0014F}" type="datetime1">
+              <a:t>19-6-2019</a:t>
+            </a:fld>
+            <a:endParaRPr lang="en-US"/>
+          </a:p>
+        </p:txBody>
+      </p:sp>
+      <p:sp>
+        <p:nvSpPr>
+          <p:cNvPr id="7" name="Footer Placeholder 6"/>
+          <p:cNvSpPr>
+            <a:spLocks noGrp="1"/>
+          </p:cNvSpPr>
+          <p:nvPr>
+            <p:ph type="ftr" sz="quarter" idx="11"/>
+          </p:nvPr>
+        </p:nvSpPr>
+        <p:spPr/>
+        <p:txBody>
+          <a:bodyPr/>
+          <a:lstStyle/>
+          <a:p>
+            <a:r>
+              <a:rPr lang="en-US" dirty="0" err="1"/>
+              <a:t>Projectenwebsite</a:t>
+            </a:r>
+            <a:endParaRPr lang="en-US" dirty="0"/>
+          </a:p>
+        </p:txBody>
+      </p:sp>
+      <p:sp>
+        <p:nvSpPr>
+          <p:cNvPr id="8" name="Slide Number Placeholder 7"/>
+          <p:cNvSpPr>
+            <a:spLocks noGrp="1"/>
+          </p:cNvSpPr>
+          <p:nvPr>
+            <p:ph type="sldNum" sz="quarter" idx="12"/>
+          </p:nvPr>
+        </p:nvSpPr>
+        <p:spPr/>
+        <p:txBody>
+          <a:bodyPr/>
+          <a:lstStyle/>
+          <a:p>
+            <a:fld id="{FCA3638F-6D52-644A-9831-93255061F043}" type="slidenum">
+              <a:rPr lang="en-US"/>
+              <a:t>30</a:t>
+            </a:fld>
+            <a:endParaRPr lang="en-US"/>
+          </a:p>
+        </p:txBody>
+      </p:sp>
+    </p:spTree>
+    <p:extLst>
+      <p:ext uri="{BB962C8B-B14F-4D97-AF65-F5344CB8AC3E}">
+        <p14:creationId xmlns:p14="http://schemas.microsoft.com/office/powerpoint/2010/main" val="1640823418"/>
+      </p:ext>
+    </p:extLst>
+  </p:cSld>
+  <p:clrMapOvr>
+    <a:masterClrMapping/>
+  </p:clrMapOvr>
+  <p:transition spd="slow">
+    <p:cover/>
+  </p:transition>
+</p:sld>
+</file>
+
 <file path=ppt/slides/slide4.xml><?xml version="1.0" encoding="utf-8"?>
 <p:sld xmlns:a="http://schemas.openxmlformats.org/drawingml/2006/main" xmlns:r="http://schemas.openxmlformats.org/officeDocument/2006/relationships" xmlns:p="http://schemas.openxmlformats.org/presentationml/2006/main">
   <p:cSld>
@@ -34584,7 +34940,7 @@
             <a:fld id="{DB4E9D77-C996-DF40-82BF-4D0EB0C0014F}" type="datetime1">
               <a:rPr lang="en-BE"/>
               <a:pPr/>
-              <a:t>19/06/2019</a:t>
+              <a:t>06/19/2019</a:t>
             </a:fld>
             <a:endParaRPr lang="en-US" dirty="0"/>
           </a:p>
@@ -34822,7 +35178,7 @@
             <a:fld id="{DB4E9D77-C996-DF40-82BF-4D0EB0C0014F}" type="datetime1">
               <a:rPr lang="en-BE"/>
               <a:pPr/>
-              <a:t>19/06/2019</a:t>
+              <a:t>06/19/2019</a:t>
             </a:fld>
             <a:endParaRPr lang="en-US" dirty="0"/>
           </a:p>
@@ -35005,7 +35361,7 @@
           <a:lstStyle/>
           <a:p>
             <a:fld id="{DB4E9D77-C996-DF40-82BF-4D0EB0C0014F}" type="datetime1">
-              <a:t>19/06/2019</a:t>
+              <a:t>19-6-2019</a:t>
             </a:fld>
             <a:endParaRPr lang="en-US"/>
           </a:p>
@@ -35296,7 +35652,7 @@
             <a:fld id="{DB4E9D77-C996-DF40-82BF-4D0EB0C0014F}" type="datetime1">
               <a:rPr lang="en-BE"/>
               <a:pPr/>
-              <a:t>19/06/2019</a:t>
+              <a:t>06/19/2019</a:t>
             </a:fld>
             <a:endParaRPr lang="en-US" dirty="0"/>
           </a:p>
@@ -35501,7 +35857,7 @@
             <a:fld id="{DB4E9D77-C996-DF40-82BF-4D0EB0C0014F}" type="datetime1">
               <a:rPr lang="en-BE"/>
               <a:pPr/>
-              <a:t>19/06/2019</a:t>
+              <a:t>06/19/2019</a:t>
             </a:fld>
             <a:endParaRPr lang="nl-NL" dirty="0"/>
           </a:p>
@@ -35679,7 +36035,7 @@
             <a:fld id="{DB4E9D77-C996-DF40-82BF-4D0EB0C0014F}" type="datetime1">
               <a:rPr lang="en-BE"/>
               <a:pPr/>
-              <a:t>19/06/2019</a:t>
+              <a:t>06/19/2019</a:t>
             </a:fld>
             <a:endParaRPr lang="en-US" dirty="0"/>
           </a:p>

--- a/Presentatie/Projecten 1.pptx
+++ b/Presentatie/Projecten 1.pptx
@@ -11,10 +11,10 @@
     <p:sldMasterId id="2147483688" r:id="rId7"/>
   </p:sldMasterIdLst>
   <p:notesMasterIdLst>
-    <p:notesMasterId r:id="rId29"/>
+    <p:notesMasterId r:id="rId30"/>
   </p:notesMasterIdLst>
   <p:handoutMasterIdLst>
-    <p:handoutMasterId r:id="rId30"/>
+    <p:handoutMasterId r:id="rId31"/>
   </p:handoutMasterIdLst>
   <p:sldIdLst>
     <p:sldId id="260" r:id="rId8"/>
@@ -36,8 +36,9 @@
     <p:sldId id="287" r:id="rId24"/>
     <p:sldId id="298" r:id="rId25"/>
     <p:sldId id="276" r:id="rId26"/>
-    <p:sldId id="270" r:id="rId27"/>
-    <p:sldId id="268" r:id="rId28"/>
+    <p:sldId id="305" r:id="rId27"/>
+    <p:sldId id="270" r:id="rId28"/>
+    <p:sldId id="268" r:id="rId29"/>
   </p:sldIdLst>
   <p:sldSz cx="9144000" cy="6858000" type="screen4x3"/>
   <p:notesSz cx="6858000" cy="9144000"/>
@@ -138,7 +139,7 @@
   </p:defaultTextStyle>
   <p:extLst>
     <p:ext uri="{EFAFB233-063F-42B5-8137-9DF3F51BA10A}">
-      <p15:sldGuideLst xmlns:p15="http://schemas.microsoft.com/office/powerpoint/2012/main" xmlns="">
+      <p15:sldGuideLst xmlns:p15="http://schemas.microsoft.com/office/powerpoint/2012/main">
         <p15:guide id="1" orient="horz" pos="649">
           <p15:clr>
             <a:srgbClr val="A4A3A4"/>
@@ -924,10 +925,9 @@
         <a:lstStyle/>
         <a:p>
           <a:r>
-            <a:rPr lang="nl-NL" dirty="0" smtClean="0"/>
+            <a:rPr lang="nl-NL" dirty="0"/>
             <a:t>Docent</a:t>
           </a:r>
-          <a:endParaRPr lang="nl-NL" dirty="0"/>
         </a:p>
       </dgm:t>
     </dgm:pt>
@@ -961,10 +961,9 @@
         <a:lstStyle/>
         <a:p>
           <a:r>
-            <a:rPr lang="nl-NL" dirty="0" smtClean="0"/>
+            <a:rPr lang="nl-NL" dirty="0"/>
             <a:t>Goedkeuring</a:t>
           </a:r>
-          <a:endParaRPr lang="nl-NL" dirty="0"/>
         </a:p>
       </dgm:t>
     </dgm:pt>
@@ -1002,10 +1001,9 @@
         <a:lstStyle/>
         <a:p>
           <a:r>
-            <a:rPr lang="nl-NL" dirty="0" smtClean="0"/>
+            <a:rPr lang="nl-NL" dirty="0"/>
             <a:t>Student</a:t>
           </a:r>
-          <a:endParaRPr lang="nl-NL" dirty="0"/>
         </a:p>
       </dgm:t>
     </dgm:pt>
@@ -1043,10 +1041,9 @@
         <a:lstStyle/>
         <a:p>
           <a:r>
-            <a:rPr lang="nl-NL" dirty="0" smtClean="0"/>
+            <a:rPr lang="nl-NL" dirty="0"/>
             <a:t>Voorstel indienen</a:t>
           </a:r>
-          <a:endParaRPr lang="nl-NL" dirty="0"/>
         </a:p>
       </dgm:t>
     </dgm:pt>
@@ -1080,10 +1077,9 @@
         <a:lstStyle/>
         <a:p>
           <a:r>
-            <a:rPr lang="nl-NL" dirty="0" smtClean="0"/>
+            <a:rPr lang="nl-NL" dirty="0"/>
             <a:t>Afkeuring</a:t>
           </a:r>
-          <a:endParaRPr lang="nl-NL" dirty="0"/>
         </a:p>
       </dgm:t>
     </dgm:pt>
@@ -1121,10 +1117,9 @@
         <a:lstStyle/>
         <a:p>
           <a:r>
-            <a:rPr lang="nl-NL" dirty="0" smtClean="0"/>
+            <a:rPr lang="nl-NL" dirty="0"/>
             <a:t>Belbintest</a:t>
           </a:r>
-          <a:endParaRPr lang="nl-NL" dirty="0"/>
         </a:p>
       </dgm:t>
     </dgm:pt>
@@ -1169,10 +1164,9 @@
         <a:lstStyle/>
         <a:p>
           <a:r>
-            <a:rPr lang="nl-NL" dirty="0" smtClean="0"/>
+            <a:rPr lang="nl-NL" dirty="0"/>
             <a:t>Login</a:t>
           </a:r>
-          <a:endParaRPr lang="nl-NL" dirty="0"/>
         </a:p>
       </dgm:t>
     </dgm:pt>
@@ -1210,10 +1204,9 @@
         <a:lstStyle/>
         <a:p>
           <a:r>
-            <a:rPr lang="nl-NL" dirty="0" smtClean="0"/>
+            <a:rPr lang="nl-NL" dirty="0"/>
             <a:t>Studenten toevoegen</a:t>
           </a:r>
-          <a:endParaRPr lang="nl-NL" dirty="0"/>
         </a:p>
       </dgm:t>
     </dgm:pt>
@@ -1251,10 +1244,9 @@
         <a:lstStyle/>
         <a:p>
           <a:r>
-            <a:rPr lang="nl-NL" dirty="0" smtClean="0"/>
+            <a:rPr lang="nl-NL" dirty="0"/>
             <a:t>Voorstel bewerken</a:t>
           </a:r>
-          <a:endParaRPr lang="nl-NL" dirty="0"/>
         </a:p>
       </dgm:t>
     </dgm:pt>
@@ -1291,13 +1283,6 @@
         </dgm:presLayoutVars>
       </dgm:prSet>
       <dgm:spPr/>
-      <dgm:t>
-        <a:bodyPr/>
-        <a:lstStyle/>
-        <a:p>
-          <a:endParaRPr lang="nl-NL"/>
-        </a:p>
-      </dgm:t>
     </dgm:pt>
     <dgm:pt modelId="{112F1388-F474-41ED-A536-52253DBBBE07}" type="pres">
       <dgm:prSet presAssocID="{538E2320-AE21-4F04-940D-7B3B13AB6268}" presName="root1" presStyleCnt="0"/>
@@ -1310,13 +1295,6 @@
         </dgm:presLayoutVars>
       </dgm:prSet>
       <dgm:spPr/>
-      <dgm:t>
-        <a:bodyPr/>
-        <a:lstStyle/>
-        <a:p>
-          <a:endParaRPr lang="nl-NL"/>
-        </a:p>
-      </dgm:t>
     </dgm:pt>
     <dgm:pt modelId="{C7AF056B-167A-4315-9188-5AFF6D273834}" type="pres">
       <dgm:prSet presAssocID="{538E2320-AE21-4F04-940D-7B3B13AB6268}" presName="level2hierChild" presStyleCnt="0"/>
@@ -1325,24 +1303,10 @@
     <dgm:pt modelId="{CCD514DE-F227-4D1D-84B9-B8881F3CB5DA}" type="pres">
       <dgm:prSet presAssocID="{6C57450D-30C4-42A0-96D1-6DED29BDF488}" presName="conn2-1" presStyleLbl="parChTrans1D2" presStyleIdx="0" presStyleCnt="2"/>
       <dgm:spPr/>
-      <dgm:t>
-        <a:bodyPr/>
-        <a:lstStyle/>
-        <a:p>
-          <a:endParaRPr lang="nl-NL"/>
-        </a:p>
-      </dgm:t>
     </dgm:pt>
     <dgm:pt modelId="{4695EB31-13F0-4F27-BF1B-2A654C950D85}" type="pres">
       <dgm:prSet presAssocID="{6C57450D-30C4-42A0-96D1-6DED29BDF488}" presName="connTx" presStyleLbl="parChTrans1D2" presStyleIdx="0" presStyleCnt="2"/>
       <dgm:spPr/>
-      <dgm:t>
-        <a:bodyPr/>
-        <a:lstStyle/>
-        <a:p>
-          <a:endParaRPr lang="nl-NL"/>
-        </a:p>
-      </dgm:t>
     </dgm:pt>
     <dgm:pt modelId="{52D0BF1A-7F30-43F4-A370-D2E2F710649D}" type="pres">
       <dgm:prSet presAssocID="{FAE4A02A-D21C-4E93-A1BA-747DC4A3B06E}" presName="root2" presStyleCnt="0"/>
@@ -1355,13 +1319,6 @@
         </dgm:presLayoutVars>
       </dgm:prSet>
       <dgm:spPr/>
-      <dgm:t>
-        <a:bodyPr/>
-        <a:lstStyle/>
-        <a:p>
-          <a:endParaRPr lang="nl-NL"/>
-        </a:p>
-      </dgm:t>
     </dgm:pt>
     <dgm:pt modelId="{0C8045B9-7211-4EDE-B009-B45A272C5176}" type="pres">
       <dgm:prSet presAssocID="{FAE4A02A-D21C-4E93-A1BA-747DC4A3B06E}" presName="level3hierChild" presStyleCnt="0"/>
@@ -1370,24 +1327,10 @@
     <dgm:pt modelId="{EAFD987D-4565-448A-9D3F-541AED5B1467}" type="pres">
       <dgm:prSet presAssocID="{E38B7F15-69D4-42A6-9DA1-2D46B779EDCA}" presName="conn2-1" presStyleLbl="parChTrans1D3" presStyleIdx="0" presStyleCnt="6"/>
       <dgm:spPr/>
-      <dgm:t>
-        <a:bodyPr/>
-        <a:lstStyle/>
-        <a:p>
-          <a:endParaRPr lang="nl-NL"/>
-        </a:p>
-      </dgm:t>
     </dgm:pt>
     <dgm:pt modelId="{F09EDED7-8077-46D6-A266-32C89707722A}" type="pres">
       <dgm:prSet presAssocID="{E38B7F15-69D4-42A6-9DA1-2D46B779EDCA}" presName="connTx" presStyleLbl="parChTrans1D3" presStyleIdx="0" presStyleCnt="6"/>
       <dgm:spPr/>
-      <dgm:t>
-        <a:bodyPr/>
-        <a:lstStyle/>
-        <a:p>
-          <a:endParaRPr lang="nl-NL"/>
-        </a:p>
-      </dgm:t>
     </dgm:pt>
     <dgm:pt modelId="{E94C66B9-BAFF-41E5-8187-A7087F919DD3}" type="pres">
       <dgm:prSet presAssocID="{30F43D25-C0DF-4A5C-B833-44CA803F2F0C}" presName="root2" presStyleCnt="0"/>
@@ -1400,13 +1343,6 @@
         </dgm:presLayoutVars>
       </dgm:prSet>
       <dgm:spPr/>
-      <dgm:t>
-        <a:bodyPr/>
-        <a:lstStyle/>
-        <a:p>
-          <a:endParaRPr lang="nl-NL"/>
-        </a:p>
-      </dgm:t>
     </dgm:pt>
     <dgm:pt modelId="{A8497D52-D793-46D5-A886-AF0A080455A0}" type="pres">
       <dgm:prSet presAssocID="{30F43D25-C0DF-4A5C-B833-44CA803F2F0C}" presName="level3hierChild" presStyleCnt="0"/>
@@ -1415,24 +1351,10 @@
     <dgm:pt modelId="{6324FD77-0EC7-4560-A27C-0987F63CFE11}" type="pres">
       <dgm:prSet presAssocID="{A1E0D7C9-58F0-4865-B338-3E558D1308A6}" presName="conn2-1" presStyleLbl="parChTrans1D3" presStyleIdx="1" presStyleCnt="6"/>
       <dgm:spPr/>
-      <dgm:t>
-        <a:bodyPr/>
-        <a:lstStyle/>
-        <a:p>
-          <a:endParaRPr lang="nl-NL"/>
-        </a:p>
-      </dgm:t>
     </dgm:pt>
     <dgm:pt modelId="{877E29C8-1E73-4F0B-8E40-E5CDAD8C07CB}" type="pres">
       <dgm:prSet presAssocID="{A1E0D7C9-58F0-4865-B338-3E558D1308A6}" presName="connTx" presStyleLbl="parChTrans1D3" presStyleIdx="1" presStyleCnt="6"/>
       <dgm:spPr/>
-      <dgm:t>
-        <a:bodyPr/>
-        <a:lstStyle/>
-        <a:p>
-          <a:endParaRPr lang="nl-NL"/>
-        </a:p>
-      </dgm:t>
     </dgm:pt>
     <dgm:pt modelId="{3343CDF8-47A1-44A4-A4E9-CB26F980B3C7}" type="pres">
       <dgm:prSet presAssocID="{33E4F0F8-EBE9-41B0-99C8-A69C6D96AF19}" presName="root2" presStyleCnt="0"/>
@@ -1445,13 +1367,6 @@
         </dgm:presLayoutVars>
       </dgm:prSet>
       <dgm:spPr/>
-      <dgm:t>
-        <a:bodyPr/>
-        <a:lstStyle/>
-        <a:p>
-          <a:endParaRPr lang="nl-NL"/>
-        </a:p>
-      </dgm:t>
     </dgm:pt>
     <dgm:pt modelId="{4B90380C-43D6-4DB2-99FF-18B0B45B2F91}" type="pres">
       <dgm:prSet presAssocID="{33E4F0F8-EBE9-41B0-99C8-A69C6D96AF19}" presName="level3hierChild" presStyleCnt="0"/>
@@ -1460,24 +1375,10 @@
     <dgm:pt modelId="{5A0BD4A4-A1F9-4C33-8329-99DA18C4A77F}" type="pres">
       <dgm:prSet presAssocID="{F967F01C-5307-482E-8F72-B4D3AABCF135}" presName="conn2-1" presStyleLbl="parChTrans1D2" presStyleIdx="1" presStyleCnt="2"/>
       <dgm:spPr/>
-      <dgm:t>
-        <a:bodyPr/>
-        <a:lstStyle/>
-        <a:p>
-          <a:endParaRPr lang="nl-NL"/>
-        </a:p>
-      </dgm:t>
     </dgm:pt>
     <dgm:pt modelId="{5D7149C0-D3CE-4C30-BDCC-7B3DD010F778}" type="pres">
       <dgm:prSet presAssocID="{F967F01C-5307-482E-8F72-B4D3AABCF135}" presName="connTx" presStyleLbl="parChTrans1D2" presStyleIdx="1" presStyleCnt="2"/>
       <dgm:spPr/>
-      <dgm:t>
-        <a:bodyPr/>
-        <a:lstStyle/>
-        <a:p>
-          <a:endParaRPr lang="nl-NL"/>
-        </a:p>
-      </dgm:t>
     </dgm:pt>
     <dgm:pt modelId="{00463F7B-A15D-432E-AAFB-EC40A27900DE}" type="pres">
       <dgm:prSet presAssocID="{320A57A4-C9BF-4982-BAF8-EA139F9982F4}" presName="root2" presStyleCnt="0"/>
@@ -1490,13 +1391,6 @@
         </dgm:presLayoutVars>
       </dgm:prSet>
       <dgm:spPr/>
-      <dgm:t>
-        <a:bodyPr/>
-        <a:lstStyle/>
-        <a:p>
-          <a:endParaRPr lang="nl-NL"/>
-        </a:p>
-      </dgm:t>
     </dgm:pt>
     <dgm:pt modelId="{8A397C54-A0A6-496C-A42E-A55D14360D70}" type="pres">
       <dgm:prSet presAssocID="{320A57A4-C9BF-4982-BAF8-EA139F9982F4}" presName="level3hierChild" presStyleCnt="0"/>
@@ -1505,24 +1399,10 @@
     <dgm:pt modelId="{BE1C2624-510A-401C-B9DF-B5622731BA0E}" type="pres">
       <dgm:prSet presAssocID="{5EEDE10F-6DAF-4C77-A725-6FA934B160F6}" presName="conn2-1" presStyleLbl="parChTrans1D3" presStyleIdx="2" presStyleCnt="6"/>
       <dgm:spPr/>
-      <dgm:t>
-        <a:bodyPr/>
-        <a:lstStyle/>
-        <a:p>
-          <a:endParaRPr lang="nl-NL"/>
-        </a:p>
-      </dgm:t>
     </dgm:pt>
     <dgm:pt modelId="{1463A4C8-3900-4326-9261-7D4C3D2F8631}" type="pres">
       <dgm:prSet presAssocID="{5EEDE10F-6DAF-4C77-A725-6FA934B160F6}" presName="connTx" presStyleLbl="parChTrans1D3" presStyleIdx="2" presStyleCnt="6"/>
       <dgm:spPr/>
-      <dgm:t>
-        <a:bodyPr/>
-        <a:lstStyle/>
-        <a:p>
-          <a:endParaRPr lang="nl-NL"/>
-        </a:p>
-      </dgm:t>
     </dgm:pt>
     <dgm:pt modelId="{AB42ADE6-B547-4D21-A40D-90D05AD3A74F}" type="pres">
       <dgm:prSet presAssocID="{8BF69A4F-B6BB-4A2A-A5C9-0F7D8CD3A375}" presName="root2" presStyleCnt="0"/>
@@ -1535,13 +1415,6 @@
         </dgm:presLayoutVars>
       </dgm:prSet>
       <dgm:spPr/>
-      <dgm:t>
-        <a:bodyPr/>
-        <a:lstStyle/>
-        <a:p>
-          <a:endParaRPr lang="nl-NL"/>
-        </a:p>
-      </dgm:t>
     </dgm:pt>
     <dgm:pt modelId="{F1EC3E18-4FBB-4410-A574-7319DBE96DD1}" type="pres">
       <dgm:prSet presAssocID="{8BF69A4F-B6BB-4A2A-A5C9-0F7D8CD3A375}" presName="level3hierChild" presStyleCnt="0"/>
@@ -1550,24 +1423,10 @@
     <dgm:pt modelId="{E572EEF4-3982-4649-9287-C93D82BB2A67}" type="pres">
       <dgm:prSet presAssocID="{B925AEA0-40F0-4690-9BF6-4A1E48E82E79}" presName="conn2-1" presStyleLbl="parChTrans1D3" presStyleIdx="3" presStyleCnt="6"/>
       <dgm:spPr/>
-      <dgm:t>
-        <a:bodyPr/>
-        <a:lstStyle/>
-        <a:p>
-          <a:endParaRPr lang="nl-NL"/>
-        </a:p>
-      </dgm:t>
     </dgm:pt>
     <dgm:pt modelId="{23F8D530-29C0-4915-A6BE-6E0D0479343F}" type="pres">
       <dgm:prSet presAssocID="{B925AEA0-40F0-4690-9BF6-4A1E48E82E79}" presName="connTx" presStyleLbl="parChTrans1D3" presStyleIdx="3" presStyleCnt="6"/>
       <dgm:spPr/>
-      <dgm:t>
-        <a:bodyPr/>
-        <a:lstStyle/>
-        <a:p>
-          <a:endParaRPr lang="nl-NL"/>
-        </a:p>
-      </dgm:t>
     </dgm:pt>
     <dgm:pt modelId="{001079CF-B338-4C46-BBD5-4CA019FCE66F}" type="pres">
       <dgm:prSet presAssocID="{35E02D4B-7AB3-489A-802E-A6BCE495472E}" presName="root2" presStyleCnt="0"/>
@@ -1580,13 +1439,6 @@
         </dgm:presLayoutVars>
       </dgm:prSet>
       <dgm:spPr/>
-      <dgm:t>
-        <a:bodyPr/>
-        <a:lstStyle/>
-        <a:p>
-          <a:endParaRPr lang="nl-NL"/>
-        </a:p>
-      </dgm:t>
     </dgm:pt>
     <dgm:pt modelId="{A1AACD16-9129-4AA3-B061-3230A92B3264}" type="pres">
       <dgm:prSet presAssocID="{35E02D4B-7AB3-489A-802E-A6BCE495472E}" presName="level3hierChild" presStyleCnt="0"/>
@@ -1595,24 +1447,10 @@
     <dgm:pt modelId="{5735AA61-E36A-499F-9C45-5CBA4FA40E6B}" type="pres">
       <dgm:prSet presAssocID="{CA9A90AC-C9C1-4DC3-85C3-BA6C0055617D}" presName="conn2-1" presStyleLbl="parChTrans1D3" presStyleIdx="4" presStyleCnt="6"/>
       <dgm:spPr/>
-      <dgm:t>
-        <a:bodyPr/>
-        <a:lstStyle/>
-        <a:p>
-          <a:endParaRPr lang="nl-NL"/>
-        </a:p>
-      </dgm:t>
     </dgm:pt>
     <dgm:pt modelId="{FD14EA2E-50CA-40D8-9BEA-5E9AFA0A48A2}" type="pres">
       <dgm:prSet presAssocID="{CA9A90AC-C9C1-4DC3-85C3-BA6C0055617D}" presName="connTx" presStyleLbl="parChTrans1D3" presStyleIdx="4" presStyleCnt="6"/>
       <dgm:spPr/>
-      <dgm:t>
-        <a:bodyPr/>
-        <a:lstStyle/>
-        <a:p>
-          <a:endParaRPr lang="nl-NL"/>
-        </a:p>
-      </dgm:t>
     </dgm:pt>
     <dgm:pt modelId="{2C57CAC3-70D5-4E9B-9F52-CC887A93EF62}" type="pres">
       <dgm:prSet presAssocID="{F6B4A062-33D7-44DC-A99C-9E38B6C267E0}" presName="root2" presStyleCnt="0"/>
@@ -1625,13 +1463,6 @@
         </dgm:presLayoutVars>
       </dgm:prSet>
       <dgm:spPr/>
-      <dgm:t>
-        <a:bodyPr/>
-        <a:lstStyle/>
-        <a:p>
-          <a:endParaRPr lang="nl-NL"/>
-        </a:p>
-      </dgm:t>
     </dgm:pt>
     <dgm:pt modelId="{DF31D6C6-4892-4FBE-8CD2-768182B93A2E}" type="pres">
       <dgm:prSet presAssocID="{F6B4A062-33D7-44DC-A99C-9E38B6C267E0}" presName="level3hierChild" presStyleCnt="0"/>
@@ -1640,24 +1471,10 @@
     <dgm:pt modelId="{7CB8DCC4-0E4E-4ADE-9D92-2EC5C866EBFB}" type="pres">
       <dgm:prSet presAssocID="{D610BEC7-D37F-483B-9892-F11AA1C56375}" presName="conn2-1" presStyleLbl="parChTrans1D3" presStyleIdx="5" presStyleCnt="6"/>
       <dgm:spPr/>
-      <dgm:t>
-        <a:bodyPr/>
-        <a:lstStyle/>
-        <a:p>
-          <a:endParaRPr lang="nl-NL"/>
-        </a:p>
-      </dgm:t>
     </dgm:pt>
     <dgm:pt modelId="{DC787FAA-7D99-4D60-81F9-CBE46DB0A382}" type="pres">
       <dgm:prSet presAssocID="{D610BEC7-D37F-483B-9892-F11AA1C56375}" presName="connTx" presStyleLbl="parChTrans1D3" presStyleIdx="5" presStyleCnt="6"/>
       <dgm:spPr/>
-      <dgm:t>
-        <a:bodyPr/>
-        <a:lstStyle/>
-        <a:p>
-          <a:endParaRPr lang="nl-NL"/>
-        </a:p>
-      </dgm:t>
     </dgm:pt>
     <dgm:pt modelId="{84CF6F77-3E19-4BAC-B573-8F7344EC9421}" type="pres">
       <dgm:prSet presAssocID="{8788B0F7-A35F-4042-91CE-6107ACADE71D}" presName="root2" presStyleCnt="0"/>
@@ -1670,13 +1487,6 @@
         </dgm:presLayoutVars>
       </dgm:prSet>
       <dgm:spPr/>
-      <dgm:t>
-        <a:bodyPr/>
-        <a:lstStyle/>
-        <a:p>
-          <a:endParaRPr lang="nl-NL"/>
-        </a:p>
-      </dgm:t>
     </dgm:pt>
     <dgm:pt modelId="{7288F8B9-B1DE-456F-9ED6-16F01812D675}" type="pres">
       <dgm:prSet presAssocID="{8788B0F7-A35F-4042-91CE-6107ACADE71D}" presName="level3hierChild" presStyleCnt="0"/>
@@ -1684,41 +1494,41 @@
     </dgm:pt>
   </dgm:ptLst>
   <dgm:cxnLst>
+    <dgm:cxn modelId="{FEA17F0D-FA28-4F64-A1D9-325213EBDDF7}" type="presOf" srcId="{6C57450D-30C4-42A0-96D1-6DED29BDF488}" destId="{CCD514DE-F227-4D1D-84B9-B8881F3CB5DA}" srcOrd="0" destOrd="0" presId="urn:microsoft.com/office/officeart/2005/8/layout/hierarchy2"/>
+    <dgm:cxn modelId="{D3FC2323-5113-4633-B35B-55E5EF133617}" type="presOf" srcId="{F6B4A062-33D7-44DC-A99C-9E38B6C267E0}" destId="{B270A4FF-1420-4F94-989C-E4FB3B90568C}" srcOrd="0" destOrd="0" presId="urn:microsoft.com/office/officeart/2005/8/layout/hierarchy2"/>
+    <dgm:cxn modelId="{1B2B8734-E35F-4A42-B853-FD82F115F8FE}" type="presOf" srcId="{5EEDE10F-6DAF-4C77-A725-6FA934B160F6}" destId="{1463A4C8-3900-4326-9261-7D4C3D2F8631}" srcOrd="1" destOrd="0" presId="urn:microsoft.com/office/officeart/2005/8/layout/hierarchy2"/>
+    <dgm:cxn modelId="{90AEAB3D-965D-44A2-9EDF-E2513D30A1C0}" srcId="{FAE4A02A-D21C-4E93-A1BA-747DC4A3B06E}" destId="{33E4F0F8-EBE9-41B0-99C8-A69C6D96AF19}" srcOrd="1" destOrd="0" parTransId="{A1E0D7C9-58F0-4865-B338-3E558D1308A6}" sibTransId="{2C4625F4-4A13-44EF-A68A-5180A91BAFB2}"/>
+    <dgm:cxn modelId="{CCE7C13E-E1C0-4A7E-BA2A-88AF54B3E165}" type="presOf" srcId="{320A57A4-C9BF-4982-BAF8-EA139F9982F4}" destId="{24E8858A-B908-4A3A-A432-1981CA2531D5}" srcOrd="0" destOrd="0" presId="urn:microsoft.com/office/officeart/2005/8/layout/hierarchy2"/>
+    <dgm:cxn modelId="{F3119C5C-5EC7-44A1-8FAB-4FCD4D270065}" type="presOf" srcId="{8BF69A4F-B6BB-4A2A-A5C9-0F7D8CD3A375}" destId="{1E8D4966-D1A9-4DDD-90E1-FB55E7032801}" srcOrd="0" destOrd="0" presId="urn:microsoft.com/office/officeart/2005/8/layout/hierarchy2"/>
+    <dgm:cxn modelId="{494A8E46-7F5C-4A7C-86E5-7E1EEDDF335C}" srcId="{320A57A4-C9BF-4982-BAF8-EA139F9982F4}" destId="{8BF69A4F-B6BB-4A2A-A5C9-0F7D8CD3A375}" srcOrd="0" destOrd="0" parTransId="{5EEDE10F-6DAF-4C77-A725-6FA934B160F6}" sibTransId="{5442433E-20D0-49FF-B82B-B9C622758455}"/>
+    <dgm:cxn modelId="{D84CFB67-F66B-42B8-8687-5DCF28AD6604}" type="presOf" srcId="{5EEDE10F-6DAF-4C77-A725-6FA934B160F6}" destId="{BE1C2624-510A-401C-B9DF-B5622731BA0E}" srcOrd="0" destOrd="0" presId="urn:microsoft.com/office/officeart/2005/8/layout/hierarchy2"/>
+    <dgm:cxn modelId="{7EECC34B-7A42-45D0-BDD5-3BC7B4D8D021}" type="presOf" srcId="{18F054AC-5A5B-43C3-A058-29562168C9CA}" destId="{C450F48F-02CE-4A37-AF92-1FEE157A4F45}" srcOrd="0" destOrd="0" presId="urn:microsoft.com/office/officeart/2005/8/layout/hierarchy2"/>
+    <dgm:cxn modelId="{99F0B46C-B398-451A-9972-690FF3B56BBF}" type="presOf" srcId="{B925AEA0-40F0-4690-9BF6-4A1E48E82E79}" destId="{23F8D530-29C0-4915-A6BE-6E0D0479343F}" srcOrd="1" destOrd="0" presId="urn:microsoft.com/office/officeart/2005/8/layout/hierarchy2"/>
+    <dgm:cxn modelId="{BB1C8B4E-9CD5-44AD-998D-4EBFDFB1F5E6}" srcId="{320A57A4-C9BF-4982-BAF8-EA139F9982F4}" destId="{F6B4A062-33D7-44DC-A99C-9E38B6C267E0}" srcOrd="2" destOrd="0" parTransId="{CA9A90AC-C9C1-4DC3-85C3-BA6C0055617D}" sibTransId="{58CF61D9-58B4-45B7-9E33-2037DFAD7F8D}"/>
+    <dgm:cxn modelId="{5A62BA70-66F4-4F02-849D-C13A427476B3}" type="presOf" srcId="{A1E0D7C9-58F0-4865-B338-3E558D1308A6}" destId="{877E29C8-1E73-4F0B-8E40-E5CDAD8C07CB}" srcOrd="1" destOrd="0" presId="urn:microsoft.com/office/officeart/2005/8/layout/hierarchy2"/>
+    <dgm:cxn modelId="{60F4497B-7349-44B5-9644-35C1DF9D3A01}" type="presOf" srcId="{F967F01C-5307-482E-8F72-B4D3AABCF135}" destId="{5A0BD4A4-A1F9-4C33-8329-99DA18C4A77F}" srcOrd="0" destOrd="0" presId="urn:microsoft.com/office/officeart/2005/8/layout/hierarchy2"/>
+    <dgm:cxn modelId="{475C7B7D-6C6E-421E-B6F0-A226B073E0F0}" type="presOf" srcId="{D610BEC7-D37F-483B-9892-F11AA1C56375}" destId="{7CB8DCC4-0E4E-4ADE-9D92-2EC5C866EBFB}" srcOrd="0" destOrd="0" presId="urn:microsoft.com/office/officeart/2005/8/layout/hierarchy2"/>
+    <dgm:cxn modelId="{89B4EB8E-5025-453A-8371-ED0FCC7D183D}" srcId="{538E2320-AE21-4F04-940D-7B3B13AB6268}" destId="{FAE4A02A-D21C-4E93-A1BA-747DC4A3B06E}" srcOrd="0" destOrd="0" parTransId="{6C57450D-30C4-42A0-96D1-6DED29BDF488}" sibTransId="{E76D61A0-A7F1-4349-866A-9DA5EDA7781B}"/>
+    <dgm:cxn modelId="{C9514797-F72F-48F9-9609-F2AF0C6EA23B}" type="presOf" srcId="{30F43D25-C0DF-4A5C-B833-44CA803F2F0C}" destId="{E224133B-EE50-4100-8608-FFF318E1B533}" srcOrd="0" destOrd="0" presId="urn:microsoft.com/office/officeart/2005/8/layout/hierarchy2"/>
+    <dgm:cxn modelId="{779DD599-A4EF-43C2-B5C6-33331FA90182}" type="presOf" srcId="{35E02D4B-7AB3-489A-802E-A6BCE495472E}" destId="{30D3756D-349A-4E5C-96A3-AEE7AE77DBEE}" srcOrd="0" destOrd="0" presId="urn:microsoft.com/office/officeart/2005/8/layout/hierarchy2"/>
+    <dgm:cxn modelId="{CFF29FA8-3CF3-4289-8CB9-A8E0F4ECDB47}" type="presOf" srcId="{8788B0F7-A35F-4042-91CE-6107ACADE71D}" destId="{6F6D2A9D-20A8-43F8-8CC3-2D3788DE44BF}" srcOrd="0" destOrd="0" presId="urn:microsoft.com/office/officeart/2005/8/layout/hierarchy2"/>
+    <dgm:cxn modelId="{BF617DAA-69AB-4843-900B-0D35642041C9}" type="presOf" srcId="{33E4F0F8-EBE9-41B0-99C8-A69C6D96AF19}" destId="{71BC05F1-EF0B-441C-BDA7-CD1320D92BC2}" srcOrd="0" destOrd="0" presId="urn:microsoft.com/office/officeart/2005/8/layout/hierarchy2"/>
+    <dgm:cxn modelId="{55947CB4-4045-4297-82E3-E4FB0D8D9D46}" type="presOf" srcId="{E38B7F15-69D4-42A6-9DA1-2D46B779EDCA}" destId="{F09EDED7-8077-46D6-A266-32C89707722A}" srcOrd="1" destOrd="0" presId="urn:microsoft.com/office/officeart/2005/8/layout/hierarchy2"/>
+    <dgm:cxn modelId="{E9342EBA-E6BB-44D2-8472-7A7B377ECC74}" type="presOf" srcId="{B925AEA0-40F0-4690-9BF6-4A1E48E82E79}" destId="{E572EEF4-3982-4649-9287-C93D82BB2A67}" srcOrd="0" destOrd="0" presId="urn:microsoft.com/office/officeart/2005/8/layout/hierarchy2"/>
+    <dgm:cxn modelId="{ACED93C1-897D-4A18-8FC9-7B533986D785}" srcId="{FAE4A02A-D21C-4E93-A1BA-747DC4A3B06E}" destId="{30F43D25-C0DF-4A5C-B833-44CA803F2F0C}" srcOrd="0" destOrd="0" parTransId="{E38B7F15-69D4-42A6-9DA1-2D46B779EDCA}" sibTransId="{DCFDA8EE-E8C4-458E-B4CF-DBC3C5D5A544}"/>
+    <dgm:cxn modelId="{FE0FA3C6-CA21-4C17-9764-47B873B62FB6}" type="presOf" srcId="{A1E0D7C9-58F0-4865-B338-3E558D1308A6}" destId="{6324FD77-0EC7-4560-A27C-0987F63CFE11}" srcOrd="0" destOrd="0" presId="urn:microsoft.com/office/officeart/2005/8/layout/hierarchy2"/>
+    <dgm:cxn modelId="{E8A07AC7-AC52-40D3-A7F6-ACF21AD97029}" type="presOf" srcId="{F967F01C-5307-482E-8F72-B4D3AABCF135}" destId="{5D7149C0-D3CE-4C30-BDCC-7B3DD010F778}" srcOrd="1" destOrd="0" presId="urn:microsoft.com/office/officeart/2005/8/layout/hierarchy2"/>
+    <dgm:cxn modelId="{154F8BCB-44A3-4CA2-A0AF-28DB19CD290B}" srcId="{18F054AC-5A5B-43C3-A058-29562168C9CA}" destId="{538E2320-AE21-4F04-940D-7B3B13AB6268}" srcOrd="0" destOrd="0" parTransId="{7B101E87-1AEB-45B4-B991-46EA72DDFB43}" sibTransId="{6A946AB4-1353-4FAD-BE32-8B1DB023914C}"/>
+    <dgm:cxn modelId="{BA4554CF-FC67-4860-9CA1-9192252D8EB3}" type="presOf" srcId="{D610BEC7-D37F-483B-9892-F11AA1C56375}" destId="{DC787FAA-7D99-4D60-81F9-CBE46DB0A382}" srcOrd="1" destOrd="0" presId="urn:microsoft.com/office/officeart/2005/8/layout/hierarchy2"/>
+    <dgm:cxn modelId="{A956D4CF-3907-43FF-9603-944204C56A9A}" srcId="{538E2320-AE21-4F04-940D-7B3B13AB6268}" destId="{320A57A4-C9BF-4982-BAF8-EA139F9982F4}" srcOrd="1" destOrd="0" parTransId="{F967F01C-5307-482E-8F72-B4D3AABCF135}" sibTransId="{7A8223B3-C603-46B5-840C-BB619C27BECA}"/>
+    <dgm:cxn modelId="{6CF77ED3-6923-4B35-AAF1-C34B87991C21}" type="presOf" srcId="{538E2320-AE21-4F04-940D-7B3B13AB6268}" destId="{A5835191-13F4-4498-9571-764336BB0D8E}" srcOrd="0" destOrd="0" presId="urn:microsoft.com/office/officeart/2005/8/layout/hierarchy2"/>
+    <dgm:cxn modelId="{16F584D9-32F4-4865-83D1-8B87A84FC7A5}" type="presOf" srcId="{FAE4A02A-D21C-4E93-A1BA-747DC4A3B06E}" destId="{E0DA5140-1BA9-482C-BDDA-F5ECEA01C3EE}" srcOrd="0" destOrd="0" presId="urn:microsoft.com/office/officeart/2005/8/layout/hierarchy2"/>
+    <dgm:cxn modelId="{05279AE5-3AB9-4786-BC9F-4B7F652072E5}" srcId="{320A57A4-C9BF-4982-BAF8-EA139F9982F4}" destId="{8788B0F7-A35F-4042-91CE-6107ACADE71D}" srcOrd="3" destOrd="0" parTransId="{D610BEC7-D37F-483B-9892-F11AA1C56375}" sibTransId="{551BC9D9-1428-4ABE-80FB-640A909C3395}"/>
     <dgm:cxn modelId="{29CA07F2-4073-4895-B7B5-5056B7E3B4A2}" type="presOf" srcId="{E38B7F15-69D4-42A6-9DA1-2D46B779EDCA}" destId="{EAFD987D-4565-448A-9D3F-541AED5B1467}" srcOrd="0" destOrd="0" presId="urn:microsoft.com/office/officeart/2005/8/layout/hierarchy2"/>
-    <dgm:cxn modelId="{99F0B46C-B398-451A-9972-690FF3B56BBF}" type="presOf" srcId="{B925AEA0-40F0-4690-9BF6-4A1E48E82E79}" destId="{23F8D530-29C0-4915-A6BE-6E0D0479343F}" srcOrd="1" destOrd="0" presId="urn:microsoft.com/office/officeart/2005/8/layout/hierarchy2"/>
-    <dgm:cxn modelId="{55947CB4-4045-4297-82E3-E4FB0D8D9D46}" type="presOf" srcId="{E38B7F15-69D4-42A6-9DA1-2D46B779EDCA}" destId="{F09EDED7-8077-46D6-A266-32C89707722A}" srcOrd="1" destOrd="0" presId="urn:microsoft.com/office/officeart/2005/8/layout/hierarchy2"/>
-    <dgm:cxn modelId="{D84CFB67-F66B-42B8-8687-5DCF28AD6604}" type="presOf" srcId="{5EEDE10F-6DAF-4C77-A725-6FA934B160F6}" destId="{BE1C2624-510A-401C-B9DF-B5622731BA0E}" srcOrd="0" destOrd="0" presId="urn:microsoft.com/office/officeart/2005/8/layout/hierarchy2"/>
-    <dgm:cxn modelId="{779DD599-A4EF-43C2-B5C6-33331FA90182}" type="presOf" srcId="{35E02D4B-7AB3-489A-802E-A6BCE495472E}" destId="{30D3756D-349A-4E5C-96A3-AEE7AE77DBEE}" srcOrd="0" destOrd="0" presId="urn:microsoft.com/office/officeart/2005/8/layout/hierarchy2"/>
-    <dgm:cxn modelId="{F3119C5C-5EC7-44A1-8FAB-4FCD4D270065}" type="presOf" srcId="{8BF69A4F-B6BB-4A2A-A5C9-0F7D8CD3A375}" destId="{1E8D4966-D1A9-4DDD-90E1-FB55E7032801}" srcOrd="0" destOrd="0" presId="urn:microsoft.com/office/officeart/2005/8/layout/hierarchy2"/>
-    <dgm:cxn modelId="{C9514797-F72F-48F9-9609-F2AF0C6EA23B}" type="presOf" srcId="{30F43D25-C0DF-4A5C-B833-44CA803F2F0C}" destId="{E224133B-EE50-4100-8608-FFF318E1B533}" srcOrd="0" destOrd="0" presId="urn:microsoft.com/office/officeart/2005/8/layout/hierarchy2"/>
-    <dgm:cxn modelId="{D3FC2323-5113-4633-B35B-55E5EF133617}" type="presOf" srcId="{F6B4A062-33D7-44DC-A99C-9E38B6C267E0}" destId="{B270A4FF-1420-4F94-989C-E4FB3B90568C}" srcOrd="0" destOrd="0" presId="urn:microsoft.com/office/officeart/2005/8/layout/hierarchy2"/>
-    <dgm:cxn modelId="{BF617DAA-69AB-4843-900B-0D35642041C9}" type="presOf" srcId="{33E4F0F8-EBE9-41B0-99C8-A69C6D96AF19}" destId="{71BC05F1-EF0B-441C-BDA7-CD1320D92BC2}" srcOrd="0" destOrd="0" presId="urn:microsoft.com/office/officeart/2005/8/layout/hierarchy2"/>
-    <dgm:cxn modelId="{475C7B7D-6C6E-421E-B6F0-A226B073E0F0}" type="presOf" srcId="{D610BEC7-D37F-483B-9892-F11AA1C56375}" destId="{7CB8DCC4-0E4E-4ADE-9D92-2EC5C866EBFB}" srcOrd="0" destOrd="0" presId="urn:microsoft.com/office/officeart/2005/8/layout/hierarchy2"/>
-    <dgm:cxn modelId="{494A8E46-7F5C-4A7C-86E5-7E1EEDDF335C}" srcId="{320A57A4-C9BF-4982-BAF8-EA139F9982F4}" destId="{8BF69A4F-B6BB-4A2A-A5C9-0F7D8CD3A375}" srcOrd="0" destOrd="0" parTransId="{5EEDE10F-6DAF-4C77-A725-6FA934B160F6}" sibTransId="{5442433E-20D0-49FF-B82B-B9C622758455}"/>
+    <dgm:cxn modelId="{C59008F3-1C55-4C48-91F7-0DF9C31CC42E}" srcId="{320A57A4-C9BF-4982-BAF8-EA139F9982F4}" destId="{35E02D4B-7AB3-489A-802E-A6BCE495472E}" srcOrd="1" destOrd="0" parTransId="{B925AEA0-40F0-4690-9BF6-4A1E48E82E79}" sibTransId="{3ED87400-20DC-4FDB-9DCF-D18D718C37EC}"/>
     <dgm:cxn modelId="{CCFCC1F3-57E8-4518-9118-D8E88837CBB4}" type="presOf" srcId="{6C57450D-30C4-42A0-96D1-6DED29BDF488}" destId="{4695EB31-13F0-4F27-BF1B-2A654C950D85}" srcOrd="1" destOrd="0" presId="urn:microsoft.com/office/officeart/2005/8/layout/hierarchy2"/>
-    <dgm:cxn modelId="{89B4EB8E-5025-453A-8371-ED0FCC7D183D}" srcId="{538E2320-AE21-4F04-940D-7B3B13AB6268}" destId="{FAE4A02A-D21C-4E93-A1BA-747DC4A3B06E}" srcOrd="0" destOrd="0" parTransId="{6C57450D-30C4-42A0-96D1-6DED29BDF488}" sibTransId="{E76D61A0-A7F1-4349-866A-9DA5EDA7781B}"/>
-    <dgm:cxn modelId="{C59008F3-1C55-4C48-91F7-0DF9C31CC42E}" srcId="{320A57A4-C9BF-4982-BAF8-EA139F9982F4}" destId="{35E02D4B-7AB3-489A-802E-A6BCE495472E}" srcOrd="1" destOrd="0" parTransId="{B925AEA0-40F0-4690-9BF6-4A1E48E82E79}" sibTransId="{3ED87400-20DC-4FDB-9DCF-D18D718C37EC}"/>
-    <dgm:cxn modelId="{ACED93C1-897D-4A18-8FC9-7B533986D785}" srcId="{FAE4A02A-D21C-4E93-A1BA-747DC4A3B06E}" destId="{30F43D25-C0DF-4A5C-B833-44CA803F2F0C}" srcOrd="0" destOrd="0" parTransId="{E38B7F15-69D4-42A6-9DA1-2D46B779EDCA}" sibTransId="{DCFDA8EE-E8C4-458E-B4CF-DBC3C5D5A544}"/>
-    <dgm:cxn modelId="{A956D4CF-3907-43FF-9603-944204C56A9A}" srcId="{538E2320-AE21-4F04-940D-7B3B13AB6268}" destId="{320A57A4-C9BF-4982-BAF8-EA139F9982F4}" srcOrd="1" destOrd="0" parTransId="{F967F01C-5307-482E-8F72-B4D3AABCF135}" sibTransId="{7A8223B3-C603-46B5-840C-BB619C27BECA}"/>
     <dgm:cxn modelId="{9A88FEFA-5980-475D-AB4D-FB0D6DEA749C}" type="presOf" srcId="{CA9A90AC-C9C1-4DC3-85C3-BA6C0055617D}" destId="{5735AA61-E36A-499F-9C45-5CBA4FA40E6B}" srcOrd="0" destOrd="0" presId="urn:microsoft.com/office/officeart/2005/8/layout/hierarchy2"/>
-    <dgm:cxn modelId="{90AEAB3D-965D-44A2-9EDF-E2513D30A1C0}" srcId="{FAE4A02A-D21C-4E93-A1BA-747DC4A3B06E}" destId="{33E4F0F8-EBE9-41B0-99C8-A69C6D96AF19}" srcOrd="1" destOrd="0" parTransId="{A1E0D7C9-58F0-4865-B338-3E558D1308A6}" sibTransId="{2C4625F4-4A13-44EF-A68A-5180A91BAFB2}"/>
-    <dgm:cxn modelId="{1B2B8734-E35F-4A42-B853-FD82F115F8FE}" type="presOf" srcId="{5EEDE10F-6DAF-4C77-A725-6FA934B160F6}" destId="{1463A4C8-3900-4326-9261-7D4C3D2F8631}" srcOrd="1" destOrd="0" presId="urn:microsoft.com/office/officeart/2005/8/layout/hierarchy2"/>
-    <dgm:cxn modelId="{CCE7C13E-E1C0-4A7E-BA2A-88AF54B3E165}" type="presOf" srcId="{320A57A4-C9BF-4982-BAF8-EA139F9982F4}" destId="{24E8858A-B908-4A3A-A432-1981CA2531D5}" srcOrd="0" destOrd="0" presId="urn:microsoft.com/office/officeart/2005/8/layout/hierarchy2"/>
-    <dgm:cxn modelId="{154F8BCB-44A3-4CA2-A0AF-28DB19CD290B}" srcId="{18F054AC-5A5B-43C3-A058-29562168C9CA}" destId="{538E2320-AE21-4F04-940D-7B3B13AB6268}" srcOrd="0" destOrd="0" parTransId="{7B101E87-1AEB-45B4-B991-46EA72DDFB43}" sibTransId="{6A946AB4-1353-4FAD-BE32-8B1DB023914C}"/>
-    <dgm:cxn modelId="{FE0FA3C6-CA21-4C17-9764-47B873B62FB6}" type="presOf" srcId="{A1E0D7C9-58F0-4865-B338-3E558D1308A6}" destId="{6324FD77-0EC7-4560-A27C-0987F63CFE11}" srcOrd="0" destOrd="0" presId="urn:microsoft.com/office/officeart/2005/8/layout/hierarchy2"/>
-    <dgm:cxn modelId="{05279AE5-3AB9-4786-BC9F-4B7F652072E5}" srcId="{320A57A4-C9BF-4982-BAF8-EA139F9982F4}" destId="{8788B0F7-A35F-4042-91CE-6107ACADE71D}" srcOrd="3" destOrd="0" parTransId="{D610BEC7-D37F-483B-9892-F11AA1C56375}" sibTransId="{551BC9D9-1428-4ABE-80FB-640A909C3395}"/>
     <dgm:cxn modelId="{79E3A6FD-8068-407E-B72D-59287507ED4F}" type="presOf" srcId="{CA9A90AC-C9C1-4DC3-85C3-BA6C0055617D}" destId="{FD14EA2E-50CA-40D8-9BEA-5E9AFA0A48A2}" srcOrd="1" destOrd="0" presId="urn:microsoft.com/office/officeart/2005/8/layout/hierarchy2"/>
-    <dgm:cxn modelId="{FEA17F0D-FA28-4F64-A1D9-325213EBDDF7}" type="presOf" srcId="{6C57450D-30C4-42A0-96D1-6DED29BDF488}" destId="{CCD514DE-F227-4D1D-84B9-B8881F3CB5DA}" srcOrd="0" destOrd="0" presId="urn:microsoft.com/office/officeart/2005/8/layout/hierarchy2"/>
-    <dgm:cxn modelId="{5A62BA70-66F4-4F02-849D-C13A427476B3}" type="presOf" srcId="{A1E0D7C9-58F0-4865-B338-3E558D1308A6}" destId="{877E29C8-1E73-4F0B-8E40-E5CDAD8C07CB}" srcOrd="1" destOrd="0" presId="urn:microsoft.com/office/officeart/2005/8/layout/hierarchy2"/>
-    <dgm:cxn modelId="{CFF29FA8-3CF3-4289-8CB9-A8E0F4ECDB47}" type="presOf" srcId="{8788B0F7-A35F-4042-91CE-6107ACADE71D}" destId="{6F6D2A9D-20A8-43F8-8CC3-2D3788DE44BF}" srcOrd="0" destOrd="0" presId="urn:microsoft.com/office/officeart/2005/8/layout/hierarchy2"/>
-    <dgm:cxn modelId="{7EECC34B-7A42-45D0-BDD5-3BC7B4D8D021}" type="presOf" srcId="{18F054AC-5A5B-43C3-A058-29562168C9CA}" destId="{C450F48F-02CE-4A37-AF92-1FEE157A4F45}" srcOrd="0" destOrd="0" presId="urn:microsoft.com/office/officeart/2005/8/layout/hierarchy2"/>
-    <dgm:cxn modelId="{BB1C8B4E-9CD5-44AD-998D-4EBFDFB1F5E6}" srcId="{320A57A4-C9BF-4982-BAF8-EA139F9982F4}" destId="{F6B4A062-33D7-44DC-A99C-9E38B6C267E0}" srcOrd="2" destOrd="0" parTransId="{CA9A90AC-C9C1-4DC3-85C3-BA6C0055617D}" sibTransId="{58CF61D9-58B4-45B7-9E33-2037DFAD7F8D}"/>
-    <dgm:cxn modelId="{60F4497B-7349-44B5-9644-35C1DF9D3A01}" type="presOf" srcId="{F967F01C-5307-482E-8F72-B4D3AABCF135}" destId="{5A0BD4A4-A1F9-4C33-8329-99DA18C4A77F}" srcOrd="0" destOrd="0" presId="urn:microsoft.com/office/officeart/2005/8/layout/hierarchy2"/>
-    <dgm:cxn modelId="{E9342EBA-E6BB-44D2-8472-7A7B377ECC74}" type="presOf" srcId="{B925AEA0-40F0-4690-9BF6-4A1E48E82E79}" destId="{E572EEF4-3982-4649-9287-C93D82BB2A67}" srcOrd="0" destOrd="0" presId="urn:microsoft.com/office/officeart/2005/8/layout/hierarchy2"/>
-    <dgm:cxn modelId="{6CF77ED3-6923-4B35-AAF1-C34B87991C21}" type="presOf" srcId="{538E2320-AE21-4F04-940D-7B3B13AB6268}" destId="{A5835191-13F4-4498-9571-764336BB0D8E}" srcOrd="0" destOrd="0" presId="urn:microsoft.com/office/officeart/2005/8/layout/hierarchy2"/>
-    <dgm:cxn modelId="{E8A07AC7-AC52-40D3-A7F6-ACF21AD97029}" type="presOf" srcId="{F967F01C-5307-482E-8F72-B4D3AABCF135}" destId="{5D7149C0-D3CE-4C30-BDCC-7B3DD010F778}" srcOrd="1" destOrd="0" presId="urn:microsoft.com/office/officeart/2005/8/layout/hierarchy2"/>
-    <dgm:cxn modelId="{BA4554CF-FC67-4860-9CA1-9192252D8EB3}" type="presOf" srcId="{D610BEC7-D37F-483B-9892-F11AA1C56375}" destId="{DC787FAA-7D99-4D60-81F9-CBE46DB0A382}" srcOrd="1" destOrd="0" presId="urn:microsoft.com/office/officeart/2005/8/layout/hierarchy2"/>
-    <dgm:cxn modelId="{16F584D9-32F4-4865-83D1-8B87A84FC7A5}" type="presOf" srcId="{FAE4A02A-D21C-4E93-A1BA-747DC4A3B06E}" destId="{E0DA5140-1BA9-482C-BDDA-F5ECEA01C3EE}" srcOrd="0" destOrd="0" presId="urn:microsoft.com/office/officeart/2005/8/layout/hierarchy2"/>
     <dgm:cxn modelId="{4FC3DD67-C009-413A-B541-05873740C9B0}" type="presParOf" srcId="{C450F48F-02CE-4A37-AF92-1FEE157A4F45}" destId="{112F1388-F474-41ED-A536-52253DBBBE07}" srcOrd="0" destOrd="0" presId="urn:microsoft.com/office/officeart/2005/8/layout/hierarchy2"/>
     <dgm:cxn modelId="{988A41F2-DB87-41C5-8FF8-1F7769BF02C2}" type="presParOf" srcId="{112F1388-F474-41ED-A536-52253DBBBE07}" destId="{A5835191-13F4-4498-9571-764336BB0D8E}" srcOrd="0" destOrd="0" presId="urn:microsoft.com/office/officeart/2005/8/layout/hierarchy2"/>
     <dgm:cxn modelId="{8526F7EC-C287-4F5A-A9C7-81FA7D127FB8}" type="presParOf" srcId="{112F1388-F474-41ED-A536-52253DBBBE07}" destId="{C7AF056B-167A-4315-9188-5AFF6D273834}" srcOrd="1" destOrd="0" presId="urn:microsoft.com/office/officeart/2005/8/layout/hierarchy2"/>
@@ -1829,7 +1639,7 @@
         </a:bodyPr>
         <a:lstStyle/>
         <a:p>
-          <a:pPr lvl="0" algn="ctr" defTabSz="800100">
+          <a:pPr marL="0" lvl="0" indent="0" algn="ctr" defTabSz="800100">
             <a:lnSpc>
               <a:spcPct val="90000"/>
             </a:lnSpc>
@@ -1839,12 +1649,12 @@
             <a:spcAft>
               <a:spcPct val="35000"/>
             </a:spcAft>
+            <a:buNone/>
           </a:pPr>
           <a:r>
-            <a:rPr lang="nl-NL" sz="1800" kern="1200" dirty="0" smtClean="0"/>
+            <a:rPr lang="nl-NL" sz="1800" kern="1200" dirty="0"/>
             <a:t>Login</a:t>
           </a:r>
-          <a:endParaRPr lang="nl-NL" sz="1800" kern="1200" dirty="0"/>
         </a:p>
       </dsp:txBody>
       <dsp:txXfrm>
@@ -1912,7 +1722,7 @@
         </a:bodyPr>
         <a:lstStyle/>
         <a:p>
-          <a:pPr lvl="0" algn="ctr" defTabSz="222250">
+          <a:pPr marL="0" lvl="0" indent="0" algn="ctr" defTabSz="222250">
             <a:lnSpc>
               <a:spcPct val="90000"/>
             </a:lnSpc>
@@ -1922,6 +1732,7 @@
             <a:spcAft>
               <a:spcPct val="35000"/>
             </a:spcAft>
+            <a:buNone/>
           </a:pPr>
           <a:endParaRPr lang="nl-NL" sz="500" kern="1200"/>
         </a:p>
@@ -1987,7 +1798,7 @@
         </a:bodyPr>
         <a:lstStyle/>
         <a:p>
-          <a:pPr lvl="0" algn="ctr" defTabSz="800100">
+          <a:pPr marL="0" lvl="0" indent="0" algn="ctr" defTabSz="800100">
             <a:lnSpc>
               <a:spcPct val="90000"/>
             </a:lnSpc>
@@ -1997,12 +1808,12 @@
             <a:spcAft>
               <a:spcPct val="35000"/>
             </a:spcAft>
+            <a:buNone/>
           </a:pPr>
           <a:r>
-            <a:rPr lang="nl-NL" sz="1800" kern="1200" dirty="0" smtClean="0"/>
+            <a:rPr lang="nl-NL" sz="1800" kern="1200" dirty="0"/>
             <a:t>Docent</a:t>
           </a:r>
-          <a:endParaRPr lang="nl-NL" sz="1800" kern="1200" dirty="0"/>
         </a:p>
       </dsp:txBody>
       <dsp:txXfrm>
@@ -2070,7 +1881,7 @@
         </a:bodyPr>
         <a:lstStyle/>
         <a:p>
-          <a:pPr lvl="0" algn="ctr" defTabSz="222250">
+          <a:pPr marL="0" lvl="0" indent="0" algn="ctr" defTabSz="222250">
             <a:lnSpc>
               <a:spcPct val="90000"/>
             </a:lnSpc>
@@ -2080,6 +1891,7 @@
             <a:spcAft>
               <a:spcPct val="35000"/>
             </a:spcAft>
+            <a:buNone/>
           </a:pPr>
           <a:endParaRPr lang="nl-NL" sz="500" kern="1200"/>
         </a:p>
@@ -2145,7 +1957,7 @@
         </a:bodyPr>
         <a:lstStyle/>
         <a:p>
-          <a:pPr lvl="0" algn="ctr" defTabSz="800100">
+          <a:pPr marL="0" lvl="0" indent="0" algn="ctr" defTabSz="800100">
             <a:lnSpc>
               <a:spcPct val="90000"/>
             </a:lnSpc>
@@ -2155,12 +1967,12 @@
             <a:spcAft>
               <a:spcPct val="35000"/>
             </a:spcAft>
+            <a:buNone/>
           </a:pPr>
           <a:r>
-            <a:rPr lang="nl-NL" sz="1800" kern="1200" dirty="0" smtClean="0"/>
+            <a:rPr lang="nl-NL" sz="1800" kern="1200" dirty="0"/>
             <a:t>Goedkeuring</a:t>
           </a:r>
-          <a:endParaRPr lang="nl-NL" sz="1800" kern="1200" dirty="0"/>
         </a:p>
       </dsp:txBody>
       <dsp:txXfrm>
@@ -2228,7 +2040,7 @@
         </a:bodyPr>
         <a:lstStyle/>
         <a:p>
-          <a:pPr lvl="0" algn="ctr" defTabSz="222250">
+          <a:pPr marL="0" lvl="0" indent="0" algn="ctr" defTabSz="222250">
             <a:lnSpc>
               <a:spcPct val="90000"/>
             </a:lnSpc>
@@ -2238,6 +2050,7 @@
             <a:spcAft>
               <a:spcPct val="35000"/>
             </a:spcAft>
+            <a:buNone/>
           </a:pPr>
           <a:endParaRPr lang="nl-NL" sz="500" kern="1200"/>
         </a:p>
@@ -2303,7 +2116,7 @@
         </a:bodyPr>
         <a:lstStyle/>
         <a:p>
-          <a:pPr lvl="0" algn="ctr" defTabSz="800100">
+          <a:pPr marL="0" lvl="0" indent="0" algn="ctr" defTabSz="800100">
             <a:lnSpc>
               <a:spcPct val="90000"/>
             </a:lnSpc>
@@ -2313,12 +2126,12 @@
             <a:spcAft>
               <a:spcPct val="35000"/>
             </a:spcAft>
+            <a:buNone/>
           </a:pPr>
           <a:r>
-            <a:rPr lang="nl-NL" sz="1800" kern="1200" dirty="0" smtClean="0"/>
+            <a:rPr lang="nl-NL" sz="1800" kern="1200" dirty="0"/>
             <a:t>Afkeuring</a:t>
           </a:r>
-          <a:endParaRPr lang="nl-NL" sz="1800" kern="1200" dirty="0"/>
         </a:p>
       </dsp:txBody>
       <dsp:txXfrm>
@@ -2386,7 +2199,7 @@
         </a:bodyPr>
         <a:lstStyle/>
         <a:p>
-          <a:pPr lvl="0" algn="ctr" defTabSz="222250">
+          <a:pPr marL="0" lvl="0" indent="0" algn="ctr" defTabSz="222250">
             <a:lnSpc>
               <a:spcPct val="90000"/>
             </a:lnSpc>
@@ -2396,6 +2209,7 @@
             <a:spcAft>
               <a:spcPct val="35000"/>
             </a:spcAft>
+            <a:buNone/>
           </a:pPr>
           <a:endParaRPr lang="nl-NL" sz="500" kern="1200"/>
         </a:p>
@@ -2456,7 +2270,7 @@
         </a:bodyPr>
         <a:lstStyle/>
         <a:p>
-          <a:pPr lvl="0" algn="ctr" defTabSz="800100">
+          <a:pPr marL="0" lvl="0" indent="0" algn="ctr" defTabSz="800100">
             <a:lnSpc>
               <a:spcPct val="90000"/>
             </a:lnSpc>
@@ -2466,12 +2280,12 @@
             <a:spcAft>
               <a:spcPct val="35000"/>
             </a:spcAft>
+            <a:buNone/>
           </a:pPr>
           <a:r>
-            <a:rPr lang="nl-NL" sz="1800" kern="1200" dirty="0" smtClean="0"/>
+            <a:rPr lang="nl-NL" sz="1800" kern="1200" dirty="0"/>
             <a:t>Student</a:t>
           </a:r>
-          <a:endParaRPr lang="nl-NL" sz="1800" kern="1200" dirty="0"/>
         </a:p>
       </dsp:txBody>
       <dsp:txXfrm>
@@ -2539,7 +2353,7 @@
         </a:bodyPr>
         <a:lstStyle/>
         <a:p>
-          <a:pPr lvl="0" algn="ctr" defTabSz="222250">
+          <a:pPr marL="0" lvl="0" indent="0" algn="ctr" defTabSz="222250">
             <a:lnSpc>
               <a:spcPct val="90000"/>
             </a:lnSpc>
@@ -2549,6 +2363,7 @@
             <a:spcAft>
               <a:spcPct val="35000"/>
             </a:spcAft>
+            <a:buNone/>
           </a:pPr>
           <a:endParaRPr lang="nl-NL" sz="500" kern="1200"/>
         </a:p>
@@ -2609,7 +2424,7 @@
         </a:bodyPr>
         <a:lstStyle/>
         <a:p>
-          <a:pPr lvl="0" algn="ctr" defTabSz="800100">
+          <a:pPr marL="0" lvl="0" indent="0" algn="ctr" defTabSz="800100">
             <a:lnSpc>
               <a:spcPct val="90000"/>
             </a:lnSpc>
@@ -2619,12 +2434,12 @@
             <a:spcAft>
               <a:spcPct val="35000"/>
             </a:spcAft>
+            <a:buNone/>
           </a:pPr>
           <a:r>
-            <a:rPr lang="nl-NL" sz="1800" kern="1200" dirty="0" smtClean="0"/>
+            <a:rPr lang="nl-NL" sz="1800" kern="1200" dirty="0"/>
             <a:t>Voorstel indienen</a:t>
           </a:r>
-          <a:endParaRPr lang="nl-NL" sz="1800" kern="1200" dirty="0"/>
         </a:p>
       </dsp:txBody>
       <dsp:txXfrm>
@@ -2692,7 +2507,7 @@
         </a:bodyPr>
         <a:lstStyle/>
         <a:p>
-          <a:pPr lvl="0" algn="ctr" defTabSz="222250">
+          <a:pPr marL="0" lvl="0" indent="0" algn="ctr" defTabSz="222250">
             <a:lnSpc>
               <a:spcPct val="90000"/>
             </a:lnSpc>
@@ -2702,6 +2517,7 @@
             <a:spcAft>
               <a:spcPct val="35000"/>
             </a:spcAft>
+            <a:buNone/>
           </a:pPr>
           <a:endParaRPr lang="nl-NL" sz="500" kern="1200"/>
         </a:p>
@@ -2762,7 +2578,7 @@
         </a:bodyPr>
         <a:lstStyle/>
         <a:p>
-          <a:pPr lvl="0" algn="ctr" defTabSz="800100">
+          <a:pPr marL="0" lvl="0" indent="0" algn="ctr" defTabSz="800100">
             <a:lnSpc>
               <a:spcPct val="90000"/>
             </a:lnSpc>
@@ -2772,12 +2588,12 @@
             <a:spcAft>
               <a:spcPct val="35000"/>
             </a:spcAft>
+            <a:buNone/>
           </a:pPr>
           <a:r>
-            <a:rPr lang="nl-NL" sz="1800" kern="1200" dirty="0" smtClean="0"/>
+            <a:rPr lang="nl-NL" sz="1800" kern="1200" dirty="0"/>
             <a:t>Belbintest</a:t>
           </a:r>
-          <a:endParaRPr lang="nl-NL" sz="1800" kern="1200" dirty="0"/>
         </a:p>
       </dsp:txBody>
       <dsp:txXfrm>
@@ -2845,7 +2661,7 @@
         </a:bodyPr>
         <a:lstStyle/>
         <a:p>
-          <a:pPr lvl="0" algn="ctr" defTabSz="222250">
+          <a:pPr marL="0" lvl="0" indent="0" algn="ctr" defTabSz="222250">
             <a:lnSpc>
               <a:spcPct val="90000"/>
             </a:lnSpc>
@@ -2855,6 +2671,7 @@
             <a:spcAft>
               <a:spcPct val="35000"/>
             </a:spcAft>
+            <a:buNone/>
           </a:pPr>
           <a:endParaRPr lang="nl-NL" sz="500" kern="1200"/>
         </a:p>
@@ -2915,7 +2732,7 @@
         </a:bodyPr>
         <a:lstStyle/>
         <a:p>
-          <a:pPr lvl="0" algn="ctr" defTabSz="800100">
+          <a:pPr marL="0" lvl="0" indent="0" algn="ctr" defTabSz="800100">
             <a:lnSpc>
               <a:spcPct val="90000"/>
             </a:lnSpc>
@@ -2925,12 +2742,12 @@
             <a:spcAft>
               <a:spcPct val="35000"/>
             </a:spcAft>
+            <a:buNone/>
           </a:pPr>
           <a:r>
-            <a:rPr lang="nl-NL" sz="1800" kern="1200" dirty="0" smtClean="0"/>
+            <a:rPr lang="nl-NL" sz="1800" kern="1200" dirty="0"/>
             <a:t>Studenten toevoegen</a:t>
           </a:r>
-          <a:endParaRPr lang="nl-NL" sz="1800" kern="1200" dirty="0"/>
         </a:p>
       </dsp:txBody>
       <dsp:txXfrm>
@@ -2998,7 +2815,7 @@
         </a:bodyPr>
         <a:lstStyle/>
         <a:p>
-          <a:pPr lvl="0" algn="ctr" defTabSz="222250">
+          <a:pPr marL="0" lvl="0" indent="0" algn="ctr" defTabSz="222250">
             <a:lnSpc>
               <a:spcPct val="90000"/>
             </a:lnSpc>
@@ -3008,6 +2825,7 @@
             <a:spcAft>
               <a:spcPct val="35000"/>
             </a:spcAft>
+            <a:buNone/>
           </a:pPr>
           <a:endParaRPr lang="nl-NL" sz="500" kern="1200"/>
         </a:p>
@@ -3068,7 +2886,7 @@
         </a:bodyPr>
         <a:lstStyle/>
         <a:p>
-          <a:pPr lvl="0" algn="ctr" defTabSz="800100">
+          <a:pPr marL="0" lvl="0" indent="0" algn="ctr" defTabSz="800100">
             <a:lnSpc>
               <a:spcPct val="90000"/>
             </a:lnSpc>
@@ -3078,12 +2896,12 @@
             <a:spcAft>
               <a:spcPct val="35000"/>
             </a:spcAft>
+            <a:buNone/>
           </a:pPr>
           <a:r>
-            <a:rPr lang="nl-NL" sz="1800" kern="1200" dirty="0" smtClean="0"/>
+            <a:rPr lang="nl-NL" sz="1800" kern="1200" dirty="0"/>
             <a:t>Voorstel bewerken</a:t>
           </a:r>
-          <a:endParaRPr lang="nl-NL" sz="1800" kern="1200" dirty="0"/>
         </a:p>
       </dsp:txBody>
       <dsp:txXfrm>
@@ -4530,7 +4348,7 @@
           </a:lstStyle>
           <a:p>
             <a:fld id="{2518152A-4670-DD4C-AAFC-C17F734418B3}" type="datetimeFigureOut">
-              <a:t>19-6-2019</a:t>
+              <a:t>20/06/2019</a:t>
             </a:fld>
             <a:endParaRPr lang="en-US"/>
           </a:p>
@@ -4694,7 +4512,7 @@
           </a:lstStyle>
           <a:p>
             <a:fld id="{7AC900B5-6857-DB44-9846-7C78C09874F3}" type="datetimeFigureOut">
-              <a:t>19-6-2019</a:t>
+              <a:t>20/06/2019</a:t>
             </a:fld>
             <a:endParaRPr lang="en-US"/>
           </a:p>
@@ -5803,7 +5621,7 @@
           <a:lstStyle/>
           <a:p>
             <a:fld id="{5F17BE6E-A6F8-3442-9DA5-5593485BE98C}" type="datetime1">
-              <a:t>19-6-2019</a:t>
+              <a:t>20/06/2019</a:t>
             </a:fld>
             <a:endParaRPr lang="en-US"/>
           </a:p>
@@ -6304,7 +6122,7 @@
           <a:lstStyle/>
           <a:p>
             <a:fld id="{36086CE3-90FF-5744-87D8-5D36EE4D91CC}" type="datetime1">
-              <a:t>19-6-2019</a:t>
+              <a:t>20/06/2019</a:t>
             </a:fld>
             <a:endParaRPr lang="en-US"/>
           </a:p>
@@ -6593,7 +6411,7 @@
           <a:lstStyle/>
           <a:p>
             <a:fld id="{E5FDB7F4-B6ED-1748-9D00-406FDAEF6503}" type="datetime1">
-              <a:t>19-6-2019</a:t>
+              <a:t>20/06/2019</a:t>
             </a:fld>
             <a:endParaRPr lang="en-US"/>
           </a:p>
@@ -6689,7 +6507,7 @@
           <a:lstStyle/>
           <a:p>
             <a:fld id="{B721E619-EBD6-CB45-B312-466BFC0B87E3}" type="datetime1">
-              <a:t>19-6-2019</a:t>
+              <a:t>20/06/2019</a:t>
             </a:fld>
             <a:endParaRPr lang="en-US"/>
           </a:p>
@@ -6943,7 +6761,7 @@
           <a:lstStyle/>
           <a:p>
             <a:fld id="{138FFCED-4308-CA4D-ACC4-3948E9F11CDF}" type="datetime1">
-              <a:t>19-6-2019</a:t>
+              <a:t>20/06/2019</a:t>
             </a:fld>
             <a:endParaRPr lang="en-US"/>
           </a:p>
@@ -7444,7 +7262,7 @@
           <a:lstStyle/>
           <a:p>
             <a:fld id="{36086CE3-90FF-5744-87D8-5D36EE4D91CC}" type="datetime1">
-              <a:t>19-6-2019</a:t>
+              <a:t>20/06/2019</a:t>
             </a:fld>
             <a:endParaRPr lang="en-US"/>
           </a:p>
@@ -7733,7 +7551,7 @@
           <a:lstStyle/>
           <a:p>
             <a:fld id="{E5FDB7F4-B6ED-1748-9D00-406FDAEF6503}" type="datetime1">
-              <a:t>19-6-2019</a:t>
+              <a:t>20/06/2019</a:t>
             </a:fld>
             <a:endParaRPr lang="en-US"/>
           </a:p>
@@ -7829,7 +7647,7 @@
           <a:lstStyle/>
           <a:p>
             <a:fld id="{B721E619-EBD6-CB45-B312-466BFC0B87E3}" type="datetime1">
-              <a:t>19-6-2019</a:t>
+              <a:t>20/06/2019</a:t>
             </a:fld>
             <a:endParaRPr lang="en-US"/>
           </a:p>
@@ -8000,7 +7818,7 @@
           <a:lstStyle/>
           <a:p>
             <a:fld id="{D956C2C8-AF4A-3F4C-B9B4-50FA0AC2319A}" type="datetime1">
-              <a:t>19-6-2019</a:t>
+              <a:t>20/06/2019</a:t>
             </a:fld>
             <a:endParaRPr lang="en-US"/>
           </a:p>
@@ -8254,7 +8072,7 @@
           <a:lstStyle/>
           <a:p>
             <a:fld id="{138FFCED-4308-CA4D-ACC4-3948E9F11CDF}" type="datetime1">
-              <a:t>19-6-2019</a:t>
+              <a:t>20/06/2019</a:t>
             </a:fld>
             <a:endParaRPr lang="en-US"/>
           </a:p>
@@ -8755,7 +8573,7 @@
           <a:lstStyle/>
           <a:p>
             <a:fld id="{E056D7AB-E25E-FB4B-969B-4A4EA7ABA0AD}" type="datetime1">
-              <a:t>19-6-2019</a:t>
+              <a:t>20/06/2019</a:t>
             </a:fld>
             <a:endParaRPr lang="en-US"/>
           </a:p>
@@ -9044,7 +8862,7 @@
           <a:lstStyle/>
           <a:p>
             <a:fld id="{347F30DE-79EA-A349-BE9F-7981F0F2DC46}" type="datetime1">
-              <a:t>19-6-2019</a:t>
+              <a:t>20/06/2019</a:t>
             </a:fld>
             <a:endParaRPr lang="en-US"/>
           </a:p>
@@ -9140,7 +8958,7 @@
           <a:lstStyle/>
           <a:p>
             <a:fld id="{8FC05770-7E08-F248-BA09-A0038AB0618E}" type="datetime1">
-              <a:t>19-6-2019</a:t>
+              <a:t>20/06/2019</a:t>
             </a:fld>
             <a:endParaRPr lang="en-US"/>
           </a:p>
@@ -9394,7 +9212,7 @@
           <a:lstStyle/>
           <a:p>
             <a:fld id="{0149C62E-9B80-144E-9FFF-A108B648E2E0}" type="datetime1">
-              <a:t>19-6-2019</a:t>
+              <a:t>20/06/2019</a:t>
             </a:fld>
             <a:endParaRPr lang="en-US"/>
           </a:p>
@@ -9895,7 +9713,7 @@
           <a:lstStyle/>
           <a:p>
             <a:fld id="{5F856C8F-3F9B-6D44-8056-EDB07DB254DC}" type="datetime1">
-              <a:t>19-6-2019</a:t>
+              <a:t>20/06/2019</a:t>
             </a:fld>
             <a:endParaRPr lang="en-US"/>
           </a:p>
@@ -10184,7 +10002,7 @@
           <a:lstStyle/>
           <a:p>
             <a:fld id="{1CE7233C-6A1A-B347-86E1-38E7A4477365}" type="datetime1">
-              <a:t>19-6-2019</a:t>
+              <a:t>20/06/2019</a:t>
             </a:fld>
             <a:endParaRPr lang="en-US"/>
           </a:p>
@@ -10280,7 +10098,7 @@
           <a:lstStyle/>
           <a:p>
             <a:fld id="{3655A780-40C0-BD41-9FCF-DB3CB79764AE}" type="datetime1">
-              <a:t>19-6-2019</a:t>
+              <a:t>20/06/2019</a:t>
             </a:fld>
             <a:endParaRPr lang="en-US"/>
           </a:p>
@@ -10569,7 +10387,7 @@
           <a:lstStyle/>
           <a:p>
             <a:fld id="{8B63FB6B-9458-BD43-9DB9-A2949799A662}" type="datetime1">
-              <a:t>19-6-2019</a:t>
+              <a:t>20/06/2019</a:t>
             </a:fld>
             <a:endParaRPr lang="en-US"/>
           </a:p>
@@ -10823,7 +10641,7 @@
           <a:lstStyle/>
           <a:p>
             <a:fld id="{A316EF45-E80A-A14C-9D81-938871F147C8}" type="datetime1">
-              <a:t>19-6-2019</a:t>
+              <a:t>20/06/2019</a:t>
             </a:fld>
             <a:endParaRPr lang="en-US"/>
           </a:p>
@@ -11324,7 +11142,7 @@
           <a:lstStyle/>
           <a:p>
             <a:fld id="{0C0CCFA7-D12C-7141-8399-7EC2FD74B1F4}" type="datetime1">
-              <a:t>19-6-2019</a:t>
+              <a:t>20/06/2019</a:t>
             </a:fld>
             <a:endParaRPr lang="en-US"/>
           </a:p>
@@ -11613,7 +11431,7 @@
           <a:lstStyle/>
           <a:p>
             <a:fld id="{5D13D340-8AB4-384E-BF13-A0690AD7A543}" type="datetime1">
-              <a:t>19-6-2019</a:t>
+              <a:t>20/06/2019</a:t>
             </a:fld>
             <a:endParaRPr lang="en-US"/>
           </a:p>
@@ -11709,7 +11527,7 @@
           <a:lstStyle/>
           <a:p>
             <a:fld id="{41A3B24D-7E8B-9541-B8F1-940F0036A509}" type="datetime1">
-              <a:t>19-6-2019</a:t>
+              <a:t>20/06/2019</a:t>
             </a:fld>
             <a:endParaRPr lang="en-US"/>
           </a:p>
@@ -11963,7 +11781,7 @@
           <a:lstStyle/>
           <a:p>
             <a:fld id="{3F0D68B8-9D46-6848-AE7E-75CFB53DB47C}" type="datetime1">
-              <a:t>19-6-2019</a:t>
+              <a:t>20/06/2019</a:t>
             </a:fld>
             <a:endParaRPr lang="en-US"/>
           </a:p>
@@ -12064,7 +11882,7 @@
           <a:lstStyle/>
           <a:p>
             <a:fld id="{0FD44C4C-371A-1D4F-A9B8-07683E1252E8}" type="datetime1">
-              <a:t>19-6-2019</a:t>
+              <a:t>20/06/2019</a:t>
             </a:fld>
             <a:endParaRPr lang="en-US"/>
           </a:p>
@@ -12322,7 +12140,7 @@
           <a:lstStyle/>
           <a:p>
             <a:fld id="{63E7AB38-62BC-774C-97AE-1BF242D8582C}" type="datetime1">
-              <a:t>19-6-2019</a:t>
+              <a:t>20/06/2019</a:t>
             </a:fld>
             <a:endParaRPr lang="en-US"/>
           </a:p>
@@ -12823,7 +12641,7 @@
           <a:lstStyle/>
           <a:p>
             <a:fld id="{8CCD183A-059B-2542-813C-5A08B6D37968}" type="datetime1">
-              <a:t>19-6-2019</a:t>
+              <a:t>20/06/2019</a:t>
             </a:fld>
             <a:endParaRPr lang="en-US"/>
           </a:p>
@@ -13112,7 +12930,7 @@
           <a:lstStyle/>
           <a:p>
             <a:fld id="{A18FAD7D-2159-674C-BC18-A050D77CC070}" type="datetime1">
-              <a:t>19-6-2019</a:t>
+              <a:t>20/06/2019</a:t>
             </a:fld>
             <a:endParaRPr lang="en-US"/>
           </a:p>
@@ -13208,7 +13026,7 @@
           <a:lstStyle/>
           <a:p>
             <a:fld id="{7F3EC34E-563E-3E4F-9CB6-35608B9F10E8}" type="datetime1">
-              <a:t>19-6-2019</a:t>
+              <a:t>20/06/2019</a:t>
             </a:fld>
             <a:endParaRPr lang="en-US"/>
           </a:p>
@@ -13468,7 +13286,7 @@
           </a:lstStyle>
           <a:p>
             <a:fld id="{6608C39C-6A92-104F-A944-21D39204BEAF}" type="datetime1">
-              <a:t>19-6-2019</a:t>
+              <a:t>20/06/2019</a:t>
             </a:fld>
             <a:endParaRPr lang="en-US"/>
           </a:p>
@@ -14025,7 +13843,7 @@
           </a:lstStyle>
           <a:p>
             <a:fld id="{2D86298A-010A-FA4C-979A-202A0C3B0B89}" type="datetime1">
-              <a:t>19-6-2019</a:t>
+              <a:t>20/06/2019</a:t>
             </a:fld>
             <a:endParaRPr lang="en-US"/>
           </a:p>
@@ -14585,7 +14403,7 @@
           </a:lstStyle>
           <a:p>
             <a:fld id="{3DC040B7-7FDC-EC48-B37F-6E02E1E9CC0E}" type="datetime1">
-              <a:t>19-6-2019</a:t>
+              <a:t>20/06/2019</a:t>
             </a:fld>
             <a:endParaRPr lang="en-US"/>
           </a:p>
@@ -15143,7 +14961,7 @@
           </a:lstStyle>
           <a:p>
             <a:fld id="{3DC040B7-7FDC-EC48-B37F-6E02E1E9CC0E}" type="datetime1">
-              <a:t>19-6-2019</a:t>
+              <a:t>20/06/2019</a:t>
             </a:fld>
             <a:endParaRPr lang="en-US"/>
           </a:p>
@@ -15701,7 +15519,7 @@
           </a:lstStyle>
           <a:p>
             <a:fld id="{226A858B-F2A2-4C42-A574-D382CE7CB5B0}" type="datetime1">
-              <a:t>19-6-2019</a:t>
+              <a:t>20/06/2019</a:t>
             </a:fld>
             <a:endParaRPr lang="en-US"/>
           </a:p>
@@ -16259,7 +16077,7 @@
           </a:lstStyle>
           <a:p>
             <a:fld id="{D3F1546C-12A3-C249-BA16-098223ED8408}" type="datetime1">
-              <a:t>19-6-2019</a:t>
+              <a:t>20/06/2019</a:t>
             </a:fld>
             <a:endParaRPr lang="en-US"/>
           </a:p>
@@ -16817,7 +16635,7 @@
           </a:lstStyle>
           <a:p>
             <a:fld id="{AB632AFF-2AE8-5941-B538-F40ED924DEA8}" type="datetime1">
-              <a:t>19-6-2019</a:t>
+              <a:t>20/06/2019</a:t>
             </a:fld>
             <a:endParaRPr lang="en-US"/>
           </a:p>
@@ -17334,7 +17152,7 @@
           <p:cNvPr id="2" name="Titel 1">
             <a:extLst>
               <a:ext uri="{FF2B5EF4-FFF2-40B4-BE49-F238E27FC236}">
-                <a16:creationId xmlns:a16="http://schemas.microsoft.com/office/drawing/2014/main" xmlns="" id="{3E17FA0D-EF4F-48D3-98B5-0009E86093D7}"/>
+                <a16:creationId xmlns:a16="http://schemas.microsoft.com/office/drawing/2014/main" id="{3E17FA0D-EF4F-48D3-98B5-0009E86093D7}"/>
               </a:ext>
             </a:extLst>
           </p:cNvPr>
@@ -17364,7 +17182,7 @@
           <p:cNvPr id="3" name="Tijdelijke aanduiding voor inhoud 2">
             <a:extLst>
               <a:ext uri="{FF2B5EF4-FFF2-40B4-BE49-F238E27FC236}">
-                <a16:creationId xmlns:a16="http://schemas.microsoft.com/office/drawing/2014/main" xmlns="" id="{DA682513-334F-4FCE-BF1B-D5FA09942731}"/>
+                <a16:creationId xmlns:a16="http://schemas.microsoft.com/office/drawing/2014/main" id="{DA682513-334F-4FCE-BF1B-D5FA09942731}"/>
               </a:ext>
             </a:extLst>
           </p:cNvPr>
@@ -17419,7 +17237,7 @@
           <p:cNvPr id="4" name="Tijdelijke aanduiding voor datum 3">
             <a:extLst>
               <a:ext uri="{FF2B5EF4-FFF2-40B4-BE49-F238E27FC236}">
-                <a16:creationId xmlns:a16="http://schemas.microsoft.com/office/drawing/2014/main" xmlns="" id="{E80C11FF-F86E-4289-A539-DDC3A3AEFDC3}"/>
+                <a16:creationId xmlns:a16="http://schemas.microsoft.com/office/drawing/2014/main" id="{E80C11FF-F86E-4289-A539-DDC3A3AEFDC3}"/>
               </a:ext>
             </a:extLst>
           </p:cNvPr>
@@ -17437,7 +17255,7 @@
           <a:p>
             <a:fld id="{36086CE3-90FF-5744-87D8-5D36EE4D91CC}" type="datetime1">
               <a:rPr lang="nl-BE" smtClean="0"/>
-              <a:t>19/06/2019</a:t>
+              <a:t>20/06/2019</a:t>
             </a:fld>
             <a:endParaRPr lang="en-US"/>
           </a:p>
@@ -17448,7 +17266,7 @@
           <p:cNvPr id="5" name="Tijdelijke aanduiding voor voettekst 4">
             <a:extLst>
               <a:ext uri="{FF2B5EF4-FFF2-40B4-BE49-F238E27FC236}">
-                <a16:creationId xmlns:a16="http://schemas.microsoft.com/office/drawing/2014/main" xmlns="" id="{374DD3FE-F242-4F14-8D28-A72154149655}"/>
+                <a16:creationId xmlns:a16="http://schemas.microsoft.com/office/drawing/2014/main" id="{374DD3FE-F242-4F14-8D28-A72154149655}"/>
               </a:ext>
             </a:extLst>
           </p:cNvPr>
@@ -17477,7 +17295,7 @@
           <p:cNvPr id="6" name="Tijdelijke aanduiding voor dianummer 5">
             <a:extLst>
               <a:ext uri="{FF2B5EF4-FFF2-40B4-BE49-F238E27FC236}">
-                <a16:creationId xmlns:a16="http://schemas.microsoft.com/office/drawing/2014/main" xmlns="" id="{E440A423-84A8-46A0-9FF6-629B90E658F2}"/>
+                <a16:creationId xmlns:a16="http://schemas.microsoft.com/office/drawing/2014/main" id="{E440A423-84A8-46A0-9FF6-629B90E658F2}"/>
               </a:ext>
             </a:extLst>
           </p:cNvPr>
@@ -17506,7 +17324,7 @@
           <p:cNvPr id="1026" name="Picture 2" descr="Afbeeldingsresultaat voor mvc">
             <a:extLst>
               <a:ext uri="{FF2B5EF4-FFF2-40B4-BE49-F238E27FC236}">
-                <a16:creationId xmlns:a16="http://schemas.microsoft.com/office/drawing/2014/main" xmlns="" id="{28E8966E-8328-4000-BE83-59F9A1AA609C}"/>
+                <a16:creationId xmlns:a16="http://schemas.microsoft.com/office/drawing/2014/main" id="{28E8966E-8328-4000-BE83-59F9A1AA609C}"/>
               </a:ext>
             </a:extLst>
           </p:cNvPr>
@@ -17570,10 +17388,9 @@
           <a:lstStyle/>
           <a:p>
             <a:r>
-              <a:rPr lang="nl-NL" sz="1050" b="1" dirty="0" smtClean="0"/>
+              <a:rPr lang="nl-NL" sz="1050" b="1" dirty="0"/>
               <a:t>Fig. 7: </a:t>
             </a:r>
-            <a:endParaRPr lang="nl-NL" sz="1050" b="1" dirty="0"/>
           </a:p>
         </p:txBody>
       </p:sp>
@@ -17612,7 +17429,7 @@
           <p:cNvPr id="2" name="Titel 1">
             <a:extLst>
               <a:ext uri="{FF2B5EF4-FFF2-40B4-BE49-F238E27FC236}">
-                <a16:creationId xmlns:a16="http://schemas.microsoft.com/office/drawing/2014/main" xmlns="" id="{37F664BE-7F2C-43FA-A2B6-B2D4ED417DB7}"/>
+                <a16:creationId xmlns:a16="http://schemas.microsoft.com/office/drawing/2014/main" id="{37F664BE-7F2C-43FA-A2B6-B2D4ED417DB7}"/>
               </a:ext>
             </a:extLst>
           </p:cNvPr>
@@ -17655,7 +17472,7 @@
           <p:cNvPr id="3" name="Tijdelijke aanduiding voor inhoud 2">
             <a:extLst>
               <a:ext uri="{FF2B5EF4-FFF2-40B4-BE49-F238E27FC236}">
-                <a16:creationId xmlns:a16="http://schemas.microsoft.com/office/drawing/2014/main" xmlns="" id="{187CD28D-FC19-4E25-BEB7-CC4DEF7B176C}"/>
+                <a16:creationId xmlns:a16="http://schemas.microsoft.com/office/drawing/2014/main" id="{187CD28D-FC19-4E25-BEB7-CC4DEF7B176C}"/>
               </a:ext>
             </a:extLst>
           </p:cNvPr>
@@ -17713,7 +17530,7 @@
           <p:cNvPr id="4" name="Tijdelijke aanduiding voor datum 3">
             <a:extLst>
               <a:ext uri="{FF2B5EF4-FFF2-40B4-BE49-F238E27FC236}">
-                <a16:creationId xmlns:a16="http://schemas.microsoft.com/office/drawing/2014/main" xmlns="" id="{A858DD18-50CF-47E8-B534-9ACE8F11AC45}"/>
+                <a16:creationId xmlns:a16="http://schemas.microsoft.com/office/drawing/2014/main" id="{A858DD18-50CF-47E8-B534-9ACE8F11AC45}"/>
               </a:ext>
             </a:extLst>
           </p:cNvPr>
@@ -17731,7 +17548,7 @@
           <a:p>
             <a:fld id="{36086CE3-90FF-5744-87D8-5D36EE4D91CC}" type="datetime1">
               <a:rPr lang="nl-BE" smtClean="0"/>
-              <a:t>19/06/2019</a:t>
+              <a:t>20/06/2019</a:t>
             </a:fld>
             <a:endParaRPr lang="en-US"/>
           </a:p>
@@ -17742,7 +17559,7 @@
           <p:cNvPr id="5" name="Tijdelijke aanduiding voor voettekst 4">
             <a:extLst>
               <a:ext uri="{FF2B5EF4-FFF2-40B4-BE49-F238E27FC236}">
-                <a16:creationId xmlns:a16="http://schemas.microsoft.com/office/drawing/2014/main" xmlns="" id="{D4838015-9DE4-4054-93B3-F42AB809C51F}"/>
+                <a16:creationId xmlns:a16="http://schemas.microsoft.com/office/drawing/2014/main" id="{D4838015-9DE4-4054-93B3-F42AB809C51F}"/>
               </a:ext>
             </a:extLst>
           </p:cNvPr>
@@ -17771,7 +17588,7 @@
           <p:cNvPr id="6" name="Tijdelijke aanduiding voor dianummer 5">
             <a:extLst>
               <a:ext uri="{FF2B5EF4-FFF2-40B4-BE49-F238E27FC236}">
-                <a16:creationId xmlns:a16="http://schemas.microsoft.com/office/drawing/2014/main" xmlns="" id="{639443E6-D792-4991-B3ED-39A95EA37EAC}"/>
+                <a16:creationId xmlns:a16="http://schemas.microsoft.com/office/drawing/2014/main" id="{639443E6-D792-4991-B3ED-39A95EA37EAC}"/>
               </a:ext>
             </a:extLst>
           </p:cNvPr>
@@ -17800,7 +17617,7 @@
           <p:cNvPr id="7" name="Afbeelding 6">
             <a:extLst>
               <a:ext uri="{FF2B5EF4-FFF2-40B4-BE49-F238E27FC236}">
-                <a16:creationId xmlns:a16="http://schemas.microsoft.com/office/drawing/2014/main" xmlns="" id="{1BEB8F1E-AB91-4EE1-843C-63E5AE64A68D}"/>
+                <a16:creationId xmlns:a16="http://schemas.microsoft.com/office/drawing/2014/main" id="{1BEB8F1E-AB91-4EE1-843C-63E5AE64A68D}"/>
               </a:ext>
             </a:extLst>
           </p:cNvPr>
@@ -17830,7 +17647,7 @@
           <p:cNvPr id="8" name="Ovaal 7">
             <a:extLst>
               <a:ext uri="{FF2B5EF4-FFF2-40B4-BE49-F238E27FC236}">
-                <a16:creationId xmlns:a16="http://schemas.microsoft.com/office/drawing/2014/main" xmlns="" id="{C4AD257B-88D7-4B15-A7BB-8142235E469A}"/>
+                <a16:creationId xmlns:a16="http://schemas.microsoft.com/office/drawing/2014/main" id="{C4AD257B-88D7-4B15-A7BB-8142235E469A}"/>
               </a:ext>
             </a:extLst>
           </p:cNvPr>
@@ -17898,13 +17715,8 @@
           <a:p>
             <a:r>
               <a:rPr lang="nl-NL" sz="1050" b="1" dirty="0"/>
-              <a:t>Fig. </a:t>
-            </a:r>
-            <a:r>
-              <a:rPr lang="nl-NL" sz="1050" b="1" dirty="0" smtClean="0"/>
-              <a:t>8:</a:t>
-            </a:r>
-            <a:endParaRPr lang="nl-NL" sz="1050" b="1" dirty="0"/>
+              <a:t>Fig. 8:</a:t>
+            </a:r>
           </a:p>
         </p:txBody>
       </p:sp>
@@ -17943,7 +17755,7 @@
           <p:cNvPr id="2" name="Titel 1">
             <a:extLst>
               <a:ext uri="{FF2B5EF4-FFF2-40B4-BE49-F238E27FC236}">
-                <a16:creationId xmlns:a16="http://schemas.microsoft.com/office/drawing/2014/main" xmlns="" id="{8DA9CB4F-7B99-42EF-921D-8AD590BA748C}"/>
+                <a16:creationId xmlns:a16="http://schemas.microsoft.com/office/drawing/2014/main" id="{8DA9CB4F-7B99-42EF-921D-8AD590BA748C}"/>
               </a:ext>
             </a:extLst>
           </p:cNvPr>
@@ -17976,7 +17788,7 @@
           <p:cNvPr id="3" name="Tijdelijke aanduiding voor inhoud 2">
             <a:extLst>
               <a:ext uri="{FF2B5EF4-FFF2-40B4-BE49-F238E27FC236}">
-                <a16:creationId xmlns:a16="http://schemas.microsoft.com/office/drawing/2014/main" xmlns="" id="{ABD6616E-12BB-4FB4-A3C9-10ECB2F0781F}"/>
+                <a16:creationId xmlns:a16="http://schemas.microsoft.com/office/drawing/2014/main" id="{ABD6616E-12BB-4FB4-A3C9-10ECB2F0781F}"/>
               </a:ext>
             </a:extLst>
           </p:cNvPr>
@@ -18038,7 +17850,7 @@
           <p:cNvPr id="4" name="Tijdelijke aanduiding voor datum 3">
             <a:extLst>
               <a:ext uri="{FF2B5EF4-FFF2-40B4-BE49-F238E27FC236}">
-                <a16:creationId xmlns:a16="http://schemas.microsoft.com/office/drawing/2014/main" xmlns="" id="{0DBF245B-71B4-4427-909F-8ACCAD468A7E}"/>
+                <a16:creationId xmlns:a16="http://schemas.microsoft.com/office/drawing/2014/main" id="{0DBF245B-71B4-4427-909F-8ACCAD468A7E}"/>
               </a:ext>
             </a:extLst>
           </p:cNvPr>
@@ -18056,7 +17868,7 @@
           <a:p>
             <a:fld id="{36086CE3-90FF-5744-87D8-5D36EE4D91CC}" type="datetime1">
               <a:rPr lang="nl-BE" smtClean="0"/>
-              <a:t>19/06/2019</a:t>
+              <a:t>20/06/2019</a:t>
             </a:fld>
             <a:endParaRPr lang="en-US"/>
           </a:p>
@@ -18067,7 +17879,7 @@
           <p:cNvPr id="5" name="Tijdelijke aanduiding voor voettekst 4">
             <a:extLst>
               <a:ext uri="{FF2B5EF4-FFF2-40B4-BE49-F238E27FC236}">
-                <a16:creationId xmlns:a16="http://schemas.microsoft.com/office/drawing/2014/main" xmlns="" id="{7536DBF2-4D37-473B-BAAC-B08D331CF7BA}"/>
+                <a16:creationId xmlns:a16="http://schemas.microsoft.com/office/drawing/2014/main" id="{7536DBF2-4D37-473B-BAAC-B08D331CF7BA}"/>
               </a:ext>
             </a:extLst>
           </p:cNvPr>
@@ -18096,7 +17908,7 @@
           <p:cNvPr id="6" name="Tijdelijke aanduiding voor dianummer 5">
             <a:extLst>
               <a:ext uri="{FF2B5EF4-FFF2-40B4-BE49-F238E27FC236}">
-                <a16:creationId xmlns:a16="http://schemas.microsoft.com/office/drawing/2014/main" xmlns="" id="{F3718890-01E5-4DE8-BD5E-C529C4FF09AF}"/>
+                <a16:creationId xmlns:a16="http://schemas.microsoft.com/office/drawing/2014/main" id="{F3718890-01E5-4DE8-BD5E-C529C4FF09AF}"/>
               </a:ext>
             </a:extLst>
           </p:cNvPr>
@@ -18155,7 +17967,7 @@
           <p:cNvPr id="2" name="Titel 1">
             <a:extLst>
               <a:ext uri="{FF2B5EF4-FFF2-40B4-BE49-F238E27FC236}">
-                <a16:creationId xmlns:a16="http://schemas.microsoft.com/office/drawing/2014/main" xmlns="" id="{AA1B6576-783D-4C4C-BDEB-8318873C167D}"/>
+                <a16:creationId xmlns:a16="http://schemas.microsoft.com/office/drawing/2014/main" id="{AA1B6576-783D-4C4C-BDEB-8318873C167D}"/>
               </a:ext>
             </a:extLst>
           </p:cNvPr>
@@ -18172,7 +17984,7 @@
           <a:lstStyle/>
           <a:p>
             <a:r>
-              <a:rPr lang="en-GB" dirty="0" err="1" smtClean="0"/>
+              <a:rPr lang="en-GB" dirty="0" err="1"/>
               <a:t>Databanktype</a:t>
             </a:r>
             <a:endParaRPr lang="x-none" dirty="0"/>
@@ -18184,7 +17996,7 @@
           <p:cNvPr id="3" name="Tijdelijke aanduiding voor inhoud 2">
             <a:extLst>
               <a:ext uri="{FF2B5EF4-FFF2-40B4-BE49-F238E27FC236}">
-                <a16:creationId xmlns:a16="http://schemas.microsoft.com/office/drawing/2014/main" xmlns="" id="{2F4B9D97-CDE4-433E-AC75-96737999E2B9}"/>
+                <a16:creationId xmlns:a16="http://schemas.microsoft.com/office/drawing/2014/main" id="{2F4B9D97-CDE4-433E-AC75-96737999E2B9}"/>
               </a:ext>
             </a:extLst>
           </p:cNvPr>
@@ -18298,7 +18110,7 @@
           <p:cNvPr id="4" name="Tijdelijke aanduiding voor datum 3">
             <a:extLst>
               <a:ext uri="{FF2B5EF4-FFF2-40B4-BE49-F238E27FC236}">
-                <a16:creationId xmlns:a16="http://schemas.microsoft.com/office/drawing/2014/main" xmlns="" id="{139CD11D-DE1F-43FF-8403-EEBC30F71348}"/>
+                <a16:creationId xmlns:a16="http://schemas.microsoft.com/office/drawing/2014/main" id="{139CD11D-DE1F-43FF-8403-EEBC30F71348}"/>
               </a:ext>
             </a:extLst>
           </p:cNvPr>
@@ -18316,7 +18128,7 @@
           <a:p>
             <a:fld id="{36086CE3-90FF-5744-87D8-5D36EE4D91CC}" type="datetime1">
               <a:rPr lang="x-none" smtClean="0"/>
-              <a:t>19-6-2019</a:t>
+              <a:t>20/06/2019</a:t>
             </a:fld>
             <a:endParaRPr lang="en-US"/>
           </a:p>
@@ -18327,7 +18139,7 @@
           <p:cNvPr id="5" name="Tijdelijke aanduiding voor voettekst 4">
             <a:extLst>
               <a:ext uri="{FF2B5EF4-FFF2-40B4-BE49-F238E27FC236}">
-                <a16:creationId xmlns:a16="http://schemas.microsoft.com/office/drawing/2014/main" xmlns="" id="{1B05946A-F795-41F8-8049-E610D719501B}"/>
+                <a16:creationId xmlns:a16="http://schemas.microsoft.com/office/drawing/2014/main" id="{1B05946A-F795-41F8-8049-E610D719501B}"/>
               </a:ext>
             </a:extLst>
           </p:cNvPr>
@@ -18356,7 +18168,7 @@
           <p:cNvPr id="6" name="Tijdelijke aanduiding voor dianummer 5">
             <a:extLst>
               <a:ext uri="{FF2B5EF4-FFF2-40B4-BE49-F238E27FC236}">
-                <a16:creationId xmlns:a16="http://schemas.microsoft.com/office/drawing/2014/main" xmlns="" id="{779932FE-2DFF-43D5-9586-4B57E35F22B0}"/>
+                <a16:creationId xmlns:a16="http://schemas.microsoft.com/office/drawing/2014/main" id="{779932FE-2DFF-43D5-9586-4B57E35F22B0}"/>
               </a:ext>
             </a:extLst>
           </p:cNvPr>
@@ -18415,7 +18227,7 @@
           <p:cNvPr id="20" name="Afbeelding 19">
             <a:extLst>
               <a:ext uri="{FF2B5EF4-FFF2-40B4-BE49-F238E27FC236}">
-                <a16:creationId xmlns:a16="http://schemas.microsoft.com/office/drawing/2014/main" xmlns="" id="{C18CA970-290A-44FC-9EAB-D0888DF29446}"/>
+                <a16:creationId xmlns:a16="http://schemas.microsoft.com/office/drawing/2014/main" id="{C18CA970-290A-44FC-9EAB-D0888DF29446}"/>
               </a:ext>
             </a:extLst>
           </p:cNvPr>
@@ -18456,12 +18268,8 @@
           <a:lstStyle/>
           <a:p>
             <a:r>
-              <a:rPr lang="nl-NL" dirty="0" smtClean="0"/>
-              <a:t> </a:t>
-            </a:r>
-            <a:r>
               <a:rPr lang="nl-NL" dirty="0"/>
-              <a:t>Databankmodel</a:t>
+              <a:t> Databankmodel</a:t>
             </a:r>
           </a:p>
         </p:txBody>
@@ -18484,7 +18292,7 @@
             <a:fld id="{36086CE3-90FF-5744-87D8-5D36EE4D91CC}" type="datetime1">
               <a:rPr lang="x-none"/>
               <a:pPr/>
-              <a:t>19-6-2019</a:t>
+              <a:t>20/06/2019</a:t>
             </a:fld>
             <a:endParaRPr lang="nl-NL" dirty="0"/>
           </a:p>
@@ -18541,7 +18349,7 @@
           <p:cNvPr id="15" name="Ovaal 14">
             <a:extLst>
               <a:ext uri="{FF2B5EF4-FFF2-40B4-BE49-F238E27FC236}">
-                <a16:creationId xmlns:a16="http://schemas.microsoft.com/office/drawing/2014/main" xmlns="" id="{C4DB2DC7-E5B6-42CD-8046-FAE61D66D232}"/>
+                <a16:creationId xmlns:a16="http://schemas.microsoft.com/office/drawing/2014/main" id="{C4DB2DC7-E5B6-42CD-8046-FAE61D66D232}"/>
               </a:ext>
             </a:extLst>
           </p:cNvPr>
@@ -18591,7 +18399,7 @@
           <p:cNvPr id="16" name="Ovaal 15">
             <a:extLst>
               <a:ext uri="{FF2B5EF4-FFF2-40B4-BE49-F238E27FC236}">
-                <a16:creationId xmlns:a16="http://schemas.microsoft.com/office/drawing/2014/main" xmlns="" id="{D3EF9A44-ED2A-474E-BAA5-438A598FC5A6}"/>
+                <a16:creationId xmlns:a16="http://schemas.microsoft.com/office/drawing/2014/main" id="{D3EF9A44-ED2A-474E-BAA5-438A598FC5A6}"/>
               </a:ext>
             </a:extLst>
           </p:cNvPr>
@@ -18641,7 +18449,7 @@
           <p:cNvPr id="21" name="Ovaal 20">
             <a:extLst>
               <a:ext uri="{FF2B5EF4-FFF2-40B4-BE49-F238E27FC236}">
-                <a16:creationId xmlns:a16="http://schemas.microsoft.com/office/drawing/2014/main" xmlns="" id="{2E22BC96-FC24-48B0-96C6-DB3FEAD6A537}"/>
+                <a16:creationId xmlns:a16="http://schemas.microsoft.com/office/drawing/2014/main" id="{2E22BC96-FC24-48B0-96C6-DB3FEAD6A537}"/>
               </a:ext>
             </a:extLst>
           </p:cNvPr>
@@ -18709,15 +18517,7 @@
           <a:p>
             <a:r>
               <a:rPr lang="nl-NL" sz="1050" b="1" dirty="0"/>
-              <a:t>Fig. </a:t>
-            </a:r>
-            <a:r>
-              <a:rPr lang="nl-NL" sz="1050" b="1" dirty="0" smtClean="0"/>
-              <a:t>9:</a:t>
-            </a:r>
-            <a:r>
-              <a:rPr lang="nl-NL" sz="1050" b="1" dirty="0"/>
-              <a:t>Representatie databankmodel</a:t>
+              <a:t>Fig. 9:Representatie databankmodel</a:t>
             </a:r>
           </a:p>
           <a:p>
@@ -18912,7 +18712,7 @@
           <p:cNvPr id="2" name="Titel 1">
             <a:extLst>
               <a:ext uri="{FF2B5EF4-FFF2-40B4-BE49-F238E27FC236}">
-                <a16:creationId xmlns:a16="http://schemas.microsoft.com/office/drawing/2014/main" xmlns="" id="{C27E0325-7AE9-4F7C-A267-CADCB667E89A}"/>
+                <a16:creationId xmlns:a16="http://schemas.microsoft.com/office/drawing/2014/main" id="{C27E0325-7AE9-4F7C-A267-CADCB667E89A}"/>
               </a:ext>
             </a:extLst>
           </p:cNvPr>
@@ -18929,12 +18729,8 @@
           <a:lstStyle/>
           <a:p>
             <a:r>
-              <a:rPr lang="en-GB" dirty="0" smtClean="0"/>
-              <a:t>Migrations </a:t>
-            </a:r>
-            <a:r>
               <a:rPr lang="en-GB" dirty="0"/>
-              <a:t>&amp; </a:t>
+              <a:t>Migrations &amp; </a:t>
             </a:r>
             <a:r>
               <a:rPr lang="en-GB" dirty="0" err="1"/>
@@ -18949,7 +18745,7 @@
           <p:cNvPr id="3" name="Tijdelijke aanduiding voor inhoud 2">
             <a:extLst>
               <a:ext uri="{FF2B5EF4-FFF2-40B4-BE49-F238E27FC236}">
-                <a16:creationId xmlns:a16="http://schemas.microsoft.com/office/drawing/2014/main" xmlns="" id="{BD8B50AA-022B-4162-B2E6-9F27C8DB7BFC}"/>
+                <a16:creationId xmlns:a16="http://schemas.microsoft.com/office/drawing/2014/main" id="{BD8B50AA-022B-4162-B2E6-9F27C8DB7BFC}"/>
               </a:ext>
             </a:extLst>
           </p:cNvPr>
@@ -18993,7 +18789,7 @@
           <p:cNvPr id="4" name="Tijdelijke aanduiding voor datum 3">
             <a:extLst>
               <a:ext uri="{FF2B5EF4-FFF2-40B4-BE49-F238E27FC236}">
-                <a16:creationId xmlns:a16="http://schemas.microsoft.com/office/drawing/2014/main" xmlns="" id="{65193F21-C702-4D1C-9D67-845E8B1B85CE}"/>
+                <a16:creationId xmlns:a16="http://schemas.microsoft.com/office/drawing/2014/main" id="{65193F21-C702-4D1C-9D67-845E8B1B85CE}"/>
               </a:ext>
             </a:extLst>
           </p:cNvPr>
@@ -19011,7 +18807,7 @@
           <a:p>
             <a:fld id="{36086CE3-90FF-5744-87D8-5D36EE4D91CC}" type="datetime1">
               <a:rPr lang="x-none" smtClean="0"/>
-              <a:t>19-6-2019</a:t>
+              <a:t>20/06/2019</a:t>
             </a:fld>
             <a:endParaRPr lang="en-US"/>
           </a:p>
@@ -19022,7 +18818,7 @@
           <p:cNvPr id="5" name="Tijdelijke aanduiding voor voettekst 4">
             <a:extLst>
               <a:ext uri="{FF2B5EF4-FFF2-40B4-BE49-F238E27FC236}">
-                <a16:creationId xmlns:a16="http://schemas.microsoft.com/office/drawing/2014/main" xmlns="" id="{6768CA2C-7C5E-43E0-BA74-B6D52230E262}"/>
+                <a16:creationId xmlns:a16="http://schemas.microsoft.com/office/drawing/2014/main" id="{6768CA2C-7C5E-43E0-BA74-B6D52230E262}"/>
               </a:ext>
             </a:extLst>
           </p:cNvPr>
@@ -19051,7 +18847,7 @@
           <p:cNvPr id="6" name="Tijdelijke aanduiding voor dianummer 5">
             <a:extLst>
               <a:ext uri="{FF2B5EF4-FFF2-40B4-BE49-F238E27FC236}">
-                <a16:creationId xmlns:a16="http://schemas.microsoft.com/office/drawing/2014/main" xmlns="" id="{0728068E-EDBC-4173-B2A6-E0A57A62276D}"/>
+                <a16:creationId xmlns:a16="http://schemas.microsoft.com/office/drawing/2014/main" id="{0728068E-EDBC-4173-B2A6-E0A57A62276D}"/>
               </a:ext>
             </a:extLst>
           </p:cNvPr>
@@ -19080,7 +18876,7 @@
           <p:cNvPr id="7" name="Afbeelding 6">
             <a:extLst>
               <a:ext uri="{FF2B5EF4-FFF2-40B4-BE49-F238E27FC236}">
-                <a16:creationId xmlns:a16="http://schemas.microsoft.com/office/drawing/2014/main" xmlns="" id="{5CA02B82-39B1-46D2-8744-E40CD5E6FD46}"/>
+                <a16:creationId xmlns:a16="http://schemas.microsoft.com/office/drawing/2014/main" id="{5CA02B82-39B1-46D2-8744-E40CD5E6FD46}"/>
               </a:ext>
             </a:extLst>
           </p:cNvPr>
@@ -19110,7 +18906,7 @@
           <p:cNvPr id="8" name="Afbeelding 7">
             <a:extLst>
               <a:ext uri="{FF2B5EF4-FFF2-40B4-BE49-F238E27FC236}">
-                <a16:creationId xmlns:a16="http://schemas.microsoft.com/office/drawing/2014/main" xmlns="" id="{7155B5B9-DB47-4979-AE44-7326871BE73C}"/>
+                <a16:creationId xmlns:a16="http://schemas.microsoft.com/office/drawing/2014/main" id="{7155B5B9-DB47-4979-AE44-7326871BE73C}"/>
               </a:ext>
             </a:extLst>
           </p:cNvPr>
@@ -19157,13 +18953,8 @@
           <a:p>
             <a:r>
               <a:rPr lang="nl-NL" sz="1050" b="1" dirty="0"/>
-              <a:t>Fig. </a:t>
-            </a:r>
-            <a:r>
-              <a:rPr lang="nl-NL" sz="1050" b="1" dirty="0" smtClean="0"/>
-              <a:t>10:</a:t>
-            </a:r>
-            <a:endParaRPr lang="nl-NL" sz="1050" b="1" dirty="0"/>
+              <a:t>Fig. 10:</a:t>
+            </a:r>
           </a:p>
         </p:txBody>
       </p:sp>
@@ -19322,7 +19113,7 @@
           <p:cNvPr id="2" name="Titel 1">
             <a:extLst>
               <a:ext uri="{FF2B5EF4-FFF2-40B4-BE49-F238E27FC236}">
-                <a16:creationId xmlns:a16="http://schemas.microsoft.com/office/drawing/2014/main" xmlns="" id="{F5610F4B-500D-4517-8FBA-48DC95D98A0A}"/>
+                <a16:creationId xmlns:a16="http://schemas.microsoft.com/office/drawing/2014/main" id="{F5610F4B-500D-4517-8FBA-48DC95D98A0A}"/>
               </a:ext>
             </a:extLst>
           </p:cNvPr>
@@ -19339,11 +19130,11 @@
           <a:lstStyle/>
           <a:p>
             <a:r>
-              <a:rPr lang="en-GB" dirty="0" err="1" smtClean="0"/>
+              <a:rPr lang="en-GB" dirty="0" err="1"/>
               <a:t>Eloquente</a:t>
             </a:r>
             <a:r>
-              <a:rPr lang="en-GB" dirty="0" smtClean="0"/>
+              <a:rPr lang="en-GB" dirty="0"/>
               <a:t> </a:t>
             </a:r>
             <a:r>
@@ -19359,7 +19150,7 @@
           <p:cNvPr id="3" name="Tijdelijke aanduiding voor inhoud 2">
             <a:extLst>
               <a:ext uri="{FF2B5EF4-FFF2-40B4-BE49-F238E27FC236}">
-                <a16:creationId xmlns:a16="http://schemas.microsoft.com/office/drawing/2014/main" xmlns="" id="{4EDA32D7-BE3E-4074-8BBF-7A2FA8446527}"/>
+                <a16:creationId xmlns:a16="http://schemas.microsoft.com/office/drawing/2014/main" id="{4EDA32D7-BE3E-4074-8BBF-7A2FA8446527}"/>
               </a:ext>
             </a:extLst>
           </p:cNvPr>
@@ -19418,7 +19209,7 @@
           <p:cNvPr id="4" name="Tijdelijke aanduiding voor datum 3">
             <a:extLst>
               <a:ext uri="{FF2B5EF4-FFF2-40B4-BE49-F238E27FC236}">
-                <a16:creationId xmlns:a16="http://schemas.microsoft.com/office/drawing/2014/main" xmlns="" id="{E79D7ED7-D036-4E7D-8F03-98C306F06F6E}"/>
+                <a16:creationId xmlns:a16="http://schemas.microsoft.com/office/drawing/2014/main" id="{E79D7ED7-D036-4E7D-8F03-98C306F06F6E}"/>
               </a:ext>
             </a:extLst>
           </p:cNvPr>
@@ -19436,7 +19227,7 @@
           <a:p>
             <a:fld id="{36086CE3-90FF-5744-87D8-5D36EE4D91CC}" type="datetime1">
               <a:rPr lang="x-none" smtClean="0"/>
-              <a:t>19-6-2019</a:t>
+              <a:t>20/06/2019</a:t>
             </a:fld>
             <a:endParaRPr lang="en-US"/>
           </a:p>
@@ -19447,7 +19238,7 @@
           <p:cNvPr id="5" name="Tijdelijke aanduiding voor voettekst 4">
             <a:extLst>
               <a:ext uri="{FF2B5EF4-FFF2-40B4-BE49-F238E27FC236}">
-                <a16:creationId xmlns:a16="http://schemas.microsoft.com/office/drawing/2014/main" xmlns="" id="{E8BD060F-647B-402A-8D23-AD9D753D873C}"/>
+                <a16:creationId xmlns:a16="http://schemas.microsoft.com/office/drawing/2014/main" id="{E8BD060F-647B-402A-8D23-AD9D753D873C}"/>
               </a:ext>
             </a:extLst>
           </p:cNvPr>
@@ -19476,7 +19267,7 @@
           <p:cNvPr id="6" name="Tijdelijke aanduiding voor dianummer 5">
             <a:extLst>
               <a:ext uri="{FF2B5EF4-FFF2-40B4-BE49-F238E27FC236}">
-                <a16:creationId xmlns:a16="http://schemas.microsoft.com/office/drawing/2014/main" xmlns="" id="{FA6D514E-4922-4703-BE84-8713AF8D66B5}"/>
+                <a16:creationId xmlns:a16="http://schemas.microsoft.com/office/drawing/2014/main" id="{FA6D514E-4922-4703-BE84-8713AF8D66B5}"/>
               </a:ext>
             </a:extLst>
           </p:cNvPr>
@@ -19505,7 +19296,7 @@
           <p:cNvPr id="7" name="Afbeelding 6">
             <a:extLst>
               <a:ext uri="{FF2B5EF4-FFF2-40B4-BE49-F238E27FC236}">
-                <a16:creationId xmlns:a16="http://schemas.microsoft.com/office/drawing/2014/main" xmlns="" id="{913EF546-9083-40B5-B57D-AC5D27AB483C}"/>
+                <a16:creationId xmlns:a16="http://schemas.microsoft.com/office/drawing/2014/main" id="{913EF546-9083-40B5-B57D-AC5D27AB483C}"/>
               </a:ext>
             </a:extLst>
           </p:cNvPr>
@@ -19553,13 +19344,8 @@
           <a:p>
             <a:r>
               <a:rPr lang="nl-NL" sz="1050" b="1" dirty="0"/>
-              <a:t>Fig. </a:t>
-            </a:r>
-            <a:r>
-              <a:rPr lang="nl-NL" sz="1050" b="1" dirty="0" smtClean="0"/>
-              <a:t>11:</a:t>
-            </a:r>
-            <a:endParaRPr lang="nl-NL" sz="1050" b="1" dirty="0"/>
+              <a:t>Fig. 11:</a:t>
+            </a:r>
           </a:p>
           <a:p>
             <a:endParaRPr lang="nl-NL" sz="1050" b="1" dirty="0"/>
@@ -19618,15 +19404,7 @@
           <a:p>
             <a:r>
               <a:rPr lang="en-US" dirty="0"/>
-              <a:t>4</a:t>
-            </a:r>
-            <a:r>
-              <a:rPr lang="en-US" dirty="0" smtClean="0"/>
-              <a:t>. </a:t>
-            </a:r>
-            <a:r>
-              <a:rPr lang="en-US" dirty="0"/>
-              <a:t>Frontend</a:t>
+              <a:t>4. Frontend</a:t>
             </a:r>
           </a:p>
         </p:txBody>
@@ -19675,7 +19453,7 @@
           <a:p>
             <a:fld id="{DB4E9D77-C996-DF40-82BF-4D0EB0C0014F}" type="datetime1">
               <a:rPr lang="nl-NL"/>
-              <a:t>19-6-2019</a:t>
+              <a:t>20-6-2019</a:t>
             </a:fld>
             <a:endParaRPr lang="en-US"/>
           </a:p>
@@ -19931,7 +19709,7 @@
           <p:cNvPr id="2" name="Titel 1">
             <a:extLst>
               <a:ext uri="{FF2B5EF4-FFF2-40B4-BE49-F238E27FC236}">
-                <a16:creationId xmlns:a16="http://schemas.microsoft.com/office/drawing/2014/main" xmlns="" id="{708A4B46-AF8E-496D-919E-08159839DB5A}"/>
+                <a16:creationId xmlns:a16="http://schemas.microsoft.com/office/drawing/2014/main" id="{708A4B46-AF8E-496D-919E-08159839DB5A}"/>
               </a:ext>
             </a:extLst>
           </p:cNvPr>
@@ -19960,7 +19738,7 @@
           <p:cNvPr id="8" name="Tijdelijke aanduiding voor inhoud 7" descr="Afbeelding met tekst&#10;&#10;Automatisch gegenereerde beschrijving">
             <a:extLst>
               <a:ext uri="{FF2B5EF4-FFF2-40B4-BE49-F238E27FC236}">
-                <a16:creationId xmlns:a16="http://schemas.microsoft.com/office/drawing/2014/main" xmlns="" id="{B6C79514-27AD-4AAD-9443-6BE86CD4D059}"/>
+                <a16:creationId xmlns:a16="http://schemas.microsoft.com/office/drawing/2014/main" id="{B6C79514-27AD-4AAD-9443-6BE86CD4D059}"/>
               </a:ext>
             </a:extLst>
           </p:cNvPr>
@@ -19989,7 +19767,7 @@
           <p:cNvPr id="4" name="Tijdelijke aanduiding voor datum 3">
             <a:extLst>
               <a:ext uri="{FF2B5EF4-FFF2-40B4-BE49-F238E27FC236}">
-                <a16:creationId xmlns:a16="http://schemas.microsoft.com/office/drawing/2014/main" xmlns="" id="{3119DBD2-003A-4BEB-BBF8-5B71A56355A9}"/>
+                <a16:creationId xmlns:a16="http://schemas.microsoft.com/office/drawing/2014/main" id="{3119DBD2-003A-4BEB-BBF8-5B71A56355A9}"/>
               </a:ext>
             </a:extLst>
           </p:cNvPr>
@@ -20007,7 +19785,7 @@
           <a:p>
             <a:fld id="{36086CE3-90FF-5744-87D8-5D36EE4D91CC}" type="datetime1">
               <a:rPr lang="nl-NL" smtClean="0"/>
-              <a:t>19-6-2019</a:t>
+              <a:t>20-6-2019</a:t>
             </a:fld>
             <a:endParaRPr lang="en-US"/>
           </a:p>
@@ -20018,7 +19796,7 @@
           <p:cNvPr id="5" name="Tijdelijke aanduiding voor voettekst 4">
             <a:extLst>
               <a:ext uri="{FF2B5EF4-FFF2-40B4-BE49-F238E27FC236}">
-                <a16:creationId xmlns:a16="http://schemas.microsoft.com/office/drawing/2014/main" xmlns="" id="{5A61ABE5-658B-4B52-9006-DF00CD6B67D1}"/>
+                <a16:creationId xmlns:a16="http://schemas.microsoft.com/office/drawing/2014/main" id="{5A61ABE5-658B-4B52-9006-DF00CD6B67D1}"/>
               </a:ext>
             </a:extLst>
           </p:cNvPr>
@@ -20047,7 +19825,7 @@
           <p:cNvPr id="6" name="Tijdelijke aanduiding voor dianummer 5">
             <a:extLst>
               <a:ext uri="{FF2B5EF4-FFF2-40B4-BE49-F238E27FC236}">
-                <a16:creationId xmlns:a16="http://schemas.microsoft.com/office/drawing/2014/main" xmlns="" id="{9862FE33-A8B4-44CE-B669-EA116B5396CC}"/>
+                <a16:creationId xmlns:a16="http://schemas.microsoft.com/office/drawing/2014/main" id="{9862FE33-A8B4-44CE-B669-EA116B5396CC}"/>
               </a:ext>
             </a:extLst>
           </p:cNvPr>
@@ -20094,13 +19872,8 @@
           <a:p>
             <a:r>
               <a:rPr lang="nl-NL" sz="1050" b="1" dirty="0"/>
-              <a:t>Fig. </a:t>
-            </a:r>
-            <a:r>
-              <a:rPr lang="nl-NL" sz="1050" b="1" dirty="0" smtClean="0"/>
-              <a:t>12:BootstrapVue</a:t>
-            </a:r>
-            <a:endParaRPr lang="nl-NL" sz="1050" b="1" dirty="0"/>
+              <a:t>Fig. 12:BootstrapVue</a:t>
+            </a:r>
           </a:p>
           <a:p>
             <a:endParaRPr lang="nl-NL" sz="1050" b="1" dirty="0"/>
@@ -20159,13 +19932,8 @@
           <a:p>
             <a:r>
               <a:rPr lang="en-US" dirty="0"/>
-              <a:t>5</a:t>
-            </a:r>
-            <a:r>
-              <a:rPr lang="en-US" dirty="0" smtClean="0"/>
-              <a:t>.Demo</a:t>
-            </a:r>
-            <a:endParaRPr lang="en-US" dirty="0"/>
+              <a:t>5.Demo</a:t>
+            </a:r>
           </a:p>
         </p:txBody>
       </p:sp>
@@ -20213,7 +19981,7 @@
           <a:p>
             <a:fld id="{DB4E9D77-C996-DF40-82BF-4D0EB0C0014F}" type="datetime1">
               <a:rPr lang="nl-NL"/>
-              <a:t>19-6-2019</a:t>
+              <a:t>20-6-2019</a:t>
             </a:fld>
             <a:endParaRPr lang="en-US"/>
           </a:p>
@@ -20503,7 +20271,7 @@
           <a:lstStyle/>
           <a:p>
             <a:fld id="{DB4E9D77-C996-DF40-82BF-4D0EB0C0014F}" type="datetime1">
-              <a:t>19-6-2019</a:t>
+              <a:t>20/06/2019</a:t>
             </a:fld>
             <a:endParaRPr lang="en-US" dirty="0"/>
           </a:p>
@@ -20560,7 +20328,7 @@
           <p:cNvPr id="11" name="Parallelogram 2">
             <a:extLst>
               <a:ext uri="{FF2B5EF4-FFF2-40B4-BE49-F238E27FC236}">
-                <a16:creationId xmlns:a16="http://schemas.microsoft.com/office/drawing/2014/main" xmlns="" id="{5ADA7FB9-7CF6-41EA-9FD2-29D2584F3ACE}"/>
+                <a16:creationId xmlns:a16="http://schemas.microsoft.com/office/drawing/2014/main" id="{5ADA7FB9-7CF6-41EA-9FD2-29D2584F3ACE}"/>
               </a:ext>
             </a:extLst>
           </p:cNvPr>
@@ -20636,7 +20404,7 @@
           <p:cNvPr id="12" name="Parallelogram 33">
             <a:extLst>
               <a:ext uri="{FF2B5EF4-FFF2-40B4-BE49-F238E27FC236}">
-                <a16:creationId xmlns:a16="http://schemas.microsoft.com/office/drawing/2014/main" xmlns="" id="{E99177C3-C52B-454D-9B57-9A4C41216AAD}"/>
+                <a16:creationId xmlns:a16="http://schemas.microsoft.com/office/drawing/2014/main" id="{E99177C3-C52B-454D-9B57-9A4C41216AAD}"/>
               </a:ext>
             </a:extLst>
           </p:cNvPr>
@@ -20712,7 +20480,7 @@
           <p:cNvPr id="13" name="Parallelogram 34">
             <a:extLst>
               <a:ext uri="{FF2B5EF4-FFF2-40B4-BE49-F238E27FC236}">
-                <a16:creationId xmlns:a16="http://schemas.microsoft.com/office/drawing/2014/main" xmlns="" id="{7D24D740-C9E8-45B8-AD80-7A318435A5C0}"/>
+                <a16:creationId xmlns:a16="http://schemas.microsoft.com/office/drawing/2014/main" id="{7D24D740-C9E8-45B8-AD80-7A318435A5C0}"/>
               </a:ext>
             </a:extLst>
           </p:cNvPr>
@@ -20788,7 +20556,7 @@
           <p:cNvPr id="14" name="Group 4">
             <a:extLst>
               <a:ext uri="{FF2B5EF4-FFF2-40B4-BE49-F238E27FC236}">
-                <a16:creationId xmlns:a16="http://schemas.microsoft.com/office/drawing/2014/main" xmlns="" id="{53FB7AFE-9F2B-477F-9E77-C4DC23A50E18}"/>
+                <a16:creationId xmlns:a16="http://schemas.microsoft.com/office/drawing/2014/main" id="{53FB7AFE-9F2B-477F-9E77-C4DC23A50E18}"/>
               </a:ext>
             </a:extLst>
           </p:cNvPr>
@@ -20808,7 +20576,7 @@
             <p:cNvPr id="15" name="TextBox 41">
               <a:extLst>
                 <a:ext uri="{FF2B5EF4-FFF2-40B4-BE49-F238E27FC236}">
-                  <a16:creationId xmlns:a16="http://schemas.microsoft.com/office/drawing/2014/main" xmlns="" id="{0D70D3AA-F6FB-4207-921F-56F722ED74A3}"/>
+                  <a16:creationId xmlns:a16="http://schemas.microsoft.com/office/drawing/2014/main" id="{0D70D3AA-F6FB-4207-921F-56F722ED74A3}"/>
                 </a:ext>
               </a:extLst>
             </p:cNvPr>
@@ -20832,7 +20600,7 @@
             <a:lstStyle/>
             <a:p>
               <a:r>
-                <a:rPr lang="en-US" sz="2000" b="1" dirty="0" err="1" smtClean="0"/>
+                <a:rPr lang="en-US" sz="2000" b="1" dirty="0" err="1"/>
                 <a:t>Introductie</a:t>
               </a:r>
               <a:endParaRPr lang="en-US" sz="2000" b="1" dirty="0"/>
@@ -20844,7 +20612,7 @@
             <p:cNvPr id="16" name="TextBox 72">
               <a:extLst>
                 <a:ext uri="{FF2B5EF4-FFF2-40B4-BE49-F238E27FC236}">
-                  <a16:creationId xmlns:a16="http://schemas.microsoft.com/office/drawing/2014/main" xmlns="" id="{2FCC34DD-AAE7-4321-9ADE-519677B80DEB}"/>
+                  <a16:creationId xmlns:a16="http://schemas.microsoft.com/office/drawing/2014/main" id="{2FCC34DD-AAE7-4321-9ADE-519677B80DEB}"/>
                 </a:ext>
               </a:extLst>
             </p:cNvPr>
@@ -20885,7 +20653,7 @@
           <p:cNvPr id="17" name="Group 79">
             <a:extLst>
               <a:ext uri="{FF2B5EF4-FFF2-40B4-BE49-F238E27FC236}">
-                <a16:creationId xmlns:a16="http://schemas.microsoft.com/office/drawing/2014/main" xmlns="" id="{6C49EAE8-5336-48F2-98F3-8B3333775AA5}"/>
+                <a16:creationId xmlns:a16="http://schemas.microsoft.com/office/drawing/2014/main" id="{6C49EAE8-5336-48F2-98F3-8B3333775AA5}"/>
               </a:ext>
             </a:extLst>
           </p:cNvPr>
@@ -20905,7 +20673,7 @@
             <p:cNvPr id="18" name="TextBox 80">
               <a:extLst>
                 <a:ext uri="{FF2B5EF4-FFF2-40B4-BE49-F238E27FC236}">
-                  <a16:creationId xmlns:a16="http://schemas.microsoft.com/office/drawing/2014/main" xmlns="" id="{AB9C4FDD-D59D-4593-AC62-4B49B0551A52}"/>
+                  <a16:creationId xmlns:a16="http://schemas.microsoft.com/office/drawing/2014/main" id="{AB9C4FDD-D59D-4593-AC62-4B49B0551A52}"/>
                 </a:ext>
               </a:extLst>
             </p:cNvPr>
@@ -20952,7 +20720,7 @@
             <p:cNvPr id="19" name="TextBox 81">
               <a:extLst>
                 <a:ext uri="{FF2B5EF4-FFF2-40B4-BE49-F238E27FC236}">
-                  <a16:creationId xmlns:a16="http://schemas.microsoft.com/office/drawing/2014/main" xmlns="" id="{07370304-1B8A-4058-B768-9B7224D5F6BF}"/>
+                  <a16:creationId xmlns:a16="http://schemas.microsoft.com/office/drawing/2014/main" id="{07370304-1B8A-4058-B768-9B7224D5F6BF}"/>
                 </a:ext>
               </a:extLst>
             </p:cNvPr>
@@ -20977,7 +20745,7 @@
             <a:p>
               <a:pPr algn="just"/>
               <a:r>
-                <a:rPr lang="en-US" sz="1000" dirty="0" smtClean="0">
+                <a:rPr lang="en-US" sz="1000" dirty="0">
                   <a:solidFill>
                     <a:schemeClr val="tx1">
                       <a:lumMod val="65000"/>
@@ -20987,14 +20755,6 @@
                 </a:rPr>
                 <a:t>-   Belbin</a:t>
               </a:r>
-              <a:endParaRPr lang="en-US" sz="1000" dirty="0">
-                <a:solidFill>
-                  <a:schemeClr val="tx1">
-                    <a:lumMod val="65000"/>
-                    <a:lumOff val="35000"/>
-                  </a:schemeClr>
-                </a:solidFill>
-              </a:endParaRPr>
             </a:p>
           </p:txBody>
         </p:sp>
@@ -21004,7 +20764,7 @@
           <p:cNvPr id="20" name="Group 82">
             <a:extLst>
               <a:ext uri="{FF2B5EF4-FFF2-40B4-BE49-F238E27FC236}">
-                <a16:creationId xmlns:a16="http://schemas.microsoft.com/office/drawing/2014/main" xmlns="" id="{0FCDD312-5EB8-4304-BACC-52763DDBF669}"/>
+                <a16:creationId xmlns:a16="http://schemas.microsoft.com/office/drawing/2014/main" id="{0FCDD312-5EB8-4304-BACC-52763DDBF669}"/>
               </a:ext>
             </a:extLst>
           </p:cNvPr>
@@ -21024,7 +20784,7 @@
             <p:cNvPr id="21" name="TextBox 83">
               <a:extLst>
                 <a:ext uri="{FF2B5EF4-FFF2-40B4-BE49-F238E27FC236}">
-                  <a16:creationId xmlns:a16="http://schemas.microsoft.com/office/drawing/2014/main" xmlns="" id="{D30E73D0-10E6-4657-9F41-F659C7B46A99}"/>
+                  <a16:creationId xmlns:a16="http://schemas.microsoft.com/office/drawing/2014/main" id="{D30E73D0-10E6-4657-9F41-F659C7B46A99}"/>
                 </a:ext>
               </a:extLst>
             </p:cNvPr>
@@ -21048,10 +20808,9 @@
             <a:lstStyle/>
             <a:p>
               <a:r>
-                <a:rPr lang="en-US" sz="2000" b="1" dirty="0" smtClean="0"/>
+                <a:rPr lang="en-US" sz="2000" b="1" dirty="0"/>
                 <a:t>Backend</a:t>
               </a:r>
-              <a:endParaRPr lang="en-US" sz="2000" b="1" dirty="0"/>
             </a:p>
           </p:txBody>
         </p:sp>
@@ -21060,7 +20819,7 @@
             <p:cNvPr id="22" name="TextBox 84">
               <a:extLst>
                 <a:ext uri="{FF2B5EF4-FFF2-40B4-BE49-F238E27FC236}">
-                  <a16:creationId xmlns:a16="http://schemas.microsoft.com/office/drawing/2014/main" xmlns="" id="{F54838F8-0918-4F97-A546-A8EA897E3CCC}"/>
+                  <a16:creationId xmlns:a16="http://schemas.microsoft.com/office/drawing/2014/main" id="{F54838F8-0918-4F97-A546-A8EA897E3CCC}"/>
                 </a:ext>
               </a:extLst>
             </p:cNvPr>
@@ -21085,7 +20844,7 @@
             <a:p>
               <a:pPr algn="just"/>
               <a:r>
-                <a:rPr lang="en-US" sz="1000" dirty="0" smtClean="0">
+                <a:rPr lang="en-US" sz="1000" dirty="0">
                   <a:solidFill>
                     <a:schemeClr val="tx1">
                       <a:lumMod val="65000"/>
@@ -21096,7 +20855,7 @@
                 <a:t>-     </a:t>
               </a:r>
               <a:r>
-                <a:rPr lang="en-US" sz="1000" dirty="0" err="1" smtClean="0">
+                <a:rPr lang="en-US" sz="1000" dirty="0" err="1">
                   <a:solidFill>
                     <a:schemeClr val="tx1">
                       <a:lumMod val="65000"/>
@@ -21106,7 +20865,7 @@
                 </a:rPr>
                 <a:t>Laravel</a:t>
               </a:r>
-              <a:endParaRPr lang="en-US" sz="1000" dirty="0" smtClean="0">
+              <a:endParaRPr lang="en-US" sz="1000" dirty="0">
                 <a:solidFill>
                   <a:schemeClr val="tx1">
                     <a:lumMod val="65000"/>
@@ -21121,17 +20880,6 @@
                 <a:buChar char="-"/>
               </a:pPr>
               <a:r>
-                <a:rPr lang="en-US" sz="1000" dirty="0" smtClean="0">
-                  <a:solidFill>
-                    <a:schemeClr val="tx1">
-                      <a:lumMod val="65000"/>
-                      <a:lumOff val="35000"/>
-                    </a:schemeClr>
-                  </a:solidFill>
-                </a:rPr>
-                <a:t>Model</a:t>
-              </a:r>
-              <a:r>
                 <a:rPr lang="en-US" sz="1000" dirty="0">
                   <a:solidFill>
                     <a:schemeClr val="tx1">
@@ -21140,7 +20888,7 @@
                     </a:schemeClr>
                   </a:solidFill>
                 </a:rPr>
-                <a:t>, View </a:t>
+                <a:t>Model, View </a:t>
               </a:r>
               <a:r>
                 <a:rPr lang="en-US" sz="1000" dirty="0" err="1">
@@ -21162,18 +20910,7 @@
                     </a:schemeClr>
                   </a:solidFill>
                 </a:rPr>
-                <a:t> </a:t>
-              </a:r>
-              <a:r>
-                <a:rPr lang="en-US" sz="1000" dirty="0" smtClean="0">
-                  <a:solidFill>
-                    <a:schemeClr val="tx1">
-                      <a:lumMod val="65000"/>
-                      <a:lumOff val="35000"/>
-                    </a:schemeClr>
-                  </a:solidFill>
-                </a:rPr>
-                <a:t>Controller</a:t>
+                <a:t> Controller</a:t>
               </a:r>
             </a:p>
             <a:p>
@@ -21190,18 +20927,7 @@
                     </a:schemeClr>
                   </a:solidFill>
                 </a:rPr>
-                <a:t>Object Relational </a:t>
-              </a:r>
-              <a:r>
-                <a:rPr lang="en-US" sz="1000" dirty="0" smtClean="0">
-                  <a:solidFill>
-                    <a:schemeClr val="tx1">
-                      <a:lumMod val="65000"/>
-                      <a:lumOff val="35000"/>
-                    </a:schemeClr>
-                  </a:solidFill>
-                </a:rPr>
-                <a:t>Mapping</a:t>
+                <a:t>Object Relational Mapping</a:t>
               </a:r>
             </a:p>
             <a:p>
@@ -21210,7 +20936,7 @@
                 <a:buChar char="-"/>
               </a:pPr>
               <a:r>
-                <a:rPr lang="en-US" sz="1000" dirty="0" smtClean="0">
+                <a:rPr lang="en-US" sz="1000" dirty="0">
                   <a:solidFill>
                     <a:schemeClr val="tx1">
                       <a:lumMod val="65000"/>
@@ -21235,18 +20961,7 @@
                     </a:schemeClr>
                   </a:solidFill>
                 </a:rPr>
-                <a:t>Migrations &amp; </a:t>
-              </a:r>
-              <a:r>
-                <a:rPr lang="en-US" sz="1000" dirty="0" smtClean="0">
-                  <a:solidFill>
-                    <a:schemeClr val="tx1">
-                      <a:lumMod val="65000"/>
-                      <a:lumOff val="35000"/>
-                    </a:schemeClr>
-                  </a:solidFill>
-                </a:rPr>
-                <a:t>Seeders</a:t>
+                <a:t>Migrations &amp; Seeders</a:t>
               </a:r>
             </a:p>
             <a:p>
@@ -21287,7 +21002,7 @@
                 </a:rPr>
                 <a:t>modellen</a:t>
               </a:r>
-              <a:endParaRPr lang="en-US" sz="1000" dirty="0" smtClean="0">
+              <a:endParaRPr lang="en-US" sz="1000" dirty="0">
                 <a:solidFill>
                   <a:schemeClr val="tx1">
                     <a:lumMod val="65000"/>
@@ -21301,7 +21016,7 @@
                 <a:buFontTx/>
                 <a:buChar char="-"/>
               </a:pPr>
-              <a:endParaRPr lang="en-US" sz="1000" dirty="0" smtClean="0">
+              <a:endParaRPr lang="en-US" sz="1000" dirty="0">
                 <a:solidFill>
                   <a:schemeClr val="tx1">
                     <a:lumMod val="65000"/>
@@ -21332,7 +21047,7 @@
           <p:cNvPr id="23" name="Parallelogram 86">
             <a:extLst>
               <a:ext uri="{FF2B5EF4-FFF2-40B4-BE49-F238E27FC236}">
-                <a16:creationId xmlns:a16="http://schemas.microsoft.com/office/drawing/2014/main" xmlns="" id="{1C65F147-9E55-4CA5-B43B-7E6FBEC9F510}"/>
+                <a16:creationId xmlns:a16="http://schemas.microsoft.com/office/drawing/2014/main" id="{1C65F147-9E55-4CA5-B43B-7E6FBEC9F510}"/>
               </a:ext>
             </a:extLst>
           </p:cNvPr>
@@ -21407,7 +21122,7 @@
           <p:cNvPr id="24" name="Parallelogram 87">
             <a:extLst>
               <a:ext uri="{FF2B5EF4-FFF2-40B4-BE49-F238E27FC236}">
-                <a16:creationId xmlns:a16="http://schemas.microsoft.com/office/drawing/2014/main" xmlns="" id="{F8D0EA40-4E4C-4874-9902-67055D02673E}"/>
+                <a16:creationId xmlns:a16="http://schemas.microsoft.com/office/drawing/2014/main" id="{F8D0EA40-4E4C-4874-9902-67055D02673E}"/>
               </a:ext>
             </a:extLst>
           </p:cNvPr>
@@ -21483,7 +21198,7 @@
           <p:cNvPr id="25" name="Parallelogram 88">
             <a:extLst>
               <a:ext uri="{FF2B5EF4-FFF2-40B4-BE49-F238E27FC236}">
-                <a16:creationId xmlns:a16="http://schemas.microsoft.com/office/drawing/2014/main" xmlns="" id="{121707E2-D42C-483B-8EFB-515C578F214B}"/>
+                <a16:creationId xmlns:a16="http://schemas.microsoft.com/office/drawing/2014/main" id="{121707E2-D42C-483B-8EFB-515C578F214B}"/>
               </a:ext>
             </a:extLst>
           </p:cNvPr>
@@ -21559,7 +21274,7 @@
           <p:cNvPr id="26" name="Group 89">
             <a:extLst>
               <a:ext uri="{FF2B5EF4-FFF2-40B4-BE49-F238E27FC236}">
-                <a16:creationId xmlns:a16="http://schemas.microsoft.com/office/drawing/2014/main" xmlns="" id="{48535C7B-4BD8-4C33-8FCB-0DD02BD625DF}"/>
+                <a16:creationId xmlns:a16="http://schemas.microsoft.com/office/drawing/2014/main" id="{48535C7B-4BD8-4C33-8FCB-0DD02BD625DF}"/>
               </a:ext>
             </a:extLst>
           </p:cNvPr>
@@ -21579,7 +21294,7 @@
             <p:cNvPr id="27" name="TextBox 96">
               <a:extLst>
                 <a:ext uri="{FF2B5EF4-FFF2-40B4-BE49-F238E27FC236}">
-                  <a16:creationId xmlns:a16="http://schemas.microsoft.com/office/drawing/2014/main" xmlns="" id="{815420BF-C4F0-490F-B406-19F614E2CDEC}"/>
+                  <a16:creationId xmlns:a16="http://schemas.microsoft.com/office/drawing/2014/main" id="{815420BF-C4F0-490F-B406-19F614E2CDEC}"/>
                 </a:ext>
               </a:extLst>
             </p:cNvPr>
@@ -21603,10 +21318,9 @@
             <a:lstStyle/>
             <a:p>
               <a:r>
-                <a:rPr lang="en-US" sz="2000" b="1" dirty="0" smtClean="0"/>
+                <a:rPr lang="en-US" sz="2000" b="1" dirty="0"/>
                 <a:t>Frontend</a:t>
               </a:r>
-              <a:endParaRPr lang="en-US" sz="2000" b="1" dirty="0"/>
             </a:p>
           </p:txBody>
         </p:sp>
@@ -21615,7 +21329,7 @@
             <p:cNvPr id="28" name="TextBox 97">
               <a:extLst>
                 <a:ext uri="{FF2B5EF4-FFF2-40B4-BE49-F238E27FC236}">
-                  <a16:creationId xmlns:a16="http://schemas.microsoft.com/office/drawing/2014/main" xmlns="" id="{19124B86-FB24-4024-9A76-4B8979AC6585}"/>
+                  <a16:creationId xmlns:a16="http://schemas.microsoft.com/office/drawing/2014/main" id="{19124B86-FB24-4024-9A76-4B8979AC6585}"/>
                 </a:ext>
               </a:extLst>
             </p:cNvPr>
@@ -21640,7 +21354,7 @@
             <a:p>
               <a:pPr algn="just"/>
               <a:r>
-                <a:rPr lang="en-US" sz="1000" dirty="0" smtClean="0">
+                <a:rPr lang="en-US" sz="1000" dirty="0">
                   <a:solidFill>
                     <a:schemeClr val="tx1">
                       <a:lumMod val="65000"/>
@@ -21651,7 +21365,7 @@
                 <a:t>-   </a:t>
               </a:r>
               <a:r>
-                <a:rPr lang="en-US" sz="1000" dirty="0" err="1" smtClean="0">
+                <a:rPr lang="en-US" sz="1000" dirty="0" err="1">
                   <a:solidFill>
                     <a:schemeClr val="tx1">
                       <a:lumMod val="65000"/>
@@ -21678,7 +21392,7 @@
           <p:cNvPr id="29" name="Group 90">
             <a:extLst>
               <a:ext uri="{FF2B5EF4-FFF2-40B4-BE49-F238E27FC236}">
-                <a16:creationId xmlns:a16="http://schemas.microsoft.com/office/drawing/2014/main" xmlns="" id="{BB009053-4912-4FF0-8767-78640FB23E19}"/>
+                <a16:creationId xmlns:a16="http://schemas.microsoft.com/office/drawing/2014/main" id="{BB009053-4912-4FF0-8767-78640FB23E19}"/>
               </a:ext>
             </a:extLst>
           </p:cNvPr>
@@ -21698,7 +21412,7 @@
             <p:cNvPr id="30" name="TextBox 94">
               <a:extLst>
                 <a:ext uri="{FF2B5EF4-FFF2-40B4-BE49-F238E27FC236}">
-                  <a16:creationId xmlns:a16="http://schemas.microsoft.com/office/drawing/2014/main" xmlns="" id="{B414B641-668A-4B7E-9B17-585B7F422156}"/>
+                  <a16:creationId xmlns:a16="http://schemas.microsoft.com/office/drawing/2014/main" id="{B414B641-668A-4B7E-9B17-585B7F422156}"/>
                 </a:ext>
               </a:extLst>
             </p:cNvPr>
@@ -21722,10 +21436,9 @@
             <a:lstStyle/>
             <a:p>
               <a:r>
-                <a:rPr lang="en-US" sz="2000" b="1" dirty="0" smtClean="0"/>
+                <a:rPr lang="en-US" sz="2000" b="1" dirty="0"/>
                 <a:t>Demo</a:t>
               </a:r>
-              <a:endParaRPr lang="en-US" sz="2000" b="1" dirty="0"/>
             </a:p>
           </p:txBody>
         </p:sp>
@@ -21734,7 +21447,7 @@
             <p:cNvPr id="31" name="TextBox 95">
               <a:extLst>
                 <a:ext uri="{FF2B5EF4-FFF2-40B4-BE49-F238E27FC236}">
-                  <a16:creationId xmlns:a16="http://schemas.microsoft.com/office/drawing/2014/main" xmlns="" id="{F0901018-F1B0-4444-B4A3-AA0AAC618DDD}"/>
+                  <a16:creationId xmlns:a16="http://schemas.microsoft.com/office/drawing/2014/main" id="{F0901018-F1B0-4444-B4A3-AA0AAC618DDD}"/>
                 </a:ext>
               </a:extLst>
             </p:cNvPr>
@@ -21775,7 +21488,7 @@
           <p:cNvPr id="32" name="Group 91">
             <a:extLst>
               <a:ext uri="{FF2B5EF4-FFF2-40B4-BE49-F238E27FC236}">
-                <a16:creationId xmlns:a16="http://schemas.microsoft.com/office/drawing/2014/main" xmlns="" id="{34A81F94-A555-4F46-B939-8E12AE20836A}"/>
+                <a16:creationId xmlns:a16="http://schemas.microsoft.com/office/drawing/2014/main" id="{34A81F94-A555-4F46-B939-8E12AE20836A}"/>
               </a:ext>
             </a:extLst>
           </p:cNvPr>
@@ -21795,7 +21508,7 @@
             <p:cNvPr id="33" name="TextBox 92">
               <a:extLst>
                 <a:ext uri="{FF2B5EF4-FFF2-40B4-BE49-F238E27FC236}">
-                  <a16:creationId xmlns:a16="http://schemas.microsoft.com/office/drawing/2014/main" xmlns="" id="{8B976CBF-85DB-4AEA-9D3E-2B7DFE77A7DD}"/>
+                  <a16:creationId xmlns:a16="http://schemas.microsoft.com/office/drawing/2014/main" id="{8B976CBF-85DB-4AEA-9D3E-2B7DFE77A7DD}"/>
                 </a:ext>
               </a:extLst>
             </p:cNvPr>
@@ -21819,7 +21532,7 @@
             <a:lstStyle/>
             <a:p>
               <a:r>
-                <a:rPr lang="en-US" sz="2000" b="1" dirty="0" err="1" smtClean="0"/>
+                <a:rPr lang="en-US" sz="2000" b="1" dirty="0" err="1"/>
                 <a:t>Reflectie</a:t>
               </a:r>
               <a:endParaRPr lang="en-US" sz="2000" b="1" dirty="0"/>
@@ -21831,7 +21544,7 @@
             <p:cNvPr id="34" name="TextBox 93">
               <a:extLst>
                 <a:ext uri="{FF2B5EF4-FFF2-40B4-BE49-F238E27FC236}">
-                  <a16:creationId xmlns:a16="http://schemas.microsoft.com/office/drawing/2014/main" xmlns="" id="{21B125B5-A88D-4319-8859-F24FEEB4B9F6}"/>
+                  <a16:creationId xmlns:a16="http://schemas.microsoft.com/office/drawing/2014/main" id="{21B125B5-A88D-4319-8859-F24FEEB4B9F6}"/>
                 </a:ext>
               </a:extLst>
             </p:cNvPr>
@@ -21902,6 +21615,1251 @@
       </p:grpSpPr>
       <p:sp>
         <p:nvSpPr>
+          <p:cNvPr id="77" name="Rechthoek 76">
+            <a:extLst>
+              <a:ext uri="{FF2B5EF4-FFF2-40B4-BE49-F238E27FC236}">
+                <a16:creationId xmlns:a16="http://schemas.microsoft.com/office/drawing/2014/main" id="{02BDF26B-E4D2-4B30-ABCC-0D2A8C49D893}"/>
+              </a:ext>
+            </a:extLst>
+          </p:cNvPr>
+          <p:cNvSpPr/>
+          <p:nvPr/>
+        </p:nvSpPr>
+        <p:spPr>
+          <a:xfrm>
+            <a:off x="657947" y="5007360"/>
+            <a:ext cx="3793099" cy="790798"/>
+          </a:xfrm>
+          <a:prstGeom prst="rect">
+            <a:avLst/>
+          </a:prstGeom>
+          <a:solidFill>
+            <a:srgbClr val="73C1AB"/>
+          </a:solidFill>
+          <a:ln>
+            <a:solidFill>
+              <a:srgbClr val="89CBD9"/>
+            </a:solidFill>
+          </a:ln>
+        </p:spPr>
+        <p:style>
+          <a:lnRef idx="1">
+            <a:schemeClr val="accent1"/>
+          </a:lnRef>
+          <a:fillRef idx="3">
+            <a:schemeClr val="accent1"/>
+          </a:fillRef>
+          <a:effectRef idx="2">
+            <a:schemeClr val="accent1"/>
+          </a:effectRef>
+          <a:fontRef idx="minor">
+            <a:schemeClr val="lt1"/>
+          </a:fontRef>
+        </p:style>
+        <p:txBody>
+          <a:bodyPr rtlCol="0" anchor="ctr"/>
+          <a:lstStyle/>
+          <a:p>
+            <a:pPr algn="ctr"/>
+            <a:endParaRPr lang="nl-BE"/>
+          </a:p>
+        </p:txBody>
+      </p:sp>
+      <p:sp>
+        <p:nvSpPr>
+          <p:cNvPr id="57" name="Ovaal 56">
+            <a:extLst>
+              <a:ext uri="{FF2B5EF4-FFF2-40B4-BE49-F238E27FC236}">
+                <a16:creationId xmlns:a16="http://schemas.microsoft.com/office/drawing/2014/main" id="{55DD63C2-F94C-40CF-9EB2-81391EB067FC}"/>
+              </a:ext>
+            </a:extLst>
+          </p:cNvPr>
+          <p:cNvSpPr/>
+          <p:nvPr/>
+        </p:nvSpPr>
+        <p:spPr>
+          <a:xfrm>
+            <a:off x="6983295" y="2684052"/>
+            <a:ext cx="1952366" cy="790798"/>
+          </a:xfrm>
+          <a:prstGeom prst="ellipse">
+            <a:avLst/>
+          </a:prstGeom>
+          <a:solidFill>
+            <a:srgbClr val="89CBD9"/>
+          </a:solidFill>
+          <a:ln>
+            <a:solidFill>
+              <a:schemeClr val="bg1"/>
+            </a:solidFill>
+          </a:ln>
+        </p:spPr>
+        <p:style>
+          <a:lnRef idx="1">
+            <a:schemeClr val="accent1"/>
+          </a:lnRef>
+          <a:fillRef idx="3">
+            <a:schemeClr val="accent1"/>
+          </a:fillRef>
+          <a:effectRef idx="2">
+            <a:schemeClr val="accent1"/>
+          </a:effectRef>
+          <a:fontRef idx="minor">
+            <a:schemeClr val="lt1"/>
+          </a:fontRef>
+        </p:style>
+        <p:txBody>
+          <a:bodyPr rtlCol="0" anchor="ctr"/>
+          <a:lstStyle/>
+          <a:p>
+            <a:pPr algn="ctr"/>
+            <a:endParaRPr lang="nl-BE"/>
+          </a:p>
+        </p:txBody>
+      </p:sp>
+      <p:sp>
+        <p:nvSpPr>
+          <p:cNvPr id="2" name="Titel 1">
+            <a:extLst>
+              <a:ext uri="{FF2B5EF4-FFF2-40B4-BE49-F238E27FC236}">
+                <a16:creationId xmlns:a16="http://schemas.microsoft.com/office/drawing/2014/main" id="{0FDC1534-DBD4-4C87-B8F2-59AD7D419EA0}"/>
+              </a:ext>
+            </a:extLst>
+          </p:cNvPr>
+          <p:cNvSpPr>
+            <a:spLocks noGrp="1"/>
+          </p:cNvSpPr>
+          <p:nvPr>
+            <p:ph type="title"/>
+          </p:nvPr>
+        </p:nvSpPr>
+        <p:spPr/>
+        <p:txBody>
+          <a:bodyPr/>
+          <a:lstStyle/>
+          <a:p>
+            <a:r>
+              <a:rPr lang="nl-BE" dirty="0"/>
+              <a:t>6. Overzicht</a:t>
+            </a:r>
+          </a:p>
+        </p:txBody>
+      </p:sp>
+      <p:sp>
+        <p:nvSpPr>
+          <p:cNvPr id="7" name="Ovaal 6">
+            <a:extLst>
+              <a:ext uri="{FF2B5EF4-FFF2-40B4-BE49-F238E27FC236}">
+                <a16:creationId xmlns:a16="http://schemas.microsoft.com/office/drawing/2014/main" id="{9DF7EFFD-29FD-496C-9864-861ACFDAADEC}"/>
+              </a:ext>
+            </a:extLst>
+          </p:cNvPr>
+          <p:cNvSpPr/>
+          <p:nvPr/>
+        </p:nvSpPr>
+        <p:spPr>
+          <a:xfrm>
+            <a:off x="1023710" y="1323229"/>
+            <a:ext cx="3096471" cy="790798"/>
+          </a:xfrm>
+          <a:prstGeom prst="ellipse">
+            <a:avLst/>
+          </a:prstGeom>
+          <a:solidFill>
+            <a:srgbClr val="89CBD9"/>
+          </a:solidFill>
+          <a:ln>
+            <a:solidFill>
+              <a:schemeClr val="bg1"/>
+            </a:solidFill>
+          </a:ln>
+        </p:spPr>
+        <p:style>
+          <a:lnRef idx="1">
+            <a:schemeClr val="accent1"/>
+          </a:lnRef>
+          <a:fillRef idx="3">
+            <a:schemeClr val="accent1"/>
+          </a:fillRef>
+          <a:effectRef idx="2">
+            <a:schemeClr val="accent1"/>
+          </a:effectRef>
+          <a:fontRef idx="minor">
+            <a:schemeClr val="lt1"/>
+          </a:fontRef>
+        </p:style>
+        <p:txBody>
+          <a:bodyPr rtlCol="0" anchor="ctr"/>
+          <a:lstStyle/>
+          <a:p>
+            <a:pPr algn="ctr"/>
+            <a:endParaRPr lang="nl-BE" dirty="0"/>
+          </a:p>
+        </p:txBody>
+      </p:sp>
+      <p:sp>
+        <p:nvSpPr>
+          <p:cNvPr id="4" name="Tijdelijke aanduiding voor datum 3">
+            <a:extLst>
+              <a:ext uri="{FF2B5EF4-FFF2-40B4-BE49-F238E27FC236}">
+                <a16:creationId xmlns:a16="http://schemas.microsoft.com/office/drawing/2014/main" id="{1E0EEDE5-B4A9-41D8-9D69-DF2F04591DC7}"/>
+              </a:ext>
+            </a:extLst>
+          </p:cNvPr>
+          <p:cNvSpPr>
+            <a:spLocks noGrp="1"/>
+          </p:cNvSpPr>
+          <p:nvPr>
+            <p:ph type="dt" sz="half" idx="10"/>
+          </p:nvPr>
+        </p:nvSpPr>
+        <p:spPr/>
+        <p:txBody>
+          <a:bodyPr/>
+          <a:lstStyle/>
+          <a:p>
+            <a:fld id="{36086CE3-90FF-5744-87D8-5D36EE4D91CC}" type="datetime1">
+              <a:rPr lang="nl-BE" smtClean="0"/>
+              <a:t>20/06/2019</a:t>
+            </a:fld>
+            <a:endParaRPr lang="en-US"/>
+          </a:p>
+        </p:txBody>
+      </p:sp>
+      <p:sp>
+        <p:nvSpPr>
+          <p:cNvPr id="5" name="Tijdelijke aanduiding voor voettekst 4">
+            <a:extLst>
+              <a:ext uri="{FF2B5EF4-FFF2-40B4-BE49-F238E27FC236}">
+                <a16:creationId xmlns:a16="http://schemas.microsoft.com/office/drawing/2014/main" id="{42FC5115-6D71-4DC3-94D5-684CE5BDDA9B}"/>
+              </a:ext>
+            </a:extLst>
+          </p:cNvPr>
+          <p:cNvSpPr>
+            <a:spLocks noGrp="1"/>
+          </p:cNvSpPr>
+          <p:nvPr>
+            <p:ph type="ftr" sz="quarter" idx="11"/>
+          </p:nvPr>
+        </p:nvSpPr>
+        <p:spPr/>
+        <p:txBody>
+          <a:bodyPr/>
+          <a:lstStyle/>
+          <a:p>
+            <a:r>
+              <a:rPr lang="en-US" dirty="0" err="1"/>
+              <a:t>Projectenwebsite</a:t>
+            </a:r>
+            <a:endParaRPr lang="en-US" dirty="0"/>
+          </a:p>
+        </p:txBody>
+      </p:sp>
+      <p:sp>
+        <p:nvSpPr>
+          <p:cNvPr id="6" name="Tijdelijke aanduiding voor dianummer 5">
+            <a:extLst>
+              <a:ext uri="{FF2B5EF4-FFF2-40B4-BE49-F238E27FC236}">
+                <a16:creationId xmlns:a16="http://schemas.microsoft.com/office/drawing/2014/main" id="{B5B16910-FBB7-493E-94E0-E0D779922423}"/>
+              </a:ext>
+            </a:extLst>
+          </p:cNvPr>
+          <p:cNvSpPr>
+            <a:spLocks noGrp="1"/>
+          </p:cNvSpPr>
+          <p:nvPr>
+            <p:ph type="sldNum" sz="quarter" idx="12"/>
+          </p:nvPr>
+        </p:nvSpPr>
+        <p:spPr/>
+        <p:txBody>
+          <a:bodyPr/>
+          <a:lstStyle/>
+          <a:p>
+            <a:fld id="{FCA3638F-6D52-644A-9831-93255061F043}" type="slidenum">
+              <a:rPr lang="nl-BE" smtClean="0"/>
+              <a:t>20</a:t>
+            </a:fld>
+            <a:endParaRPr lang="nl-BE"/>
+          </a:p>
+        </p:txBody>
+      </p:sp>
+      <p:pic>
+        <p:nvPicPr>
+          <p:cNvPr id="1028" name="Picture 4" descr="Afbeeldingsresultaat voor parts of website is build schema">
+            <a:extLst>
+              <a:ext uri="{FF2B5EF4-FFF2-40B4-BE49-F238E27FC236}">
+                <a16:creationId xmlns:a16="http://schemas.microsoft.com/office/drawing/2014/main" id="{AC1FCC4F-A03C-441E-B527-C76D28C0B1FA}"/>
+              </a:ext>
+            </a:extLst>
+          </p:cNvPr>
+          <p:cNvPicPr>
+            <a:picLocks noChangeAspect="1" noChangeArrowheads="1"/>
+          </p:cNvPicPr>
+          <p:nvPr/>
+        </p:nvPicPr>
+        <p:blipFill>
+          <a:blip r:embed="rId2">
+            <a:extLst>
+              <a:ext uri="{28A0092B-C50C-407E-A947-70E740481C1C}">
+                <a14:useLocalDpi xmlns:a14="http://schemas.microsoft.com/office/drawing/2010/main" val="0"/>
+              </a:ext>
+            </a:extLst>
+          </a:blip>
+          <a:srcRect/>
+          <a:stretch>
+            <a:fillRect/>
+          </a:stretch>
+        </p:blipFill>
+        <p:spPr bwMode="auto">
+          <a:xfrm>
+            <a:off x="4734824" y="186479"/>
+            <a:ext cx="4200837" cy="2028887"/>
+          </a:xfrm>
+          <a:prstGeom prst="rect">
+            <a:avLst/>
+          </a:prstGeom>
+          <a:noFill/>
+          <a:extLst>
+            <a:ext uri="{909E8E84-426E-40DD-AFC4-6F175D3DCCD1}">
+              <a14:hiddenFill xmlns:a14="http://schemas.microsoft.com/office/drawing/2010/main">
+                <a:solidFill>
+                  <a:srgbClr val="FFFFFF"/>
+                </a:solidFill>
+              </a14:hiddenFill>
+            </a:ext>
+          </a:extLst>
+        </p:spPr>
+      </p:pic>
+      <p:sp>
+        <p:nvSpPr>
+          <p:cNvPr id="8" name="Tekstvak 7">
+            <a:extLst>
+              <a:ext uri="{FF2B5EF4-FFF2-40B4-BE49-F238E27FC236}">
+                <a16:creationId xmlns:a16="http://schemas.microsoft.com/office/drawing/2014/main" id="{59D95C1C-27B1-4B0F-9295-6F8FEDB72F19}"/>
+              </a:ext>
+            </a:extLst>
+          </p:cNvPr>
+          <p:cNvSpPr txBox="1"/>
+          <p:nvPr/>
+        </p:nvSpPr>
+        <p:spPr>
+          <a:xfrm>
+            <a:off x="1302542" y="1395462"/>
+            <a:ext cx="2538806" cy="646331"/>
+          </a:xfrm>
+          <a:prstGeom prst="rect">
+            <a:avLst/>
+          </a:prstGeom>
+          <a:noFill/>
+        </p:spPr>
+        <p:txBody>
+          <a:bodyPr wrap="square" rtlCol="0">
+            <a:spAutoFit/>
+          </a:bodyPr>
+          <a:lstStyle/>
+          <a:p>
+            <a:r>
+              <a:rPr lang="nl-BE" sz="3600" b="1" dirty="0">
+                <a:latin typeface="Corbel" panose="020B0503020204020204" pitchFamily="34" charset="0"/>
+              </a:rPr>
+              <a:t>Brainstorm</a:t>
+            </a:r>
+          </a:p>
+        </p:txBody>
+      </p:sp>
+      <p:sp>
+        <p:nvSpPr>
+          <p:cNvPr id="11" name="Ovaal 10">
+            <a:extLst>
+              <a:ext uri="{FF2B5EF4-FFF2-40B4-BE49-F238E27FC236}">
+                <a16:creationId xmlns:a16="http://schemas.microsoft.com/office/drawing/2014/main" id="{D5B387F1-A4B8-43C7-82B6-FD9AD3D2D75A}"/>
+              </a:ext>
+            </a:extLst>
+          </p:cNvPr>
+          <p:cNvSpPr/>
+          <p:nvPr/>
+        </p:nvSpPr>
+        <p:spPr>
+          <a:xfrm>
+            <a:off x="657947" y="2428035"/>
+            <a:ext cx="3827992" cy="790798"/>
+          </a:xfrm>
+          <a:prstGeom prst="ellipse">
+            <a:avLst/>
+          </a:prstGeom>
+          <a:solidFill>
+            <a:srgbClr val="89CBD9"/>
+          </a:solidFill>
+          <a:ln>
+            <a:solidFill>
+              <a:schemeClr val="bg1"/>
+            </a:solidFill>
+          </a:ln>
+        </p:spPr>
+        <p:style>
+          <a:lnRef idx="1">
+            <a:schemeClr val="accent1"/>
+          </a:lnRef>
+          <a:fillRef idx="3">
+            <a:schemeClr val="accent1"/>
+          </a:fillRef>
+          <a:effectRef idx="2">
+            <a:schemeClr val="accent1"/>
+          </a:effectRef>
+          <a:fontRef idx="minor">
+            <a:schemeClr val="lt1"/>
+          </a:fontRef>
+        </p:style>
+        <p:txBody>
+          <a:bodyPr rtlCol="0" anchor="ctr"/>
+          <a:lstStyle/>
+          <a:p>
+            <a:pPr algn="ctr"/>
+            <a:endParaRPr lang="nl-BE"/>
+          </a:p>
+        </p:txBody>
+      </p:sp>
+      <p:sp>
+        <p:nvSpPr>
+          <p:cNvPr id="12" name="Tekstvak 11">
+            <a:extLst>
+              <a:ext uri="{FF2B5EF4-FFF2-40B4-BE49-F238E27FC236}">
+                <a16:creationId xmlns:a16="http://schemas.microsoft.com/office/drawing/2014/main" id="{F5C6DB5A-EE09-4211-A9E7-3F0793B76610}"/>
+              </a:ext>
+            </a:extLst>
+          </p:cNvPr>
+          <p:cNvSpPr txBox="1"/>
+          <p:nvPr/>
+        </p:nvSpPr>
+        <p:spPr>
+          <a:xfrm>
+            <a:off x="913515" y="2488855"/>
+            <a:ext cx="3537535" cy="646331"/>
+          </a:xfrm>
+          <a:prstGeom prst="rect">
+            <a:avLst/>
+          </a:prstGeom>
+          <a:noFill/>
+        </p:spPr>
+        <p:txBody>
+          <a:bodyPr wrap="square" rtlCol="0">
+            <a:spAutoFit/>
+          </a:bodyPr>
+          <a:lstStyle/>
+          <a:p>
+            <a:r>
+              <a:rPr lang="nl-BE" sz="3600" b="1" dirty="0">
+                <a:latin typeface="Corbel" panose="020B0503020204020204" pitchFamily="34" charset="0"/>
+              </a:rPr>
+              <a:t>User </a:t>
+            </a:r>
+            <a:r>
+              <a:rPr lang="nl-BE" sz="3600" b="1" dirty="0" err="1">
+                <a:latin typeface="Corbel" panose="020B0503020204020204" pitchFamily="34" charset="0"/>
+              </a:rPr>
+              <a:t>Experience</a:t>
+            </a:r>
+            <a:endParaRPr lang="nl-BE" sz="3600" b="1" dirty="0">
+              <a:latin typeface="Corbel" panose="020B0503020204020204" pitchFamily="34" charset="0"/>
+            </a:endParaRPr>
+          </a:p>
+        </p:txBody>
+      </p:sp>
+      <p:sp>
+        <p:nvSpPr>
+          <p:cNvPr id="15" name="Ovaal 14">
+            <a:extLst>
+              <a:ext uri="{FF2B5EF4-FFF2-40B4-BE49-F238E27FC236}">
+                <a16:creationId xmlns:a16="http://schemas.microsoft.com/office/drawing/2014/main" id="{377036AB-0075-4506-A61F-0E3393D4E5FB}"/>
+              </a:ext>
+            </a:extLst>
+          </p:cNvPr>
+          <p:cNvSpPr/>
+          <p:nvPr/>
+        </p:nvSpPr>
+        <p:spPr>
+          <a:xfrm>
+            <a:off x="1018123" y="3518142"/>
+            <a:ext cx="3096471" cy="790798"/>
+          </a:xfrm>
+          <a:prstGeom prst="ellipse">
+            <a:avLst/>
+          </a:prstGeom>
+          <a:solidFill>
+            <a:srgbClr val="89CBD9"/>
+          </a:solidFill>
+          <a:ln>
+            <a:solidFill>
+              <a:schemeClr val="bg1"/>
+            </a:solidFill>
+          </a:ln>
+        </p:spPr>
+        <p:style>
+          <a:lnRef idx="1">
+            <a:schemeClr val="accent1"/>
+          </a:lnRef>
+          <a:fillRef idx="3">
+            <a:schemeClr val="accent1"/>
+          </a:fillRef>
+          <a:effectRef idx="2">
+            <a:schemeClr val="accent1"/>
+          </a:effectRef>
+          <a:fontRef idx="minor">
+            <a:schemeClr val="lt1"/>
+          </a:fontRef>
+        </p:style>
+        <p:txBody>
+          <a:bodyPr rtlCol="0" anchor="ctr"/>
+          <a:lstStyle/>
+          <a:p>
+            <a:pPr algn="ctr"/>
+            <a:endParaRPr lang="nl-BE"/>
+          </a:p>
+        </p:txBody>
+      </p:sp>
+      <p:sp>
+        <p:nvSpPr>
+          <p:cNvPr id="16" name="Tekstvak 15">
+            <a:extLst>
+              <a:ext uri="{FF2B5EF4-FFF2-40B4-BE49-F238E27FC236}">
+                <a16:creationId xmlns:a16="http://schemas.microsoft.com/office/drawing/2014/main" id="{1F494482-DD30-4D0B-83BB-AAF2F7AF8B0A}"/>
+              </a:ext>
+            </a:extLst>
+          </p:cNvPr>
+          <p:cNvSpPr txBox="1"/>
+          <p:nvPr/>
+        </p:nvSpPr>
+        <p:spPr>
+          <a:xfrm>
+            <a:off x="1296955" y="3590375"/>
+            <a:ext cx="2538806" cy="646331"/>
+          </a:xfrm>
+          <a:prstGeom prst="rect">
+            <a:avLst/>
+          </a:prstGeom>
+          <a:noFill/>
+        </p:spPr>
+        <p:txBody>
+          <a:bodyPr wrap="square" rtlCol="0">
+            <a:spAutoFit/>
+          </a:bodyPr>
+          <a:lstStyle/>
+          <a:p>
+            <a:r>
+              <a:rPr lang="nl-BE" sz="3600" b="1" dirty="0">
+                <a:latin typeface="Corbel" panose="020B0503020204020204" pitchFamily="34" charset="0"/>
+              </a:rPr>
+              <a:t>HTML - CSS</a:t>
+            </a:r>
+          </a:p>
+        </p:txBody>
+      </p:sp>
+      <p:sp>
+        <p:nvSpPr>
+          <p:cNvPr id="17" name="Ovaal 16">
+            <a:extLst>
+              <a:ext uri="{FF2B5EF4-FFF2-40B4-BE49-F238E27FC236}">
+                <a16:creationId xmlns:a16="http://schemas.microsoft.com/office/drawing/2014/main" id="{9EB5F4FE-D106-4C0B-9112-58BB6380E992}"/>
+              </a:ext>
+            </a:extLst>
+          </p:cNvPr>
+          <p:cNvSpPr/>
+          <p:nvPr/>
+        </p:nvSpPr>
+        <p:spPr>
+          <a:xfrm>
+            <a:off x="4706619" y="2661849"/>
+            <a:ext cx="1952366" cy="790798"/>
+          </a:xfrm>
+          <a:prstGeom prst="ellipse">
+            <a:avLst/>
+          </a:prstGeom>
+          <a:solidFill>
+            <a:srgbClr val="89CBD9"/>
+          </a:solidFill>
+          <a:ln>
+            <a:solidFill>
+              <a:schemeClr val="bg1"/>
+            </a:solidFill>
+          </a:ln>
+        </p:spPr>
+        <p:style>
+          <a:lnRef idx="1">
+            <a:schemeClr val="accent1"/>
+          </a:lnRef>
+          <a:fillRef idx="3">
+            <a:schemeClr val="accent1"/>
+          </a:fillRef>
+          <a:effectRef idx="2">
+            <a:schemeClr val="accent1"/>
+          </a:effectRef>
+          <a:fontRef idx="minor">
+            <a:schemeClr val="lt1"/>
+          </a:fontRef>
+        </p:style>
+        <p:txBody>
+          <a:bodyPr rtlCol="0" anchor="ctr"/>
+          <a:lstStyle/>
+          <a:p>
+            <a:pPr algn="ctr"/>
+            <a:endParaRPr lang="nl-BE"/>
+          </a:p>
+        </p:txBody>
+      </p:sp>
+      <p:sp>
+        <p:nvSpPr>
+          <p:cNvPr id="18" name="Tekstvak 17">
+            <a:extLst>
+              <a:ext uri="{FF2B5EF4-FFF2-40B4-BE49-F238E27FC236}">
+                <a16:creationId xmlns:a16="http://schemas.microsoft.com/office/drawing/2014/main" id="{DD8F2C6C-0A03-475E-84E1-5527CA6DC646}"/>
+              </a:ext>
+            </a:extLst>
+          </p:cNvPr>
+          <p:cNvSpPr txBox="1"/>
+          <p:nvPr/>
+        </p:nvSpPr>
+        <p:spPr>
+          <a:xfrm>
+            <a:off x="4905917" y="2736642"/>
+            <a:ext cx="2056037" cy="646331"/>
+          </a:xfrm>
+          <a:prstGeom prst="rect">
+            <a:avLst/>
+          </a:prstGeom>
+          <a:noFill/>
+        </p:spPr>
+        <p:txBody>
+          <a:bodyPr wrap="square" rtlCol="0">
+            <a:spAutoFit/>
+          </a:bodyPr>
+          <a:lstStyle/>
+          <a:p>
+            <a:r>
+              <a:rPr lang="nl-BE" sz="3600" b="1" dirty="0" err="1">
+                <a:latin typeface="Corbel" panose="020B0503020204020204" pitchFamily="34" charset="0"/>
+              </a:rPr>
+              <a:t>MySQL</a:t>
+            </a:r>
+            <a:endParaRPr lang="nl-BE" sz="3600" b="1" dirty="0">
+              <a:latin typeface="Corbel" panose="020B0503020204020204" pitchFamily="34" charset="0"/>
+            </a:endParaRPr>
+          </a:p>
+        </p:txBody>
+      </p:sp>
+      <p:sp>
+        <p:nvSpPr>
+          <p:cNvPr id="20" name="Tekstvak 19">
+            <a:extLst>
+              <a:ext uri="{FF2B5EF4-FFF2-40B4-BE49-F238E27FC236}">
+                <a16:creationId xmlns:a16="http://schemas.microsoft.com/office/drawing/2014/main" id="{371DA935-AD7C-4994-B743-DEA593DE460B}"/>
+              </a:ext>
+            </a:extLst>
+          </p:cNvPr>
+          <p:cNvSpPr txBox="1"/>
+          <p:nvPr/>
+        </p:nvSpPr>
+        <p:spPr>
+          <a:xfrm>
+            <a:off x="7295584" y="2823434"/>
+            <a:ext cx="2538806" cy="646331"/>
+          </a:xfrm>
+          <a:prstGeom prst="rect">
+            <a:avLst/>
+          </a:prstGeom>
+          <a:noFill/>
+        </p:spPr>
+        <p:txBody>
+          <a:bodyPr wrap="square" rtlCol="0">
+            <a:spAutoFit/>
+          </a:bodyPr>
+          <a:lstStyle/>
+          <a:p>
+            <a:r>
+              <a:rPr lang="nl-BE" sz="3600" b="1" dirty="0">
+                <a:latin typeface="Corbel" panose="020B0503020204020204" pitchFamily="34" charset="0"/>
+              </a:rPr>
+              <a:t>Vue</a:t>
+            </a:r>
+          </a:p>
+        </p:txBody>
+      </p:sp>
+      <p:sp>
+        <p:nvSpPr>
+          <p:cNvPr id="21" name="Ovaal 20">
+            <a:extLst>
+              <a:ext uri="{FF2B5EF4-FFF2-40B4-BE49-F238E27FC236}">
+                <a16:creationId xmlns:a16="http://schemas.microsoft.com/office/drawing/2014/main" id="{5F7015F9-DACC-45B3-96B9-3448259C5C18}"/>
+              </a:ext>
+            </a:extLst>
+          </p:cNvPr>
+          <p:cNvSpPr/>
+          <p:nvPr/>
+        </p:nvSpPr>
+        <p:spPr>
+          <a:xfrm>
+            <a:off x="4993300" y="3934984"/>
+            <a:ext cx="3096471" cy="790798"/>
+          </a:xfrm>
+          <a:prstGeom prst="ellipse">
+            <a:avLst/>
+          </a:prstGeom>
+          <a:solidFill>
+            <a:srgbClr val="89CBD9"/>
+          </a:solidFill>
+          <a:ln>
+            <a:solidFill>
+              <a:schemeClr val="bg1"/>
+            </a:solidFill>
+          </a:ln>
+        </p:spPr>
+        <p:style>
+          <a:lnRef idx="1">
+            <a:schemeClr val="accent1"/>
+          </a:lnRef>
+          <a:fillRef idx="3">
+            <a:schemeClr val="accent1"/>
+          </a:fillRef>
+          <a:effectRef idx="2">
+            <a:schemeClr val="accent1"/>
+          </a:effectRef>
+          <a:fontRef idx="minor">
+            <a:schemeClr val="lt1"/>
+          </a:fontRef>
+        </p:style>
+        <p:txBody>
+          <a:bodyPr rtlCol="0" anchor="ctr"/>
+          <a:lstStyle/>
+          <a:p>
+            <a:pPr algn="ctr"/>
+            <a:endParaRPr lang="nl-BE"/>
+          </a:p>
+        </p:txBody>
+      </p:sp>
+      <p:sp>
+        <p:nvSpPr>
+          <p:cNvPr id="22" name="Tekstvak 21">
+            <a:extLst>
+              <a:ext uri="{FF2B5EF4-FFF2-40B4-BE49-F238E27FC236}">
+                <a16:creationId xmlns:a16="http://schemas.microsoft.com/office/drawing/2014/main" id="{087EE66C-6209-49D8-9000-C5057C9C4B5A}"/>
+              </a:ext>
+            </a:extLst>
+          </p:cNvPr>
+          <p:cNvSpPr txBox="1"/>
+          <p:nvPr/>
+        </p:nvSpPr>
+        <p:spPr>
+          <a:xfrm>
+            <a:off x="5713892" y="3985774"/>
+            <a:ext cx="2538806" cy="646331"/>
+          </a:xfrm>
+          <a:prstGeom prst="rect">
+            <a:avLst/>
+          </a:prstGeom>
+          <a:noFill/>
+        </p:spPr>
+        <p:txBody>
+          <a:bodyPr wrap="square" rtlCol="0">
+            <a:spAutoFit/>
+          </a:bodyPr>
+          <a:lstStyle/>
+          <a:p>
+            <a:r>
+              <a:rPr lang="nl-BE" sz="3600" b="1" dirty="0" err="1">
+                <a:latin typeface="Corbel" panose="020B0503020204020204" pitchFamily="34" charset="0"/>
+              </a:rPr>
+              <a:t>Laravel</a:t>
+            </a:r>
+            <a:endParaRPr lang="nl-BE" sz="3600" b="1" dirty="0">
+              <a:latin typeface="Corbel" panose="020B0503020204020204" pitchFamily="34" charset="0"/>
+            </a:endParaRPr>
+          </a:p>
+        </p:txBody>
+      </p:sp>
+      <p:sp>
+        <p:nvSpPr>
+          <p:cNvPr id="23" name="Ovaal 22">
+            <a:extLst>
+              <a:ext uri="{FF2B5EF4-FFF2-40B4-BE49-F238E27FC236}">
+                <a16:creationId xmlns:a16="http://schemas.microsoft.com/office/drawing/2014/main" id="{ECC0E858-63D4-411A-A85F-D02DF70EC5F4}"/>
+              </a:ext>
+            </a:extLst>
+          </p:cNvPr>
+          <p:cNvSpPr/>
+          <p:nvPr/>
+        </p:nvSpPr>
+        <p:spPr>
+          <a:xfrm>
+            <a:off x="4993300" y="5088516"/>
+            <a:ext cx="3096471" cy="790798"/>
+          </a:xfrm>
+          <a:prstGeom prst="ellipse">
+            <a:avLst/>
+          </a:prstGeom>
+          <a:solidFill>
+            <a:srgbClr val="89CBD9"/>
+          </a:solidFill>
+          <a:ln>
+            <a:solidFill>
+              <a:schemeClr val="bg1"/>
+            </a:solidFill>
+          </a:ln>
+        </p:spPr>
+        <p:style>
+          <a:lnRef idx="1">
+            <a:schemeClr val="accent1"/>
+          </a:lnRef>
+          <a:fillRef idx="3">
+            <a:schemeClr val="accent1"/>
+          </a:fillRef>
+          <a:effectRef idx="2">
+            <a:schemeClr val="accent1"/>
+          </a:effectRef>
+          <a:fontRef idx="minor">
+            <a:schemeClr val="lt1"/>
+          </a:fontRef>
+        </p:style>
+        <p:txBody>
+          <a:bodyPr rtlCol="0" anchor="ctr"/>
+          <a:lstStyle/>
+          <a:p>
+            <a:pPr algn="ctr"/>
+            <a:endParaRPr lang="nl-BE"/>
+          </a:p>
+        </p:txBody>
+      </p:sp>
+      <p:sp>
+        <p:nvSpPr>
+          <p:cNvPr id="24" name="Tekstvak 23">
+            <a:extLst>
+              <a:ext uri="{FF2B5EF4-FFF2-40B4-BE49-F238E27FC236}">
+                <a16:creationId xmlns:a16="http://schemas.microsoft.com/office/drawing/2014/main" id="{23BDE70A-1A6E-4C4C-9358-BE16E4AB9099}"/>
+              </a:ext>
+            </a:extLst>
+          </p:cNvPr>
+          <p:cNvSpPr txBox="1"/>
+          <p:nvPr/>
+        </p:nvSpPr>
+        <p:spPr>
+          <a:xfrm>
+            <a:off x="5737763" y="5170675"/>
+            <a:ext cx="2538806" cy="646331"/>
+          </a:xfrm>
+          <a:prstGeom prst="rect">
+            <a:avLst/>
+          </a:prstGeom>
+          <a:noFill/>
+        </p:spPr>
+        <p:txBody>
+          <a:bodyPr wrap="square" rtlCol="0">
+            <a:spAutoFit/>
+          </a:bodyPr>
+          <a:lstStyle/>
+          <a:p>
+            <a:r>
+              <a:rPr lang="nl-BE" sz="3600" b="1" dirty="0">
+                <a:latin typeface="Corbel" panose="020B0503020204020204" pitchFamily="34" charset="0"/>
+              </a:rPr>
+              <a:t>Extra’s</a:t>
+            </a:r>
+          </a:p>
+        </p:txBody>
+      </p:sp>
+      <p:cxnSp>
+        <p:nvCxnSpPr>
+          <p:cNvPr id="26" name="Rechte verbindingslijn met pijl 25">
+            <a:extLst>
+              <a:ext uri="{FF2B5EF4-FFF2-40B4-BE49-F238E27FC236}">
+                <a16:creationId xmlns:a16="http://schemas.microsoft.com/office/drawing/2014/main" id="{9D66073A-6E56-4D35-B4EC-72D1852D4A96}"/>
+              </a:ext>
+            </a:extLst>
+          </p:cNvPr>
+          <p:cNvCxnSpPr>
+            <a:stCxn id="7" idx="4"/>
+            <a:endCxn id="11" idx="0"/>
+          </p:cNvCxnSpPr>
+          <p:nvPr/>
+        </p:nvCxnSpPr>
+        <p:spPr>
+          <a:xfrm flipH="1">
+            <a:off x="2571943" y="2114027"/>
+            <a:ext cx="3" cy="314008"/>
+          </a:xfrm>
+          <a:prstGeom prst="straightConnector1">
+            <a:avLst/>
+          </a:prstGeom>
+          <a:ln>
+            <a:solidFill>
+              <a:srgbClr val="73C1AB"/>
+            </a:solidFill>
+            <a:tailEnd type="triangle"/>
+          </a:ln>
+        </p:spPr>
+        <p:style>
+          <a:lnRef idx="2">
+            <a:schemeClr val="accent1"/>
+          </a:lnRef>
+          <a:fillRef idx="0">
+            <a:schemeClr val="accent1"/>
+          </a:fillRef>
+          <a:effectRef idx="1">
+            <a:schemeClr val="accent1"/>
+          </a:effectRef>
+          <a:fontRef idx="minor">
+            <a:schemeClr val="tx1"/>
+          </a:fontRef>
+        </p:style>
+      </p:cxnSp>
+      <p:cxnSp>
+        <p:nvCxnSpPr>
+          <p:cNvPr id="37" name="Rechte verbindingslijn met pijl 36">
+            <a:extLst>
+              <a:ext uri="{FF2B5EF4-FFF2-40B4-BE49-F238E27FC236}">
+                <a16:creationId xmlns:a16="http://schemas.microsoft.com/office/drawing/2014/main" id="{0B0CA593-C125-4FEA-A1DD-A9FFCB6896BA}"/>
+              </a:ext>
+            </a:extLst>
+          </p:cNvPr>
+          <p:cNvCxnSpPr>
+            <a:cxnSpLocks/>
+            <a:stCxn id="15" idx="6"/>
+            <a:endCxn id="17" idx="4"/>
+          </p:cNvCxnSpPr>
+          <p:nvPr/>
+        </p:nvCxnSpPr>
+        <p:spPr>
+          <a:xfrm flipV="1">
+            <a:off x="4114594" y="3452647"/>
+            <a:ext cx="1568208" cy="460894"/>
+          </a:xfrm>
+          <a:prstGeom prst="straightConnector1">
+            <a:avLst/>
+          </a:prstGeom>
+          <a:ln>
+            <a:solidFill>
+              <a:srgbClr val="73C1AB"/>
+            </a:solidFill>
+            <a:tailEnd type="triangle"/>
+          </a:ln>
+        </p:spPr>
+        <p:style>
+          <a:lnRef idx="2">
+            <a:schemeClr val="accent1"/>
+          </a:lnRef>
+          <a:fillRef idx="0">
+            <a:schemeClr val="accent1"/>
+          </a:fillRef>
+          <a:effectRef idx="1">
+            <a:schemeClr val="accent1"/>
+          </a:effectRef>
+          <a:fontRef idx="minor">
+            <a:schemeClr val="tx1"/>
+          </a:fontRef>
+        </p:style>
+      </p:cxnSp>
+      <p:cxnSp>
+        <p:nvCxnSpPr>
+          <p:cNvPr id="38" name="Rechte verbindingslijn met pijl 37">
+            <a:extLst>
+              <a:ext uri="{FF2B5EF4-FFF2-40B4-BE49-F238E27FC236}">
+                <a16:creationId xmlns:a16="http://schemas.microsoft.com/office/drawing/2014/main" id="{5DCEF271-620D-45CB-87E7-AF84540F4677}"/>
+              </a:ext>
+            </a:extLst>
+          </p:cNvPr>
+          <p:cNvCxnSpPr>
+            <a:cxnSpLocks/>
+            <a:stCxn id="17" idx="4"/>
+            <a:endCxn id="21" idx="0"/>
+          </p:cNvCxnSpPr>
+          <p:nvPr/>
+        </p:nvCxnSpPr>
+        <p:spPr>
+          <a:xfrm>
+            <a:off x="5682802" y="3452647"/>
+            <a:ext cx="858734" cy="482337"/>
+          </a:xfrm>
+          <a:prstGeom prst="straightConnector1">
+            <a:avLst/>
+          </a:prstGeom>
+          <a:ln>
+            <a:solidFill>
+              <a:srgbClr val="73C1AB"/>
+            </a:solidFill>
+            <a:tailEnd type="triangle"/>
+          </a:ln>
+        </p:spPr>
+        <p:style>
+          <a:lnRef idx="2">
+            <a:schemeClr val="accent1"/>
+          </a:lnRef>
+          <a:fillRef idx="0">
+            <a:schemeClr val="accent1"/>
+          </a:fillRef>
+          <a:effectRef idx="1">
+            <a:schemeClr val="accent1"/>
+          </a:effectRef>
+          <a:fontRef idx="minor">
+            <a:schemeClr val="tx1"/>
+          </a:fontRef>
+        </p:style>
+      </p:cxnSp>
+      <p:cxnSp>
+        <p:nvCxnSpPr>
+          <p:cNvPr id="41" name="Rechte verbindingslijn met pijl 40">
+            <a:extLst>
+              <a:ext uri="{FF2B5EF4-FFF2-40B4-BE49-F238E27FC236}">
+                <a16:creationId xmlns:a16="http://schemas.microsoft.com/office/drawing/2014/main" id="{989299A8-CADB-4041-80B2-747093AA284A}"/>
+              </a:ext>
+            </a:extLst>
+          </p:cNvPr>
+          <p:cNvCxnSpPr>
+            <a:cxnSpLocks/>
+            <a:endCxn id="21" idx="0"/>
+          </p:cNvCxnSpPr>
+          <p:nvPr/>
+        </p:nvCxnSpPr>
+        <p:spPr>
+          <a:xfrm flipH="1">
+            <a:off x="6541536" y="3510557"/>
+            <a:ext cx="1305510" cy="424427"/>
+          </a:xfrm>
+          <a:prstGeom prst="straightConnector1">
+            <a:avLst/>
+          </a:prstGeom>
+          <a:ln w="28575" cap="flat" cmpd="sng" algn="ctr">
+            <a:solidFill>
+              <a:srgbClr val="73C1AB"/>
+            </a:solidFill>
+            <a:prstDash val="solid"/>
+            <a:round/>
+            <a:headEnd type="arrow" w="med" len="med"/>
+            <a:tailEnd type="arrow" w="med" len="med"/>
+          </a:ln>
+        </p:spPr>
+        <p:style>
+          <a:lnRef idx="0">
+            <a:scrgbClr r="0" g="0" b="0"/>
+          </a:lnRef>
+          <a:fillRef idx="0">
+            <a:scrgbClr r="0" g="0" b="0"/>
+          </a:fillRef>
+          <a:effectRef idx="0">
+            <a:scrgbClr r="0" g="0" b="0"/>
+          </a:effectRef>
+          <a:fontRef idx="minor">
+            <a:schemeClr val="tx1"/>
+          </a:fontRef>
+        </p:style>
+      </p:cxnSp>
+      <p:cxnSp>
+        <p:nvCxnSpPr>
+          <p:cNvPr id="46" name="Rechte verbindingslijn met pijl 45">
+            <a:extLst>
+              <a:ext uri="{FF2B5EF4-FFF2-40B4-BE49-F238E27FC236}">
+                <a16:creationId xmlns:a16="http://schemas.microsoft.com/office/drawing/2014/main" id="{5D841254-E6FF-4165-B227-F65335EEB4AD}"/>
+              </a:ext>
+            </a:extLst>
+          </p:cNvPr>
+          <p:cNvCxnSpPr>
+            <a:cxnSpLocks/>
+            <a:stCxn id="11" idx="4"/>
+            <a:endCxn id="15" idx="0"/>
+          </p:cNvCxnSpPr>
+          <p:nvPr/>
+        </p:nvCxnSpPr>
+        <p:spPr>
+          <a:xfrm flipH="1">
+            <a:off x="2566359" y="3218833"/>
+            <a:ext cx="5584" cy="299309"/>
+          </a:xfrm>
+          <a:prstGeom prst="straightConnector1">
+            <a:avLst/>
+          </a:prstGeom>
+          <a:ln>
+            <a:solidFill>
+              <a:srgbClr val="73C1AB"/>
+            </a:solidFill>
+            <a:tailEnd type="triangle"/>
+          </a:ln>
+        </p:spPr>
+        <p:style>
+          <a:lnRef idx="2">
+            <a:schemeClr val="accent1"/>
+          </a:lnRef>
+          <a:fillRef idx="0">
+            <a:schemeClr val="accent1"/>
+          </a:fillRef>
+          <a:effectRef idx="1">
+            <a:schemeClr val="accent1"/>
+          </a:effectRef>
+          <a:fontRef idx="minor">
+            <a:schemeClr val="tx1"/>
+          </a:fontRef>
+        </p:style>
+      </p:cxnSp>
+      <p:cxnSp>
+        <p:nvCxnSpPr>
+          <p:cNvPr id="67" name="Rechte verbindingslijn met pijl 66">
+            <a:extLst>
+              <a:ext uri="{FF2B5EF4-FFF2-40B4-BE49-F238E27FC236}">
+                <a16:creationId xmlns:a16="http://schemas.microsoft.com/office/drawing/2014/main" id="{AEE5E22F-3E68-40FD-A7D1-FC4A81F09DF7}"/>
+              </a:ext>
+            </a:extLst>
+          </p:cNvPr>
+          <p:cNvCxnSpPr>
+            <a:cxnSpLocks/>
+            <a:endCxn id="18" idx="3"/>
+          </p:cNvCxnSpPr>
+          <p:nvPr/>
+        </p:nvCxnSpPr>
+        <p:spPr>
+          <a:xfrm>
+            <a:off x="6658985" y="3057248"/>
+            <a:ext cx="302969" cy="2560"/>
+          </a:xfrm>
+          <a:prstGeom prst="straightConnector1">
+            <a:avLst/>
+          </a:prstGeom>
+          <a:ln>
+            <a:solidFill>
+              <a:srgbClr val="73C1AB"/>
+            </a:solidFill>
+            <a:tailEnd type="triangle"/>
+          </a:ln>
+        </p:spPr>
+        <p:style>
+          <a:lnRef idx="2">
+            <a:schemeClr val="accent1"/>
+          </a:lnRef>
+          <a:fillRef idx="0">
+            <a:schemeClr val="accent1"/>
+          </a:fillRef>
+          <a:effectRef idx="1">
+            <a:schemeClr val="accent1"/>
+          </a:effectRef>
+          <a:fontRef idx="minor">
+            <a:schemeClr val="tx1"/>
+          </a:fontRef>
+        </p:style>
+      </p:cxnSp>
+      <p:cxnSp>
+        <p:nvCxnSpPr>
+          <p:cNvPr id="72" name="Rechte verbindingslijn met pijl 71">
+            <a:extLst>
+              <a:ext uri="{FF2B5EF4-FFF2-40B4-BE49-F238E27FC236}">
+                <a16:creationId xmlns:a16="http://schemas.microsoft.com/office/drawing/2014/main" id="{BCFED18D-280F-410A-82E8-DF1515E3F662}"/>
+              </a:ext>
+            </a:extLst>
+          </p:cNvPr>
+          <p:cNvCxnSpPr>
+            <a:cxnSpLocks/>
+            <a:stCxn id="21" idx="4"/>
+            <a:endCxn id="23" idx="0"/>
+          </p:cNvCxnSpPr>
+          <p:nvPr/>
+        </p:nvCxnSpPr>
+        <p:spPr>
+          <a:xfrm>
+            <a:off x="6541536" y="4725782"/>
+            <a:ext cx="0" cy="362734"/>
+          </a:xfrm>
+          <a:prstGeom prst="straightConnector1">
+            <a:avLst/>
+          </a:prstGeom>
+          <a:ln>
+            <a:solidFill>
+              <a:srgbClr val="73C1AB"/>
+            </a:solidFill>
+            <a:tailEnd type="triangle"/>
+          </a:ln>
+        </p:spPr>
+        <p:style>
+          <a:lnRef idx="2">
+            <a:schemeClr val="accent1"/>
+          </a:lnRef>
+          <a:fillRef idx="0">
+            <a:schemeClr val="accent1"/>
+          </a:fillRef>
+          <a:effectRef idx="1">
+            <a:schemeClr val="accent1"/>
+          </a:effectRef>
+          <a:fontRef idx="minor">
+            <a:schemeClr val="tx1"/>
+          </a:fontRef>
+        </p:style>
+      </p:cxnSp>
+      <p:sp>
+        <p:nvSpPr>
+          <p:cNvPr id="76" name="Tekstvak 75">
+            <a:extLst>
+              <a:ext uri="{FF2B5EF4-FFF2-40B4-BE49-F238E27FC236}">
+                <a16:creationId xmlns:a16="http://schemas.microsoft.com/office/drawing/2014/main" id="{9F9949FE-F27C-4E13-A39A-589DDA593854}"/>
+              </a:ext>
+            </a:extLst>
+          </p:cNvPr>
+          <p:cNvSpPr txBox="1"/>
+          <p:nvPr/>
+        </p:nvSpPr>
+        <p:spPr>
+          <a:xfrm>
+            <a:off x="657946" y="5088890"/>
+            <a:ext cx="3793099" cy="646331"/>
+          </a:xfrm>
+          <a:prstGeom prst="rect">
+            <a:avLst/>
+          </a:prstGeom>
+          <a:noFill/>
+        </p:spPr>
+        <p:txBody>
+          <a:bodyPr wrap="square" rtlCol="0">
+            <a:spAutoFit/>
+          </a:bodyPr>
+          <a:lstStyle/>
+          <a:p>
+            <a:pPr algn="ctr"/>
+            <a:r>
+              <a:rPr lang="nl-BE" sz="3600" b="1" dirty="0">
+                <a:latin typeface="Corbel" panose="020B0503020204020204" pitchFamily="34" charset="0"/>
+              </a:rPr>
+              <a:t>Projectenwebsite</a:t>
+            </a:r>
+            <a:endParaRPr lang="nl-BE" sz="4000" b="1" dirty="0">
+              <a:latin typeface="Corbel" panose="020B0503020204020204" pitchFamily="34" charset="0"/>
+            </a:endParaRPr>
+          </a:p>
+        </p:txBody>
+      </p:sp>
+    </p:spTree>
+    <p:extLst>
+      <p:ext uri="{BB962C8B-B14F-4D97-AF65-F5344CB8AC3E}">
+        <p14:creationId xmlns:p14="http://schemas.microsoft.com/office/powerpoint/2010/main" val="4120430124"/>
+      </p:ext>
+    </p:extLst>
+  </p:cSld>
+  <p:clrMapOvr>
+    <a:masterClrMapping/>
+  </p:clrMapOvr>
+</p:sld>
+</file>
+
+<file path=ppt/slides/slide21.xml><?xml version="1.0" encoding="utf-8"?>
+<p:sld xmlns:a="http://schemas.openxmlformats.org/drawingml/2006/main" xmlns:r="http://schemas.openxmlformats.org/officeDocument/2006/relationships" xmlns:p="http://schemas.openxmlformats.org/presentationml/2006/main">
+  <p:cSld>
+    <p:spTree>
+      <p:nvGrpSpPr>
+        <p:cNvPr id="1" name=""/>
+        <p:cNvGrpSpPr/>
+        <p:nvPr/>
+      </p:nvGrpSpPr>
+      <p:grpSpPr>
+        <a:xfrm>
+          <a:off x="0" y="0"/>
+          <a:ext cx="0" cy="0"/>
+          <a:chOff x="0" y="0"/>
+          <a:chExt cx="0" cy="0"/>
+        </a:xfrm>
+      </p:grpSpPr>
+      <p:sp>
+        <p:nvSpPr>
           <p:cNvPr id="4" name="Title 3"/>
           <p:cNvSpPr>
             <a:spLocks noGrp="1"/>
@@ -21924,11 +22882,7 @@
           <a:p>
             <a:r>
               <a:rPr lang="en-US" dirty="0"/>
-              <a:t>6</a:t>
-            </a:r>
-            <a:r>
-              <a:rPr lang="en-US" dirty="0" smtClean="0"/>
-              <a:t>. </a:t>
+              <a:t>7. </a:t>
             </a:r>
             <a:r>
               <a:rPr lang="en-US" dirty="0" err="1"/>
@@ -22010,7 +22964,7 @@
           <a:lstStyle/>
           <a:p>
             <a:fld id="{DB4E9D77-C996-DF40-82BF-4D0EB0C0014F}" type="datetime1">
-              <a:t>19-6-2019</a:t>
+              <a:t>20/06/2019</a:t>
             </a:fld>
             <a:endParaRPr lang="en-US"/>
           </a:p>
@@ -22056,7 +23010,7 @@
           <a:p>
             <a:fld id="{FCA3638F-6D52-644A-9831-93255061F043}" type="slidenum">
               <a:rPr lang="en-US"/>
-              <a:t>20</a:t>
+              <a:t>21</a:t>
             </a:fld>
             <a:endParaRPr lang="en-US"/>
           </a:p>
@@ -22224,17 +23178,53 @@
             </a:lvl9pPr>
           </a:lstStyle>
           <a:p>
-            <a:r>
-              <a:rPr lang="en-US" sz="1800" b="0" dirty="0"/>
-              <a:t>- </a:t>
-            </a:r>
+            <a:pPr marL="285750" indent="-285750">
+              <a:buFontTx/>
+              <a:buChar char="-"/>
+            </a:pPr>
             <a:r>
               <a:rPr lang="en-US" sz="1800" b="0" dirty="0" err="1"/>
               <a:t>Github</a:t>
             </a:r>
+            <a:endParaRPr lang="en-US" sz="1800" b="0" dirty="0"/>
+          </a:p>
+          <a:p>
+            <a:pPr marL="285750" indent="-285750">
+              <a:buFontTx/>
+              <a:buChar char="-"/>
+            </a:pPr>
             <a:r>
               <a:rPr lang="en-US" sz="1800" b="0" dirty="0"/>
-              <a:t> </a:t>
+              <a:t>Belbin is </a:t>
+            </a:r>
+            <a:r>
+              <a:rPr lang="en-US" sz="1800" b="0" dirty="0" err="1"/>
+              <a:t>gepatenteerd</a:t>
+            </a:r>
+            <a:endParaRPr lang="en-US" sz="1800" b="0" dirty="0"/>
+          </a:p>
+          <a:p>
+            <a:pPr marL="285750" indent="-285750">
+              <a:buFontTx/>
+              <a:buChar char="-"/>
+            </a:pPr>
+            <a:r>
+              <a:rPr lang="en-US" sz="1800" b="0" dirty="0" err="1"/>
+              <a:t>Complexe</a:t>
+            </a:r>
+            <a:r>
+              <a:rPr lang="en-US" sz="1800" b="0" dirty="0"/>
+              <a:t> site</a:t>
+            </a:r>
+          </a:p>
+          <a:p>
+            <a:pPr marL="285750" indent="-285750">
+              <a:buFontTx/>
+              <a:buChar char="-"/>
+            </a:pPr>
+            <a:r>
+              <a:rPr lang="en-US" sz="1800" b="0" dirty="0"/>
+              <a:t>Timing  </a:t>
             </a:r>
             <a:endParaRPr lang="en-US" dirty="0"/>
           </a:p>
@@ -22314,7 +23304,7 @@
 </p:sld>
 </file>
 
-<file path=ppt/slides/slide21.xml><?xml version="1.0" encoding="utf-8"?>
+<file path=ppt/slides/slide22.xml><?xml version="1.0" encoding="utf-8"?>
 <p:sld xmlns:a="http://schemas.openxmlformats.org/drawingml/2006/main" xmlns:r="http://schemas.openxmlformats.org/officeDocument/2006/relationships" xmlns:p="http://schemas.openxmlformats.org/presentationml/2006/main">
   <p:cSld>
     <p:spTree>
@@ -22394,7 +23384,7 @@
           <a:lstStyle/>
           <a:p>
             <a:fld id="{DB4E9D77-C996-DF40-82BF-4D0EB0C0014F}" type="datetime1">
-              <a:t>19-6-2019</a:t>
+              <a:t>20/06/2019</a:t>
             </a:fld>
             <a:endParaRPr lang="en-US"/>
           </a:p>
@@ -22440,7 +23430,7 @@
           <a:p>
             <a:fld id="{FCA3638F-6D52-644A-9831-93255061F043}" type="slidenum">
               <a:rPr lang="en-US"/>
-              <a:t>21</a:t>
+              <a:t>22</a:t>
             </a:fld>
             <a:endParaRPr lang="en-US"/>
           </a:p>
@@ -22472,30 +23462,18 @@
               <a:rPr lang="nl-NL" dirty="0">
                 <a:hlinkClick r:id="rId2"/>
               </a:rPr>
-              <a:t>https://</a:t>
-            </a:r>
-            <a:r>
-              <a:rPr lang="nl-NL" dirty="0" smtClean="0">
-                <a:hlinkClick r:id="rId2"/>
-              </a:rPr>
-              <a:t>laravel.com/docs/5.8</a:t>
-            </a:r>
-            <a:endParaRPr lang="nl-NL" dirty="0" smtClean="0"/>
+              <a:t>https://laravel.com/docs/5.8</a:t>
+            </a:r>
+            <a:endParaRPr lang="nl-NL" dirty="0"/>
           </a:p>
           <a:p>
             <a:r>
               <a:rPr lang="nl-NL" dirty="0">
                 <a:hlinkClick r:id="rId3"/>
               </a:rPr>
-              <a:t>https://</a:t>
-            </a:r>
-            <a:r>
-              <a:rPr lang="nl-NL" dirty="0" smtClean="0">
-                <a:hlinkClick r:id="rId3"/>
-              </a:rPr>
-              <a:t>bootstrap-vue.js.org/docs</a:t>
-            </a:r>
-            <a:endParaRPr lang="nl-NL" dirty="0" smtClean="0"/>
+              <a:t>https://bootstrap-vue.js.org/docs</a:t>
+            </a:r>
+            <a:endParaRPr lang="nl-NL" dirty="0"/>
           </a:p>
           <a:p>
             <a:endParaRPr lang="nl-NL" dirty="0"/>
@@ -22605,7 +23583,7 @@
           <a:lstStyle/>
           <a:p>
             <a:fld id="{DB4E9D77-C996-DF40-82BF-4D0EB0C0014F}" type="datetime1">
-              <a:t>19-6-2019</a:t>
+              <a:t>20/06/2019</a:t>
             </a:fld>
             <a:endParaRPr lang="en-US" dirty="0"/>
           </a:p>
@@ -22924,7 +23902,7 @@
           <a:p>
             <a:fld id="{36086CE3-90FF-5744-87D8-5D36EE4D91CC}" type="datetime1">
               <a:rPr lang="nl-NL" smtClean="0"/>
-              <a:t>19-6-2019</a:t>
+              <a:t>20-6-2019</a:t>
             </a:fld>
             <a:endParaRPr lang="en-US"/>
           </a:p>
@@ -22946,10 +23924,9 @@
           <a:lstStyle/>
           <a:p>
             <a:r>
-              <a:rPr lang="en-US" smtClean="0"/>
+              <a:rPr lang="en-US"/>
               <a:t>Titel van footer</a:t>
             </a:r>
-            <a:endParaRPr lang="en-US"/>
           </a:p>
         </p:txBody>
       </p:sp>
@@ -23029,10 +24006,9 @@
           <a:lstStyle/>
           <a:p>
             <a:r>
-              <a:rPr lang="nl-NL" sz="1050" b="1" dirty="0" smtClean="0"/>
+              <a:rPr lang="nl-NL" sz="1050" b="1" dirty="0"/>
               <a:t>Fig. 1: Overzichtspagina oude versie</a:t>
             </a:r>
-            <a:endParaRPr lang="nl-NL" sz="1050" b="1" dirty="0"/>
           </a:p>
         </p:txBody>
       </p:sp>
@@ -23059,13 +24035,8 @@
           <a:p>
             <a:r>
               <a:rPr lang="nl-NL" sz="1100" b="1" dirty="0"/>
-              <a:t>Fig. </a:t>
-            </a:r>
-            <a:r>
-              <a:rPr lang="nl-NL" sz="1100" b="1" dirty="0" smtClean="0"/>
-              <a:t>2: Groep aanmaken oude versie.</a:t>
-            </a:r>
-            <a:endParaRPr lang="nl-NL" sz="1100" b="1" dirty="0"/>
+              <a:t>Fig. 2: Groep aanmaken oude versie.</a:t>
+            </a:r>
           </a:p>
         </p:txBody>
       </p:sp>
@@ -23079,13 +24050,6 @@
   <p:clrMapOvr>
     <a:masterClrMapping/>
   </p:clrMapOvr>
-  <p:timing>
-    <p:tnLst>
-      <p:par>
-        <p:cTn id="1" dur="indefinite" restart="never" nodeType="tmRoot"/>
-      </p:par>
-    </p:tnLst>
-  </p:timing>
 </p:sld>
 </file>
 
@@ -23174,7 +24138,7 @@
           <a:p>
             <a:fld id="{36086CE3-90FF-5744-87D8-5D36EE4D91CC}" type="datetime1">
               <a:rPr lang="nl-NL" smtClean="0"/>
-              <a:t>19-6-2019</a:t>
+              <a:t>20-6-2019</a:t>
             </a:fld>
             <a:endParaRPr lang="en-US"/>
           </a:p>
@@ -23196,10 +24160,9 @@
           <a:lstStyle/>
           <a:p>
             <a:r>
-              <a:rPr lang="en-US" smtClean="0"/>
+              <a:rPr lang="en-US"/>
               <a:t>Titel van footer</a:t>
             </a:r>
-            <a:endParaRPr lang="en-US"/>
           </a:p>
         </p:txBody>
       </p:sp>
@@ -23279,10 +24242,9 @@
           <a:lstStyle/>
           <a:p>
             <a:r>
-              <a:rPr lang="nl-NL" sz="1050" b="1" dirty="0" smtClean="0"/>
+              <a:rPr lang="nl-NL" sz="1050" b="1" dirty="0"/>
               <a:t>Fig. 3: detailpagina oude versie</a:t>
             </a:r>
-            <a:endParaRPr lang="nl-NL" sz="1050" b="1" dirty="0"/>
           </a:p>
         </p:txBody>
       </p:sp>
@@ -23309,10 +24271,9 @@
           <a:lstStyle/>
           <a:p>
             <a:r>
-              <a:rPr lang="nl-NL" sz="1050" b="1" dirty="0" smtClean="0"/>
+              <a:rPr lang="nl-NL" sz="1050" b="1" dirty="0"/>
               <a:t>Fig. 4: Projectvoorstel oude versie</a:t>
             </a:r>
-            <a:endParaRPr lang="nl-NL" sz="1050" b="1" dirty="0"/>
           </a:p>
         </p:txBody>
       </p:sp>
@@ -23326,13 +24287,6 @@
   <p:clrMapOvr>
     <a:masterClrMapping/>
   </p:clrMapOvr>
-  <p:timing>
-    <p:tnLst>
-      <p:par>
-        <p:cTn id="1" dur="indefinite" restart="never" nodeType="tmRoot"/>
-      </p:par>
-    </p:tnLst>
-  </p:timing>
 </p:sld>
 </file>
 
@@ -23369,10 +24323,9 @@
           <a:lstStyle/>
           <a:p>
             <a:r>
-              <a:rPr lang="nl-NL" dirty="0" smtClean="0"/>
+              <a:rPr lang="nl-NL" dirty="0"/>
               <a:t>2.Applicatie structuur </a:t>
             </a:r>
-            <a:endParaRPr lang="nl-NL" dirty="0"/>
           </a:p>
         </p:txBody>
       </p:sp>
@@ -23393,7 +24346,7 @@
           <a:p>
             <a:fld id="{36086CE3-90FF-5744-87D8-5D36EE4D91CC}" type="datetime1">
               <a:rPr lang="nl-NL" smtClean="0"/>
-              <a:t>19-6-2019</a:t>
+              <a:t>20-6-2019</a:t>
             </a:fld>
             <a:endParaRPr lang="en-US"/>
           </a:p>
@@ -23607,28 +24560,28 @@
             </a:lvl9pPr>
           </a:lstStyle>
           <a:p>
-            <a:endParaRPr lang="nl-NL" dirty="0" smtClean="0"/>
+            <a:endParaRPr lang="nl-NL" dirty="0"/>
           </a:p>
           <a:p>
             <a:pPr marL="457200" indent="-457200">
               <a:buFontTx/>
               <a:buChar char="-"/>
             </a:pPr>
-            <a:endParaRPr lang="nl-NL" dirty="0" smtClean="0"/>
+            <a:endParaRPr lang="nl-NL" dirty="0"/>
           </a:p>
           <a:p>
             <a:pPr marL="457200" indent="-457200">
               <a:buFontTx/>
               <a:buChar char="-"/>
             </a:pPr>
-            <a:endParaRPr lang="nl-NL" dirty="0" smtClean="0"/>
+            <a:endParaRPr lang="nl-NL" dirty="0"/>
           </a:p>
           <a:p>
             <a:pPr marL="457200" indent="-457200">
               <a:buFontTx/>
               <a:buChar char="-"/>
             </a:pPr>
-            <a:endParaRPr lang="nl-NL" dirty="0" smtClean="0"/>
+            <a:endParaRPr lang="nl-NL" dirty="0"/>
           </a:p>
           <a:p>
             <a:pPr marL="457200" indent="-457200">
@@ -23684,10 +24637,9 @@
           <a:lstStyle/>
           <a:p>
             <a:r>
-              <a:rPr lang="nl-NL" sz="1050" b="1" dirty="0" smtClean="0"/>
+              <a:rPr lang="nl-NL" sz="1050" b="1" dirty="0"/>
               <a:t>Fig. 5: Structuur.</a:t>
             </a:r>
-            <a:endParaRPr lang="nl-NL" sz="1050" b="1" dirty="0"/>
           </a:p>
         </p:txBody>
       </p:sp>
@@ -23701,21 +24653,6 @@
   <p:clrMapOvr>
     <a:masterClrMapping/>
   </p:clrMapOvr>
-  <mc:AlternateContent xmlns:mc="http://schemas.openxmlformats.org/markup-compatibility/2006" xmlns:p14="http://schemas.microsoft.com/office/powerpoint/2010/main">
-    <mc:Choice Requires="p14">
-      <p:transition p14:dur="0"/>
-    </mc:Choice>
-    <mc:Fallback xmlns="">
-      <p:transition/>
-    </mc:Fallback>
-  </mc:AlternateContent>
-  <p:timing>
-    <p:tnLst>
-      <p:par>
-        <p:cTn id="1" dur="indefinite" restart="never" nodeType="tmRoot"/>
-      </p:par>
-    </p:tnLst>
-  </p:timing>
 </p:sld>
 </file>
 
@@ -23741,7 +24678,7 @@
           <p:cNvPr id="2" name="Titel 1">
             <a:extLst>
               <a:ext uri="{FF2B5EF4-FFF2-40B4-BE49-F238E27FC236}">
-                <a16:creationId xmlns:a16="http://schemas.microsoft.com/office/drawing/2014/main" xmlns="" id="{7DA03342-3172-42C9-A3F7-A25DD2976F6A}"/>
+                <a16:creationId xmlns:a16="http://schemas.microsoft.com/office/drawing/2014/main" id="{7DA03342-3172-42C9-A3F7-A25DD2976F6A}"/>
               </a:ext>
             </a:extLst>
           </p:cNvPr>
@@ -23770,7 +24707,7 @@
           <p:cNvPr id="10" name="Tijdelijke aanduiding voor inhoud 9" descr="Afbeelding met elektronica&#10;&#10;Automatisch gegenereerde beschrijving">
             <a:extLst>
               <a:ext uri="{FF2B5EF4-FFF2-40B4-BE49-F238E27FC236}">
-                <a16:creationId xmlns:a16="http://schemas.microsoft.com/office/drawing/2014/main" xmlns="" id="{9E66D18A-3E51-456F-B016-573CB7D619EE}"/>
+                <a16:creationId xmlns:a16="http://schemas.microsoft.com/office/drawing/2014/main" id="{9E66D18A-3E51-456F-B016-573CB7D619EE}"/>
               </a:ext>
             </a:extLst>
           </p:cNvPr>
@@ -23799,7 +24736,7 @@
           <p:cNvPr id="4" name="Tijdelijke aanduiding voor datum 3">
             <a:extLst>
               <a:ext uri="{FF2B5EF4-FFF2-40B4-BE49-F238E27FC236}">
-                <a16:creationId xmlns:a16="http://schemas.microsoft.com/office/drawing/2014/main" xmlns="" id="{5E65B0E0-05FC-4A24-97BF-FCF17598B996}"/>
+                <a16:creationId xmlns:a16="http://schemas.microsoft.com/office/drawing/2014/main" id="{5E65B0E0-05FC-4A24-97BF-FCF17598B996}"/>
               </a:ext>
             </a:extLst>
           </p:cNvPr>
@@ -23817,7 +24754,7 @@
           <a:p>
             <a:fld id="{36086CE3-90FF-5744-87D8-5D36EE4D91CC}" type="datetime1">
               <a:rPr lang="nl-NL" smtClean="0"/>
-              <a:t>19-6-2019</a:t>
+              <a:t>20-6-2019</a:t>
             </a:fld>
             <a:endParaRPr lang="en-US"/>
           </a:p>
@@ -23828,7 +24765,7 @@
           <p:cNvPr id="5" name="Tijdelijke aanduiding voor voettekst 4">
             <a:extLst>
               <a:ext uri="{FF2B5EF4-FFF2-40B4-BE49-F238E27FC236}">
-                <a16:creationId xmlns:a16="http://schemas.microsoft.com/office/drawing/2014/main" xmlns="" id="{4F8381D8-CC35-4741-8F7E-4CBF7E162284}"/>
+                <a16:creationId xmlns:a16="http://schemas.microsoft.com/office/drawing/2014/main" id="{4F8381D8-CC35-4741-8F7E-4CBF7E162284}"/>
               </a:ext>
             </a:extLst>
           </p:cNvPr>
@@ -23857,7 +24794,7 @@
           <p:cNvPr id="6" name="Tijdelijke aanduiding voor dianummer 5">
             <a:extLst>
               <a:ext uri="{FF2B5EF4-FFF2-40B4-BE49-F238E27FC236}">
-                <a16:creationId xmlns:a16="http://schemas.microsoft.com/office/drawing/2014/main" xmlns="" id="{8B1C71BF-0662-44A6-9D3C-2096D8FAB97D}"/>
+                <a16:creationId xmlns:a16="http://schemas.microsoft.com/office/drawing/2014/main" id="{8B1C71BF-0662-44A6-9D3C-2096D8FAB97D}"/>
               </a:ext>
             </a:extLst>
           </p:cNvPr>
@@ -23904,17 +24841,8 @@
           <a:p>
             <a:r>
               <a:rPr lang="nl-NL" sz="1050" b="1" dirty="0"/>
-              <a:t>Fig. </a:t>
-            </a:r>
-            <a:r>
-              <a:rPr lang="nl-NL" sz="1050" b="1" dirty="0" smtClean="0"/>
-              <a:t>6: Belbinrolle</a:t>
-            </a:r>
-            <a:r>
-              <a:rPr lang="nl-NL" sz="1050" b="1" dirty="0"/>
-              <a:t>n</a:t>
-            </a:r>
-            <a:endParaRPr lang="nl-NL" sz="1050" b="1" dirty="0"/>
+              <a:t>Fig. 6: Belbinrollen</a:t>
+            </a:r>
           </a:p>
         </p:txBody>
       </p:sp>
@@ -23970,15 +24898,7 @@
           <a:p>
             <a:r>
               <a:rPr lang="en-US" dirty="0"/>
-              <a:t>3</a:t>
-            </a:r>
-            <a:r>
-              <a:rPr lang="en-US" dirty="0" smtClean="0"/>
-              <a:t>. </a:t>
-            </a:r>
-            <a:r>
-              <a:rPr lang="en-US" dirty="0"/>
-              <a:t>Backend</a:t>
+              <a:t>3. Backend</a:t>
             </a:r>
           </a:p>
         </p:txBody>
@@ -24026,7 +24946,7 @@
           <a:lstStyle/>
           <a:p>
             <a:fld id="{DB4E9D77-C996-DF40-82BF-4D0EB0C0014F}" type="datetime1">
-              <a:t>19-6-2019</a:t>
+              <a:t>20/06/2019</a:t>
             </a:fld>
             <a:endParaRPr lang="en-US"/>
           </a:p>
@@ -24282,7 +25202,7 @@
           <p:cNvPr id="2" name="Titel 1">
             <a:extLst>
               <a:ext uri="{FF2B5EF4-FFF2-40B4-BE49-F238E27FC236}">
-                <a16:creationId xmlns:a16="http://schemas.microsoft.com/office/drawing/2014/main" xmlns="" id="{95F08245-5FF3-41B5-B208-0516EF9EDB4D}"/>
+                <a16:creationId xmlns:a16="http://schemas.microsoft.com/office/drawing/2014/main" id="{95F08245-5FF3-41B5-B208-0516EF9EDB4D}"/>
               </a:ext>
             </a:extLst>
           </p:cNvPr>
@@ -24315,7 +25235,7 @@
           <p:cNvPr id="3" name="Tijdelijke aanduiding voor inhoud 2">
             <a:extLst>
               <a:ext uri="{FF2B5EF4-FFF2-40B4-BE49-F238E27FC236}">
-                <a16:creationId xmlns:a16="http://schemas.microsoft.com/office/drawing/2014/main" xmlns="" id="{8D1AB9A6-7C39-4D41-A494-BC1D1797CDD1}"/>
+                <a16:creationId xmlns:a16="http://schemas.microsoft.com/office/drawing/2014/main" id="{8D1AB9A6-7C39-4D41-A494-BC1D1797CDD1}"/>
               </a:ext>
             </a:extLst>
           </p:cNvPr>
@@ -24378,7 +25298,7 @@
           <p:cNvPr id="4" name="Tijdelijke aanduiding voor datum 3">
             <a:extLst>
               <a:ext uri="{FF2B5EF4-FFF2-40B4-BE49-F238E27FC236}">
-                <a16:creationId xmlns:a16="http://schemas.microsoft.com/office/drawing/2014/main" xmlns="" id="{5406147F-57C7-41B2-84D6-967A2496A2E8}"/>
+                <a16:creationId xmlns:a16="http://schemas.microsoft.com/office/drawing/2014/main" id="{5406147F-57C7-41B2-84D6-967A2496A2E8}"/>
               </a:ext>
             </a:extLst>
           </p:cNvPr>
@@ -24396,7 +25316,7 @@
           <a:p>
             <a:fld id="{36086CE3-90FF-5744-87D8-5D36EE4D91CC}" type="datetime1">
               <a:rPr lang="nl-BE" smtClean="0"/>
-              <a:t>19/06/2019</a:t>
+              <a:t>20/06/2019</a:t>
             </a:fld>
             <a:endParaRPr lang="en-US"/>
           </a:p>
@@ -24407,7 +25327,7 @@
           <p:cNvPr id="5" name="Tijdelijke aanduiding voor voettekst 4">
             <a:extLst>
               <a:ext uri="{FF2B5EF4-FFF2-40B4-BE49-F238E27FC236}">
-                <a16:creationId xmlns:a16="http://schemas.microsoft.com/office/drawing/2014/main" xmlns="" id="{DC9D167B-F8C4-4137-987E-19361E326DAD}"/>
+                <a16:creationId xmlns:a16="http://schemas.microsoft.com/office/drawing/2014/main" id="{DC9D167B-F8C4-4137-987E-19361E326DAD}"/>
               </a:ext>
             </a:extLst>
           </p:cNvPr>
@@ -24436,7 +25356,7 @@
           <p:cNvPr id="6" name="Tijdelijke aanduiding voor dianummer 5">
             <a:extLst>
               <a:ext uri="{FF2B5EF4-FFF2-40B4-BE49-F238E27FC236}">
-                <a16:creationId xmlns:a16="http://schemas.microsoft.com/office/drawing/2014/main" xmlns="" id="{BE6BDC19-8FD4-4E12-8E8B-5B9EC78003DD}"/>
+                <a16:creationId xmlns:a16="http://schemas.microsoft.com/office/drawing/2014/main" id="{BE6BDC19-8FD4-4E12-8E8B-5B9EC78003DD}"/>
               </a:ext>
             </a:extLst>
           </p:cNvPr>
@@ -24465,7 +25385,7 @@
           <p:cNvPr id="2052" name="Picture 4" descr="Afbeeldingsresultaat voor laravel png">
             <a:extLst>
               <a:ext uri="{FF2B5EF4-FFF2-40B4-BE49-F238E27FC236}">
-                <a16:creationId xmlns:a16="http://schemas.microsoft.com/office/drawing/2014/main" xmlns="" id="{EA0F2ADC-55F8-4958-944A-18288C3F19AD}"/>
+                <a16:creationId xmlns:a16="http://schemas.microsoft.com/office/drawing/2014/main" id="{EA0F2ADC-55F8-4958-944A-18288C3F19AD}"/>
               </a:ext>
             </a:extLst>
           </p:cNvPr>

--- a/Presentatie/Projecten 1.pptx
+++ b/Presentatie/Projecten 1.pptx
@@ -24,17 +24,17 @@
     <p:sldId id="301" r:id="rId12"/>
     <p:sldId id="302" r:id="rId13"/>
     <p:sldId id="304" r:id="rId14"/>
-    <p:sldId id="286" r:id="rId15"/>
-    <p:sldId id="291" r:id="rId16"/>
-    <p:sldId id="292" r:id="rId17"/>
-    <p:sldId id="293" r:id="rId18"/>
-    <p:sldId id="294" r:id="rId19"/>
-    <p:sldId id="296" r:id="rId20"/>
-    <p:sldId id="290" r:id="rId21"/>
-    <p:sldId id="295" r:id="rId22"/>
-    <p:sldId id="297" r:id="rId23"/>
-    <p:sldId id="287" r:id="rId24"/>
-    <p:sldId id="298" r:id="rId25"/>
+    <p:sldId id="287" r:id="rId15"/>
+    <p:sldId id="298" r:id="rId16"/>
+    <p:sldId id="286" r:id="rId17"/>
+    <p:sldId id="291" r:id="rId18"/>
+    <p:sldId id="292" r:id="rId19"/>
+    <p:sldId id="293" r:id="rId20"/>
+    <p:sldId id="294" r:id="rId21"/>
+    <p:sldId id="296" r:id="rId22"/>
+    <p:sldId id="290" r:id="rId23"/>
+    <p:sldId id="295" r:id="rId24"/>
+    <p:sldId id="297" r:id="rId25"/>
     <p:sldId id="276" r:id="rId26"/>
     <p:sldId id="305" r:id="rId27"/>
     <p:sldId id="270" r:id="rId28"/>
@@ -5017,7 +5017,7 @@
           <a:p>
             <a:fld id="{DABB8F35-2A73-D34D-93FE-F1753C8EDAEC}" type="slidenum">
               <a:rPr lang="nl-BE" smtClean="0"/>
-              <a:t>10</a:t>
+              <a:t>12</a:t>
             </a:fld>
             <a:endParaRPr lang="nl-BE"/>
           </a:p>
@@ -5121,7 +5121,7 @@
           <a:p>
             <a:fld id="{DABB8F35-2A73-D34D-93FE-F1753C8EDAEC}" type="slidenum">
               <a:rPr lang="nl-BE" smtClean="0"/>
-              <a:t>11</a:t>
+              <a:t>13</a:t>
             </a:fld>
             <a:endParaRPr lang="nl-BE"/>
           </a:p>
@@ -17149,6 +17149,587 @@
       </p:grpSpPr>
       <p:sp>
         <p:nvSpPr>
+          <p:cNvPr id="4" name="Title 3"/>
+          <p:cNvSpPr>
+            <a:spLocks noGrp="1"/>
+          </p:cNvSpPr>
+          <p:nvPr>
+            <p:ph type="title"/>
+          </p:nvPr>
+        </p:nvSpPr>
+        <p:spPr>
+          <a:xfrm>
+            <a:off x="394228" y="1388978"/>
+            <a:ext cx="8028852" cy="1143000"/>
+          </a:xfrm>
+        </p:spPr>
+        <p:txBody>
+          <a:bodyPr/>
+          <a:lstStyle/>
+          <a:p>
+            <a:r>
+              <a:rPr lang="en-US" dirty="0"/>
+              <a:t>4. Backend</a:t>
+            </a:r>
+          </a:p>
+        </p:txBody>
+      </p:sp>
+      <p:sp>
+        <p:nvSpPr>
+          <p:cNvPr id="5" name="Content Placeholder 4"/>
+          <p:cNvSpPr>
+            <a:spLocks noGrp="1"/>
+          </p:cNvSpPr>
+          <p:nvPr>
+            <p:ph idx="1"/>
+          </p:nvPr>
+        </p:nvSpPr>
+        <p:spPr>
+          <a:xfrm>
+            <a:off x="657948" y="3543300"/>
+            <a:ext cx="8028852" cy="809625"/>
+          </a:xfrm>
+        </p:spPr>
+        <p:txBody>
+          <a:bodyPr/>
+          <a:lstStyle/>
+          <a:p>
+            <a:r>
+              <a:rPr lang="en-US" dirty="0"/>
+              <a:t> </a:t>
+            </a:r>
+          </a:p>
+        </p:txBody>
+      </p:sp>
+      <p:sp>
+        <p:nvSpPr>
+          <p:cNvPr id="6" name="Date Placeholder 5"/>
+          <p:cNvSpPr>
+            <a:spLocks noGrp="1"/>
+          </p:cNvSpPr>
+          <p:nvPr>
+            <p:ph type="dt" sz="half" idx="10"/>
+          </p:nvPr>
+        </p:nvSpPr>
+        <p:spPr/>
+        <p:txBody>
+          <a:bodyPr/>
+          <a:lstStyle/>
+          <a:p>
+            <a:fld id="{DB4E9D77-C996-DF40-82BF-4D0EB0C0014F}" type="datetime1">
+              <a:t>20/06/2019</a:t>
+            </a:fld>
+            <a:endParaRPr lang="en-US"/>
+          </a:p>
+        </p:txBody>
+      </p:sp>
+      <p:sp>
+        <p:nvSpPr>
+          <p:cNvPr id="7" name="Footer Placeholder 6"/>
+          <p:cNvSpPr>
+            <a:spLocks noGrp="1"/>
+          </p:cNvSpPr>
+          <p:nvPr>
+            <p:ph type="ftr" sz="quarter" idx="11"/>
+          </p:nvPr>
+        </p:nvSpPr>
+        <p:spPr/>
+        <p:txBody>
+          <a:bodyPr/>
+          <a:lstStyle/>
+          <a:p>
+            <a:r>
+              <a:rPr lang="en-US" dirty="0" err="1"/>
+              <a:t>Projectenwebsite</a:t>
+            </a:r>
+            <a:endParaRPr lang="en-US" dirty="0"/>
+          </a:p>
+        </p:txBody>
+      </p:sp>
+      <p:sp>
+        <p:nvSpPr>
+          <p:cNvPr id="8" name="Slide Number Placeholder 7"/>
+          <p:cNvSpPr>
+            <a:spLocks noGrp="1"/>
+          </p:cNvSpPr>
+          <p:nvPr>
+            <p:ph type="sldNum" sz="quarter" idx="12"/>
+          </p:nvPr>
+        </p:nvSpPr>
+        <p:spPr/>
+        <p:txBody>
+          <a:bodyPr/>
+          <a:lstStyle/>
+          <a:p>
+            <a:fld id="{FCA3638F-6D52-644A-9831-93255061F043}" type="slidenum">
+              <a:rPr lang="en-US"/>
+              <a:t>10</a:t>
+            </a:fld>
+            <a:endParaRPr lang="en-US"/>
+          </a:p>
+        </p:txBody>
+      </p:sp>
+      <p:sp>
+        <p:nvSpPr>
+          <p:cNvPr id="9" name="Text Placeholder 2"/>
+          <p:cNvSpPr txBox="1">
+            <a:spLocks/>
+          </p:cNvSpPr>
+          <p:nvPr/>
+        </p:nvSpPr>
+        <p:spPr>
+          <a:xfrm>
+            <a:off x="1012760" y="3780402"/>
+            <a:ext cx="8455090" cy="1879600"/>
+          </a:xfrm>
+          <a:prstGeom prst="rect">
+            <a:avLst/>
+          </a:prstGeom>
+        </p:spPr>
+        <p:txBody>
+          <a:bodyPr vert="horz" lIns="91440" tIns="45720" rIns="91440" bIns="45720" rtlCol="0">
+            <a:normAutofit/>
+          </a:bodyPr>
+          <a:lstStyle>
+            <a:lvl1pPr marL="0" indent="0" algn="l" defTabSz="457200" rtl="0" eaLnBrk="1" latinLnBrk="0" hangingPunct="1">
+              <a:lnSpc>
+                <a:spcPct val="120000"/>
+              </a:lnSpc>
+              <a:spcBef>
+                <a:spcPct val="20000"/>
+              </a:spcBef>
+              <a:buFont typeface="Arial"/>
+              <a:buNone/>
+              <a:defRPr sz="3000" b="1" kern="1200">
+                <a:solidFill>
+                  <a:schemeClr val="tx1"/>
+                </a:solidFill>
+                <a:latin typeface="Corbel"/>
+                <a:ea typeface="+mn-ea"/>
+                <a:cs typeface="Corbel"/>
+              </a:defRPr>
+            </a:lvl1pPr>
+            <a:lvl2pPr marL="269875" indent="-269875" algn="l" defTabSz="457200" rtl="0" eaLnBrk="1" latinLnBrk="0" hangingPunct="1">
+              <a:spcBef>
+                <a:spcPct val="20000"/>
+              </a:spcBef>
+              <a:buFont typeface="Arial"/>
+              <a:buChar char="•"/>
+              <a:defRPr sz="2600" kern="1200">
+                <a:solidFill>
+                  <a:schemeClr val="tx1"/>
+                </a:solidFill>
+                <a:latin typeface="Corbel"/>
+                <a:ea typeface="+mn-ea"/>
+                <a:cs typeface="Corbel"/>
+              </a:defRPr>
+            </a:lvl2pPr>
+            <a:lvl3pPr marL="449263" indent="-179388" algn="l" defTabSz="457200" rtl="0" eaLnBrk="1" latinLnBrk="0" hangingPunct="1">
+              <a:spcBef>
+                <a:spcPct val="20000"/>
+              </a:spcBef>
+              <a:buFont typeface="Arial"/>
+              <a:buChar char="•"/>
+              <a:defRPr sz="2400" kern="1200">
+                <a:solidFill>
+                  <a:schemeClr val="tx1"/>
+                </a:solidFill>
+                <a:latin typeface="Corbel"/>
+                <a:ea typeface="+mn-ea"/>
+                <a:cs typeface="Corbel"/>
+              </a:defRPr>
+            </a:lvl3pPr>
+            <a:lvl4pPr marL="628650" indent="-179388" algn="l" defTabSz="457200" rtl="0" eaLnBrk="1" latinLnBrk="0" hangingPunct="1">
+              <a:spcBef>
+                <a:spcPct val="20000"/>
+              </a:spcBef>
+              <a:buFont typeface="Arial"/>
+              <a:buChar char="•"/>
+              <a:defRPr sz="2000" kern="1200">
+                <a:solidFill>
+                  <a:schemeClr val="tx1"/>
+                </a:solidFill>
+                <a:latin typeface="Corbel"/>
+                <a:ea typeface="+mn-ea"/>
+                <a:cs typeface="Corbel"/>
+              </a:defRPr>
+            </a:lvl4pPr>
+            <a:lvl5pPr marL="808038" indent="-179388" algn="l" defTabSz="457200" rtl="0" eaLnBrk="1" latinLnBrk="0" hangingPunct="1">
+              <a:spcBef>
+                <a:spcPct val="20000"/>
+              </a:spcBef>
+              <a:buFont typeface="Arial"/>
+              <a:buChar char="•"/>
+              <a:defRPr sz="2000" kern="1200">
+                <a:solidFill>
+                  <a:schemeClr val="tx1"/>
+                </a:solidFill>
+                <a:latin typeface="Corbel"/>
+                <a:ea typeface="+mn-ea"/>
+                <a:cs typeface="Corbel"/>
+              </a:defRPr>
+            </a:lvl5pPr>
+            <a:lvl6pPr marL="2514600" indent="-228600" algn="l" defTabSz="457200" rtl="0" eaLnBrk="1" latinLnBrk="0" hangingPunct="1">
+              <a:spcBef>
+                <a:spcPct val="20000"/>
+              </a:spcBef>
+              <a:buFont typeface="Arial"/>
+              <a:buChar char="•"/>
+              <a:defRPr sz="2000" kern="1200">
+                <a:solidFill>
+                  <a:schemeClr val="tx1"/>
+                </a:solidFill>
+                <a:latin typeface="+mn-lt"/>
+                <a:ea typeface="+mn-ea"/>
+                <a:cs typeface="+mn-cs"/>
+              </a:defRPr>
+            </a:lvl6pPr>
+            <a:lvl7pPr marL="2971800" indent="-228600" algn="l" defTabSz="457200" rtl="0" eaLnBrk="1" latinLnBrk="0" hangingPunct="1">
+              <a:spcBef>
+                <a:spcPct val="20000"/>
+              </a:spcBef>
+              <a:buFont typeface="Arial"/>
+              <a:buChar char="•"/>
+              <a:defRPr sz="2000" kern="1200">
+                <a:solidFill>
+                  <a:schemeClr val="tx1"/>
+                </a:solidFill>
+                <a:latin typeface="+mn-lt"/>
+                <a:ea typeface="+mn-ea"/>
+                <a:cs typeface="+mn-cs"/>
+              </a:defRPr>
+            </a:lvl7pPr>
+            <a:lvl8pPr marL="3429000" indent="-228600" algn="l" defTabSz="457200" rtl="0" eaLnBrk="1" latinLnBrk="0" hangingPunct="1">
+              <a:spcBef>
+                <a:spcPct val="20000"/>
+              </a:spcBef>
+              <a:buFont typeface="Arial"/>
+              <a:buChar char="•"/>
+              <a:defRPr sz="2000" kern="1200">
+                <a:solidFill>
+                  <a:schemeClr val="tx1"/>
+                </a:solidFill>
+                <a:latin typeface="+mn-lt"/>
+                <a:ea typeface="+mn-ea"/>
+                <a:cs typeface="+mn-cs"/>
+              </a:defRPr>
+            </a:lvl8pPr>
+            <a:lvl9pPr marL="3886200" indent="-228600" algn="l" defTabSz="457200" rtl="0" eaLnBrk="1" latinLnBrk="0" hangingPunct="1">
+              <a:spcBef>
+                <a:spcPct val="20000"/>
+              </a:spcBef>
+              <a:buFont typeface="Arial"/>
+              <a:buChar char="•"/>
+              <a:defRPr sz="2000" kern="1200">
+                <a:solidFill>
+                  <a:schemeClr val="tx1"/>
+                </a:solidFill>
+                <a:latin typeface="+mn-lt"/>
+                <a:ea typeface="+mn-ea"/>
+                <a:cs typeface="+mn-cs"/>
+              </a:defRPr>
+            </a:lvl9pPr>
+          </a:lstStyle>
+          <a:p>
+            <a:endParaRPr lang="nl-BE" sz="2400" dirty="0"/>
+          </a:p>
+        </p:txBody>
+      </p:sp>
+    </p:spTree>
+    <p:extLst>
+      <p:ext uri="{BB962C8B-B14F-4D97-AF65-F5344CB8AC3E}">
+        <p14:creationId xmlns:p14="http://schemas.microsoft.com/office/powerpoint/2010/main" val="2626308910"/>
+      </p:ext>
+    </p:extLst>
+  </p:cSld>
+  <p:clrMapOvr>
+    <a:masterClrMapping/>
+  </p:clrMapOvr>
+  <p:transition spd="slow">
+    <p:cover/>
+  </p:transition>
+</p:sld>
+</file>
+
+<file path=ppt/slides/slide11.xml><?xml version="1.0" encoding="utf-8"?>
+<p:sld xmlns:a="http://schemas.openxmlformats.org/drawingml/2006/main" xmlns:r="http://schemas.openxmlformats.org/officeDocument/2006/relationships" xmlns:p="http://schemas.openxmlformats.org/presentationml/2006/main">
+  <p:cSld>
+    <p:spTree>
+      <p:nvGrpSpPr>
+        <p:cNvPr id="1" name=""/>
+        <p:cNvGrpSpPr/>
+        <p:nvPr/>
+      </p:nvGrpSpPr>
+      <p:grpSpPr>
+        <a:xfrm>
+          <a:off x="0" y="0"/>
+          <a:ext cx="0" cy="0"/>
+          <a:chOff x="0" y="0"/>
+          <a:chExt cx="0" cy="0"/>
+        </a:xfrm>
+      </p:grpSpPr>
+      <p:sp>
+        <p:nvSpPr>
+          <p:cNvPr id="2" name="Titel 1">
+            <a:extLst>
+              <a:ext uri="{FF2B5EF4-FFF2-40B4-BE49-F238E27FC236}">
+                <a16:creationId xmlns:a16="http://schemas.microsoft.com/office/drawing/2014/main" id="{95F08245-5FF3-41B5-B208-0516EF9EDB4D}"/>
+              </a:ext>
+            </a:extLst>
+          </p:cNvPr>
+          <p:cNvSpPr>
+            <a:spLocks noGrp="1"/>
+          </p:cNvSpPr>
+          <p:nvPr>
+            <p:ph type="title"/>
+          </p:nvPr>
+        </p:nvSpPr>
+        <p:spPr/>
+        <p:txBody>
+          <a:bodyPr/>
+          <a:lstStyle/>
+          <a:p>
+            <a:r>
+              <a:rPr lang="nl-BE" dirty="0"/>
+              <a:t>Wat is </a:t>
+            </a:r>
+            <a:r>
+              <a:rPr lang="nl-BE" dirty="0" err="1"/>
+              <a:t>Laravel</a:t>
+            </a:r>
+            <a:endParaRPr lang="nl-BE" dirty="0"/>
+          </a:p>
+        </p:txBody>
+      </p:sp>
+      <p:sp>
+        <p:nvSpPr>
+          <p:cNvPr id="3" name="Tijdelijke aanduiding voor inhoud 2">
+            <a:extLst>
+              <a:ext uri="{FF2B5EF4-FFF2-40B4-BE49-F238E27FC236}">
+                <a16:creationId xmlns:a16="http://schemas.microsoft.com/office/drawing/2014/main" id="{8D1AB9A6-7C39-4D41-A494-BC1D1797CDD1}"/>
+              </a:ext>
+            </a:extLst>
+          </p:cNvPr>
+          <p:cNvSpPr>
+            <a:spLocks noGrp="1"/>
+          </p:cNvSpPr>
+          <p:nvPr>
+            <p:ph idx="1"/>
+          </p:nvPr>
+        </p:nvSpPr>
+        <p:spPr/>
+        <p:txBody>
+          <a:bodyPr>
+            <a:normAutofit/>
+          </a:bodyPr>
+          <a:lstStyle/>
+          <a:p>
+            <a:pPr marL="457200" indent="-457200">
+              <a:buFont typeface="Arial" panose="020B0604020202020204" pitchFamily="34" charset="0"/>
+              <a:buChar char="•"/>
+            </a:pPr>
+            <a:r>
+              <a:rPr lang="nl-BE" b="0" dirty="0"/>
+              <a:t>open source </a:t>
+            </a:r>
+            <a:r>
+              <a:rPr lang="nl-BE" b="0" dirty="0" err="1"/>
+              <a:t>framework</a:t>
+            </a:r>
+            <a:endParaRPr lang="nl-BE" b="0" dirty="0"/>
+          </a:p>
+          <a:p>
+            <a:pPr marL="457200" indent="-457200">
+              <a:buFont typeface="Arial" panose="020B0604020202020204" pitchFamily="34" charset="0"/>
+              <a:buChar char="•"/>
+            </a:pPr>
+            <a:r>
+              <a:rPr lang="nl-BE" b="0" dirty="0"/>
+              <a:t>MVC structuur</a:t>
+            </a:r>
+          </a:p>
+          <a:p>
+            <a:pPr marL="457200" indent="-457200">
+              <a:buFont typeface="Arial" panose="020B0604020202020204" pitchFamily="34" charset="0"/>
+              <a:buChar char="•"/>
+            </a:pPr>
+            <a:r>
+              <a:rPr lang="nl-BE" b="0" dirty="0"/>
+              <a:t>Framework rond PHP</a:t>
+            </a:r>
+            <a:br>
+              <a:rPr lang="nl-BE" b="0" dirty="0"/>
+            </a:br>
+            <a:endParaRPr lang="nl-BE" dirty="0"/>
+          </a:p>
+        </p:txBody>
+      </p:sp>
+      <p:sp>
+        <p:nvSpPr>
+          <p:cNvPr id="4" name="Tijdelijke aanduiding voor datum 3">
+            <a:extLst>
+              <a:ext uri="{FF2B5EF4-FFF2-40B4-BE49-F238E27FC236}">
+                <a16:creationId xmlns:a16="http://schemas.microsoft.com/office/drawing/2014/main" id="{5406147F-57C7-41B2-84D6-967A2496A2E8}"/>
+              </a:ext>
+            </a:extLst>
+          </p:cNvPr>
+          <p:cNvSpPr>
+            <a:spLocks noGrp="1"/>
+          </p:cNvSpPr>
+          <p:nvPr>
+            <p:ph type="dt" sz="half" idx="10"/>
+          </p:nvPr>
+        </p:nvSpPr>
+        <p:spPr/>
+        <p:txBody>
+          <a:bodyPr/>
+          <a:lstStyle/>
+          <a:p>
+            <a:fld id="{36086CE3-90FF-5744-87D8-5D36EE4D91CC}" type="datetime1">
+              <a:rPr lang="nl-BE" smtClean="0"/>
+              <a:t>20/06/2019</a:t>
+            </a:fld>
+            <a:endParaRPr lang="en-US"/>
+          </a:p>
+        </p:txBody>
+      </p:sp>
+      <p:sp>
+        <p:nvSpPr>
+          <p:cNvPr id="5" name="Tijdelijke aanduiding voor voettekst 4">
+            <a:extLst>
+              <a:ext uri="{FF2B5EF4-FFF2-40B4-BE49-F238E27FC236}">
+                <a16:creationId xmlns:a16="http://schemas.microsoft.com/office/drawing/2014/main" id="{DC9D167B-F8C4-4137-987E-19361E326DAD}"/>
+              </a:ext>
+            </a:extLst>
+          </p:cNvPr>
+          <p:cNvSpPr>
+            <a:spLocks noGrp="1"/>
+          </p:cNvSpPr>
+          <p:nvPr>
+            <p:ph type="ftr" sz="quarter" idx="11"/>
+          </p:nvPr>
+        </p:nvSpPr>
+        <p:spPr/>
+        <p:txBody>
+          <a:bodyPr/>
+          <a:lstStyle/>
+          <a:p>
+            <a:r>
+              <a:rPr lang="en-US" dirty="0" err="1"/>
+              <a:t>Projectenwebsite</a:t>
+            </a:r>
+            <a:endParaRPr lang="en-US" dirty="0"/>
+          </a:p>
+        </p:txBody>
+      </p:sp>
+      <p:sp>
+        <p:nvSpPr>
+          <p:cNvPr id="6" name="Tijdelijke aanduiding voor dianummer 5">
+            <a:extLst>
+              <a:ext uri="{FF2B5EF4-FFF2-40B4-BE49-F238E27FC236}">
+                <a16:creationId xmlns:a16="http://schemas.microsoft.com/office/drawing/2014/main" id="{BE6BDC19-8FD4-4E12-8E8B-5B9EC78003DD}"/>
+              </a:ext>
+            </a:extLst>
+          </p:cNvPr>
+          <p:cNvSpPr>
+            <a:spLocks noGrp="1"/>
+          </p:cNvSpPr>
+          <p:nvPr>
+            <p:ph type="sldNum" sz="quarter" idx="12"/>
+          </p:nvPr>
+        </p:nvSpPr>
+        <p:spPr/>
+        <p:txBody>
+          <a:bodyPr/>
+          <a:lstStyle/>
+          <a:p>
+            <a:fld id="{FCA3638F-6D52-644A-9831-93255061F043}" type="slidenum">
+              <a:rPr lang="nl-BE" smtClean="0"/>
+              <a:t>11</a:t>
+            </a:fld>
+            <a:endParaRPr lang="nl-BE"/>
+          </a:p>
+        </p:txBody>
+      </p:sp>
+      <p:pic>
+        <p:nvPicPr>
+          <p:cNvPr id="2052" name="Picture 4" descr="Afbeeldingsresultaat voor laravel png">
+            <a:extLst>
+              <a:ext uri="{FF2B5EF4-FFF2-40B4-BE49-F238E27FC236}">
+                <a16:creationId xmlns:a16="http://schemas.microsoft.com/office/drawing/2014/main" id="{EA0F2ADC-55F8-4958-944A-18288C3F19AD}"/>
+              </a:ext>
+            </a:extLst>
+          </p:cNvPr>
+          <p:cNvPicPr>
+            <a:picLocks noChangeAspect="1" noChangeArrowheads="1"/>
+          </p:cNvPicPr>
+          <p:nvPr/>
+        </p:nvPicPr>
+        <p:blipFill>
+          <a:blip r:embed="rId2">
+            <a:extLst>
+              <a:ext uri="{28A0092B-C50C-407E-A947-70E740481C1C}">
+                <a14:useLocalDpi xmlns:a14="http://schemas.microsoft.com/office/drawing/2010/main" val="0"/>
+              </a:ext>
+            </a:extLst>
+          </a:blip>
+          <a:srcRect/>
+          <a:stretch>
+            <a:fillRect/>
+          </a:stretch>
+        </p:blipFill>
+        <p:spPr bwMode="auto">
+          <a:xfrm>
+            <a:off x="1021080" y="3693160"/>
+            <a:ext cx="5334000" cy="2000250"/>
+          </a:xfrm>
+          <a:prstGeom prst="rect">
+            <a:avLst/>
+          </a:prstGeom>
+          <a:noFill/>
+          <a:extLst>
+            <a:ext uri="{909E8E84-426E-40DD-AFC4-6F175D3DCCD1}">
+              <a14:hiddenFill xmlns:a14="http://schemas.microsoft.com/office/drawing/2010/main">
+                <a:solidFill>
+                  <a:srgbClr val="FFFFFF"/>
+                </a:solidFill>
+              </a14:hiddenFill>
+            </a:ext>
+          </a:extLst>
+        </p:spPr>
+      </p:pic>
+    </p:spTree>
+    <p:extLst>
+      <p:ext uri="{BB962C8B-B14F-4D97-AF65-F5344CB8AC3E}">
+        <p14:creationId xmlns:p14="http://schemas.microsoft.com/office/powerpoint/2010/main" val="2446981455"/>
+      </p:ext>
+    </p:extLst>
+  </p:cSld>
+  <p:clrMapOvr>
+    <a:masterClrMapping/>
+  </p:clrMapOvr>
+</p:sld>
+</file>
+
+<file path=ppt/slides/slide12.xml><?xml version="1.0" encoding="utf-8"?>
+<p:sld xmlns:a="http://schemas.openxmlformats.org/drawingml/2006/main" xmlns:r="http://schemas.openxmlformats.org/officeDocument/2006/relationships" xmlns:p="http://schemas.openxmlformats.org/presentationml/2006/main">
+  <p:cSld>
+    <p:spTree>
+      <p:nvGrpSpPr>
+        <p:cNvPr id="1" name=""/>
+        <p:cNvGrpSpPr/>
+        <p:nvPr/>
+      </p:nvGrpSpPr>
+      <p:grpSpPr>
+        <a:xfrm>
+          <a:off x="0" y="0"/>
+          <a:ext cx="0" cy="0"/>
+          <a:chOff x="0" y="0"/>
+          <a:chExt cx="0" cy="0"/>
+        </a:xfrm>
+      </p:grpSpPr>
+      <p:sp>
+        <p:nvSpPr>
           <p:cNvPr id="2" name="Titel 1">
             <a:extLst>
               <a:ext uri="{FF2B5EF4-FFF2-40B4-BE49-F238E27FC236}">
@@ -17313,7 +17894,7 @@
           <a:p>
             <a:fld id="{FCA3638F-6D52-644A-9831-93255061F043}" type="slidenum">
               <a:rPr lang="nl-BE" smtClean="0"/>
-              <a:t>10</a:t>
+              <a:t>12</a:t>
             </a:fld>
             <a:endParaRPr lang="nl-BE"/>
           </a:p>
@@ -17407,7 +17988,7 @@
 </p:sld>
 </file>
 
-<file path=ppt/slides/slide11.xml><?xml version="1.0" encoding="utf-8"?>
+<file path=ppt/slides/slide13.xml><?xml version="1.0" encoding="utf-8"?>
 <p:sld xmlns:a="http://schemas.openxmlformats.org/drawingml/2006/main" xmlns:r="http://schemas.openxmlformats.org/officeDocument/2006/relationships" xmlns:p="http://schemas.openxmlformats.org/presentationml/2006/main">
   <p:cSld>
     <p:spTree>
@@ -17606,7 +18187,7 @@
           <a:p>
             <a:fld id="{FCA3638F-6D52-644A-9831-93255061F043}" type="slidenum">
               <a:rPr lang="nl-BE" smtClean="0"/>
-              <a:t>11</a:t>
+              <a:t>13</a:t>
             </a:fld>
             <a:endParaRPr lang="nl-BE"/>
           </a:p>
@@ -17733,7 +18314,7 @@
 </p:sld>
 </file>
 
-<file path=ppt/slides/slide12.xml><?xml version="1.0" encoding="utf-8"?>
+<file path=ppt/slides/slide14.xml><?xml version="1.0" encoding="utf-8"?>
 <p:sld xmlns:a="http://schemas.openxmlformats.org/drawingml/2006/main" xmlns:r="http://schemas.openxmlformats.org/officeDocument/2006/relationships" xmlns:p="http://schemas.openxmlformats.org/presentationml/2006/main">
   <p:cSld>
     <p:spTree>
@@ -17926,7 +18507,7 @@
           <a:p>
             <a:fld id="{FCA3638F-6D52-644A-9831-93255061F043}" type="slidenum">
               <a:rPr lang="nl-BE" smtClean="0"/>
-              <a:t>12</a:t>
+              <a:t>14</a:t>
             </a:fld>
             <a:endParaRPr lang="nl-BE"/>
           </a:p>
@@ -17945,7 +18526,7 @@
 </p:sld>
 </file>
 
-<file path=ppt/slides/slide13.xml><?xml version="1.0" encoding="utf-8"?>
+<file path=ppt/slides/slide15.xml><?xml version="1.0" encoding="utf-8"?>
 <p:sld xmlns:a="http://schemas.openxmlformats.org/drawingml/2006/main" xmlns:r="http://schemas.openxmlformats.org/officeDocument/2006/relationships" xmlns:p="http://schemas.openxmlformats.org/presentationml/2006/main">
   <p:cSld>
     <p:spTree>
@@ -18186,7 +18767,7 @@
           <a:p>
             <a:fld id="{FCA3638F-6D52-644A-9831-93255061F043}" type="slidenum">
               <a:rPr lang="nl-BE" smtClean="0"/>
-              <a:t>13</a:t>
+              <a:t>15</a:t>
             </a:fld>
             <a:endParaRPr lang="nl-BE"/>
           </a:p>
@@ -18205,7 +18786,7 @@
 </p:sld>
 </file>
 
-<file path=ppt/slides/slide14.xml><?xml version="1.0" encoding="utf-8"?>
+<file path=ppt/slides/slide16.xml><?xml version="1.0" encoding="utf-8"?>
 <p:sld xmlns:a="http://schemas.openxmlformats.org/drawingml/2006/main" xmlns:r="http://schemas.openxmlformats.org/officeDocument/2006/relationships" xmlns:p="http://schemas.openxmlformats.org/presentationml/2006/main">
   <p:cSld>
     <p:spTree>
@@ -18338,7 +18919,7 @@
           <a:p>
             <a:fld id="{FCA3638F-6D52-644A-9831-93255061F043}" type="slidenum">
               <a:rPr lang="nl-NL" smtClean="0"/>
-              <a:t>14</a:t>
+              <a:t>16</a:t>
             </a:fld>
             <a:endParaRPr lang="nl-NL"/>
           </a:p>
@@ -18690,7 +19271,7 @@
 </p:sld>
 </file>
 
-<file path=ppt/slides/slide15.xml><?xml version="1.0" encoding="utf-8"?>
+<file path=ppt/slides/slide17.xml><?xml version="1.0" encoding="utf-8"?>
 <p:sld xmlns:a="http://schemas.openxmlformats.org/drawingml/2006/main" xmlns:r="http://schemas.openxmlformats.org/officeDocument/2006/relationships" xmlns:p="http://schemas.openxmlformats.org/presentationml/2006/main">
   <p:cSld>
     <p:spTree>
@@ -18865,7 +19446,7 @@
           <a:p>
             <a:fld id="{FCA3638F-6D52-644A-9831-93255061F043}" type="slidenum">
               <a:rPr lang="nl-BE" smtClean="0"/>
-              <a:t>15</a:t>
+              <a:t>17</a:t>
             </a:fld>
             <a:endParaRPr lang="nl-BE"/>
           </a:p>
@@ -19091,7 +19672,7 @@
 </p:sld>
 </file>
 
-<file path=ppt/slides/slide16.xml><?xml version="1.0" encoding="utf-8"?>
+<file path=ppt/slides/slide18.xml><?xml version="1.0" encoding="utf-8"?>
 <p:sld xmlns:a="http://schemas.openxmlformats.org/drawingml/2006/main" xmlns:r="http://schemas.openxmlformats.org/officeDocument/2006/relationships" xmlns:p="http://schemas.openxmlformats.org/presentationml/2006/main">
   <p:cSld>
     <p:spTree>
@@ -19285,7 +19866,7 @@
           <a:p>
             <a:fld id="{FCA3638F-6D52-644A-9831-93255061F043}" type="slidenum">
               <a:rPr lang="nl-BE" smtClean="0"/>
-              <a:t>16</a:t>
+              <a:t>18</a:t>
             </a:fld>
             <a:endParaRPr lang="nl-BE"/>
           </a:p>
@@ -19356,534 +19937,6 @@
     <p:extLst>
       <p:ext uri="{BB962C8B-B14F-4D97-AF65-F5344CB8AC3E}">
         <p14:creationId xmlns:p14="http://schemas.microsoft.com/office/powerpoint/2010/main" val="1738955638"/>
-      </p:ext>
-    </p:extLst>
-  </p:cSld>
-  <p:clrMapOvr>
-    <a:masterClrMapping/>
-  </p:clrMapOvr>
-</p:sld>
-</file>
-
-<file path=ppt/slides/slide17.xml><?xml version="1.0" encoding="utf-8"?>
-<p:sld xmlns:a="http://schemas.openxmlformats.org/drawingml/2006/main" xmlns:r="http://schemas.openxmlformats.org/officeDocument/2006/relationships" xmlns:p="http://schemas.openxmlformats.org/presentationml/2006/main">
-  <p:cSld>
-    <p:spTree>
-      <p:nvGrpSpPr>
-        <p:cNvPr id="1" name=""/>
-        <p:cNvGrpSpPr/>
-        <p:nvPr/>
-      </p:nvGrpSpPr>
-      <p:grpSpPr>
-        <a:xfrm>
-          <a:off x="0" y="0"/>
-          <a:ext cx="0" cy="0"/>
-          <a:chOff x="0" y="0"/>
-          <a:chExt cx="0" cy="0"/>
-        </a:xfrm>
-      </p:grpSpPr>
-      <p:sp>
-        <p:nvSpPr>
-          <p:cNvPr id="4" name="Title 3"/>
-          <p:cNvSpPr>
-            <a:spLocks noGrp="1"/>
-          </p:cNvSpPr>
-          <p:nvPr>
-            <p:ph type="title"/>
-          </p:nvPr>
-        </p:nvSpPr>
-        <p:spPr>
-          <a:xfrm>
-            <a:off x="394228" y="1388978"/>
-            <a:ext cx="8028852" cy="1143000"/>
-          </a:xfrm>
-        </p:spPr>
-        <p:txBody>
-          <a:bodyPr/>
-          <a:lstStyle/>
-          <a:p>
-            <a:r>
-              <a:rPr lang="en-US" dirty="0"/>
-              <a:t>4. Frontend</a:t>
-            </a:r>
-          </a:p>
-        </p:txBody>
-      </p:sp>
-      <p:sp>
-        <p:nvSpPr>
-          <p:cNvPr id="5" name="Content Placeholder 4"/>
-          <p:cNvSpPr>
-            <a:spLocks noGrp="1"/>
-          </p:cNvSpPr>
-          <p:nvPr>
-            <p:ph idx="1"/>
-          </p:nvPr>
-        </p:nvSpPr>
-        <p:spPr>
-          <a:xfrm>
-            <a:off x="657948" y="3543300"/>
-            <a:ext cx="8028852" cy="809625"/>
-          </a:xfrm>
-        </p:spPr>
-        <p:txBody>
-          <a:bodyPr/>
-          <a:lstStyle/>
-          <a:p>
-            <a:r>
-              <a:rPr lang="en-US" dirty="0"/>
-              <a:t> </a:t>
-            </a:r>
-          </a:p>
-        </p:txBody>
-      </p:sp>
-      <p:sp>
-        <p:nvSpPr>
-          <p:cNvPr id="6" name="Date Placeholder 5"/>
-          <p:cNvSpPr>
-            <a:spLocks noGrp="1"/>
-          </p:cNvSpPr>
-          <p:nvPr>
-            <p:ph type="dt" sz="half" idx="10"/>
-          </p:nvPr>
-        </p:nvSpPr>
-        <p:spPr/>
-        <p:txBody>
-          <a:bodyPr/>
-          <a:lstStyle/>
-          <a:p>
-            <a:fld id="{DB4E9D77-C996-DF40-82BF-4D0EB0C0014F}" type="datetime1">
-              <a:rPr lang="nl-NL"/>
-              <a:t>20-6-2019</a:t>
-            </a:fld>
-            <a:endParaRPr lang="en-US"/>
-          </a:p>
-        </p:txBody>
-      </p:sp>
-      <p:sp>
-        <p:nvSpPr>
-          <p:cNvPr id="7" name="Footer Placeholder 6"/>
-          <p:cNvSpPr>
-            <a:spLocks noGrp="1"/>
-          </p:cNvSpPr>
-          <p:nvPr>
-            <p:ph type="ftr" sz="quarter" idx="11"/>
-          </p:nvPr>
-        </p:nvSpPr>
-        <p:spPr/>
-        <p:txBody>
-          <a:bodyPr/>
-          <a:lstStyle/>
-          <a:p>
-            <a:r>
-              <a:rPr lang="en-US" dirty="0" err="1"/>
-              <a:t>Projectenwebsite</a:t>
-            </a:r>
-            <a:endParaRPr lang="en-US" dirty="0"/>
-          </a:p>
-        </p:txBody>
-      </p:sp>
-      <p:sp>
-        <p:nvSpPr>
-          <p:cNvPr id="8" name="Slide Number Placeholder 7"/>
-          <p:cNvSpPr>
-            <a:spLocks noGrp="1"/>
-          </p:cNvSpPr>
-          <p:nvPr>
-            <p:ph type="sldNum" sz="quarter" idx="12"/>
-          </p:nvPr>
-        </p:nvSpPr>
-        <p:spPr/>
-        <p:txBody>
-          <a:bodyPr/>
-          <a:lstStyle/>
-          <a:p>
-            <a:fld id="{FCA3638F-6D52-644A-9831-93255061F043}" type="slidenum">
-              <a:rPr lang="en-US"/>
-              <a:t>17</a:t>
-            </a:fld>
-            <a:endParaRPr lang="en-US"/>
-          </a:p>
-        </p:txBody>
-      </p:sp>
-      <p:sp>
-        <p:nvSpPr>
-          <p:cNvPr id="9" name="Text Placeholder 2"/>
-          <p:cNvSpPr txBox="1">
-            <a:spLocks/>
-          </p:cNvSpPr>
-          <p:nvPr/>
-        </p:nvSpPr>
-        <p:spPr>
-          <a:xfrm>
-            <a:off x="1012760" y="3780402"/>
-            <a:ext cx="8455090" cy="1879600"/>
-          </a:xfrm>
-          <a:prstGeom prst="rect">
-            <a:avLst/>
-          </a:prstGeom>
-        </p:spPr>
-        <p:txBody>
-          <a:bodyPr vert="horz" lIns="91440" tIns="45720" rIns="91440" bIns="45720" rtlCol="0">
-            <a:normAutofit/>
-          </a:bodyPr>
-          <a:lstStyle>
-            <a:lvl1pPr marL="0" indent="0" algn="l" defTabSz="457200" rtl="0" eaLnBrk="1" latinLnBrk="0" hangingPunct="1">
-              <a:lnSpc>
-                <a:spcPct val="120000"/>
-              </a:lnSpc>
-              <a:spcBef>
-                <a:spcPct val="20000"/>
-              </a:spcBef>
-              <a:buFont typeface="Arial"/>
-              <a:buNone/>
-              <a:defRPr sz="3000" b="1" kern="1200">
-                <a:solidFill>
-                  <a:schemeClr val="tx1"/>
-                </a:solidFill>
-                <a:latin typeface="Corbel"/>
-                <a:ea typeface="+mn-ea"/>
-                <a:cs typeface="Corbel"/>
-              </a:defRPr>
-            </a:lvl1pPr>
-            <a:lvl2pPr marL="269875" indent="-269875" algn="l" defTabSz="457200" rtl="0" eaLnBrk="1" latinLnBrk="0" hangingPunct="1">
-              <a:spcBef>
-                <a:spcPct val="20000"/>
-              </a:spcBef>
-              <a:buFont typeface="Arial"/>
-              <a:buChar char="•"/>
-              <a:defRPr sz="2600" kern="1200">
-                <a:solidFill>
-                  <a:schemeClr val="tx1"/>
-                </a:solidFill>
-                <a:latin typeface="Corbel"/>
-                <a:ea typeface="+mn-ea"/>
-                <a:cs typeface="Corbel"/>
-              </a:defRPr>
-            </a:lvl2pPr>
-            <a:lvl3pPr marL="449263" indent="-179388" algn="l" defTabSz="457200" rtl="0" eaLnBrk="1" latinLnBrk="0" hangingPunct="1">
-              <a:spcBef>
-                <a:spcPct val="20000"/>
-              </a:spcBef>
-              <a:buFont typeface="Arial"/>
-              <a:buChar char="•"/>
-              <a:defRPr sz="2400" kern="1200">
-                <a:solidFill>
-                  <a:schemeClr val="tx1"/>
-                </a:solidFill>
-                <a:latin typeface="Corbel"/>
-                <a:ea typeface="+mn-ea"/>
-                <a:cs typeface="Corbel"/>
-              </a:defRPr>
-            </a:lvl3pPr>
-            <a:lvl4pPr marL="628650" indent="-179388" algn="l" defTabSz="457200" rtl="0" eaLnBrk="1" latinLnBrk="0" hangingPunct="1">
-              <a:spcBef>
-                <a:spcPct val="20000"/>
-              </a:spcBef>
-              <a:buFont typeface="Arial"/>
-              <a:buChar char="•"/>
-              <a:defRPr sz="2000" kern="1200">
-                <a:solidFill>
-                  <a:schemeClr val="tx1"/>
-                </a:solidFill>
-                <a:latin typeface="Corbel"/>
-                <a:ea typeface="+mn-ea"/>
-                <a:cs typeface="Corbel"/>
-              </a:defRPr>
-            </a:lvl4pPr>
-            <a:lvl5pPr marL="808038" indent="-179388" algn="l" defTabSz="457200" rtl="0" eaLnBrk="1" latinLnBrk="0" hangingPunct="1">
-              <a:spcBef>
-                <a:spcPct val="20000"/>
-              </a:spcBef>
-              <a:buFont typeface="Arial"/>
-              <a:buChar char="•"/>
-              <a:defRPr sz="2000" kern="1200">
-                <a:solidFill>
-                  <a:schemeClr val="tx1"/>
-                </a:solidFill>
-                <a:latin typeface="Corbel"/>
-                <a:ea typeface="+mn-ea"/>
-                <a:cs typeface="Corbel"/>
-              </a:defRPr>
-            </a:lvl5pPr>
-            <a:lvl6pPr marL="2514600" indent="-228600" algn="l" defTabSz="457200" rtl="0" eaLnBrk="1" latinLnBrk="0" hangingPunct="1">
-              <a:spcBef>
-                <a:spcPct val="20000"/>
-              </a:spcBef>
-              <a:buFont typeface="Arial"/>
-              <a:buChar char="•"/>
-              <a:defRPr sz="2000" kern="1200">
-                <a:solidFill>
-                  <a:schemeClr val="tx1"/>
-                </a:solidFill>
-                <a:latin typeface="+mn-lt"/>
-                <a:ea typeface="+mn-ea"/>
-                <a:cs typeface="+mn-cs"/>
-              </a:defRPr>
-            </a:lvl6pPr>
-            <a:lvl7pPr marL="2971800" indent="-228600" algn="l" defTabSz="457200" rtl="0" eaLnBrk="1" latinLnBrk="0" hangingPunct="1">
-              <a:spcBef>
-                <a:spcPct val="20000"/>
-              </a:spcBef>
-              <a:buFont typeface="Arial"/>
-              <a:buChar char="•"/>
-              <a:defRPr sz="2000" kern="1200">
-                <a:solidFill>
-                  <a:schemeClr val="tx1"/>
-                </a:solidFill>
-                <a:latin typeface="+mn-lt"/>
-                <a:ea typeface="+mn-ea"/>
-                <a:cs typeface="+mn-cs"/>
-              </a:defRPr>
-            </a:lvl7pPr>
-            <a:lvl8pPr marL="3429000" indent="-228600" algn="l" defTabSz="457200" rtl="0" eaLnBrk="1" latinLnBrk="0" hangingPunct="1">
-              <a:spcBef>
-                <a:spcPct val="20000"/>
-              </a:spcBef>
-              <a:buFont typeface="Arial"/>
-              <a:buChar char="•"/>
-              <a:defRPr sz="2000" kern="1200">
-                <a:solidFill>
-                  <a:schemeClr val="tx1"/>
-                </a:solidFill>
-                <a:latin typeface="+mn-lt"/>
-                <a:ea typeface="+mn-ea"/>
-                <a:cs typeface="+mn-cs"/>
-              </a:defRPr>
-            </a:lvl8pPr>
-            <a:lvl9pPr marL="3886200" indent="-228600" algn="l" defTabSz="457200" rtl="0" eaLnBrk="1" latinLnBrk="0" hangingPunct="1">
-              <a:spcBef>
-                <a:spcPct val="20000"/>
-              </a:spcBef>
-              <a:buFont typeface="Arial"/>
-              <a:buChar char="•"/>
-              <a:defRPr sz="2000" kern="1200">
-                <a:solidFill>
-                  <a:schemeClr val="tx1"/>
-                </a:solidFill>
-                <a:latin typeface="+mn-lt"/>
-                <a:ea typeface="+mn-ea"/>
-                <a:cs typeface="+mn-cs"/>
-              </a:defRPr>
-            </a:lvl9pPr>
-          </a:lstStyle>
-          <a:p>
-            <a:endParaRPr lang="nl-BE" sz="2400" dirty="0"/>
-          </a:p>
-        </p:txBody>
-      </p:sp>
-    </p:spTree>
-    <p:extLst>
-      <p:ext uri="{BB962C8B-B14F-4D97-AF65-F5344CB8AC3E}">
-        <p14:creationId xmlns:p14="http://schemas.microsoft.com/office/powerpoint/2010/main" val="2626308910"/>
-      </p:ext>
-    </p:extLst>
-  </p:cSld>
-  <p:clrMapOvr>
-    <a:masterClrMapping/>
-  </p:clrMapOvr>
-  <p:transition spd="slow">
-    <p:cover/>
-  </p:transition>
-</p:sld>
-</file>
-
-<file path=ppt/slides/slide18.xml><?xml version="1.0" encoding="utf-8"?>
-<p:sld xmlns:a="http://schemas.openxmlformats.org/drawingml/2006/main" xmlns:r="http://schemas.openxmlformats.org/officeDocument/2006/relationships" xmlns:p="http://schemas.openxmlformats.org/presentationml/2006/main">
-  <p:cSld>
-    <p:spTree>
-      <p:nvGrpSpPr>
-        <p:cNvPr id="1" name=""/>
-        <p:cNvGrpSpPr/>
-        <p:nvPr/>
-      </p:nvGrpSpPr>
-      <p:grpSpPr>
-        <a:xfrm>
-          <a:off x="0" y="0"/>
-          <a:ext cx="0" cy="0"/>
-          <a:chOff x="0" y="0"/>
-          <a:chExt cx="0" cy="0"/>
-        </a:xfrm>
-      </p:grpSpPr>
-      <p:sp>
-        <p:nvSpPr>
-          <p:cNvPr id="2" name="Titel 1">
-            <a:extLst>
-              <a:ext uri="{FF2B5EF4-FFF2-40B4-BE49-F238E27FC236}">
-                <a16:creationId xmlns:a16="http://schemas.microsoft.com/office/drawing/2014/main" id="{708A4B46-AF8E-496D-919E-08159839DB5A}"/>
-              </a:ext>
-            </a:extLst>
-          </p:cNvPr>
-          <p:cNvSpPr>
-            <a:spLocks noGrp="1"/>
-          </p:cNvSpPr>
-          <p:nvPr>
-            <p:ph type="title"/>
-          </p:nvPr>
-        </p:nvSpPr>
-        <p:spPr/>
-        <p:txBody>
-          <a:bodyPr/>
-          <a:lstStyle/>
-          <a:p>
-            <a:r>
-              <a:rPr lang="nl-BE" dirty="0" err="1"/>
-              <a:t>BootstrapVue</a:t>
-            </a:r>
-            <a:endParaRPr lang="nl-NL" dirty="0"/>
-          </a:p>
-        </p:txBody>
-      </p:sp>
-      <p:pic>
-        <p:nvPicPr>
-          <p:cNvPr id="8" name="Tijdelijke aanduiding voor inhoud 7" descr="Afbeelding met tekst&#10;&#10;Automatisch gegenereerde beschrijving">
-            <a:extLst>
-              <a:ext uri="{FF2B5EF4-FFF2-40B4-BE49-F238E27FC236}">
-                <a16:creationId xmlns:a16="http://schemas.microsoft.com/office/drawing/2014/main" id="{B6C79514-27AD-4AAD-9443-6BE86CD4D059}"/>
-              </a:ext>
-            </a:extLst>
-          </p:cNvPr>
-          <p:cNvPicPr>
-            <a:picLocks noGrp="1" noChangeAspect="1"/>
-          </p:cNvPicPr>
-          <p:nvPr>
-            <p:ph idx="1"/>
-          </p:nvPr>
-        </p:nvPicPr>
-        <p:blipFill>
-          <a:blip r:embed="rId2"/>
-          <a:stretch>
-            <a:fillRect/>
-          </a:stretch>
-        </p:blipFill>
-        <p:spPr>
-          <a:xfrm>
-            <a:off x="2875956" y="1934711"/>
-            <a:ext cx="3592835" cy="3801942"/>
-          </a:xfrm>
-        </p:spPr>
-      </p:pic>
-      <p:sp>
-        <p:nvSpPr>
-          <p:cNvPr id="4" name="Tijdelijke aanduiding voor datum 3">
-            <a:extLst>
-              <a:ext uri="{FF2B5EF4-FFF2-40B4-BE49-F238E27FC236}">
-                <a16:creationId xmlns:a16="http://schemas.microsoft.com/office/drawing/2014/main" id="{3119DBD2-003A-4BEB-BBF8-5B71A56355A9}"/>
-              </a:ext>
-            </a:extLst>
-          </p:cNvPr>
-          <p:cNvSpPr>
-            <a:spLocks noGrp="1"/>
-          </p:cNvSpPr>
-          <p:nvPr>
-            <p:ph type="dt" sz="half" idx="10"/>
-          </p:nvPr>
-        </p:nvSpPr>
-        <p:spPr/>
-        <p:txBody>
-          <a:bodyPr/>
-          <a:lstStyle/>
-          <a:p>
-            <a:fld id="{36086CE3-90FF-5744-87D8-5D36EE4D91CC}" type="datetime1">
-              <a:rPr lang="nl-NL" smtClean="0"/>
-              <a:t>20-6-2019</a:t>
-            </a:fld>
-            <a:endParaRPr lang="en-US"/>
-          </a:p>
-        </p:txBody>
-      </p:sp>
-      <p:sp>
-        <p:nvSpPr>
-          <p:cNvPr id="5" name="Tijdelijke aanduiding voor voettekst 4">
-            <a:extLst>
-              <a:ext uri="{FF2B5EF4-FFF2-40B4-BE49-F238E27FC236}">
-                <a16:creationId xmlns:a16="http://schemas.microsoft.com/office/drawing/2014/main" id="{5A61ABE5-658B-4B52-9006-DF00CD6B67D1}"/>
-              </a:ext>
-            </a:extLst>
-          </p:cNvPr>
-          <p:cNvSpPr>
-            <a:spLocks noGrp="1"/>
-          </p:cNvSpPr>
-          <p:nvPr>
-            <p:ph type="ftr" sz="quarter" idx="11"/>
-          </p:nvPr>
-        </p:nvSpPr>
-        <p:spPr/>
-        <p:txBody>
-          <a:bodyPr/>
-          <a:lstStyle/>
-          <a:p>
-            <a:r>
-              <a:rPr lang="en-US" dirty="0" err="1"/>
-              <a:t>Projectenwebsite</a:t>
-            </a:r>
-            <a:endParaRPr lang="en-US" dirty="0"/>
-          </a:p>
-        </p:txBody>
-      </p:sp>
-      <p:sp>
-        <p:nvSpPr>
-          <p:cNvPr id="6" name="Tijdelijke aanduiding voor dianummer 5">
-            <a:extLst>
-              <a:ext uri="{FF2B5EF4-FFF2-40B4-BE49-F238E27FC236}">
-                <a16:creationId xmlns:a16="http://schemas.microsoft.com/office/drawing/2014/main" id="{9862FE33-A8B4-44CE-B669-EA116B5396CC}"/>
-              </a:ext>
-            </a:extLst>
-          </p:cNvPr>
-          <p:cNvSpPr>
-            <a:spLocks noGrp="1"/>
-          </p:cNvSpPr>
-          <p:nvPr>
-            <p:ph type="sldNum" sz="quarter" idx="12"/>
-          </p:nvPr>
-        </p:nvSpPr>
-        <p:spPr/>
-        <p:txBody>
-          <a:bodyPr/>
-          <a:lstStyle/>
-          <a:p>
-            <a:fld id="{FCA3638F-6D52-644A-9831-93255061F043}" type="slidenum">
-              <a:rPr lang="nl-NL" smtClean="0"/>
-              <a:t>18</a:t>
-            </a:fld>
-            <a:endParaRPr lang="nl-NL"/>
-          </a:p>
-        </p:txBody>
-      </p:sp>
-      <p:sp>
-        <p:nvSpPr>
-          <p:cNvPr id="7" name="Rechthoek 6"/>
-          <p:cNvSpPr/>
-          <p:nvPr/>
-        </p:nvSpPr>
-        <p:spPr>
-          <a:xfrm>
-            <a:off x="5280183" y="5528904"/>
-            <a:ext cx="1388522" cy="415498"/>
-          </a:xfrm>
-          <a:prstGeom prst="rect">
-            <a:avLst/>
-          </a:prstGeom>
-        </p:spPr>
-        <p:txBody>
-          <a:bodyPr wrap="none">
-            <a:spAutoFit/>
-          </a:bodyPr>
-          <a:lstStyle/>
-          <a:p>
-            <a:r>
-              <a:rPr lang="nl-NL" sz="1050" b="1" dirty="0"/>
-              <a:t>Fig. 12:BootstrapVue</a:t>
-            </a:r>
-          </a:p>
-          <a:p>
-            <a:endParaRPr lang="nl-NL" sz="1050" b="1" dirty="0"/>
-          </a:p>
-        </p:txBody>
-      </p:sp>
-    </p:spTree>
-    <p:extLst>
-      <p:ext uri="{BB962C8B-B14F-4D97-AF65-F5344CB8AC3E}">
-        <p14:creationId xmlns:p14="http://schemas.microsoft.com/office/powerpoint/2010/main" val="500044303"/>
       </p:ext>
     </p:extLst>
   </p:cSld>
@@ -20773,7 +20826,7 @@
         </p:nvGrpSpPr>
         <p:grpSpPr>
           <a:xfrm>
-            <a:off x="2172957" y="4747045"/>
+            <a:off x="6565234" y="1517245"/>
             <a:ext cx="2194560" cy="1664518"/>
             <a:chOff x="2533250" y="1517762"/>
             <a:chExt cx="2926080" cy="2219353"/>
@@ -21283,7 +21336,7 @@
         </p:nvGrpSpPr>
         <p:grpSpPr>
           <a:xfrm>
-            <a:off x="6565234" y="1620680"/>
+            <a:off x="2231745" y="4747043"/>
             <a:ext cx="2194560" cy="587300"/>
             <a:chOff x="2533250" y="1517762"/>
             <a:chExt cx="2926080" cy="783066"/>
@@ -22261,7 +22314,7 @@
         </p:nvSpPr>
         <p:spPr>
           <a:xfrm>
-            <a:off x="7295584" y="2823434"/>
+            <a:off x="7502742" y="2747806"/>
             <a:ext cx="2538806" cy="646331"/>
           </a:xfrm>
           <a:prstGeom prst="rect">
@@ -24898,7 +24951,7 @@
           <a:p>
             <a:r>
               <a:rPr lang="en-US" dirty="0"/>
-              <a:t>3. Backend</a:t>
+              <a:t>3. Frontend</a:t>
             </a:r>
           </a:p>
         </p:txBody>
@@ -24946,7 +24999,8 @@
           <a:lstStyle/>
           <a:p>
             <a:fld id="{DB4E9D77-C996-DF40-82BF-4D0EB0C0014F}" type="datetime1">
-              <a:t>20/06/2019</a:t>
+              <a:rPr lang="nl-NL"/>
+              <a:t>20-6-2019</a:t>
             </a:fld>
             <a:endParaRPr lang="en-US"/>
           </a:p>
@@ -25202,7 +25256,7 @@
           <p:cNvPr id="2" name="Titel 1">
             <a:extLst>
               <a:ext uri="{FF2B5EF4-FFF2-40B4-BE49-F238E27FC236}">
-                <a16:creationId xmlns:a16="http://schemas.microsoft.com/office/drawing/2014/main" id="{95F08245-5FF3-41B5-B208-0516EF9EDB4D}"/>
+                <a16:creationId xmlns:a16="http://schemas.microsoft.com/office/drawing/2014/main" id="{708A4B46-AF8E-496D-919E-08159839DB5A}"/>
               </a:ext>
             </a:extLst>
           </p:cNvPr>
@@ -25219,218 +25273,164 @@
           <a:lstStyle/>
           <a:p>
             <a:r>
-              <a:rPr lang="nl-BE" dirty="0"/>
-              <a:t>Wat is </a:t>
-            </a:r>
-            <a:r>
               <a:rPr lang="nl-BE" dirty="0" err="1"/>
-              <a:t>Laravel</a:t>
-            </a:r>
-            <a:endParaRPr lang="nl-BE" dirty="0"/>
-          </a:p>
-        </p:txBody>
-      </p:sp>
-      <p:sp>
-        <p:nvSpPr>
-          <p:cNvPr id="3" name="Tijdelijke aanduiding voor inhoud 2">
+              <a:t>BootstrapVue</a:t>
+            </a:r>
+            <a:endParaRPr lang="nl-NL" dirty="0"/>
+          </a:p>
+        </p:txBody>
+      </p:sp>
+      <p:pic>
+        <p:nvPicPr>
+          <p:cNvPr id="8" name="Tijdelijke aanduiding voor inhoud 7" descr="Afbeelding met tekst&#10;&#10;Automatisch gegenereerde beschrijving">
             <a:extLst>
               <a:ext uri="{FF2B5EF4-FFF2-40B4-BE49-F238E27FC236}">
-                <a16:creationId xmlns:a16="http://schemas.microsoft.com/office/drawing/2014/main" id="{8D1AB9A6-7C39-4D41-A494-BC1D1797CDD1}"/>
-              </a:ext>
-            </a:extLst>
-          </p:cNvPr>
-          <p:cNvSpPr>
-            <a:spLocks noGrp="1"/>
-          </p:cNvSpPr>
-          <p:nvPr>
-            <p:ph idx="1"/>
-          </p:nvPr>
-        </p:nvSpPr>
-        <p:spPr/>
-        <p:txBody>
-          <a:bodyPr>
-            <a:normAutofit/>
-          </a:bodyPr>
-          <a:lstStyle/>
-          <a:p>
-            <a:pPr marL="457200" indent="-457200">
-              <a:buFont typeface="Arial" panose="020B0604020202020204" pitchFamily="34" charset="0"/>
-              <a:buChar char="•"/>
-            </a:pPr>
-            <a:r>
-              <a:rPr lang="nl-BE" b="0" dirty="0"/>
-              <a:t>open source </a:t>
-            </a:r>
-            <a:r>
-              <a:rPr lang="nl-BE" b="0" dirty="0" err="1"/>
-              <a:t>framework</a:t>
-            </a:r>
-            <a:endParaRPr lang="nl-BE" b="0" dirty="0"/>
-          </a:p>
-          <a:p>
-            <a:pPr marL="457200" indent="-457200">
-              <a:buFont typeface="Arial" panose="020B0604020202020204" pitchFamily="34" charset="0"/>
-              <a:buChar char="•"/>
-            </a:pPr>
-            <a:r>
-              <a:rPr lang="nl-BE" b="0" dirty="0"/>
-              <a:t>MVC structuur</a:t>
-            </a:r>
-          </a:p>
-          <a:p>
-            <a:pPr marL="457200" indent="-457200">
-              <a:buFont typeface="Arial" panose="020B0604020202020204" pitchFamily="34" charset="0"/>
-              <a:buChar char="•"/>
-            </a:pPr>
-            <a:r>
-              <a:rPr lang="nl-BE" b="0" dirty="0"/>
-              <a:t>Framework rond PHP</a:t>
-            </a:r>
-            <a:br>
-              <a:rPr lang="nl-BE" b="0" dirty="0"/>
-            </a:br>
-            <a:endParaRPr lang="nl-BE" dirty="0"/>
-          </a:p>
-        </p:txBody>
-      </p:sp>
-      <p:sp>
-        <p:nvSpPr>
-          <p:cNvPr id="4" name="Tijdelijke aanduiding voor datum 3">
-            <a:extLst>
-              <a:ext uri="{FF2B5EF4-FFF2-40B4-BE49-F238E27FC236}">
-                <a16:creationId xmlns:a16="http://schemas.microsoft.com/office/drawing/2014/main" id="{5406147F-57C7-41B2-84D6-967A2496A2E8}"/>
-              </a:ext>
-            </a:extLst>
-          </p:cNvPr>
-          <p:cNvSpPr>
-            <a:spLocks noGrp="1"/>
-          </p:cNvSpPr>
-          <p:nvPr>
-            <p:ph type="dt" sz="half" idx="10"/>
-          </p:nvPr>
-        </p:nvSpPr>
-        <p:spPr/>
-        <p:txBody>
-          <a:bodyPr/>
-          <a:lstStyle/>
-          <a:p>
-            <a:fld id="{36086CE3-90FF-5744-87D8-5D36EE4D91CC}" type="datetime1">
-              <a:rPr lang="nl-BE" smtClean="0"/>
-              <a:t>20/06/2019</a:t>
-            </a:fld>
-            <a:endParaRPr lang="en-US"/>
-          </a:p>
-        </p:txBody>
-      </p:sp>
-      <p:sp>
-        <p:nvSpPr>
-          <p:cNvPr id="5" name="Tijdelijke aanduiding voor voettekst 4">
-            <a:extLst>
-              <a:ext uri="{FF2B5EF4-FFF2-40B4-BE49-F238E27FC236}">
-                <a16:creationId xmlns:a16="http://schemas.microsoft.com/office/drawing/2014/main" id="{DC9D167B-F8C4-4137-987E-19361E326DAD}"/>
-              </a:ext>
-            </a:extLst>
-          </p:cNvPr>
-          <p:cNvSpPr>
-            <a:spLocks noGrp="1"/>
-          </p:cNvSpPr>
-          <p:nvPr>
-            <p:ph type="ftr" sz="quarter" idx="11"/>
-          </p:nvPr>
-        </p:nvSpPr>
-        <p:spPr/>
-        <p:txBody>
-          <a:bodyPr/>
-          <a:lstStyle/>
-          <a:p>
-            <a:r>
-              <a:rPr lang="en-US" dirty="0" err="1"/>
-              <a:t>Projectenwebsite</a:t>
-            </a:r>
-            <a:endParaRPr lang="en-US" dirty="0"/>
-          </a:p>
-        </p:txBody>
-      </p:sp>
-      <p:sp>
-        <p:nvSpPr>
-          <p:cNvPr id="6" name="Tijdelijke aanduiding voor dianummer 5">
-            <a:extLst>
-              <a:ext uri="{FF2B5EF4-FFF2-40B4-BE49-F238E27FC236}">
-                <a16:creationId xmlns:a16="http://schemas.microsoft.com/office/drawing/2014/main" id="{BE6BDC19-8FD4-4E12-8E8B-5B9EC78003DD}"/>
-              </a:ext>
-            </a:extLst>
-          </p:cNvPr>
-          <p:cNvSpPr>
-            <a:spLocks noGrp="1"/>
-          </p:cNvSpPr>
-          <p:nvPr>
-            <p:ph type="sldNum" sz="quarter" idx="12"/>
-          </p:nvPr>
-        </p:nvSpPr>
-        <p:spPr/>
-        <p:txBody>
-          <a:bodyPr/>
-          <a:lstStyle/>
-          <a:p>
-            <a:fld id="{FCA3638F-6D52-644A-9831-93255061F043}" type="slidenum">
-              <a:rPr lang="nl-BE" smtClean="0"/>
-              <a:t>9</a:t>
-            </a:fld>
-            <a:endParaRPr lang="nl-BE"/>
-          </a:p>
-        </p:txBody>
-      </p:sp>
-      <p:pic>
-        <p:nvPicPr>
-          <p:cNvPr id="2052" name="Picture 4" descr="Afbeeldingsresultaat voor laravel png">
-            <a:extLst>
-              <a:ext uri="{FF2B5EF4-FFF2-40B4-BE49-F238E27FC236}">
-                <a16:creationId xmlns:a16="http://schemas.microsoft.com/office/drawing/2014/main" id="{EA0F2ADC-55F8-4958-944A-18288C3F19AD}"/>
+                <a16:creationId xmlns:a16="http://schemas.microsoft.com/office/drawing/2014/main" id="{B6C79514-27AD-4AAD-9443-6BE86CD4D059}"/>
               </a:ext>
             </a:extLst>
           </p:cNvPr>
           <p:cNvPicPr>
-            <a:picLocks noChangeAspect="1" noChangeArrowheads="1"/>
+            <a:picLocks noGrp="1" noChangeAspect="1"/>
           </p:cNvPicPr>
-          <p:nvPr/>
+          <p:nvPr>
+            <p:ph idx="1"/>
+          </p:nvPr>
         </p:nvPicPr>
         <p:blipFill>
-          <a:blip r:embed="rId2">
-            <a:extLst>
-              <a:ext uri="{28A0092B-C50C-407E-A947-70E740481C1C}">
-                <a14:useLocalDpi xmlns:a14="http://schemas.microsoft.com/office/drawing/2010/main" val="0"/>
-              </a:ext>
-            </a:extLst>
-          </a:blip>
-          <a:srcRect/>
+          <a:blip r:embed="rId2"/>
           <a:stretch>
             <a:fillRect/>
           </a:stretch>
         </p:blipFill>
-        <p:spPr bwMode="auto">
+        <p:spPr>
           <a:xfrm>
-            <a:off x="1021080" y="3693160"/>
-            <a:ext cx="5334000" cy="2000250"/>
+            <a:off x="2875956" y="1934711"/>
+            <a:ext cx="3592835" cy="3801942"/>
+          </a:xfrm>
+        </p:spPr>
+      </p:pic>
+      <p:sp>
+        <p:nvSpPr>
+          <p:cNvPr id="4" name="Tijdelijke aanduiding voor datum 3">
+            <a:extLst>
+              <a:ext uri="{FF2B5EF4-FFF2-40B4-BE49-F238E27FC236}">
+                <a16:creationId xmlns:a16="http://schemas.microsoft.com/office/drawing/2014/main" id="{3119DBD2-003A-4BEB-BBF8-5B71A56355A9}"/>
+              </a:ext>
+            </a:extLst>
+          </p:cNvPr>
+          <p:cNvSpPr>
+            <a:spLocks noGrp="1"/>
+          </p:cNvSpPr>
+          <p:nvPr>
+            <p:ph type="dt" sz="half" idx="10"/>
+          </p:nvPr>
+        </p:nvSpPr>
+        <p:spPr/>
+        <p:txBody>
+          <a:bodyPr/>
+          <a:lstStyle/>
+          <a:p>
+            <a:fld id="{36086CE3-90FF-5744-87D8-5D36EE4D91CC}" type="datetime1">
+              <a:rPr lang="nl-NL" smtClean="0"/>
+              <a:t>20-6-2019</a:t>
+            </a:fld>
+            <a:endParaRPr lang="en-US"/>
+          </a:p>
+        </p:txBody>
+      </p:sp>
+      <p:sp>
+        <p:nvSpPr>
+          <p:cNvPr id="5" name="Tijdelijke aanduiding voor voettekst 4">
+            <a:extLst>
+              <a:ext uri="{FF2B5EF4-FFF2-40B4-BE49-F238E27FC236}">
+                <a16:creationId xmlns:a16="http://schemas.microsoft.com/office/drawing/2014/main" id="{5A61ABE5-658B-4B52-9006-DF00CD6B67D1}"/>
+              </a:ext>
+            </a:extLst>
+          </p:cNvPr>
+          <p:cNvSpPr>
+            <a:spLocks noGrp="1"/>
+          </p:cNvSpPr>
+          <p:nvPr>
+            <p:ph type="ftr" sz="quarter" idx="11"/>
+          </p:nvPr>
+        </p:nvSpPr>
+        <p:spPr/>
+        <p:txBody>
+          <a:bodyPr/>
+          <a:lstStyle/>
+          <a:p>
+            <a:r>
+              <a:rPr lang="en-US" dirty="0" err="1"/>
+              <a:t>Projectenwebsite</a:t>
+            </a:r>
+            <a:endParaRPr lang="en-US" dirty="0"/>
+          </a:p>
+        </p:txBody>
+      </p:sp>
+      <p:sp>
+        <p:nvSpPr>
+          <p:cNvPr id="6" name="Tijdelijke aanduiding voor dianummer 5">
+            <a:extLst>
+              <a:ext uri="{FF2B5EF4-FFF2-40B4-BE49-F238E27FC236}">
+                <a16:creationId xmlns:a16="http://schemas.microsoft.com/office/drawing/2014/main" id="{9862FE33-A8B4-44CE-B669-EA116B5396CC}"/>
+              </a:ext>
+            </a:extLst>
+          </p:cNvPr>
+          <p:cNvSpPr>
+            <a:spLocks noGrp="1"/>
+          </p:cNvSpPr>
+          <p:nvPr>
+            <p:ph type="sldNum" sz="quarter" idx="12"/>
+          </p:nvPr>
+        </p:nvSpPr>
+        <p:spPr/>
+        <p:txBody>
+          <a:bodyPr/>
+          <a:lstStyle/>
+          <a:p>
+            <a:fld id="{FCA3638F-6D52-644A-9831-93255061F043}" type="slidenum">
+              <a:rPr lang="nl-NL" smtClean="0"/>
+              <a:t>9</a:t>
+            </a:fld>
+            <a:endParaRPr lang="nl-NL"/>
+          </a:p>
+        </p:txBody>
+      </p:sp>
+      <p:sp>
+        <p:nvSpPr>
+          <p:cNvPr id="7" name="Rechthoek 6"/>
+          <p:cNvSpPr/>
+          <p:nvPr/>
+        </p:nvSpPr>
+        <p:spPr>
+          <a:xfrm>
+            <a:off x="5280183" y="5528904"/>
+            <a:ext cx="1388522" cy="415498"/>
           </a:xfrm>
           <a:prstGeom prst="rect">
             <a:avLst/>
           </a:prstGeom>
-          <a:noFill/>
-          <a:extLst>
-            <a:ext uri="{909E8E84-426E-40DD-AFC4-6F175D3DCCD1}">
-              <a14:hiddenFill xmlns:a14="http://schemas.microsoft.com/office/drawing/2010/main">
-                <a:solidFill>
-                  <a:srgbClr val="FFFFFF"/>
-                </a:solidFill>
-              </a14:hiddenFill>
-            </a:ext>
-          </a:extLst>
         </p:spPr>
-      </p:pic>
+        <p:txBody>
+          <a:bodyPr wrap="none">
+            <a:spAutoFit/>
+          </a:bodyPr>
+          <a:lstStyle/>
+          <a:p>
+            <a:r>
+              <a:rPr lang="nl-NL" sz="1050" b="1" dirty="0"/>
+              <a:t>Fig. 12:BootstrapVue</a:t>
+            </a:r>
+          </a:p>
+          <a:p>
+            <a:endParaRPr lang="nl-NL" sz="1050" b="1" dirty="0"/>
+          </a:p>
+        </p:txBody>
+      </p:sp>
     </p:spTree>
     <p:extLst>
       <p:ext uri="{BB962C8B-B14F-4D97-AF65-F5344CB8AC3E}">
-        <p14:creationId xmlns:p14="http://schemas.microsoft.com/office/powerpoint/2010/main" val="2446981455"/>
+        <p14:creationId xmlns:p14="http://schemas.microsoft.com/office/powerpoint/2010/main" val="500044303"/>
       </p:ext>
     </p:extLst>
   </p:cSld>
